--- a/images/pygame_rect_window.pptx
+++ b/images/pygame_rect_window.pptx
@@ -6,6 +6,7 @@
   </p:sldMasterIdLst>
   <p:sldIdLst>
     <p:sldId id="257" r:id="rId2"/>
+    <p:sldId id="258" r:id="rId3"/>
   </p:sldIdLst>
   <p:sldSz cx="12192000" cy="6858000"/>
   <p:notesSz cx="6858000" cy="9144000"/>
@@ -245,7 +246,7 @@
           <a:p>
             <a:fld id="{856FFBE8-0159-4FDA-8D70-04C5D85E84A4}" type="datetimeFigureOut">
               <a:rPr lang="en-US" smtClean="0"/>
-              <a:t>5/26/2017</a:t>
+              <a:t>5/27/2017</a:t>
             </a:fld>
             <a:endParaRPr lang="en-US"/>
           </a:p>
@@ -413,7 +414,7 @@
           <a:p>
             <a:fld id="{856FFBE8-0159-4FDA-8D70-04C5D85E84A4}" type="datetimeFigureOut">
               <a:rPr lang="en-US" smtClean="0"/>
-              <a:t>5/26/2017</a:t>
+              <a:t>5/27/2017</a:t>
             </a:fld>
             <a:endParaRPr lang="en-US"/>
           </a:p>
@@ -591,7 +592,7 @@
           <a:p>
             <a:fld id="{856FFBE8-0159-4FDA-8D70-04C5D85E84A4}" type="datetimeFigureOut">
               <a:rPr lang="en-US" smtClean="0"/>
-              <a:t>5/26/2017</a:t>
+              <a:t>5/27/2017</a:t>
             </a:fld>
             <a:endParaRPr lang="en-US"/>
           </a:p>
@@ -759,7 +760,7 @@
           <a:p>
             <a:fld id="{856FFBE8-0159-4FDA-8D70-04C5D85E84A4}" type="datetimeFigureOut">
               <a:rPr lang="en-US" smtClean="0"/>
-              <a:t>5/26/2017</a:t>
+              <a:t>5/27/2017</a:t>
             </a:fld>
             <a:endParaRPr lang="en-US"/>
           </a:p>
@@ -1004,7 +1005,7 @@
           <a:p>
             <a:fld id="{856FFBE8-0159-4FDA-8D70-04C5D85E84A4}" type="datetimeFigureOut">
               <a:rPr lang="en-US" smtClean="0"/>
-              <a:t>5/26/2017</a:t>
+              <a:t>5/27/2017</a:t>
             </a:fld>
             <a:endParaRPr lang="en-US"/>
           </a:p>
@@ -1233,7 +1234,7 @@
           <a:p>
             <a:fld id="{856FFBE8-0159-4FDA-8D70-04C5D85E84A4}" type="datetimeFigureOut">
               <a:rPr lang="en-US" smtClean="0"/>
-              <a:t>5/26/2017</a:t>
+              <a:t>5/27/2017</a:t>
             </a:fld>
             <a:endParaRPr lang="en-US"/>
           </a:p>
@@ -1597,7 +1598,7 @@
           <a:p>
             <a:fld id="{856FFBE8-0159-4FDA-8D70-04C5D85E84A4}" type="datetimeFigureOut">
               <a:rPr lang="en-US" smtClean="0"/>
-              <a:t>5/26/2017</a:t>
+              <a:t>5/27/2017</a:t>
             </a:fld>
             <a:endParaRPr lang="en-US"/>
           </a:p>
@@ -1714,7 +1715,7 @@
           <a:p>
             <a:fld id="{856FFBE8-0159-4FDA-8D70-04C5D85E84A4}" type="datetimeFigureOut">
               <a:rPr lang="en-US" smtClean="0"/>
-              <a:t>5/26/2017</a:t>
+              <a:t>5/27/2017</a:t>
             </a:fld>
             <a:endParaRPr lang="en-US"/>
           </a:p>
@@ -1809,7 +1810,7 @@
           <a:p>
             <a:fld id="{856FFBE8-0159-4FDA-8D70-04C5D85E84A4}" type="datetimeFigureOut">
               <a:rPr lang="en-US" smtClean="0"/>
-              <a:t>5/26/2017</a:t>
+              <a:t>5/27/2017</a:t>
             </a:fld>
             <a:endParaRPr lang="en-US"/>
           </a:p>
@@ -2084,7 +2085,7 @@
           <a:p>
             <a:fld id="{856FFBE8-0159-4FDA-8D70-04C5D85E84A4}" type="datetimeFigureOut">
               <a:rPr lang="en-US" smtClean="0"/>
-              <a:t>5/26/2017</a:t>
+              <a:t>5/27/2017</a:t>
             </a:fld>
             <a:endParaRPr lang="en-US"/>
           </a:p>
@@ -2336,7 +2337,7 @@
           <a:p>
             <a:fld id="{856FFBE8-0159-4FDA-8D70-04C5D85E84A4}" type="datetimeFigureOut">
               <a:rPr lang="en-US" smtClean="0"/>
-              <a:t>5/26/2017</a:t>
+              <a:t>5/27/2017</a:t>
             </a:fld>
             <a:endParaRPr lang="en-US"/>
           </a:p>
@@ -2547,7 +2548,7 @@
           <a:p>
             <a:fld id="{856FFBE8-0159-4FDA-8D70-04C5D85E84A4}" type="datetimeFigureOut">
               <a:rPr lang="en-US" smtClean="0"/>
-              <a:t>5/26/2017</a:t>
+              <a:t>5/27/2017</a:t>
             </a:fld>
             <a:endParaRPr lang="en-US"/>
           </a:p>
@@ -3563,6 +3564,651 @@
 </p:sld>
 </file>
 
+<file path=ppt/slides/slide2.xml><?xml version="1.0" encoding="utf-8"?>
+<p:sld xmlns:a="http://schemas.openxmlformats.org/drawingml/2006/main" xmlns:r="http://schemas.openxmlformats.org/officeDocument/2006/relationships" xmlns:p="http://schemas.openxmlformats.org/presentationml/2006/main">
+  <p:cSld>
+    <p:spTree>
+      <p:nvGrpSpPr>
+        <p:cNvPr id="1" name=""/>
+        <p:cNvGrpSpPr/>
+        <p:nvPr/>
+      </p:nvGrpSpPr>
+      <p:grpSpPr>
+        <a:xfrm>
+          <a:off x="0" y="0"/>
+          <a:ext cx="0" cy="0"/>
+          <a:chOff x="0" y="0"/>
+          <a:chExt cx="0" cy="0"/>
+        </a:xfrm>
+      </p:grpSpPr>
+      <p:sp>
+        <p:nvSpPr>
+          <p:cNvPr id="5" name="Rectangle 4"/>
+          <p:cNvSpPr/>
+          <p:nvPr/>
+        </p:nvSpPr>
+        <p:spPr>
+          <a:xfrm>
+            <a:off x="3075140" y="1678488"/>
+            <a:ext cx="3331923" cy="1465545"/>
+          </a:xfrm>
+          <a:prstGeom prst="rect">
+            <a:avLst/>
+          </a:prstGeom>
+          <a:solidFill>
+            <a:schemeClr val="accent1">
+              <a:lumMod val="40000"/>
+              <a:lumOff val="60000"/>
+            </a:schemeClr>
+          </a:solidFill>
+          <a:ln>
+            <a:solidFill>
+              <a:schemeClr val="accent1">
+                <a:lumMod val="40000"/>
+                <a:lumOff val="60000"/>
+              </a:schemeClr>
+            </a:solidFill>
+          </a:ln>
+        </p:spPr>
+        <p:style>
+          <a:lnRef idx="2">
+            <a:schemeClr val="accent1">
+              <a:shade val="50000"/>
+            </a:schemeClr>
+          </a:lnRef>
+          <a:fillRef idx="1">
+            <a:schemeClr val="accent1"/>
+          </a:fillRef>
+          <a:effectRef idx="0">
+            <a:schemeClr val="accent1"/>
+          </a:effectRef>
+          <a:fontRef idx="minor">
+            <a:schemeClr val="lt1"/>
+          </a:fontRef>
+        </p:style>
+        <p:txBody>
+          <a:bodyPr rtlCol="0" anchor="ctr"/>
+          <a:lstStyle/>
+          <a:p>
+            <a:pPr algn="ctr"/>
+            <a:endParaRPr lang="en-US"/>
+          </a:p>
+        </p:txBody>
+      </p:sp>
+      <p:sp>
+        <p:nvSpPr>
+          <p:cNvPr id="4" name="Oval 3"/>
+          <p:cNvSpPr/>
+          <p:nvPr/>
+        </p:nvSpPr>
+        <p:spPr>
+          <a:xfrm>
+            <a:off x="3075140" y="1691014"/>
+            <a:ext cx="3313134" cy="1434230"/>
+          </a:xfrm>
+          <a:prstGeom prst="ellipse">
+            <a:avLst/>
+          </a:prstGeom>
+          <a:solidFill>
+            <a:schemeClr val="accent1">
+              <a:lumMod val="75000"/>
+            </a:schemeClr>
+          </a:solidFill>
+          <a:ln>
+            <a:solidFill>
+              <a:schemeClr val="accent1">
+                <a:lumMod val="75000"/>
+              </a:schemeClr>
+            </a:solidFill>
+          </a:ln>
+        </p:spPr>
+        <p:style>
+          <a:lnRef idx="2">
+            <a:schemeClr val="accent1">
+              <a:shade val="50000"/>
+            </a:schemeClr>
+          </a:lnRef>
+          <a:fillRef idx="1">
+            <a:schemeClr val="accent1"/>
+          </a:fillRef>
+          <a:effectRef idx="0">
+            <a:schemeClr val="accent1"/>
+          </a:effectRef>
+          <a:fontRef idx="minor">
+            <a:schemeClr val="lt1"/>
+          </a:fontRef>
+        </p:style>
+        <p:txBody>
+          <a:bodyPr rtlCol="0" anchor="ctr"/>
+          <a:lstStyle/>
+          <a:p>
+            <a:pPr algn="ctr"/>
+            <a:endParaRPr lang="en-US"/>
+          </a:p>
+        </p:txBody>
+      </p:sp>
+      <p:sp>
+        <p:nvSpPr>
+          <p:cNvPr id="6" name="Right Brace 5"/>
+          <p:cNvSpPr/>
+          <p:nvPr/>
+        </p:nvSpPr>
+        <p:spPr>
+          <a:xfrm rot="5400000">
+            <a:off x="4622448" y="1596724"/>
+            <a:ext cx="237305" cy="3331923"/>
+          </a:xfrm>
+          <a:prstGeom prst="rightBrace">
+            <a:avLst/>
+          </a:prstGeom>
+        </p:spPr>
+        <p:style>
+          <a:lnRef idx="1">
+            <a:schemeClr val="accent1"/>
+          </a:lnRef>
+          <a:fillRef idx="0">
+            <a:schemeClr val="accent1"/>
+          </a:fillRef>
+          <a:effectRef idx="0">
+            <a:schemeClr val="accent1"/>
+          </a:effectRef>
+          <a:fontRef idx="minor">
+            <a:schemeClr val="tx1"/>
+          </a:fontRef>
+        </p:style>
+        <p:txBody>
+          <a:bodyPr rtlCol="0" anchor="ctr"/>
+          <a:lstStyle/>
+          <a:p>
+            <a:pPr algn="ctr"/>
+            <a:endParaRPr lang="en-US"/>
+          </a:p>
+        </p:txBody>
+      </p:sp>
+      <p:sp>
+        <p:nvSpPr>
+          <p:cNvPr id="7" name="TextBox 6"/>
+          <p:cNvSpPr txBox="1"/>
+          <p:nvPr/>
+        </p:nvSpPr>
+        <p:spPr>
+          <a:xfrm>
+            <a:off x="4503107" y="3338187"/>
+            <a:ext cx="542136" cy="276999"/>
+          </a:xfrm>
+          <a:prstGeom prst="rect">
+            <a:avLst/>
+          </a:prstGeom>
+          <a:noFill/>
+        </p:spPr>
+        <p:txBody>
+          <a:bodyPr wrap="none" rtlCol="0">
+            <a:spAutoFit/>
+          </a:bodyPr>
+          <a:lstStyle/>
+          <a:p>
+            <a:r>
+              <a:rPr lang="en-US" sz="1200" dirty="0"/>
+              <a:t>width</a:t>
+            </a:r>
+          </a:p>
+        </p:txBody>
+      </p:sp>
+      <p:sp>
+        <p:nvSpPr>
+          <p:cNvPr id="8" name="Right Brace 7"/>
+          <p:cNvSpPr/>
+          <p:nvPr/>
+        </p:nvSpPr>
+        <p:spPr>
+          <a:xfrm>
+            <a:off x="6407062" y="1691014"/>
+            <a:ext cx="312024" cy="1453019"/>
+          </a:xfrm>
+          <a:prstGeom prst="rightBrace">
+            <a:avLst/>
+          </a:prstGeom>
+        </p:spPr>
+        <p:style>
+          <a:lnRef idx="1">
+            <a:schemeClr val="accent1"/>
+          </a:lnRef>
+          <a:fillRef idx="0">
+            <a:schemeClr val="accent1"/>
+          </a:fillRef>
+          <a:effectRef idx="0">
+            <a:schemeClr val="accent1"/>
+          </a:effectRef>
+          <a:fontRef idx="minor">
+            <a:schemeClr val="tx1"/>
+          </a:fontRef>
+        </p:style>
+        <p:txBody>
+          <a:bodyPr rtlCol="0" anchor="ctr"/>
+          <a:lstStyle/>
+          <a:p>
+            <a:pPr algn="ctr"/>
+            <a:endParaRPr lang="en-US"/>
+          </a:p>
+        </p:txBody>
+      </p:sp>
+      <p:sp>
+        <p:nvSpPr>
+          <p:cNvPr id="9" name="TextBox 8"/>
+          <p:cNvSpPr txBox="1"/>
+          <p:nvPr/>
+        </p:nvSpPr>
+        <p:spPr>
+          <a:xfrm rot="5400000">
+            <a:off x="6567986" y="2279024"/>
+            <a:ext cx="579198" cy="276999"/>
+          </a:xfrm>
+          <a:prstGeom prst="rect">
+            <a:avLst/>
+          </a:prstGeom>
+          <a:noFill/>
+        </p:spPr>
+        <p:txBody>
+          <a:bodyPr wrap="none" rtlCol="0">
+            <a:spAutoFit/>
+          </a:bodyPr>
+          <a:lstStyle/>
+          <a:p>
+            <a:r>
+              <a:rPr lang="en-US" sz="1200" dirty="0"/>
+              <a:t>height</a:t>
+            </a:r>
+          </a:p>
+        </p:txBody>
+      </p:sp>
+      <p:sp>
+        <p:nvSpPr>
+          <p:cNvPr id="10" name="Freeform: Shape 9"/>
+          <p:cNvSpPr/>
+          <p:nvPr/>
+        </p:nvSpPr>
+        <p:spPr>
+          <a:xfrm rot="11160472">
+            <a:off x="2392471" y="1885167"/>
+            <a:ext cx="801666" cy="200417"/>
+          </a:xfrm>
+          <a:custGeom>
+            <a:avLst/>
+            <a:gdLst>
+              <a:gd name="connsiteX0" fmla="*/ 801666 w 801666"/>
+              <a:gd name="connsiteY0" fmla="*/ 0 h 200417"/>
+              <a:gd name="connsiteX1" fmla="*/ 457200 w 801666"/>
+              <a:gd name="connsiteY1" fmla="*/ 125260 h 200417"/>
+              <a:gd name="connsiteX2" fmla="*/ 256784 w 801666"/>
+              <a:gd name="connsiteY2" fmla="*/ 6263 h 200417"/>
+              <a:gd name="connsiteX3" fmla="*/ 0 w 801666"/>
+              <a:gd name="connsiteY3" fmla="*/ 200417 h 200417"/>
+              <a:gd name="connsiteX4" fmla="*/ 0 w 801666"/>
+              <a:gd name="connsiteY4" fmla="*/ 200417 h 200417"/>
+            </a:gdLst>
+            <a:ahLst/>
+            <a:cxnLst>
+              <a:cxn ang="0">
+                <a:pos x="connsiteX0" y="connsiteY0"/>
+              </a:cxn>
+              <a:cxn ang="0">
+                <a:pos x="connsiteX1" y="connsiteY1"/>
+              </a:cxn>
+              <a:cxn ang="0">
+                <a:pos x="connsiteX2" y="connsiteY2"/>
+              </a:cxn>
+              <a:cxn ang="0">
+                <a:pos x="connsiteX3" y="connsiteY3"/>
+              </a:cxn>
+              <a:cxn ang="0">
+                <a:pos x="connsiteX4" y="connsiteY4"/>
+              </a:cxn>
+            </a:cxnLst>
+            <a:rect l="l" t="t" r="r" b="b"/>
+            <a:pathLst>
+              <a:path w="801666" h="200417">
+                <a:moveTo>
+                  <a:pt x="801666" y="0"/>
+                </a:moveTo>
+                <a:cubicBezTo>
+                  <a:pt x="674840" y="62108"/>
+                  <a:pt x="548014" y="124216"/>
+                  <a:pt x="457200" y="125260"/>
+                </a:cubicBezTo>
+                <a:cubicBezTo>
+                  <a:pt x="366386" y="126304"/>
+                  <a:pt x="332984" y="-6263"/>
+                  <a:pt x="256784" y="6263"/>
+                </a:cubicBezTo>
+                <a:cubicBezTo>
+                  <a:pt x="180584" y="18789"/>
+                  <a:pt x="0" y="200417"/>
+                  <a:pt x="0" y="200417"/>
+                </a:cubicBezTo>
+                <a:lnTo>
+                  <a:pt x="0" y="200417"/>
+                </a:lnTo>
+              </a:path>
+            </a:pathLst>
+          </a:custGeom>
+          <a:ln w="9525" cap="flat" cmpd="sng" algn="ctr">
+            <a:solidFill>
+              <a:schemeClr val="accent1"/>
+            </a:solidFill>
+            <a:prstDash val="solid"/>
+            <a:round/>
+            <a:headEnd type="none" w="med" len="med"/>
+            <a:tailEnd type="arrow" w="med" len="med"/>
+          </a:ln>
+        </p:spPr>
+        <p:style>
+          <a:lnRef idx="0">
+            <a:scrgbClr r="0" g="0" b="0"/>
+          </a:lnRef>
+          <a:fillRef idx="0">
+            <a:scrgbClr r="0" g="0" b="0"/>
+          </a:fillRef>
+          <a:effectRef idx="0">
+            <a:scrgbClr r="0" g="0" b="0"/>
+          </a:effectRef>
+          <a:fontRef idx="minor">
+            <a:schemeClr val="tx1"/>
+          </a:fontRef>
+        </p:style>
+        <p:txBody>
+          <a:bodyPr rtlCol="0" anchor="ctr"/>
+          <a:lstStyle/>
+          <a:p>
+            <a:pPr algn="ctr"/>
+            <a:endParaRPr lang="en-US"/>
+          </a:p>
+        </p:txBody>
+      </p:sp>
+      <p:sp>
+        <p:nvSpPr>
+          <p:cNvPr id="11" name="TextBox 10"/>
+          <p:cNvSpPr txBox="1"/>
+          <p:nvPr/>
+        </p:nvSpPr>
+        <p:spPr>
+          <a:xfrm>
+            <a:off x="1429056" y="1895255"/>
+            <a:ext cx="1036053" cy="276999"/>
+          </a:xfrm>
+          <a:prstGeom prst="rect">
+            <a:avLst/>
+          </a:prstGeom>
+          <a:noFill/>
+        </p:spPr>
+        <p:txBody>
+          <a:bodyPr wrap="none" rtlCol="0">
+            <a:spAutoFit/>
+          </a:bodyPr>
+          <a:lstStyle/>
+          <a:p>
+            <a:r>
+              <a:rPr lang="en-US" sz="1200" dirty="0"/>
+              <a:t>bounding box</a:t>
+            </a:r>
+          </a:p>
+        </p:txBody>
+      </p:sp>
+      <p:sp>
+        <p:nvSpPr>
+          <p:cNvPr id="12" name="Freeform: Shape 11"/>
+          <p:cNvSpPr/>
+          <p:nvPr/>
+        </p:nvSpPr>
+        <p:spPr>
+          <a:xfrm>
+            <a:off x="2367419" y="2110636"/>
+            <a:ext cx="832981" cy="891961"/>
+          </a:xfrm>
+          <a:custGeom>
+            <a:avLst/>
+            <a:gdLst>
+              <a:gd name="connsiteX0" fmla="*/ 0 w 832981"/>
+              <a:gd name="connsiteY0" fmla="*/ 0 h 891961"/>
+              <a:gd name="connsiteX1" fmla="*/ 388307 w 832981"/>
+              <a:gd name="connsiteY1" fmla="*/ 851769 h 891961"/>
+              <a:gd name="connsiteX2" fmla="*/ 601249 w 832981"/>
+              <a:gd name="connsiteY2" fmla="*/ 764087 h 891961"/>
+              <a:gd name="connsiteX3" fmla="*/ 832981 w 832981"/>
+              <a:gd name="connsiteY3" fmla="*/ 858032 h 891961"/>
+              <a:gd name="connsiteX4" fmla="*/ 832981 w 832981"/>
+              <a:gd name="connsiteY4" fmla="*/ 858032 h 891961"/>
+            </a:gdLst>
+            <a:ahLst/>
+            <a:cxnLst>
+              <a:cxn ang="0">
+                <a:pos x="connsiteX0" y="connsiteY0"/>
+              </a:cxn>
+              <a:cxn ang="0">
+                <a:pos x="connsiteX1" y="connsiteY1"/>
+              </a:cxn>
+              <a:cxn ang="0">
+                <a:pos x="connsiteX2" y="connsiteY2"/>
+              </a:cxn>
+              <a:cxn ang="0">
+                <a:pos x="connsiteX3" y="connsiteY3"/>
+              </a:cxn>
+              <a:cxn ang="0">
+                <a:pos x="connsiteX4" y="connsiteY4"/>
+              </a:cxn>
+            </a:cxnLst>
+            <a:rect l="l" t="t" r="r" b="b"/>
+            <a:pathLst>
+              <a:path w="832981" h="891961">
+                <a:moveTo>
+                  <a:pt x="0" y="0"/>
+                </a:moveTo>
+                <a:cubicBezTo>
+                  <a:pt x="144049" y="362210"/>
+                  <a:pt x="288099" y="724421"/>
+                  <a:pt x="388307" y="851769"/>
+                </a:cubicBezTo>
+                <a:cubicBezTo>
+                  <a:pt x="488515" y="979117"/>
+                  <a:pt x="527137" y="763043"/>
+                  <a:pt x="601249" y="764087"/>
+                </a:cubicBezTo>
+                <a:cubicBezTo>
+                  <a:pt x="675361" y="765131"/>
+                  <a:pt x="832981" y="858032"/>
+                  <a:pt x="832981" y="858032"/>
+                </a:cubicBezTo>
+                <a:lnTo>
+                  <a:pt x="832981" y="858032"/>
+                </a:lnTo>
+              </a:path>
+            </a:pathLst>
+          </a:custGeom>
+          <a:ln w="9525" cap="flat" cmpd="sng" algn="ctr">
+            <a:solidFill>
+              <a:schemeClr val="accent1"/>
+            </a:solidFill>
+            <a:prstDash val="solid"/>
+            <a:round/>
+            <a:headEnd type="none" w="med" len="med"/>
+            <a:tailEnd type="arrow" w="med" len="med"/>
+          </a:ln>
+        </p:spPr>
+        <p:style>
+          <a:lnRef idx="0">
+            <a:scrgbClr r="0" g="0" b="0"/>
+          </a:lnRef>
+          <a:fillRef idx="0">
+            <a:scrgbClr r="0" g="0" b="0"/>
+          </a:fillRef>
+          <a:effectRef idx="0">
+            <a:scrgbClr r="0" g="0" b="0"/>
+          </a:effectRef>
+          <a:fontRef idx="minor">
+            <a:schemeClr val="tx1"/>
+          </a:fontRef>
+        </p:style>
+        <p:txBody>
+          <a:bodyPr rtlCol="0" anchor="ctr"/>
+          <a:lstStyle/>
+          <a:p>
+            <a:pPr algn="ctr"/>
+            <a:endParaRPr lang="en-US"/>
+          </a:p>
+        </p:txBody>
+      </p:sp>
+      <p:sp>
+        <p:nvSpPr>
+          <p:cNvPr id="13" name="TextBox 12"/>
+          <p:cNvSpPr txBox="1"/>
+          <p:nvPr/>
+        </p:nvSpPr>
+        <p:spPr>
+          <a:xfrm>
+            <a:off x="2238925" y="1329180"/>
+            <a:ext cx="452368" cy="276999"/>
+          </a:xfrm>
+          <a:prstGeom prst="rect">
+            <a:avLst/>
+          </a:prstGeom>
+          <a:noFill/>
+        </p:spPr>
+        <p:txBody>
+          <a:bodyPr wrap="none" rtlCol="0">
+            <a:spAutoFit/>
+          </a:bodyPr>
+          <a:lstStyle/>
+          <a:p>
+            <a:r>
+              <a:rPr lang="en-US" sz="1200" dirty="0"/>
+              <a:t>(</a:t>
+            </a:r>
+            <a:r>
+              <a:rPr lang="en-US" sz="1200" dirty="0" err="1"/>
+              <a:t>x,y</a:t>
+            </a:r>
+            <a:r>
+              <a:rPr lang="en-US" sz="1200" dirty="0"/>
+              <a:t>)</a:t>
+            </a:r>
+          </a:p>
+        </p:txBody>
+      </p:sp>
+      <p:sp>
+        <p:nvSpPr>
+          <p:cNvPr id="14" name="Freeform: Shape 13"/>
+          <p:cNvSpPr/>
+          <p:nvPr/>
+        </p:nvSpPr>
+        <p:spPr>
+          <a:xfrm>
+            <a:off x="2630466" y="1336364"/>
+            <a:ext cx="438411" cy="357913"/>
+          </a:xfrm>
+          <a:custGeom>
+            <a:avLst/>
+            <a:gdLst>
+              <a:gd name="connsiteX0" fmla="*/ 0 w 438411"/>
+              <a:gd name="connsiteY0" fmla="*/ 110392 h 357913"/>
+              <a:gd name="connsiteX1" fmla="*/ 319413 w 438411"/>
+              <a:gd name="connsiteY1" fmla="*/ 10184 h 357913"/>
+              <a:gd name="connsiteX2" fmla="*/ 269309 w 438411"/>
+              <a:gd name="connsiteY2" fmla="*/ 329598 h 357913"/>
+              <a:gd name="connsiteX3" fmla="*/ 438411 w 438411"/>
+              <a:gd name="connsiteY3" fmla="*/ 342124 h 357913"/>
+              <a:gd name="connsiteX4" fmla="*/ 438411 w 438411"/>
+              <a:gd name="connsiteY4" fmla="*/ 342124 h 357913"/>
+            </a:gdLst>
+            <a:ahLst/>
+            <a:cxnLst>
+              <a:cxn ang="0">
+                <a:pos x="connsiteX0" y="connsiteY0"/>
+              </a:cxn>
+              <a:cxn ang="0">
+                <a:pos x="connsiteX1" y="connsiteY1"/>
+              </a:cxn>
+              <a:cxn ang="0">
+                <a:pos x="connsiteX2" y="connsiteY2"/>
+              </a:cxn>
+              <a:cxn ang="0">
+                <a:pos x="connsiteX3" y="connsiteY3"/>
+              </a:cxn>
+              <a:cxn ang="0">
+                <a:pos x="connsiteX4" y="connsiteY4"/>
+              </a:cxn>
+            </a:cxnLst>
+            <a:rect l="l" t="t" r="r" b="b"/>
+            <a:pathLst>
+              <a:path w="438411" h="357913">
+                <a:moveTo>
+                  <a:pt x="0" y="110392"/>
+                </a:moveTo>
+                <a:cubicBezTo>
+                  <a:pt x="137264" y="42021"/>
+                  <a:pt x="274528" y="-26350"/>
+                  <a:pt x="319413" y="10184"/>
+                </a:cubicBezTo>
+                <a:cubicBezTo>
+                  <a:pt x="364298" y="46718"/>
+                  <a:pt x="249476" y="274275"/>
+                  <a:pt x="269309" y="329598"/>
+                </a:cubicBezTo>
+                <a:cubicBezTo>
+                  <a:pt x="289142" y="384921"/>
+                  <a:pt x="438411" y="342124"/>
+                  <a:pt x="438411" y="342124"/>
+                </a:cubicBezTo>
+                <a:lnTo>
+                  <a:pt x="438411" y="342124"/>
+                </a:lnTo>
+              </a:path>
+            </a:pathLst>
+          </a:custGeom>
+          <a:ln w="9525" cap="flat" cmpd="sng" algn="ctr">
+            <a:solidFill>
+              <a:schemeClr val="accent1"/>
+            </a:solidFill>
+            <a:prstDash val="solid"/>
+            <a:round/>
+            <a:headEnd type="none" w="med" len="med"/>
+            <a:tailEnd type="arrow" w="med" len="med"/>
+          </a:ln>
+        </p:spPr>
+        <p:style>
+          <a:lnRef idx="0">
+            <a:scrgbClr r="0" g="0" b="0"/>
+          </a:lnRef>
+          <a:fillRef idx="0">
+            <a:scrgbClr r="0" g="0" b="0"/>
+          </a:fillRef>
+          <a:effectRef idx="0">
+            <a:scrgbClr r="0" g="0" b="0"/>
+          </a:effectRef>
+          <a:fontRef idx="minor">
+            <a:schemeClr val="tx1"/>
+          </a:fontRef>
+        </p:style>
+        <p:txBody>
+          <a:bodyPr rtlCol="0" anchor="ctr"/>
+          <a:lstStyle/>
+          <a:p>
+            <a:pPr algn="ctr"/>
+            <a:endParaRPr lang="en-US"/>
+          </a:p>
+        </p:txBody>
+      </p:sp>
+    </p:spTree>
+    <p:extLst>
+      <p:ext uri="{BB962C8B-B14F-4D97-AF65-F5344CB8AC3E}">
+        <p14:creationId xmlns:p14="http://schemas.microsoft.com/office/powerpoint/2010/main" val="3362309811"/>
+      </p:ext>
+    </p:extLst>
+  </p:cSld>
+  <p:clrMapOvr>
+    <a:masterClrMapping/>
+  </p:clrMapOvr>
+</p:sld>
+</file>
+
 <file path=ppt/theme/theme1.xml><?xml version="1.0" encoding="utf-8"?>
 <a:theme xmlns:a="http://schemas.openxmlformats.org/drawingml/2006/main" name="Office Theme">
   <a:themeElements>

--- a/images/pygame_rect_window.pptx
+++ b/images/pygame_rect_window.pptx
@@ -7,6 +7,10 @@
   <p:sldIdLst>
     <p:sldId id="257" r:id="rId2"/>
     <p:sldId id="258" r:id="rId3"/>
+    <p:sldId id="259" r:id="rId4"/>
+    <p:sldId id="260" r:id="rId5"/>
+    <p:sldId id="261" r:id="rId6"/>
+    <p:sldId id="262" r:id="rId7"/>
   </p:sldIdLst>
   <p:sldSz cx="12192000" cy="6858000"/>
   <p:notesSz cx="6858000" cy="9144000"/>
@@ -246,7 +250,7 @@
           <a:p>
             <a:fld id="{856FFBE8-0159-4FDA-8D70-04C5D85E84A4}" type="datetimeFigureOut">
               <a:rPr lang="en-US" smtClean="0"/>
-              <a:t>5/27/2017</a:t>
+              <a:t>5/29/2017</a:t>
             </a:fld>
             <a:endParaRPr lang="en-US"/>
           </a:p>
@@ -414,7 +418,7 @@
           <a:p>
             <a:fld id="{856FFBE8-0159-4FDA-8D70-04C5D85E84A4}" type="datetimeFigureOut">
               <a:rPr lang="en-US" smtClean="0"/>
-              <a:t>5/27/2017</a:t>
+              <a:t>5/29/2017</a:t>
             </a:fld>
             <a:endParaRPr lang="en-US"/>
           </a:p>
@@ -592,7 +596,7 @@
           <a:p>
             <a:fld id="{856FFBE8-0159-4FDA-8D70-04C5D85E84A4}" type="datetimeFigureOut">
               <a:rPr lang="en-US" smtClean="0"/>
-              <a:t>5/27/2017</a:t>
+              <a:t>5/29/2017</a:t>
             </a:fld>
             <a:endParaRPr lang="en-US"/>
           </a:p>
@@ -760,7 +764,7 @@
           <a:p>
             <a:fld id="{856FFBE8-0159-4FDA-8D70-04C5D85E84A4}" type="datetimeFigureOut">
               <a:rPr lang="en-US" smtClean="0"/>
-              <a:t>5/27/2017</a:t>
+              <a:t>5/29/2017</a:t>
             </a:fld>
             <a:endParaRPr lang="en-US"/>
           </a:p>
@@ -1005,7 +1009,7 @@
           <a:p>
             <a:fld id="{856FFBE8-0159-4FDA-8D70-04C5D85E84A4}" type="datetimeFigureOut">
               <a:rPr lang="en-US" smtClean="0"/>
-              <a:t>5/27/2017</a:t>
+              <a:t>5/29/2017</a:t>
             </a:fld>
             <a:endParaRPr lang="en-US"/>
           </a:p>
@@ -1234,7 +1238,7 @@
           <a:p>
             <a:fld id="{856FFBE8-0159-4FDA-8D70-04C5D85E84A4}" type="datetimeFigureOut">
               <a:rPr lang="en-US" smtClean="0"/>
-              <a:t>5/27/2017</a:t>
+              <a:t>5/29/2017</a:t>
             </a:fld>
             <a:endParaRPr lang="en-US"/>
           </a:p>
@@ -1598,7 +1602,7 @@
           <a:p>
             <a:fld id="{856FFBE8-0159-4FDA-8D70-04C5D85E84A4}" type="datetimeFigureOut">
               <a:rPr lang="en-US" smtClean="0"/>
-              <a:t>5/27/2017</a:t>
+              <a:t>5/29/2017</a:t>
             </a:fld>
             <a:endParaRPr lang="en-US"/>
           </a:p>
@@ -1715,7 +1719,7 @@
           <a:p>
             <a:fld id="{856FFBE8-0159-4FDA-8D70-04C5D85E84A4}" type="datetimeFigureOut">
               <a:rPr lang="en-US" smtClean="0"/>
-              <a:t>5/27/2017</a:t>
+              <a:t>5/29/2017</a:t>
             </a:fld>
             <a:endParaRPr lang="en-US"/>
           </a:p>
@@ -1810,7 +1814,7 @@
           <a:p>
             <a:fld id="{856FFBE8-0159-4FDA-8D70-04C5D85E84A4}" type="datetimeFigureOut">
               <a:rPr lang="en-US" smtClean="0"/>
-              <a:t>5/27/2017</a:t>
+              <a:t>5/29/2017</a:t>
             </a:fld>
             <a:endParaRPr lang="en-US"/>
           </a:p>
@@ -2085,7 +2089,7 @@
           <a:p>
             <a:fld id="{856FFBE8-0159-4FDA-8D70-04C5D85E84A4}" type="datetimeFigureOut">
               <a:rPr lang="en-US" smtClean="0"/>
-              <a:t>5/27/2017</a:t>
+              <a:t>5/29/2017</a:t>
             </a:fld>
             <a:endParaRPr lang="en-US"/>
           </a:p>
@@ -2337,7 +2341,7 @@
           <a:p>
             <a:fld id="{856FFBE8-0159-4FDA-8D70-04C5D85E84A4}" type="datetimeFigureOut">
               <a:rPr lang="en-US" smtClean="0"/>
-              <a:t>5/27/2017</a:t>
+              <a:t>5/29/2017</a:t>
             </a:fld>
             <a:endParaRPr lang="en-US"/>
           </a:p>
@@ -2548,7 +2552,7 @@
           <a:p>
             <a:fld id="{856FFBE8-0159-4FDA-8D70-04C5D85E84A4}" type="datetimeFigureOut">
               <a:rPr lang="en-US" smtClean="0"/>
-              <a:t>5/27/2017</a:t>
+              <a:t>5/29/2017</a:t>
             </a:fld>
             <a:endParaRPr lang="en-US"/>
           </a:p>
@@ -4209,6 +4213,1491 @@
 </p:sld>
 </file>
 
+<file path=ppt/slides/slide3.xml><?xml version="1.0" encoding="utf-8"?>
+<p:sld xmlns:a="http://schemas.openxmlformats.org/drawingml/2006/main" xmlns:r="http://schemas.openxmlformats.org/officeDocument/2006/relationships" xmlns:p="http://schemas.openxmlformats.org/presentationml/2006/main">
+  <p:cSld>
+    <p:spTree>
+      <p:nvGrpSpPr>
+        <p:cNvPr id="1" name=""/>
+        <p:cNvGrpSpPr/>
+        <p:nvPr/>
+      </p:nvGrpSpPr>
+      <p:grpSpPr>
+        <a:xfrm>
+          <a:off x="0" y="0"/>
+          <a:ext cx="0" cy="0"/>
+          <a:chOff x="0" y="0"/>
+          <a:chExt cx="0" cy="0"/>
+        </a:xfrm>
+      </p:grpSpPr>
+      <p:sp>
+        <p:nvSpPr>
+          <p:cNvPr id="4" name="Rectangle 3"/>
+          <p:cNvSpPr/>
+          <p:nvPr/>
+        </p:nvSpPr>
+        <p:spPr>
+          <a:xfrm>
+            <a:off x="1893209" y="1542128"/>
+            <a:ext cx="682668" cy="601249"/>
+          </a:xfrm>
+          <a:prstGeom prst="rect">
+            <a:avLst/>
+          </a:prstGeom>
+          <a:solidFill>
+            <a:schemeClr val="bg1"/>
+          </a:solidFill>
+        </p:spPr>
+        <p:style>
+          <a:lnRef idx="2">
+            <a:schemeClr val="accent1">
+              <a:shade val="50000"/>
+            </a:schemeClr>
+          </a:lnRef>
+          <a:fillRef idx="1">
+            <a:schemeClr val="accent1"/>
+          </a:fillRef>
+          <a:effectRef idx="0">
+            <a:schemeClr val="accent1"/>
+          </a:effectRef>
+          <a:fontRef idx="minor">
+            <a:schemeClr val="lt1"/>
+          </a:fontRef>
+        </p:style>
+        <p:txBody>
+          <a:bodyPr rtlCol="0" anchor="ctr"/>
+          <a:lstStyle/>
+          <a:p>
+            <a:pPr algn="ctr"/>
+            <a:r>
+              <a:rPr lang="en-US" sz="1200" dirty="0">
+                <a:solidFill>
+                  <a:schemeClr val="tx1">
+                    <a:lumMod val="95000"/>
+                    <a:lumOff val="5000"/>
+                  </a:schemeClr>
+                </a:solidFill>
+                <a:latin typeface="Consolas" panose="020B0609020204030204" pitchFamily="49" charset="0"/>
+              </a:rPr>
+              <a:t>73</a:t>
+            </a:r>
+          </a:p>
+        </p:txBody>
+      </p:sp>
+      <p:sp>
+        <p:nvSpPr>
+          <p:cNvPr id="5" name="TextBox 4"/>
+          <p:cNvSpPr txBox="1"/>
+          <p:nvPr/>
+        </p:nvSpPr>
+        <p:spPr>
+          <a:xfrm>
+            <a:off x="1824316" y="1260292"/>
+            <a:ext cx="269626" cy="276999"/>
+          </a:xfrm>
+          <a:prstGeom prst="rect">
+            <a:avLst/>
+          </a:prstGeom>
+          <a:noFill/>
+        </p:spPr>
+        <p:txBody>
+          <a:bodyPr wrap="none" rtlCol="0">
+            <a:spAutoFit/>
+          </a:bodyPr>
+          <a:lstStyle/>
+          <a:p>
+            <a:r>
+              <a:rPr lang="en-US" sz="1200" dirty="0">
+                <a:latin typeface="Consolas" panose="020B0609020204030204" pitchFamily="49" charset="0"/>
+              </a:rPr>
+              <a:t>x</a:t>
+            </a:r>
+          </a:p>
+        </p:txBody>
+      </p:sp>
+      <p:pic>
+        <p:nvPicPr>
+          <p:cNvPr id="6" name="Picture 5"/>
+          <p:cNvPicPr>
+            <a:picLocks noChangeAspect="1"/>
+          </p:cNvPicPr>
+          <p:nvPr/>
+        </p:nvPicPr>
+        <p:blipFill>
+          <a:blip r:embed="rId2"/>
+          <a:stretch>
+            <a:fillRect/>
+          </a:stretch>
+        </p:blipFill>
+        <p:spPr>
+          <a:xfrm>
+            <a:off x="4068219" y="1260292"/>
+            <a:ext cx="2013167" cy="1444665"/>
+          </a:xfrm>
+          <a:prstGeom prst="rect">
+            <a:avLst/>
+          </a:prstGeom>
+        </p:spPr>
+      </p:pic>
+      <p:sp>
+        <p:nvSpPr>
+          <p:cNvPr id="7" name="TextBox 6"/>
+          <p:cNvSpPr txBox="1"/>
+          <p:nvPr/>
+        </p:nvSpPr>
+        <p:spPr>
+          <a:xfrm>
+            <a:off x="3102276" y="1774518"/>
+            <a:ext cx="439544" cy="276999"/>
+          </a:xfrm>
+          <a:prstGeom prst="rect">
+            <a:avLst/>
+          </a:prstGeom>
+          <a:noFill/>
+        </p:spPr>
+        <p:txBody>
+          <a:bodyPr wrap="none" rtlCol="0">
+            <a:spAutoFit/>
+          </a:bodyPr>
+          <a:lstStyle/>
+          <a:p>
+            <a:r>
+              <a:rPr lang="en-US" sz="1200" dirty="0">
+                <a:latin typeface="Consolas" panose="020B0609020204030204" pitchFamily="49" charset="0"/>
+              </a:rPr>
+              <a:t>win</a:t>
+            </a:r>
+          </a:p>
+        </p:txBody>
+      </p:sp>
+      <p:sp>
+        <p:nvSpPr>
+          <p:cNvPr id="8" name="Freeform: Shape 7"/>
+          <p:cNvSpPr/>
+          <p:nvPr/>
+        </p:nvSpPr>
+        <p:spPr>
+          <a:xfrm>
+            <a:off x="3356975" y="1653251"/>
+            <a:ext cx="707721" cy="238238"/>
+          </a:xfrm>
+          <a:custGeom>
+            <a:avLst/>
+            <a:gdLst>
+              <a:gd name="connsiteX0" fmla="*/ 0 w 707721"/>
+              <a:gd name="connsiteY0" fmla="*/ 206864 h 238238"/>
+              <a:gd name="connsiteX1" fmla="*/ 225469 w 707721"/>
+              <a:gd name="connsiteY1" fmla="*/ 185 h 238238"/>
+              <a:gd name="connsiteX2" fmla="*/ 457200 w 707721"/>
+              <a:gd name="connsiteY2" fmla="*/ 238179 h 238238"/>
+              <a:gd name="connsiteX3" fmla="*/ 707721 w 707721"/>
+              <a:gd name="connsiteY3" fmla="*/ 25237 h 238238"/>
+              <a:gd name="connsiteX4" fmla="*/ 707721 w 707721"/>
+              <a:gd name="connsiteY4" fmla="*/ 25237 h 238238"/>
+            </a:gdLst>
+            <a:ahLst/>
+            <a:cxnLst>
+              <a:cxn ang="0">
+                <a:pos x="connsiteX0" y="connsiteY0"/>
+              </a:cxn>
+              <a:cxn ang="0">
+                <a:pos x="connsiteX1" y="connsiteY1"/>
+              </a:cxn>
+              <a:cxn ang="0">
+                <a:pos x="connsiteX2" y="connsiteY2"/>
+              </a:cxn>
+              <a:cxn ang="0">
+                <a:pos x="connsiteX3" y="connsiteY3"/>
+              </a:cxn>
+              <a:cxn ang="0">
+                <a:pos x="connsiteX4" y="connsiteY4"/>
+              </a:cxn>
+            </a:cxnLst>
+            <a:rect l="l" t="t" r="r" b="b"/>
+            <a:pathLst>
+              <a:path w="707721" h="238238">
+                <a:moveTo>
+                  <a:pt x="0" y="206864"/>
+                </a:moveTo>
+                <a:cubicBezTo>
+                  <a:pt x="74634" y="100915"/>
+                  <a:pt x="149269" y="-5034"/>
+                  <a:pt x="225469" y="185"/>
+                </a:cubicBezTo>
+                <a:cubicBezTo>
+                  <a:pt x="301669" y="5404"/>
+                  <a:pt x="376825" y="234004"/>
+                  <a:pt x="457200" y="238179"/>
+                </a:cubicBezTo>
+                <a:cubicBezTo>
+                  <a:pt x="537575" y="242354"/>
+                  <a:pt x="707721" y="25237"/>
+                  <a:pt x="707721" y="25237"/>
+                </a:cubicBezTo>
+                <a:lnTo>
+                  <a:pt x="707721" y="25237"/>
+                </a:lnTo>
+              </a:path>
+            </a:pathLst>
+          </a:custGeom>
+          <a:noFill/>
+          <a:ln>
+            <a:headEnd type="none" w="med" len="med"/>
+            <a:tailEnd type="arrow" w="med" len="med"/>
+          </a:ln>
+        </p:spPr>
+        <p:style>
+          <a:lnRef idx="2">
+            <a:schemeClr val="accent1">
+              <a:shade val="50000"/>
+            </a:schemeClr>
+          </a:lnRef>
+          <a:fillRef idx="1">
+            <a:schemeClr val="accent1"/>
+          </a:fillRef>
+          <a:effectRef idx="0">
+            <a:schemeClr val="accent1"/>
+          </a:effectRef>
+          <a:fontRef idx="minor">
+            <a:schemeClr val="lt1"/>
+          </a:fontRef>
+        </p:style>
+        <p:txBody>
+          <a:bodyPr rtlCol="0" anchor="ctr"/>
+          <a:lstStyle/>
+          <a:p>
+            <a:pPr algn="ctr"/>
+            <a:endParaRPr lang="en-US"/>
+          </a:p>
+        </p:txBody>
+      </p:sp>
+    </p:spTree>
+    <p:extLst>
+      <p:ext uri="{BB962C8B-B14F-4D97-AF65-F5344CB8AC3E}">
+        <p14:creationId xmlns:p14="http://schemas.microsoft.com/office/powerpoint/2010/main" val="1211234367"/>
+      </p:ext>
+    </p:extLst>
+  </p:cSld>
+  <p:clrMapOvr>
+    <a:masterClrMapping/>
+  </p:clrMapOvr>
+</p:sld>
+</file>
+
+<file path=ppt/slides/slide4.xml><?xml version="1.0" encoding="utf-8"?>
+<p:sld xmlns:a="http://schemas.openxmlformats.org/drawingml/2006/main" xmlns:r="http://schemas.openxmlformats.org/officeDocument/2006/relationships" xmlns:p="http://schemas.openxmlformats.org/presentationml/2006/main">
+  <p:cSld>
+    <p:spTree>
+      <p:nvGrpSpPr>
+        <p:cNvPr id="1" name=""/>
+        <p:cNvGrpSpPr/>
+        <p:nvPr/>
+      </p:nvGrpSpPr>
+      <p:grpSpPr>
+        <a:xfrm>
+          <a:off x="0" y="0"/>
+          <a:ext cx="0" cy="0"/>
+          <a:chOff x="0" y="0"/>
+          <a:chExt cx="0" cy="0"/>
+        </a:xfrm>
+      </p:grpSpPr>
+      <p:sp>
+        <p:nvSpPr>
+          <p:cNvPr id="4" name="Cloud 3"/>
+          <p:cNvSpPr/>
+          <p:nvPr/>
+        </p:nvSpPr>
+        <p:spPr>
+          <a:xfrm>
+            <a:off x="1202499" y="791225"/>
+            <a:ext cx="2198317" cy="1653435"/>
+          </a:xfrm>
+          <a:prstGeom prst="cloud">
+            <a:avLst/>
+          </a:prstGeom>
+          <a:solidFill>
+            <a:schemeClr val="bg1"/>
+          </a:solidFill>
+        </p:spPr>
+        <p:style>
+          <a:lnRef idx="2">
+            <a:schemeClr val="accent1">
+              <a:shade val="50000"/>
+            </a:schemeClr>
+          </a:lnRef>
+          <a:fillRef idx="1">
+            <a:schemeClr val="accent1"/>
+          </a:fillRef>
+          <a:effectRef idx="0">
+            <a:schemeClr val="accent1"/>
+          </a:effectRef>
+          <a:fontRef idx="minor">
+            <a:schemeClr val="lt1"/>
+          </a:fontRef>
+        </p:style>
+        <p:txBody>
+          <a:bodyPr rtlCol="0" anchor="ctr"/>
+          <a:lstStyle/>
+          <a:p>
+            <a:pPr algn="ctr"/>
+            <a:endParaRPr lang="en-US" dirty="0"/>
+          </a:p>
+        </p:txBody>
+      </p:sp>
+      <p:sp>
+        <p:nvSpPr>
+          <p:cNvPr id="5" name="Cloud 4"/>
+          <p:cNvSpPr/>
+          <p:nvPr/>
+        </p:nvSpPr>
+        <p:spPr>
+          <a:xfrm>
+            <a:off x="4354883" y="791225"/>
+            <a:ext cx="2198317" cy="1653435"/>
+          </a:xfrm>
+          <a:prstGeom prst="cloud">
+            <a:avLst/>
+          </a:prstGeom>
+          <a:solidFill>
+            <a:schemeClr val="bg1"/>
+          </a:solidFill>
+        </p:spPr>
+        <p:style>
+          <a:lnRef idx="2">
+            <a:schemeClr val="accent1">
+              <a:shade val="50000"/>
+            </a:schemeClr>
+          </a:lnRef>
+          <a:fillRef idx="1">
+            <a:schemeClr val="accent1"/>
+          </a:fillRef>
+          <a:effectRef idx="0">
+            <a:schemeClr val="accent1"/>
+          </a:effectRef>
+          <a:fontRef idx="minor">
+            <a:schemeClr val="lt1"/>
+          </a:fontRef>
+        </p:style>
+        <p:txBody>
+          <a:bodyPr rtlCol="0" anchor="ctr"/>
+          <a:lstStyle/>
+          <a:p>
+            <a:pPr algn="ctr"/>
+            <a:endParaRPr lang="en-US"/>
+          </a:p>
+        </p:txBody>
+      </p:sp>
+      <p:sp>
+        <p:nvSpPr>
+          <p:cNvPr id="6" name="TextBox 5"/>
+          <p:cNvSpPr txBox="1"/>
+          <p:nvPr/>
+        </p:nvSpPr>
+        <p:spPr>
+          <a:xfrm>
+            <a:off x="1680407" y="1133606"/>
+            <a:ext cx="263214" cy="276999"/>
+          </a:xfrm>
+          <a:prstGeom prst="rect">
+            <a:avLst/>
+          </a:prstGeom>
+          <a:noFill/>
+        </p:spPr>
+        <p:txBody>
+          <a:bodyPr wrap="none" rtlCol="0">
+            <a:spAutoFit/>
+          </a:bodyPr>
+          <a:lstStyle/>
+          <a:p>
+            <a:r>
+              <a:rPr lang="en-US" sz="1200" dirty="0"/>
+              <a:t>4</a:t>
+            </a:r>
+          </a:p>
+        </p:txBody>
+      </p:sp>
+      <p:sp>
+        <p:nvSpPr>
+          <p:cNvPr id="8" name="TextBox 7"/>
+          <p:cNvSpPr txBox="1"/>
+          <p:nvPr/>
+        </p:nvSpPr>
+        <p:spPr>
+          <a:xfrm>
+            <a:off x="4680558" y="1734855"/>
+            <a:ext cx="263214" cy="276999"/>
+          </a:xfrm>
+          <a:prstGeom prst="rect">
+            <a:avLst/>
+          </a:prstGeom>
+          <a:noFill/>
+        </p:spPr>
+        <p:txBody>
+          <a:bodyPr wrap="none" rtlCol="0">
+            <a:spAutoFit/>
+          </a:bodyPr>
+          <a:lstStyle/>
+          <a:p>
+            <a:r>
+              <a:rPr lang="en-US" sz="1200" dirty="0"/>
+              <a:t>2</a:t>
+            </a:r>
+          </a:p>
+        </p:txBody>
+      </p:sp>
+      <p:sp>
+        <p:nvSpPr>
+          <p:cNvPr id="9" name="TextBox 8"/>
+          <p:cNvSpPr txBox="1"/>
+          <p:nvPr/>
+        </p:nvSpPr>
+        <p:spPr>
+          <a:xfrm>
+            <a:off x="1548800" y="1487848"/>
+            <a:ext cx="263214" cy="276999"/>
+          </a:xfrm>
+          <a:prstGeom prst="rect">
+            <a:avLst/>
+          </a:prstGeom>
+          <a:noFill/>
+        </p:spPr>
+        <p:txBody>
+          <a:bodyPr wrap="none" rtlCol="0">
+            <a:spAutoFit/>
+          </a:bodyPr>
+          <a:lstStyle/>
+          <a:p>
+            <a:r>
+              <a:rPr lang="en-US" sz="1200" dirty="0"/>
+              <a:t>9</a:t>
+            </a:r>
+          </a:p>
+        </p:txBody>
+      </p:sp>
+      <p:sp>
+        <p:nvSpPr>
+          <p:cNvPr id="10" name="TextBox 9"/>
+          <p:cNvSpPr txBox="1"/>
+          <p:nvPr/>
+        </p:nvSpPr>
+        <p:spPr>
+          <a:xfrm>
+            <a:off x="5164812" y="1123167"/>
+            <a:ext cx="263214" cy="276999"/>
+          </a:xfrm>
+          <a:prstGeom prst="rect">
+            <a:avLst/>
+          </a:prstGeom>
+          <a:noFill/>
+        </p:spPr>
+        <p:txBody>
+          <a:bodyPr wrap="none" rtlCol="0">
+            <a:spAutoFit/>
+          </a:bodyPr>
+          <a:lstStyle/>
+          <a:p>
+            <a:r>
+              <a:rPr lang="en-US" sz="1200" dirty="0"/>
+              <a:t>3</a:t>
+            </a:r>
+          </a:p>
+        </p:txBody>
+      </p:sp>
+      <p:sp>
+        <p:nvSpPr>
+          <p:cNvPr id="11" name="TextBox 10"/>
+          <p:cNvSpPr txBox="1"/>
+          <p:nvPr/>
+        </p:nvSpPr>
+        <p:spPr>
+          <a:xfrm>
+            <a:off x="2327544" y="1719859"/>
+            <a:ext cx="263214" cy="276999"/>
+          </a:xfrm>
+          <a:prstGeom prst="rect">
+            <a:avLst/>
+          </a:prstGeom>
+          <a:noFill/>
+        </p:spPr>
+        <p:txBody>
+          <a:bodyPr wrap="none" rtlCol="0">
+            <a:spAutoFit/>
+          </a:bodyPr>
+          <a:lstStyle/>
+          <a:p>
+            <a:r>
+              <a:rPr lang="en-US" sz="1200" dirty="0"/>
+              <a:t>2</a:t>
+            </a:r>
+          </a:p>
+        </p:txBody>
+      </p:sp>
+      <p:sp>
+        <p:nvSpPr>
+          <p:cNvPr id="12" name="TextBox 11"/>
+          <p:cNvSpPr txBox="1"/>
+          <p:nvPr/>
+        </p:nvSpPr>
+        <p:spPr>
+          <a:xfrm>
+            <a:off x="5158797" y="1410605"/>
+            <a:ext cx="721672" cy="276999"/>
+          </a:xfrm>
+          <a:prstGeom prst="rect">
+            <a:avLst/>
+          </a:prstGeom>
+          <a:noFill/>
+        </p:spPr>
+        <p:txBody>
+          <a:bodyPr wrap="none" rtlCol="0">
+            <a:spAutoFit/>
+          </a:bodyPr>
+          <a:lstStyle/>
+          <a:p>
+            <a:r>
+              <a:rPr lang="en-US" sz="1200" dirty="0"/>
+              <a:t>1.4142…</a:t>
+            </a:r>
+          </a:p>
+        </p:txBody>
+      </p:sp>
+      <p:cxnSp>
+        <p:nvCxnSpPr>
+          <p:cNvPr id="16" name="Straight Arrow Connector 15"/>
+          <p:cNvCxnSpPr>
+            <a:endCxn id="8" idx="1"/>
+          </p:cNvCxnSpPr>
+          <p:nvPr/>
+        </p:nvCxnSpPr>
+        <p:spPr>
+          <a:xfrm>
+            <a:off x="1943621" y="1272105"/>
+            <a:ext cx="2736937" cy="601250"/>
+          </a:xfrm>
+          <a:prstGeom prst="straightConnector1">
+            <a:avLst/>
+          </a:prstGeom>
+          <a:ln>
+            <a:tailEnd type="triangle"/>
+          </a:ln>
+        </p:spPr>
+        <p:style>
+          <a:lnRef idx="1">
+            <a:schemeClr val="accent1"/>
+          </a:lnRef>
+          <a:fillRef idx="0">
+            <a:schemeClr val="accent1"/>
+          </a:fillRef>
+          <a:effectRef idx="0">
+            <a:schemeClr val="accent1"/>
+          </a:effectRef>
+          <a:fontRef idx="minor">
+            <a:schemeClr val="tx1"/>
+          </a:fontRef>
+        </p:style>
+      </p:cxnSp>
+      <p:cxnSp>
+        <p:nvCxnSpPr>
+          <p:cNvPr id="18" name="Straight Arrow Connector 17"/>
+          <p:cNvCxnSpPr>
+            <a:stCxn id="9" idx="3"/>
+            <a:endCxn id="10" idx="1"/>
+          </p:cNvCxnSpPr>
+          <p:nvPr/>
+        </p:nvCxnSpPr>
+        <p:spPr>
+          <a:xfrm flipV="1">
+            <a:off x="1812014" y="1261667"/>
+            <a:ext cx="3352798" cy="364681"/>
+          </a:xfrm>
+          <a:prstGeom prst="straightConnector1">
+            <a:avLst/>
+          </a:prstGeom>
+          <a:ln>
+            <a:tailEnd type="triangle"/>
+          </a:ln>
+        </p:spPr>
+        <p:style>
+          <a:lnRef idx="1">
+            <a:schemeClr val="accent1"/>
+          </a:lnRef>
+          <a:fillRef idx="0">
+            <a:schemeClr val="accent1"/>
+          </a:fillRef>
+          <a:effectRef idx="0">
+            <a:schemeClr val="accent1"/>
+          </a:effectRef>
+          <a:fontRef idx="minor">
+            <a:schemeClr val="tx1"/>
+          </a:fontRef>
+        </p:style>
+      </p:cxnSp>
+      <p:cxnSp>
+        <p:nvCxnSpPr>
+          <p:cNvPr id="20" name="Straight Arrow Connector 19"/>
+          <p:cNvCxnSpPr>
+            <a:stCxn id="11" idx="3"/>
+            <a:endCxn id="12" idx="1"/>
+          </p:cNvCxnSpPr>
+          <p:nvPr/>
+        </p:nvCxnSpPr>
+        <p:spPr>
+          <a:xfrm flipV="1">
+            <a:off x="2590758" y="1549105"/>
+            <a:ext cx="2568039" cy="309254"/>
+          </a:xfrm>
+          <a:prstGeom prst="straightConnector1">
+            <a:avLst/>
+          </a:prstGeom>
+          <a:ln>
+            <a:tailEnd type="triangle"/>
+          </a:ln>
+        </p:spPr>
+        <p:style>
+          <a:lnRef idx="1">
+            <a:schemeClr val="accent1"/>
+          </a:lnRef>
+          <a:fillRef idx="0">
+            <a:schemeClr val="accent1"/>
+          </a:fillRef>
+          <a:effectRef idx="0">
+            <a:schemeClr val="accent1"/>
+          </a:effectRef>
+          <a:fontRef idx="minor">
+            <a:schemeClr val="tx1"/>
+          </a:fontRef>
+        </p:style>
+      </p:cxnSp>
+      <p:sp>
+        <p:nvSpPr>
+          <p:cNvPr id="21" name="TextBox 20"/>
+          <p:cNvSpPr txBox="1"/>
+          <p:nvPr/>
+        </p:nvSpPr>
+        <p:spPr>
+          <a:xfrm>
+            <a:off x="5234779" y="2484483"/>
+            <a:ext cx="569708" cy="276999"/>
+          </a:xfrm>
+          <a:prstGeom prst="rect">
+            <a:avLst/>
+          </a:prstGeom>
+          <a:noFill/>
+        </p:spPr>
+        <p:txBody>
+          <a:bodyPr wrap="none" rtlCol="0">
+            <a:spAutoFit/>
+          </a:bodyPr>
+          <a:lstStyle/>
+          <a:p>
+            <a:r>
+              <a:rPr lang="en-US" sz="1200" dirty="0"/>
+              <a:t>Range</a:t>
+            </a:r>
+          </a:p>
+        </p:txBody>
+      </p:sp>
+      <p:sp>
+        <p:nvSpPr>
+          <p:cNvPr id="22" name="TextBox 21"/>
+          <p:cNvSpPr txBox="1"/>
+          <p:nvPr/>
+        </p:nvSpPr>
+        <p:spPr>
+          <a:xfrm>
+            <a:off x="1812014" y="2484484"/>
+            <a:ext cx="673582" cy="276999"/>
+          </a:xfrm>
+          <a:prstGeom prst="rect">
+            <a:avLst/>
+          </a:prstGeom>
+          <a:noFill/>
+        </p:spPr>
+        <p:txBody>
+          <a:bodyPr wrap="none" rtlCol="0">
+            <a:spAutoFit/>
+          </a:bodyPr>
+          <a:lstStyle/>
+          <a:p>
+            <a:r>
+              <a:rPr lang="en-US" sz="1200" dirty="0"/>
+              <a:t>Domain</a:t>
+            </a:r>
+          </a:p>
+        </p:txBody>
+      </p:sp>
+    </p:spTree>
+    <p:extLst>
+      <p:ext uri="{BB962C8B-B14F-4D97-AF65-F5344CB8AC3E}">
+        <p14:creationId xmlns:p14="http://schemas.microsoft.com/office/powerpoint/2010/main" val="3190081374"/>
+      </p:ext>
+    </p:extLst>
+  </p:cSld>
+  <p:clrMapOvr>
+    <a:masterClrMapping/>
+  </p:clrMapOvr>
+</p:sld>
+</file>
+
+<file path=ppt/slides/slide5.xml><?xml version="1.0" encoding="utf-8"?>
+<p:sld xmlns:a="http://schemas.openxmlformats.org/drawingml/2006/main" xmlns:r="http://schemas.openxmlformats.org/officeDocument/2006/relationships" xmlns:p="http://schemas.openxmlformats.org/presentationml/2006/main">
+  <p:cSld>
+    <p:spTree>
+      <p:nvGrpSpPr>
+        <p:cNvPr id="1" name=""/>
+        <p:cNvGrpSpPr/>
+        <p:nvPr/>
+      </p:nvGrpSpPr>
+      <p:grpSpPr>
+        <a:xfrm>
+          <a:off x="0" y="0"/>
+          <a:ext cx="0" cy="0"/>
+          <a:chOff x="0" y="0"/>
+          <a:chExt cx="0" cy="0"/>
+        </a:xfrm>
+      </p:grpSpPr>
+      <p:sp>
+        <p:nvSpPr>
+          <p:cNvPr id="4" name="Cloud 3"/>
+          <p:cNvSpPr/>
+          <p:nvPr/>
+        </p:nvSpPr>
+        <p:spPr>
+          <a:xfrm>
+            <a:off x="1202499" y="791225"/>
+            <a:ext cx="2198317" cy="1653435"/>
+          </a:xfrm>
+          <a:prstGeom prst="cloud">
+            <a:avLst/>
+          </a:prstGeom>
+          <a:solidFill>
+            <a:schemeClr val="bg1"/>
+          </a:solidFill>
+        </p:spPr>
+        <p:style>
+          <a:lnRef idx="2">
+            <a:schemeClr val="accent1">
+              <a:shade val="50000"/>
+            </a:schemeClr>
+          </a:lnRef>
+          <a:fillRef idx="1">
+            <a:schemeClr val="accent1"/>
+          </a:fillRef>
+          <a:effectRef idx="0">
+            <a:schemeClr val="accent1"/>
+          </a:effectRef>
+          <a:fontRef idx="minor">
+            <a:schemeClr val="lt1"/>
+          </a:fontRef>
+        </p:style>
+        <p:txBody>
+          <a:bodyPr rtlCol="0" anchor="ctr"/>
+          <a:lstStyle/>
+          <a:p>
+            <a:pPr algn="ctr"/>
+            <a:endParaRPr lang="en-US" dirty="0"/>
+          </a:p>
+        </p:txBody>
+      </p:sp>
+      <p:sp>
+        <p:nvSpPr>
+          <p:cNvPr id="5" name="Cloud 4"/>
+          <p:cNvSpPr/>
+          <p:nvPr/>
+        </p:nvSpPr>
+        <p:spPr>
+          <a:xfrm>
+            <a:off x="4354883" y="791225"/>
+            <a:ext cx="2198317" cy="1653435"/>
+          </a:xfrm>
+          <a:prstGeom prst="cloud">
+            <a:avLst/>
+          </a:prstGeom>
+          <a:solidFill>
+            <a:schemeClr val="bg1"/>
+          </a:solidFill>
+        </p:spPr>
+        <p:style>
+          <a:lnRef idx="2">
+            <a:schemeClr val="accent1">
+              <a:shade val="50000"/>
+            </a:schemeClr>
+          </a:lnRef>
+          <a:fillRef idx="1">
+            <a:schemeClr val="accent1"/>
+          </a:fillRef>
+          <a:effectRef idx="0">
+            <a:schemeClr val="accent1"/>
+          </a:effectRef>
+          <a:fontRef idx="minor">
+            <a:schemeClr val="lt1"/>
+          </a:fontRef>
+        </p:style>
+        <p:txBody>
+          <a:bodyPr rtlCol="0" anchor="ctr"/>
+          <a:lstStyle/>
+          <a:p>
+            <a:pPr algn="ctr"/>
+            <a:r>
+              <a:rPr lang="en-US" sz="1200" dirty="0">
+                <a:solidFill>
+                  <a:schemeClr val="tx1">
+                    <a:lumMod val="95000"/>
+                    <a:lumOff val="5000"/>
+                  </a:schemeClr>
+                </a:solidFill>
+                <a:latin typeface="Consolas" panose="020B0609020204030204" pitchFamily="49" charset="0"/>
+              </a:rPr>
+              <a:t>None</a:t>
+            </a:r>
+          </a:p>
+        </p:txBody>
+      </p:sp>
+      <p:sp>
+        <p:nvSpPr>
+          <p:cNvPr id="6" name="TextBox 5"/>
+          <p:cNvSpPr txBox="1"/>
+          <p:nvPr/>
+        </p:nvSpPr>
+        <p:spPr>
+          <a:xfrm>
+            <a:off x="1680407" y="1033398"/>
+            <a:ext cx="1289135" cy="276999"/>
+          </a:xfrm>
+          <a:prstGeom prst="rect">
+            <a:avLst/>
+          </a:prstGeom>
+          <a:noFill/>
+        </p:spPr>
+        <p:txBody>
+          <a:bodyPr wrap="none" rtlCol="0">
+            <a:spAutoFit/>
+          </a:bodyPr>
+          <a:lstStyle/>
+          <a:p>
+            <a:r>
+              <a:rPr lang="en-US" sz="1200" dirty="0">
+                <a:latin typeface="Consolas" panose="020B0609020204030204" pitchFamily="49" charset="0"/>
+              </a:rPr>
+              <a:t>“Hello World”</a:t>
+            </a:r>
+          </a:p>
+        </p:txBody>
+      </p:sp>
+      <p:sp>
+        <p:nvSpPr>
+          <p:cNvPr id="9" name="TextBox 8"/>
+          <p:cNvSpPr txBox="1"/>
+          <p:nvPr/>
+        </p:nvSpPr>
+        <p:spPr>
+          <a:xfrm>
+            <a:off x="1548800" y="1487848"/>
+            <a:ext cx="269626" cy="276999"/>
+          </a:xfrm>
+          <a:prstGeom prst="rect">
+            <a:avLst/>
+          </a:prstGeom>
+          <a:noFill/>
+        </p:spPr>
+        <p:txBody>
+          <a:bodyPr wrap="none" rtlCol="0">
+            <a:spAutoFit/>
+          </a:bodyPr>
+          <a:lstStyle/>
+          <a:p>
+            <a:r>
+              <a:rPr lang="en-US" sz="1200" dirty="0">
+                <a:latin typeface="Consolas" panose="020B0609020204030204" pitchFamily="49" charset="0"/>
+              </a:rPr>
+              <a:t>7</a:t>
+            </a:r>
+          </a:p>
+        </p:txBody>
+      </p:sp>
+      <p:sp>
+        <p:nvSpPr>
+          <p:cNvPr id="11" name="TextBox 10"/>
+          <p:cNvSpPr txBox="1"/>
+          <p:nvPr/>
+        </p:nvSpPr>
+        <p:spPr>
+          <a:xfrm>
+            <a:off x="1882871" y="1870171"/>
+            <a:ext cx="779381" cy="276999"/>
+          </a:xfrm>
+          <a:prstGeom prst="rect">
+            <a:avLst/>
+          </a:prstGeom>
+          <a:noFill/>
+        </p:spPr>
+        <p:txBody>
+          <a:bodyPr wrap="none" rtlCol="0">
+            <a:spAutoFit/>
+          </a:bodyPr>
+          <a:lstStyle/>
+          <a:p>
+            <a:r>
+              <a:rPr lang="en-US" sz="1200" dirty="0">
+                <a:latin typeface="Consolas" panose="020B0609020204030204" pitchFamily="49" charset="0"/>
+              </a:rPr>
+              <a:t>3.14159</a:t>
+            </a:r>
+          </a:p>
+        </p:txBody>
+      </p:sp>
+      <p:cxnSp>
+        <p:nvCxnSpPr>
+          <p:cNvPr id="16" name="Straight Arrow Connector 15"/>
+          <p:cNvCxnSpPr>
+            <a:cxnSpLocks/>
+            <a:stCxn id="6" idx="3"/>
+          </p:cNvCxnSpPr>
+          <p:nvPr/>
+        </p:nvCxnSpPr>
+        <p:spPr>
+          <a:xfrm>
+            <a:off x="2969542" y="1171898"/>
+            <a:ext cx="2195270" cy="362540"/>
+          </a:xfrm>
+          <a:prstGeom prst="straightConnector1">
+            <a:avLst/>
+          </a:prstGeom>
+          <a:ln>
+            <a:tailEnd type="triangle"/>
+          </a:ln>
+        </p:spPr>
+        <p:style>
+          <a:lnRef idx="1">
+            <a:schemeClr val="accent1"/>
+          </a:lnRef>
+          <a:fillRef idx="0">
+            <a:schemeClr val="accent1"/>
+          </a:fillRef>
+          <a:effectRef idx="0">
+            <a:schemeClr val="accent1"/>
+          </a:effectRef>
+          <a:fontRef idx="minor">
+            <a:schemeClr val="tx1"/>
+          </a:fontRef>
+        </p:style>
+      </p:cxnSp>
+      <p:cxnSp>
+        <p:nvCxnSpPr>
+          <p:cNvPr id="18" name="Straight Arrow Connector 17"/>
+          <p:cNvCxnSpPr>
+            <a:cxnSpLocks/>
+            <a:stCxn id="9" idx="3"/>
+          </p:cNvCxnSpPr>
+          <p:nvPr/>
+        </p:nvCxnSpPr>
+        <p:spPr>
+          <a:xfrm>
+            <a:off x="1818426" y="1626348"/>
+            <a:ext cx="3346386" cy="45877"/>
+          </a:xfrm>
+          <a:prstGeom prst="straightConnector1">
+            <a:avLst/>
+          </a:prstGeom>
+          <a:ln>
+            <a:tailEnd type="triangle"/>
+          </a:ln>
+        </p:spPr>
+        <p:style>
+          <a:lnRef idx="1">
+            <a:schemeClr val="accent1"/>
+          </a:lnRef>
+          <a:fillRef idx="0">
+            <a:schemeClr val="accent1"/>
+          </a:fillRef>
+          <a:effectRef idx="0">
+            <a:schemeClr val="accent1"/>
+          </a:effectRef>
+          <a:fontRef idx="minor">
+            <a:schemeClr val="tx1"/>
+          </a:fontRef>
+        </p:style>
+      </p:cxnSp>
+      <p:cxnSp>
+        <p:nvCxnSpPr>
+          <p:cNvPr id="20" name="Straight Arrow Connector 19"/>
+          <p:cNvCxnSpPr>
+            <a:cxnSpLocks/>
+            <a:stCxn id="11" idx="3"/>
+          </p:cNvCxnSpPr>
+          <p:nvPr/>
+        </p:nvCxnSpPr>
+        <p:spPr>
+          <a:xfrm flipV="1">
+            <a:off x="2662252" y="1578279"/>
+            <a:ext cx="2502560" cy="430392"/>
+          </a:xfrm>
+          <a:prstGeom prst="straightConnector1">
+            <a:avLst/>
+          </a:prstGeom>
+          <a:ln>
+            <a:tailEnd type="triangle"/>
+          </a:ln>
+        </p:spPr>
+        <p:style>
+          <a:lnRef idx="1">
+            <a:schemeClr val="accent1"/>
+          </a:lnRef>
+          <a:fillRef idx="0">
+            <a:schemeClr val="accent1"/>
+          </a:fillRef>
+          <a:effectRef idx="0">
+            <a:schemeClr val="accent1"/>
+          </a:effectRef>
+          <a:fontRef idx="minor">
+            <a:schemeClr val="tx1"/>
+          </a:fontRef>
+        </p:style>
+      </p:cxnSp>
+      <p:sp>
+        <p:nvSpPr>
+          <p:cNvPr id="21" name="TextBox 20"/>
+          <p:cNvSpPr txBox="1"/>
+          <p:nvPr/>
+        </p:nvSpPr>
+        <p:spPr>
+          <a:xfrm>
+            <a:off x="5234779" y="2484483"/>
+            <a:ext cx="569708" cy="276999"/>
+          </a:xfrm>
+          <a:prstGeom prst="rect">
+            <a:avLst/>
+          </a:prstGeom>
+          <a:noFill/>
+        </p:spPr>
+        <p:txBody>
+          <a:bodyPr wrap="none" rtlCol="0">
+            <a:spAutoFit/>
+          </a:bodyPr>
+          <a:lstStyle/>
+          <a:p>
+            <a:r>
+              <a:rPr lang="en-US" sz="1200" dirty="0"/>
+              <a:t>Range</a:t>
+            </a:r>
+          </a:p>
+        </p:txBody>
+      </p:sp>
+      <p:sp>
+        <p:nvSpPr>
+          <p:cNvPr id="22" name="TextBox 21"/>
+          <p:cNvSpPr txBox="1"/>
+          <p:nvPr/>
+        </p:nvSpPr>
+        <p:spPr>
+          <a:xfrm>
+            <a:off x="1812014" y="2484484"/>
+            <a:ext cx="694421" cy="276999"/>
+          </a:xfrm>
+          <a:prstGeom prst="rect">
+            <a:avLst/>
+          </a:prstGeom>
+          <a:noFill/>
+        </p:spPr>
+        <p:txBody>
+          <a:bodyPr wrap="none" rtlCol="0">
+            <a:spAutoFit/>
+          </a:bodyPr>
+          <a:lstStyle/>
+          <a:p>
+            <a:r>
+              <a:rPr lang="en-US" sz="1200" dirty="0">
+                <a:latin typeface="Consolas" panose="020B0609020204030204" pitchFamily="49" charset="0"/>
+              </a:rPr>
+              <a:t>Domain</a:t>
+            </a:r>
+          </a:p>
+        </p:txBody>
+      </p:sp>
+      <p:grpSp>
+        <p:nvGrpSpPr>
+          <p:cNvPr id="24" name="Group 23"/>
+          <p:cNvGrpSpPr/>
+          <p:nvPr/>
+        </p:nvGrpSpPr>
+        <p:grpSpPr>
+          <a:xfrm>
+            <a:off x="3076013" y="2712542"/>
+            <a:ext cx="1833963" cy="1744250"/>
+            <a:chOff x="3400816" y="2871591"/>
+            <a:chExt cx="2852804" cy="2852804"/>
+          </a:xfrm>
+        </p:grpSpPr>
+        <p:pic>
+          <p:nvPicPr>
+            <p:cNvPr id="19" name="Graphic 18" descr="Laptop"/>
+            <p:cNvPicPr>
+              <a:picLocks noChangeAspect="1"/>
+            </p:cNvPicPr>
+            <p:nvPr/>
+          </p:nvPicPr>
+          <p:blipFill>
+            <a:blip r:embed="rId2">
+              <a:extLst>
+                <a:ext uri="{28A0092B-C50C-407E-A947-70E740481C1C}">
+                  <a14:useLocalDpi xmlns:a14="http://schemas.microsoft.com/office/drawing/2010/main" val="0"/>
+                </a:ext>
+                <a:ext uri="{96DAC541-7B7A-43D3-8B79-37D633B846F1}">
+                  <asvg:svgBlip xmlns:asvg="http://schemas.microsoft.com/office/drawing/2016/SVG/main" r:embed="rId3"/>
+                </a:ext>
+              </a:extLst>
+            </a:blip>
+            <a:stretch>
+              <a:fillRect/>
+            </a:stretch>
+          </p:blipFill>
+          <p:spPr>
+            <a:xfrm>
+              <a:off x="3400816" y="2871591"/>
+              <a:ext cx="2852804" cy="2852804"/>
+            </a:xfrm>
+            <a:prstGeom prst="rect">
+              <a:avLst/>
+            </a:prstGeom>
+          </p:spPr>
+        </p:pic>
+        <p:sp>
+          <p:nvSpPr>
+            <p:cNvPr id="23" name="TextBox 22"/>
+            <p:cNvSpPr txBox="1"/>
+            <p:nvPr/>
+          </p:nvSpPr>
+          <p:spPr>
+            <a:xfrm>
+              <a:off x="3977360" y="3651662"/>
+              <a:ext cx="1119217" cy="646331"/>
+            </a:xfrm>
+            <a:prstGeom prst="rect">
+              <a:avLst/>
+            </a:prstGeom>
+            <a:noFill/>
+          </p:spPr>
+          <p:txBody>
+            <a:bodyPr wrap="none" rtlCol="0">
+              <a:spAutoFit/>
+            </a:bodyPr>
+            <a:lstStyle/>
+            <a:p>
+              <a:r>
+                <a:rPr lang="en-US" sz="1200" dirty="0">
+                  <a:latin typeface="Consolas" panose="020B0609020204030204" pitchFamily="49" charset="0"/>
+                </a:rPr>
+                <a:t>Hello World</a:t>
+              </a:r>
+            </a:p>
+            <a:p>
+              <a:r>
+                <a:rPr lang="en-US" sz="1200" dirty="0">
+                  <a:latin typeface="Consolas" panose="020B0609020204030204" pitchFamily="49" charset="0"/>
+                </a:rPr>
+                <a:t>7</a:t>
+              </a:r>
+            </a:p>
+            <a:p>
+              <a:r>
+                <a:rPr lang="en-US" sz="1200" dirty="0">
+                  <a:latin typeface="Consolas" panose="020B0609020204030204" pitchFamily="49" charset="0"/>
+                </a:rPr>
+                <a:t>3.14159</a:t>
+              </a:r>
+            </a:p>
+          </p:txBody>
+        </p:sp>
+      </p:grpSp>
+      <p:sp>
+        <p:nvSpPr>
+          <p:cNvPr id="26" name="Freeform: Shape 25"/>
+          <p:cNvSpPr/>
+          <p:nvPr/>
+        </p:nvSpPr>
+        <p:spPr>
+          <a:xfrm>
+            <a:off x="3187874" y="2116899"/>
+            <a:ext cx="560151" cy="889348"/>
+          </a:xfrm>
+          <a:custGeom>
+            <a:avLst/>
+            <a:gdLst>
+              <a:gd name="connsiteX0" fmla="*/ 0 w 560151"/>
+              <a:gd name="connsiteY0" fmla="*/ 0 h 889348"/>
+              <a:gd name="connsiteX1" fmla="*/ 557408 w 560151"/>
+              <a:gd name="connsiteY1" fmla="*/ 369517 h 889348"/>
+              <a:gd name="connsiteX2" fmla="*/ 212942 w 560151"/>
+              <a:gd name="connsiteY2" fmla="*/ 601249 h 889348"/>
+              <a:gd name="connsiteX3" fmla="*/ 194153 w 560151"/>
+              <a:gd name="connsiteY3" fmla="*/ 889348 h 889348"/>
+              <a:gd name="connsiteX4" fmla="*/ 194153 w 560151"/>
+              <a:gd name="connsiteY4" fmla="*/ 889348 h 889348"/>
+            </a:gdLst>
+            <a:ahLst/>
+            <a:cxnLst>
+              <a:cxn ang="0">
+                <a:pos x="connsiteX0" y="connsiteY0"/>
+              </a:cxn>
+              <a:cxn ang="0">
+                <a:pos x="connsiteX1" y="connsiteY1"/>
+              </a:cxn>
+              <a:cxn ang="0">
+                <a:pos x="connsiteX2" y="connsiteY2"/>
+              </a:cxn>
+              <a:cxn ang="0">
+                <a:pos x="connsiteX3" y="connsiteY3"/>
+              </a:cxn>
+              <a:cxn ang="0">
+                <a:pos x="connsiteX4" y="connsiteY4"/>
+              </a:cxn>
+            </a:cxnLst>
+            <a:rect l="l" t="t" r="r" b="b"/>
+            <a:pathLst>
+              <a:path w="560151" h="889348">
+                <a:moveTo>
+                  <a:pt x="0" y="0"/>
+                </a:moveTo>
+                <a:cubicBezTo>
+                  <a:pt x="260959" y="134654"/>
+                  <a:pt x="521918" y="269309"/>
+                  <a:pt x="557408" y="369517"/>
+                </a:cubicBezTo>
+                <a:cubicBezTo>
+                  <a:pt x="592898" y="469725"/>
+                  <a:pt x="273484" y="514611"/>
+                  <a:pt x="212942" y="601249"/>
+                </a:cubicBezTo>
+                <a:cubicBezTo>
+                  <a:pt x="152400" y="687887"/>
+                  <a:pt x="194153" y="889348"/>
+                  <a:pt x="194153" y="889348"/>
+                </a:cubicBezTo>
+                <a:lnTo>
+                  <a:pt x="194153" y="889348"/>
+                </a:lnTo>
+              </a:path>
+            </a:pathLst>
+          </a:custGeom>
+          <a:ln w="9525" cap="flat" cmpd="sng" algn="ctr">
+            <a:solidFill>
+              <a:schemeClr val="accent1"/>
+            </a:solidFill>
+            <a:prstDash val="solid"/>
+            <a:round/>
+            <a:headEnd type="none" w="med" len="med"/>
+            <a:tailEnd type="arrow" w="med" len="med"/>
+          </a:ln>
+        </p:spPr>
+        <p:style>
+          <a:lnRef idx="0">
+            <a:scrgbClr r="0" g="0" b="0"/>
+          </a:lnRef>
+          <a:fillRef idx="0">
+            <a:scrgbClr r="0" g="0" b="0"/>
+          </a:fillRef>
+          <a:effectRef idx="0">
+            <a:scrgbClr r="0" g="0" b="0"/>
+          </a:effectRef>
+          <a:fontRef idx="minor">
+            <a:schemeClr val="tx1"/>
+          </a:fontRef>
+        </p:style>
+        <p:txBody>
+          <a:bodyPr rtlCol="0" anchor="ctr"/>
+          <a:lstStyle/>
+          <a:p>
+            <a:pPr algn="ctr"/>
+            <a:r>
+              <a:rPr lang="en-US" sz="1000" i="1" dirty="0"/>
+              <a:t>Side effect</a:t>
+            </a:r>
+            <a:br>
+              <a:rPr lang="en-US" sz="1000" i="1" dirty="0"/>
+            </a:br>
+            <a:endParaRPr lang="en-US" sz="1000" i="1" dirty="0"/>
+          </a:p>
+        </p:txBody>
+      </p:sp>
+    </p:spTree>
+    <p:extLst>
+      <p:ext uri="{BB962C8B-B14F-4D97-AF65-F5344CB8AC3E}">
+        <p14:creationId xmlns:p14="http://schemas.microsoft.com/office/powerpoint/2010/main" val="1457500400"/>
+      </p:ext>
+    </p:extLst>
+  </p:cSld>
+  <p:clrMapOvr>
+    <a:masterClrMapping/>
+  </p:clrMapOvr>
+</p:sld>
+</file>
+
+<file path=ppt/slides/slide6.xml><?xml version="1.0" encoding="utf-8"?>
+<p:sld xmlns:a="http://schemas.openxmlformats.org/drawingml/2006/main" xmlns:r="http://schemas.openxmlformats.org/officeDocument/2006/relationships" xmlns:p="http://schemas.openxmlformats.org/presentationml/2006/main">
+  <p:cSld>
+    <p:spTree>
+      <p:nvGrpSpPr>
+        <p:cNvPr id="1" name=""/>
+        <p:cNvGrpSpPr/>
+        <p:nvPr/>
+      </p:nvGrpSpPr>
+      <p:grpSpPr>
+        <a:xfrm>
+          <a:off x="0" y="0"/>
+          <a:ext cx="0" cy="0"/>
+          <a:chOff x="0" y="0"/>
+          <a:chExt cx="0" cy="0"/>
+        </a:xfrm>
+      </p:grpSpPr>
+      <p:sp>
+        <p:nvSpPr>
+          <p:cNvPr id="4" name="Rectangle 3"/>
+          <p:cNvSpPr/>
+          <p:nvPr/>
+        </p:nvSpPr>
+        <p:spPr>
+          <a:xfrm>
+            <a:off x="4089748" y="1684751"/>
+            <a:ext cx="1221288" cy="620038"/>
+          </a:xfrm>
+          <a:prstGeom prst="rect">
+            <a:avLst/>
+          </a:prstGeom>
+          <a:solidFill>
+            <a:schemeClr val="accent1">
+              <a:lumMod val="60000"/>
+              <a:lumOff val="40000"/>
+            </a:schemeClr>
+          </a:solidFill>
+          <a:ln>
+            <a:solidFill>
+              <a:schemeClr val="accent1">
+                <a:lumMod val="60000"/>
+                <a:lumOff val="40000"/>
+              </a:schemeClr>
+            </a:solidFill>
+          </a:ln>
+        </p:spPr>
+        <p:style>
+          <a:lnRef idx="2">
+            <a:schemeClr val="accent1">
+              <a:shade val="50000"/>
+            </a:schemeClr>
+          </a:lnRef>
+          <a:fillRef idx="1">
+            <a:schemeClr val="accent1"/>
+          </a:fillRef>
+          <a:effectRef idx="0">
+            <a:schemeClr val="accent1"/>
+          </a:effectRef>
+          <a:fontRef idx="minor">
+            <a:schemeClr val="lt1"/>
+          </a:fontRef>
+        </p:style>
+        <p:txBody>
+          <a:bodyPr rtlCol="0" anchor="ctr"/>
+          <a:lstStyle/>
+          <a:p>
+            <a:pPr algn="ctr"/>
+            <a:r>
+              <a:rPr lang="en-US" sz="1200" dirty="0">
+                <a:solidFill>
+                  <a:schemeClr val="tx1">
+                    <a:lumMod val="95000"/>
+                    <a:lumOff val="5000"/>
+                  </a:schemeClr>
+                </a:solidFill>
+              </a:rPr>
+              <a:t>f2c(f)</a:t>
+            </a:r>
+          </a:p>
+        </p:txBody>
+      </p:sp>
+      <p:cxnSp>
+        <p:nvCxnSpPr>
+          <p:cNvPr id="6" name="Straight Arrow Connector 5"/>
+          <p:cNvCxnSpPr>
+            <a:cxnSpLocks/>
+            <a:endCxn id="4" idx="1"/>
+          </p:cNvCxnSpPr>
+          <p:nvPr/>
+        </p:nvCxnSpPr>
+        <p:spPr>
+          <a:xfrm>
+            <a:off x="3569918" y="1994770"/>
+            <a:ext cx="519830" cy="0"/>
+          </a:xfrm>
+          <a:prstGeom prst="straightConnector1">
+            <a:avLst/>
+          </a:prstGeom>
+          <a:ln>
+            <a:tailEnd type="triangle"/>
+          </a:ln>
+        </p:spPr>
+        <p:style>
+          <a:lnRef idx="1">
+            <a:schemeClr val="accent1"/>
+          </a:lnRef>
+          <a:fillRef idx="0">
+            <a:schemeClr val="accent1"/>
+          </a:fillRef>
+          <a:effectRef idx="0">
+            <a:schemeClr val="accent1"/>
+          </a:effectRef>
+          <a:fontRef idx="minor">
+            <a:schemeClr val="tx1"/>
+          </a:fontRef>
+        </p:style>
+      </p:cxnSp>
+      <p:cxnSp>
+        <p:nvCxnSpPr>
+          <p:cNvPr id="8" name="Straight Arrow Connector 7"/>
+          <p:cNvCxnSpPr>
+            <a:cxnSpLocks/>
+            <a:stCxn id="4" idx="3"/>
+          </p:cNvCxnSpPr>
+          <p:nvPr/>
+        </p:nvCxnSpPr>
+        <p:spPr>
+          <a:xfrm>
+            <a:off x="5311036" y="1994770"/>
+            <a:ext cx="519830" cy="0"/>
+          </a:xfrm>
+          <a:prstGeom prst="straightConnector1">
+            <a:avLst/>
+          </a:prstGeom>
+          <a:ln>
+            <a:tailEnd type="triangle"/>
+          </a:ln>
+        </p:spPr>
+        <p:style>
+          <a:lnRef idx="1">
+            <a:schemeClr val="accent1"/>
+          </a:lnRef>
+          <a:fillRef idx="0">
+            <a:schemeClr val="accent1"/>
+          </a:fillRef>
+          <a:effectRef idx="0">
+            <a:schemeClr val="accent1"/>
+          </a:effectRef>
+          <a:fontRef idx="minor">
+            <a:schemeClr val="tx1"/>
+          </a:fontRef>
+        </p:style>
+      </p:cxnSp>
+    </p:spTree>
+    <p:extLst>
+      <p:ext uri="{BB962C8B-B14F-4D97-AF65-F5344CB8AC3E}">
+        <p14:creationId xmlns:p14="http://schemas.microsoft.com/office/powerpoint/2010/main" val="1624823119"/>
+      </p:ext>
+    </p:extLst>
+  </p:cSld>
+  <p:clrMapOvr>
+    <a:masterClrMapping/>
+  </p:clrMapOvr>
+</p:sld>
+</file>
+
 <file path=ppt/theme/theme1.xml><?xml version="1.0" encoding="utf-8"?>
 <a:theme xmlns:a="http://schemas.openxmlformats.org/drawingml/2006/main" name="Office Theme">
   <a:themeElements>

--- a/images/pygame_rect_window.pptx
+++ b/images/pygame_rect_window.pptx
@@ -11,6 +11,8 @@
     <p:sldId id="260" r:id="rId5"/>
     <p:sldId id="261" r:id="rId6"/>
     <p:sldId id="262" r:id="rId7"/>
+    <p:sldId id="263" r:id="rId8"/>
+    <p:sldId id="264" r:id="rId9"/>
   </p:sldIdLst>
   <p:sldSz cx="12192000" cy="6858000"/>
   <p:notesSz cx="6858000" cy="9144000"/>
@@ -250,7 +252,7 @@
           <a:p>
             <a:fld id="{856FFBE8-0159-4FDA-8D70-04C5D85E84A4}" type="datetimeFigureOut">
               <a:rPr lang="en-US" smtClean="0"/>
-              <a:t>5/29/2017</a:t>
+              <a:t>6/26/2017</a:t>
             </a:fld>
             <a:endParaRPr lang="en-US"/>
           </a:p>
@@ -418,7 +420,7 @@
           <a:p>
             <a:fld id="{856FFBE8-0159-4FDA-8D70-04C5D85E84A4}" type="datetimeFigureOut">
               <a:rPr lang="en-US" smtClean="0"/>
-              <a:t>5/29/2017</a:t>
+              <a:t>6/26/2017</a:t>
             </a:fld>
             <a:endParaRPr lang="en-US"/>
           </a:p>
@@ -596,7 +598,7 @@
           <a:p>
             <a:fld id="{856FFBE8-0159-4FDA-8D70-04C5D85E84A4}" type="datetimeFigureOut">
               <a:rPr lang="en-US" smtClean="0"/>
-              <a:t>5/29/2017</a:t>
+              <a:t>6/26/2017</a:t>
             </a:fld>
             <a:endParaRPr lang="en-US"/>
           </a:p>
@@ -764,7 +766,7 @@
           <a:p>
             <a:fld id="{856FFBE8-0159-4FDA-8D70-04C5D85E84A4}" type="datetimeFigureOut">
               <a:rPr lang="en-US" smtClean="0"/>
-              <a:t>5/29/2017</a:t>
+              <a:t>6/26/2017</a:t>
             </a:fld>
             <a:endParaRPr lang="en-US"/>
           </a:p>
@@ -1009,7 +1011,7 @@
           <a:p>
             <a:fld id="{856FFBE8-0159-4FDA-8D70-04C5D85E84A4}" type="datetimeFigureOut">
               <a:rPr lang="en-US" smtClean="0"/>
-              <a:t>5/29/2017</a:t>
+              <a:t>6/26/2017</a:t>
             </a:fld>
             <a:endParaRPr lang="en-US"/>
           </a:p>
@@ -1238,7 +1240,7 @@
           <a:p>
             <a:fld id="{856FFBE8-0159-4FDA-8D70-04C5D85E84A4}" type="datetimeFigureOut">
               <a:rPr lang="en-US" smtClean="0"/>
-              <a:t>5/29/2017</a:t>
+              <a:t>6/26/2017</a:t>
             </a:fld>
             <a:endParaRPr lang="en-US"/>
           </a:p>
@@ -1602,7 +1604,7 @@
           <a:p>
             <a:fld id="{856FFBE8-0159-4FDA-8D70-04C5D85E84A4}" type="datetimeFigureOut">
               <a:rPr lang="en-US" smtClean="0"/>
-              <a:t>5/29/2017</a:t>
+              <a:t>6/26/2017</a:t>
             </a:fld>
             <a:endParaRPr lang="en-US"/>
           </a:p>
@@ -1719,7 +1721,7 @@
           <a:p>
             <a:fld id="{856FFBE8-0159-4FDA-8D70-04C5D85E84A4}" type="datetimeFigureOut">
               <a:rPr lang="en-US" smtClean="0"/>
-              <a:t>5/29/2017</a:t>
+              <a:t>6/26/2017</a:t>
             </a:fld>
             <a:endParaRPr lang="en-US"/>
           </a:p>
@@ -1814,7 +1816,7 @@
           <a:p>
             <a:fld id="{856FFBE8-0159-4FDA-8D70-04C5D85E84A4}" type="datetimeFigureOut">
               <a:rPr lang="en-US" smtClean="0"/>
-              <a:t>5/29/2017</a:t>
+              <a:t>6/26/2017</a:t>
             </a:fld>
             <a:endParaRPr lang="en-US"/>
           </a:p>
@@ -2089,7 +2091,7 @@
           <a:p>
             <a:fld id="{856FFBE8-0159-4FDA-8D70-04C5D85E84A4}" type="datetimeFigureOut">
               <a:rPr lang="en-US" smtClean="0"/>
-              <a:t>5/29/2017</a:t>
+              <a:t>6/26/2017</a:t>
             </a:fld>
             <a:endParaRPr lang="en-US"/>
           </a:p>
@@ -2341,7 +2343,7 @@
           <a:p>
             <a:fld id="{856FFBE8-0159-4FDA-8D70-04C5D85E84A4}" type="datetimeFigureOut">
               <a:rPr lang="en-US" smtClean="0"/>
-              <a:t>5/29/2017</a:t>
+              <a:t>6/26/2017</a:t>
             </a:fld>
             <a:endParaRPr lang="en-US"/>
           </a:p>
@@ -2552,7 +2554,7 @@
           <a:p>
             <a:fld id="{856FFBE8-0159-4FDA-8D70-04C5D85E84A4}" type="datetimeFigureOut">
               <a:rPr lang="en-US" smtClean="0"/>
-              <a:t>5/29/2017</a:t>
+              <a:t>6/26/2017</a:t>
             </a:fld>
             <a:endParaRPr lang="en-US"/>
           </a:p>
@@ -5698,6 +5700,1092 @@
 </p:sld>
 </file>
 
+<file path=ppt/slides/slide7.xml><?xml version="1.0" encoding="utf-8"?>
+<p:sld xmlns:a="http://schemas.openxmlformats.org/drawingml/2006/main" xmlns:r="http://schemas.openxmlformats.org/officeDocument/2006/relationships" xmlns:p="http://schemas.openxmlformats.org/presentationml/2006/main">
+  <p:cSld>
+    <p:spTree>
+      <p:nvGrpSpPr>
+        <p:cNvPr id="1" name=""/>
+        <p:cNvGrpSpPr/>
+        <p:nvPr/>
+      </p:nvGrpSpPr>
+      <p:grpSpPr>
+        <a:xfrm>
+          <a:off x="0" y="0"/>
+          <a:ext cx="0" cy="0"/>
+          <a:chOff x="0" y="0"/>
+          <a:chExt cx="0" cy="0"/>
+        </a:xfrm>
+      </p:grpSpPr>
+      <p:graphicFrame>
+        <p:nvGraphicFramePr>
+          <p:cNvPr id="4" name="Table 3">
+            <a:extLst>
+              <a:ext uri="{FF2B5EF4-FFF2-40B4-BE49-F238E27FC236}">
+                <a16:creationId xmlns:a16="http://schemas.microsoft.com/office/drawing/2014/main" id="{892DAF1B-E250-4E84-8A06-EF75A2A6F5E6}"/>
+              </a:ext>
+            </a:extLst>
+          </p:cNvPr>
+          <p:cNvGraphicFramePr>
+            <a:graphicFrameLocks noGrp="1"/>
+          </p:cNvGraphicFramePr>
+          <p:nvPr>
+            <p:extLst>
+              <p:ext uri="{D42A27DB-BD31-4B8C-83A1-F6EECF244321}">
+                <p14:modId xmlns:p14="http://schemas.microsoft.com/office/powerpoint/2010/main" val="805246697"/>
+              </p:ext>
+            </p:extLst>
+          </p:nvPr>
+        </p:nvGraphicFramePr>
+        <p:xfrm>
+          <a:off x="2032001" y="719667"/>
+          <a:ext cx="1800963" cy="1184289"/>
+        </p:xfrm>
+        <a:graphic>
+          <a:graphicData uri="http://schemas.openxmlformats.org/drawingml/2006/table">
+            <a:tbl>
+              <a:tblPr>
+                <a:tableStyleId>{5C22544A-7EE6-4342-B048-85BDC9FD1C3A}</a:tableStyleId>
+              </a:tblPr>
+              <a:tblGrid>
+                <a:gridCol w="600321">
+                  <a:extLst>
+                    <a:ext uri="{9D8B030D-6E8A-4147-A177-3AD203B41FA5}">
+                      <a16:colId xmlns:a16="http://schemas.microsoft.com/office/drawing/2014/main" val="2083162616"/>
+                    </a:ext>
+                  </a:extLst>
+                </a:gridCol>
+                <a:gridCol w="600321">
+                  <a:extLst>
+                    <a:ext uri="{9D8B030D-6E8A-4147-A177-3AD203B41FA5}">
+                      <a16:colId xmlns:a16="http://schemas.microsoft.com/office/drawing/2014/main" val="379680471"/>
+                    </a:ext>
+                  </a:extLst>
+                </a:gridCol>
+                <a:gridCol w="600321">
+                  <a:extLst>
+                    <a:ext uri="{9D8B030D-6E8A-4147-A177-3AD203B41FA5}">
+                      <a16:colId xmlns:a16="http://schemas.microsoft.com/office/drawing/2014/main" val="3600828791"/>
+                    </a:ext>
+                  </a:extLst>
+                </a:gridCol>
+              </a:tblGrid>
+              <a:tr h="394763">
+                <a:tc>
+                  <a:txBody>
+                    <a:bodyPr/>
+                    <a:lstStyle/>
+                    <a:p>
+                      <a:endParaRPr lang="en-US" dirty="0"/>
+                    </a:p>
+                  </a:txBody>
+                  <a:tcPr>
+                    <a:lnL w="12700" cap="flat" cmpd="sng" algn="ctr">
+                      <a:solidFill>
+                        <a:schemeClr val="tx1"/>
+                      </a:solidFill>
+                      <a:prstDash val="solid"/>
+                      <a:round/>
+                      <a:headEnd type="none" w="med" len="med"/>
+                      <a:tailEnd type="none" w="med" len="med"/>
+                    </a:lnL>
+                    <a:lnR w="12700" cap="flat" cmpd="sng" algn="ctr">
+                      <a:solidFill>
+                        <a:schemeClr val="tx1"/>
+                      </a:solidFill>
+                      <a:prstDash val="solid"/>
+                      <a:round/>
+                      <a:headEnd type="none" w="med" len="med"/>
+                      <a:tailEnd type="none" w="med" len="med"/>
+                    </a:lnR>
+                    <a:lnT w="12700" cap="flat" cmpd="sng" algn="ctr">
+                      <a:solidFill>
+                        <a:schemeClr val="tx1"/>
+                      </a:solidFill>
+                      <a:prstDash val="solid"/>
+                      <a:round/>
+                      <a:headEnd type="none" w="med" len="med"/>
+                      <a:tailEnd type="none" w="med" len="med"/>
+                    </a:lnT>
+                    <a:lnB w="12700" cap="flat" cmpd="sng" algn="ctr">
+                      <a:solidFill>
+                        <a:schemeClr val="tx1"/>
+                      </a:solidFill>
+                      <a:prstDash val="solid"/>
+                      <a:round/>
+                      <a:headEnd type="none" w="med" len="med"/>
+                      <a:tailEnd type="none" w="med" len="med"/>
+                    </a:lnB>
+                    <a:solidFill>
+                      <a:schemeClr val="bg1"/>
+                    </a:solidFill>
+                  </a:tcPr>
+                </a:tc>
+                <a:tc>
+                  <a:txBody>
+                    <a:bodyPr/>
+                    <a:lstStyle/>
+                    <a:p>
+                      <a:endParaRPr lang="en-US"/>
+                    </a:p>
+                  </a:txBody>
+                  <a:tcPr>
+                    <a:lnL w="12700" cap="flat" cmpd="sng" algn="ctr">
+                      <a:solidFill>
+                        <a:schemeClr val="tx1"/>
+                      </a:solidFill>
+                      <a:prstDash val="solid"/>
+                      <a:round/>
+                      <a:headEnd type="none" w="med" len="med"/>
+                      <a:tailEnd type="none" w="med" len="med"/>
+                    </a:lnL>
+                    <a:lnR w="12700" cap="flat" cmpd="sng" algn="ctr">
+                      <a:solidFill>
+                        <a:schemeClr val="tx1"/>
+                      </a:solidFill>
+                      <a:prstDash val="solid"/>
+                      <a:round/>
+                      <a:headEnd type="none" w="med" len="med"/>
+                      <a:tailEnd type="none" w="med" len="med"/>
+                    </a:lnR>
+                    <a:lnT w="12700" cap="flat" cmpd="sng" algn="ctr">
+                      <a:solidFill>
+                        <a:schemeClr val="tx1"/>
+                      </a:solidFill>
+                      <a:prstDash val="solid"/>
+                      <a:round/>
+                      <a:headEnd type="none" w="med" len="med"/>
+                      <a:tailEnd type="none" w="med" len="med"/>
+                    </a:lnT>
+                    <a:lnB w="12700" cap="flat" cmpd="sng" algn="ctr">
+                      <a:solidFill>
+                        <a:schemeClr val="tx1"/>
+                      </a:solidFill>
+                      <a:prstDash val="solid"/>
+                      <a:round/>
+                      <a:headEnd type="none" w="med" len="med"/>
+                      <a:tailEnd type="none" w="med" len="med"/>
+                    </a:lnB>
+                    <a:solidFill>
+                      <a:schemeClr val="bg1"/>
+                    </a:solidFill>
+                  </a:tcPr>
+                </a:tc>
+                <a:tc>
+                  <a:txBody>
+                    <a:bodyPr/>
+                    <a:lstStyle/>
+                    <a:p>
+                      <a:endParaRPr lang="en-US"/>
+                    </a:p>
+                  </a:txBody>
+                  <a:tcPr>
+                    <a:lnL w="12700" cap="flat" cmpd="sng" algn="ctr">
+                      <a:solidFill>
+                        <a:schemeClr val="tx1"/>
+                      </a:solidFill>
+                      <a:prstDash val="solid"/>
+                      <a:round/>
+                      <a:headEnd type="none" w="med" len="med"/>
+                      <a:tailEnd type="none" w="med" len="med"/>
+                    </a:lnL>
+                    <a:lnR w="12700" cap="flat" cmpd="sng" algn="ctr">
+                      <a:solidFill>
+                        <a:schemeClr val="tx1"/>
+                      </a:solidFill>
+                      <a:prstDash val="solid"/>
+                      <a:round/>
+                      <a:headEnd type="none" w="med" len="med"/>
+                      <a:tailEnd type="none" w="med" len="med"/>
+                    </a:lnR>
+                    <a:lnT w="12700" cap="flat" cmpd="sng" algn="ctr">
+                      <a:solidFill>
+                        <a:schemeClr val="tx1"/>
+                      </a:solidFill>
+                      <a:prstDash val="solid"/>
+                      <a:round/>
+                      <a:headEnd type="none" w="med" len="med"/>
+                      <a:tailEnd type="none" w="med" len="med"/>
+                    </a:lnT>
+                    <a:lnB w="12700" cap="flat" cmpd="sng" algn="ctr">
+                      <a:solidFill>
+                        <a:schemeClr val="tx1"/>
+                      </a:solidFill>
+                      <a:prstDash val="solid"/>
+                      <a:round/>
+                      <a:headEnd type="none" w="med" len="med"/>
+                      <a:tailEnd type="none" w="med" len="med"/>
+                    </a:lnB>
+                    <a:solidFill>
+                      <a:schemeClr val="bg1"/>
+                    </a:solidFill>
+                  </a:tcPr>
+                </a:tc>
+                <a:extLst>
+                  <a:ext uri="{0D108BD9-81ED-4DB2-BD59-A6C34878D82A}">
+                    <a16:rowId xmlns:a16="http://schemas.microsoft.com/office/drawing/2014/main" val="3355945909"/>
+                  </a:ext>
+                </a:extLst>
+              </a:tr>
+              <a:tr h="394763">
+                <a:tc>
+                  <a:txBody>
+                    <a:bodyPr/>
+                    <a:lstStyle/>
+                    <a:p>
+                      <a:endParaRPr lang="en-US" dirty="0"/>
+                    </a:p>
+                  </a:txBody>
+                  <a:tcPr>
+                    <a:lnL w="12700" cap="flat" cmpd="sng" algn="ctr">
+                      <a:solidFill>
+                        <a:schemeClr val="tx1"/>
+                      </a:solidFill>
+                      <a:prstDash val="solid"/>
+                      <a:round/>
+                      <a:headEnd type="none" w="med" len="med"/>
+                      <a:tailEnd type="none" w="med" len="med"/>
+                    </a:lnL>
+                    <a:lnR w="12700" cap="flat" cmpd="sng" algn="ctr">
+                      <a:solidFill>
+                        <a:schemeClr val="tx1"/>
+                      </a:solidFill>
+                      <a:prstDash val="solid"/>
+                      <a:round/>
+                      <a:headEnd type="none" w="med" len="med"/>
+                      <a:tailEnd type="none" w="med" len="med"/>
+                    </a:lnR>
+                    <a:lnT w="12700" cap="flat" cmpd="sng" algn="ctr">
+                      <a:solidFill>
+                        <a:schemeClr val="tx1"/>
+                      </a:solidFill>
+                      <a:prstDash val="solid"/>
+                      <a:round/>
+                      <a:headEnd type="none" w="med" len="med"/>
+                      <a:tailEnd type="none" w="med" len="med"/>
+                    </a:lnT>
+                    <a:lnB w="12700" cap="flat" cmpd="sng" algn="ctr">
+                      <a:solidFill>
+                        <a:schemeClr val="tx1"/>
+                      </a:solidFill>
+                      <a:prstDash val="solid"/>
+                      <a:round/>
+                      <a:headEnd type="none" w="med" len="med"/>
+                      <a:tailEnd type="none" w="med" len="med"/>
+                    </a:lnB>
+                    <a:solidFill>
+                      <a:schemeClr val="bg1"/>
+                    </a:solidFill>
+                  </a:tcPr>
+                </a:tc>
+                <a:tc>
+                  <a:txBody>
+                    <a:bodyPr/>
+                    <a:lstStyle/>
+                    <a:p>
+                      <a:pPr algn="ctr"/>
+                      <a:endParaRPr lang="en-US" dirty="0"/>
+                    </a:p>
+                  </a:txBody>
+                  <a:tcPr>
+                    <a:lnL w="12700" cap="flat" cmpd="sng" algn="ctr">
+                      <a:solidFill>
+                        <a:schemeClr val="tx1"/>
+                      </a:solidFill>
+                      <a:prstDash val="solid"/>
+                      <a:round/>
+                      <a:headEnd type="none" w="med" len="med"/>
+                      <a:tailEnd type="none" w="med" len="med"/>
+                    </a:lnL>
+                    <a:lnR w="12700" cap="flat" cmpd="sng" algn="ctr">
+                      <a:solidFill>
+                        <a:schemeClr val="tx1"/>
+                      </a:solidFill>
+                      <a:prstDash val="solid"/>
+                      <a:round/>
+                      <a:headEnd type="none" w="med" len="med"/>
+                      <a:tailEnd type="none" w="med" len="med"/>
+                    </a:lnR>
+                    <a:lnT w="12700" cap="flat" cmpd="sng" algn="ctr">
+                      <a:solidFill>
+                        <a:schemeClr val="tx1"/>
+                      </a:solidFill>
+                      <a:prstDash val="solid"/>
+                      <a:round/>
+                      <a:headEnd type="none" w="med" len="med"/>
+                      <a:tailEnd type="none" w="med" len="med"/>
+                    </a:lnT>
+                    <a:lnB w="12700" cap="flat" cmpd="sng" algn="ctr">
+                      <a:solidFill>
+                        <a:schemeClr val="tx1"/>
+                      </a:solidFill>
+                      <a:prstDash val="solid"/>
+                      <a:round/>
+                      <a:headEnd type="none" w="med" len="med"/>
+                      <a:tailEnd type="none" w="med" len="med"/>
+                    </a:lnB>
+                    <a:solidFill>
+                      <a:schemeClr val="bg1"/>
+                    </a:solidFill>
+                  </a:tcPr>
+                </a:tc>
+                <a:tc>
+                  <a:txBody>
+                    <a:bodyPr/>
+                    <a:lstStyle/>
+                    <a:p>
+                      <a:endParaRPr lang="en-US" dirty="0"/>
+                    </a:p>
+                  </a:txBody>
+                  <a:tcPr>
+                    <a:lnL w="12700" cap="flat" cmpd="sng" algn="ctr">
+                      <a:solidFill>
+                        <a:schemeClr val="tx1"/>
+                      </a:solidFill>
+                      <a:prstDash val="solid"/>
+                      <a:round/>
+                      <a:headEnd type="none" w="med" len="med"/>
+                      <a:tailEnd type="none" w="med" len="med"/>
+                    </a:lnL>
+                    <a:lnR w="12700" cap="flat" cmpd="sng" algn="ctr">
+                      <a:solidFill>
+                        <a:schemeClr val="tx1"/>
+                      </a:solidFill>
+                      <a:prstDash val="solid"/>
+                      <a:round/>
+                      <a:headEnd type="none" w="med" len="med"/>
+                      <a:tailEnd type="none" w="med" len="med"/>
+                    </a:lnR>
+                    <a:lnT w="12700" cap="flat" cmpd="sng" algn="ctr">
+                      <a:solidFill>
+                        <a:schemeClr val="tx1"/>
+                      </a:solidFill>
+                      <a:prstDash val="solid"/>
+                      <a:round/>
+                      <a:headEnd type="none" w="med" len="med"/>
+                      <a:tailEnd type="none" w="med" len="med"/>
+                    </a:lnT>
+                    <a:lnB w="12700" cap="flat" cmpd="sng" algn="ctr">
+                      <a:solidFill>
+                        <a:schemeClr val="tx1"/>
+                      </a:solidFill>
+                      <a:prstDash val="solid"/>
+                      <a:round/>
+                      <a:headEnd type="none" w="med" len="med"/>
+                      <a:tailEnd type="none" w="med" len="med"/>
+                    </a:lnB>
+                    <a:solidFill>
+                      <a:schemeClr val="bg1"/>
+                    </a:solidFill>
+                  </a:tcPr>
+                </a:tc>
+                <a:extLst>
+                  <a:ext uri="{0D108BD9-81ED-4DB2-BD59-A6C34878D82A}">
+                    <a16:rowId xmlns:a16="http://schemas.microsoft.com/office/drawing/2014/main" val="2761057648"/>
+                  </a:ext>
+                </a:extLst>
+              </a:tr>
+              <a:tr h="394763">
+                <a:tc>
+                  <a:txBody>
+                    <a:bodyPr/>
+                    <a:lstStyle/>
+                    <a:p>
+                      <a:endParaRPr lang="en-US"/>
+                    </a:p>
+                  </a:txBody>
+                  <a:tcPr>
+                    <a:lnL w="12700" cap="flat" cmpd="sng" algn="ctr">
+                      <a:solidFill>
+                        <a:schemeClr val="tx1"/>
+                      </a:solidFill>
+                      <a:prstDash val="solid"/>
+                      <a:round/>
+                      <a:headEnd type="none" w="med" len="med"/>
+                      <a:tailEnd type="none" w="med" len="med"/>
+                    </a:lnL>
+                    <a:lnR w="12700" cap="flat" cmpd="sng" algn="ctr">
+                      <a:solidFill>
+                        <a:schemeClr val="tx1"/>
+                      </a:solidFill>
+                      <a:prstDash val="solid"/>
+                      <a:round/>
+                      <a:headEnd type="none" w="med" len="med"/>
+                      <a:tailEnd type="none" w="med" len="med"/>
+                    </a:lnR>
+                    <a:lnT w="12700" cap="flat" cmpd="sng" algn="ctr">
+                      <a:solidFill>
+                        <a:schemeClr val="tx1"/>
+                      </a:solidFill>
+                      <a:prstDash val="solid"/>
+                      <a:round/>
+                      <a:headEnd type="none" w="med" len="med"/>
+                      <a:tailEnd type="none" w="med" len="med"/>
+                    </a:lnT>
+                    <a:lnB w="12700" cap="flat" cmpd="sng" algn="ctr">
+                      <a:solidFill>
+                        <a:schemeClr val="tx1"/>
+                      </a:solidFill>
+                      <a:prstDash val="solid"/>
+                      <a:round/>
+                      <a:headEnd type="none" w="med" len="med"/>
+                      <a:tailEnd type="none" w="med" len="med"/>
+                    </a:lnB>
+                    <a:solidFill>
+                      <a:schemeClr val="bg1"/>
+                    </a:solidFill>
+                  </a:tcPr>
+                </a:tc>
+                <a:tc>
+                  <a:txBody>
+                    <a:bodyPr/>
+                    <a:lstStyle/>
+                    <a:p>
+                      <a:endParaRPr lang="en-US" dirty="0"/>
+                    </a:p>
+                  </a:txBody>
+                  <a:tcPr>
+                    <a:lnL w="12700" cap="flat" cmpd="sng" algn="ctr">
+                      <a:solidFill>
+                        <a:schemeClr val="tx1"/>
+                      </a:solidFill>
+                      <a:prstDash val="solid"/>
+                      <a:round/>
+                      <a:headEnd type="none" w="med" len="med"/>
+                      <a:tailEnd type="none" w="med" len="med"/>
+                    </a:lnL>
+                    <a:lnR w="12700" cap="flat" cmpd="sng" algn="ctr">
+                      <a:solidFill>
+                        <a:schemeClr val="tx1"/>
+                      </a:solidFill>
+                      <a:prstDash val="solid"/>
+                      <a:round/>
+                      <a:headEnd type="none" w="med" len="med"/>
+                      <a:tailEnd type="none" w="med" len="med"/>
+                    </a:lnR>
+                    <a:lnT w="12700" cap="flat" cmpd="sng" algn="ctr">
+                      <a:solidFill>
+                        <a:schemeClr val="tx1"/>
+                      </a:solidFill>
+                      <a:prstDash val="solid"/>
+                      <a:round/>
+                      <a:headEnd type="none" w="med" len="med"/>
+                      <a:tailEnd type="none" w="med" len="med"/>
+                    </a:lnT>
+                    <a:lnB w="12700" cap="flat" cmpd="sng" algn="ctr">
+                      <a:solidFill>
+                        <a:schemeClr val="tx1"/>
+                      </a:solidFill>
+                      <a:prstDash val="solid"/>
+                      <a:round/>
+                      <a:headEnd type="none" w="med" len="med"/>
+                      <a:tailEnd type="none" w="med" len="med"/>
+                    </a:lnB>
+                    <a:solidFill>
+                      <a:schemeClr val="bg1"/>
+                    </a:solidFill>
+                  </a:tcPr>
+                </a:tc>
+                <a:tc>
+                  <a:txBody>
+                    <a:bodyPr/>
+                    <a:lstStyle/>
+                    <a:p>
+                      <a:endParaRPr lang="en-US" dirty="0"/>
+                    </a:p>
+                  </a:txBody>
+                  <a:tcPr>
+                    <a:lnL w="12700" cap="flat" cmpd="sng" algn="ctr">
+                      <a:solidFill>
+                        <a:schemeClr val="tx1"/>
+                      </a:solidFill>
+                      <a:prstDash val="solid"/>
+                      <a:round/>
+                      <a:headEnd type="none" w="med" len="med"/>
+                      <a:tailEnd type="none" w="med" len="med"/>
+                    </a:lnL>
+                    <a:lnR w="12700" cap="flat" cmpd="sng" algn="ctr">
+                      <a:solidFill>
+                        <a:schemeClr val="tx1"/>
+                      </a:solidFill>
+                      <a:prstDash val="solid"/>
+                      <a:round/>
+                      <a:headEnd type="none" w="med" len="med"/>
+                      <a:tailEnd type="none" w="med" len="med"/>
+                    </a:lnR>
+                    <a:lnT w="12700" cap="flat" cmpd="sng" algn="ctr">
+                      <a:solidFill>
+                        <a:schemeClr val="tx1"/>
+                      </a:solidFill>
+                      <a:prstDash val="solid"/>
+                      <a:round/>
+                      <a:headEnd type="none" w="med" len="med"/>
+                      <a:tailEnd type="none" w="med" len="med"/>
+                    </a:lnT>
+                    <a:lnB w="12700" cap="flat" cmpd="sng" algn="ctr">
+                      <a:solidFill>
+                        <a:schemeClr val="tx1"/>
+                      </a:solidFill>
+                      <a:prstDash val="solid"/>
+                      <a:round/>
+                      <a:headEnd type="none" w="med" len="med"/>
+                      <a:tailEnd type="none" w="med" len="med"/>
+                    </a:lnB>
+                    <a:solidFill>
+                      <a:schemeClr val="bg1"/>
+                    </a:solidFill>
+                  </a:tcPr>
+                </a:tc>
+                <a:extLst>
+                  <a:ext uri="{0D108BD9-81ED-4DB2-BD59-A6C34878D82A}">
+                    <a16:rowId xmlns:a16="http://schemas.microsoft.com/office/drawing/2014/main" val="3240489286"/>
+                  </a:ext>
+                </a:extLst>
+              </a:tr>
+            </a:tbl>
+          </a:graphicData>
+        </a:graphic>
+      </p:graphicFrame>
+      <p:sp>
+        <p:nvSpPr>
+          <p:cNvPr id="5" name="TextBox 4">
+            <a:extLst>
+              <a:ext uri="{FF2B5EF4-FFF2-40B4-BE49-F238E27FC236}">
+                <a16:creationId xmlns:a16="http://schemas.microsoft.com/office/drawing/2014/main" id="{D624A796-A0EC-4725-A447-7BFB1ABE45C6}"/>
+              </a:ext>
+            </a:extLst>
+          </p:cNvPr>
+          <p:cNvSpPr txBox="1"/>
+          <p:nvPr/>
+        </p:nvSpPr>
+        <p:spPr>
+          <a:xfrm>
+            <a:off x="2032001" y="2686833"/>
+            <a:ext cx="1311385" cy="369332"/>
+          </a:xfrm>
+          <a:prstGeom prst="rect">
+            <a:avLst/>
+          </a:prstGeom>
+          <a:noFill/>
+        </p:spPr>
+        <p:txBody>
+          <a:bodyPr wrap="none" rtlCol="0">
+            <a:spAutoFit/>
+          </a:bodyPr>
+          <a:lstStyle/>
+          <a:p>
+            <a:r>
+              <a:rPr lang="en-US" dirty="0"/>
+              <a:t>Pixel at (</a:t>
+            </a:r>
+            <a:r>
+              <a:rPr lang="en-US" dirty="0" err="1"/>
+              <a:t>x,y</a:t>
+            </a:r>
+            <a:r>
+              <a:rPr lang="en-US" dirty="0"/>
+              <a:t>)</a:t>
+            </a:r>
+          </a:p>
+        </p:txBody>
+      </p:sp>
+      <p:cxnSp>
+        <p:nvCxnSpPr>
+          <p:cNvPr id="7" name="Connector: Curved 6">
+            <a:extLst>
+              <a:ext uri="{FF2B5EF4-FFF2-40B4-BE49-F238E27FC236}">
+                <a16:creationId xmlns:a16="http://schemas.microsoft.com/office/drawing/2014/main" id="{9DB3B6B4-21D4-461C-85A4-2994CC3E2779}"/>
+              </a:ext>
+            </a:extLst>
+          </p:cNvPr>
+          <p:cNvCxnSpPr>
+            <a:cxnSpLocks/>
+          </p:cNvCxnSpPr>
+          <p:nvPr/>
+        </p:nvCxnSpPr>
+        <p:spPr>
+          <a:xfrm rot="5400000" flipH="1" flipV="1">
+            <a:off x="1994773" y="1775566"/>
+            <a:ext cx="1359073" cy="463462"/>
+          </a:xfrm>
+          <a:prstGeom prst="curvedConnector3">
+            <a:avLst>
+              <a:gd name="adj1" fmla="val 39862"/>
+            </a:avLst>
+          </a:prstGeom>
+          <a:ln w="12700">
+            <a:solidFill>
+              <a:schemeClr val="accent1"/>
+            </a:solidFill>
+            <a:tailEnd type="triangle"/>
+          </a:ln>
+          <a:effectLst/>
+        </p:spPr>
+        <p:style>
+          <a:lnRef idx="1">
+            <a:schemeClr val="accent1"/>
+          </a:lnRef>
+          <a:fillRef idx="0">
+            <a:schemeClr val="accent1"/>
+          </a:fillRef>
+          <a:effectRef idx="0">
+            <a:schemeClr val="accent1"/>
+          </a:effectRef>
+          <a:fontRef idx="minor">
+            <a:schemeClr val="tx1"/>
+          </a:fontRef>
+        </p:style>
+      </p:cxnSp>
+    </p:spTree>
+    <p:extLst>
+      <p:ext uri="{BB962C8B-B14F-4D97-AF65-F5344CB8AC3E}">
+        <p14:creationId xmlns:p14="http://schemas.microsoft.com/office/powerpoint/2010/main" val="3167955307"/>
+      </p:ext>
+    </p:extLst>
+  </p:cSld>
+  <p:clrMapOvr>
+    <a:masterClrMapping/>
+  </p:clrMapOvr>
+</p:sld>
+</file>
+
+<file path=ppt/slides/slide8.xml><?xml version="1.0" encoding="utf-8"?>
+<p:sld xmlns:a="http://schemas.openxmlformats.org/drawingml/2006/main" xmlns:r="http://schemas.openxmlformats.org/officeDocument/2006/relationships" xmlns:p="http://schemas.openxmlformats.org/presentationml/2006/main">
+  <p:cSld>
+    <p:spTree>
+      <p:nvGrpSpPr>
+        <p:cNvPr id="1" name=""/>
+        <p:cNvGrpSpPr/>
+        <p:nvPr/>
+      </p:nvGrpSpPr>
+      <p:grpSpPr>
+        <a:xfrm>
+          <a:off x="0" y="0"/>
+          <a:ext cx="0" cy="0"/>
+          <a:chOff x="0" y="0"/>
+          <a:chExt cx="0" cy="0"/>
+        </a:xfrm>
+      </p:grpSpPr>
+      <p:sp>
+        <p:nvSpPr>
+          <p:cNvPr id="5" name="Rectangle 4">
+            <a:extLst>
+              <a:ext uri="{FF2B5EF4-FFF2-40B4-BE49-F238E27FC236}">
+                <a16:creationId xmlns:a16="http://schemas.microsoft.com/office/drawing/2014/main" id="{65250789-430D-470D-9A9F-007CFCB354FA}"/>
+              </a:ext>
+            </a:extLst>
+          </p:cNvPr>
+          <p:cNvSpPr/>
+          <p:nvPr/>
+        </p:nvSpPr>
+        <p:spPr>
+          <a:xfrm>
+            <a:off x="4252586" y="2530258"/>
+            <a:ext cx="1221288" cy="620038"/>
+          </a:xfrm>
+          <a:prstGeom prst="rect">
+            <a:avLst/>
+          </a:prstGeom>
+          <a:solidFill>
+            <a:schemeClr val="accent1">
+              <a:lumMod val="60000"/>
+              <a:lumOff val="40000"/>
+            </a:schemeClr>
+          </a:solidFill>
+          <a:ln>
+            <a:solidFill>
+              <a:schemeClr val="accent1">
+                <a:lumMod val="60000"/>
+                <a:lumOff val="40000"/>
+              </a:schemeClr>
+            </a:solidFill>
+          </a:ln>
+        </p:spPr>
+        <p:style>
+          <a:lnRef idx="2">
+            <a:schemeClr val="accent1">
+              <a:shade val="50000"/>
+            </a:schemeClr>
+          </a:lnRef>
+          <a:fillRef idx="1">
+            <a:schemeClr val="accent1"/>
+          </a:fillRef>
+          <a:effectRef idx="0">
+            <a:schemeClr val="accent1"/>
+          </a:effectRef>
+          <a:fontRef idx="minor">
+            <a:schemeClr val="lt1"/>
+          </a:fontRef>
+        </p:style>
+        <p:txBody>
+          <a:bodyPr rtlCol="0" anchor="ctr"/>
+          <a:lstStyle/>
+          <a:p>
+            <a:pPr algn="ctr"/>
+            <a:r>
+              <a:rPr lang="en-US" sz="1200" dirty="0">
+                <a:solidFill>
+                  <a:schemeClr val="tx1">
+                    <a:lumMod val="95000"/>
+                    <a:lumOff val="5000"/>
+                  </a:schemeClr>
+                </a:solidFill>
+                <a:latin typeface="Consolas" panose="020B0609020204030204" pitchFamily="49" charset="0"/>
+              </a:rPr>
+              <a:t>move(</a:t>
+            </a:r>
+            <a:r>
+              <a:rPr lang="en-US" sz="1200" dirty="0" err="1">
+                <a:solidFill>
+                  <a:schemeClr val="tx1">
+                    <a:lumMod val="95000"/>
+                    <a:lumOff val="5000"/>
+                  </a:schemeClr>
+                </a:solidFill>
+                <a:latin typeface="Consolas" panose="020B0609020204030204" pitchFamily="49" charset="0"/>
+              </a:rPr>
+              <a:t>x,y</a:t>
+            </a:r>
+            <a:r>
+              <a:rPr lang="en-US" sz="1200" dirty="0">
+                <a:solidFill>
+                  <a:schemeClr val="tx1">
+                    <a:lumMod val="95000"/>
+                    <a:lumOff val="5000"/>
+                  </a:schemeClr>
+                </a:solidFill>
+                <a:latin typeface="Consolas" panose="020B0609020204030204" pitchFamily="49" charset="0"/>
+              </a:rPr>
+              <a:t>)</a:t>
+            </a:r>
+          </a:p>
+        </p:txBody>
+      </p:sp>
+      <p:cxnSp>
+        <p:nvCxnSpPr>
+          <p:cNvPr id="6" name="Straight Arrow Connector 5">
+            <a:extLst>
+              <a:ext uri="{FF2B5EF4-FFF2-40B4-BE49-F238E27FC236}">
+                <a16:creationId xmlns:a16="http://schemas.microsoft.com/office/drawing/2014/main" id="{E5550398-B26B-4DCA-9B66-384E44861B2A}"/>
+              </a:ext>
+            </a:extLst>
+          </p:cNvPr>
+          <p:cNvCxnSpPr>
+            <a:cxnSpLocks/>
+          </p:cNvCxnSpPr>
+          <p:nvPr/>
+        </p:nvCxnSpPr>
+        <p:spPr>
+          <a:xfrm>
+            <a:off x="3732756" y="2687877"/>
+            <a:ext cx="519830" cy="0"/>
+          </a:xfrm>
+          <a:prstGeom prst="straightConnector1">
+            <a:avLst/>
+          </a:prstGeom>
+          <a:ln>
+            <a:tailEnd type="triangle"/>
+          </a:ln>
+        </p:spPr>
+        <p:style>
+          <a:lnRef idx="1">
+            <a:schemeClr val="accent1"/>
+          </a:lnRef>
+          <a:fillRef idx="0">
+            <a:schemeClr val="accent1"/>
+          </a:fillRef>
+          <a:effectRef idx="0">
+            <a:schemeClr val="accent1"/>
+          </a:effectRef>
+          <a:fontRef idx="minor">
+            <a:schemeClr val="tx1"/>
+          </a:fontRef>
+        </p:style>
+      </p:cxnSp>
+      <p:cxnSp>
+        <p:nvCxnSpPr>
+          <p:cNvPr id="7" name="Straight Arrow Connector 6">
+            <a:extLst>
+              <a:ext uri="{FF2B5EF4-FFF2-40B4-BE49-F238E27FC236}">
+                <a16:creationId xmlns:a16="http://schemas.microsoft.com/office/drawing/2014/main" id="{77F32D70-E769-4059-A2BA-62007CAD475E}"/>
+              </a:ext>
+            </a:extLst>
+          </p:cNvPr>
+          <p:cNvCxnSpPr>
+            <a:cxnSpLocks/>
+          </p:cNvCxnSpPr>
+          <p:nvPr/>
+        </p:nvCxnSpPr>
+        <p:spPr>
+          <a:xfrm>
+            <a:off x="5473874" y="2710102"/>
+            <a:ext cx="519830" cy="0"/>
+          </a:xfrm>
+          <a:prstGeom prst="straightConnector1">
+            <a:avLst/>
+          </a:prstGeom>
+          <a:ln>
+            <a:tailEnd type="triangle"/>
+          </a:ln>
+        </p:spPr>
+        <p:style>
+          <a:lnRef idx="1">
+            <a:schemeClr val="accent1"/>
+          </a:lnRef>
+          <a:fillRef idx="0">
+            <a:schemeClr val="accent1"/>
+          </a:fillRef>
+          <a:effectRef idx="0">
+            <a:schemeClr val="accent1"/>
+          </a:effectRef>
+          <a:fontRef idx="minor">
+            <a:schemeClr val="tx1"/>
+          </a:fontRef>
+        </p:style>
+      </p:cxnSp>
+      <p:cxnSp>
+        <p:nvCxnSpPr>
+          <p:cNvPr id="8" name="Straight Arrow Connector 7">
+            <a:extLst>
+              <a:ext uri="{FF2B5EF4-FFF2-40B4-BE49-F238E27FC236}">
+                <a16:creationId xmlns:a16="http://schemas.microsoft.com/office/drawing/2014/main" id="{D0E68AB3-47F8-44DA-AB26-6B4110CC160E}"/>
+              </a:ext>
+            </a:extLst>
+          </p:cNvPr>
+          <p:cNvCxnSpPr>
+            <a:cxnSpLocks/>
+          </p:cNvCxnSpPr>
+          <p:nvPr/>
+        </p:nvCxnSpPr>
+        <p:spPr>
+          <a:xfrm>
+            <a:off x="3732756" y="2992677"/>
+            <a:ext cx="519830" cy="0"/>
+          </a:xfrm>
+          <a:prstGeom prst="straightConnector1">
+            <a:avLst/>
+          </a:prstGeom>
+          <a:ln>
+            <a:tailEnd type="triangle"/>
+          </a:ln>
+        </p:spPr>
+        <p:style>
+          <a:lnRef idx="1">
+            <a:schemeClr val="accent1"/>
+          </a:lnRef>
+          <a:fillRef idx="0">
+            <a:schemeClr val="accent1"/>
+          </a:fillRef>
+          <a:effectRef idx="0">
+            <a:schemeClr val="accent1"/>
+          </a:effectRef>
+          <a:fontRef idx="minor">
+            <a:schemeClr val="tx1"/>
+          </a:fontRef>
+        </p:style>
+      </p:cxnSp>
+      <p:cxnSp>
+        <p:nvCxnSpPr>
+          <p:cNvPr id="9" name="Straight Arrow Connector 8">
+            <a:extLst>
+              <a:ext uri="{FF2B5EF4-FFF2-40B4-BE49-F238E27FC236}">
+                <a16:creationId xmlns:a16="http://schemas.microsoft.com/office/drawing/2014/main" id="{136437DD-3429-4189-B3FE-0BEBB08DE0E8}"/>
+              </a:ext>
+            </a:extLst>
+          </p:cNvPr>
+          <p:cNvCxnSpPr>
+            <a:cxnSpLocks/>
+          </p:cNvCxnSpPr>
+          <p:nvPr/>
+        </p:nvCxnSpPr>
+        <p:spPr>
+          <a:xfrm>
+            <a:off x="5473874" y="3027602"/>
+            <a:ext cx="519830" cy="0"/>
+          </a:xfrm>
+          <a:prstGeom prst="straightConnector1">
+            <a:avLst/>
+          </a:prstGeom>
+          <a:ln>
+            <a:tailEnd type="triangle"/>
+          </a:ln>
+        </p:spPr>
+        <p:style>
+          <a:lnRef idx="1">
+            <a:schemeClr val="accent1"/>
+          </a:lnRef>
+          <a:fillRef idx="0">
+            <a:schemeClr val="accent1"/>
+          </a:fillRef>
+          <a:effectRef idx="0">
+            <a:schemeClr val="accent1"/>
+          </a:effectRef>
+          <a:fontRef idx="minor">
+            <a:schemeClr val="tx1"/>
+          </a:fontRef>
+        </p:style>
+      </p:cxnSp>
+      <p:sp>
+        <p:nvSpPr>
+          <p:cNvPr id="10" name="TextBox 9">
+            <a:extLst>
+              <a:ext uri="{FF2B5EF4-FFF2-40B4-BE49-F238E27FC236}">
+                <a16:creationId xmlns:a16="http://schemas.microsoft.com/office/drawing/2014/main" id="{E2A6EDAE-8B6E-42B4-84E3-8F8A68572578}"/>
+              </a:ext>
+            </a:extLst>
+          </p:cNvPr>
+          <p:cNvSpPr txBox="1"/>
+          <p:nvPr/>
+        </p:nvSpPr>
+        <p:spPr>
+          <a:xfrm>
+            <a:off x="3546475" y="2549377"/>
+            <a:ext cx="269626" cy="276999"/>
+          </a:xfrm>
+          <a:prstGeom prst="rect">
+            <a:avLst/>
+          </a:prstGeom>
+          <a:noFill/>
+        </p:spPr>
+        <p:txBody>
+          <a:bodyPr wrap="none" rtlCol="0">
+            <a:spAutoFit/>
+          </a:bodyPr>
+          <a:lstStyle/>
+          <a:p>
+            <a:r>
+              <a:rPr lang="en-US" sz="1200" dirty="0">
+                <a:latin typeface="Consolas" panose="020B0609020204030204" pitchFamily="49" charset="0"/>
+              </a:rPr>
+              <a:t>x</a:t>
+            </a:r>
+          </a:p>
+        </p:txBody>
+      </p:sp>
+      <p:sp>
+        <p:nvSpPr>
+          <p:cNvPr id="11" name="TextBox 10">
+            <a:extLst>
+              <a:ext uri="{FF2B5EF4-FFF2-40B4-BE49-F238E27FC236}">
+                <a16:creationId xmlns:a16="http://schemas.microsoft.com/office/drawing/2014/main" id="{E350ADD5-D522-43A1-B8A8-B1A4A6FF269A}"/>
+              </a:ext>
+            </a:extLst>
+          </p:cNvPr>
+          <p:cNvSpPr txBox="1"/>
+          <p:nvPr/>
+        </p:nvSpPr>
+        <p:spPr>
+          <a:xfrm>
+            <a:off x="3546475" y="2844652"/>
+            <a:ext cx="269626" cy="276999"/>
+          </a:xfrm>
+          <a:prstGeom prst="rect">
+            <a:avLst/>
+          </a:prstGeom>
+          <a:noFill/>
+        </p:spPr>
+        <p:txBody>
+          <a:bodyPr wrap="none" rtlCol="0">
+            <a:spAutoFit/>
+          </a:bodyPr>
+          <a:lstStyle/>
+          <a:p>
+            <a:r>
+              <a:rPr lang="en-US" sz="1200" dirty="0">
+                <a:latin typeface="Consolas" panose="020B0609020204030204" pitchFamily="49" charset="0"/>
+              </a:rPr>
+              <a:t>y</a:t>
+            </a:r>
+          </a:p>
+        </p:txBody>
+      </p:sp>
+      <p:sp>
+        <p:nvSpPr>
+          <p:cNvPr id="12" name="TextBox 11">
+            <a:extLst>
+              <a:ext uri="{FF2B5EF4-FFF2-40B4-BE49-F238E27FC236}">
+                <a16:creationId xmlns:a16="http://schemas.microsoft.com/office/drawing/2014/main" id="{A11A4EEA-B16C-408E-A3A2-DDFA887507B5}"/>
+              </a:ext>
+            </a:extLst>
+          </p:cNvPr>
+          <p:cNvSpPr txBox="1"/>
+          <p:nvPr/>
+        </p:nvSpPr>
+        <p:spPr>
+          <a:xfrm>
+            <a:off x="5940425" y="2565252"/>
+            <a:ext cx="269626" cy="276999"/>
+          </a:xfrm>
+          <a:prstGeom prst="rect">
+            <a:avLst/>
+          </a:prstGeom>
+          <a:noFill/>
+        </p:spPr>
+        <p:txBody>
+          <a:bodyPr wrap="none" rtlCol="0">
+            <a:spAutoFit/>
+          </a:bodyPr>
+          <a:lstStyle/>
+          <a:p>
+            <a:r>
+              <a:rPr lang="en-US" sz="1200" dirty="0">
+                <a:latin typeface="Consolas" panose="020B0609020204030204" pitchFamily="49" charset="0"/>
+              </a:rPr>
+              <a:t>x</a:t>
+            </a:r>
+          </a:p>
+        </p:txBody>
+      </p:sp>
+      <p:sp>
+        <p:nvSpPr>
+          <p:cNvPr id="13" name="TextBox 12">
+            <a:extLst>
+              <a:ext uri="{FF2B5EF4-FFF2-40B4-BE49-F238E27FC236}">
+                <a16:creationId xmlns:a16="http://schemas.microsoft.com/office/drawing/2014/main" id="{2A21E6E8-2CF0-4629-AFC5-E0C431D756D5}"/>
+              </a:ext>
+            </a:extLst>
+          </p:cNvPr>
+          <p:cNvSpPr txBox="1"/>
+          <p:nvPr/>
+        </p:nvSpPr>
+        <p:spPr>
+          <a:xfrm>
+            <a:off x="5940425" y="2860527"/>
+            <a:ext cx="269626" cy="276999"/>
+          </a:xfrm>
+          <a:prstGeom prst="rect">
+            <a:avLst/>
+          </a:prstGeom>
+          <a:noFill/>
+        </p:spPr>
+        <p:txBody>
+          <a:bodyPr wrap="none" rtlCol="0">
+            <a:spAutoFit/>
+          </a:bodyPr>
+          <a:lstStyle/>
+          <a:p>
+            <a:r>
+              <a:rPr lang="en-US" sz="1200" dirty="0">
+                <a:latin typeface="Consolas" panose="020B0609020204030204" pitchFamily="49" charset="0"/>
+              </a:rPr>
+              <a:t>y</a:t>
+            </a:r>
+          </a:p>
+        </p:txBody>
+      </p:sp>
+    </p:spTree>
+    <p:extLst>
+      <p:ext uri="{BB962C8B-B14F-4D97-AF65-F5344CB8AC3E}">
+        <p14:creationId xmlns:p14="http://schemas.microsoft.com/office/powerpoint/2010/main" val="2387331625"/>
+      </p:ext>
+    </p:extLst>
+  </p:cSld>
+  <p:clrMapOvr>
+    <a:masterClrMapping/>
+  </p:clrMapOvr>
+</p:sld>
+</file>
+
 <file path=ppt/theme/theme1.xml><?xml version="1.0" encoding="utf-8"?>
 <a:theme xmlns:a="http://schemas.openxmlformats.org/drawingml/2006/main" name="Office Theme">
   <a:themeElements>

--- a/images/pygame_rect_window.pptx
+++ b/images/pygame_rect_window.pptx
@@ -13,6 +13,7 @@
     <p:sldId id="262" r:id="rId7"/>
     <p:sldId id="263" r:id="rId8"/>
     <p:sldId id="264" r:id="rId9"/>
+    <p:sldId id="265" r:id="rId10"/>
   </p:sldIdLst>
   <p:sldSz cx="12192000" cy="6858000"/>
   <p:notesSz cx="6858000" cy="9144000"/>
@@ -252,7 +253,7 @@
           <a:p>
             <a:fld id="{856FFBE8-0159-4FDA-8D70-04C5D85E84A4}" type="datetimeFigureOut">
               <a:rPr lang="en-US" smtClean="0"/>
-              <a:t>6/26/2017</a:t>
+              <a:t>6/30/2017</a:t>
             </a:fld>
             <a:endParaRPr lang="en-US"/>
           </a:p>
@@ -420,7 +421,7 @@
           <a:p>
             <a:fld id="{856FFBE8-0159-4FDA-8D70-04C5D85E84A4}" type="datetimeFigureOut">
               <a:rPr lang="en-US" smtClean="0"/>
-              <a:t>6/26/2017</a:t>
+              <a:t>6/30/2017</a:t>
             </a:fld>
             <a:endParaRPr lang="en-US"/>
           </a:p>
@@ -598,7 +599,7 @@
           <a:p>
             <a:fld id="{856FFBE8-0159-4FDA-8D70-04C5D85E84A4}" type="datetimeFigureOut">
               <a:rPr lang="en-US" smtClean="0"/>
-              <a:t>6/26/2017</a:t>
+              <a:t>6/30/2017</a:t>
             </a:fld>
             <a:endParaRPr lang="en-US"/>
           </a:p>
@@ -766,7 +767,7 @@
           <a:p>
             <a:fld id="{856FFBE8-0159-4FDA-8D70-04C5D85E84A4}" type="datetimeFigureOut">
               <a:rPr lang="en-US" smtClean="0"/>
-              <a:t>6/26/2017</a:t>
+              <a:t>6/30/2017</a:t>
             </a:fld>
             <a:endParaRPr lang="en-US"/>
           </a:p>
@@ -1011,7 +1012,7 @@
           <a:p>
             <a:fld id="{856FFBE8-0159-4FDA-8D70-04C5D85E84A4}" type="datetimeFigureOut">
               <a:rPr lang="en-US" smtClean="0"/>
-              <a:t>6/26/2017</a:t>
+              <a:t>6/30/2017</a:t>
             </a:fld>
             <a:endParaRPr lang="en-US"/>
           </a:p>
@@ -1240,7 +1241,7 @@
           <a:p>
             <a:fld id="{856FFBE8-0159-4FDA-8D70-04C5D85E84A4}" type="datetimeFigureOut">
               <a:rPr lang="en-US" smtClean="0"/>
-              <a:t>6/26/2017</a:t>
+              <a:t>6/30/2017</a:t>
             </a:fld>
             <a:endParaRPr lang="en-US"/>
           </a:p>
@@ -1604,7 +1605,7 @@
           <a:p>
             <a:fld id="{856FFBE8-0159-4FDA-8D70-04C5D85E84A4}" type="datetimeFigureOut">
               <a:rPr lang="en-US" smtClean="0"/>
-              <a:t>6/26/2017</a:t>
+              <a:t>6/30/2017</a:t>
             </a:fld>
             <a:endParaRPr lang="en-US"/>
           </a:p>
@@ -1721,7 +1722,7 @@
           <a:p>
             <a:fld id="{856FFBE8-0159-4FDA-8D70-04C5D85E84A4}" type="datetimeFigureOut">
               <a:rPr lang="en-US" smtClean="0"/>
-              <a:t>6/26/2017</a:t>
+              <a:t>6/30/2017</a:t>
             </a:fld>
             <a:endParaRPr lang="en-US"/>
           </a:p>
@@ -1816,7 +1817,7 @@
           <a:p>
             <a:fld id="{856FFBE8-0159-4FDA-8D70-04C5D85E84A4}" type="datetimeFigureOut">
               <a:rPr lang="en-US" smtClean="0"/>
-              <a:t>6/26/2017</a:t>
+              <a:t>6/30/2017</a:t>
             </a:fld>
             <a:endParaRPr lang="en-US"/>
           </a:p>
@@ -2091,7 +2092,7 @@
           <a:p>
             <a:fld id="{856FFBE8-0159-4FDA-8D70-04C5D85E84A4}" type="datetimeFigureOut">
               <a:rPr lang="en-US" smtClean="0"/>
-              <a:t>6/26/2017</a:t>
+              <a:t>6/30/2017</a:t>
             </a:fld>
             <a:endParaRPr lang="en-US"/>
           </a:p>
@@ -2343,7 +2344,7 @@
           <a:p>
             <a:fld id="{856FFBE8-0159-4FDA-8D70-04C5D85E84A4}" type="datetimeFigureOut">
               <a:rPr lang="en-US" smtClean="0"/>
-              <a:t>6/26/2017</a:t>
+              <a:t>6/30/2017</a:t>
             </a:fld>
             <a:endParaRPr lang="en-US"/>
           </a:p>
@@ -2554,7 +2555,7 @@
           <a:p>
             <a:fld id="{856FFBE8-0159-4FDA-8D70-04C5D85E84A4}" type="datetimeFigureOut">
               <a:rPr lang="en-US" smtClean="0"/>
-              <a:t>6/26/2017</a:t>
+              <a:t>6/30/2017</a:t>
             </a:fld>
             <a:endParaRPr lang="en-US"/>
           </a:p>
@@ -6786,6 +6787,1626 @@
 </p:sld>
 </file>
 
+<file path=ppt/slides/slide9.xml><?xml version="1.0" encoding="utf-8"?>
+<p:sld xmlns:a="http://schemas.openxmlformats.org/drawingml/2006/main" xmlns:r="http://schemas.openxmlformats.org/officeDocument/2006/relationships" xmlns:p="http://schemas.openxmlformats.org/presentationml/2006/main">
+  <p:cSld>
+    <p:spTree>
+      <p:nvGrpSpPr>
+        <p:cNvPr id="1" name=""/>
+        <p:cNvGrpSpPr/>
+        <p:nvPr/>
+      </p:nvGrpSpPr>
+      <p:grpSpPr>
+        <a:xfrm>
+          <a:off x="0" y="0"/>
+          <a:ext cx="0" cy="0"/>
+          <a:chOff x="0" y="0"/>
+          <a:chExt cx="0" cy="0"/>
+        </a:xfrm>
+      </p:grpSpPr>
+      <p:pic>
+        <p:nvPicPr>
+          <p:cNvPr id="3" name="Graphic 2" descr="Signal">
+            <a:extLst>
+              <a:ext uri="{FF2B5EF4-FFF2-40B4-BE49-F238E27FC236}">
+                <a16:creationId xmlns:a16="http://schemas.microsoft.com/office/drawing/2014/main" id="{B6B7C08E-F604-47E1-930C-F7DB9002D904}"/>
+              </a:ext>
+            </a:extLst>
+          </p:cNvPr>
+          <p:cNvPicPr>
+            <a:picLocks noChangeAspect="1"/>
+          </p:cNvPicPr>
+          <p:nvPr/>
+        </p:nvPicPr>
+        <p:blipFill>
+          <a:blip r:embed="rId2">
+            <a:extLst>
+              <a:ext uri="{28A0092B-C50C-407E-A947-70E740481C1C}">
+                <a14:useLocalDpi xmlns:a14="http://schemas.microsoft.com/office/drawing/2010/main" val="0"/>
+              </a:ext>
+              <a:ext uri="{96DAC541-7B7A-43D3-8B79-37D633B846F1}">
+                <asvg:svgBlip xmlns:asvg="http://schemas.microsoft.com/office/drawing/2016/SVG/main" r:embed="rId3"/>
+              </a:ext>
+            </a:extLst>
+          </a:blip>
+          <a:stretch>
+            <a:fillRect/>
+          </a:stretch>
+        </p:blipFill>
+        <p:spPr>
+          <a:xfrm>
+            <a:off x="5385156" y="543457"/>
+            <a:ext cx="547871" cy="562100"/>
+          </a:xfrm>
+          <a:prstGeom prst="rect">
+            <a:avLst/>
+          </a:prstGeom>
+        </p:spPr>
+      </p:pic>
+      <p:sp>
+        <p:nvSpPr>
+          <p:cNvPr id="4" name="Isosceles Triangle 3">
+            <a:extLst>
+              <a:ext uri="{FF2B5EF4-FFF2-40B4-BE49-F238E27FC236}">
+                <a16:creationId xmlns:a16="http://schemas.microsoft.com/office/drawing/2014/main" id="{71CAC153-F764-4501-A296-0688402A7469}"/>
+              </a:ext>
+            </a:extLst>
+          </p:cNvPr>
+          <p:cNvSpPr/>
+          <p:nvPr/>
+        </p:nvSpPr>
+        <p:spPr>
+          <a:xfrm>
+            <a:off x="2624811" y="1026959"/>
+            <a:ext cx="6068562" cy="5347539"/>
+          </a:xfrm>
+          <a:prstGeom prst="triangle">
+            <a:avLst/>
+          </a:prstGeom>
+          <a:solidFill>
+            <a:schemeClr val="accent6">
+              <a:lumMod val="40000"/>
+              <a:lumOff val="60000"/>
+            </a:schemeClr>
+          </a:solidFill>
+          <a:ln>
+            <a:solidFill>
+              <a:schemeClr val="accent6">
+                <a:lumMod val="40000"/>
+                <a:lumOff val="60000"/>
+              </a:schemeClr>
+            </a:solidFill>
+          </a:ln>
+        </p:spPr>
+        <p:style>
+          <a:lnRef idx="2">
+            <a:schemeClr val="accent1">
+              <a:shade val="50000"/>
+            </a:schemeClr>
+          </a:lnRef>
+          <a:fillRef idx="1">
+            <a:schemeClr val="accent1"/>
+          </a:fillRef>
+          <a:effectRef idx="0">
+            <a:schemeClr val="accent1"/>
+          </a:effectRef>
+          <a:fontRef idx="minor">
+            <a:schemeClr val="lt1"/>
+          </a:fontRef>
+        </p:style>
+        <p:txBody>
+          <a:bodyPr rtlCol="0" anchor="ctr"/>
+          <a:lstStyle/>
+          <a:p>
+            <a:pPr algn="ctr"/>
+            <a:endParaRPr lang="en-US" dirty="0"/>
+          </a:p>
+        </p:txBody>
+      </p:sp>
+      <p:pic>
+        <p:nvPicPr>
+          <p:cNvPr id="18" name="Graphic 17" descr="Pin">
+            <a:extLst>
+              <a:ext uri="{FF2B5EF4-FFF2-40B4-BE49-F238E27FC236}">
+                <a16:creationId xmlns:a16="http://schemas.microsoft.com/office/drawing/2014/main" id="{76B6DAD5-2873-4521-8843-0E7227B5CECE}"/>
+              </a:ext>
+            </a:extLst>
+          </p:cNvPr>
+          <p:cNvPicPr>
+            <a:picLocks noChangeAspect="1"/>
+          </p:cNvPicPr>
+          <p:nvPr/>
+        </p:nvPicPr>
+        <p:blipFill>
+          <a:blip r:embed="rId4">
+            <a:extLst>
+              <a:ext uri="{28A0092B-C50C-407E-A947-70E740481C1C}">
+                <a14:useLocalDpi xmlns:a14="http://schemas.microsoft.com/office/drawing/2010/main" val="0"/>
+              </a:ext>
+              <a:ext uri="{96DAC541-7B7A-43D3-8B79-37D633B846F1}">
+                <asvg:svgBlip xmlns:asvg="http://schemas.microsoft.com/office/drawing/2016/SVG/main" r:embed="rId5"/>
+              </a:ext>
+            </a:extLst>
+          </a:blip>
+          <a:stretch>
+            <a:fillRect/>
+          </a:stretch>
+        </p:blipFill>
+        <p:spPr>
+          <a:xfrm rot="5400000">
+            <a:off x="5046056" y="3115894"/>
+            <a:ext cx="217306" cy="217306"/>
+          </a:xfrm>
+          <a:prstGeom prst="rect">
+            <a:avLst/>
+          </a:prstGeom>
+        </p:spPr>
+      </p:pic>
+      <p:pic>
+        <p:nvPicPr>
+          <p:cNvPr id="20" name="Graphic 19" descr="Hike">
+            <a:extLst>
+              <a:ext uri="{FF2B5EF4-FFF2-40B4-BE49-F238E27FC236}">
+                <a16:creationId xmlns:a16="http://schemas.microsoft.com/office/drawing/2014/main" id="{869DEEFC-146F-4B50-81D0-06B02AEB7F9C}"/>
+              </a:ext>
+            </a:extLst>
+          </p:cNvPr>
+          <p:cNvPicPr>
+            <a:picLocks noChangeAspect="1"/>
+          </p:cNvPicPr>
+          <p:nvPr/>
+        </p:nvPicPr>
+        <p:blipFill>
+          <a:blip r:embed="rId6">
+            <a:extLst>
+              <a:ext uri="{28A0092B-C50C-407E-A947-70E740481C1C}">
+                <a14:useLocalDpi xmlns:a14="http://schemas.microsoft.com/office/drawing/2010/main" val="0"/>
+              </a:ext>
+              <a:ext uri="{96DAC541-7B7A-43D3-8B79-37D633B846F1}">
+                <asvg:svgBlip xmlns:asvg="http://schemas.microsoft.com/office/drawing/2016/SVG/main" r:embed="rId7"/>
+              </a:ext>
+            </a:extLst>
+          </a:blip>
+          <a:stretch>
+            <a:fillRect/>
+          </a:stretch>
+        </p:blipFill>
+        <p:spPr>
+          <a:xfrm>
+            <a:off x="4317306" y="5120015"/>
+            <a:ext cx="455112" cy="455112"/>
+          </a:xfrm>
+          <a:prstGeom prst="rect">
+            <a:avLst/>
+          </a:prstGeom>
+        </p:spPr>
+      </p:pic>
+      <p:pic>
+        <p:nvPicPr>
+          <p:cNvPr id="21" name="Graphic 20" descr="Signal">
+            <a:extLst>
+              <a:ext uri="{FF2B5EF4-FFF2-40B4-BE49-F238E27FC236}">
+                <a16:creationId xmlns:a16="http://schemas.microsoft.com/office/drawing/2014/main" id="{8DD3BADB-BA08-4134-9B23-EA5FD2361B4B}"/>
+              </a:ext>
+            </a:extLst>
+          </p:cNvPr>
+          <p:cNvPicPr>
+            <a:picLocks noChangeAspect="1"/>
+          </p:cNvPicPr>
+          <p:nvPr/>
+        </p:nvPicPr>
+        <p:blipFill>
+          <a:blip r:embed="rId8">
+            <a:extLst>
+              <a:ext uri="{28A0092B-C50C-407E-A947-70E740481C1C}">
+                <a14:useLocalDpi xmlns:a14="http://schemas.microsoft.com/office/drawing/2010/main" val="0"/>
+              </a:ext>
+              <a:ext uri="{96DAC541-7B7A-43D3-8B79-37D633B846F1}">
+                <asvg:svgBlip xmlns:asvg="http://schemas.microsoft.com/office/drawing/2016/SVG/main" r:embed="rId9"/>
+              </a:ext>
+            </a:extLst>
+          </a:blip>
+          <a:stretch>
+            <a:fillRect/>
+          </a:stretch>
+        </p:blipFill>
+        <p:spPr>
+          <a:xfrm>
+            <a:off x="2137933" y="6074484"/>
+            <a:ext cx="547871" cy="562100"/>
+          </a:xfrm>
+          <a:prstGeom prst="rect">
+            <a:avLst/>
+          </a:prstGeom>
+        </p:spPr>
+      </p:pic>
+      <p:pic>
+        <p:nvPicPr>
+          <p:cNvPr id="22" name="Graphic 21" descr="Signal">
+            <a:extLst>
+              <a:ext uri="{FF2B5EF4-FFF2-40B4-BE49-F238E27FC236}">
+                <a16:creationId xmlns:a16="http://schemas.microsoft.com/office/drawing/2014/main" id="{8BF2A9D4-F608-4AAF-B0E1-5DCEAF5DE7A2}"/>
+              </a:ext>
+            </a:extLst>
+          </p:cNvPr>
+          <p:cNvPicPr>
+            <a:picLocks noChangeAspect="1"/>
+          </p:cNvPicPr>
+          <p:nvPr/>
+        </p:nvPicPr>
+        <p:blipFill>
+          <a:blip r:embed="rId10">
+            <a:extLst>
+              <a:ext uri="{28A0092B-C50C-407E-A947-70E740481C1C}">
+                <a14:useLocalDpi xmlns:a14="http://schemas.microsoft.com/office/drawing/2010/main" val="0"/>
+              </a:ext>
+              <a:ext uri="{96DAC541-7B7A-43D3-8B79-37D633B846F1}">
+                <asvg:svgBlip xmlns:asvg="http://schemas.microsoft.com/office/drawing/2016/SVG/main" r:embed="rId11"/>
+              </a:ext>
+            </a:extLst>
+          </a:blip>
+          <a:stretch>
+            <a:fillRect/>
+          </a:stretch>
+        </p:blipFill>
+        <p:spPr>
+          <a:xfrm>
+            <a:off x="8470734" y="6093448"/>
+            <a:ext cx="547871" cy="562100"/>
+          </a:xfrm>
+          <a:prstGeom prst="rect">
+            <a:avLst/>
+          </a:prstGeom>
+        </p:spPr>
+      </p:pic>
+      <p:cxnSp>
+        <p:nvCxnSpPr>
+          <p:cNvPr id="24" name="Straight Arrow Connector 23">
+            <a:extLst>
+              <a:ext uri="{FF2B5EF4-FFF2-40B4-BE49-F238E27FC236}">
+                <a16:creationId xmlns:a16="http://schemas.microsoft.com/office/drawing/2014/main" id="{5B2EED76-80FD-477E-A96D-4980AF00F2FA}"/>
+              </a:ext>
+            </a:extLst>
+          </p:cNvPr>
+          <p:cNvCxnSpPr>
+            <a:cxnSpLocks/>
+            <a:endCxn id="4" idx="0"/>
+          </p:cNvCxnSpPr>
+          <p:nvPr/>
+        </p:nvCxnSpPr>
+        <p:spPr>
+          <a:xfrm flipV="1">
+            <a:off x="4588705" y="1026959"/>
+            <a:ext cx="1070387" cy="4077664"/>
+          </a:xfrm>
+          <a:prstGeom prst="straightConnector1">
+            <a:avLst/>
+          </a:prstGeom>
+          <a:ln w="12700">
+            <a:solidFill>
+              <a:schemeClr val="accent6">
+                <a:lumMod val="50000"/>
+              </a:schemeClr>
+            </a:solidFill>
+            <a:prstDash val="sysDot"/>
+            <a:tailEnd type="triangle"/>
+          </a:ln>
+        </p:spPr>
+        <p:style>
+          <a:lnRef idx="1">
+            <a:schemeClr val="accent1"/>
+          </a:lnRef>
+          <a:fillRef idx="0">
+            <a:schemeClr val="accent1"/>
+          </a:fillRef>
+          <a:effectRef idx="0">
+            <a:schemeClr val="accent1"/>
+          </a:effectRef>
+          <a:fontRef idx="minor">
+            <a:schemeClr val="tx1"/>
+          </a:fontRef>
+        </p:style>
+      </p:cxnSp>
+      <mc:AlternateContent xmlns:mc="http://schemas.openxmlformats.org/markup-compatibility/2006">
+        <mc:Choice xmlns:a14="http://schemas.microsoft.com/office/drawing/2010/main" Requires="a14">
+          <p:sp>
+            <p:nvSpPr>
+              <p:cNvPr id="26" name="TextBox 25">
+                <a:extLst>
+                  <a:ext uri="{FF2B5EF4-FFF2-40B4-BE49-F238E27FC236}">
+                    <a16:creationId xmlns:a16="http://schemas.microsoft.com/office/drawing/2014/main" id="{6FA9937A-F0E3-499B-AAE4-AB1A5BB91F06}"/>
+                  </a:ext>
+                </a:extLst>
+              </p:cNvPr>
+              <p:cNvSpPr txBox="1"/>
+              <p:nvPr/>
+            </p:nvSpPr>
+            <p:spPr>
+              <a:xfrm>
+                <a:off x="5804225" y="639841"/>
+                <a:ext cx="1932837" cy="562975"/>
+              </a:xfrm>
+              <a:prstGeom prst="rect">
+                <a:avLst/>
+              </a:prstGeom>
+              <a:noFill/>
+            </p:spPr>
+            <p:txBody>
+              <a:bodyPr wrap="none" rtlCol="0">
+                <a:spAutoFit/>
+              </a:bodyPr>
+              <a:lstStyle/>
+              <a:p>
+                <a14:m>
+                  <m:oMathPara xmlns:m="http://schemas.openxmlformats.org/officeDocument/2006/math">
+                    <m:oMathParaPr>
+                      <m:jc m:val="centerGroup"/>
+                    </m:oMathParaPr>
+                    <m:oMath xmlns:m="http://schemas.openxmlformats.org/officeDocument/2006/math">
+                      <m:d>
+                        <m:dPr>
+                          <m:ctrlPr>
+                            <a:rPr lang="en-US" b="0" i="1" smtClean="0">
+                              <a:latin typeface="Cambria Math" panose="02040503050406030204" pitchFamily="18" charset="0"/>
+                            </a:rPr>
+                          </m:ctrlPr>
+                        </m:dPr>
+                        <m:e>
+                          <m:f>
+                            <m:fPr>
+                              <m:ctrlPr>
+                                <a:rPr lang="en-US" b="0" i="1" smtClean="0">
+                                  <a:latin typeface="Cambria Math" panose="02040503050406030204" pitchFamily="18" charset="0"/>
+                                </a:rPr>
+                              </m:ctrlPr>
+                            </m:fPr>
+                            <m:num>
+                              <m:r>
+                                <a:rPr lang="en-US" b="0" i="1" smtClean="0">
+                                  <a:latin typeface="Cambria Math" panose="02040503050406030204" pitchFamily="18" charset="0"/>
+                                </a:rPr>
+                                <m:t>𝑤</m:t>
+                              </m:r>
+                            </m:num>
+                            <m:den>
+                              <m:r>
+                                <a:rPr lang="en-US" b="0" i="1" smtClean="0">
+                                  <a:latin typeface="Cambria Math" panose="02040503050406030204" pitchFamily="18" charset="0"/>
+                                </a:rPr>
+                                <m:t>2</m:t>
+                              </m:r>
+                            </m:den>
+                          </m:f>
+                          <m:r>
+                            <a:rPr lang="en-US" b="0" i="1" smtClean="0">
+                              <a:latin typeface="Cambria Math" panose="02040503050406030204" pitchFamily="18" charset="0"/>
+                            </a:rPr>
+                            <m:t>,0</m:t>
+                          </m:r>
+                        </m:e>
+                      </m:d>
+                      <m:r>
+                        <a:rPr lang="en-US" b="0" i="1" smtClean="0">
+                          <a:latin typeface="Cambria Math" panose="02040503050406030204" pitchFamily="18" charset="0"/>
+                        </a:rPr>
+                        <m:t>=(</m:t>
+                      </m:r>
+                      <m:sSub>
+                        <m:sSubPr>
+                          <m:ctrlPr>
+                            <a:rPr lang="en-US" b="0" i="1" smtClean="0">
+                              <a:latin typeface="Cambria Math" panose="02040503050406030204" pitchFamily="18" charset="0"/>
+                            </a:rPr>
+                          </m:ctrlPr>
+                        </m:sSubPr>
+                        <m:e>
+                          <m:r>
+                            <a:rPr lang="en-US" b="0" i="1" smtClean="0">
+                              <a:latin typeface="Cambria Math" panose="02040503050406030204" pitchFamily="18" charset="0"/>
+                            </a:rPr>
+                            <m:t>𝑥</m:t>
+                          </m:r>
+                        </m:e>
+                        <m:sub>
+                          <m:r>
+                            <a:rPr lang="en-US" b="0" i="1" smtClean="0">
+                              <a:latin typeface="Cambria Math" panose="02040503050406030204" pitchFamily="18" charset="0"/>
+                            </a:rPr>
+                            <m:t>0</m:t>
+                          </m:r>
+                        </m:sub>
+                      </m:sSub>
+                      <m:r>
+                        <a:rPr lang="en-US" b="0" i="1" smtClean="0">
+                          <a:latin typeface="Cambria Math" panose="02040503050406030204" pitchFamily="18" charset="0"/>
+                        </a:rPr>
+                        <m:t>,</m:t>
+                      </m:r>
+                      <m:sSub>
+                        <m:sSubPr>
+                          <m:ctrlPr>
+                            <a:rPr lang="en-US" i="1">
+                              <a:latin typeface="Cambria Math" panose="02040503050406030204" pitchFamily="18" charset="0"/>
+                            </a:rPr>
+                          </m:ctrlPr>
+                        </m:sSubPr>
+                        <m:e>
+                          <m:r>
+                            <a:rPr lang="en-US" b="0" i="1" smtClean="0">
+                              <a:latin typeface="Cambria Math" panose="02040503050406030204" pitchFamily="18" charset="0"/>
+                            </a:rPr>
+                            <m:t>𝑦</m:t>
+                          </m:r>
+                        </m:e>
+                        <m:sub>
+                          <m:r>
+                            <a:rPr lang="en-US" i="1">
+                              <a:latin typeface="Cambria Math" panose="02040503050406030204" pitchFamily="18" charset="0"/>
+                            </a:rPr>
+                            <m:t>0</m:t>
+                          </m:r>
+                        </m:sub>
+                      </m:sSub>
+                      <m:r>
+                        <a:rPr lang="en-US" b="0" i="1" smtClean="0">
+                          <a:latin typeface="Cambria Math" panose="02040503050406030204" pitchFamily="18" charset="0"/>
+                        </a:rPr>
+                        <m:t>)</m:t>
+                      </m:r>
+                    </m:oMath>
+                  </m:oMathPara>
+                </a14:m>
+                <a:endParaRPr lang="en-US" dirty="0"/>
+              </a:p>
+            </p:txBody>
+          </p:sp>
+        </mc:Choice>
+        <mc:Fallback>
+          <p:sp>
+            <p:nvSpPr>
+              <p:cNvPr id="26" name="TextBox 25">
+                <a:extLst>
+                  <a:ext uri="{FF2B5EF4-FFF2-40B4-BE49-F238E27FC236}">
+                    <a16:creationId xmlns:a16="http://schemas.microsoft.com/office/drawing/2014/main" id="{6FA9937A-F0E3-499B-AAE4-AB1A5BB91F06}"/>
+                  </a:ext>
+                </a:extLst>
+              </p:cNvPr>
+              <p:cNvSpPr txBox="1">
+                <a:spLocks noRot="1" noChangeAspect="1" noMove="1" noResize="1" noEditPoints="1" noAdjustHandles="1" noChangeArrowheads="1" noChangeShapeType="1" noTextEdit="1"/>
+              </p:cNvSpPr>
+              <p:nvPr/>
+            </p:nvSpPr>
+            <p:spPr>
+              <a:xfrm>
+                <a:off x="5804225" y="639841"/>
+                <a:ext cx="1932837" cy="562975"/>
+              </a:xfrm>
+              <a:prstGeom prst="rect">
+                <a:avLst/>
+              </a:prstGeom>
+              <a:blipFill>
+                <a:blip r:embed="rId12"/>
+                <a:stretch>
+                  <a:fillRect/>
+                </a:stretch>
+              </a:blipFill>
+            </p:spPr>
+            <p:txBody>
+              <a:bodyPr/>
+              <a:lstStyle/>
+              <a:p>
+                <a:r>
+                  <a:rPr lang="en-US">
+                    <a:noFill/>
+                  </a:rPr>
+                  <a:t> </a:t>
+                </a:r>
+              </a:p>
+            </p:txBody>
+          </p:sp>
+        </mc:Fallback>
+      </mc:AlternateContent>
+      <p:sp>
+        <p:nvSpPr>
+          <p:cNvPr id="30" name="TextBox 29">
+            <a:extLst>
+              <a:ext uri="{FF2B5EF4-FFF2-40B4-BE49-F238E27FC236}">
+                <a16:creationId xmlns:a16="http://schemas.microsoft.com/office/drawing/2014/main" id="{AD348A9E-ABF4-463B-997C-CE0C93A6D2EA}"/>
+              </a:ext>
+            </a:extLst>
+          </p:cNvPr>
+          <p:cNvSpPr txBox="1"/>
+          <p:nvPr/>
+        </p:nvSpPr>
+        <p:spPr>
+          <a:xfrm>
+            <a:off x="4626606" y="5134976"/>
+            <a:ext cx="587020" cy="369332"/>
+          </a:xfrm>
+          <a:prstGeom prst="rect">
+            <a:avLst/>
+          </a:prstGeom>
+          <a:noFill/>
+        </p:spPr>
+        <p:txBody>
+          <a:bodyPr wrap="none" rtlCol="0">
+            <a:spAutoFit/>
+          </a:bodyPr>
+          <a:lstStyle/>
+          <a:p>
+            <a:r>
+              <a:rPr lang="en-US" dirty="0"/>
+              <a:t>(</a:t>
+            </a:r>
+            <a:r>
+              <a:rPr lang="en-US" dirty="0" err="1"/>
+              <a:t>x,y</a:t>
+            </a:r>
+            <a:r>
+              <a:rPr lang="en-US" dirty="0"/>
+              <a:t>)</a:t>
+            </a:r>
+          </a:p>
+        </p:txBody>
+      </p:sp>
+      <p:sp>
+        <p:nvSpPr>
+          <p:cNvPr id="31" name="Oval 30">
+            <a:extLst>
+              <a:ext uri="{FF2B5EF4-FFF2-40B4-BE49-F238E27FC236}">
+                <a16:creationId xmlns:a16="http://schemas.microsoft.com/office/drawing/2014/main" id="{868557CF-91E5-4273-A1D8-6DE7E0591C14}"/>
+              </a:ext>
+            </a:extLst>
+          </p:cNvPr>
+          <p:cNvSpPr/>
+          <p:nvPr/>
+        </p:nvSpPr>
+        <p:spPr>
+          <a:xfrm>
+            <a:off x="4222334" y="5273898"/>
+            <a:ext cx="158080" cy="147345"/>
+          </a:xfrm>
+          <a:prstGeom prst="ellipse">
+            <a:avLst/>
+          </a:prstGeom>
+          <a:solidFill>
+            <a:schemeClr val="accent6">
+              <a:lumMod val="20000"/>
+              <a:lumOff val="80000"/>
+            </a:schemeClr>
+          </a:solidFill>
+        </p:spPr>
+        <p:style>
+          <a:lnRef idx="2">
+            <a:schemeClr val="accent1">
+              <a:shade val="50000"/>
+            </a:schemeClr>
+          </a:lnRef>
+          <a:fillRef idx="1">
+            <a:schemeClr val="accent1"/>
+          </a:fillRef>
+          <a:effectRef idx="0">
+            <a:schemeClr val="accent1"/>
+          </a:effectRef>
+          <a:fontRef idx="minor">
+            <a:schemeClr val="lt1"/>
+          </a:fontRef>
+        </p:style>
+        <p:txBody>
+          <a:bodyPr rtlCol="0" anchor="ctr"/>
+          <a:lstStyle/>
+          <a:p>
+            <a:pPr algn="ctr"/>
+            <a:r>
+              <a:rPr lang="en-US" sz="1200" dirty="0">
+                <a:solidFill>
+                  <a:schemeClr val="accent6">
+                    <a:lumMod val="50000"/>
+                  </a:schemeClr>
+                </a:solidFill>
+              </a:rPr>
+              <a:t>1</a:t>
+            </a:r>
+          </a:p>
+        </p:txBody>
+      </p:sp>
+      <p:pic>
+        <p:nvPicPr>
+          <p:cNvPr id="32" name="Graphic 31" descr="Hike">
+            <a:extLst>
+              <a:ext uri="{FF2B5EF4-FFF2-40B4-BE49-F238E27FC236}">
+                <a16:creationId xmlns:a16="http://schemas.microsoft.com/office/drawing/2014/main" id="{EBC4E31B-9A15-4DCB-B6C8-6C38907C1BBE}"/>
+              </a:ext>
+            </a:extLst>
+          </p:cNvPr>
+          <p:cNvPicPr>
+            <a:picLocks noChangeAspect="1"/>
+          </p:cNvPicPr>
+          <p:nvPr/>
+        </p:nvPicPr>
+        <p:blipFill>
+          <a:blip r:embed="rId6">
+            <a:extLst>
+              <a:ext uri="{28A0092B-C50C-407E-A947-70E740481C1C}">
+                <a14:useLocalDpi xmlns:a14="http://schemas.microsoft.com/office/drawing/2010/main" val="0"/>
+              </a:ext>
+              <a:ext uri="{96DAC541-7B7A-43D3-8B79-37D633B846F1}">
+                <asvg:svgBlip xmlns:asvg="http://schemas.microsoft.com/office/drawing/2016/SVG/main" r:embed="rId7"/>
+              </a:ext>
+            </a:extLst>
+          </a:blip>
+          <a:stretch>
+            <a:fillRect/>
+          </a:stretch>
+        </p:blipFill>
+        <p:spPr>
+          <a:xfrm>
+            <a:off x="5354359" y="2997249"/>
+            <a:ext cx="455112" cy="455112"/>
+          </a:xfrm>
+          <a:prstGeom prst="rect">
+            <a:avLst/>
+          </a:prstGeom>
+        </p:spPr>
+      </p:pic>
+      <p:sp>
+        <p:nvSpPr>
+          <p:cNvPr id="33" name="Oval 32">
+            <a:extLst>
+              <a:ext uri="{FF2B5EF4-FFF2-40B4-BE49-F238E27FC236}">
+                <a16:creationId xmlns:a16="http://schemas.microsoft.com/office/drawing/2014/main" id="{651B5A12-AD31-47E0-B9DD-080F84FE0BDD}"/>
+              </a:ext>
+            </a:extLst>
+          </p:cNvPr>
+          <p:cNvSpPr/>
+          <p:nvPr/>
+        </p:nvSpPr>
+        <p:spPr>
+          <a:xfrm>
+            <a:off x="5259387" y="3151132"/>
+            <a:ext cx="158080" cy="147345"/>
+          </a:xfrm>
+          <a:prstGeom prst="ellipse">
+            <a:avLst/>
+          </a:prstGeom>
+          <a:solidFill>
+            <a:schemeClr val="accent6">
+              <a:lumMod val="20000"/>
+              <a:lumOff val="80000"/>
+            </a:schemeClr>
+          </a:solidFill>
+        </p:spPr>
+        <p:style>
+          <a:lnRef idx="2">
+            <a:schemeClr val="accent1">
+              <a:shade val="50000"/>
+            </a:schemeClr>
+          </a:lnRef>
+          <a:fillRef idx="1">
+            <a:schemeClr val="accent1"/>
+          </a:fillRef>
+          <a:effectRef idx="0">
+            <a:schemeClr val="accent1"/>
+          </a:effectRef>
+          <a:fontRef idx="minor">
+            <a:schemeClr val="lt1"/>
+          </a:fontRef>
+        </p:style>
+        <p:txBody>
+          <a:bodyPr rtlCol="0" anchor="ctr"/>
+          <a:lstStyle/>
+          <a:p>
+            <a:pPr algn="ctr"/>
+            <a:r>
+              <a:rPr lang="en-US" sz="1200" dirty="0">
+                <a:solidFill>
+                  <a:schemeClr val="accent6">
+                    <a:lumMod val="50000"/>
+                  </a:schemeClr>
+                </a:solidFill>
+              </a:rPr>
+              <a:t>2</a:t>
+            </a:r>
+          </a:p>
+        </p:txBody>
+      </p:sp>
+      <p:cxnSp>
+        <p:nvCxnSpPr>
+          <p:cNvPr id="34" name="Straight Arrow Connector 33">
+            <a:extLst>
+              <a:ext uri="{FF2B5EF4-FFF2-40B4-BE49-F238E27FC236}">
+                <a16:creationId xmlns:a16="http://schemas.microsoft.com/office/drawing/2014/main" id="{F5C1851A-B5D9-4DB3-BFCD-9831B8255249}"/>
+              </a:ext>
+            </a:extLst>
+          </p:cNvPr>
+          <p:cNvCxnSpPr>
+            <a:cxnSpLocks/>
+            <a:stCxn id="32" idx="3"/>
+          </p:cNvCxnSpPr>
+          <p:nvPr/>
+        </p:nvCxnSpPr>
+        <p:spPr>
+          <a:xfrm>
+            <a:off x="5809471" y="3224805"/>
+            <a:ext cx="2883902" cy="3149693"/>
+          </a:xfrm>
+          <a:prstGeom prst="straightConnector1">
+            <a:avLst/>
+          </a:prstGeom>
+          <a:ln w="12700">
+            <a:solidFill>
+              <a:schemeClr val="accent6">
+                <a:lumMod val="50000"/>
+              </a:schemeClr>
+            </a:solidFill>
+            <a:prstDash val="sysDot"/>
+            <a:tailEnd type="triangle"/>
+          </a:ln>
+        </p:spPr>
+        <p:style>
+          <a:lnRef idx="1">
+            <a:schemeClr val="accent1"/>
+          </a:lnRef>
+          <a:fillRef idx="0">
+            <a:schemeClr val="accent1"/>
+          </a:fillRef>
+          <a:effectRef idx="0">
+            <a:schemeClr val="accent1"/>
+          </a:effectRef>
+          <a:fontRef idx="minor">
+            <a:schemeClr val="tx1"/>
+          </a:fontRef>
+        </p:style>
+      </p:cxnSp>
+      <p:pic>
+        <p:nvPicPr>
+          <p:cNvPr id="39" name="Graphic 38" descr="Pin">
+            <a:extLst>
+              <a:ext uri="{FF2B5EF4-FFF2-40B4-BE49-F238E27FC236}">
+                <a16:creationId xmlns:a16="http://schemas.microsoft.com/office/drawing/2014/main" id="{663D9F8F-AB36-430C-9870-CDBF53FA9D87}"/>
+              </a:ext>
+            </a:extLst>
+          </p:cNvPr>
+          <p:cNvPicPr>
+            <a:picLocks noChangeAspect="1"/>
+          </p:cNvPicPr>
+          <p:nvPr/>
+        </p:nvPicPr>
+        <p:blipFill>
+          <a:blip r:embed="rId4">
+            <a:extLst>
+              <a:ext uri="{28A0092B-C50C-407E-A947-70E740481C1C}">
+                <a14:useLocalDpi xmlns:a14="http://schemas.microsoft.com/office/drawing/2010/main" val="0"/>
+              </a:ext>
+              <a:ext uri="{96DAC541-7B7A-43D3-8B79-37D633B846F1}">
+                <asvg:svgBlip xmlns:asvg="http://schemas.microsoft.com/office/drawing/2016/SVG/main" r:embed="rId5"/>
+              </a:ext>
+            </a:extLst>
+          </a:blip>
+          <a:stretch>
+            <a:fillRect/>
+          </a:stretch>
+        </p:blipFill>
+        <p:spPr>
+          <a:xfrm rot="5400000">
+            <a:off x="7142769" y="4525052"/>
+            <a:ext cx="217306" cy="217306"/>
+          </a:xfrm>
+          <a:prstGeom prst="rect">
+            <a:avLst/>
+          </a:prstGeom>
+        </p:spPr>
+      </p:pic>
+      <p:pic>
+        <p:nvPicPr>
+          <p:cNvPr id="40" name="Graphic 39" descr="Hike">
+            <a:extLst>
+              <a:ext uri="{FF2B5EF4-FFF2-40B4-BE49-F238E27FC236}">
+                <a16:creationId xmlns:a16="http://schemas.microsoft.com/office/drawing/2014/main" id="{28CABD8B-B62E-40F5-AC3C-4FC82787CE95}"/>
+              </a:ext>
+            </a:extLst>
+          </p:cNvPr>
+          <p:cNvPicPr>
+            <a:picLocks noChangeAspect="1"/>
+          </p:cNvPicPr>
+          <p:nvPr/>
+        </p:nvPicPr>
+        <p:blipFill>
+          <a:blip r:embed="rId6">
+            <a:extLst>
+              <a:ext uri="{28A0092B-C50C-407E-A947-70E740481C1C}">
+                <a14:useLocalDpi xmlns:a14="http://schemas.microsoft.com/office/drawing/2010/main" val="0"/>
+              </a:ext>
+              <a:ext uri="{96DAC541-7B7A-43D3-8B79-37D633B846F1}">
+                <asvg:svgBlip xmlns:asvg="http://schemas.microsoft.com/office/drawing/2016/SVG/main" r:embed="rId7"/>
+              </a:ext>
+            </a:extLst>
+          </a:blip>
+          <a:stretch>
+            <a:fillRect/>
+          </a:stretch>
+        </p:blipFill>
+        <p:spPr>
+          <a:xfrm>
+            <a:off x="6780857" y="4471408"/>
+            <a:ext cx="455112" cy="455112"/>
+          </a:xfrm>
+          <a:prstGeom prst="rect">
+            <a:avLst/>
+          </a:prstGeom>
+        </p:spPr>
+      </p:pic>
+      <p:sp>
+        <p:nvSpPr>
+          <p:cNvPr id="41" name="Oval 40">
+            <a:extLst>
+              <a:ext uri="{FF2B5EF4-FFF2-40B4-BE49-F238E27FC236}">
+                <a16:creationId xmlns:a16="http://schemas.microsoft.com/office/drawing/2014/main" id="{F717513E-C4BA-4F1A-B756-0B11487BD914}"/>
+              </a:ext>
+            </a:extLst>
+          </p:cNvPr>
+          <p:cNvSpPr/>
+          <p:nvPr/>
+        </p:nvSpPr>
+        <p:spPr>
+          <a:xfrm>
+            <a:off x="6685885" y="4625291"/>
+            <a:ext cx="158080" cy="147345"/>
+          </a:xfrm>
+          <a:prstGeom prst="ellipse">
+            <a:avLst/>
+          </a:prstGeom>
+          <a:solidFill>
+            <a:schemeClr val="accent6">
+              <a:lumMod val="20000"/>
+              <a:lumOff val="80000"/>
+            </a:schemeClr>
+          </a:solidFill>
+        </p:spPr>
+        <p:style>
+          <a:lnRef idx="2">
+            <a:schemeClr val="accent1">
+              <a:shade val="50000"/>
+            </a:schemeClr>
+          </a:lnRef>
+          <a:fillRef idx="1">
+            <a:schemeClr val="accent1"/>
+          </a:fillRef>
+          <a:effectRef idx="0">
+            <a:schemeClr val="accent1"/>
+          </a:effectRef>
+          <a:fontRef idx="minor">
+            <a:schemeClr val="lt1"/>
+          </a:fontRef>
+        </p:style>
+        <p:txBody>
+          <a:bodyPr rtlCol="0" anchor="ctr"/>
+          <a:lstStyle/>
+          <a:p>
+            <a:pPr algn="ctr"/>
+            <a:r>
+              <a:rPr lang="en-US" sz="1200" dirty="0">
+                <a:solidFill>
+                  <a:schemeClr val="accent6">
+                    <a:lumMod val="50000"/>
+                  </a:schemeClr>
+                </a:solidFill>
+              </a:rPr>
+              <a:t>3</a:t>
+            </a:r>
+          </a:p>
+        </p:txBody>
+      </p:sp>
+      <mc:AlternateContent xmlns:mc="http://schemas.openxmlformats.org/markup-compatibility/2006">
+        <mc:Choice xmlns:a14="http://schemas.microsoft.com/office/drawing/2010/main" Requires="a14">
+          <p:sp>
+            <p:nvSpPr>
+              <p:cNvPr id="42" name="TextBox 41">
+                <a:extLst>
+                  <a:ext uri="{FF2B5EF4-FFF2-40B4-BE49-F238E27FC236}">
+                    <a16:creationId xmlns:a16="http://schemas.microsoft.com/office/drawing/2014/main" id="{C9773806-BB25-4047-8F45-2F47A26F662C}"/>
+                  </a:ext>
+                </a:extLst>
+              </p:cNvPr>
+              <p:cNvSpPr txBox="1"/>
+              <p:nvPr/>
+            </p:nvSpPr>
+            <p:spPr>
+              <a:xfrm>
+                <a:off x="2425657" y="2623164"/>
+                <a:ext cx="1865126" cy="601383"/>
+              </a:xfrm>
+              <a:prstGeom prst="rect">
+                <a:avLst/>
+              </a:prstGeom>
+              <a:noFill/>
+            </p:spPr>
+            <p:txBody>
+              <a:bodyPr wrap="none" rtlCol="0">
+                <a:spAutoFit/>
+              </a:bodyPr>
+              <a:lstStyle/>
+              <a:p>
+                <a14:m>
+                  <m:oMathPara xmlns:m="http://schemas.openxmlformats.org/officeDocument/2006/math">
+                    <m:oMathParaPr>
+                      <m:jc m:val="centerGroup"/>
+                    </m:oMathParaPr>
+                    <m:oMath xmlns:m="http://schemas.openxmlformats.org/officeDocument/2006/math">
+                      <m:d>
+                        <m:dPr>
+                          <m:ctrlPr>
+                            <a:rPr lang="en-US" i="1" dirty="0" smtClean="0">
+                              <a:latin typeface="Cambria Math" panose="02040503050406030204" pitchFamily="18" charset="0"/>
+                            </a:rPr>
+                          </m:ctrlPr>
+                        </m:dPr>
+                        <m:e>
+                          <m:f>
+                            <m:fPr>
+                              <m:ctrlPr>
+                                <a:rPr lang="en-US" i="1">
+                                  <a:latin typeface="Cambria Math" panose="02040503050406030204" pitchFamily="18" charset="0"/>
+                                </a:rPr>
+                              </m:ctrlPr>
+                            </m:fPr>
+                            <m:num>
+                              <m:r>
+                                <a:rPr lang="en-US" i="1">
+                                  <a:latin typeface="Cambria Math" panose="02040503050406030204" pitchFamily="18" charset="0"/>
+                                </a:rPr>
+                                <m:t>𝑥</m:t>
+                              </m:r>
+                              <m:r>
+                                <a:rPr lang="en-US" i="1">
+                                  <a:latin typeface="Cambria Math" panose="02040503050406030204" pitchFamily="18" charset="0"/>
+                                </a:rPr>
+                                <m:t>+</m:t>
+                              </m:r>
+                              <m:sSub>
+                                <m:sSubPr>
+                                  <m:ctrlPr>
+                                    <a:rPr lang="en-US" i="1">
+                                      <a:latin typeface="Cambria Math" panose="02040503050406030204" pitchFamily="18" charset="0"/>
+                                    </a:rPr>
+                                  </m:ctrlPr>
+                                </m:sSubPr>
+                                <m:e>
+                                  <m:r>
+                                    <a:rPr lang="en-US" i="1">
+                                      <a:latin typeface="Cambria Math" panose="02040503050406030204" pitchFamily="18" charset="0"/>
+                                    </a:rPr>
+                                    <m:t>𝑥</m:t>
+                                  </m:r>
+                                </m:e>
+                                <m:sub>
+                                  <m:r>
+                                    <a:rPr lang="en-US" i="1">
+                                      <a:latin typeface="Cambria Math" panose="02040503050406030204" pitchFamily="18" charset="0"/>
+                                    </a:rPr>
+                                    <m:t>0</m:t>
+                                  </m:r>
+                                </m:sub>
+                              </m:sSub>
+                            </m:num>
+                            <m:den>
+                              <m:r>
+                                <a:rPr lang="en-US" i="1">
+                                  <a:latin typeface="Cambria Math" panose="02040503050406030204" pitchFamily="18" charset="0"/>
+                                </a:rPr>
+                                <m:t>2</m:t>
+                              </m:r>
+                            </m:den>
+                          </m:f>
+                          <m:r>
+                            <a:rPr lang="en-US" i="1">
+                              <a:latin typeface="Cambria Math" panose="02040503050406030204" pitchFamily="18" charset="0"/>
+                            </a:rPr>
+                            <m:t>,</m:t>
+                          </m:r>
+                          <m:f>
+                            <m:fPr>
+                              <m:ctrlPr>
+                                <a:rPr lang="en-US" i="1">
+                                  <a:latin typeface="Cambria Math" panose="02040503050406030204" pitchFamily="18" charset="0"/>
+                                </a:rPr>
+                              </m:ctrlPr>
+                            </m:fPr>
+                            <m:num>
+                              <m:r>
+                                <a:rPr lang="en-US" i="1">
+                                  <a:latin typeface="Cambria Math" panose="02040503050406030204" pitchFamily="18" charset="0"/>
+                                </a:rPr>
+                                <m:t>𝑦</m:t>
+                              </m:r>
+                              <m:r>
+                                <a:rPr lang="en-US" b="0" i="1" smtClean="0">
+                                  <a:latin typeface="Cambria Math" panose="02040503050406030204" pitchFamily="18" charset="0"/>
+                                </a:rPr>
+                                <m:t>+</m:t>
+                              </m:r>
+                              <m:sSub>
+                                <m:sSubPr>
+                                  <m:ctrlPr>
+                                    <a:rPr lang="en-US" i="1">
+                                      <a:latin typeface="Cambria Math" panose="02040503050406030204" pitchFamily="18" charset="0"/>
+                                    </a:rPr>
+                                  </m:ctrlPr>
+                                </m:sSubPr>
+                                <m:e>
+                                  <m:r>
+                                    <a:rPr lang="en-US" b="0" i="1" smtClean="0">
+                                      <a:latin typeface="Cambria Math" panose="02040503050406030204" pitchFamily="18" charset="0"/>
+                                    </a:rPr>
+                                    <m:t>𝑦</m:t>
+                                  </m:r>
+                                </m:e>
+                                <m:sub>
+                                  <m:r>
+                                    <a:rPr lang="en-US" i="1">
+                                      <a:latin typeface="Cambria Math" panose="02040503050406030204" pitchFamily="18" charset="0"/>
+                                    </a:rPr>
+                                    <m:t>0</m:t>
+                                  </m:r>
+                                </m:sub>
+                              </m:sSub>
+                            </m:num>
+                            <m:den>
+                              <m:r>
+                                <a:rPr lang="en-US" i="1">
+                                  <a:latin typeface="Cambria Math" panose="02040503050406030204" pitchFamily="18" charset="0"/>
+                                </a:rPr>
+                                <m:t>2</m:t>
+                              </m:r>
+                            </m:den>
+                          </m:f>
+                        </m:e>
+                      </m:d>
+                    </m:oMath>
+                  </m:oMathPara>
+                </a14:m>
+                <a:endParaRPr lang="en-US" dirty="0"/>
+              </a:p>
+            </p:txBody>
+          </p:sp>
+        </mc:Choice>
+        <mc:Fallback>
+          <p:sp>
+            <p:nvSpPr>
+              <p:cNvPr id="42" name="TextBox 41">
+                <a:extLst>
+                  <a:ext uri="{FF2B5EF4-FFF2-40B4-BE49-F238E27FC236}">
+                    <a16:creationId xmlns:a16="http://schemas.microsoft.com/office/drawing/2014/main" id="{C9773806-BB25-4047-8F45-2F47A26F662C}"/>
+                  </a:ext>
+                </a:extLst>
+              </p:cNvPr>
+              <p:cNvSpPr txBox="1">
+                <a:spLocks noRot="1" noChangeAspect="1" noMove="1" noResize="1" noEditPoints="1" noAdjustHandles="1" noChangeArrowheads="1" noChangeShapeType="1" noTextEdit="1"/>
+              </p:cNvSpPr>
+              <p:nvPr/>
+            </p:nvSpPr>
+            <p:spPr>
+              <a:xfrm>
+                <a:off x="2425657" y="2623164"/>
+                <a:ext cx="1865126" cy="601383"/>
+              </a:xfrm>
+              <a:prstGeom prst="rect">
+                <a:avLst/>
+              </a:prstGeom>
+              <a:blipFill>
+                <a:blip r:embed="rId13"/>
+                <a:stretch>
+                  <a:fillRect/>
+                </a:stretch>
+              </a:blipFill>
+            </p:spPr>
+            <p:txBody>
+              <a:bodyPr/>
+              <a:lstStyle/>
+              <a:p>
+                <a:r>
+                  <a:rPr lang="en-US">
+                    <a:noFill/>
+                  </a:rPr>
+                  <a:t> </a:t>
+                </a:r>
+              </a:p>
+            </p:txBody>
+          </p:sp>
+        </mc:Fallback>
+      </mc:AlternateContent>
+      <p:cxnSp>
+        <p:nvCxnSpPr>
+          <p:cNvPr id="44" name="Connector: Curved 43">
+            <a:extLst>
+              <a:ext uri="{FF2B5EF4-FFF2-40B4-BE49-F238E27FC236}">
+                <a16:creationId xmlns:a16="http://schemas.microsoft.com/office/drawing/2014/main" id="{4F23B97B-8973-48A3-B6D5-F506C909901C}"/>
+              </a:ext>
+            </a:extLst>
+          </p:cNvPr>
+          <p:cNvCxnSpPr>
+            <a:cxnSpLocks/>
+            <a:stCxn id="42" idx="3"/>
+            <a:endCxn id="18" idx="2"/>
+          </p:cNvCxnSpPr>
+          <p:nvPr/>
+        </p:nvCxnSpPr>
+        <p:spPr>
+          <a:xfrm>
+            <a:off x="4290783" y="2923856"/>
+            <a:ext cx="755273" cy="300691"/>
+          </a:xfrm>
+          <a:prstGeom prst="curvedConnector3">
+            <a:avLst>
+              <a:gd name="adj1" fmla="val 50000"/>
+            </a:avLst>
+          </a:prstGeom>
+          <a:ln>
+            <a:tailEnd type="triangle"/>
+          </a:ln>
+        </p:spPr>
+        <p:style>
+          <a:lnRef idx="1">
+            <a:schemeClr val="accent1"/>
+          </a:lnRef>
+          <a:fillRef idx="0">
+            <a:schemeClr val="accent1"/>
+          </a:fillRef>
+          <a:effectRef idx="0">
+            <a:schemeClr val="accent1"/>
+          </a:effectRef>
+          <a:fontRef idx="minor">
+            <a:schemeClr val="tx1"/>
+          </a:fontRef>
+        </p:style>
+      </p:cxnSp>
+      <p:sp>
+        <p:nvSpPr>
+          <p:cNvPr id="48" name="Cloud 47">
+            <a:extLst>
+              <a:ext uri="{FF2B5EF4-FFF2-40B4-BE49-F238E27FC236}">
+                <a16:creationId xmlns:a16="http://schemas.microsoft.com/office/drawing/2014/main" id="{E06835B9-94E2-4037-99FC-9AD54BE2D5D1}"/>
+              </a:ext>
+            </a:extLst>
+          </p:cNvPr>
+          <p:cNvSpPr/>
+          <p:nvPr/>
+        </p:nvSpPr>
+        <p:spPr>
+          <a:xfrm>
+            <a:off x="810488" y="2397510"/>
+            <a:ext cx="1457258" cy="971515"/>
+          </a:xfrm>
+          <a:prstGeom prst="cloud">
+            <a:avLst/>
+          </a:prstGeom>
+          <a:solidFill>
+            <a:schemeClr val="bg1"/>
+          </a:solidFill>
+        </p:spPr>
+        <p:style>
+          <a:lnRef idx="2">
+            <a:schemeClr val="accent1">
+              <a:shade val="50000"/>
+            </a:schemeClr>
+          </a:lnRef>
+          <a:fillRef idx="1">
+            <a:schemeClr val="accent1"/>
+          </a:fillRef>
+          <a:effectRef idx="0">
+            <a:schemeClr val="accent1"/>
+          </a:effectRef>
+          <a:fontRef idx="minor">
+            <a:schemeClr val="lt1"/>
+          </a:fontRef>
+        </p:style>
+        <p:txBody>
+          <a:bodyPr rtlCol="0" anchor="ctr"/>
+          <a:lstStyle/>
+          <a:p>
+            <a:pPr algn="ctr"/>
+            <a:r>
+              <a:rPr lang="en-US" sz="1600" dirty="0">
+                <a:solidFill>
+                  <a:schemeClr val="tx1"/>
+                </a:solidFill>
+              </a:rPr>
+              <a:t>Midpoint of a line</a:t>
+            </a:r>
+          </a:p>
+        </p:txBody>
+      </p:sp>
+      <mc:AlternateContent xmlns:mc="http://schemas.openxmlformats.org/markup-compatibility/2006">
+        <mc:Choice xmlns:a14="http://schemas.microsoft.com/office/drawing/2010/main" Requires="a14">
+          <p:sp>
+            <p:nvSpPr>
+              <p:cNvPr id="49" name="TextBox 48">
+                <a:extLst>
+                  <a:ext uri="{FF2B5EF4-FFF2-40B4-BE49-F238E27FC236}">
+                    <a16:creationId xmlns:a16="http://schemas.microsoft.com/office/drawing/2014/main" id="{29DC3198-79AA-4F8B-82FD-63C5BE461245}"/>
+                  </a:ext>
+                </a:extLst>
+              </p:cNvPr>
+              <p:cNvSpPr txBox="1"/>
+              <p:nvPr/>
+            </p:nvSpPr>
+            <p:spPr>
+              <a:xfrm>
+                <a:off x="9002317" y="6067832"/>
+                <a:ext cx="2660857" cy="369332"/>
+              </a:xfrm>
+              <a:prstGeom prst="rect">
+                <a:avLst/>
+              </a:prstGeom>
+              <a:noFill/>
+            </p:spPr>
+            <p:txBody>
+              <a:bodyPr wrap="none" rtlCol="0">
+                <a:spAutoFit/>
+              </a:bodyPr>
+              <a:lstStyle/>
+              <a:p>
+                <a14:m>
+                  <m:oMathPara xmlns:m="http://schemas.openxmlformats.org/officeDocument/2006/math">
+                    <m:oMathParaPr>
+                      <m:jc m:val="centerGroup"/>
+                    </m:oMathParaPr>
+                    <m:oMath xmlns:m="http://schemas.openxmlformats.org/officeDocument/2006/math">
+                      <m:d>
+                        <m:dPr>
+                          <m:ctrlPr>
+                            <a:rPr lang="en-US" b="0" i="1" smtClean="0">
+                              <a:latin typeface="Cambria Math" panose="02040503050406030204" pitchFamily="18" charset="0"/>
+                            </a:rPr>
+                          </m:ctrlPr>
+                        </m:dPr>
+                        <m:e>
+                          <m:r>
+                            <a:rPr lang="en-US" b="0" i="1" smtClean="0">
+                              <a:latin typeface="Cambria Math" panose="02040503050406030204" pitchFamily="18" charset="0"/>
+                            </a:rPr>
+                            <m:t>𝑤</m:t>
+                          </m:r>
+                          <m:r>
+                            <a:rPr lang="en-US" b="0" i="1" smtClean="0">
+                              <a:latin typeface="Cambria Math" panose="02040503050406030204" pitchFamily="18" charset="0"/>
+                            </a:rPr>
+                            <m:t>−1,</m:t>
+                          </m:r>
+                          <m:r>
+                            <a:rPr lang="en-US" b="0" i="1" smtClean="0">
+                              <a:latin typeface="Cambria Math" panose="02040503050406030204" pitchFamily="18" charset="0"/>
+                            </a:rPr>
+                            <m:t>h</m:t>
+                          </m:r>
+                          <m:r>
+                            <a:rPr lang="en-US" b="0" i="1" smtClean="0">
+                              <a:latin typeface="Cambria Math" panose="02040503050406030204" pitchFamily="18" charset="0"/>
+                            </a:rPr>
+                            <m:t>−1</m:t>
+                          </m:r>
+                        </m:e>
+                      </m:d>
+                      <m:r>
+                        <a:rPr lang="en-US" b="0" i="1" smtClean="0">
+                          <a:latin typeface="Cambria Math" panose="02040503050406030204" pitchFamily="18" charset="0"/>
+                        </a:rPr>
+                        <m:t>=(</m:t>
+                      </m:r>
+                      <m:sSub>
+                        <m:sSubPr>
+                          <m:ctrlPr>
+                            <a:rPr lang="en-US" b="0" i="1" smtClean="0">
+                              <a:latin typeface="Cambria Math" panose="02040503050406030204" pitchFamily="18" charset="0"/>
+                            </a:rPr>
+                          </m:ctrlPr>
+                        </m:sSubPr>
+                        <m:e>
+                          <m:r>
+                            <a:rPr lang="en-US" b="0" i="1" smtClean="0">
+                              <a:latin typeface="Cambria Math" panose="02040503050406030204" pitchFamily="18" charset="0"/>
+                            </a:rPr>
+                            <m:t>𝑥</m:t>
+                          </m:r>
+                        </m:e>
+                        <m:sub>
+                          <m:r>
+                            <a:rPr lang="en-US" b="0" i="1" smtClean="0">
+                              <a:latin typeface="Cambria Math" panose="02040503050406030204" pitchFamily="18" charset="0"/>
+                            </a:rPr>
+                            <m:t>1</m:t>
+                          </m:r>
+                        </m:sub>
+                      </m:sSub>
+                      <m:r>
+                        <a:rPr lang="en-US" b="0" i="1" smtClean="0">
+                          <a:latin typeface="Cambria Math" panose="02040503050406030204" pitchFamily="18" charset="0"/>
+                        </a:rPr>
+                        <m:t>,</m:t>
+                      </m:r>
+                      <m:sSub>
+                        <m:sSubPr>
+                          <m:ctrlPr>
+                            <a:rPr lang="en-US" i="1">
+                              <a:latin typeface="Cambria Math" panose="02040503050406030204" pitchFamily="18" charset="0"/>
+                            </a:rPr>
+                          </m:ctrlPr>
+                        </m:sSubPr>
+                        <m:e>
+                          <m:r>
+                            <a:rPr lang="en-US" b="0" i="1" smtClean="0">
+                              <a:latin typeface="Cambria Math" panose="02040503050406030204" pitchFamily="18" charset="0"/>
+                            </a:rPr>
+                            <m:t>𝑦</m:t>
+                          </m:r>
+                        </m:e>
+                        <m:sub>
+                          <m:r>
+                            <a:rPr lang="en-US" b="0" i="1" smtClean="0">
+                              <a:latin typeface="Cambria Math" panose="02040503050406030204" pitchFamily="18" charset="0"/>
+                            </a:rPr>
+                            <m:t>1</m:t>
+                          </m:r>
+                        </m:sub>
+                      </m:sSub>
+                      <m:r>
+                        <a:rPr lang="en-US" b="0" i="1" smtClean="0">
+                          <a:latin typeface="Cambria Math" panose="02040503050406030204" pitchFamily="18" charset="0"/>
+                        </a:rPr>
+                        <m:t>)</m:t>
+                      </m:r>
+                    </m:oMath>
+                  </m:oMathPara>
+                </a14:m>
+                <a:endParaRPr lang="en-US" dirty="0"/>
+              </a:p>
+            </p:txBody>
+          </p:sp>
+        </mc:Choice>
+        <mc:Fallback>
+          <p:sp>
+            <p:nvSpPr>
+              <p:cNvPr id="49" name="TextBox 48">
+                <a:extLst>
+                  <a:ext uri="{FF2B5EF4-FFF2-40B4-BE49-F238E27FC236}">
+                    <a16:creationId xmlns:a16="http://schemas.microsoft.com/office/drawing/2014/main" id="{29DC3198-79AA-4F8B-82FD-63C5BE461245}"/>
+                  </a:ext>
+                </a:extLst>
+              </p:cNvPr>
+              <p:cNvSpPr txBox="1">
+                <a:spLocks noRot="1" noChangeAspect="1" noMove="1" noResize="1" noEditPoints="1" noAdjustHandles="1" noChangeArrowheads="1" noChangeShapeType="1" noTextEdit="1"/>
+              </p:cNvSpPr>
+              <p:nvPr/>
+            </p:nvSpPr>
+            <p:spPr>
+              <a:xfrm>
+                <a:off x="9002317" y="6067832"/>
+                <a:ext cx="2660857" cy="369332"/>
+              </a:xfrm>
+              <a:prstGeom prst="rect">
+                <a:avLst/>
+              </a:prstGeom>
+              <a:blipFill>
+                <a:blip r:embed="rId14"/>
+                <a:stretch>
+                  <a:fillRect b="-13115"/>
+                </a:stretch>
+              </a:blipFill>
+            </p:spPr>
+            <p:txBody>
+              <a:bodyPr/>
+              <a:lstStyle/>
+              <a:p>
+                <a:r>
+                  <a:rPr lang="en-US">
+                    <a:noFill/>
+                  </a:rPr>
+                  <a:t> </a:t>
+                </a:r>
+              </a:p>
+            </p:txBody>
+          </p:sp>
+        </mc:Fallback>
+      </mc:AlternateContent>
+      <mc:AlternateContent xmlns:mc="http://schemas.openxmlformats.org/markup-compatibility/2006">
+        <mc:Choice xmlns:a14="http://schemas.microsoft.com/office/drawing/2010/main" Requires="a14">
+          <p:sp>
+            <p:nvSpPr>
+              <p:cNvPr id="50" name="TextBox 49">
+                <a:extLst>
+                  <a:ext uri="{FF2B5EF4-FFF2-40B4-BE49-F238E27FC236}">
+                    <a16:creationId xmlns:a16="http://schemas.microsoft.com/office/drawing/2014/main" id="{A3B3C4FD-4E21-4C2B-8E6D-01FB92682186}"/>
+                  </a:ext>
+                </a:extLst>
+              </p:cNvPr>
+              <p:cNvSpPr txBox="1"/>
+              <p:nvPr/>
+            </p:nvSpPr>
+            <p:spPr>
+              <a:xfrm>
+                <a:off x="185291" y="6132247"/>
+                <a:ext cx="2273763" cy="369332"/>
+              </a:xfrm>
+              <a:prstGeom prst="rect">
+                <a:avLst/>
+              </a:prstGeom>
+              <a:noFill/>
+            </p:spPr>
+            <p:txBody>
+              <a:bodyPr wrap="none" rtlCol="0">
+                <a:spAutoFit/>
+              </a:bodyPr>
+              <a:lstStyle/>
+              <a:p>
+                <a14:m>
+                  <m:oMathPara xmlns:m="http://schemas.openxmlformats.org/officeDocument/2006/math">
+                    <m:oMathParaPr>
+                      <m:jc m:val="centerGroup"/>
+                    </m:oMathParaPr>
+                    <m:oMath xmlns:m="http://schemas.openxmlformats.org/officeDocument/2006/math">
+                      <m:d>
+                        <m:dPr>
+                          <m:ctrlPr>
+                            <a:rPr lang="en-US" b="0" i="1" smtClean="0">
+                              <a:latin typeface="Cambria Math" panose="02040503050406030204" pitchFamily="18" charset="0"/>
+                            </a:rPr>
+                          </m:ctrlPr>
+                        </m:dPr>
+                        <m:e>
+                          <m:r>
+                            <a:rPr lang="en-US" b="0" i="1" smtClean="0">
+                              <a:latin typeface="Cambria Math" panose="02040503050406030204" pitchFamily="18" charset="0"/>
+                            </a:rPr>
+                            <m:t>0,</m:t>
+                          </m:r>
+                          <m:r>
+                            <a:rPr lang="en-US" b="0" i="1" smtClean="0">
+                              <a:latin typeface="Cambria Math" panose="02040503050406030204" pitchFamily="18" charset="0"/>
+                            </a:rPr>
+                            <m:t>h</m:t>
+                          </m:r>
+                          <m:r>
+                            <a:rPr lang="en-US" b="0" i="1" smtClean="0">
+                              <a:latin typeface="Cambria Math" panose="02040503050406030204" pitchFamily="18" charset="0"/>
+                            </a:rPr>
+                            <m:t>−1</m:t>
+                          </m:r>
+                        </m:e>
+                      </m:d>
+                      <m:r>
+                        <a:rPr lang="en-US" b="0" i="1" smtClean="0">
+                          <a:latin typeface="Cambria Math" panose="02040503050406030204" pitchFamily="18" charset="0"/>
+                        </a:rPr>
+                        <m:t>=(</m:t>
+                      </m:r>
+                      <m:sSub>
+                        <m:sSubPr>
+                          <m:ctrlPr>
+                            <a:rPr lang="en-US" b="0" i="1" smtClean="0">
+                              <a:latin typeface="Cambria Math" panose="02040503050406030204" pitchFamily="18" charset="0"/>
+                            </a:rPr>
+                          </m:ctrlPr>
+                        </m:sSubPr>
+                        <m:e>
+                          <m:r>
+                            <a:rPr lang="en-US" b="0" i="1" smtClean="0">
+                              <a:latin typeface="Cambria Math" panose="02040503050406030204" pitchFamily="18" charset="0"/>
+                            </a:rPr>
+                            <m:t>𝑥</m:t>
+                          </m:r>
+                        </m:e>
+                        <m:sub>
+                          <m:r>
+                            <a:rPr lang="en-US" b="0" i="1" smtClean="0">
+                              <a:latin typeface="Cambria Math" panose="02040503050406030204" pitchFamily="18" charset="0"/>
+                            </a:rPr>
+                            <m:t>2</m:t>
+                          </m:r>
+                        </m:sub>
+                      </m:sSub>
+                      <m:r>
+                        <a:rPr lang="en-US" b="0" i="1" smtClean="0">
+                          <a:latin typeface="Cambria Math" panose="02040503050406030204" pitchFamily="18" charset="0"/>
+                        </a:rPr>
+                        <m:t>,</m:t>
+                      </m:r>
+                      <m:sSub>
+                        <m:sSubPr>
+                          <m:ctrlPr>
+                            <a:rPr lang="en-US" i="1">
+                              <a:latin typeface="Cambria Math" panose="02040503050406030204" pitchFamily="18" charset="0"/>
+                            </a:rPr>
+                          </m:ctrlPr>
+                        </m:sSubPr>
+                        <m:e>
+                          <m:r>
+                            <a:rPr lang="en-US" b="0" i="1" smtClean="0">
+                              <a:latin typeface="Cambria Math" panose="02040503050406030204" pitchFamily="18" charset="0"/>
+                            </a:rPr>
+                            <m:t>𝑦</m:t>
+                          </m:r>
+                        </m:e>
+                        <m:sub>
+                          <m:r>
+                            <a:rPr lang="en-US" b="0" i="1" smtClean="0">
+                              <a:latin typeface="Cambria Math" panose="02040503050406030204" pitchFamily="18" charset="0"/>
+                            </a:rPr>
+                            <m:t>2</m:t>
+                          </m:r>
+                        </m:sub>
+                      </m:sSub>
+                      <m:r>
+                        <a:rPr lang="en-US" b="0" i="1" smtClean="0">
+                          <a:latin typeface="Cambria Math" panose="02040503050406030204" pitchFamily="18" charset="0"/>
+                        </a:rPr>
+                        <m:t>)</m:t>
+                      </m:r>
+                    </m:oMath>
+                  </m:oMathPara>
+                </a14:m>
+                <a:endParaRPr lang="en-US" dirty="0"/>
+              </a:p>
+            </p:txBody>
+          </p:sp>
+        </mc:Choice>
+        <mc:Fallback>
+          <p:sp>
+            <p:nvSpPr>
+              <p:cNvPr id="50" name="TextBox 49">
+                <a:extLst>
+                  <a:ext uri="{FF2B5EF4-FFF2-40B4-BE49-F238E27FC236}">
+                    <a16:creationId xmlns:a16="http://schemas.microsoft.com/office/drawing/2014/main" id="{A3B3C4FD-4E21-4C2B-8E6D-01FB92682186}"/>
+                  </a:ext>
+                </a:extLst>
+              </p:cNvPr>
+              <p:cNvSpPr txBox="1">
+                <a:spLocks noRot="1" noChangeAspect="1" noMove="1" noResize="1" noEditPoints="1" noAdjustHandles="1" noChangeArrowheads="1" noChangeShapeType="1" noTextEdit="1"/>
+              </p:cNvSpPr>
+              <p:nvPr/>
+            </p:nvSpPr>
+            <p:spPr>
+              <a:xfrm>
+                <a:off x="185291" y="6132247"/>
+                <a:ext cx="2273763" cy="369332"/>
+              </a:xfrm>
+              <a:prstGeom prst="rect">
+                <a:avLst/>
+              </a:prstGeom>
+              <a:blipFill>
+                <a:blip r:embed="rId15"/>
+                <a:stretch>
+                  <a:fillRect b="-11475"/>
+                </a:stretch>
+              </a:blipFill>
+            </p:spPr>
+            <p:txBody>
+              <a:bodyPr/>
+              <a:lstStyle/>
+              <a:p>
+                <a:r>
+                  <a:rPr lang="en-US">
+                    <a:noFill/>
+                  </a:rPr>
+                  <a:t> </a:t>
+                </a:r>
+              </a:p>
+            </p:txBody>
+          </p:sp>
+        </mc:Fallback>
+      </mc:AlternateContent>
+    </p:spTree>
+    <p:extLst>
+      <p:ext uri="{BB962C8B-B14F-4D97-AF65-F5344CB8AC3E}">
+        <p14:creationId xmlns:p14="http://schemas.microsoft.com/office/powerpoint/2010/main" val="3289255030"/>
+      </p:ext>
+    </p:extLst>
+  </p:cSld>
+  <p:clrMapOvr>
+    <a:masterClrMapping/>
+  </p:clrMapOvr>
+</p:sld>
+</file>
+
 <file path=ppt/theme/theme1.xml><?xml version="1.0" encoding="utf-8"?>
 <a:theme xmlns:a="http://schemas.openxmlformats.org/drawingml/2006/main" name="Office Theme">
   <a:themeElements>

--- a/images/pygame_rect_window.pptx
+++ b/images/pygame_rect_window.pptx
@@ -253,7 +253,7 @@
           <a:p>
             <a:fld id="{856FFBE8-0159-4FDA-8D70-04C5D85E84A4}" type="datetimeFigureOut">
               <a:rPr lang="en-US" smtClean="0"/>
-              <a:t>6/30/2017</a:t>
+              <a:t>7/3/2017</a:t>
             </a:fld>
             <a:endParaRPr lang="en-US"/>
           </a:p>
@@ -421,7 +421,7 @@
           <a:p>
             <a:fld id="{856FFBE8-0159-4FDA-8D70-04C5D85E84A4}" type="datetimeFigureOut">
               <a:rPr lang="en-US" smtClean="0"/>
-              <a:t>6/30/2017</a:t>
+              <a:t>7/3/2017</a:t>
             </a:fld>
             <a:endParaRPr lang="en-US"/>
           </a:p>
@@ -599,7 +599,7 @@
           <a:p>
             <a:fld id="{856FFBE8-0159-4FDA-8D70-04C5D85E84A4}" type="datetimeFigureOut">
               <a:rPr lang="en-US" smtClean="0"/>
-              <a:t>6/30/2017</a:t>
+              <a:t>7/3/2017</a:t>
             </a:fld>
             <a:endParaRPr lang="en-US"/>
           </a:p>
@@ -767,7 +767,7 @@
           <a:p>
             <a:fld id="{856FFBE8-0159-4FDA-8D70-04C5D85E84A4}" type="datetimeFigureOut">
               <a:rPr lang="en-US" smtClean="0"/>
-              <a:t>6/30/2017</a:t>
+              <a:t>7/3/2017</a:t>
             </a:fld>
             <a:endParaRPr lang="en-US"/>
           </a:p>
@@ -1012,7 +1012,7 @@
           <a:p>
             <a:fld id="{856FFBE8-0159-4FDA-8D70-04C5D85E84A4}" type="datetimeFigureOut">
               <a:rPr lang="en-US" smtClean="0"/>
-              <a:t>6/30/2017</a:t>
+              <a:t>7/3/2017</a:t>
             </a:fld>
             <a:endParaRPr lang="en-US"/>
           </a:p>
@@ -1241,7 +1241,7 @@
           <a:p>
             <a:fld id="{856FFBE8-0159-4FDA-8D70-04C5D85E84A4}" type="datetimeFigureOut">
               <a:rPr lang="en-US" smtClean="0"/>
-              <a:t>6/30/2017</a:t>
+              <a:t>7/3/2017</a:t>
             </a:fld>
             <a:endParaRPr lang="en-US"/>
           </a:p>
@@ -1605,7 +1605,7 @@
           <a:p>
             <a:fld id="{856FFBE8-0159-4FDA-8D70-04C5D85E84A4}" type="datetimeFigureOut">
               <a:rPr lang="en-US" smtClean="0"/>
-              <a:t>6/30/2017</a:t>
+              <a:t>7/3/2017</a:t>
             </a:fld>
             <a:endParaRPr lang="en-US"/>
           </a:p>
@@ -1722,7 +1722,7 @@
           <a:p>
             <a:fld id="{856FFBE8-0159-4FDA-8D70-04C5D85E84A4}" type="datetimeFigureOut">
               <a:rPr lang="en-US" smtClean="0"/>
-              <a:t>6/30/2017</a:t>
+              <a:t>7/3/2017</a:t>
             </a:fld>
             <a:endParaRPr lang="en-US"/>
           </a:p>
@@ -1817,7 +1817,7 @@
           <a:p>
             <a:fld id="{856FFBE8-0159-4FDA-8D70-04C5D85E84A4}" type="datetimeFigureOut">
               <a:rPr lang="en-US" smtClean="0"/>
-              <a:t>6/30/2017</a:t>
+              <a:t>7/3/2017</a:t>
             </a:fld>
             <a:endParaRPr lang="en-US"/>
           </a:p>
@@ -2092,7 +2092,7 @@
           <a:p>
             <a:fld id="{856FFBE8-0159-4FDA-8D70-04C5D85E84A4}" type="datetimeFigureOut">
               <a:rPr lang="en-US" smtClean="0"/>
-              <a:t>6/30/2017</a:t>
+              <a:t>7/3/2017</a:t>
             </a:fld>
             <a:endParaRPr lang="en-US"/>
           </a:p>
@@ -2344,7 +2344,7 @@
           <a:p>
             <a:fld id="{856FFBE8-0159-4FDA-8D70-04C5D85E84A4}" type="datetimeFigureOut">
               <a:rPr lang="en-US" smtClean="0"/>
-              <a:t>6/30/2017</a:t>
+              <a:t>7/3/2017</a:t>
             </a:fld>
             <a:endParaRPr lang="en-US"/>
           </a:p>
@@ -2555,7 +2555,7 @@
           <a:p>
             <a:fld id="{856FFBE8-0159-4FDA-8D70-04C5D85E84A4}" type="datetimeFigureOut">
               <a:rPr lang="en-US" smtClean="0"/>
-              <a:t>6/30/2017</a:t>
+              <a:t>7/3/2017</a:t>
             </a:fld>
             <a:endParaRPr lang="en-US"/>
           </a:p>
@@ -6804,12 +6804,72 @@
           <a:chExt cx="0" cy="0"/>
         </a:xfrm>
       </p:grpSpPr>
+      <p:sp>
+        <p:nvSpPr>
+          <p:cNvPr id="4" name="Isosceles Triangle 3">
+            <a:extLst>
+              <a:ext uri="{FF2B5EF4-FFF2-40B4-BE49-F238E27FC236}">
+                <a16:creationId xmlns:a16="http://schemas.microsoft.com/office/drawing/2014/main" id="{71CAC153-F764-4501-A296-0688402A7469}"/>
+              </a:ext>
+            </a:extLst>
+          </p:cNvPr>
+          <p:cNvSpPr/>
+          <p:nvPr/>
+        </p:nvSpPr>
+        <p:spPr>
+          <a:xfrm>
+            <a:off x="2624811" y="1026959"/>
+            <a:ext cx="6068562" cy="5347539"/>
+          </a:xfrm>
+          <a:prstGeom prst="triangle">
+            <a:avLst/>
+          </a:prstGeom>
+          <a:solidFill>
+            <a:schemeClr val="accent6">
+              <a:lumMod val="40000"/>
+              <a:lumOff val="60000"/>
+            </a:schemeClr>
+          </a:solidFill>
+          <a:ln>
+            <a:solidFill>
+              <a:schemeClr val="accent6">
+                <a:lumMod val="40000"/>
+                <a:lumOff val="60000"/>
+              </a:schemeClr>
+            </a:solidFill>
+          </a:ln>
+        </p:spPr>
+        <p:style>
+          <a:lnRef idx="2">
+            <a:schemeClr val="accent1">
+              <a:shade val="50000"/>
+            </a:schemeClr>
+          </a:lnRef>
+          <a:fillRef idx="1">
+            <a:schemeClr val="accent1"/>
+          </a:fillRef>
+          <a:effectRef idx="0">
+            <a:schemeClr val="accent1"/>
+          </a:effectRef>
+          <a:fontRef idx="minor">
+            <a:schemeClr val="lt1"/>
+          </a:fontRef>
+        </p:style>
+        <p:txBody>
+          <a:bodyPr rtlCol="0" anchor="ctr"/>
+          <a:lstStyle/>
+          <a:p>
+            <a:pPr algn="ctr"/>
+            <a:endParaRPr lang="en-US" dirty="0"/>
+          </a:p>
+        </p:txBody>
+      </p:sp>
       <p:pic>
         <p:nvPicPr>
-          <p:cNvPr id="3" name="Graphic 2" descr="Signal">
+          <p:cNvPr id="18" name="Graphic 17" descr="Pin">
             <a:extLst>
               <a:ext uri="{FF2B5EF4-FFF2-40B4-BE49-F238E27FC236}">
-                <a16:creationId xmlns:a16="http://schemas.microsoft.com/office/drawing/2014/main" id="{B6B7C08E-F604-47E1-930C-F7DB9002D904}"/>
+                <a16:creationId xmlns:a16="http://schemas.microsoft.com/office/drawing/2014/main" id="{76B6DAD5-2873-4521-8843-0E7227B5CECE}"/>
               </a:ext>
             </a:extLst>
           </p:cNvPr>
@@ -6834,81 +6894,21 @@
           </a:stretch>
         </p:blipFill>
         <p:spPr>
-          <a:xfrm>
-            <a:off x="5385156" y="543457"/>
-            <a:ext cx="547871" cy="562100"/>
+          <a:xfrm rot="5400000">
+            <a:off x="5046056" y="3115894"/>
+            <a:ext cx="217306" cy="217306"/>
           </a:xfrm>
           <a:prstGeom prst="rect">
             <a:avLst/>
           </a:prstGeom>
         </p:spPr>
       </p:pic>
-      <p:sp>
-        <p:nvSpPr>
-          <p:cNvPr id="4" name="Isosceles Triangle 3">
+      <p:pic>
+        <p:nvPicPr>
+          <p:cNvPr id="20" name="Graphic 19" descr="Hike">
             <a:extLst>
               <a:ext uri="{FF2B5EF4-FFF2-40B4-BE49-F238E27FC236}">
-                <a16:creationId xmlns:a16="http://schemas.microsoft.com/office/drawing/2014/main" id="{71CAC153-F764-4501-A296-0688402A7469}"/>
-              </a:ext>
-            </a:extLst>
-          </p:cNvPr>
-          <p:cNvSpPr/>
-          <p:nvPr/>
-        </p:nvSpPr>
-        <p:spPr>
-          <a:xfrm>
-            <a:off x="2624811" y="1026959"/>
-            <a:ext cx="6068562" cy="5347539"/>
-          </a:xfrm>
-          <a:prstGeom prst="triangle">
-            <a:avLst/>
-          </a:prstGeom>
-          <a:solidFill>
-            <a:schemeClr val="accent6">
-              <a:lumMod val="40000"/>
-              <a:lumOff val="60000"/>
-            </a:schemeClr>
-          </a:solidFill>
-          <a:ln>
-            <a:solidFill>
-              <a:schemeClr val="accent6">
-                <a:lumMod val="40000"/>
-                <a:lumOff val="60000"/>
-              </a:schemeClr>
-            </a:solidFill>
-          </a:ln>
-        </p:spPr>
-        <p:style>
-          <a:lnRef idx="2">
-            <a:schemeClr val="accent1">
-              <a:shade val="50000"/>
-            </a:schemeClr>
-          </a:lnRef>
-          <a:fillRef idx="1">
-            <a:schemeClr val="accent1"/>
-          </a:fillRef>
-          <a:effectRef idx="0">
-            <a:schemeClr val="accent1"/>
-          </a:effectRef>
-          <a:fontRef idx="minor">
-            <a:schemeClr val="lt1"/>
-          </a:fontRef>
-        </p:style>
-        <p:txBody>
-          <a:bodyPr rtlCol="0" anchor="ctr"/>
-          <a:lstStyle/>
-          <a:p>
-            <a:pPr algn="ctr"/>
-            <a:endParaRPr lang="en-US" dirty="0"/>
-          </a:p>
-        </p:txBody>
-      </p:sp>
-      <p:pic>
-        <p:nvPicPr>
-          <p:cNvPr id="18" name="Graphic 17" descr="Pin">
-            <a:extLst>
-              <a:ext uri="{FF2B5EF4-FFF2-40B4-BE49-F238E27FC236}">
-                <a16:creationId xmlns:a16="http://schemas.microsoft.com/office/drawing/2014/main" id="{76B6DAD5-2873-4521-8843-0E7227B5CECE}"/>
+                <a16:creationId xmlns:a16="http://schemas.microsoft.com/office/drawing/2014/main" id="{869DEEFC-146F-4B50-81D0-06B02AEB7F9C}"/>
               </a:ext>
             </a:extLst>
           </p:cNvPr>
@@ -6933,126 +6933,9 @@
           </a:stretch>
         </p:blipFill>
         <p:spPr>
-          <a:xfrm rot="5400000">
-            <a:off x="5046056" y="3115894"/>
-            <a:ext cx="217306" cy="217306"/>
-          </a:xfrm>
-          <a:prstGeom prst="rect">
-            <a:avLst/>
-          </a:prstGeom>
-        </p:spPr>
-      </p:pic>
-      <p:pic>
-        <p:nvPicPr>
-          <p:cNvPr id="20" name="Graphic 19" descr="Hike">
-            <a:extLst>
-              <a:ext uri="{FF2B5EF4-FFF2-40B4-BE49-F238E27FC236}">
-                <a16:creationId xmlns:a16="http://schemas.microsoft.com/office/drawing/2014/main" id="{869DEEFC-146F-4B50-81D0-06B02AEB7F9C}"/>
-              </a:ext>
-            </a:extLst>
-          </p:cNvPr>
-          <p:cNvPicPr>
-            <a:picLocks noChangeAspect="1"/>
-          </p:cNvPicPr>
-          <p:nvPr/>
-        </p:nvPicPr>
-        <p:blipFill>
-          <a:blip r:embed="rId6">
-            <a:extLst>
-              <a:ext uri="{28A0092B-C50C-407E-A947-70E740481C1C}">
-                <a14:useLocalDpi xmlns:a14="http://schemas.microsoft.com/office/drawing/2010/main" val="0"/>
-              </a:ext>
-              <a:ext uri="{96DAC541-7B7A-43D3-8B79-37D633B846F1}">
-                <asvg:svgBlip xmlns:asvg="http://schemas.microsoft.com/office/drawing/2016/SVG/main" r:embed="rId7"/>
-              </a:ext>
-            </a:extLst>
-          </a:blip>
-          <a:stretch>
-            <a:fillRect/>
-          </a:stretch>
-        </p:blipFill>
-        <p:spPr>
           <a:xfrm>
             <a:off x="4317306" y="5120015"/>
             <a:ext cx="455112" cy="455112"/>
-          </a:xfrm>
-          <a:prstGeom prst="rect">
-            <a:avLst/>
-          </a:prstGeom>
-        </p:spPr>
-      </p:pic>
-      <p:pic>
-        <p:nvPicPr>
-          <p:cNvPr id="21" name="Graphic 20" descr="Signal">
-            <a:extLst>
-              <a:ext uri="{FF2B5EF4-FFF2-40B4-BE49-F238E27FC236}">
-                <a16:creationId xmlns:a16="http://schemas.microsoft.com/office/drawing/2014/main" id="{8DD3BADB-BA08-4134-9B23-EA5FD2361B4B}"/>
-              </a:ext>
-            </a:extLst>
-          </p:cNvPr>
-          <p:cNvPicPr>
-            <a:picLocks noChangeAspect="1"/>
-          </p:cNvPicPr>
-          <p:nvPr/>
-        </p:nvPicPr>
-        <p:blipFill>
-          <a:blip r:embed="rId8">
-            <a:extLst>
-              <a:ext uri="{28A0092B-C50C-407E-A947-70E740481C1C}">
-                <a14:useLocalDpi xmlns:a14="http://schemas.microsoft.com/office/drawing/2010/main" val="0"/>
-              </a:ext>
-              <a:ext uri="{96DAC541-7B7A-43D3-8B79-37D633B846F1}">
-                <asvg:svgBlip xmlns:asvg="http://schemas.microsoft.com/office/drawing/2016/SVG/main" r:embed="rId9"/>
-              </a:ext>
-            </a:extLst>
-          </a:blip>
-          <a:stretch>
-            <a:fillRect/>
-          </a:stretch>
-        </p:blipFill>
-        <p:spPr>
-          <a:xfrm>
-            <a:off x="2137933" y="6074484"/>
-            <a:ext cx="547871" cy="562100"/>
-          </a:xfrm>
-          <a:prstGeom prst="rect">
-            <a:avLst/>
-          </a:prstGeom>
-        </p:spPr>
-      </p:pic>
-      <p:pic>
-        <p:nvPicPr>
-          <p:cNvPr id="22" name="Graphic 21" descr="Signal">
-            <a:extLst>
-              <a:ext uri="{FF2B5EF4-FFF2-40B4-BE49-F238E27FC236}">
-                <a16:creationId xmlns:a16="http://schemas.microsoft.com/office/drawing/2014/main" id="{8BF2A9D4-F608-4AAF-B0E1-5DCEAF5DE7A2}"/>
-              </a:ext>
-            </a:extLst>
-          </p:cNvPr>
-          <p:cNvPicPr>
-            <a:picLocks noChangeAspect="1"/>
-          </p:cNvPicPr>
-          <p:nvPr/>
-        </p:nvPicPr>
-        <p:blipFill>
-          <a:blip r:embed="rId10">
-            <a:extLst>
-              <a:ext uri="{28A0092B-C50C-407E-A947-70E740481C1C}">
-                <a14:useLocalDpi xmlns:a14="http://schemas.microsoft.com/office/drawing/2010/main" val="0"/>
-              </a:ext>
-              <a:ext uri="{96DAC541-7B7A-43D3-8B79-37D633B846F1}">
-                <asvg:svgBlip xmlns:asvg="http://schemas.microsoft.com/office/drawing/2016/SVG/main" r:embed="rId11"/>
-              </a:ext>
-            </a:extLst>
-          </a:blip>
-          <a:stretch>
-            <a:fillRect/>
-          </a:stretch>
-        </p:blipFill>
-        <p:spPr>
-          <a:xfrm>
-            <a:off x="8470734" y="6093448"/>
-            <a:ext cx="547871" cy="562100"/>
           </a:xfrm>
           <a:prstGeom prst="rect">
             <a:avLst/>
@@ -7123,7 +7006,7 @@
             </p:nvSpPr>
             <p:spPr>
               <a:xfrm>
-                <a:off x="5804225" y="639841"/>
+                <a:off x="5816751" y="470740"/>
                 <a:ext cx="1932837" cy="562975"/>
               </a:xfrm>
               <a:prstGeom prst="rect">
@@ -7137,6 +7020,7 @@
               </a:bodyPr>
               <a:lstStyle/>
               <a:p>
+                <a:pPr/>
                 <a14:m>
                   <m:oMathPara xmlns:m="http://schemas.openxmlformats.org/officeDocument/2006/math">
                     <m:oMathParaPr>
@@ -7278,14 +7162,14 @@
             </p:nvSpPr>
             <p:spPr>
               <a:xfrm>
-                <a:off x="5804225" y="639841"/>
+                <a:off x="5816751" y="470740"/>
                 <a:ext cx="1932837" cy="562975"/>
               </a:xfrm>
               <a:prstGeom prst="rect">
                 <a:avLst/>
               </a:prstGeom>
               <a:blipFill>
-                <a:blip r:embed="rId12"/>
+                <a:blip r:embed="rId6"/>
                 <a:stretch>
                   <a:fillRect/>
                 </a:stretch>
@@ -7416,154 +7300,6 @@
             <a:extLst>
               <a:ext uri="{FF2B5EF4-FFF2-40B4-BE49-F238E27FC236}">
                 <a16:creationId xmlns:a16="http://schemas.microsoft.com/office/drawing/2014/main" id="{EBC4E31B-9A15-4DCB-B6C8-6C38907C1BBE}"/>
-              </a:ext>
-            </a:extLst>
-          </p:cNvPr>
-          <p:cNvPicPr>
-            <a:picLocks noChangeAspect="1"/>
-          </p:cNvPicPr>
-          <p:nvPr/>
-        </p:nvPicPr>
-        <p:blipFill>
-          <a:blip r:embed="rId6">
-            <a:extLst>
-              <a:ext uri="{28A0092B-C50C-407E-A947-70E740481C1C}">
-                <a14:useLocalDpi xmlns:a14="http://schemas.microsoft.com/office/drawing/2010/main" val="0"/>
-              </a:ext>
-              <a:ext uri="{96DAC541-7B7A-43D3-8B79-37D633B846F1}">
-                <asvg:svgBlip xmlns:asvg="http://schemas.microsoft.com/office/drawing/2016/SVG/main" r:embed="rId7"/>
-              </a:ext>
-            </a:extLst>
-          </a:blip>
-          <a:stretch>
-            <a:fillRect/>
-          </a:stretch>
-        </p:blipFill>
-        <p:spPr>
-          <a:xfrm>
-            <a:off x="5354359" y="2997249"/>
-            <a:ext cx="455112" cy="455112"/>
-          </a:xfrm>
-          <a:prstGeom prst="rect">
-            <a:avLst/>
-          </a:prstGeom>
-        </p:spPr>
-      </p:pic>
-      <p:sp>
-        <p:nvSpPr>
-          <p:cNvPr id="33" name="Oval 32">
-            <a:extLst>
-              <a:ext uri="{FF2B5EF4-FFF2-40B4-BE49-F238E27FC236}">
-                <a16:creationId xmlns:a16="http://schemas.microsoft.com/office/drawing/2014/main" id="{651B5A12-AD31-47E0-B9DD-080F84FE0BDD}"/>
-              </a:ext>
-            </a:extLst>
-          </p:cNvPr>
-          <p:cNvSpPr/>
-          <p:nvPr/>
-        </p:nvSpPr>
-        <p:spPr>
-          <a:xfrm>
-            <a:off x="5259387" y="3151132"/>
-            <a:ext cx="158080" cy="147345"/>
-          </a:xfrm>
-          <a:prstGeom prst="ellipse">
-            <a:avLst/>
-          </a:prstGeom>
-          <a:solidFill>
-            <a:schemeClr val="accent6">
-              <a:lumMod val="20000"/>
-              <a:lumOff val="80000"/>
-            </a:schemeClr>
-          </a:solidFill>
-        </p:spPr>
-        <p:style>
-          <a:lnRef idx="2">
-            <a:schemeClr val="accent1">
-              <a:shade val="50000"/>
-            </a:schemeClr>
-          </a:lnRef>
-          <a:fillRef idx="1">
-            <a:schemeClr val="accent1"/>
-          </a:fillRef>
-          <a:effectRef idx="0">
-            <a:schemeClr val="accent1"/>
-          </a:effectRef>
-          <a:fontRef idx="minor">
-            <a:schemeClr val="lt1"/>
-          </a:fontRef>
-        </p:style>
-        <p:txBody>
-          <a:bodyPr rtlCol="0" anchor="ctr"/>
-          <a:lstStyle/>
-          <a:p>
-            <a:pPr algn="ctr"/>
-            <a:r>
-              <a:rPr lang="en-US" sz="1200" dirty="0">
-                <a:solidFill>
-                  <a:schemeClr val="accent6">
-                    <a:lumMod val="50000"/>
-                  </a:schemeClr>
-                </a:solidFill>
-              </a:rPr>
-              <a:t>2</a:t>
-            </a:r>
-          </a:p>
-        </p:txBody>
-      </p:sp>
-      <p:cxnSp>
-        <p:nvCxnSpPr>
-          <p:cNvPr id="34" name="Straight Arrow Connector 33">
-            <a:extLst>
-              <a:ext uri="{FF2B5EF4-FFF2-40B4-BE49-F238E27FC236}">
-                <a16:creationId xmlns:a16="http://schemas.microsoft.com/office/drawing/2014/main" id="{F5C1851A-B5D9-4DB3-BFCD-9831B8255249}"/>
-              </a:ext>
-            </a:extLst>
-          </p:cNvPr>
-          <p:cNvCxnSpPr>
-            <a:cxnSpLocks/>
-            <a:stCxn id="32" idx="3"/>
-          </p:cNvCxnSpPr>
-          <p:nvPr/>
-        </p:nvCxnSpPr>
-        <p:spPr>
-          <a:xfrm>
-            <a:off x="5809471" y="3224805"/>
-            <a:ext cx="2883902" cy="3149693"/>
-          </a:xfrm>
-          <a:prstGeom prst="straightConnector1">
-            <a:avLst/>
-          </a:prstGeom>
-          <a:ln w="12700">
-            <a:solidFill>
-              <a:schemeClr val="accent6">
-                <a:lumMod val="50000"/>
-              </a:schemeClr>
-            </a:solidFill>
-            <a:prstDash val="sysDot"/>
-            <a:tailEnd type="triangle"/>
-          </a:ln>
-        </p:spPr>
-        <p:style>
-          <a:lnRef idx="1">
-            <a:schemeClr val="accent1"/>
-          </a:lnRef>
-          <a:fillRef idx="0">
-            <a:schemeClr val="accent1"/>
-          </a:fillRef>
-          <a:effectRef idx="0">
-            <a:schemeClr val="accent1"/>
-          </a:effectRef>
-          <a:fontRef idx="minor">
-            <a:schemeClr val="tx1"/>
-          </a:fontRef>
-        </p:style>
-      </p:cxnSp>
-      <p:pic>
-        <p:nvPicPr>
-          <p:cNvPr id="39" name="Graphic 38" descr="Pin">
-            <a:extLst>
-              <a:ext uri="{FF2B5EF4-FFF2-40B4-BE49-F238E27FC236}">
-                <a16:creationId xmlns:a16="http://schemas.microsoft.com/office/drawing/2014/main" id="{663D9F8F-AB36-430C-9870-CDBF53FA9D87}"/>
               </a:ext>
             </a:extLst>
           </p:cNvPr>
@@ -7588,6 +7324,154 @@
           </a:stretch>
         </p:blipFill>
         <p:spPr>
+          <a:xfrm>
+            <a:off x="5354359" y="2997249"/>
+            <a:ext cx="455112" cy="455112"/>
+          </a:xfrm>
+          <a:prstGeom prst="rect">
+            <a:avLst/>
+          </a:prstGeom>
+        </p:spPr>
+      </p:pic>
+      <p:sp>
+        <p:nvSpPr>
+          <p:cNvPr id="33" name="Oval 32">
+            <a:extLst>
+              <a:ext uri="{FF2B5EF4-FFF2-40B4-BE49-F238E27FC236}">
+                <a16:creationId xmlns:a16="http://schemas.microsoft.com/office/drawing/2014/main" id="{651B5A12-AD31-47E0-B9DD-080F84FE0BDD}"/>
+              </a:ext>
+            </a:extLst>
+          </p:cNvPr>
+          <p:cNvSpPr/>
+          <p:nvPr/>
+        </p:nvSpPr>
+        <p:spPr>
+          <a:xfrm>
+            <a:off x="5259387" y="3151132"/>
+            <a:ext cx="158080" cy="147345"/>
+          </a:xfrm>
+          <a:prstGeom prst="ellipse">
+            <a:avLst/>
+          </a:prstGeom>
+          <a:solidFill>
+            <a:schemeClr val="accent6">
+              <a:lumMod val="20000"/>
+              <a:lumOff val="80000"/>
+            </a:schemeClr>
+          </a:solidFill>
+        </p:spPr>
+        <p:style>
+          <a:lnRef idx="2">
+            <a:schemeClr val="accent1">
+              <a:shade val="50000"/>
+            </a:schemeClr>
+          </a:lnRef>
+          <a:fillRef idx="1">
+            <a:schemeClr val="accent1"/>
+          </a:fillRef>
+          <a:effectRef idx="0">
+            <a:schemeClr val="accent1"/>
+          </a:effectRef>
+          <a:fontRef idx="minor">
+            <a:schemeClr val="lt1"/>
+          </a:fontRef>
+        </p:style>
+        <p:txBody>
+          <a:bodyPr rtlCol="0" anchor="ctr"/>
+          <a:lstStyle/>
+          <a:p>
+            <a:pPr algn="ctr"/>
+            <a:r>
+              <a:rPr lang="en-US" sz="1200" dirty="0">
+                <a:solidFill>
+                  <a:schemeClr val="accent6">
+                    <a:lumMod val="50000"/>
+                  </a:schemeClr>
+                </a:solidFill>
+              </a:rPr>
+              <a:t>2</a:t>
+            </a:r>
+          </a:p>
+        </p:txBody>
+      </p:sp>
+      <p:cxnSp>
+        <p:nvCxnSpPr>
+          <p:cNvPr id="34" name="Straight Arrow Connector 33">
+            <a:extLst>
+              <a:ext uri="{FF2B5EF4-FFF2-40B4-BE49-F238E27FC236}">
+                <a16:creationId xmlns:a16="http://schemas.microsoft.com/office/drawing/2014/main" id="{F5C1851A-B5D9-4DB3-BFCD-9831B8255249}"/>
+              </a:ext>
+            </a:extLst>
+          </p:cNvPr>
+          <p:cNvCxnSpPr>
+            <a:cxnSpLocks/>
+            <a:stCxn id="32" idx="3"/>
+          </p:cNvCxnSpPr>
+          <p:nvPr/>
+        </p:nvCxnSpPr>
+        <p:spPr>
+          <a:xfrm>
+            <a:off x="5809471" y="3224805"/>
+            <a:ext cx="2883902" cy="3149693"/>
+          </a:xfrm>
+          <a:prstGeom prst="straightConnector1">
+            <a:avLst/>
+          </a:prstGeom>
+          <a:ln w="12700">
+            <a:solidFill>
+              <a:schemeClr val="accent6">
+                <a:lumMod val="50000"/>
+              </a:schemeClr>
+            </a:solidFill>
+            <a:prstDash val="sysDot"/>
+            <a:tailEnd type="triangle"/>
+          </a:ln>
+        </p:spPr>
+        <p:style>
+          <a:lnRef idx="1">
+            <a:schemeClr val="accent1"/>
+          </a:lnRef>
+          <a:fillRef idx="0">
+            <a:schemeClr val="accent1"/>
+          </a:fillRef>
+          <a:effectRef idx="0">
+            <a:schemeClr val="accent1"/>
+          </a:effectRef>
+          <a:fontRef idx="minor">
+            <a:schemeClr val="tx1"/>
+          </a:fontRef>
+        </p:style>
+      </p:cxnSp>
+      <p:pic>
+        <p:nvPicPr>
+          <p:cNvPr id="39" name="Graphic 38" descr="Pin">
+            <a:extLst>
+              <a:ext uri="{FF2B5EF4-FFF2-40B4-BE49-F238E27FC236}">
+                <a16:creationId xmlns:a16="http://schemas.microsoft.com/office/drawing/2014/main" id="{663D9F8F-AB36-430C-9870-CDBF53FA9D87}"/>
+              </a:ext>
+            </a:extLst>
+          </p:cNvPr>
+          <p:cNvPicPr>
+            <a:picLocks noChangeAspect="1"/>
+          </p:cNvPicPr>
+          <p:nvPr/>
+        </p:nvPicPr>
+        <p:blipFill>
+          <a:blip r:embed="rId2">
+            <a:extLst>
+              <a:ext uri="{28A0092B-C50C-407E-A947-70E740481C1C}">
+                <a14:useLocalDpi xmlns:a14="http://schemas.microsoft.com/office/drawing/2010/main" val="0"/>
+              </a:ext>
+              <a:ext uri="{96DAC541-7B7A-43D3-8B79-37D633B846F1}">
+                <asvg:svgBlip xmlns:asvg="http://schemas.microsoft.com/office/drawing/2016/SVG/main" r:embed="rId3"/>
+              </a:ext>
+            </a:extLst>
+          </a:blip>
+          <a:stretch>
+            <a:fillRect/>
+          </a:stretch>
+        </p:blipFill>
+        <p:spPr>
           <a:xfrm rot="5400000">
             <a:off x="7142769" y="4525052"/>
             <a:ext cx="217306" cy="217306"/>
@@ -7612,13 +7496,13 @@
           <p:nvPr/>
         </p:nvPicPr>
         <p:blipFill>
-          <a:blip r:embed="rId6">
+          <a:blip r:embed="rId4">
             <a:extLst>
               <a:ext uri="{28A0092B-C50C-407E-A947-70E740481C1C}">
                 <a14:useLocalDpi xmlns:a14="http://schemas.microsoft.com/office/drawing/2010/main" val="0"/>
               </a:ext>
               <a:ext uri="{96DAC541-7B7A-43D3-8B79-37D633B846F1}">
-                <asvg:svgBlip xmlns:asvg="http://schemas.microsoft.com/office/drawing/2016/SVG/main" r:embed="rId7"/>
+                <asvg:svgBlip xmlns:asvg="http://schemas.microsoft.com/office/drawing/2016/SVG/main" r:embed="rId5"/>
               </a:ext>
             </a:extLst>
           </a:blip>
@@ -7713,7 +7597,7 @@
             </p:nvSpPr>
             <p:spPr>
               <a:xfrm>
-                <a:off x="2425657" y="2623164"/>
+                <a:off x="2322000" y="2464408"/>
                 <a:ext cx="1865126" cy="601383"/>
               </a:xfrm>
               <a:prstGeom prst="rect">
@@ -7727,6 +7611,7 @@
               </a:bodyPr>
               <a:lstStyle/>
               <a:p>
+                <a:pPr/>
                 <a14:m>
                   <m:oMathPara xmlns:m="http://schemas.openxmlformats.org/officeDocument/2006/math">
                     <m:oMathParaPr>
@@ -7887,14 +7772,14 @@
             </p:nvSpPr>
             <p:spPr>
               <a:xfrm>
-                <a:off x="2425657" y="2623164"/>
+                <a:off x="2322000" y="2464408"/>
                 <a:ext cx="1865126" cy="601383"/>
               </a:xfrm>
               <a:prstGeom prst="rect">
                 <a:avLst/>
               </a:prstGeom>
               <a:blipFill>
-                <a:blip r:embed="rId13"/>
+                <a:blip r:embed="rId7"/>
                 <a:stretch>
                   <a:fillRect/>
                 </a:stretch>
@@ -7933,8 +7818,8 @@
         </p:nvCxnSpPr>
         <p:spPr>
           <a:xfrm>
-            <a:off x="4290783" y="2923856"/>
-            <a:ext cx="755273" cy="300691"/>
+            <a:off x="4187126" y="2765100"/>
+            <a:ext cx="858930" cy="459447"/>
           </a:xfrm>
           <a:prstGeom prst="curvedConnector3">
             <a:avLst>
@@ -7974,8 +7859,8 @@
         </p:nvSpPr>
         <p:spPr>
           <a:xfrm>
-            <a:off x="810488" y="2397510"/>
-            <a:ext cx="1457258" cy="971515"/>
+            <a:off x="175363" y="1778227"/>
+            <a:ext cx="2449448" cy="1054850"/>
           </a:xfrm>
           <a:prstGeom prst="cloud">
             <a:avLst/>
@@ -8006,12 +7891,12 @@
           <a:p>
             <a:pPr algn="ctr"/>
             <a:r>
-              <a:rPr lang="en-US" sz="1600" dirty="0">
+              <a:rPr lang="en-US" sz="1400" dirty="0">
                 <a:solidFill>
                   <a:schemeClr val="tx1"/>
                 </a:solidFill>
               </a:rPr>
-              <a:t>Midpoint of a line</a:t>
+              <a:t>Midpoint of a line between hiker and tower 0</a:t>
             </a:r>
           </a:p>
         </p:txBody>
@@ -8032,7 +7917,7 @@
             </p:nvSpPr>
             <p:spPr>
               <a:xfrm>
-                <a:off x="9002317" y="6067832"/>
+                <a:off x="9277889" y="6067832"/>
                 <a:ext cx="2660857" cy="369332"/>
               </a:xfrm>
               <a:prstGeom prst="rect">
@@ -8046,6 +7931,7 @@
               </a:bodyPr>
               <a:lstStyle/>
               <a:p>
+                <a:pPr/>
                 <a14:m>
                   <m:oMathPara xmlns:m="http://schemas.openxmlformats.org/officeDocument/2006/math">
                     <m:oMathParaPr>
@@ -8180,14 +8066,14 @@
             </p:nvSpPr>
             <p:spPr>
               <a:xfrm>
-                <a:off x="9002317" y="6067832"/>
+                <a:off x="9277889" y="6067832"/>
                 <a:ext cx="2660857" cy="369332"/>
               </a:xfrm>
               <a:prstGeom prst="rect">
                 <a:avLst/>
               </a:prstGeom>
               <a:blipFill>
-                <a:blip r:embed="rId14"/>
+                <a:blip r:embed="rId8"/>
                 <a:stretch>
                   <a:fillRect b="-13115"/>
                 </a:stretch>
@@ -8224,7 +8110,7 @@
             </p:nvSpPr>
             <p:spPr>
               <a:xfrm>
-                <a:off x="185291" y="6132247"/>
+                <a:off x="-102807" y="6132247"/>
                 <a:ext cx="2273763" cy="369332"/>
               </a:xfrm>
               <a:prstGeom prst="rect">
@@ -8238,6 +8124,7 @@
               </a:bodyPr>
               <a:lstStyle/>
               <a:p>
+                <a:pPr/>
                 <a14:m>
                   <m:oMathPara xmlns:m="http://schemas.openxmlformats.org/officeDocument/2006/math">
                     <m:oMathParaPr>
@@ -8366,14 +8253,14 @@
             </p:nvSpPr>
             <p:spPr>
               <a:xfrm>
-                <a:off x="185291" y="6132247"/>
+                <a:off x="-102807" y="6132247"/>
                 <a:ext cx="2273763" cy="369332"/>
               </a:xfrm>
               <a:prstGeom prst="rect">
                 <a:avLst/>
               </a:prstGeom>
               <a:blipFill>
-                <a:blip r:embed="rId15"/>
+                <a:blip r:embed="rId9"/>
                 <a:stretch>
                   <a:fillRect b="-11475"/>
                 </a:stretch>
@@ -8394,6 +8281,96 @@
           </p:sp>
         </mc:Fallback>
       </mc:AlternateContent>
+      <p:pic>
+        <p:nvPicPr>
+          <p:cNvPr id="2" name="Picture 1">
+            <a:extLst>
+              <a:ext uri="{FF2B5EF4-FFF2-40B4-BE49-F238E27FC236}">
+                <a16:creationId xmlns:a16="http://schemas.microsoft.com/office/drawing/2014/main" id="{7D1111DF-27C1-40E2-A465-6EF5DC912FCD}"/>
+              </a:ext>
+            </a:extLst>
+          </p:cNvPr>
+          <p:cNvPicPr>
+            <a:picLocks noChangeAspect="1"/>
+          </p:cNvPicPr>
+          <p:nvPr/>
+        </p:nvPicPr>
+        <p:blipFill>
+          <a:blip r:embed="rId10"/>
+          <a:stretch>
+            <a:fillRect/>
+          </a:stretch>
+        </p:blipFill>
+        <p:spPr>
+          <a:xfrm>
+            <a:off x="5417467" y="550769"/>
+            <a:ext cx="476190" cy="476190"/>
+          </a:xfrm>
+          <a:prstGeom prst="rect">
+            <a:avLst/>
+          </a:prstGeom>
+        </p:spPr>
+      </p:pic>
+      <p:pic>
+        <p:nvPicPr>
+          <p:cNvPr id="25" name="Picture 24">
+            <a:extLst>
+              <a:ext uri="{FF2B5EF4-FFF2-40B4-BE49-F238E27FC236}">
+                <a16:creationId xmlns:a16="http://schemas.microsoft.com/office/drawing/2014/main" id="{EBE82725-F608-4EC4-BFDB-656AD5C88CD5}"/>
+              </a:ext>
+            </a:extLst>
+          </p:cNvPr>
+          <p:cNvPicPr>
+            <a:picLocks noChangeAspect="1"/>
+          </p:cNvPicPr>
+          <p:nvPr/>
+        </p:nvPicPr>
+        <p:blipFill>
+          <a:blip r:embed="rId10"/>
+          <a:stretch>
+            <a:fillRect/>
+          </a:stretch>
+        </p:blipFill>
+        <p:spPr>
+          <a:xfrm>
+            <a:off x="8726620" y="6078818"/>
+            <a:ext cx="476190" cy="476190"/>
+          </a:xfrm>
+          <a:prstGeom prst="rect">
+            <a:avLst/>
+          </a:prstGeom>
+        </p:spPr>
+      </p:pic>
+      <p:pic>
+        <p:nvPicPr>
+          <p:cNvPr id="27" name="Picture 26">
+            <a:extLst>
+              <a:ext uri="{FF2B5EF4-FFF2-40B4-BE49-F238E27FC236}">
+                <a16:creationId xmlns:a16="http://schemas.microsoft.com/office/drawing/2014/main" id="{C1ABF070-209C-40F2-9270-1B46252EA337}"/>
+              </a:ext>
+            </a:extLst>
+          </p:cNvPr>
+          <p:cNvPicPr>
+            <a:picLocks noChangeAspect="1"/>
+          </p:cNvPicPr>
+          <p:nvPr/>
+        </p:nvPicPr>
+        <p:blipFill>
+          <a:blip r:embed="rId10"/>
+          <a:stretch>
+            <a:fillRect/>
+          </a:stretch>
+        </p:blipFill>
+        <p:spPr>
+          <a:xfrm>
+            <a:off x="2115374" y="6078818"/>
+            <a:ext cx="476190" cy="476190"/>
+          </a:xfrm>
+          <a:prstGeom prst="rect">
+            <a:avLst/>
+          </a:prstGeom>
+        </p:spPr>
+      </p:pic>
     </p:spTree>
     <p:extLst>
       <p:ext uri="{BB962C8B-B14F-4D97-AF65-F5344CB8AC3E}">

--- a/images/pygame_rect_window.pptx
+++ b/images/pygame_rect_window.pptx
@@ -14,6 +14,7 @@
     <p:sldId id="263" r:id="rId8"/>
     <p:sldId id="264" r:id="rId9"/>
     <p:sldId id="265" r:id="rId10"/>
+    <p:sldId id="266" r:id="rId11"/>
   </p:sldIdLst>
   <p:sldSz cx="12192000" cy="6858000"/>
   <p:notesSz cx="6858000" cy="9144000"/>
@@ -253,7 +254,7 @@
           <a:p>
             <a:fld id="{856FFBE8-0159-4FDA-8D70-04C5D85E84A4}" type="datetimeFigureOut">
               <a:rPr lang="en-US" smtClean="0"/>
-              <a:t>7/3/2017</a:t>
+              <a:t>7/6/2017</a:t>
             </a:fld>
             <a:endParaRPr lang="en-US"/>
           </a:p>
@@ -421,7 +422,7 @@
           <a:p>
             <a:fld id="{856FFBE8-0159-4FDA-8D70-04C5D85E84A4}" type="datetimeFigureOut">
               <a:rPr lang="en-US" smtClean="0"/>
-              <a:t>7/3/2017</a:t>
+              <a:t>7/6/2017</a:t>
             </a:fld>
             <a:endParaRPr lang="en-US"/>
           </a:p>
@@ -599,7 +600,7 @@
           <a:p>
             <a:fld id="{856FFBE8-0159-4FDA-8D70-04C5D85E84A4}" type="datetimeFigureOut">
               <a:rPr lang="en-US" smtClean="0"/>
-              <a:t>7/3/2017</a:t>
+              <a:t>7/6/2017</a:t>
             </a:fld>
             <a:endParaRPr lang="en-US"/>
           </a:p>
@@ -767,7 +768,7 @@
           <a:p>
             <a:fld id="{856FFBE8-0159-4FDA-8D70-04C5D85E84A4}" type="datetimeFigureOut">
               <a:rPr lang="en-US" smtClean="0"/>
-              <a:t>7/3/2017</a:t>
+              <a:t>7/6/2017</a:t>
             </a:fld>
             <a:endParaRPr lang="en-US"/>
           </a:p>
@@ -1012,7 +1013,7 @@
           <a:p>
             <a:fld id="{856FFBE8-0159-4FDA-8D70-04C5D85E84A4}" type="datetimeFigureOut">
               <a:rPr lang="en-US" smtClean="0"/>
-              <a:t>7/3/2017</a:t>
+              <a:t>7/6/2017</a:t>
             </a:fld>
             <a:endParaRPr lang="en-US"/>
           </a:p>
@@ -1241,7 +1242,7 @@
           <a:p>
             <a:fld id="{856FFBE8-0159-4FDA-8D70-04C5D85E84A4}" type="datetimeFigureOut">
               <a:rPr lang="en-US" smtClean="0"/>
-              <a:t>7/3/2017</a:t>
+              <a:t>7/6/2017</a:t>
             </a:fld>
             <a:endParaRPr lang="en-US"/>
           </a:p>
@@ -1605,7 +1606,7 @@
           <a:p>
             <a:fld id="{856FFBE8-0159-4FDA-8D70-04C5D85E84A4}" type="datetimeFigureOut">
               <a:rPr lang="en-US" smtClean="0"/>
-              <a:t>7/3/2017</a:t>
+              <a:t>7/6/2017</a:t>
             </a:fld>
             <a:endParaRPr lang="en-US"/>
           </a:p>
@@ -1722,7 +1723,7 @@
           <a:p>
             <a:fld id="{856FFBE8-0159-4FDA-8D70-04C5D85E84A4}" type="datetimeFigureOut">
               <a:rPr lang="en-US" smtClean="0"/>
-              <a:t>7/3/2017</a:t>
+              <a:t>7/6/2017</a:t>
             </a:fld>
             <a:endParaRPr lang="en-US"/>
           </a:p>
@@ -1817,7 +1818,7 @@
           <a:p>
             <a:fld id="{856FFBE8-0159-4FDA-8D70-04C5D85E84A4}" type="datetimeFigureOut">
               <a:rPr lang="en-US" smtClean="0"/>
-              <a:t>7/3/2017</a:t>
+              <a:t>7/6/2017</a:t>
             </a:fld>
             <a:endParaRPr lang="en-US"/>
           </a:p>
@@ -2092,7 +2093,7 @@
           <a:p>
             <a:fld id="{856FFBE8-0159-4FDA-8D70-04C5D85E84A4}" type="datetimeFigureOut">
               <a:rPr lang="en-US" smtClean="0"/>
-              <a:t>7/3/2017</a:t>
+              <a:t>7/6/2017</a:t>
             </a:fld>
             <a:endParaRPr lang="en-US"/>
           </a:p>
@@ -2344,7 +2345,7 @@
           <a:p>
             <a:fld id="{856FFBE8-0159-4FDA-8D70-04C5D85E84A4}" type="datetimeFigureOut">
               <a:rPr lang="en-US" smtClean="0"/>
-              <a:t>7/3/2017</a:t>
+              <a:t>7/6/2017</a:t>
             </a:fld>
             <a:endParaRPr lang="en-US"/>
           </a:p>
@@ -2555,7 +2556,7 @@
           <a:p>
             <a:fld id="{856FFBE8-0159-4FDA-8D70-04C5D85E84A4}" type="datetimeFigureOut">
               <a:rPr lang="en-US" smtClean="0"/>
-              <a:t>7/3/2017</a:t>
+              <a:t>7/6/2017</a:t>
             </a:fld>
             <a:endParaRPr lang="en-US"/>
           </a:p>
@@ -3562,6 +3563,72 @@
     <p:extLst>
       <p:ext uri="{BB962C8B-B14F-4D97-AF65-F5344CB8AC3E}">
         <p14:creationId xmlns:p14="http://schemas.microsoft.com/office/powerpoint/2010/main" val="705115791"/>
+      </p:ext>
+    </p:extLst>
+  </p:cSld>
+  <p:clrMapOvr>
+    <a:masterClrMapping/>
+  </p:clrMapOvr>
+</p:sld>
+</file>
+
+<file path=ppt/slides/slide10.xml><?xml version="1.0" encoding="utf-8"?>
+<p:sld xmlns:a="http://schemas.openxmlformats.org/drawingml/2006/main" xmlns:r="http://schemas.openxmlformats.org/officeDocument/2006/relationships" xmlns:p="http://schemas.openxmlformats.org/presentationml/2006/main">
+  <p:cSld>
+    <p:spTree>
+      <p:nvGrpSpPr>
+        <p:cNvPr id="1" name=""/>
+        <p:cNvGrpSpPr/>
+        <p:nvPr/>
+      </p:nvGrpSpPr>
+      <p:grpSpPr>
+        <a:xfrm>
+          <a:off x="0" y="0"/>
+          <a:ext cx="0" cy="0"/>
+          <a:chOff x="0" y="0"/>
+          <a:chExt cx="0" cy="0"/>
+        </a:xfrm>
+      </p:grpSpPr>
+      <p:pic>
+        <p:nvPicPr>
+          <p:cNvPr id="9" name="Picture 8" descr="A picture containing dome&#10;&#10;Description generated with high confidence">
+            <a:extLst>
+              <a:ext uri="{FF2B5EF4-FFF2-40B4-BE49-F238E27FC236}">
+                <a16:creationId xmlns:a16="http://schemas.microsoft.com/office/drawing/2014/main" id="{92EF8AAC-85D7-444A-B890-A21786CF7EF3}"/>
+              </a:ext>
+            </a:extLst>
+          </p:cNvPr>
+          <p:cNvPicPr>
+            <a:picLocks noChangeAspect="1"/>
+          </p:cNvPicPr>
+          <p:nvPr/>
+        </p:nvPicPr>
+        <p:blipFill>
+          <a:blip r:embed="rId2">
+            <a:extLst>
+              <a:ext uri="{28A0092B-C50C-407E-A947-70E740481C1C}">
+                <a14:useLocalDpi xmlns:a14="http://schemas.microsoft.com/office/drawing/2010/main" val="0"/>
+              </a:ext>
+            </a:extLst>
+          </a:blip>
+          <a:stretch>
+            <a:fillRect/>
+          </a:stretch>
+        </p:blipFill>
+        <p:spPr>
+          <a:xfrm>
+            <a:off x="4770219" y="791458"/>
+            <a:ext cx="179514" cy="175924"/>
+          </a:xfrm>
+          <a:prstGeom prst="rect">
+            <a:avLst/>
+          </a:prstGeom>
+        </p:spPr>
+      </p:pic>
+    </p:spTree>
+    <p:extLst>
+      <p:ext uri="{BB962C8B-B14F-4D97-AF65-F5344CB8AC3E}">
+        <p14:creationId xmlns:p14="http://schemas.microsoft.com/office/powerpoint/2010/main" val="383468974"/>
       </p:ext>
     </p:extLst>
   </p:cSld>
@@ -6990,8 +7057,8 @@
           </a:fontRef>
         </p:style>
       </p:cxnSp>
-      <mc:AlternateContent xmlns:mc="http://schemas.openxmlformats.org/markup-compatibility/2006">
-        <mc:Choice xmlns:a14="http://schemas.microsoft.com/office/drawing/2010/main" Requires="a14">
+      <mc:AlternateContent xmlns:mc="http://schemas.openxmlformats.org/markup-compatibility/2006" xmlns:a14="http://schemas.microsoft.com/office/drawing/2010/main">
+        <mc:Choice Requires="a14">
           <p:sp>
             <p:nvSpPr>
               <p:cNvPr id="26" name="TextBox 25">
@@ -7145,7 +7212,7 @@
             </p:txBody>
           </p:sp>
         </mc:Choice>
-        <mc:Fallback>
+        <mc:Fallback xmlns="">
           <p:sp>
             <p:nvSpPr>
               <p:cNvPr id="26" name="TextBox 25">
@@ -7581,8 +7648,8 @@
           </a:p>
         </p:txBody>
       </p:sp>
-      <mc:AlternateContent xmlns:mc="http://schemas.openxmlformats.org/markup-compatibility/2006">
-        <mc:Choice xmlns:a14="http://schemas.microsoft.com/office/drawing/2010/main" Requires="a14">
+      <mc:AlternateContent xmlns:mc="http://schemas.openxmlformats.org/markup-compatibility/2006" xmlns:a14="http://schemas.microsoft.com/office/drawing/2010/main">
+        <mc:Choice Requires="a14">
           <p:sp>
             <p:nvSpPr>
               <p:cNvPr id="42" name="TextBox 41">
@@ -7755,7 +7822,7 @@
             </p:txBody>
           </p:sp>
         </mc:Choice>
-        <mc:Fallback>
+        <mc:Fallback xmlns="">
           <p:sp>
             <p:nvSpPr>
               <p:cNvPr id="42" name="TextBox 41">
@@ -7901,8 +7968,8 @@
           </a:p>
         </p:txBody>
       </p:sp>
-      <mc:AlternateContent xmlns:mc="http://schemas.openxmlformats.org/markup-compatibility/2006">
-        <mc:Choice xmlns:a14="http://schemas.microsoft.com/office/drawing/2010/main" Requires="a14">
+      <mc:AlternateContent xmlns:mc="http://schemas.openxmlformats.org/markup-compatibility/2006" xmlns:a14="http://schemas.microsoft.com/office/drawing/2010/main">
+        <mc:Choice Requires="a14">
           <p:sp>
             <p:nvSpPr>
               <p:cNvPr id="49" name="TextBox 48">
@@ -8049,7 +8116,7 @@
             </p:txBody>
           </p:sp>
         </mc:Choice>
-        <mc:Fallback>
+        <mc:Fallback xmlns="">
           <p:sp>
             <p:nvSpPr>
               <p:cNvPr id="49" name="TextBox 48">
@@ -8094,8 +8161,8 @@
           </p:sp>
         </mc:Fallback>
       </mc:AlternateContent>
-      <mc:AlternateContent xmlns:mc="http://schemas.openxmlformats.org/markup-compatibility/2006">
-        <mc:Choice xmlns:a14="http://schemas.microsoft.com/office/drawing/2010/main" Requires="a14">
+      <mc:AlternateContent xmlns:mc="http://schemas.openxmlformats.org/markup-compatibility/2006" xmlns:a14="http://schemas.microsoft.com/office/drawing/2010/main">
+        <mc:Choice Requires="a14">
           <p:sp>
             <p:nvSpPr>
               <p:cNvPr id="50" name="TextBox 49">
@@ -8236,7 +8303,7 @@
             </p:txBody>
           </p:sp>
         </mc:Choice>
-        <mc:Fallback>
+        <mc:Fallback xmlns="">
           <p:sp>
             <p:nvSpPr>
               <p:cNvPr id="50" name="TextBox 49">

--- a/images/pygame_rect_window.pptx
+++ b/images/pygame_rect_window.pptx
@@ -15,6 +15,8 @@
     <p:sldId id="264" r:id="rId9"/>
     <p:sldId id="265" r:id="rId10"/>
     <p:sldId id="266" r:id="rId11"/>
+    <p:sldId id="267" r:id="rId12"/>
+    <p:sldId id="268" r:id="rId13"/>
   </p:sldIdLst>
   <p:sldSz cx="12192000" cy="6858000"/>
   <p:notesSz cx="6858000" cy="9144000"/>
@@ -3629,6 +3631,1171 @@
     <p:extLst>
       <p:ext uri="{BB962C8B-B14F-4D97-AF65-F5344CB8AC3E}">
         <p14:creationId xmlns:p14="http://schemas.microsoft.com/office/powerpoint/2010/main" val="383468974"/>
+      </p:ext>
+    </p:extLst>
+  </p:cSld>
+  <p:clrMapOvr>
+    <a:masterClrMapping/>
+  </p:clrMapOvr>
+</p:sld>
+</file>
+
+<file path=ppt/slides/slide11.xml><?xml version="1.0" encoding="utf-8"?>
+<p:sld xmlns:a="http://schemas.openxmlformats.org/drawingml/2006/main" xmlns:r="http://schemas.openxmlformats.org/officeDocument/2006/relationships" xmlns:p="http://schemas.openxmlformats.org/presentationml/2006/main">
+  <p:cSld>
+    <p:bg>
+      <p:bgPr>
+        <a:solidFill>
+          <a:schemeClr val="bg1">
+            <a:alpha val="93000"/>
+          </a:schemeClr>
+        </a:solidFill>
+        <a:effectLst/>
+      </p:bgPr>
+    </p:bg>
+    <p:spTree>
+      <p:nvGrpSpPr>
+        <p:cNvPr id="1" name=""/>
+        <p:cNvGrpSpPr/>
+        <p:nvPr/>
+      </p:nvGrpSpPr>
+      <p:grpSpPr>
+        <a:xfrm>
+          <a:off x="0" y="0"/>
+          <a:ext cx="0" cy="0"/>
+          <a:chOff x="0" y="0"/>
+          <a:chExt cx="0" cy="0"/>
+        </a:xfrm>
+      </p:grpSpPr>
+      <p:grpSp>
+        <p:nvGrpSpPr>
+          <p:cNvPr id="15" name="Group 14">
+            <a:extLst>
+              <a:ext uri="{FF2B5EF4-FFF2-40B4-BE49-F238E27FC236}">
+                <a16:creationId xmlns:a16="http://schemas.microsoft.com/office/drawing/2014/main" id="{8528EEF3-246B-4EEC-BE6D-2F11F00EB2A0}"/>
+              </a:ext>
+            </a:extLst>
+          </p:cNvPr>
+          <p:cNvGrpSpPr/>
+          <p:nvPr/>
+        </p:nvGrpSpPr>
+        <p:grpSpPr>
+          <a:xfrm>
+            <a:off x="3517710" y="1875610"/>
+            <a:ext cx="3639137" cy="2098704"/>
+            <a:chOff x="3517710" y="1875610"/>
+            <a:chExt cx="3639137" cy="2098704"/>
+          </a:xfrm>
+        </p:grpSpPr>
+        <p:pic>
+          <p:nvPicPr>
+            <p:cNvPr id="3" name="Picture 2" descr="A picture containing dome&#10;&#10;Description generated with high confidence">
+              <a:extLst>
+                <a:ext uri="{FF2B5EF4-FFF2-40B4-BE49-F238E27FC236}">
+                  <a16:creationId xmlns:a16="http://schemas.microsoft.com/office/drawing/2014/main" id="{714E1ED5-E1C2-4C93-94B9-63BBBCE57F2C}"/>
+                </a:ext>
+              </a:extLst>
+            </p:cNvPr>
+            <p:cNvPicPr>
+              <a:picLocks noChangeAspect="1"/>
+            </p:cNvPicPr>
+            <p:nvPr/>
+          </p:nvPicPr>
+          <p:blipFill>
+            <a:blip r:embed="rId2">
+              <a:extLst>
+                <a:ext uri="{28A0092B-C50C-407E-A947-70E740481C1C}">
+                  <a14:useLocalDpi xmlns:a14="http://schemas.microsoft.com/office/drawing/2010/main" val="0"/>
+                </a:ext>
+              </a:extLst>
+            </a:blip>
+            <a:stretch>
+              <a:fillRect/>
+            </a:stretch>
+          </p:blipFill>
+          <p:spPr>
+            <a:xfrm>
+              <a:off x="5074828" y="2508284"/>
+              <a:ext cx="1495949" cy="1466030"/>
+            </a:xfrm>
+            <a:prstGeom prst="rect">
+              <a:avLst/>
+            </a:prstGeom>
+            <a:ln>
+              <a:solidFill>
+                <a:schemeClr val="bg2">
+                  <a:lumMod val="50000"/>
+                </a:schemeClr>
+              </a:solidFill>
+            </a:ln>
+          </p:spPr>
+        </p:pic>
+        <p:sp>
+          <p:nvSpPr>
+            <p:cNvPr id="2" name="Freeform: Shape 1">
+              <a:extLst>
+                <a:ext uri="{FF2B5EF4-FFF2-40B4-BE49-F238E27FC236}">
+                  <a16:creationId xmlns:a16="http://schemas.microsoft.com/office/drawing/2014/main" id="{886D9163-0A13-4A17-9D10-A8AA8DDFC01E}"/>
+                </a:ext>
+              </a:extLst>
+            </p:cNvPr>
+            <p:cNvSpPr/>
+            <p:nvPr/>
+          </p:nvSpPr>
+          <p:spPr>
+            <a:xfrm>
+              <a:off x="3839227" y="1997250"/>
+              <a:ext cx="1235601" cy="511033"/>
+            </a:xfrm>
+            <a:custGeom>
+              <a:avLst/>
+              <a:gdLst>
+                <a:gd name="connsiteX0" fmla="*/ 0 w 1227551"/>
+                <a:gd name="connsiteY0" fmla="*/ 388957 h 470376"/>
+                <a:gd name="connsiteX1" fmla="*/ 977031 w 1227551"/>
+                <a:gd name="connsiteY1" fmla="*/ 650 h 470376"/>
+                <a:gd name="connsiteX2" fmla="*/ 1227551 w 1227551"/>
+                <a:gd name="connsiteY2" fmla="*/ 470376 h 470376"/>
+              </a:gdLst>
+              <a:ahLst/>
+              <a:cxnLst>
+                <a:cxn ang="0">
+                  <a:pos x="connsiteX0" y="connsiteY0"/>
+                </a:cxn>
+                <a:cxn ang="0">
+                  <a:pos x="connsiteX1" y="connsiteY1"/>
+                </a:cxn>
+                <a:cxn ang="0">
+                  <a:pos x="connsiteX2" y="connsiteY2"/>
+                </a:cxn>
+              </a:cxnLst>
+              <a:rect l="l" t="t" r="r" b="b"/>
+              <a:pathLst>
+                <a:path w="1227551" h="470376">
+                  <a:moveTo>
+                    <a:pt x="0" y="388957"/>
+                  </a:moveTo>
+                  <a:cubicBezTo>
+                    <a:pt x="386219" y="188018"/>
+                    <a:pt x="772439" y="-12920"/>
+                    <a:pt x="977031" y="650"/>
+                  </a:cubicBezTo>
+                  <a:cubicBezTo>
+                    <a:pt x="1181623" y="14220"/>
+                    <a:pt x="1223376" y="380606"/>
+                    <a:pt x="1227551" y="470376"/>
+                  </a:cubicBezTo>
+                </a:path>
+              </a:pathLst>
+            </a:custGeom>
+            <a:ln w="9525" cap="flat" cmpd="sng" algn="ctr">
+              <a:solidFill>
+                <a:schemeClr val="dk1"/>
+              </a:solidFill>
+              <a:prstDash val="solid"/>
+              <a:round/>
+              <a:headEnd type="none" w="med" len="med"/>
+              <a:tailEnd type="arrow" w="med" len="med"/>
+            </a:ln>
+          </p:spPr>
+          <p:style>
+            <a:lnRef idx="0">
+              <a:scrgbClr r="0" g="0" b="0"/>
+            </a:lnRef>
+            <a:fillRef idx="0">
+              <a:scrgbClr r="0" g="0" b="0"/>
+            </a:fillRef>
+            <a:effectRef idx="0">
+              <a:scrgbClr r="0" g="0" b="0"/>
+            </a:effectRef>
+            <a:fontRef idx="minor">
+              <a:schemeClr val="tx1"/>
+            </a:fontRef>
+          </p:style>
+          <p:txBody>
+            <a:bodyPr rtlCol="0" anchor="ctr"/>
+            <a:lstStyle/>
+            <a:p>
+              <a:pPr algn="ctr"/>
+              <a:endParaRPr lang="en-US"/>
+            </a:p>
+          </p:txBody>
+        </p:sp>
+        <p:sp>
+          <p:nvSpPr>
+            <p:cNvPr id="6" name="TextBox 5">
+              <a:extLst>
+                <a:ext uri="{FF2B5EF4-FFF2-40B4-BE49-F238E27FC236}">
+                  <a16:creationId xmlns:a16="http://schemas.microsoft.com/office/drawing/2014/main" id="{F6D80F55-0356-4CD0-8354-A8E2BB960D52}"/>
+                </a:ext>
+              </a:extLst>
+            </p:cNvPr>
+            <p:cNvSpPr txBox="1"/>
+            <p:nvPr/>
+          </p:nvSpPr>
+          <p:spPr>
+            <a:xfrm>
+              <a:off x="3517710" y="2350827"/>
+              <a:ext cx="542136" cy="338554"/>
+            </a:xfrm>
+            <a:prstGeom prst="rect">
+              <a:avLst/>
+            </a:prstGeom>
+            <a:noFill/>
+          </p:spPr>
+          <p:txBody>
+            <a:bodyPr wrap="none" rtlCol="0">
+              <a:spAutoFit/>
+            </a:bodyPr>
+            <a:lstStyle/>
+            <a:p>
+              <a:r>
+                <a:rPr lang="en-US" sz="1600" dirty="0"/>
+                <a:t>(</a:t>
+              </a:r>
+              <a:r>
+                <a:rPr lang="en-US" sz="1600" dirty="0" err="1"/>
+                <a:t>x,y</a:t>
+              </a:r>
+              <a:r>
+                <a:rPr lang="en-US" sz="1600" dirty="0"/>
+                <a:t>)</a:t>
+              </a:r>
+            </a:p>
+          </p:txBody>
+        </p:sp>
+        <p:cxnSp>
+          <p:nvCxnSpPr>
+            <p:cNvPr id="8" name="Straight Arrow Connector 7">
+              <a:extLst>
+                <a:ext uri="{FF2B5EF4-FFF2-40B4-BE49-F238E27FC236}">
+                  <a16:creationId xmlns:a16="http://schemas.microsoft.com/office/drawing/2014/main" id="{CF14C5B8-77B2-4ACF-983C-471C21A79081}"/>
+                </a:ext>
+              </a:extLst>
+            </p:cNvPr>
+            <p:cNvCxnSpPr/>
+            <p:nvPr/>
+          </p:nvCxnSpPr>
+          <p:spPr>
+            <a:xfrm flipV="1">
+              <a:off x="5822802" y="2136860"/>
+              <a:ext cx="0" cy="1104439"/>
+            </a:xfrm>
+            <a:prstGeom prst="straightConnector1">
+              <a:avLst/>
+            </a:prstGeom>
+            <a:ln>
+              <a:tailEnd type="triangle"/>
+            </a:ln>
+          </p:spPr>
+          <p:style>
+            <a:lnRef idx="1">
+              <a:schemeClr val="accent1"/>
+            </a:lnRef>
+            <a:fillRef idx="0">
+              <a:schemeClr val="accent1"/>
+            </a:fillRef>
+            <a:effectRef idx="0">
+              <a:schemeClr val="accent1"/>
+            </a:effectRef>
+            <a:fontRef idx="minor">
+              <a:schemeClr val="tx1"/>
+            </a:fontRef>
+          </p:style>
+        </p:cxnSp>
+        <p:cxnSp>
+          <p:nvCxnSpPr>
+            <p:cNvPr id="10" name="Straight Arrow Connector 9">
+              <a:extLst>
+                <a:ext uri="{FF2B5EF4-FFF2-40B4-BE49-F238E27FC236}">
+                  <a16:creationId xmlns:a16="http://schemas.microsoft.com/office/drawing/2014/main" id="{32FB4063-9E49-4A78-9A8B-F6B02FFCFBDD}"/>
+                </a:ext>
+              </a:extLst>
+            </p:cNvPr>
+            <p:cNvCxnSpPr>
+              <a:cxnSpLocks/>
+            </p:cNvCxnSpPr>
+            <p:nvPr/>
+          </p:nvCxnSpPr>
+          <p:spPr>
+            <a:xfrm>
+              <a:off x="5822802" y="3241299"/>
+              <a:ext cx="1014982" cy="0"/>
+            </a:xfrm>
+            <a:prstGeom prst="straightConnector1">
+              <a:avLst/>
+            </a:prstGeom>
+            <a:ln>
+              <a:tailEnd type="triangle"/>
+            </a:ln>
+          </p:spPr>
+          <p:style>
+            <a:lnRef idx="1">
+              <a:schemeClr val="accent1"/>
+            </a:lnRef>
+            <a:fillRef idx="0">
+              <a:schemeClr val="accent1"/>
+            </a:fillRef>
+            <a:effectRef idx="0">
+              <a:schemeClr val="accent1"/>
+            </a:effectRef>
+            <a:fontRef idx="minor">
+              <a:schemeClr val="tx1"/>
+            </a:fontRef>
+          </p:style>
+        </p:cxnSp>
+        <p:sp>
+          <p:nvSpPr>
+            <p:cNvPr id="13" name="TextBox 12">
+              <a:extLst>
+                <a:ext uri="{FF2B5EF4-FFF2-40B4-BE49-F238E27FC236}">
+                  <a16:creationId xmlns:a16="http://schemas.microsoft.com/office/drawing/2014/main" id="{A3E22DAE-8792-4F03-B0E3-FFDA0EB25302}"/>
+                </a:ext>
+              </a:extLst>
+            </p:cNvPr>
+            <p:cNvSpPr txBox="1"/>
+            <p:nvPr/>
+          </p:nvSpPr>
+          <p:spPr>
+            <a:xfrm>
+              <a:off x="6776615" y="3072022"/>
+              <a:ext cx="380232" cy="338554"/>
+            </a:xfrm>
+            <a:prstGeom prst="rect">
+              <a:avLst/>
+            </a:prstGeom>
+            <a:noFill/>
+          </p:spPr>
+          <p:txBody>
+            <a:bodyPr wrap="none" rtlCol="0">
+              <a:spAutoFit/>
+            </a:bodyPr>
+            <a:lstStyle/>
+            <a:p>
+              <a:r>
+                <a:rPr lang="en-US" sz="1600" i="1" dirty="0"/>
+                <a:t>dx</a:t>
+              </a:r>
+            </a:p>
+          </p:txBody>
+        </p:sp>
+        <p:sp>
+          <p:nvSpPr>
+            <p:cNvPr id="14" name="TextBox 13">
+              <a:extLst>
+                <a:ext uri="{FF2B5EF4-FFF2-40B4-BE49-F238E27FC236}">
+                  <a16:creationId xmlns:a16="http://schemas.microsoft.com/office/drawing/2014/main" id="{047C331B-0CD2-44B1-8CB9-A6704214ED72}"/>
+                </a:ext>
+              </a:extLst>
+            </p:cNvPr>
+            <p:cNvSpPr txBox="1"/>
+            <p:nvPr/>
+          </p:nvSpPr>
+          <p:spPr>
+            <a:xfrm>
+              <a:off x="5632686" y="1875610"/>
+              <a:ext cx="381836" cy="338554"/>
+            </a:xfrm>
+            <a:prstGeom prst="rect">
+              <a:avLst/>
+            </a:prstGeom>
+            <a:noFill/>
+          </p:spPr>
+          <p:txBody>
+            <a:bodyPr wrap="none" rtlCol="0">
+              <a:spAutoFit/>
+            </a:bodyPr>
+            <a:lstStyle/>
+            <a:p>
+              <a:r>
+                <a:rPr lang="en-US" sz="1600" i="1" dirty="0" err="1"/>
+                <a:t>dy</a:t>
+              </a:r>
+              <a:endParaRPr lang="en-US" sz="1600" i="1" dirty="0"/>
+            </a:p>
+          </p:txBody>
+        </p:sp>
+      </p:grpSp>
+    </p:spTree>
+    <p:extLst>
+      <p:ext uri="{BB962C8B-B14F-4D97-AF65-F5344CB8AC3E}">
+        <p14:creationId xmlns:p14="http://schemas.microsoft.com/office/powerpoint/2010/main" val="2316530541"/>
+      </p:ext>
+    </p:extLst>
+  </p:cSld>
+  <p:clrMapOvr>
+    <a:masterClrMapping/>
+  </p:clrMapOvr>
+</p:sld>
+</file>
+
+<file path=ppt/slides/slide12.xml><?xml version="1.0" encoding="utf-8"?>
+<p:sld xmlns:a="http://schemas.openxmlformats.org/drawingml/2006/main" xmlns:r="http://schemas.openxmlformats.org/officeDocument/2006/relationships" xmlns:p="http://schemas.openxmlformats.org/presentationml/2006/main">
+  <p:cSld>
+    <p:spTree>
+      <p:nvGrpSpPr>
+        <p:cNvPr id="1" name=""/>
+        <p:cNvGrpSpPr/>
+        <p:nvPr/>
+      </p:nvGrpSpPr>
+      <p:grpSpPr>
+        <a:xfrm>
+          <a:off x="0" y="0"/>
+          <a:ext cx="0" cy="0"/>
+          <a:chOff x="0" y="0"/>
+          <a:chExt cx="0" cy="0"/>
+        </a:xfrm>
+      </p:grpSpPr>
+      <p:grpSp>
+        <p:nvGrpSpPr>
+          <p:cNvPr id="2" name="Group 1">
+            <a:extLst>
+              <a:ext uri="{FF2B5EF4-FFF2-40B4-BE49-F238E27FC236}">
+                <a16:creationId xmlns:a16="http://schemas.microsoft.com/office/drawing/2014/main" id="{C2FA31CD-CD5D-449C-A22D-CE4044B4A339}"/>
+              </a:ext>
+            </a:extLst>
+          </p:cNvPr>
+          <p:cNvGrpSpPr/>
+          <p:nvPr/>
+        </p:nvGrpSpPr>
+        <p:grpSpPr>
+          <a:xfrm>
+            <a:off x="3470257" y="2530258"/>
+            <a:ext cx="3105735" cy="910482"/>
+            <a:chOff x="3470257" y="2530258"/>
+            <a:chExt cx="3105735" cy="910482"/>
+          </a:xfrm>
+        </p:grpSpPr>
+        <p:sp>
+          <p:nvSpPr>
+            <p:cNvPr id="5" name="Rectangle 4">
+              <a:extLst>
+                <a:ext uri="{FF2B5EF4-FFF2-40B4-BE49-F238E27FC236}">
+                  <a16:creationId xmlns:a16="http://schemas.microsoft.com/office/drawing/2014/main" id="{65250789-430D-470D-9A9F-007CFCB354FA}"/>
+                </a:ext>
+              </a:extLst>
+            </p:cNvPr>
+            <p:cNvSpPr/>
+            <p:nvPr/>
+          </p:nvSpPr>
+          <p:spPr>
+            <a:xfrm>
+              <a:off x="4252585" y="2530258"/>
+              <a:ext cx="1492745" cy="898742"/>
+            </a:xfrm>
+            <a:prstGeom prst="rect">
+              <a:avLst/>
+            </a:prstGeom>
+            <a:solidFill>
+              <a:schemeClr val="accent1">
+                <a:lumMod val="60000"/>
+                <a:lumOff val="40000"/>
+              </a:schemeClr>
+            </a:solidFill>
+            <a:ln>
+              <a:solidFill>
+                <a:schemeClr val="accent1">
+                  <a:lumMod val="60000"/>
+                  <a:lumOff val="40000"/>
+                </a:schemeClr>
+              </a:solidFill>
+            </a:ln>
+          </p:spPr>
+          <p:style>
+            <a:lnRef idx="2">
+              <a:schemeClr val="accent1">
+                <a:shade val="50000"/>
+              </a:schemeClr>
+            </a:lnRef>
+            <a:fillRef idx="1">
+              <a:schemeClr val="accent1"/>
+            </a:fillRef>
+            <a:effectRef idx="0">
+              <a:schemeClr val="accent1"/>
+            </a:effectRef>
+            <a:fontRef idx="minor">
+              <a:schemeClr val="lt1"/>
+            </a:fontRef>
+          </p:style>
+          <p:txBody>
+            <a:bodyPr rtlCol="0" anchor="ctr"/>
+            <a:lstStyle/>
+            <a:p>
+              <a:pPr algn="ctr"/>
+              <a:r>
+                <a:rPr lang="en-US" sz="1200" dirty="0">
+                  <a:solidFill>
+                    <a:schemeClr val="tx1">
+                      <a:lumMod val="95000"/>
+                      <a:lumOff val="5000"/>
+                    </a:schemeClr>
+                  </a:solidFill>
+                  <a:latin typeface="Consolas" panose="020B0609020204030204" pitchFamily="49" charset="0"/>
+                </a:rPr>
+                <a:t>move(</a:t>
+              </a:r>
+              <a:r>
+                <a:rPr lang="en-US" sz="1200" dirty="0" err="1">
+                  <a:solidFill>
+                    <a:schemeClr val="tx1">
+                      <a:lumMod val="95000"/>
+                      <a:lumOff val="5000"/>
+                    </a:schemeClr>
+                  </a:solidFill>
+                  <a:latin typeface="Consolas" panose="020B0609020204030204" pitchFamily="49" charset="0"/>
+                </a:rPr>
+                <a:t>x,y,dx,dy</a:t>
+              </a:r>
+              <a:r>
+                <a:rPr lang="en-US" sz="1200" dirty="0">
+                  <a:solidFill>
+                    <a:schemeClr val="tx1">
+                      <a:lumMod val="95000"/>
+                      <a:lumOff val="5000"/>
+                    </a:schemeClr>
+                  </a:solidFill>
+                  <a:latin typeface="Consolas" panose="020B0609020204030204" pitchFamily="49" charset="0"/>
+                </a:rPr>
+                <a:t>)</a:t>
+              </a:r>
+            </a:p>
+          </p:txBody>
+        </p:sp>
+        <p:cxnSp>
+          <p:nvCxnSpPr>
+            <p:cNvPr id="6" name="Straight Arrow Connector 5">
+              <a:extLst>
+                <a:ext uri="{FF2B5EF4-FFF2-40B4-BE49-F238E27FC236}">
+                  <a16:creationId xmlns:a16="http://schemas.microsoft.com/office/drawing/2014/main" id="{E5550398-B26B-4DCA-9B66-384E44861B2A}"/>
+                </a:ext>
+              </a:extLst>
+            </p:cNvPr>
+            <p:cNvCxnSpPr>
+              <a:cxnSpLocks/>
+            </p:cNvCxnSpPr>
+            <p:nvPr/>
+          </p:nvCxnSpPr>
+          <p:spPr>
+            <a:xfrm>
+              <a:off x="3732756" y="2687877"/>
+              <a:ext cx="519830" cy="0"/>
+            </a:xfrm>
+            <a:prstGeom prst="straightConnector1">
+              <a:avLst/>
+            </a:prstGeom>
+            <a:ln>
+              <a:tailEnd type="triangle"/>
+            </a:ln>
+          </p:spPr>
+          <p:style>
+            <a:lnRef idx="1">
+              <a:schemeClr val="accent1"/>
+            </a:lnRef>
+            <a:fillRef idx="0">
+              <a:schemeClr val="accent1"/>
+            </a:fillRef>
+            <a:effectRef idx="0">
+              <a:schemeClr val="accent1"/>
+            </a:effectRef>
+            <a:fontRef idx="minor">
+              <a:schemeClr val="tx1"/>
+            </a:fontRef>
+          </p:style>
+        </p:cxnSp>
+        <p:cxnSp>
+          <p:nvCxnSpPr>
+            <p:cNvPr id="7" name="Straight Arrow Connector 6">
+              <a:extLst>
+                <a:ext uri="{FF2B5EF4-FFF2-40B4-BE49-F238E27FC236}">
+                  <a16:creationId xmlns:a16="http://schemas.microsoft.com/office/drawing/2014/main" id="{77F32D70-E769-4059-A2BA-62007CAD475E}"/>
+                </a:ext>
+              </a:extLst>
+            </p:cNvPr>
+            <p:cNvCxnSpPr>
+              <a:cxnSpLocks/>
+            </p:cNvCxnSpPr>
+            <p:nvPr/>
+          </p:nvCxnSpPr>
+          <p:spPr>
+            <a:xfrm>
+              <a:off x="5750104" y="2710102"/>
+              <a:ext cx="519830" cy="0"/>
+            </a:xfrm>
+            <a:prstGeom prst="straightConnector1">
+              <a:avLst/>
+            </a:prstGeom>
+            <a:ln>
+              <a:tailEnd type="triangle"/>
+            </a:ln>
+          </p:spPr>
+          <p:style>
+            <a:lnRef idx="1">
+              <a:schemeClr val="accent1"/>
+            </a:lnRef>
+            <a:fillRef idx="0">
+              <a:schemeClr val="accent1"/>
+            </a:fillRef>
+            <a:effectRef idx="0">
+              <a:schemeClr val="accent1"/>
+            </a:effectRef>
+            <a:fontRef idx="minor">
+              <a:schemeClr val="tx1"/>
+            </a:fontRef>
+          </p:style>
+        </p:cxnSp>
+        <p:cxnSp>
+          <p:nvCxnSpPr>
+            <p:cNvPr id="8" name="Straight Arrow Connector 7">
+              <a:extLst>
+                <a:ext uri="{FF2B5EF4-FFF2-40B4-BE49-F238E27FC236}">
+                  <a16:creationId xmlns:a16="http://schemas.microsoft.com/office/drawing/2014/main" id="{D0E68AB3-47F8-44DA-AB26-6B4110CC160E}"/>
+                </a:ext>
+              </a:extLst>
+            </p:cNvPr>
+            <p:cNvCxnSpPr>
+              <a:cxnSpLocks/>
+            </p:cNvCxnSpPr>
+            <p:nvPr/>
+          </p:nvCxnSpPr>
+          <p:spPr>
+            <a:xfrm>
+              <a:off x="3732756" y="2887899"/>
+              <a:ext cx="519830" cy="0"/>
+            </a:xfrm>
+            <a:prstGeom prst="straightConnector1">
+              <a:avLst/>
+            </a:prstGeom>
+            <a:ln>
+              <a:tailEnd type="triangle"/>
+            </a:ln>
+          </p:spPr>
+          <p:style>
+            <a:lnRef idx="1">
+              <a:schemeClr val="accent1"/>
+            </a:lnRef>
+            <a:fillRef idx="0">
+              <a:schemeClr val="accent1"/>
+            </a:fillRef>
+            <a:effectRef idx="0">
+              <a:schemeClr val="accent1"/>
+            </a:effectRef>
+            <a:fontRef idx="minor">
+              <a:schemeClr val="tx1"/>
+            </a:fontRef>
+          </p:style>
+        </p:cxnSp>
+        <p:cxnSp>
+          <p:nvCxnSpPr>
+            <p:cNvPr id="9" name="Straight Arrow Connector 8">
+              <a:extLst>
+                <a:ext uri="{FF2B5EF4-FFF2-40B4-BE49-F238E27FC236}">
+                  <a16:creationId xmlns:a16="http://schemas.microsoft.com/office/drawing/2014/main" id="{136437DD-3429-4189-B3FE-0BEBB08DE0E8}"/>
+                </a:ext>
+              </a:extLst>
+            </p:cNvPr>
+            <p:cNvCxnSpPr>
+              <a:cxnSpLocks/>
+            </p:cNvCxnSpPr>
+            <p:nvPr/>
+          </p:nvCxnSpPr>
+          <p:spPr>
+            <a:xfrm>
+              <a:off x="5750104" y="2887899"/>
+              <a:ext cx="519830" cy="0"/>
+            </a:xfrm>
+            <a:prstGeom prst="straightConnector1">
+              <a:avLst/>
+            </a:prstGeom>
+            <a:ln>
+              <a:tailEnd type="triangle"/>
+            </a:ln>
+          </p:spPr>
+          <p:style>
+            <a:lnRef idx="1">
+              <a:schemeClr val="accent1"/>
+            </a:lnRef>
+            <a:fillRef idx="0">
+              <a:schemeClr val="accent1"/>
+            </a:fillRef>
+            <a:effectRef idx="0">
+              <a:schemeClr val="accent1"/>
+            </a:effectRef>
+            <a:fontRef idx="minor">
+              <a:schemeClr val="tx1"/>
+            </a:fontRef>
+          </p:style>
+        </p:cxnSp>
+        <p:sp>
+          <p:nvSpPr>
+            <p:cNvPr id="10" name="TextBox 9">
+              <a:extLst>
+                <a:ext uri="{FF2B5EF4-FFF2-40B4-BE49-F238E27FC236}">
+                  <a16:creationId xmlns:a16="http://schemas.microsoft.com/office/drawing/2014/main" id="{E2A6EDAE-8B6E-42B4-84E3-8F8A68572578}"/>
+                </a:ext>
+              </a:extLst>
+            </p:cNvPr>
+            <p:cNvSpPr txBox="1"/>
+            <p:nvPr/>
+          </p:nvSpPr>
+          <p:spPr>
+            <a:xfrm>
+              <a:off x="3546475" y="2549377"/>
+              <a:ext cx="269626" cy="276999"/>
+            </a:xfrm>
+            <a:prstGeom prst="rect">
+              <a:avLst/>
+            </a:prstGeom>
+            <a:noFill/>
+          </p:spPr>
+          <p:txBody>
+            <a:bodyPr wrap="none" rtlCol="0">
+              <a:spAutoFit/>
+            </a:bodyPr>
+            <a:lstStyle/>
+            <a:p>
+              <a:r>
+                <a:rPr lang="en-US" sz="1200" dirty="0">
+                  <a:latin typeface="Consolas" panose="020B0609020204030204" pitchFamily="49" charset="0"/>
+                </a:rPr>
+                <a:t>x</a:t>
+              </a:r>
+            </a:p>
+          </p:txBody>
+        </p:sp>
+        <p:sp>
+          <p:nvSpPr>
+            <p:cNvPr id="11" name="TextBox 10">
+              <a:extLst>
+                <a:ext uri="{FF2B5EF4-FFF2-40B4-BE49-F238E27FC236}">
+                  <a16:creationId xmlns:a16="http://schemas.microsoft.com/office/drawing/2014/main" id="{E350ADD5-D522-43A1-B8A8-B1A4A6FF269A}"/>
+                </a:ext>
+              </a:extLst>
+            </p:cNvPr>
+            <p:cNvSpPr txBox="1"/>
+            <p:nvPr/>
+          </p:nvSpPr>
+          <p:spPr>
+            <a:xfrm>
+              <a:off x="3546475" y="2739874"/>
+              <a:ext cx="269626" cy="276999"/>
+            </a:xfrm>
+            <a:prstGeom prst="rect">
+              <a:avLst/>
+            </a:prstGeom>
+            <a:noFill/>
+          </p:spPr>
+          <p:txBody>
+            <a:bodyPr wrap="none" rtlCol="0">
+              <a:spAutoFit/>
+            </a:bodyPr>
+            <a:lstStyle/>
+            <a:p>
+              <a:r>
+                <a:rPr lang="en-US" sz="1200" dirty="0">
+                  <a:latin typeface="Consolas" panose="020B0609020204030204" pitchFamily="49" charset="0"/>
+                </a:rPr>
+                <a:t>y</a:t>
+              </a:r>
+            </a:p>
+          </p:txBody>
+        </p:sp>
+        <p:sp>
+          <p:nvSpPr>
+            <p:cNvPr id="12" name="TextBox 11">
+              <a:extLst>
+                <a:ext uri="{FF2B5EF4-FFF2-40B4-BE49-F238E27FC236}">
+                  <a16:creationId xmlns:a16="http://schemas.microsoft.com/office/drawing/2014/main" id="{A11A4EEA-B16C-408E-A3A2-DDFA887507B5}"/>
+                </a:ext>
+              </a:extLst>
+            </p:cNvPr>
+            <p:cNvSpPr txBox="1"/>
+            <p:nvPr/>
+          </p:nvSpPr>
+          <p:spPr>
+            <a:xfrm>
+              <a:off x="6216655" y="2565252"/>
+              <a:ext cx="269626" cy="276999"/>
+            </a:xfrm>
+            <a:prstGeom prst="rect">
+              <a:avLst/>
+            </a:prstGeom>
+            <a:noFill/>
+          </p:spPr>
+          <p:txBody>
+            <a:bodyPr wrap="none" rtlCol="0">
+              <a:spAutoFit/>
+            </a:bodyPr>
+            <a:lstStyle/>
+            <a:p>
+              <a:r>
+                <a:rPr lang="en-US" sz="1200" dirty="0">
+                  <a:latin typeface="Consolas" panose="020B0609020204030204" pitchFamily="49" charset="0"/>
+                </a:rPr>
+                <a:t>x</a:t>
+              </a:r>
+            </a:p>
+          </p:txBody>
+        </p:sp>
+        <p:sp>
+          <p:nvSpPr>
+            <p:cNvPr id="13" name="TextBox 12">
+              <a:extLst>
+                <a:ext uri="{FF2B5EF4-FFF2-40B4-BE49-F238E27FC236}">
+                  <a16:creationId xmlns:a16="http://schemas.microsoft.com/office/drawing/2014/main" id="{2A21E6E8-2CF0-4629-AFC5-E0C431D756D5}"/>
+                </a:ext>
+              </a:extLst>
+            </p:cNvPr>
+            <p:cNvSpPr txBox="1"/>
+            <p:nvPr/>
+          </p:nvSpPr>
+          <p:spPr>
+            <a:xfrm>
+              <a:off x="6216655" y="2717645"/>
+              <a:ext cx="269626" cy="276999"/>
+            </a:xfrm>
+            <a:prstGeom prst="rect">
+              <a:avLst/>
+            </a:prstGeom>
+            <a:noFill/>
+          </p:spPr>
+          <p:txBody>
+            <a:bodyPr wrap="none" rtlCol="0">
+              <a:spAutoFit/>
+            </a:bodyPr>
+            <a:lstStyle/>
+            <a:p>
+              <a:r>
+                <a:rPr lang="en-US" sz="1200" dirty="0">
+                  <a:latin typeface="Consolas" panose="020B0609020204030204" pitchFamily="49" charset="0"/>
+                </a:rPr>
+                <a:t>y</a:t>
+              </a:r>
+            </a:p>
+          </p:txBody>
+        </p:sp>
+        <p:cxnSp>
+          <p:nvCxnSpPr>
+            <p:cNvPr id="14" name="Straight Arrow Connector 13">
+              <a:extLst>
+                <a:ext uri="{FF2B5EF4-FFF2-40B4-BE49-F238E27FC236}">
+                  <a16:creationId xmlns:a16="http://schemas.microsoft.com/office/drawing/2014/main" id="{73980695-46EA-4278-86B9-7B435B1717DC}"/>
+                </a:ext>
+              </a:extLst>
+            </p:cNvPr>
+            <p:cNvCxnSpPr>
+              <a:cxnSpLocks/>
+            </p:cNvCxnSpPr>
+            <p:nvPr/>
+          </p:nvCxnSpPr>
+          <p:spPr>
+            <a:xfrm>
+              <a:off x="3732746" y="3111744"/>
+              <a:ext cx="519830" cy="0"/>
+            </a:xfrm>
+            <a:prstGeom prst="straightConnector1">
+              <a:avLst/>
+            </a:prstGeom>
+            <a:ln>
+              <a:tailEnd type="triangle"/>
+            </a:ln>
+          </p:spPr>
+          <p:style>
+            <a:lnRef idx="1">
+              <a:schemeClr val="accent1"/>
+            </a:lnRef>
+            <a:fillRef idx="0">
+              <a:schemeClr val="accent1"/>
+            </a:fillRef>
+            <a:effectRef idx="0">
+              <a:schemeClr val="accent1"/>
+            </a:effectRef>
+            <a:fontRef idx="minor">
+              <a:schemeClr val="tx1"/>
+            </a:fontRef>
+          </p:style>
+        </p:cxnSp>
+        <p:cxnSp>
+          <p:nvCxnSpPr>
+            <p:cNvPr id="15" name="Straight Arrow Connector 14">
+              <a:extLst>
+                <a:ext uri="{FF2B5EF4-FFF2-40B4-BE49-F238E27FC236}">
+                  <a16:creationId xmlns:a16="http://schemas.microsoft.com/office/drawing/2014/main" id="{4E2CAFA5-CBBD-4C4D-B680-C7878CCBE4B2}"/>
+                </a:ext>
+              </a:extLst>
+            </p:cNvPr>
+            <p:cNvCxnSpPr>
+              <a:cxnSpLocks/>
+            </p:cNvCxnSpPr>
+            <p:nvPr/>
+          </p:nvCxnSpPr>
+          <p:spPr>
+            <a:xfrm>
+              <a:off x="5750094" y="3133969"/>
+              <a:ext cx="519830" cy="0"/>
+            </a:xfrm>
+            <a:prstGeom prst="straightConnector1">
+              <a:avLst/>
+            </a:prstGeom>
+            <a:ln>
+              <a:tailEnd type="triangle"/>
+            </a:ln>
+          </p:spPr>
+          <p:style>
+            <a:lnRef idx="1">
+              <a:schemeClr val="accent1"/>
+            </a:lnRef>
+            <a:fillRef idx="0">
+              <a:schemeClr val="accent1"/>
+            </a:fillRef>
+            <a:effectRef idx="0">
+              <a:schemeClr val="accent1"/>
+            </a:effectRef>
+            <a:fontRef idx="minor">
+              <a:schemeClr val="tx1"/>
+            </a:fontRef>
+          </p:style>
+        </p:cxnSp>
+        <p:cxnSp>
+          <p:nvCxnSpPr>
+            <p:cNvPr id="16" name="Straight Arrow Connector 15">
+              <a:extLst>
+                <a:ext uri="{FF2B5EF4-FFF2-40B4-BE49-F238E27FC236}">
+                  <a16:creationId xmlns:a16="http://schemas.microsoft.com/office/drawing/2014/main" id="{BDB36A6B-2601-486E-BD15-8FE7F2E7255B}"/>
+                </a:ext>
+              </a:extLst>
+            </p:cNvPr>
+            <p:cNvCxnSpPr>
+              <a:cxnSpLocks/>
+            </p:cNvCxnSpPr>
+            <p:nvPr/>
+          </p:nvCxnSpPr>
+          <p:spPr>
+            <a:xfrm>
+              <a:off x="3732746" y="3311766"/>
+              <a:ext cx="519830" cy="0"/>
+            </a:xfrm>
+            <a:prstGeom prst="straightConnector1">
+              <a:avLst/>
+            </a:prstGeom>
+            <a:ln>
+              <a:tailEnd type="triangle"/>
+            </a:ln>
+          </p:spPr>
+          <p:style>
+            <a:lnRef idx="1">
+              <a:schemeClr val="accent1"/>
+            </a:lnRef>
+            <a:fillRef idx="0">
+              <a:schemeClr val="accent1"/>
+            </a:fillRef>
+            <a:effectRef idx="0">
+              <a:schemeClr val="accent1"/>
+            </a:effectRef>
+            <a:fontRef idx="minor">
+              <a:schemeClr val="tx1"/>
+            </a:fontRef>
+          </p:style>
+        </p:cxnSp>
+        <p:cxnSp>
+          <p:nvCxnSpPr>
+            <p:cNvPr id="17" name="Straight Arrow Connector 16">
+              <a:extLst>
+                <a:ext uri="{FF2B5EF4-FFF2-40B4-BE49-F238E27FC236}">
+                  <a16:creationId xmlns:a16="http://schemas.microsoft.com/office/drawing/2014/main" id="{9E155820-A09B-4B62-93DB-1AC0D7840D7A}"/>
+                </a:ext>
+              </a:extLst>
+            </p:cNvPr>
+            <p:cNvCxnSpPr>
+              <a:cxnSpLocks/>
+            </p:cNvCxnSpPr>
+            <p:nvPr/>
+          </p:nvCxnSpPr>
+          <p:spPr>
+            <a:xfrm>
+              <a:off x="5750094" y="3311766"/>
+              <a:ext cx="519830" cy="0"/>
+            </a:xfrm>
+            <a:prstGeom prst="straightConnector1">
+              <a:avLst/>
+            </a:prstGeom>
+            <a:ln>
+              <a:tailEnd type="triangle"/>
+            </a:ln>
+          </p:spPr>
+          <p:style>
+            <a:lnRef idx="1">
+              <a:schemeClr val="accent1"/>
+            </a:lnRef>
+            <a:fillRef idx="0">
+              <a:schemeClr val="accent1"/>
+            </a:fillRef>
+            <a:effectRef idx="0">
+              <a:schemeClr val="accent1"/>
+            </a:effectRef>
+            <a:fontRef idx="minor">
+              <a:schemeClr val="tx1"/>
+            </a:fontRef>
+          </p:style>
+        </p:cxnSp>
+        <p:sp>
+          <p:nvSpPr>
+            <p:cNvPr id="18" name="TextBox 17">
+              <a:extLst>
+                <a:ext uri="{FF2B5EF4-FFF2-40B4-BE49-F238E27FC236}">
+                  <a16:creationId xmlns:a16="http://schemas.microsoft.com/office/drawing/2014/main" id="{0526D222-06DD-4931-A7DB-4F077E3B8393}"/>
+                </a:ext>
+              </a:extLst>
+            </p:cNvPr>
+            <p:cNvSpPr txBox="1"/>
+            <p:nvPr/>
+          </p:nvSpPr>
+          <p:spPr>
+            <a:xfrm>
+              <a:off x="3475020" y="2973244"/>
+              <a:ext cx="354584" cy="276999"/>
+            </a:xfrm>
+            <a:prstGeom prst="rect">
+              <a:avLst/>
+            </a:prstGeom>
+            <a:noFill/>
+          </p:spPr>
+          <p:txBody>
+            <a:bodyPr wrap="none" rtlCol="0">
+              <a:spAutoFit/>
+            </a:bodyPr>
+            <a:lstStyle/>
+            <a:p>
+              <a:r>
+                <a:rPr lang="en-US" sz="1200" dirty="0">
+                  <a:latin typeface="Consolas" panose="020B0609020204030204" pitchFamily="49" charset="0"/>
+                </a:rPr>
+                <a:t>dx</a:t>
+              </a:r>
+            </a:p>
+          </p:txBody>
+        </p:sp>
+        <p:sp>
+          <p:nvSpPr>
+            <p:cNvPr id="19" name="TextBox 18">
+              <a:extLst>
+                <a:ext uri="{FF2B5EF4-FFF2-40B4-BE49-F238E27FC236}">
+                  <a16:creationId xmlns:a16="http://schemas.microsoft.com/office/drawing/2014/main" id="{F45677CC-01F6-4E9C-97AF-4E215DE7FF6F}"/>
+                </a:ext>
+              </a:extLst>
+            </p:cNvPr>
+            <p:cNvSpPr txBox="1"/>
+            <p:nvPr/>
+          </p:nvSpPr>
+          <p:spPr>
+            <a:xfrm>
+              <a:off x="3470257" y="3163741"/>
+              <a:ext cx="354584" cy="276999"/>
+            </a:xfrm>
+            <a:prstGeom prst="rect">
+              <a:avLst/>
+            </a:prstGeom>
+            <a:noFill/>
+          </p:spPr>
+          <p:txBody>
+            <a:bodyPr wrap="none" rtlCol="0">
+              <a:spAutoFit/>
+            </a:bodyPr>
+            <a:lstStyle/>
+            <a:p>
+              <a:r>
+                <a:rPr lang="en-US" sz="1200" dirty="0" err="1">
+                  <a:latin typeface="Consolas" panose="020B0609020204030204" pitchFamily="49" charset="0"/>
+                </a:rPr>
+                <a:t>dy</a:t>
+              </a:r>
+              <a:endParaRPr lang="en-US" sz="1200" dirty="0">
+                <a:latin typeface="Consolas" panose="020B0609020204030204" pitchFamily="49" charset="0"/>
+              </a:endParaRPr>
+            </a:p>
+          </p:txBody>
+        </p:sp>
+        <p:sp>
+          <p:nvSpPr>
+            <p:cNvPr id="20" name="TextBox 19">
+              <a:extLst>
+                <a:ext uri="{FF2B5EF4-FFF2-40B4-BE49-F238E27FC236}">
+                  <a16:creationId xmlns:a16="http://schemas.microsoft.com/office/drawing/2014/main" id="{BEBF56BD-85D0-471F-9780-69B31A502713}"/>
+                </a:ext>
+              </a:extLst>
+            </p:cNvPr>
+            <p:cNvSpPr txBox="1"/>
+            <p:nvPr/>
+          </p:nvSpPr>
+          <p:spPr>
+            <a:xfrm>
+              <a:off x="6221408" y="2989119"/>
+              <a:ext cx="354584" cy="276999"/>
+            </a:xfrm>
+            <a:prstGeom prst="rect">
+              <a:avLst/>
+            </a:prstGeom>
+            <a:noFill/>
+          </p:spPr>
+          <p:txBody>
+            <a:bodyPr wrap="none" rtlCol="0">
+              <a:spAutoFit/>
+            </a:bodyPr>
+            <a:lstStyle/>
+            <a:p>
+              <a:r>
+                <a:rPr lang="en-US" sz="1200" dirty="0">
+                  <a:latin typeface="Consolas" panose="020B0609020204030204" pitchFamily="49" charset="0"/>
+                </a:rPr>
+                <a:t>dx</a:t>
+              </a:r>
+            </a:p>
+          </p:txBody>
+        </p:sp>
+        <p:sp>
+          <p:nvSpPr>
+            <p:cNvPr id="21" name="TextBox 20">
+              <a:extLst>
+                <a:ext uri="{FF2B5EF4-FFF2-40B4-BE49-F238E27FC236}">
+                  <a16:creationId xmlns:a16="http://schemas.microsoft.com/office/drawing/2014/main" id="{6F6F7C36-2C5B-4767-BB96-877434F4089B}"/>
+                </a:ext>
+              </a:extLst>
+            </p:cNvPr>
+            <p:cNvSpPr txBox="1"/>
+            <p:nvPr/>
+          </p:nvSpPr>
+          <p:spPr>
+            <a:xfrm>
+              <a:off x="6216645" y="3141512"/>
+              <a:ext cx="354584" cy="276999"/>
+            </a:xfrm>
+            <a:prstGeom prst="rect">
+              <a:avLst/>
+            </a:prstGeom>
+            <a:noFill/>
+          </p:spPr>
+          <p:txBody>
+            <a:bodyPr wrap="none" rtlCol="0">
+              <a:spAutoFit/>
+            </a:bodyPr>
+            <a:lstStyle/>
+            <a:p>
+              <a:r>
+                <a:rPr lang="en-US" sz="1200" dirty="0" err="1">
+                  <a:latin typeface="Consolas" panose="020B0609020204030204" pitchFamily="49" charset="0"/>
+                </a:rPr>
+                <a:t>dy</a:t>
+              </a:r>
+              <a:endParaRPr lang="en-US" sz="1200" dirty="0">
+                <a:latin typeface="Consolas" panose="020B0609020204030204" pitchFamily="49" charset="0"/>
+              </a:endParaRPr>
+            </a:p>
+          </p:txBody>
+        </p:sp>
+      </p:grpSp>
+    </p:spTree>
+    <p:extLst>
+      <p:ext uri="{BB962C8B-B14F-4D97-AF65-F5344CB8AC3E}">
+        <p14:creationId xmlns:p14="http://schemas.microsoft.com/office/powerpoint/2010/main" val="1642093445"/>
       </p:ext>
     </p:extLst>
   </p:cSld>

--- a/images/pygame_rect_window.pptx
+++ b/images/pygame_rect_window.pptx
@@ -17,6 +17,7 @@
     <p:sldId id="266" r:id="rId11"/>
     <p:sldId id="267" r:id="rId12"/>
     <p:sldId id="268" r:id="rId13"/>
+    <p:sldId id="269" r:id="rId14"/>
   </p:sldIdLst>
   <p:sldSz cx="12192000" cy="6858000"/>
   <p:notesSz cx="6858000" cy="9144000"/>
@@ -256,7 +257,7 @@
           <a:p>
             <a:fld id="{856FFBE8-0159-4FDA-8D70-04C5D85E84A4}" type="datetimeFigureOut">
               <a:rPr lang="en-US" smtClean="0"/>
-              <a:t>7/6/2017</a:t>
+              <a:t>7/7/2017</a:t>
             </a:fld>
             <a:endParaRPr lang="en-US"/>
           </a:p>
@@ -424,7 +425,7 @@
           <a:p>
             <a:fld id="{856FFBE8-0159-4FDA-8D70-04C5D85E84A4}" type="datetimeFigureOut">
               <a:rPr lang="en-US" smtClean="0"/>
-              <a:t>7/6/2017</a:t>
+              <a:t>7/7/2017</a:t>
             </a:fld>
             <a:endParaRPr lang="en-US"/>
           </a:p>
@@ -602,7 +603,7 @@
           <a:p>
             <a:fld id="{856FFBE8-0159-4FDA-8D70-04C5D85E84A4}" type="datetimeFigureOut">
               <a:rPr lang="en-US" smtClean="0"/>
-              <a:t>7/6/2017</a:t>
+              <a:t>7/7/2017</a:t>
             </a:fld>
             <a:endParaRPr lang="en-US"/>
           </a:p>
@@ -770,7 +771,7 @@
           <a:p>
             <a:fld id="{856FFBE8-0159-4FDA-8D70-04C5D85E84A4}" type="datetimeFigureOut">
               <a:rPr lang="en-US" smtClean="0"/>
-              <a:t>7/6/2017</a:t>
+              <a:t>7/7/2017</a:t>
             </a:fld>
             <a:endParaRPr lang="en-US"/>
           </a:p>
@@ -1015,7 +1016,7 @@
           <a:p>
             <a:fld id="{856FFBE8-0159-4FDA-8D70-04C5D85E84A4}" type="datetimeFigureOut">
               <a:rPr lang="en-US" smtClean="0"/>
-              <a:t>7/6/2017</a:t>
+              <a:t>7/7/2017</a:t>
             </a:fld>
             <a:endParaRPr lang="en-US"/>
           </a:p>
@@ -1244,7 +1245,7 @@
           <a:p>
             <a:fld id="{856FFBE8-0159-4FDA-8D70-04C5D85E84A4}" type="datetimeFigureOut">
               <a:rPr lang="en-US" smtClean="0"/>
-              <a:t>7/6/2017</a:t>
+              <a:t>7/7/2017</a:t>
             </a:fld>
             <a:endParaRPr lang="en-US"/>
           </a:p>
@@ -1608,7 +1609,7 @@
           <a:p>
             <a:fld id="{856FFBE8-0159-4FDA-8D70-04C5D85E84A4}" type="datetimeFigureOut">
               <a:rPr lang="en-US" smtClean="0"/>
-              <a:t>7/6/2017</a:t>
+              <a:t>7/7/2017</a:t>
             </a:fld>
             <a:endParaRPr lang="en-US"/>
           </a:p>
@@ -1725,7 +1726,7 @@
           <a:p>
             <a:fld id="{856FFBE8-0159-4FDA-8D70-04C5D85E84A4}" type="datetimeFigureOut">
               <a:rPr lang="en-US" smtClean="0"/>
-              <a:t>7/6/2017</a:t>
+              <a:t>7/7/2017</a:t>
             </a:fld>
             <a:endParaRPr lang="en-US"/>
           </a:p>
@@ -1820,7 +1821,7 @@
           <a:p>
             <a:fld id="{856FFBE8-0159-4FDA-8D70-04C5D85E84A4}" type="datetimeFigureOut">
               <a:rPr lang="en-US" smtClean="0"/>
-              <a:t>7/6/2017</a:t>
+              <a:t>7/7/2017</a:t>
             </a:fld>
             <a:endParaRPr lang="en-US"/>
           </a:p>
@@ -2095,7 +2096,7 @@
           <a:p>
             <a:fld id="{856FFBE8-0159-4FDA-8D70-04C5D85E84A4}" type="datetimeFigureOut">
               <a:rPr lang="en-US" smtClean="0"/>
-              <a:t>7/6/2017</a:t>
+              <a:t>7/7/2017</a:t>
             </a:fld>
             <a:endParaRPr lang="en-US"/>
           </a:p>
@@ -2347,7 +2348,7 @@
           <a:p>
             <a:fld id="{856FFBE8-0159-4FDA-8D70-04C5D85E84A4}" type="datetimeFigureOut">
               <a:rPr lang="en-US" smtClean="0"/>
-              <a:t>7/6/2017</a:t>
+              <a:t>7/7/2017</a:t>
             </a:fld>
             <a:endParaRPr lang="en-US"/>
           </a:p>
@@ -2558,7 +2559,7 @@
           <a:p>
             <a:fld id="{856FFBE8-0159-4FDA-8D70-04C5D85E84A4}" type="datetimeFigureOut">
               <a:rPr lang="en-US" smtClean="0"/>
-              <a:t>7/6/2017</a:t>
+              <a:t>7/7/2017</a:t>
             </a:fld>
             <a:endParaRPr lang="en-US"/>
           </a:p>
@@ -4805,6 +4806,598 @@
 </p:sld>
 </file>
 
+<file path=ppt/slides/slide13.xml><?xml version="1.0" encoding="utf-8"?>
+<p:sld xmlns:a="http://schemas.openxmlformats.org/drawingml/2006/main" xmlns:r="http://schemas.openxmlformats.org/officeDocument/2006/relationships" xmlns:p="http://schemas.openxmlformats.org/presentationml/2006/main">
+  <p:cSld>
+    <p:spTree>
+      <p:nvGrpSpPr>
+        <p:cNvPr id="1" name=""/>
+        <p:cNvGrpSpPr/>
+        <p:nvPr/>
+      </p:nvGrpSpPr>
+      <p:grpSpPr>
+        <a:xfrm>
+          <a:off x="0" y="0"/>
+          <a:ext cx="0" cy="0"/>
+          <a:chOff x="0" y="0"/>
+          <a:chExt cx="0" cy="0"/>
+        </a:xfrm>
+      </p:grpSpPr>
+      <p:sp>
+        <p:nvSpPr>
+          <p:cNvPr id="4" name="Rectangle 3">
+            <a:extLst>
+              <a:ext uri="{FF2B5EF4-FFF2-40B4-BE49-F238E27FC236}">
+                <a16:creationId xmlns:a16="http://schemas.microsoft.com/office/drawing/2014/main" id="{7DA0B58A-A772-49AE-8C8E-867D5CDC35F6}"/>
+              </a:ext>
+            </a:extLst>
+          </p:cNvPr>
+          <p:cNvSpPr/>
+          <p:nvPr/>
+        </p:nvSpPr>
+        <p:spPr>
+          <a:xfrm>
+            <a:off x="3698543" y="1678675"/>
+            <a:ext cx="3159766" cy="2674961"/>
+          </a:xfrm>
+          <a:prstGeom prst="rect">
+            <a:avLst/>
+          </a:prstGeom>
+          <a:solidFill>
+            <a:schemeClr val="bg2"/>
+          </a:solidFill>
+          <a:ln>
+            <a:noFill/>
+          </a:ln>
+        </p:spPr>
+        <p:style>
+          <a:lnRef idx="2">
+            <a:schemeClr val="accent1">
+              <a:shade val="50000"/>
+            </a:schemeClr>
+          </a:lnRef>
+          <a:fillRef idx="1">
+            <a:schemeClr val="accent1"/>
+          </a:fillRef>
+          <a:effectRef idx="0">
+            <a:schemeClr val="accent1"/>
+          </a:effectRef>
+          <a:fontRef idx="minor">
+            <a:schemeClr val="lt1"/>
+          </a:fontRef>
+        </p:style>
+        <p:txBody>
+          <a:bodyPr rtlCol="0" anchor="ctr"/>
+          <a:lstStyle/>
+          <a:p>
+            <a:pPr algn="ctr"/>
+            <a:r>
+              <a:rPr lang="en-US" sz="1200" i="1" dirty="0">
+                <a:solidFill>
+                  <a:schemeClr val="tx1"/>
+                </a:solidFill>
+              </a:rPr>
+              <a:t>    </a:t>
+            </a:r>
+            <a:endParaRPr lang="en-US" i="1" dirty="0">
+              <a:solidFill>
+                <a:schemeClr val="tx1"/>
+              </a:solidFill>
+            </a:endParaRPr>
+          </a:p>
+        </p:txBody>
+      </p:sp>
+      <p:cxnSp>
+        <p:nvCxnSpPr>
+          <p:cNvPr id="19" name="Straight Arrow Connector 18">
+            <a:extLst>
+              <a:ext uri="{FF2B5EF4-FFF2-40B4-BE49-F238E27FC236}">
+                <a16:creationId xmlns:a16="http://schemas.microsoft.com/office/drawing/2014/main" id="{4ED1C18D-2477-4BD9-AFB8-D58F42069127}"/>
+              </a:ext>
+            </a:extLst>
+          </p:cNvPr>
+          <p:cNvCxnSpPr>
+            <a:cxnSpLocks/>
+          </p:cNvCxnSpPr>
+          <p:nvPr/>
+        </p:nvCxnSpPr>
+        <p:spPr>
+          <a:xfrm>
+            <a:off x="4995080" y="2365313"/>
+            <a:ext cx="1863229" cy="460193"/>
+          </a:xfrm>
+          <a:prstGeom prst="straightConnector1">
+            <a:avLst/>
+          </a:prstGeom>
+          <a:ln w="9525" cap="flat" cmpd="sng" algn="ctr">
+            <a:solidFill>
+              <a:srgbClr val="FF0000"/>
+            </a:solidFill>
+            <a:prstDash val="solid"/>
+            <a:round/>
+            <a:headEnd type="none" w="med" len="med"/>
+            <a:tailEnd type="stealth" w="med" len="med"/>
+          </a:ln>
+        </p:spPr>
+        <p:style>
+          <a:lnRef idx="0">
+            <a:scrgbClr r="0" g="0" b="0"/>
+          </a:lnRef>
+          <a:fillRef idx="0">
+            <a:scrgbClr r="0" g="0" b="0"/>
+          </a:fillRef>
+          <a:effectRef idx="0">
+            <a:scrgbClr r="0" g="0" b="0"/>
+          </a:effectRef>
+          <a:fontRef idx="minor">
+            <a:schemeClr val="tx1"/>
+          </a:fontRef>
+        </p:style>
+      </p:cxnSp>
+      <p:pic>
+        <p:nvPicPr>
+          <p:cNvPr id="23" name="Picture 22" descr="A picture containing dome&#10;&#10;Description generated with high confidence">
+            <a:extLst>
+              <a:ext uri="{FF2B5EF4-FFF2-40B4-BE49-F238E27FC236}">
+                <a16:creationId xmlns:a16="http://schemas.microsoft.com/office/drawing/2014/main" id="{9A77551B-E954-4D9B-8490-0E5174A79BA9}"/>
+              </a:ext>
+            </a:extLst>
+          </p:cNvPr>
+          <p:cNvPicPr>
+            <a:picLocks noChangeAspect="1"/>
+          </p:cNvPicPr>
+          <p:nvPr/>
+        </p:nvPicPr>
+        <p:blipFill>
+          <a:blip r:embed="rId2">
+            <a:extLst>
+              <a:ext uri="{28A0092B-C50C-407E-A947-70E740481C1C}">
+                <a14:useLocalDpi xmlns:a14="http://schemas.microsoft.com/office/drawing/2010/main" val="0"/>
+              </a:ext>
+            </a:extLst>
+          </a:blip>
+          <a:stretch>
+            <a:fillRect/>
+          </a:stretch>
+        </p:blipFill>
+        <p:spPr>
+          <a:xfrm>
+            <a:off x="4868519" y="2229069"/>
+            <a:ext cx="253122" cy="248060"/>
+          </a:xfrm>
+          <a:prstGeom prst="rect">
+            <a:avLst/>
+          </a:prstGeom>
+          <a:ln>
+            <a:noFill/>
+          </a:ln>
+        </p:spPr>
+      </p:pic>
+      <p:pic>
+        <p:nvPicPr>
+          <p:cNvPr id="3" name="Picture 2" descr="A picture containing dome&#10;&#10;Description generated with high confidence">
+            <a:extLst>
+              <a:ext uri="{FF2B5EF4-FFF2-40B4-BE49-F238E27FC236}">
+                <a16:creationId xmlns:a16="http://schemas.microsoft.com/office/drawing/2014/main" id="{714E1ED5-E1C2-4C93-94B9-63BBBCE57F2C}"/>
+              </a:ext>
+            </a:extLst>
+          </p:cNvPr>
+          <p:cNvPicPr>
+            <a:picLocks noChangeAspect="1"/>
+          </p:cNvPicPr>
+          <p:nvPr/>
+        </p:nvPicPr>
+        <p:blipFill>
+          <a:blip r:embed="rId2">
+            <a:extLst>
+              <a:ext uri="{28A0092B-C50C-407E-A947-70E740481C1C}">
+                <a14:useLocalDpi xmlns:a14="http://schemas.microsoft.com/office/drawing/2010/main" val="0"/>
+              </a:ext>
+            </a:extLst>
+          </a:blip>
+          <a:stretch>
+            <a:fillRect/>
+          </a:stretch>
+        </p:blipFill>
+        <p:spPr>
+          <a:xfrm>
+            <a:off x="4868519" y="3161671"/>
+            <a:ext cx="253122" cy="248060"/>
+          </a:xfrm>
+          <a:prstGeom prst="rect">
+            <a:avLst/>
+          </a:prstGeom>
+          <a:ln>
+            <a:noFill/>
+          </a:ln>
+        </p:spPr>
+      </p:pic>
+      <p:cxnSp>
+        <p:nvCxnSpPr>
+          <p:cNvPr id="25" name="Straight Arrow Connector 24">
+            <a:extLst>
+              <a:ext uri="{FF2B5EF4-FFF2-40B4-BE49-F238E27FC236}">
+                <a16:creationId xmlns:a16="http://schemas.microsoft.com/office/drawing/2014/main" id="{83180B27-26E2-4664-A4A9-2B7C995628D2}"/>
+              </a:ext>
+            </a:extLst>
+          </p:cNvPr>
+          <p:cNvCxnSpPr/>
+          <p:nvPr/>
+        </p:nvCxnSpPr>
+        <p:spPr>
+          <a:xfrm>
+            <a:off x="4995080" y="2353099"/>
+            <a:ext cx="1020171" cy="0"/>
+          </a:xfrm>
+          <a:prstGeom prst="straightConnector1">
+            <a:avLst/>
+          </a:prstGeom>
+          <a:ln w="9525" cap="flat" cmpd="sng" algn="ctr">
+            <a:solidFill>
+              <a:srgbClr val="FF0000"/>
+            </a:solidFill>
+            <a:prstDash val="dash"/>
+            <a:round/>
+            <a:headEnd type="none" w="med" len="med"/>
+            <a:tailEnd type="stealth" w="med" len="med"/>
+          </a:ln>
+        </p:spPr>
+        <p:style>
+          <a:lnRef idx="0">
+            <a:scrgbClr r="0" g="0" b="0"/>
+          </a:lnRef>
+          <a:fillRef idx="0">
+            <a:scrgbClr r="0" g="0" b="0"/>
+          </a:fillRef>
+          <a:effectRef idx="0">
+            <a:scrgbClr r="0" g="0" b="0"/>
+          </a:effectRef>
+          <a:fontRef idx="minor">
+            <a:schemeClr val="tx1"/>
+          </a:fontRef>
+        </p:style>
+      </p:cxnSp>
+      <p:cxnSp>
+        <p:nvCxnSpPr>
+          <p:cNvPr id="26" name="Straight Arrow Connector 25">
+            <a:extLst>
+              <a:ext uri="{FF2B5EF4-FFF2-40B4-BE49-F238E27FC236}">
+                <a16:creationId xmlns:a16="http://schemas.microsoft.com/office/drawing/2014/main" id="{FAD5A413-3BEB-4C7E-9B15-0E382E804A85}"/>
+              </a:ext>
+            </a:extLst>
+          </p:cNvPr>
+          <p:cNvCxnSpPr/>
+          <p:nvPr/>
+        </p:nvCxnSpPr>
+        <p:spPr>
+          <a:xfrm>
+            <a:off x="4004480" y="3290247"/>
+            <a:ext cx="1020171" cy="0"/>
+          </a:xfrm>
+          <a:prstGeom prst="straightConnector1">
+            <a:avLst/>
+          </a:prstGeom>
+          <a:ln w="9525" cap="flat" cmpd="sng" algn="ctr">
+            <a:solidFill>
+              <a:srgbClr val="FF0000"/>
+            </a:solidFill>
+            <a:prstDash val="dash"/>
+            <a:round/>
+            <a:headEnd type="stealth" w="med" len="med"/>
+            <a:tailEnd type="none" w="med" len="med"/>
+          </a:ln>
+        </p:spPr>
+        <p:style>
+          <a:lnRef idx="0">
+            <a:scrgbClr r="0" g="0" b="0"/>
+          </a:lnRef>
+          <a:fillRef idx="0">
+            <a:scrgbClr r="0" g="0" b="0"/>
+          </a:fillRef>
+          <a:effectRef idx="0">
+            <a:scrgbClr r="0" g="0" b="0"/>
+          </a:effectRef>
+          <a:fontRef idx="minor">
+            <a:schemeClr val="tx1"/>
+          </a:fontRef>
+        </p:style>
+      </p:cxnSp>
+      <p:cxnSp>
+        <p:nvCxnSpPr>
+          <p:cNvPr id="28" name="Straight Arrow Connector 27">
+            <a:extLst>
+              <a:ext uri="{FF2B5EF4-FFF2-40B4-BE49-F238E27FC236}">
+                <a16:creationId xmlns:a16="http://schemas.microsoft.com/office/drawing/2014/main" id="{9794B5D6-8D01-4476-BAA8-E8CDFE09DD9F}"/>
+              </a:ext>
+            </a:extLst>
+          </p:cNvPr>
+          <p:cNvCxnSpPr>
+            <a:cxnSpLocks/>
+          </p:cNvCxnSpPr>
+          <p:nvPr/>
+        </p:nvCxnSpPr>
+        <p:spPr>
+          <a:xfrm>
+            <a:off x="4995080" y="2353099"/>
+            <a:ext cx="0" cy="472408"/>
+          </a:xfrm>
+          <a:prstGeom prst="straightConnector1">
+            <a:avLst/>
+          </a:prstGeom>
+          <a:ln w="9525" cap="flat" cmpd="sng" algn="ctr">
+            <a:solidFill>
+              <a:srgbClr val="FF0000"/>
+            </a:solidFill>
+            <a:prstDash val="dash"/>
+            <a:round/>
+            <a:headEnd type="none" w="med" len="med"/>
+            <a:tailEnd type="stealth" w="med" len="med"/>
+          </a:ln>
+        </p:spPr>
+        <p:style>
+          <a:lnRef idx="0">
+            <a:scrgbClr r="0" g="0" b="0"/>
+          </a:lnRef>
+          <a:fillRef idx="0">
+            <a:scrgbClr r="0" g="0" b="0"/>
+          </a:fillRef>
+          <a:effectRef idx="0">
+            <a:scrgbClr r="0" g="0" b="0"/>
+          </a:effectRef>
+          <a:fontRef idx="minor">
+            <a:schemeClr val="tx1"/>
+          </a:fontRef>
+        </p:style>
+      </p:cxnSp>
+      <p:cxnSp>
+        <p:nvCxnSpPr>
+          <p:cNvPr id="29" name="Straight Arrow Connector 28">
+            <a:extLst>
+              <a:ext uri="{FF2B5EF4-FFF2-40B4-BE49-F238E27FC236}">
+                <a16:creationId xmlns:a16="http://schemas.microsoft.com/office/drawing/2014/main" id="{DD05155B-1D2A-4347-BB70-F0C493D8A25E}"/>
+              </a:ext>
+            </a:extLst>
+          </p:cNvPr>
+          <p:cNvCxnSpPr/>
+          <p:nvPr/>
+        </p:nvCxnSpPr>
+        <p:spPr>
+          <a:xfrm>
+            <a:off x="5000766" y="3285700"/>
+            <a:ext cx="0" cy="472408"/>
+          </a:xfrm>
+          <a:prstGeom prst="straightConnector1">
+            <a:avLst/>
+          </a:prstGeom>
+          <a:ln w="9525" cap="flat" cmpd="sng" algn="ctr">
+            <a:solidFill>
+              <a:srgbClr val="FF0000"/>
+            </a:solidFill>
+            <a:prstDash val="dash"/>
+            <a:round/>
+            <a:headEnd type="none" w="med" len="med"/>
+            <a:tailEnd type="stealth" w="med" len="med"/>
+          </a:ln>
+        </p:spPr>
+        <p:style>
+          <a:lnRef idx="0">
+            <a:scrgbClr r="0" g="0" b="0"/>
+          </a:lnRef>
+          <a:fillRef idx="0">
+            <a:scrgbClr r="0" g="0" b="0"/>
+          </a:fillRef>
+          <a:effectRef idx="0">
+            <a:scrgbClr r="0" g="0" b="0"/>
+          </a:effectRef>
+          <a:fontRef idx="minor">
+            <a:schemeClr val="tx1"/>
+          </a:fontRef>
+        </p:style>
+      </p:cxnSp>
+      <p:cxnSp>
+        <p:nvCxnSpPr>
+          <p:cNvPr id="22" name="Straight Arrow Connector 21">
+            <a:extLst>
+              <a:ext uri="{FF2B5EF4-FFF2-40B4-BE49-F238E27FC236}">
+                <a16:creationId xmlns:a16="http://schemas.microsoft.com/office/drawing/2014/main" id="{DE0BB302-A119-410C-BF8B-B03E2CB67D30}"/>
+              </a:ext>
+            </a:extLst>
+          </p:cNvPr>
+          <p:cNvCxnSpPr>
+            <a:cxnSpLocks/>
+          </p:cNvCxnSpPr>
+          <p:nvPr/>
+        </p:nvCxnSpPr>
+        <p:spPr>
+          <a:xfrm flipH="1">
+            <a:off x="4995080" y="2825507"/>
+            <a:ext cx="1863229" cy="460193"/>
+          </a:xfrm>
+          <a:prstGeom prst="straightConnector1">
+            <a:avLst/>
+          </a:prstGeom>
+          <a:ln w="9525" cap="flat" cmpd="sng" algn="ctr">
+            <a:solidFill>
+              <a:srgbClr val="FF0000"/>
+            </a:solidFill>
+            <a:prstDash val="solid"/>
+            <a:round/>
+            <a:headEnd type="none" w="med" len="med"/>
+            <a:tailEnd type="stealth" w="med" len="med"/>
+          </a:ln>
+        </p:spPr>
+        <p:style>
+          <a:lnRef idx="0">
+            <a:scrgbClr r="0" g="0" b="0"/>
+          </a:lnRef>
+          <a:fillRef idx="0">
+            <a:scrgbClr r="0" g="0" b="0"/>
+          </a:fillRef>
+          <a:effectRef idx="0">
+            <a:scrgbClr r="0" g="0" b="0"/>
+          </a:effectRef>
+          <a:fontRef idx="minor">
+            <a:schemeClr val="tx1"/>
+          </a:fontRef>
+        </p:style>
+      </p:cxnSp>
+      <p:sp>
+        <p:nvSpPr>
+          <p:cNvPr id="30" name="TextBox 29">
+            <a:extLst>
+              <a:ext uri="{FF2B5EF4-FFF2-40B4-BE49-F238E27FC236}">
+                <a16:creationId xmlns:a16="http://schemas.microsoft.com/office/drawing/2014/main" id="{7305083D-0B7B-4307-B6B2-69FA35BAC0FE}"/>
+              </a:ext>
+            </a:extLst>
+          </p:cNvPr>
+          <p:cNvSpPr txBox="1"/>
+          <p:nvPr/>
+        </p:nvSpPr>
+        <p:spPr>
+          <a:xfrm>
+            <a:off x="5319188" y="2087393"/>
+            <a:ext cx="357790" cy="307777"/>
+          </a:xfrm>
+          <a:prstGeom prst="rect">
+            <a:avLst/>
+          </a:prstGeom>
+          <a:noFill/>
+        </p:spPr>
+        <p:txBody>
+          <a:bodyPr wrap="none" rtlCol="0">
+            <a:spAutoFit/>
+          </a:bodyPr>
+          <a:lstStyle/>
+          <a:p>
+            <a:r>
+              <a:rPr lang="en-US" sz="1400" i="1" dirty="0"/>
+              <a:t>dx</a:t>
+            </a:r>
+            <a:endParaRPr lang="en-US" i="1" dirty="0"/>
+          </a:p>
+        </p:txBody>
+      </p:sp>
+      <p:sp>
+        <p:nvSpPr>
+          <p:cNvPr id="31" name="TextBox 30">
+            <a:extLst>
+              <a:ext uri="{FF2B5EF4-FFF2-40B4-BE49-F238E27FC236}">
+                <a16:creationId xmlns:a16="http://schemas.microsoft.com/office/drawing/2014/main" id="{EF05702E-6AE5-48CE-BC9A-8A29D71B53A4}"/>
+              </a:ext>
+            </a:extLst>
+          </p:cNvPr>
+          <p:cNvSpPr txBox="1"/>
+          <p:nvPr/>
+        </p:nvSpPr>
+        <p:spPr>
+          <a:xfrm>
+            <a:off x="4219018" y="3255842"/>
+            <a:ext cx="410690" cy="307777"/>
+          </a:xfrm>
+          <a:prstGeom prst="rect">
+            <a:avLst/>
+          </a:prstGeom>
+          <a:noFill/>
+        </p:spPr>
+        <p:txBody>
+          <a:bodyPr wrap="none" rtlCol="0">
+            <a:spAutoFit/>
+          </a:bodyPr>
+          <a:lstStyle/>
+          <a:p>
+            <a:r>
+              <a:rPr lang="en-US" sz="1400" i="1" dirty="0"/>
+              <a:t>-dx</a:t>
+            </a:r>
+            <a:endParaRPr lang="en-US" i="1" dirty="0"/>
+          </a:p>
+        </p:txBody>
+      </p:sp>
+      <p:sp>
+        <p:nvSpPr>
+          <p:cNvPr id="32" name="TextBox 31">
+            <a:extLst>
+              <a:ext uri="{FF2B5EF4-FFF2-40B4-BE49-F238E27FC236}">
+                <a16:creationId xmlns:a16="http://schemas.microsoft.com/office/drawing/2014/main" id="{F005720F-7B71-4921-A832-9941990EF980}"/>
+              </a:ext>
+            </a:extLst>
+          </p:cNvPr>
+          <p:cNvSpPr txBox="1"/>
+          <p:nvPr/>
+        </p:nvSpPr>
+        <p:spPr>
+          <a:xfrm>
+            <a:off x="4942746" y="3343314"/>
+            <a:ext cx="357790" cy="307777"/>
+          </a:xfrm>
+          <a:prstGeom prst="rect">
+            <a:avLst/>
+          </a:prstGeom>
+          <a:noFill/>
+        </p:spPr>
+        <p:txBody>
+          <a:bodyPr wrap="none" rtlCol="0">
+            <a:spAutoFit/>
+          </a:bodyPr>
+          <a:lstStyle/>
+          <a:p>
+            <a:r>
+              <a:rPr lang="en-US" sz="1400" i="1" dirty="0" err="1"/>
+              <a:t>dy</a:t>
+            </a:r>
+            <a:endParaRPr lang="en-US" i="1" dirty="0"/>
+          </a:p>
+        </p:txBody>
+      </p:sp>
+      <p:sp>
+        <p:nvSpPr>
+          <p:cNvPr id="33" name="TextBox 32">
+            <a:extLst>
+              <a:ext uri="{FF2B5EF4-FFF2-40B4-BE49-F238E27FC236}">
+                <a16:creationId xmlns:a16="http://schemas.microsoft.com/office/drawing/2014/main" id="{2116B6E3-C398-4E91-AA67-660345EA54A8}"/>
+              </a:ext>
+            </a:extLst>
+          </p:cNvPr>
+          <p:cNvSpPr txBox="1"/>
+          <p:nvPr/>
+        </p:nvSpPr>
+        <p:spPr>
+          <a:xfrm>
+            <a:off x="4942746" y="2420520"/>
+            <a:ext cx="357790" cy="307777"/>
+          </a:xfrm>
+          <a:prstGeom prst="rect">
+            <a:avLst/>
+          </a:prstGeom>
+          <a:noFill/>
+        </p:spPr>
+        <p:txBody>
+          <a:bodyPr wrap="none" rtlCol="0">
+            <a:spAutoFit/>
+          </a:bodyPr>
+          <a:lstStyle/>
+          <a:p>
+            <a:r>
+              <a:rPr lang="en-US" sz="1400" i="1" dirty="0" err="1"/>
+              <a:t>dy</a:t>
+            </a:r>
+            <a:endParaRPr lang="en-US" i="1" dirty="0"/>
+          </a:p>
+        </p:txBody>
+      </p:sp>
+    </p:spTree>
+    <p:extLst>
+      <p:ext uri="{BB962C8B-B14F-4D97-AF65-F5344CB8AC3E}">
+        <p14:creationId xmlns:p14="http://schemas.microsoft.com/office/powerpoint/2010/main" val="364797783"/>
+      </p:ext>
+    </p:extLst>
+  </p:cSld>
+  <p:clrMapOvr>
+    <a:masterClrMapping/>
+  </p:clrMapOvr>
+</p:sld>
+</file>
+
 <file path=ppt/slides/slide2.xml><?xml version="1.0" encoding="utf-8"?>
 <p:sld xmlns:a="http://schemas.openxmlformats.org/drawingml/2006/main" xmlns:r="http://schemas.openxmlformats.org/officeDocument/2006/relationships" xmlns:p="http://schemas.openxmlformats.org/presentationml/2006/main">
   <p:cSld>

--- a/images/pygame_rect_window.pptx
+++ b/images/pygame_rect_window.pptx
@@ -18,6 +18,7 @@
     <p:sldId id="267" r:id="rId12"/>
     <p:sldId id="268" r:id="rId13"/>
     <p:sldId id="269" r:id="rId14"/>
+    <p:sldId id="270" r:id="rId15"/>
   </p:sldIdLst>
   <p:sldSz cx="12192000" cy="6858000"/>
   <p:notesSz cx="6858000" cy="9144000"/>
@@ -4823,572 +4824,1245 @@
           <a:chExt cx="0" cy="0"/>
         </a:xfrm>
       </p:grpSpPr>
-      <p:sp>
-        <p:nvSpPr>
-          <p:cNvPr id="4" name="Rectangle 3">
+      <p:grpSp>
+        <p:nvGrpSpPr>
+          <p:cNvPr id="34" name="Group 33">
             <a:extLst>
               <a:ext uri="{FF2B5EF4-FFF2-40B4-BE49-F238E27FC236}">
-                <a16:creationId xmlns:a16="http://schemas.microsoft.com/office/drawing/2014/main" id="{7DA0B58A-A772-49AE-8C8E-867D5CDC35F6}"/>
+                <a16:creationId xmlns:a16="http://schemas.microsoft.com/office/drawing/2014/main" id="{3CA58719-A0E1-4BD6-8238-DBF9C73A7949}"/>
               </a:ext>
             </a:extLst>
           </p:cNvPr>
-          <p:cNvSpPr/>
+          <p:cNvGrpSpPr/>
           <p:nvPr/>
-        </p:nvSpPr>
-        <p:spPr>
+        </p:nvGrpSpPr>
+        <p:grpSpPr>
           <a:xfrm>
             <a:off x="3698543" y="1678675"/>
             <a:ext cx="3159766" cy="2674961"/>
-          </a:xfrm>
-          <a:prstGeom prst="rect">
-            <a:avLst/>
-          </a:prstGeom>
-          <a:solidFill>
-            <a:schemeClr val="bg2"/>
-          </a:solidFill>
-          <a:ln>
-            <a:noFill/>
-          </a:ln>
-        </p:spPr>
-        <p:style>
-          <a:lnRef idx="2">
-            <a:schemeClr val="accent1">
-              <a:shade val="50000"/>
-            </a:schemeClr>
-          </a:lnRef>
-          <a:fillRef idx="1">
-            <a:schemeClr val="accent1"/>
-          </a:fillRef>
-          <a:effectRef idx="0">
-            <a:schemeClr val="accent1"/>
-          </a:effectRef>
-          <a:fontRef idx="minor">
-            <a:schemeClr val="lt1"/>
-          </a:fontRef>
-        </p:style>
-        <p:txBody>
-          <a:bodyPr rtlCol="0" anchor="ctr"/>
-          <a:lstStyle/>
-          <a:p>
-            <a:pPr algn="ctr"/>
-            <a:r>
-              <a:rPr lang="en-US" sz="1200" i="1" dirty="0">
+            <a:chOff x="3698543" y="1678675"/>
+            <a:chExt cx="3159766" cy="2674961"/>
+          </a:xfrm>
+        </p:grpSpPr>
+        <p:sp>
+          <p:nvSpPr>
+            <p:cNvPr id="4" name="Rectangle 3">
+              <a:extLst>
+                <a:ext uri="{FF2B5EF4-FFF2-40B4-BE49-F238E27FC236}">
+                  <a16:creationId xmlns:a16="http://schemas.microsoft.com/office/drawing/2014/main" id="{7DA0B58A-A772-49AE-8C8E-867D5CDC35F6}"/>
+                </a:ext>
+              </a:extLst>
+            </p:cNvPr>
+            <p:cNvSpPr/>
+            <p:nvPr/>
+          </p:nvSpPr>
+          <p:spPr>
+            <a:xfrm>
+              <a:off x="3698543" y="1678675"/>
+              <a:ext cx="3159766" cy="2674961"/>
+            </a:xfrm>
+            <a:prstGeom prst="rect">
+              <a:avLst/>
+            </a:prstGeom>
+            <a:solidFill>
+              <a:schemeClr val="bg2"/>
+            </a:solidFill>
+            <a:ln>
+              <a:noFill/>
+            </a:ln>
+          </p:spPr>
+          <p:style>
+            <a:lnRef idx="2">
+              <a:schemeClr val="accent1">
+                <a:shade val="50000"/>
+              </a:schemeClr>
+            </a:lnRef>
+            <a:fillRef idx="1">
+              <a:schemeClr val="accent1"/>
+            </a:fillRef>
+            <a:effectRef idx="0">
+              <a:schemeClr val="accent1"/>
+            </a:effectRef>
+            <a:fontRef idx="minor">
+              <a:schemeClr val="lt1"/>
+            </a:fontRef>
+          </p:style>
+          <p:txBody>
+            <a:bodyPr rtlCol="0" anchor="ctr"/>
+            <a:lstStyle/>
+            <a:p>
+              <a:pPr algn="ctr"/>
+              <a:r>
+                <a:rPr lang="en-US" sz="1200" i="1" dirty="0">
+                  <a:solidFill>
+                    <a:schemeClr val="tx1"/>
+                  </a:solidFill>
+                </a:rPr>
+                <a:t>    </a:t>
+              </a:r>
+              <a:endParaRPr lang="en-US" i="1" dirty="0">
                 <a:solidFill>
                   <a:schemeClr val="tx1"/>
                 </a:solidFill>
-              </a:rPr>
-              <a:t>    </a:t>
-            </a:r>
-            <a:endParaRPr lang="en-US" i="1" dirty="0">
+              </a:endParaRPr>
+            </a:p>
+          </p:txBody>
+        </p:sp>
+        <p:cxnSp>
+          <p:nvCxnSpPr>
+            <p:cNvPr id="19" name="Straight Arrow Connector 18">
+              <a:extLst>
+                <a:ext uri="{FF2B5EF4-FFF2-40B4-BE49-F238E27FC236}">
+                  <a16:creationId xmlns:a16="http://schemas.microsoft.com/office/drawing/2014/main" id="{4ED1C18D-2477-4BD9-AFB8-D58F42069127}"/>
+                </a:ext>
+              </a:extLst>
+            </p:cNvPr>
+            <p:cNvCxnSpPr>
+              <a:cxnSpLocks/>
+            </p:cNvCxnSpPr>
+            <p:nvPr/>
+          </p:nvCxnSpPr>
+          <p:spPr>
+            <a:xfrm>
+              <a:off x="4995080" y="2365313"/>
+              <a:ext cx="1863229" cy="460193"/>
+            </a:xfrm>
+            <a:prstGeom prst="straightConnector1">
+              <a:avLst/>
+            </a:prstGeom>
+            <a:ln w="9525" cap="flat" cmpd="sng" algn="ctr">
               <a:solidFill>
-                <a:schemeClr val="tx1"/>
+                <a:srgbClr val="FF0000"/>
               </a:solidFill>
-            </a:endParaRPr>
-          </a:p>
-        </p:txBody>
-      </p:sp>
-      <p:cxnSp>
-        <p:nvCxnSpPr>
-          <p:cNvPr id="19" name="Straight Arrow Connector 18">
-            <a:extLst>
-              <a:ext uri="{FF2B5EF4-FFF2-40B4-BE49-F238E27FC236}">
-                <a16:creationId xmlns:a16="http://schemas.microsoft.com/office/drawing/2014/main" id="{4ED1C18D-2477-4BD9-AFB8-D58F42069127}"/>
-              </a:ext>
-            </a:extLst>
-          </p:cNvPr>
-          <p:cNvCxnSpPr>
-            <a:cxnSpLocks/>
-          </p:cNvCxnSpPr>
-          <p:nvPr/>
-        </p:nvCxnSpPr>
-        <p:spPr>
-          <a:xfrm>
-            <a:off x="4995080" y="2365313"/>
-            <a:ext cx="1863229" cy="460193"/>
-          </a:xfrm>
-          <a:prstGeom prst="straightConnector1">
-            <a:avLst/>
-          </a:prstGeom>
-          <a:ln w="9525" cap="flat" cmpd="sng" algn="ctr">
-            <a:solidFill>
-              <a:srgbClr val="FF0000"/>
-            </a:solidFill>
-            <a:prstDash val="solid"/>
-            <a:round/>
-            <a:headEnd type="none" w="med" len="med"/>
-            <a:tailEnd type="stealth" w="med" len="med"/>
-          </a:ln>
-        </p:spPr>
-        <p:style>
-          <a:lnRef idx="0">
-            <a:scrgbClr r="0" g="0" b="0"/>
-          </a:lnRef>
-          <a:fillRef idx="0">
-            <a:scrgbClr r="0" g="0" b="0"/>
-          </a:fillRef>
-          <a:effectRef idx="0">
-            <a:scrgbClr r="0" g="0" b="0"/>
-          </a:effectRef>
-          <a:fontRef idx="minor">
-            <a:schemeClr val="tx1"/>
-          </a:fontRef>
-        </p:style>
-      </p:cxnSp>
-      <p:pic>
-        <p:nvPicPr>
-          <p:cNvPr id="23" name="Picture 22" descr="A picture containing dome&#10;&#10;Description generated with high confidence">
-            <a:extLst>
-              <a:ext uri="{FF2B5EF4-FFF2-40B4-BE49-F238E27FC236}">
-                <a16:creationId xmlns:a16="http://schemas.microsoft.com/office/drawing/2014/main" id="{9A77551B-E954-4D9B-8490-0E5174A79BA9}"/>
-              </a:ext>
-            </a:extLst>
-          </p:cNvPr>
-          <p:cNvPicPr>
-            <a:picLocks noChangeAspect="1"/>
-          </p:cNvPicPr>
-          <p:nvPr/>
-        </p:nvPicPr>
-        <p:blipFill>
-          <a:blip r:embed="rId2">
-            <a:extLst>
-              <a:ext uri="{28A0092B-C50C-407E-A947-70E740481C1C}">
-                <a14:useLocalDpi xmlns:a14="http://schemas.microsoft.com/office/drawing/2010/main" val="0"/>
-              </a:ext>
-            </a:extLst>
-          </a:blip>
-          <a:stretch>
-            <a:fillRect/>
-          </a:stretch>
-        </p:blipFill>
-        <p:spPr>
-          <a:xfrm>
-            <a:off x="4868519" y="2229069"/>
-            <a:ext cx="253122" cy="248060"/>
-          </a:xfrm>
-          <a:prstGeom prst="rect">
-            <a:avLst/>
-          </a:prstGeom>
-          <a:ln>
+              <a:prstDash val="solid"/>
+              <a:round/>
+              <a:headEnd type="none" w="med" len="med"/>
+              <a:tailEnd type="stealth" w="med" len="med"/>
+            </a:ln>
+          </p:spPr>
+          <p:style>
+            <a:lnRef idx="0">
+              <a:scrgbClr r="0" g="0" b="0"/>
+            </a:lnRef>
+            <a:fillRef idx="0">
+              <a:scrgbClr r="0" g="0" b="0"/>
+            </a:fillRef>
+            <a:effectRef idx="0">
+              <a:scrgbClr r="0" g="0" b="0"/>
+            </a:effectRef>
+            <a:fontRef idx="minor">
+              <a:schemeClr val="tx1"/>
+            </a:fontRef>
+          </p:style>
+        </p:cxnSp>
+        <p:pic>
+          <p:nvPicPr>
+            <p:cNvPr id="23" name="Picture 22" descr="A picture containing dome&#10;&#10;Description generated with high confidence">
+              <a:extLst>
+                <a:ext uri="{FF2B5EF4-FFF2-40B4-BE49-F238E27FC236}">
+                  <a16:creationId xmlns:a16="http://schemas.microsoft.com/office/drawing/2014/main" id="{9A77551B-E954-4D9B-8490-0E5174A79BA9}"/>
+                </a:ext>
+              </a:extLst>
+            </p:cNvPr>
+            <p:cNvPicPr>
+              <a:picLocks noChangeAspect="1"/>
+            </p:cNvPicPr>
+            <p:nvPr/>
+          </p:nvPicPr>
+          <p:blipFill>
+            <a:blip r:embed="rId2">
+              <a:extLst>
+                <a:ext uri="{28A0092B-C50C-407E-A947-70E740481C1C}">
+                  <a14:useLocalDpi xmlns:a14="http://schemas.microsoft.com/office/drawing/2010/main" val="0"/>
+                </a:ext>
+              </a:extLst>
+            </a:blip>
+            <a:stretch>
+              <a:fillRect/>
+            </a:stretch>
+          </p:blipFill>
+          <p:spPr>
+            <a:xfrm>
+              <a:off x="4868519" y="2229069"/>
+              <a:ext cx="253122" cy="248060"/>
+            </a:xfrm>
+            <a:prstGeom prst="rect">
+              <a:avLst/>
+            </a:prstGeom>
+            <a:ln>
+              <a:noFill/>
+            </a:ln>
+          </p:spPr>
+        </p:pic>
+        <p:pic>
+          <p:nvPicPr>
+            <p:cNvPr id="3" name="Picture 2" descr="A picture containing dome&#10;&#10;Description generated with high confidence">
+              <a:extLst>
+                <a:ext uri="{FF2B5EF4-FFF2-40B4-BE49-F238E27FC236}">
+                  <a16:creationId xmlns:a16="http://schemas.microsoft.com/office/drawing/2014/main" id="{714E1ED5-E1C2-4C93-94B9-63BBBCE57F2C}"/>
+                </a:ext>
+              </a:extLst>
+            </p:cNvPr>
+            <p:cNvPicPr>
+              <a:picLocks noChangeAspect="1"/>
+            </p:cNvPicPr>
+            <p:nvPr/>
+          </p:nvPicPr>
+          <p:blipFill>
+            <a:blip r:embed="rId2">
+              <a:extLst>
+                <a:ext uri="{28A0092B-C50C-407E-A947-70E740481C1C}">
+                  <a14:useLocalDpi xmlns:a14="http://schemas.microsoft.com/office/drawing/2010/main" val="0"/>
+                </a:ext>
+              </a:extLst>
+            </a:blip>
+            <a:stretch>
+              <a:fillRect/>
+            </a:stretch>
+          </p:blipFill>
+          <p:spPr>
+            <a:xfrm>
+              <a:off x="4868519" y="3161671"/>
+              <a:ext cx="253122" cy="248060"/>
+            </a:xfrm>
+            <a:prstGeom prst="rect">
+              <a:avLst/>
+            </a:prstGeom>
+            <a:ln>
+              <a:noFill/>
+            </a:ln>
+          </p:spPr>
+        </p:pic>
+        <p:cxnSp>
+          <p:nvCxnSpPr>
+            <p:cNvPr id="25" name="Straight Arrow Connector 24">
+              <a:extLst>
+                <a:ext uri="{FF2B5EF4-FFF2-40B4-BE49-F238E27FC236}">
+                  <a16:creationId xmlns:a16="http://schemas.microsoft.com/office/drawing/2014/main" id="{83180B27-26E2-4664-A4A9-2B7C995628D2}"/>
+                </a:ext>
+              </a:extLst>
+            </p:cNvPr>
+            <p:cNvCxnSpPr/>
+            <p:nvPr/>
+          </p:nvCxnSpPr>
+          <p:spPr>
+            <a:xfrm>
+              <a:off x="4995080" y="2353099"/>
+              <a:ext cx="1020171" cy="0"/>
+            </a:xfrm>
+            <a:prstGeom prst="straightConnector1">
+              <a:avLst/>
+            </a:prstGeom>
+            <a:ln w="9525" cap="flat" cmpd="sng" algn="ctr">
+              <a:solidFill>
+                <a:srgbClr val="FF0000"/>
+              </a:solidFill>
+              <a:prstDash val="dash"/>
+              <a:round/>
+              <a:headEnd type="none" w="med" len="med"/>
+              <a:tailEnd type="stealth" w="med" len="med"/>
+            </a:ln>
+          </p:spPr>
+          <p:style>
+            <a:lnRef idx="0">
+              <a:scrgbClr r="0" g="0" b="0"/>
+            </a:lnRef>
+            <a:fillRef idx="0">
+              <a:scrgbClr r="0" g="0" b="0"/>
+            </a:fillRef>
+            <a:effectRef idx="0">
+              <a:scrgbClr r="0" g="0" b="0"/>
+            </a:effectRef>
+            <a:fontRef idx="minor">
+              <a:schemeClr val="tx1"/>
+            </a:fontRef>
+          </p:style>
+        </p:cxnSp>
+        <p:cxnSp>
+          <p:nvCxnSpPr>
+            <p:cNvPr id="26" name="Straight Arrow Connector 25">
+              <a:extLst>
+                <a:ext uri="{FF2B5EF4-FFF2-40B4-BE49-F238E27FC236}">
+                  <a16:creationId xmlns:a16="http://schemas.microsoft.com/office/drawing/2014/main" id="{FAD5A413-3BEB-4C7E-9B15-0E382E804A85}"/>
+                </a:ext>
+              </a:extLst>
+            </p:cNvPr>
+            <p:cNvCxnSpPr/>
+            <p:nvPr/>
+          </p:nvCxnSpPr>
+          <p:spPr>
+            <a:xfrm>
+              <a:off x="4004480" y="3290247"/>
+              <a:ext cx="1020171" cy="0"/>
+            </a:xfrm>
+            <a:prstGeom prst="straightConnector1">
+              <a:avLst/>
+            </a:prstGeom>
+            <a:ln w="9525" cap="flat" cmpd="sng" algn="ctr">
+              <a:solidFill>
+                <a:srgbClr val="FF0000"/>
+              </a:solidFill>
+              <a:prstDash val="dash"/>
+              <a:round/>
+              <a:headEnd type="stealth" w="med" len="med"/>
+              <a:tailEnd type="none" w="med" len="med"/>
+            </a:ln>
+          </p:spPr>
+          <p:style>
+            <a:lnRef idx="0">
+              <a:scrgbClr r="0" g="0" b="0"/>
+            </a:lnRef>
+            <a:fillRef idx="0">
+              <a:scrgbClr r="0" g="0" b="0"/>
+            </a:fillRef>
+            <a:effectRef idx="0">
+              <a:scrgbClr r="0" g="0" b="0"/>
+            </a:effectRef>
+            <a:fontRef idx="minor">
+              <a:schemeClr val="tx1"/>
+            </a:fontRef>
+          </p:style>
+        </p:cxnSp>
+        <p:cxnSp>
+          <p:nvCxnSpPr>
+            <p:cNvPr id="28" name="Straight Arrow Connector 27">
+              <a:extLst>
+                <a:ext uri="{FF2B5EF4-FFF2-40B4-BE49-F238E27FC236}">
+                  <a16:creationId xmlns:a16="http://schemas.microsoft.com/office/drawing/2014/main" id="{9794B5D6-8D01-4476-BAA8-E8CDFE09DD9F}"/>
+                </a:ext>
+              </a:extLst>
+            </p:cNvPr>
+            <p:cNvCxnSpPr>
+              <a:cxnSpLocks/>
+            </p:cNvCxnSpPr>
+            <p:nvPr/>
+          </p:nvCxnSpPr>
+          <p:spPr>
+            <a:xfrm>
+              <a:off x="4995080" y="2353099"/>
+              <a:ext cx="0" cy="472408"/>
+            </a:xfrm>
+            <a:prstGeom prst="straightConnector1">
+              <a:avLst/>
+            </a:prstGeom>
+            <a:ln w="9525" cap="flat" cmpd="sng" algn="ctr">
+              <a:solidFill>
+                <a:srgbClr val="FF0000"/>
+              </a:solidFill>
+              <a:prstDash val="dash"/>
+              <a:round/>
+              <a:headEnd type="none" w="med" len="med"/>
+              <a:tailEnd type="stealth" w="med" len="med"/>
+            </a:ln>
+          </p:spPr>
+          <p:style>
+            <a:lnRef idx="0">
+              <a:scrgbClr r="0" g="0" b="0"/>
+            </a:lnRef>
+            <a:fillRef idx="0">
+              <a:scrgbClr r="0" g="0" b="0"/>
+            </a:fillRef>
+            <a:effectRef idx="0">
+              <a:scrgbClr r="0" g="0" b="0"/>
+            </a:effectRef>
+            <a:fontRef idx="minor">
+              <a:schemeClr val="tx1"/>
+            </a:fontRef>
+          </p:style>
+        </p:cxnSp>
+        <p:cxnSp>
+          <p:nvCxnSpPr>
+            <p:cNvPr id="29" name="Straight Arrow Connector 28">
+              <a:extLst>
+                <a:ext uri="{FF2B5EF4-FFF2-40B4-BE49-F238E27FC236}">
+                  <a16:creationId xmlns:a16="http://schemas.microsoft.com/office/drawing/2014/main" id="{DD05155B-1D2A-4347-BB70-F0C493D8A25E}"/>
+                </a:ext>
+              </a:extLst>
+            </p:cNvPr>
+            <p:cNvCxnSpPr/>
+            <p:nvPr/>
+          </p:nvCxnSpPr>
+          <p:spPr>
+            <a:xfrm>
+              <a:off x="5000766" y="3285700"/>
+              <a:ext cx="0" cy="472408"/>
+            </a:xfrm>
+            <a:prstGeom prst="straightConnector1">
+              <a:avLst/>
+            </a:prstGeom>
+            <a:ln w="9525" cap="flat" cmpd="sng" algn="ctr">
+              <a:solidFill>
+                <a:srgbClr val="FF0000"/>
+              </a:solidFill>
+              <a:prstDash val="dash"/>
+              <a:round/>
+              <a:headEnd type="none" w="med" len="med"/>
+              <a:tailEnd type="stealth" w="med" len="med"/>
+            </a:ln>
+          </p:spPr>
+          <p:style>
+            <a:lnRef idx="0">
+              <a:scrgbClr r="0" g="0" b="0"/>
+            </a:lnRef>
+            <a:fillRef idx="0">
+              <a:scrgbClr r="0" g="0" b="0"/>
+            </a:fillRef>
+            <a:effectRef idx="0">
+              <a:scrgbClr r="0" g="0" b="0"/>
+            </a:effectRef>
+            <a:fontRef idx="minor">
+              <a:schemeClr val="tx1"/>
+            </a:fontRef>
+          </p:style>
+        </p:cxnSp>
+        <p:cxnSp>
+          <p:nvCxnSpPr>
+            <p:cNvPr id="22" name="Straight Arrow Connector 21">
+              <a:extLst>
+                <a:ext uri="{FF2B5EF4-FFF2-40B4-BE49-F238E27FC236}">
+                  <a16:creationId xmlns:a16="http://schemas.microsoft.com/office/drawing/2014/main" id="{DE0BB302-A119-410C-BF8B-B03E2CB67D30}"/>
+                </a:ext>
+              </a:extLst>
+            </p:cNvPr>
+            <p:cNvCxnSpPr>
+              <a:cxnSpLocks/>
+            </p:cNvCxnSpPr>
+            <p:nvPr/>
+          </p:nvCxnSpPr>
+          <p:spPr>
+            <a:xfrm flipH="1">
+              <a:off x="4995080" y="2825507"/>
+              <a:ext cx="1863229" cy="460193"/>
+            </a:xfrm>
+            <a:prstGeom prst="straightConnector1">
+              <a:avLst/>
+            </a:prstGeom>
+            <a:ln w="9525" cap="flat" cmpd="sng" algn="ctr">
+              <a:solidFill>
+                <a:srgbClr val="FF0000"/>
+              </a:solidFill>
+              <a:prstDash val="solid"/>
+              <a:round/>
+              <a:headEnd type="none" w="med" len="med"/>
+              <a:tailEnd type="stealth" w="med" len="med"/>
+            </a:ln>
+          </p:spPr>
+          <p:style>
+            <a:lnRef idx="0">
+              <a:scrgbClr r="0" g="0" b="0"/>
+            </a:lnRef>
+            <a:fillRef idx="0">
+              <a:scrgbClr r="0" g="0" b="0"/>
+            </a:fillRef>
+            <a:effectRef idx="0">
+              <a:scrgbClr r="0" g="0" b="0"/>
+            </a:effectRef>
+            <a:fontRef idx="minor">
+              <a:schemeClr val="tx1"/>
+            </a:fontRef>
+          </p:style>
+        </p:cxnSp>
+        <p:sp>
+          <p:nvSpPr>
+            <p:cNvPr id="30" name="TextBox 29">
+              <a:extLst>
+                <a:ext uri="{FF2B5EF4-FFF2-40B4-BE49-F238E27FC236}">
+                  <a16:creationId xmlns:a16="http://schemas.microsoft.com/office/drawing/2014/main" id="{7305083D-0B7B-4307-B6B2-69FA35BAC0FE}"/>
+                </a:ext>
+              </a:extLst>
+            </p:cNvPr>
+            <p:cNvSpPr txBox="1"/>
+            <p:nvPr/>
+          </p:nvSpPr>
+          <p:spPr>
+            <a:xfrm>
+              <a:off x="5319188" y="2087393"/>
+              <a:ext cx="357790" cy="307777"/>
+            </a:xfrm>
+            <a:prstGeom prst="rect">
+              <a:avLst/>
+            </a:prstGeom>
             <a:noFill/>
-          </a:ln>
-        </p:spPr>
-      </p:pic>
-      <p:pic>
-        <p:nvPicPr>
-          <p:cNvPr id="3" name="Picture 2" descr="A picture containing dome&#10;&#10;Description generated with high confidence">
-            <a:extLst>
-              <a:ext uri="{FF2B5EF4-FFF2-40B4-BE49-F238E27FC236}">
-                <a16:creationId xmlns:a16="http://schemas.microsoft.com/office/drawing/2014/main" id="{714E1ED5-E1C2-4C93-94B9-63BBBCE57F2C}"/>
-              </a:ext>
-            </a:extLst>
-          </p:cNvPr>
-          <p:cNvPicPr>
-            <a:picLocks noChangeAspect="1"/>
-          </p:cNvPicPr>
-          <p:nvPr/>
-        </p:nvPicPr>
-        <p:blipFill>
-          <a:blip r:embed="rId2">
-            <a:extLst>
-              <a:ext uri="{28A0092B-C50C-407E-A947-70E740481C1C}">
-                <a14:useLocalDpi xmlns:a14="http://schemas.microsoft.com/office/drawing/2010/main" val="0"/>
-              </a:ext>
-            </a:extLst>
-          </a:blip>
-          <a:stretch>
-            <a:fillRect/>
-          </a:stretch>
-        </p:blipFill>
-        <p:spPr>
-          <a:xfrm>
-            <a:off x="4868519" y="3161671"/>
-            <a:ext cx="253122" cy="248060"/>
-          </a:xfrm>
-          <a:prstGeom prst="rect">
-            <a:avLst/>
-          </a:prstGeom>
-          <a:ln>
+          </p:spPr>
+          <p:txBody>
+            <a:bodyPr wrap="none" rtlCol="0">
+              <a:spAutoFit/>
+            </a:bodyPr>
+            <a:lstStyle/>
+            <a:p>
+              <a:r>
+                <a:rPr lang="en-US" sz="1400" i="1" dirty="0"/>
+                <a:t>dx</a:t>
+              </a:r>
+              <a:endParaRPr lang="en-US" i="1" dirty="0"/>
+            </a:p>
+          </p:txBody>
+        </p:sp>
+        <p:sp>
+          <p:nvSpPr>
+            <p:cNvPr id="31" name="TextBox 30">
+              <a:extLst>
+                <a:ext uri="{FF2B5EF4-FFF2-40B4-BE49-F238E27FC236}">
+                  <a16:creationId xmlns:a16="http://schemas.microsoft.com/office/drawing/2014/main" id="{EF05702E-6AE5-48CE-BC9A-8A29D71B53A4}"/>
+                </a:ext>
+              </a:extLst>
+            </p:cNvPr>
+            <p:cNvSpPr txBox="1"/>
+            <p:nvPr/>
+          </p:nvSpPr>
+          <p:spPr>
+            <a:xfrm>
+              <a:off x="4219018" y="3255842"/>
+              <a:ext cx="410690" cy="307777"/>
+            </a:xfrm>
+            <a:prstGeom prst="rect">
+              <a:avLst/>
+            </a:prstGeom>
             <a:noFill/>
-          </a:ln>
-        </p:spPr>
-      </p:pic>
-      <p:cxnSp>
-        <p:nvCxnSpPr>
-          <p:cNvPr id="25" name="Straight Arrow Connector 24">
-            <a:extLst>
-              <a:ext uri="{FF2B5EF4-FFF2-40B4-BE49-F238E27FC236}">
-                <a16:creationId xmlns:a16="http://schemas.microsoft.com/office/drawing/2014/main" id="{83180B27-26E2-4664-A4A9-2B7C995628D2}"/>
-              </a:ext>
-            </a:extLst>
-          </p:cNvPr>
-          <p:cNvCxnSpPr/>
-          <p:nvPr/>
-        </p:nvCxnSpPr>
-        <p:spPr>
-          <a:xfrm>
-            <a:off x="4995080" y="2353099"/>
-            <a:ext cx="1020171" cy="0"/>
-          </a:xfrm>
-          <a:prstGeom prst="straightConnector1">
-            <a:avLst/>
-          </a:prstGeom>
-          <a:ln w="9525" cap="flat" cmpd="sng" algn="ctr">
-            <a:solidFill>
-              <a:srgbClr val="FF0000"/>
-            </a:solidFill>
-            <a:prstDash val="dash"/>
-            <a:round/>
-            <a:headEnd type="none" w="med" len="med"/>
-            <a:tailEnd type="stealth" w="med" len="med"/>
-          </a:ln>
-        </p:spPr>
-        <p:style>
-          <a:lnRef idx="0">
-            <a:scrgbClr r="0" g="0" b="0"/>
-          </a:lnRef>
-          <a:fillRef idx="0">
-            <a:scrgbClr r="0" g="0" b="0"/>
-          </a:fillRef>
-          <a:effectRef idx="0">
-            <a:scrgbClr r="0" g="0" b="0"/>
-          </a:effectRef>
-          <a:fontRef idx="minor">
-            <a:schemeClr val="tx1"/>
-          </a:fontRef>
-        </p:style>
-      </p:cxnSp>
-      <p:cxnSp>
-        <p:nvCxnSpPr>
-          <p:cNvPr id="26" name="Straight Arrow Connector 25">
-            <a:extLst>
-              <a:ext uri="{FF2B5EF4-FFF2-40B4-BE49-F238E27FC236}">
-                <a16:creationId xmlns:a16="http://schemas.microsoft.com/office/drawing/2014/main" id="{FAD5A413-3BEB-4C7E-9B15-0E382E804A85}"/>
-              </a:ext>
-            </a:extLst>
-          </p:cNvPr>
-          <p:cNvCxnSpPr/>
-          <p:nvPr/>
-        </p:nvCxnSpPr>
-        <p:spPr>
-          <a:xfrm>
-            <a:off x="4004480" y="3290247"/>
-            <a:ext cx="1020171" cy="0"/>
-          </a:xfrm>
-          <a:prstGeom prst="straightConnector1">
-            <a:avLst/>
-          </a:prstGeom>
-          <a:ln w="9525" cap="flat" cmpd="sng" algn="ctr">
-            <a:solidFill>
-              <a:srgbClr val="FF0000"/>
-            </a:solidFill>
-            <a:prstDash val="dash"/>
-            <a:round/>
-            <a:headEnd type="stealth" w="med" len="med"/>
-            <a:tailEnd type="none" w="med" len="med"/>
-          </a:ln>
-        </p:spPr>
-        <p:style>
-          <a:lnRef idx="0">
-            <a:scrgbClr r="0" g="0" b="0"/>
-          </a:lnRef>
-          <a:fillRef idx="0">
-            <a:scrgbClr r="0" g="0" b="0"/>
-          </a:fillRef>
-          <a:effectRef idx="0">
-            <a:scrgbClr r="0" g="0" b="0"/>
-          </a:effectRef>
-          <a:fontRef idx="minor">
-            <a:schemeClr val="tx1"/>
-          </a:fontRef>
-        </p:style>
-      </p:cxnSp>
-      <p:cxnSp>
-        <p:nvCxnSpPr>
-          <p:cNvPr id="28" name="Straight Arrow Connector 27">
-            <a:extLst>
-              <a:ext uri="{FF2B5EF4-FFF2-40B4-BE49-F238E27FC236}">
-                <a16:creationId xmlns:a16="http://schemas.microsoft.com/office/drawing/2014/main" id="{9794B5D6-8D01-4476-BAA8-E8CDFE09DD9F}"/>
-              </a:ext>
-            </a:extLst>
-          </p:cNvPr>
-          <p:cNvCxnSpPr>
-            <a:cxnSpLocks/>
-          </p:cNvCxnSpPr>
-          <p:nvPr/>
-        </p:nvCxnSpPr>
-        <p:spPr>
-          <a:xfrm>
-            <a:off x="4995080" y="2353099"/>
-            <a:ext cx="0" cy="472408"/>
-          </a:xfrm>
-          <a:prstGeom prst="straightConnector1">
-            <a:avLst/>
-          </a:prstGeom>
-          <a:ln w="9525" cap="flat" cmpd="sng" algn="ctr">
-            <a:solidFill>
-              <a:srgbClr val="FF0000"/>
-            </a:solidFill>
-            <a:prstDash val="dash"/>
-            <a:round/>
-            <a:headEnd type="none" w="med" len="med"/>
-            <a:tailEnd type="stealth" w="med" len="med"/>
-          </a:ln>
-        </p:spPr>
-        <p:style>
-          <a:lnRef idx="0">
-            <a:scrgbClr r="0" g="0" b="0"/>
-          </a:lnRef>
-          <a:fillRef idx="0">
-            <a:scrgbClr r="0" g="0" b="0"/>
-          </a:fillRef>
-          <a:effectRef idx="0">
-            <a:scrgbClr r="0" g="0" b="0"/>
-          </a:effectRef>
-          <a:fontRef idx="minor">
-            <a:schemeClr val="tx1"/>
-          </a:fontRef>
-        </p:style>
-      </p:cxnSp>
-      <p:cxnSp>
-        <p:nvCxnSpPr>
-          <p:cNvPr id="29" name="Straight Arrow Connector 28">
-            <a:extLst>
-              <a:ext uri="{FF2B5EF4-FFF2-40B4-BE49-F238E27FC236}">
-                <a16:creationId xmlns:a16="http://schemas.microsoft.com/office/drawing/2014/main" id="{DD05155B-1D2A-4347-BB70-F0C493D8A25E}"/>
-              </a:ext>
-            </a:extLst>
-          </p:cNvPr>
-          <p:cNvCxnSpPr/>
-          <p:nvPr/>
-        </p:nvCxnSpPr>
-        <p:spPr>
-          <a:xfrm>
-            <a:off x="5000766" y="3285700"/>
-            <a:ext cx="0" cy="472408"/>
-          </a:xfrm>
-          <a:prstGeom prst="straightConnector1">
-            <a:avLst/>
-          </a:prstGeom>
-          <a:ln w="9525" cap="flat" cmpd="sng" algn="ctr">
-            <a:solidFill>
-              <a:srgbClr val="FF0000"/>
-            </a:solidFill>
-            <a:prstDash val="dash"/>
-            <a:round/>
-            <a:headEnd type="none" w="med" len="med"/>
-            <a:tailEnd type="stealth" w="med" len="med"/>
-          </a:ln>
-        </p:spPr>
-        <p:style>
-          <a:lnRef idx="0">
-            <a:scrgbClr r="0" g="0" b="0"/>
-          </a:lnRef>
-          <a:fillRef idx="0">
-            <a:scrgbClr r="0" g="0" b="0"/>
-          </a:fillRef>
-          <a:effectRef idx="0">
-            <a:scrgbClr r="0" g="0" b="0"/>
-          </a:effectRef>
-          <a:fontRef idx="minor">
-            <a:schemeClr val="tx1"/>
-          </a:fontRef>
-        </p:style>
-      </p:cxnSp>
-      <p:cxnSp>
-        <p:nvCxnSpPr>
-          <p:cNvPr id="22" name="Straight Arrow Connector 21">
-            <a:extLst>
-              <a:ext uri="{FF2B5EF4-FFF2-40B4-BE49-F238E27FC236}">
-                <a16:creationId xmlns:a16="http://schemas.microsoft.com/office/drawing/2014/main" id="{DE0BB302-A119-410C-BF8B-B03E2CB67D30}"/>
-              </a:ext>
-            </a:extLst>
-          </p:cNvPr>
-          <p:cNvCxnSpPr>
-            <a:cxnSpLocks/>
-          </p:cNvCxnSpPr>
-          <p:nvPr/>
-        </p:nvCxnSpPr>
-        <p:spPr>
-          <a:xfrm flipH="1">
-            <a:off x="4995080" y="2825507"/>
-            <a:ext cx="1863229" cy="460193"/>
-          </a:xfrm>
-          <a:prstGeom prst="straightConnector1">
-            <a:avLst/>
-          </a:prstGeom>
-          <a:ln w="9525" cap="flat" cmpd="sng" algn="ctr">
-            <a:solidFill>
-              <a:srgbClr val="FF0000"/>
-            </a:solidFill>
-            <a:prstDash val="solid"/>
-            <a:round/>
-            <a:headEnd type="none" w="med" len="med"/>
-            <a:tailEnd type="stealth" w="med" len="med"/>
-          </a:ln>
-        </p:spPr>
-        <p:style>
-          <a:lnRef idx="0">
-            <a:scrgbClr r="0" g="0" b="0"/>
-          </a:lnRef>
-          <a:fillRef idx="0">
-            <a:scrgbClr r="0" g="0" b="0"/>
-          </a:fillRef>
-          <a:effectRef idx="0">
-            <a:scrgbClr r="0" g="0" b="0"/>
-          </a:effectRef>
-          <a:fontRef idx="minor">
-            <a:schemeClr val="tx1"/>
-          </a:fontRef>
-        </p:style>
-      </p:cxnSp>
-      <p:sp>
-        <p:nvSpPr>
-          <p:cNvPr id="30" name="TextBox 29">
-            <a:extLst>
-              <a:ext uri="{FF2B5EF4-FFF2-40B4-BE49-F238E27FC236}">
-                <a16:creationId xmlns:a16="http://schemas.microsoft.com/office/drawing/2014/main" id="{7305083D-0B7B-4307-B6B2-69FA35BAC0FE}"/>
-              </a:ext>
-            </a:extLst>
-          </p:cNvPr>
-          <p:cNvSpPr txBox="1"/>
-          <p:nvPr/>
-        </p:nvSpPr>
-        <p:spPr>
-          <a:xfrm>
-            <a:off x="5319188" y="2087393"/>
-            <a:ext cx="357790" cy="307777"/>
-          </a:xfrm>
-          <a:prstGeom prst="rect">
-            <a:avLst/>
-          </a:prstGeom>
-          <a:noFill/>
-        </p:spPr>
-        <p:txBody>
-          <a:bodyPr wrap="none" rtlCol="0">
-            <a:spAutoFit/>
-          </a:bodyPr>
-          <a:lstStyle/>
-          <a:p>
-            <a:r>
-              <a:rPr lang="en-US" sz="1400" i="1" dirty="0"/>
-              <a:t>dx</a:t>
-            </a:r>
-            <a:endParaRPr lang="en-US" i="1" dirty="0"/>
-          </a:p>
-        </p:txBody>
-      </p:sp>
-      <p:sp>
-        <p:nvSpPr>
-          <p:cNvPr id="31" name="TextBox 30">
-            <a:extLst>
-              <a:ext uri="{FF2B5EF4-FFF2-40B4-BE49-F238E27FC236}">
-                <a16:creationId xmlns:a16="http://schemas.microsoft.com/office/drawing/2014/main" id="{EF05702E-6AE5-48CE-BC9A-8A29D71B53A4}"/>
-              </a:ext>
-            </a:extLst>
-          </p:cNvPr>
-          <p:cNvSpPr txBox="1"/>
-          <p:nvPr/>
-        </p:nvSpPr>
-        <p:spPr>
-          <a:xfrm>
-            <a:off x="4219018" y="3255842"/>
-            <a:ext cx="410690" cy="307777"/>
-          </a:xfrm>
-          <a:prstGeom prst="rect">
-            <a:avLst/>
-          </a:prstGeom>
-          <a:noFill/>
-        </p:spPr>
-        <p:txBody>
-          <a:bodyPr wrap="none" rtlCol="0">
-            <a:spAutoFit/>
-          </a:bodyPr>
-          <a:lstStyle/>
-          <a:p>
-            <a:r>
-              <a:rPr lang="en-US" sz="1400" i="1" dirty="0"/>
-              <a:t>-dx</a:t>
-            </a:r>
-            <a:endParaRPr lang="en-US" i="1" dirty="0"/>
-          </a:p>
-        </p:txBody>
-      </p:sp>
-      <p:sp>
-        <p:nvSpPr>
-          <p:cNvPr id="32" name="TextBox 31">
-            <a:extLst>
-              <a:ext uri="{FF2B5EF4-FFF2-40B4-BE49-F238E27FC236}">
-                <a16:creationId xmlns:a16="http://schemas.microsoft.com/office/drawing/2014/main" id="{F005720F-7B71-4921-A832-9941990EF980}"/>
-              </a:ext>
-            </a:extLst>
-          </p:cNvPr>
-          <p:cNvSpPr txBox="1"/>
-          <p:nvPr/>
-        </p:nvSpPr>
-        <p:spPr>
-          <a:xfrm>
-            <a:off x="4942746" y="3343314"/>
-            <a:ext cx="357790" cy="307777"/>
-          </a:xfrm>
-          <a:prstGeom prst="rect">
-            <a:avLst/>
-          </a:prstGeom>
-          <a:noFill/>
-        </p:spPr>
-        <p:txBody>
-          <a:bodyPr wrap="none" rtlCol="0">
-            <a:spAutoFit/>
-          </a:bodyPr>
-          <a:lstStyle/>
-          <a:p>
-            <a:r>
-              <a:rPr lang="en-US" sz="1400" i="1" dirty="0" err="1"/>
-              <a:t>dy</a:t>
-            </a:r>
-            <a:endParaRPr lang="en-US" i="1" dirty="0"/>
-          </a:p>
-        </p:txBody>
-      </p:sp>
-      <p:sp>
-        <p:nvSpPr>
-          <p:cNvPr id="33" name="TextBox 32">
-            <a:extLst>
-              <a:ext uri="{FF2B5EF4-FFF2-40B4-BE49-F238E27FC236}">
-                <a16:creationId xmlns:a16="http://schemas.microsoft.com/office/drawing/2014/main" id="{2116B6E3-C398-4E91-AA67-660345EA54A8}"/>
-              </a:ext>
-            </a:extLst>
-          </p:cNvPr>
-          <p:cNvSpPr txBox="1"/>
-          <p:nvPr/>
-        </p:nvSpPr>
-        <p:spPr>
-          <a:xfrm>
-            <a:off x="4942746" y="2420520"/>
-            <a:ext cx="357790" cy="307777"/>
-          </a:xfrm>
-          <a:prstGeom prst="rect">
-            <a:avLst/>
-          </a:prstGeom>
-          <a:noFill/>
-        </p:spPr>
-        <p:txBody>
-          <a:bodyPr wrap="none" rtlCol="0">
-            <a:spAutoFit/>
-          </a:bodyPr>
-          <a:lstStyle/>
-          <a:p>
-            <a:r>
-              <a:rPr lang="en-US" sz="1400" i="1" dirty="0" err="1"/>
-              <a:t>dy</a:t>
-            </a:r>
-            <a:endParaRPr lang="en-US" i="1" dirty="0"/>
-          </a:p>
-        </p:txBody>
-      </p:sp>
+          </p:spPr>
+          <p:txBody>
+            <a:bodyPr wrap="none" rtlCol="0">
+              <a:spAutoFit/>
+            </a:bodyPr>
+            <a:lstStyle/>
+            <a:p>
+              <a:r>
+                <a:rPr lang="en-US" sz="1400" i="1" dirty="0"/>
+                <a:t>-dx</a:t>
+              </a:r>
+              <a:endParaRPr lang="en-US" i="1" dirty="0"/>
+            </a:p>
+          </p:txBody>
+        </p:sp>
+        <p:sp>
+          <p:nvSpPr>
+            <p:cNvPr id="32" name="TextBox 31">
+              <a:extLst>
+                <a:ext uri="{FF2B5EF4-FFF2-40B4-BE49-F238E27FC236}">
+                  <a16:creationId xmlns:a16="http://schemas.microsoft.com/office/drawing/2014/main" id="{F005720F-7B71-4921-A832-9941990EF980}"/>
+                </a:ext>
+              </a:extLst>
+            </p:cNvPr>
+            <p:cNvSpPr txBox="1"/>
+            <p:nvPr/>
+          </p:nvSpPr>
+          <p:spPr>
+            <a:xfrm>
+              <a:off x="4942746" y="3343314"/>
+              <a:ext cx="357790" cy="307777"/>
+            </a:xfrm>
+            <a:prstGeom prst="rect">
+              <a:avLst/>
+            </a:prstGeom>
+            <a:noFill/>
+          </p:spPr>
+          <p:txBody>
+            <a:bodyPr wrap="none" rtlCol="0">
+              <a:spAutoFit/>
+            </a:bodyPr>
+            <a:lstStyle/>
+            <a:p>
+              <a:r>
+                <a:rPr lang="en-US" sz="1400" i="1" dirty="0" err="1"/>
+                <a:t>dy</a:t>
+              </a:r>
+              <a:endParaRPr lang="en-US" i="1" dirty="0"/>
+            </a:p>
+          </p:txBody>
+        </p:sp>
+        <p:sp>
+          <p:nvSpPr>
+            <p:cNvPr id="33" name="TextBox 32">
+              <a:extLst>
+                <a:ext uri="{FF2B5EF4-FFF2-40B4-BE49-F238E27FC236}">
+                  <a16:creationId xmlns:a16="http://schemas.microsoft.com/office/drawing/2014/main" id="{2116B6E3-C398-4E91-AA67-660345EA54A8}"/>
+                </a:ext>
+              </a:extLst>
+            </p:cNvPr>
+            <p:cNvSpPr txBox="1"/>
+            <p:nvPr/>
+          </p:nvSpPr>
+          <p:spPr>
+            <a:xfrm>
+              <a:off x="4942746" y="2420520"/>
+              <a:ext cx="357790" cy="307777"/>
+            </a:xfrm>
+            <a:prstGeom prst="rect">
+              <a:avLst/>
+            </a:prstGeom>
+            <a:noFill/>
+          </p:spPr>
+          <p:txBody>
+            <a:bodyPr wrap="none" rtlCol="0">
+              <a:spAutoFit/>
+            </a:bodyPr>
+            <a:lstStyle/>
+            <a:p>
+              <a:r>
+                <a:rPr lang="en-US" sz="1400" i="1" dirty="0" err="1"/>
+                <a:t>dy</a:t>
+              </a:r>
+              <a:endParaRPr lang="en-US" i="1" dirty="0"/>
+            </a:p>
+          </p:txBody>
+        </p:sp>
+      </p:grpSp>
     </p:spTree>
     <p:extLst>
       <p:ext uri="{BB962C8B-B14F-4D97-AF65-F5344CB8AC3E}">
         <p14:creationId xmlns:p14="http://schemas.microsoft.com/office/powerpoint/2010/main" val="364797783"/>
+      </p:ext>
+    </p:extLst>
+  </p:cSld>
+  <p:clrMapOvr>
+    <a:masterClrMapping/>
+  </p:clrMapOvr>
+</p:sld>
+</file>
+
+<file path=ppt/slides/slide14.xml><?xml version="1.0" encoding="utf-8"?>
+<p:sld xmlns:a="http://schemas.openxmlformats.org/drawingml/2006/main" xmlns:r="http://schemas.openxmlformats.org/officeDocument/2006/relationships" xmlns:p="http://schemas.openxmlformats.org/presentationml/2006/main">
+  <p:cSld>
+    <p:spTree>
+      <p:nvGrpSpPr>
+        <p:cNvPr id="1" name=""/>
+        <p:cNvGrpSpPr/>
+        <p:nvPr/>
+      </p:nvGrpSpPr>
+      <p:grpSpPr>
+        <a:xfrm>
+          <a:off x="0" y="0"/>
+          <a:ext cx="0" cy="0"/>
+          <a:chOff x="0" y="0"/>
+          <a:chExt cx="0" cy="0"/>
+        </a:xfrm>
+      </p:grpSpPr>
+      <p:grpSp>
+        <p:nvGrpSpPr>
+          <p:cNvPr id="29" name="Group 28">
+            <a:extLst>
+              <a:ext uri="{FF2B5EF4-FFF2-40B4-BE49-F238E27FC236}">
+                <a16:creationId xmlns:a16="http://schemas.microsoft.com/office/drawing/2014/main" id="{1FF66948-3C15-4F68-81FC-2BE78F41ACF9}"/>
+              </a:ext>
+            </a:extLst>
+          </p:cNvPr>
+          <p:cNvGrpSpPr/>
+          <p:nvPr/>
+        </p:nvGrpSpPr>
+        <p:grpSpPr>
+          <a:xfrm>
+            <a:off x="2445011" y="2527363"/>
+            <a:ext cx="4799380" cy="2165192"/>
+            <a:chOff x="2445011" y="2527363"/>
+            <a:chExt cx="4799380" cy="2165192"/>
+          </a:xfrm>
+        </p:grpSpPr>
+        <p:sp>
+          <p:nvSpPr>
+            <p:cNvPr id="4" name="Oval 3">
+              <a:extLst>
+                <a:ext uri="{FF2B5EF4-FFF2-40B4-BE49-F238E27FC236}">
+                  <a16:creationId xmlns:a16="http://schemas.microsoft.com/office/drawing/2014/main" id="{465341C1-8A04-47F2-8691-F53B92B075DA}"/>
+                </a:ext>
+              </a:extLst>
+            </p:cNvPr>
+            <p:cNvSpPr/>
+            <p:nvPr/>
+          </p:nvSpPr>
+          <p:spPr>
+            <a:xfrm>
+              <a:off x="5345373" y="2870579"/>
+              <a:ext cx="1082723" cy="1078173"/>
+            </a:xfrm>
+            <a:prstGeom prst="ellipse">
+              <a:avLst/>
+            </a:prstGeom>
+            <a:solidFill>
+              <a:schemeClr val="bg2"/>
+            </a:solidFill>
+            <a:ln>
+              <a:solidFill>
+                <a:schemeClr val="bg2">
+                  <a:lumMod val="90000"/>
+                </a:schemeClr>
+              </a:solidFill>
+            </a:ln>
+          </p:spPr>
+          <p:style>
+            <a:lnRef idx="2">
+              <a:schemeClr val="accent1">
+                <a:shade val="50000"/>
+              </a:schemeClr>
+            </a:lnRef>
+            <a:fillRef idx="1">
+              <a:schemeClr val="accent1"/>
+            </a:fillRef>
+            <a:effectRef idx="0">
+              <a:schemeClr val="accent1"/>
+            </a:effectRef>
+            <a:fontRef idx="minor">
+              <a:schemeClr val="lt1"/>
+            </a:fontRef>
+          </p:style>
+          <p:txBody>
+            <a:bodyPr rtlCol="0" anchor="ctr"/>
+            <a:lstStyle/>
+            <a:p>
+              <a:pPr algn="ctr"/>
+              <a:endParaRPr lang="en-US"/>
+            </a:p>
+          </p:txBody>
+        </p:sp>
+        <p:sp>
+          <p:nvSpPr>
+            <p:cNvPr id="12" name="Oval 11">
+              <a:extLst>
+                <a:ext uri="{FF2B5EF4-FFF2-40B4-BE49-F238E27FC236}">
+                  <a16:creationId xmlns:a16="http://schemas.microsoft.com/office/drawing/2014/main" id="{99F766E6-939B-4B26-B6B5-D91960A7D6F7}"/>
+                </a:ext>
+              </a:extLst>
+            </p:cNvPr>
+            <p:cNvSpPr/>
+            <p:nvPr/>
+          </p:nvSpPr>
+          <p:spPr>
+            <a:xfrm>
+              <a:off x="4546979" y="3614382"/>
+              <a:ext cx="1082723" cy="1078173"/>
+            </a:xfrm>
+            <a:prstGeom prst="ellipse">
+              <a:avLst/>
+            </a:prstGeom>
+            <a:solidFill>
+              <a:schemeClr val="bg2"/>
+            </a:solidFill>
+            <a:ln>
+              <a:solidFill>
+                <a:schemeClr val="bg2">
+                  <a:lumMod val="90000"/>
+                </a:schemeClr>
+              </a:solidFill>
+            </a:ln>
+          </p:spPr>
+          <p:style>
+            <a:lnRef idx="2">
+              <a:schemeClr val="accent1">
+                <a:shade val="50000"/>
+              </a:schemeClr>
+            </a:lnRef>
+            <a:fillRef idx="1">
+              <a:schemeClr val="accent1"/>
+            </a:fillRef>
+            <a:effectRef idx="0">
+              <a:schemeClr val="accent1"/>
+            </a:effectRef>
+            <a:fontRef idx="minor">
+              <a:schemeClr val="lt1"/>
+            </a:fontRef>
+          </p:style>
+          <p:txBody>
+            <a:bodyPr rtlCol="0" anchor="ctr"/>
+            <a:lstStyle/>
+            <a:p>
+              <a:pPr algn="ctr"/>
+              <a:endParaRPr lang="en-US"/>
+            </a:p>
+          </p:txBody>
+        </p:sp>
+        <p:cxnSp>
+          <p:nvCxnSpPr>
+            <p:cNvPr id="7" name="Straight Connector 6">
+              <a:extLst>
+                <a:ext uri="{FF2B5EF4-FFF2-40B4-BE49-F238E27FC236}">
+                  <a16:creationId xmlns:a16="http://schemas.microsoft.com/office/drawing/2014/main" id="{8765DAE0-4F8A-4551-B23E-52F6CED8D808}"/>
+                </a:ext>
+              </a:extLst>
+            </p:cNvPr>
+            <p:cNvCxnSpPr/>
+            <p:nvPr/>
+          </p:nvCxnSpPr>
+          <p:spPr>
+            <a:xfrm flipH="1">
+              <a:off x="5088340" y="3409665"/>
+              <a:ext cx="798394" cy="743803"/>
+            </a:xfrm>
+            <a:prstGeom prst="line">
+              <a:avLst/>
+            </a:prstGeom>
+          </p:spPr>
+          <p:style>
+            <a:lnRef idx="1">
+              <a:schemeClr val="accent1"/>
+            </a:lnRef>
+            <a:fillRef idx="0">
+              <a:schemeClr val="accent1"/>
+            </a:fillRef>
+            <a:effectRef idx="0">
+              <a:schemeClr val="accent1"/>
+            </a:effectRef>
+            <a:fontRef idx="minor">
+              <a:schemeClr val="tx1"/>
+            </a:fontRef>
+          </p:style>
+        </p:cxnSp>
+        <p:cxnSp>
+          <p:nvCxnSpPr>
+            <p:cNvPr id="18" name="Straight Connector 17">
+              <a:extLst>
+                <a:ext uri="{FF2B5EF4-FFF2-40B4-BE49-F238E27FC236}">
+                  <a16:creationId xmlns:a16="http://schemas.microsoft.com/office/drawing/2014/main" id="{EB78A0F4-C92D-4AF3-BAC0-9EE9F0B8826F}"/>
+                </a:ext>
+              </a:extLst>
+            </p:cNvPr>
+            <p:cNvCxnSpPr>
+              <a:cxnSpLocks/>
+            </p:cNvCxnSpPr>
+            <p:nvPr/>
+          </p:nvCxnSpPr>
+          <p:spPr>
+            <a:xfrm>
+              <a:off x="5886734" y="3407284"/>
+              <a:ext cx="442321" cy="514407"/>
+            </a:xfrm>
+            <a:prstGeom prst="line">
+              <a:avLst/>
+            </a:prstGeom>
+            <a:ln>
+              <a:prstDash val="dash"/>
+            </a:ln>
+          </p:spPr>
+          <p:style>
+            <a:lnRef idx="1">
+              <a:schemeClr val="accent1"/>
+            </a:lnRef>
+            <a:fillRef idx="0">
+              <a:schemeClr val="accent1"/>
+            </a:fillRef>
+            <a:effectRef idx="0">
+              <a:schemeClr val="accent1"/>
+            </a:effectRef>
+            <a:fontRef idx="minor">
+              <a:schemeClr val="tx1"/>
+            </a:fontRef>
+          </p:style>
+        </p:cxnSp>
+        <p:cxnSp>
+          <p:nvCxnSpPr>
+            <p:cNvPr id="20" name="Straight Connector 19">
+              <a:extLst>
+                <a:ext uri="{FF2B5EF4-FFF2-40B4-BE49-F238E27FC236}">
+                  <a16:creationId xmlns:a16="http://schemas.microsoft.com/office/drawing/2014/main" id="{ECACE92A-46A0-42B7-94E3-4992D0BAAF94}"/>
+                </a:ext>
+              </a:extLst>
+            </p:cNvPr>
+            <p:cNvCxnSpPr>
+              <a:cxnSpLocks/>
+            </p:cNvCxnSpPr>
+            <p:nvPr/>
+          </p:nvCxnSpPr>
+          <p:spPr>
+            <a:xfrm>
+              <a:off x="5088340" y="4151086"/>
+              <a:ext cx="442321" cy="514407"/>
+            </a:xfrm>
+            <a:prstGeom prst="line">
+              <a:avLst/>
+            </a:prstGeom>
+            <a:ln>
+              <a:prstDash val="dash"/>
+            </a:ln>
+          </p:spPr>
+          <p:style>
+            <a:lnRef idx="1">
+              <a:schemeClr val="accent1"/>
+            </a:lnRef>
+            <a:fillRef idx="0">
+              <a:schemeClr val="accent1"/>
+            </a:fillRef>
+            <a:effectRef idx="0">
+              <a:schemeClr val="accent1"/>
+            </a:effectRef>
+            <a:fontRef idx="minor">
+              <a:schemeClr val="tx1"/>
+            </a:fontRef>
+          </p:style>
+        </p:cxnSp>
+        <p:cxnSp>
+          <p:nvCxnSpPr>
+            <p:cNvPr id="22" name="Straight Connector 21">
+              <a:extLst>
+                <a:ext uri="{FF2B5EF4-FFF2-40B4-BE49-F238E27FC236}">
+                  <a16:creationId xmlns:a16="http://schemas.microsoft.com/office/drawing/2014/main" id="{0548F411-9809-4FE0-93AE-9AB5652CE99C}"/>
+                </a:ext>
+              </a:extLst>
+            </p:cNvPr>
+            <p:cNvCxnSpPr/>
+            <p:nvPr/>
+          </p:nvCxnSpPr>
+          <p:spPr>
+            <a:xfrm flipH="1">
+              <a:off x="5540185" y="3934221"/>
+              <a:ext cx="798394" cy="743803"/>
+            </a:xfrm>
+            <a:prstGeom prst="line">
+              <a:avLst/>
+            </a:prstGeom>
+            <a:ln w="9525" cap="flat" cmpd="sng" algn="ctr">
+              <a:solidFill>
+                <a:schemeClr val="dk1"/>
+              </a:solidFill>
+              <a:prstDash val="solid"/>
+              <a:round/>
+              <a:headEnd type="arrow" w="med" len="med"/>
+              <a:tailEnd type="arrow" w="med" len="med"/>
+            </a:ln>
+          </p:spPr>
+          <p:style>
+            <a:lnRef idx="0">
+              <a:scrgbClr r="0" g="0" b="0"/>
+            </a:lnRef>
+            <a:fillRef idx="0">
+              <a:scrgbClr r="0" g="0" b="0"/>
+            </a:fillRef>
+            <a:effectRef idx="0">
+              <a:scrgbClr r="0" g="0" b="0"/>
+            </a:effectRef>
+            <a:fontRef idx="minor">
+              <a:schemeClr val="tx1"/>
+            </a:fontRef>
+          </p:style>
+        </p:cxnSp>
+        <p:sp>
+          <p:nvSpPr>
+            <p:cNvPr id="21" name="TextBox 20">
+              <a:extLst>
+                <a:ext uri="{FF2B5EF4-FFF2-40B4-BE49-F238E27FC236}">
+                  <a16:creationId xmlns:a16="http://schemas.microsoft.com/office/drawing/2014/main" id="{70E78B87-E8BF-4E6D-B1AA-3B840AED8CAB}"/>
+                </a:ext>
+              </a:extLst>
+            </p:cNvPr>
+            <p:cNvSpPr txBox="1"/>
+            <p:nvPr/>
+          </p:nvSpPr>
+          <p:spPr>
+            <a:xfrm rot="18940951">
+              <a:off x="5583563" y="4151292"/>
+              <a:ext cx="730957" cy="261610"/>
+            </a:xfrm>
+            <a:prstGeom prst="rect">
+              <a:avLst/>
+            </a:prstGeom>
+            <a:solidFill>
+              <a:schemeClr val="bg1"/>
+            </a:solidFill>
+          </p:spPr>
+          <p:txBody>
+            <a:bodyPr wrap="square" rtlCol="0">
+              <a:spAutoFit/>
+            </a:bodyPr>
+            <a:lstStyle/>
+            <a:p>
+              <a:r>
+                <a:rPr lang="en-US" sz="1100" i="1" dirty="0"/>
+                <a:t>2*radius</a:t>
+              </a:r>
+              <a:endParaRPr lang="en-US" sz="1200" i="1" dirty="0"/>
+            </a:p>
+          </p:txBody>
+        </p:sp>
+        <p:sp>
+          <p:nvSpPr>
+            <p:cNvPr id="23" name="TextBox 22">
+              <a:extLst>
+                <a:ext uri="{FF2B5EF4-FFF2-40B4-BE49-F238E27FC236}">
+                  <a16:creationId xmlns:a16="http://schemas.microsoft.com/office/drawing/2014/main" id="{11F16C7F-769C-485B-A4E7-5517163C0C11}"/>
+                </a:ext>
+              </a:extLst>
+            </p:cNvPr>
+            <p:cNvSpPr txBox="1"/>
+            <p:nvPr/>
+          </p:nvSpPr>
+          <p:spPr>
+            <a:xfrm>
+              <a:off x="2445011" y="3336815"/>
+              <a:ext cx="2272995" cy="276999"/>
+            </a:xfrm>
+            <a:prstGeom prst="rect">
+              <a:avLst/>
+            </a:prstGeom>
+            <a:noFill/>
+          </p:spPr>
+          <p:txBody>
+            <a:bodyPr wrap="none" rtlCol="0">
+              <a:spAutoFit/>
+            </a:bodyPr>
+            <a:lstStyle/>
+            <a:p>
+              <a:r>
+                <a:rPr lang="en-US" sz="1200" i="1" dirty="0"/>
+                <a:t>(ball1_x  + </a:t>
+              </a:r>
+              <a:r>
+                <a:rPr lang="en-US" sz="1200" i="1" dirty="0" err="1"/>
+                <a:t>ball_r</a:t>
+              </a:r>
+              <a:r>
+                <a:rPr lang="en-US" sz="1200" i="1" dirty="0"/>
+                <a:t>, ball1_y + </a:t>
+              </a:r>
+              <a:r>
+                <a:rPr lang="en-US" sz="1200" i="1" dirty="0" err="1"/>
+                <a:t>ball_r</a:t>
+              </a:r>
+              <a:r>
+                <a:rPr lang="en-US" sz="1200" i="1" dirty="0"/>
+                <a:t>)</a:t>
+              </a:r>
+            </a:p>
+          </p:txBody>
+        </p:sp>
+        <p:sp>
+          <p:nvSpPr>
+            <p:cNvPr id="25" name="Freeform: Shape 24">
+              <a:extLst>
+                <a:ext uri="{FF2B5EF4-FFF2-40B4-BE49-F238E27FC236}">
+                  <a16:creationId xmlns:a16="http://schemas.microsoft.com/office/drawing/2014/main" id="{743F1959-6ECA-45E3-A040-98D8FC211AE8}"/>
+                </a:ext>
+              </a:extLst>
+            </p:cNvPr>
+            <p:cNvSpPr/>
+            <p:nvPr/>
+          </p:nvSpPr>
+          <p:spPr>
+            <a:xfrm>
+              <a:off x="3641697" y="3582062"/>
+              <a:ext cx="1449415" cy="570837"/>
+            </a:xfrm>
+            <a:custGeom>
+              <a:avLst/>
+              <a:gdLst>
+                <a:gd name="connsiteX0" fmla="*/ 0 w 1202532"/>
+                <a:gd name="connsiteY0" fmla="*/ 0 h 540544"/>
+                <a:gd name="connsiteX1" fmla="*/ 628650 w 1202532"/>
+                <a:gd name="connsiteY1" fmla="*/ 404813 h 540544"/>
+                <a:gd name="connsiteX2" fmla="*/ 1202532 w 1202532"/>
+                <a:gd name="connsiteY2" fmla="*/ 540544 h 540544"/>
+              </a:gdLst>
+              <a:ahLst/>
+              <a:cxnLst>
+                <a:cxn ang="0">
+                  <a:pos x="connsiteX0" y="connsiteY0"/>
+                </a:cxn>
+                <a:cxn ang="0">
+                  <a:pos x="connsiteX1" y="connsiteY1"/>
+                </a:cxn>
+                <a:cxn ang="0">
+                  <a:pos x="connsiteX2" y="connsiteY2"/>
+                </a:cxn>
+              </a:cxnLst>
+              <a:rect l="l" t="t" r="r" b="b"/>
+              <a:pathLst>
+                <a:path w="1202532" h="540544">
+                  <a:moveTo>
+                    <a:pt x="0" y="0"/>
+                  </a:moveTo>
+                  <a:cubicBezTo>
+                    <a:pt x="214114" y="157361"/>
+                    <a:pt x="428228" y="314722"/>
+                    <a:pt x="628650" y="404813"/>
+                  </a:cubicBezTo>
+                  <a:cubicBezTo>
+                    <a:pt x="829072" y="494904"/>
+                    <a:pt x="1015802" y="517724"/>
+                    <a:pt x="1202532" y="540544"/>
+                  </a:cubicBezTo>
+                </a:path>
+              </a:pathLst>
+            </a:custGeom>
+            <a:noFill/>
+            <a:ln w="6350">
+              <a:solidFill>
+                <a:schemeClr val="accent6">
+                  <a:lumMod val="75000"/>
+                </a:schemeClr>
+              </a:solidFill>
+              <a:tailEnd type="stealth"/>
+            </a:ln>
+          </p:spPr>
+          <p:style>
+            <a:lnRef idx="2">
+              <a:schemeClr val="accent1">
+                <a:shade val="50000"/>
+              </a:schemeClr>
+            </a:lnRef>
+            <a:fillRef idx="1">
+              <a:schemeClr val="accent1"/>
+            </a:fillRef>
+            <a:effectRef idx="0">
+              <a:schemeClr val="accent1"/>
+            </a:effectRef>
+            <a:fontRef idx="minor">
+              <a:schemeClr val="lt1"/>
+            </a:fontRef>
+          </p:style>
+          <p:txBody>
+            <a:bodyPr rtlCol="0" anchor="ctr"/>
+            <a:lstStyle/>
+            <a:p>
+              <a:pPr algn="ctr"/>
+              <a:endParaRPr lang="en-US"/>
+            </a:p>
+          </p:txBody>
+        </p:sp>
+        <p:sp>
+          <p:nvSpPr>
+            <p:cNvPr id="26" name="TextBox 25">
+              <a:extLst>
+                <a:ext uri="{FF2B5EF4-FFF2-40B4-BE49-F238E27FC236}">
+                  <a16:creationId xmlns:a16="http://schemas.microsoft.com/office/drawing/2014/main" id="{54A3CE95-2B38-4041-8724-FC823B1334B3}"/>
+                </a:ext>
+              </a:extLst>
+            </p:cNvPr>
+            <p:cNvSpPr txBox="1"/>
+            <p:nvPr/>
+          </p:nvSpPr>
+          <p:spPr>
+            <a:xfrm>
+              <a:off x="4971396" y="2527363"/>
+              <a:ext cx="2272995" cy="276999"/>
+            </a:xfrm>
+            <a:prstGeom prst="rect">
+              <a:avLst/>
+            </a:prstGeom>
+            <a:noFill/>
+          </p:spPr>
+          <p:txBody>
+            <a:bodyPr wrap="none" rtlCol="0">
+              <a:spAutoFit/>
+            </a:bodyPr>
+            <a:lstStyle/>
+            <a:p>
+              <a:r>
+                <a:rPr lang="en-US" sz="1200" i="1" dirty="0"/>
+                <a:t>(ball2_x  + </a:t>
+              </a:r>
+              <a:r>
+                <a:rPr lang="en-US" sz="1200" i="1" dirty="0" err="1"/>
+                <a:t>ball_r</a:t>
+              </a:r>
+              <a:r>
+                <a:rPr lang="en-US" sz="1200" i="1" dirty="0"/>
+                <a:t>, ball2_y + </a:t>
+              </a:r>
+              <a:r>
+                <a:rPr lang="en-US" sz="1200" i="1" dirty="0" err="1"/>
+                <a:t>ball_r</a:t>
+              </a:r>
+              <a:r>
+                <a:rPr lang="en-US" sz="1200" i="1" dirty="0"/>
+                <a:t>)</a:t>
+              </a:r>
+            </a:p>
+          </p:txBody>
+        </p:sp>
+        <p:sp>
+          <p:nvSpPr>
+            <p:cNvPr id="27" name="Freeform: Shape 26">
+              <a:extLst>
+                <a:ext uri="{FF2B5EF4-FFF2-40B4-BE49-F238E27FC236}">
+                  <a16:creationId xmlns:a16="http://schemas.microsoft.com/office/drawing/2014/main" id="{067C624E-0313-4C05-A3DD-F3D3B23357E7}"/>
+                </a:ext>
+              </a:extLst>
+            </p:cNvPr>
+            <p:cNvSpPr/>
+            <p:nvPr/>
+          </p:nvSpPr>
+          <p:spPr>
+            <a:xfrm>
+              <a:off x="5895892" y="2767054"/>
+              <a:ext cx="690536" cy="640080"/>
+            </a:xfrm>
+            <a:custGeom>
+              <a:avLst/>
+              <a:gdLst>
+                <a:gd name="connsiteX0" fmla="*/ 290223 w 690536"/>
+                <a:gd name="connsiteY0" fmla="*/ 0 h 640080"/>
+                <a:gd name="connsiteX1" fmla="*/ 683812 w 690536"/>
+                <a:gd name="connsiteY1" fmla="*/ 441297 h 640080"/>
+                <a:gd name="connsiteX2" fmla="*/ 0 w 690536"/>
+                <a:gd name="connsiteY2" fmla="*/ 640080 h 640080"/>
+              </a:gdLst>
+              <a:ahLst/>
+              <a:cxnLst>
+                <a:cxn ang="0">
+                  <a:pos x="connsiteX0" y="connsiteY0"/>
+                </a:cxn>
+                <a:cxn ang="0">
+                  <a:pos x="connsiteX1" y="connsiteY1"/>
+                </a:cxn>
+                <a:cxn ang="0">
+                  <a:pos x="connsiteX2" y="connsiteY2"/>
+                </a:cxn>
+              </a:cxnLst>
+              <a:rect l="l" t="t" r="r" b="b"/>
+              <a:pathLst>
+                <a:path w="690536" h="640080">
+                  <a:moveTo>
+                    <a:pt x="290223" y="0"/>
+                  </a:moveTo>
+                  <a:cubicBezTo>
+                    <a:pt x="511202" y="167308"/>
+                    <a:pt x="732182" y="334617"/>
+                    <a:pt x="683812" y="441297"/>
+                  </a:cubicBezTo>
+                  <a:cubicBezTo>
+                    <a:pt x="635442" y="547977"/>
+                    <a:pt x="317721" y="594028"/>
+                    <a:pt x="0" y="640080"/>
+                  </a:cubicBezTo>
+                </a:path>
+              </a:pathLst>
+            </a:custGeom>
+            <a:noFill/>
+            <a:ln w="6350">
+              <a:solidFill>
+                <a:schemeClr val="accent6">
+                  <a:lumMod val="75000"/>
+                </a:schemeClr>
+              </a:solidFill>
+              <a:tailEnd type="stealth"/>
+            </a:ln>
+          </p:spPr>
+          <p:style>
+            <a:lnRef idx="2">
+              <a:schemeClr val="accent1">
+                <a:shade val="50000"/>
+              </a:schemeClr>
+            </a:lnRef>
+            <a:fillRef idx="1">
+              <a:schemeClr val="accent1"/>
+            </a:fillRef>
+            <a:effectRef idx="0">
+              <a:schemeClr val="accent1"/>
+            </a:effectRef>
+            <a:fontRef idx="minor">
+              <a:schemeClr val="lt1"/>
+            </a:fontRef>
+          </p:style>
+          <p:txBody>
+            <a:bodyPr rtlCol="0" anchor="ctr"/>
+            <a:lstStyle/>
+            <a:p>
+              <a:pPr algn="ctr"/>
+              <a:endParaRPr lang="en-US"/>
+            </a:p>
+          </p:txBody>
+        </p:sp>
+      </p:grpSp>
+    </p:spTree>
+    <p:extLst>
+      <p:ext uri="{BB962C8B-B14F-4D97-AF65-F5344CB8AC3E}">
+        <p14:creationId xmlns:p14="http://schemas.microsoft.com/office/powerpoint/2010/main" val="1107930796"/>
       </p:ext>
     </p:extLst>
   </p:cSld>

--- a/images/pygame_rect_window.pptx
+++ b/images/pygame_rect_window.pptx
@@ -19,6 +19,7 @@
     <p:sldId id="268" r:id="rId13"/>
     <p:sldId id="269" r:id="rId14"/>
     <p:sldId id="270" r:id="rId15"/>
+    <p:sldId id="273" r:id="rId16"/>
   </p:sldIdLst>
   <p:sldSz cx="12192000" cy="6858000"/>
   <p:notesSz cx="6858000" cy="9144000"/>
@@ -258,7 +259,7 @@
           <a:p>
             <a:fld id="{856FFBE8-0159-4FDA-8D70-04C5D85E84A4}" type="datetimeFigureOut">
               <a:rPr lang="en-US" smtClean="0"/>
-              <a:t>7/7/2017</a:t>
+              <a:t>7/12/2017</a:t>
             </a:fld>
             <a:endParaRPr lang="en-US"/>
           </a:p>
@@ -426,7 +427,7 @@
           <a:p>
             <a:fld id="{856FFBE8-0159-4FDA-8D70-04C5D85E84A4}" type="datetimeFigureOut">
               <a:rPr lang="en-US" smtClean="0"/>
-              <a:t>7/7/2017</a:t>
+              <a:t>7/12/2017</a:t>
             </a:fld>
             <a:endParaRPr lang="en-US"/>
           </a:p>
@@ -604,7 +605,7 @@
           <a:p>
             <a:fld id="{856FFBE8-0159-4FDA-8D70-04C5D85E84A4}" type="datetimeFigureOut">
               <a:rPr lang="en-US" smtClean="0"/>
-              <a:t>7/7/2017</a:t>
+              <a:t>7/12/2017</a:t>
             </a:fld>
             <a:endParaRPr lang="en-US"/>
           </a:p>
@@ -772,7 +773,7 @@
           <a:p>
             <a:fld id="{856FFBE8-0159-4FDA-8D70-04C5D85E84A4}" type="datetimeFigureOut">
               <a:rPr lang="en-US" smtClean="0"/>
-              <a:t>7/7/2017</a:t>
+              <a:t>7/12/2017</a:t>
             </a:fld>
             <a:endParaRPr lang="en-US"/>
           </a:p>
@@ -1017,7 +1018,7 @@
           <a:p>
             <a:fld id="{856FFBE8-0159-4FDA-8D70-04C5D85E84A4}" type="datetimeFigureOut">
               <a:rPr lang="en-US" smtClean="0"/>
-              <a:t>7/7/2017</a:t>
+              <a:t>7/12/2017</a:t>
             </a:fld>
             <a:endParaRPr lang="en-US"/>
           </a:p>
@@ -1246,7 +1247,7 @@
           <a:p>
             <a:fld id="{856FFBE8-0159-4FDA-8D70-04C5D85E84A4}" type="datetimeFigureOut">
               <a:rPr lang="en-US" smtClean="0"/>
-              <a:t>7/7/2017</a:t>
+              <a:t>7/12/2017</a:t>
             </a:fld>
             <a:endParaRPr lang="en-US"/>
           </a:p>
@@ -1610,7 +1611,7 @@
           <a:p>
             <a:fld id="{856FFBE8-0159-4FDA-8D70-04C5D85E84A4}" type="datetimeFigureOut">
               <a:rPr lang="en-US" smtClean="0"/>
-              <a:t>7/7/2017</a:t>
+              <a:t>7/12/2017</a:t>
             </a:fld>
             <a:endParaRPr lang="en-US"/>
           </a:p>
@@ -1727,7 +1728,7 @@
           <a:p>
             <a:fld id="{856FFBE8-0159-4FDA-8D70-04C5D85E84A4}" type="datetimeFigureOut">
               <a:rPr lang="en-US" smtClean="0"/>
-              <a:t>7/7/2017</a:t>
+              <a:t>7/12/2017</a:t>
             </a:fld>
             <a:endParaRPr lang="en-US"/>
           </a:p>
@@ -1822,7 +1823,7 @@
           <a:p>
             <a:fld id="{856FFBE8-0159-4FDA-8D70-04C5D85E84A4}" type="datetimeFigureOut">
               <a:rPr lang="en-US" smtClean="0"/>
-              <a:t>7/7/2017</a:t>
+              <a:t>7/12/2017</a:t>
             </a:fld>
             <a:endParaRPr lang="en-US"/>
           </a:p>
@@ -2097,7 +2098,7 @@
           <a:p>
             <a:fld id="{856FFBE8-0159-4FDA-8D70-04C5D85E84A4}" type="datetimeFigureOut">
               <a:rPr lang="en-US" smtClean="0"/>
-              <a:t>7/7/2017</a:t>
+              <a:t>7/12/2017</a:t>
             </a:fld>
             <a:endParaRPr lang="en-US"/>
           </a:p>
@@ -2349,7 +2350,7 @@
           <a:p>
             <a:fld id="{856FFBE8-0159-4FDA-8D70-04C5D85E84A4}" type="datetimeFigureOut">
               <a:rPr lang="en-US" smtClean="0"/>
-              <a:t>7/7/2017</a:t>
+              <a:t>7/12/2017</a:t>
             </a:fld>
             <a:endParaRPr lang="en-US"/>
           </a:p>
@@ -2560,7 +2561,7 @@
           <a:p>
             <a:fld id="{856FFBE8-0159-4FDA-8D70-04C5D85E84A4}" type="datetimeFigureOut">
               <a:rPr lang="en-US" smtClean="0"/>
-              <a:t>7/7/2017</a:t>
+              <a:t>7/12/2017</a:t>
             </a:fld>
             <a:endParaRPr lang="en-US"/>
           </a:p>
@@ -6072,6 +6073,36 @@
 </p:sld>
 </file>
 
+<file path=ppt/slides/slide15.xml><?xml version="1.0" encoding="utf-8"?>
+<p:sld xmlns:a="http://schemas.openxmlformats.org/drawingml/2006/main" xmlns:r="http://schemas.openxmlformats.org/officeDocument/2006/relationships" xmlns:p="http://schemas.openxmlformats.org/presentationml/2006/main">
+  <p:cSld>
+    <p:spTree>
+      <p:nvGrpSpPr>
+        <p:cNvPr id="1" name=""/>
+        <p:cNvGrpSpPr/>
+        <p:nvPr/>
+      </p:nvGrpSpPr>
+      <p:grpSpPr>
+        <a:xfrm>
+          <a:off x="0" y="0"/>
+          <a:ext cx="0" cy="0"/>
+          <a:chOff x="0" y="0"/>
+          <a:chExt cx="0" cy="0"/>
+        </a:xfrm>
+      </p:grpSpPr>
+    </p:spTree>
+    <p:extLst>
+      <p:ext uri="{BB962C8B-B14F-4D97-AF65-F5344CB8AC3E}">
+        <p14:creationId xmlns:p14="http://schemas.microsoft.com/office/powerpoint/2010/main" val="3188041297"/>
+      </p:ext>
+    </p:extLst>
+  </p:cSld>
+  <p:clrMapOvr>
+    <a:masterClrMapping/>
+  </p:clrMapOvr>
+</p:sld>
+</file>
+
 <file path=ppt/slides/slide2.xml><?xml version="1.0" encoding="utf-8"?>
 <p:sld xmlns:a="http://schemas.openxmlformats.org/drawingml/2006/main" xmlns:r="http://schemas.openxmlformats.org/officeDocument/2006/relationships" xmlns:p="http://schemas.openxmlformats.org/presentationml/2006/main">
   <p:cSld>

--- a/images/pygame_rect_window.pptx
+++ b/images/pygame_rect_window.pptx
@@ -259,7 +259,7 @@
           <a:p>
             <a:fld id="{856FFBE8-0159-4FDA-8D70-04C5D85E84A4}" type="datetimeFigureOut">
               <a:rPr lang="en-US" smtClean="0"/>
-              <a:t>7/12/2017</a:t>
+              <a:t>7/13/2017</a:t>
             </a:fld>
             <a:endParaRPr lang="en-US"/>
           </a:p>
@@ -427,7 +427,7 @@
           <a:p>
             <a:fld id="{856FFBE8-0159-4FDA-8D70-04C5D85E84A4}" type="datetimeFigureOut">
               <a:rPr lang="en-US" smtClean="0"/>
-              <a:t>7/12/2017</a:t>
+              <a:t>7/13/2017</a:t>
             </a:fld>
             <a:endParaRPr lang="en-US"/>
           </a:p>
@@ -605,7 +605,7 @@
           <a:p>
             <a:fld id="{856FFBE8-0159-4FDA-8D70-04C5D85E84A4}" type="datetimeFigureOut">
               <a:rPr lang="en-US" smtClean="0"/>
-              <a:t>7/12/2017</a:t>
+              <a:t>7/13/2017</a:t>
             </a:fld>
             <a:endParaRPr lang="en-US"/>
           </a:p>
@@ -773,7 +773,7 @@
           <a:p>
             <a:fld id="{856FFBE8-0159-4FDA-8D70-04C5D85E84A4}" type="datetimeFigureOut">
               <a:rPr lang="en-US" smtClean="0"/>
-              <a:t>7/12/2017</a:t>
+              <a:t>7/13/2017</a:t>
             </a:fld>
             <a:endParaRPr lang="en-US"/>
           </a:p>
@@ -1018,7 +1018,7 @@
           <a:p>
             <a:fld id="{856FFBE8-0159-4FDA-8D70-04C5D85E84A4}" type="datetimeFigureOut">
               <a:rPr lang="en-US" smtClean="0"/>
-              <a:t>7/12/2017</a:t>
+              <a:t>7/13/2017</a:t>
             </a:fld>
             <a:endParaRPr lang="en-US"/>
           </a:p>
@@ -1247,7 +1247,7 @@
           <a:p>
             <a:fld id="{856FFBE8-0159-4FDA-8D70-04C5D85E84A4}" type="datetimeFigureOut">
               <a:rPr lang="en-US" smtClean="0"/>
-              <a:t>7/12/2017</a:t>
+              <a:t>7/13/2017</a:t>
             </a:fld>
             <a:endParaRPr lang="en-US"/>
           </a:p>
@@ -1611,7 +1611,7 @@
           <a:p>
             <a:fld id="{856FFBE8-0159-4FDA-8D70-04C5D85E84A4}" type="datetimeFigureOut">
               <a:rPr lang="en-US" smtClean="0"/>
-              <a:t>7/12/2017</a:t>
+              <a:t>7/13/2017</a:t>
             </a:fld>
             <a:endParaRPr lang="en-US"/>
           </a:p>
@@ -1728,7 +1728,7 @@
           <a:p>
             <a:fld id="{856FFBE8-0159-4FDA-8D70-04C5D85E84A4}" type="datetimeFigureOut">
               <a:rPr lang="en-US" smtClean="0"/>
-              <a:t>7/12/2017</a:t>
+              <a:t>7/13/2017</a:t>
             </a:fld>
             <a:endParaRPr lang="en-US"/>
           </a:p>
@@ -1823,7 +1823,7 @@
           <a:p>
             <a:fld id="{856FFBE8-0159-4FDA-8D70-04C5D85E84A4}" type="datetimeFigureOut">
               <a:rPr lang="en-US" smtClean="0"/>
-              <a:t>7/12/2017</a:t>
+              <a:t>7/13/2017</a:t>
             </a:fld>
             <a:endParaRPr lang="en-US"/>
           </a:p>
@@ -2098,7 +2098,7 @@
           <a:p>
             <a:fld id="{856FFBE8-0159-4FDA-8D70-04C5D85E84A4}" type="datetimeFigureOut">
               <a:rPr lang="en-US" smtClean="0"/>
-              <a:t>7/12/2017</a:t>
+              <a:t>7/13/2017</a:t>
             </a:fld>
             <a:endParaRPr lang="en-US"/>
           </a:p>
@@ -2350,7 +2350,7 @@
           <a:p>
             <a:fld id="{856FFBE8-0159-4FDA-8D70-04C5D85E84A4}" type="datetimeFigureOut">
               <a:rPr lang="en-US" smtClean="0"/>
-              <a:t>7/12/2017</a:t>
+              <a:t>7/13/2017</a:t>
             </a:fld>
             <a:endParaRPr lang="en-US"/>
           </a:p>
@@ -2561,7 +2561,7 @@
           <a:p>
             <a:fld id="{856FFBE8-0159-4FDA-8D70-04C5D85E84A4}" type="datetimeFigureOut">
               <a:rPr lang="en-US" smtClean="0"/>
-              <a:t>7/12/2017</a:t>
+              <a:t>7/13/2017</a:t>
             </a:fld>
             <a:endParaRPr lang="en-US"/>
           </a:p>
@@ -6090,6 +6090,786 @@
           <a:chExt cx="0" cy="0"/>
         </a:xfrm>
       </p:grpSpPr>
+      <p:pic>
+        <p:nvPicPr>
+          <p:cNvPr id="22" name="Picture 21" descr="A close up of a logo&#10;&#10;Description generated with high confidence">
+            <a:extLst>
+              <a:ext uri="{FF2B5EF4-FFF2-40B4-BE49-F238E27FC236}">
+                <a16:creationId xmlns:a16="http://schemas.microsoft.com/office/drawing/2014/main" id="{10C8D5CF-E347-4253-9BBD-1E6933F40EBA}"/>
+              </a:ext>
+            </a:extLst>
+          </p:cNvPr>
+          <p:cNvPicPr>
+            <a:picLocks noChangeAspect="1"/>
+          </p:cNvPicPr>
+          <p:nvPr/>
+        </p:nvPicPr>
+        <p:blipFill>
+          <a:blip r:embed="rId2">
+            <a:extLst>
+              <a:ext uri="{28A0092B-C50C-407E-A947-70E740481C1C}">
+                <a14:useLocalDpi xmlns:a14="http://schemas.microsoft.com/office/drawing/2010/main" val="0"/>
+              </a:ext>
+            </a:extLst>
+          </a:blip>
+          <a:stretch>
+            <a:fillRect/>
+          </a:stretch>
+        </p:blipFill>
+        <p:spPr>
+          <a:xfrm>
+            <a:off x="5705524" y="1448047"/>
+            <a:ext cx="780952" cy="3961905"/>
+          </a:xfrm>
+          <a:prstGeom prst="rect">
+            <a:avLst/>
+          </a:prstGeom>
+          <a:ln w="3175">
+            <a:solidFill>
+              <a:schemeClr val="tx1"/>
+            </a:solidFill>
+          </a:ln>
+        </p:spPr>
+      </p:pic>
+      <p:pic>
+        <p:nvPicPr>
+          <p:cNvPr id="7" name="Picture 6" descr="A picture containing dome&#10;&#10;Description generated with high confidence">
+            <a:extLst>
+              <a:ext uri="{FF2B5EF4-FFF2-40B4-BE49-F238E27FC236}">
+                <a16:creationId xmlns:a16="http://schemas.microsoft.com/office/drawing/2014/main" id="{FF47CB79-4A29-4F5D-B13B-9C346E666908}"/>
+              </a:ext>
+            </a:extLst>
+          </p:cNvPr>
+          <p:cNvPicPr>
+            <a:picLocks noChangeAspect="1"/>
+          </p:cNvPicPr>
+          <p:nvPr/>
+        </p:nvPicPr>
+        <p:blipFill>
+          <a:blip r:embed="rId3">
+            <a:extLst>
+              <a:ext uri="{28A0092B-C50C-407E-A947-70E740481C1C}">
+                <a14:useLocalDpi xmlns:a14="http://schemas.microsoft.com/office/drawing/2010/main" val="0"/>
+              </a:ext>
+            </a:extLst>
+          </a:blip>
+          <a:stretch>
+            <a:fillRect/>
+          </a:stretch>
+        </p:blipFill>
+        <p:spPr>
+          <a:xfrm rot="7457934">
+            <a:off x="6401931" y="2458179"/>
+            <a:ext cx="1495949" cy="1466030"/>
+          </a:xfrm>
+          <a:prstGeom prst="rect">
+            <a:avLst/>
+          </a:prstGeom>
+          <a:ln>
+            <a:noFill/>
+          </a:ln>
+        </p:spPr>
+      </p:pic>
+      <p:sp>
+        <p:nvSpPr>
+          <p:cNvPr id="16" name="TextBox 15">
+            <a:extLst>
+              <a:ext uri="{FF2B5EF4-FFF2-40B4-BE49-F238E27FC236}">
+                <a16:creationId xmlns:a16="http://schemas.microsoft.com/office/drawing/2014/main" id="{F6ED1E9F-D4AD-4C1D-9BED-1A2C3061042F}"/>
+              </a:ext>
+            </a:extLst>
+          </p:cNvPr>
+          <p:cNvSpPr txBox="1"/>
+          <p:nvPr/>
+        </p:nvSpPr>
+        <p:spPr>
+          <a:xfrm>
+            <a:off x="5663830" y="5365599"/>
+            <a:ext cx="864339" cy="276999"/>
+          </a:xfrm>
+          <a:prstGeom prst="rect">
+            <a:avLst/>
+          </a:prstGeom>
+          <a:noFill/>
+        </p:spPr>
+        <p:txBody>
+          <a:bodyPr wrap="none" rtlCol="0">
+            <a:spAutoFit/>
+          </a:bodyPr>
+          <a:lstStyle/>
+          <a:p>
+            <a:r>
+              <a:rPr lang="en-US" sz="1200" dirty="0" err="1">
+                <a:latin typeface="Consolas" panose="020B0609020204030204" pitchFamily="49" charset="0"/>
+              </a:rPr>
+              <a:t>paddle_w</a:t>
+            </a:r>
+            <a:endParaRPr lang="en-US" sz="1200" dirty="0">
+              <a:latin typeface="Consolas" panose="020B0609020204030204" pitchFamily="49" charset="0"/>
+            </a:endParaRPr>
+          </a:p>
+        </p:txBody>
+      </p:sp>
+      <p:sp>
+        <p:nvSpPr>
+          <p:cNvPr id="17" name="TextBox 16">
+            <a:extLst>
+              <a:ext uri="{FF2B5EF4-FFF2-40B4-BE49-F238E27FC236}">
+                <a16:creationId xmlns:a16="http://schemas.microsoft.com/office/drawing/2014/main" id="{B0B2154D-F646-4640-A675-DF101D90EA42}"/>
+              </a:ext>
+            </a:extLst>
+          </p:cNvPr>
+          <p:cNvSpPr txBox="1"/>
+          <p:nvPr/>
+        </p:nvSpPr>
+        <p:spPr>
+          <a:xfrm rot="16200000">
+            <a:off x="5007272" y="3290499"/>
+            <a:ext cx="864339" cy="276999"/>
+          </a:xfrm>
+          <a:prstGeom prst="rect">
+            <a:avLst/>
+          </a:prstGeom>
+          <a:noFill/>
+        </p:spPr>
+        <p:txBody>
+          <a:bodyPr wrap="none" rtlCol="0">
+            <a:spAutoFit/>
+          </a:bodyPr>
+          <a:lstStyle/>
+          <a:p>
+            <a:r>
+              <a:rPr lang="en-US" sz="1200" dirty="0" err="1">
+                <a:latin typeface="Consolas" panose="020B0609020204030204" pitchFamily="49" charset="0"/>
+              </a:rPr>
+              <a:t>paddle_h</a:t>
+            </a:r>
+            <a:endParaRPr lang="en-US" sz="1200" dirty="0">
+              <a:latin typeface="Consolas" panose="020B0609020204030204" pitchFamily="49" charset="0"/>
+            </a:endParaRPr>
+          </a:p>
+        </p:txBody>
+      </p:sp>
+      <p:sp>
+        <p:nvSpPr>
+          <p:cNvPr id="18" name="TextBox 17">
+            <a:extLst>
+              <a:ext uri="{FF2B5EF4-FFF2-40B4-BE49-F238E27FC236}">
+                <a16:creationId xmlns:a16="http://schemas.microsoft.com/office/drawing/2014/main" id="{5BEF4DED-E7A0-4BC9-9C7C-7C5582E5F322}"/>
+              </a:ext>
+            </a:extLst>
+          </p:cNvPr>
+          <p:cNvSpPr txBox="1"/>
+          <p:nvPr/>
+        </p:nvSpPr>
+        <p:spPr>
+          <a:xfrm>
+            <a:off x="2813526" y="1170524"/>
+            <a:ext cx="1883849" cy="276999"/>
+          </a:xfrm>
+          <a:prstGeom prst="rect">
+            <a:avLst/>
+          </a:prstGeom>
+          <a:noFill/>
+        </p:spPr>
+        <p:txBody>
+          <a:bodyPr wrap="none" rtlCol="0">
+            <a:spAutoFit/>
+          </a:bodyPr>
+          <a:lstStyle/>
+          <a:p>
+            <a:r>
+              <a:rPr lang="en-US" sz="1200" dirty="0">
+                <a:latin typeface="Consolas" panose="020B0609020204030204" pitchFamily="49" charset="0"/>
+              </a:rPr>
+              <a:t>(</a:t>
+            </a:r>
+            <a:r>
+              <a:rPr lang="en-US" sz="1200" dirty="0" err="1">
+                <a:latin typeface="Consolas" panose="020B0609020204030204" pitchFamily="49" charset="0"/>
+              </a:rPr>
+              <a:t>paddle_x</a:t>
+            </a:r>
+            <a:r>
+              <a:rPr lang="en-US" sz="1200" dirty="0">
+                <a:latin typeface="Consolas" panose="020B0609020204030204" pitchFamily="49" charset="0"/>
+              </a:rPr>
+              <a:t>, </a:t>
+            </a:r>
+            <a:r>
+              <a:rPr lang="en-US" sz="1200" dirty="0" err="1">
+                <a:latin typeface="Consolas" panose="020B0609020204030204" pitchFamily="49" charset="0"/>
+              </a:rPr>
+              <a:t>paddle_y</a:t>
+            </a:r>
+            <a:r>
+              <a:rPr lang="en-US" sz="1200" dirty="0">
+                <a:latin typeface="Consolas" panose="020B0609020204030204" pitchFamily="49" charset="0"/>
+              </a:rPr>
+              <a:t>)</a:t>
+            </a:r>
+          </a:p>
+        </p:txBody>
+      </p:sp>
+      <p:sp>
+        <p:nvSpPr>
+          <p:cNvPr id="19" name="Freeform: Shape 18">
+            <a:extLst>
+              <a:ext uri="{FF2B5EF4-FFF2-40B4-BE49-F238E27FC236}">
+                <a16:creationId xmlns:a16="http://schemas.microsoft.com/office/drawing/2014/main" id="{F686832D-B4C7-4E63-B598-EE4CD703B02F}"/>
+              </a:ext>
+            </a:extLst>
+          </p:cNvPr>
+          <p:cNvSpPr/>
+          <p:nvPr/>
+        </p:nvSpPr>
+        <p:spPr>
+          <a:xfrm>
+            <a:off x="3753134" y="1313426"/>
+            <a:ext cx="1937982" cy="425350"/>
+          </a:xfrm>
+          <a:custGeom>
+            <a:avLst/>
+            <a:gdLst>
+              <a:gd name="connsiteX0" fmla="*/ 0 w 1937982"/>
+              <a:gd name="connsiteY0" fmla="*/ 105941 h 425350"/>
+              <a:gd name="connsiteX1" fmla="*/ 1032681 w 1937982"/>
+              <a:gd name="connsiteY1" fmla="*/ 424389 h 425350"/>
+              <a:gd name="connsiteX2" fmla="*/ 1442114 w 1937982"/>
+              <a:gd name="connsiteY2" fmla="*/ 14956 h 425350"/>
+              <a:gd name="connsiteX3" fmla="*/ 1937982 w 1937982"/>
+              <a:gd name="connsiteY3" fmla="*/ 128687 h 425350"/>
+            </a:gdLst>
+            <a:ahLst/>
+            <a:cxnLst>
+              <a:cxn ang="0">
+                <a:pos x="connsiteX0" y="connsiteY0"/>
+              </a:cxn>
+              <a:cxn ang="0">
+                <a:pos x="connsiteX1" y="connsiteY1"/>
+              </a:cxn>
+              <a:cxn ang="0">
+                <a:pos x="connsiteX2" y="connsiteY2"/>
+              </a:cxn>
+              <a:cxn ang="0">
+                <a:pos x="connsiteX3" y="connsiteY3"/>
+              </a:cxn>
+            </a:cxnLst>
+            <a:rect l="l" t="t" r="r" b="b"/>
+            <a:pathLst>
+              <a:path w="1937982" h="425350">
+                <a:moveTo>
+                  <a:pt x="0" y="105941"/>
+                </a:moveTo>
+                <a:cubicBezTo>
+                  <a:pt x="396164" y="272747"/>
+                  <a:pt x="792329" y="439553"/>
+                  <a:pt x="1032681" y="424389"/>
+                </a:cubicBezTo>
+                <a:cubicBezTo>
+                  <a:pt x="1273033" y="409225"/>
+                  <a:pt x="1291231" y="64240"/>
+                  <a:pt x="1442114" y="14956"/>
+                </a:cubicBezTo>
+                <a:cubicBezTo>
+                  <a:pt x="1592997" y="-34328"/>
+                  <a:pt x="1765489" y="47179"/>
+                  <a:pt x="1937982" y="128687"/>
+                </a:cubicBezTo>
+              </a:path>
+            </a:pathLst>
+          </a:custGeom>
+          <a:ln w="9525" cap="flat" cmpd="sng" algn="ctr">
+            <a:solidFill>
+              <a:schemeClr val="dk1"/>
+            </a:solidFill>
+            <a:prstDash val="solid"/>
+            <a:round/>
+            <a:headEnd type="none" w="med" len="med"/>
+            <a:tailEnd type="arrow" w="med" len="med"/>
+          </a:ln>
+        </p:spPr>
+        <p:style>
+          <a:lnRef idx="0">
+            <a:scrgbClr r="0" g="0" b="0"/>
+          </a:lnRef>
+          <a:fillRef idx="0">
+            <a:scrgbClr r="0" g="0" b="0"/>
+          </a:fillRef>
+          <a:effectRef idx="0">
+            <a:scrgbClr r="0" g="0" b="0"/>
+          </a:effectRef>
+          <a:fontRef idx="minor">
+            <a:schemeClr val="tx1"/>
+          </a:fontRef>
+        </p:style>
+        <p:txBody>
+          <a:bodyPr rtlCol="0" anchor="ctr"/>
+          <a:lstStyle/>
+          <a:p>
+            <a:pPr algn="ctr"/>
+            <a:endParaRPr lang="en-US"/>
+          </a:p>
+        </p:txBody>
+      </p:sp>
+      <p:cxnSp>
+        <p:nvCxnSpPr>
+          <p:cNvPr id="24" name="Straight Connector 23">
+            <a:extLst>
+              <a:ext uri="{FF2B5EF4-FFF2-40B4-BE49-F238E27FC236}">
+                <a16:creationId xmlns:a16="http://schemas.microsoft.com/office/drawing/2014/main" id="{3FBD36A3-E046-4530-99FF-6205D1C90F13}"/>
+              </a:ext>
+            </a:extLst>
+          </p:cNvPr>
+          <p:cNvCxnSpPr/>
+          <p:nvPr/>
+        </p:nvCxnSpPr>
+        <p:spPr>
+          <a:xfrm>
+            <a:off x="6486476" y="1447523"/>
+            <a:ext cx="1614098" cy="0"/>
+          </a:xfrm>
+          <a:prstGeom prst="line">
+            <a:avLst/>
+          </a:prstGeom>
+          <a:ln w="9525">
+            <a:prstDash val="sysDash"/>
+          </a:ln>
+        </p:spPr>
+        <p:style>
+          <a:lnRef idx="1">
+            <a:schemeClr val="accent1"/>
+          </a:lnRef>
+          <a:fillRef idx="0">
+            <a:schemeClr val="accent1"/>
+          </a:fillRef>
+          <a:effectRef idx="0">
+            <a:schemeClr val="accent1"/>
+          </a:effectRef>
+          <a:fontRef idx="minor">
+            <a:schemeClr val="tx1"/>
+          </a:fontRef>
+        </p:style>
+      </p:cxnSp>
+      <p:cxnSp>
+        <p:nvCxnSpPr>
+          <p:cNvPr id="25" name="Straight Connector 24">
+            <a:extLst>
+              <a:ext uri="{FF2B5EF4-FFF2-40B4-BE49-F238E27FC236}">
+                <a16:creationId xmlns:a16="http://schemas.microsoft.com/office/drawing/2014/main" id="{8E55D030-39CA-4A12-8DE5-24E489EFC733}"/>
+              </a:ext>
+            </a:extLst>
+          </p:cNvPr>
+          <p:cNvCxnSpPr/>
+          <p:nvPr/>
+        </p:nvCxnSpPr>
+        <p:spPr>
+          <a:xfrm>
+            <a:off x="6493019" y="5408981"/>
+            <a:ext cx="1614098" cy="0"/>
+          </a:xfrm>
+          <a:prstGeom prst="line">
+            <a:avLst/>
+          </a:prstGeom>
+          <a:ln w="9525">
+            <a:prstDash val="sysDash"/>
+          </a:ln>
+        </p:spPr>
+        <p:style>
+          <a:lnRef idx="1">
+            <a:schemeClr val="accent1"/>
+          </a:lnRef>
+          <a:fillRef idx="0">
+            <a:schemeClr val="accent1"/>
+          </a:fillRef>
+          <a:effectRef idx="0">
+            <a:schemeClr val="accent1"/>
+          </a:effectRef>
+          <a:fontRef idx="minor">
+            <a:schemeClr val="tx1"/>
+          </a:fontRef>
+        </p:style>
+      </p:cxnSp>
+      <p:sp>
+        <p:nvSpPr>
+          <p:cNvPr id="26" name="TextBox 25">
+            <a:extLst>
+              <a:ext uri="{FF2B5EF4-FFF2-40B4-BE49-F238E27FC236}">
+                <a16:creationId xmlns:a16="http://schemas.microsoft.com/office/drawing/2014/main" id="{DB3289FC-6569-4E7C-BBAB-78C5FED68ABC}"/>
+              </a:ext>
+            </a:extLst>
+          </p:cNvPr>
+          <p:cNvSpPr txBox="1"/>
+          <p:nvPr/>
+        </p:nvSpPr>
+        <p:spPr>
+          <a:xfrm>
+            <a:off x="8257649" y="1275406"/>
+            <a:ext cx="864339" cy="276999"/>
+          </a:xfrm>
+          <a:prstGeom prst="rect">
+            <a:avLst/>
+          </a:prstGeom>
+          <a:noFill/>
+        </p:spPr>
+        <p:txBody>
+          <a:bodyPr wrap="none" rtlCol="0">
+            <a:spAutoFit/>
+          </a:bodyPr>
+          <a:lstStyle/>
+          <a:p>
+            <a:r>
+              <a:rPr lang="en-US" sz="1200" dirty="0" err="1">
+                <a:latin typeface="Consolas" panose="020B0609020204030204" pitchFamily="49" charset="0"/>
+              </a:rPr>
+              <a:t>paddle_y</a:t>
+            </a:r>
+            <a:endParaRPr lang="en-US" sz="1200" dirty="0">
+              <a:latin typeface="Consolas" panose="020B0609020204030204" pitchFamily="49" charset="0"/>
+            </a:endParaRPr>
+          </a:p>
+        </p:txBody>
+      </p:sp>
+      <p:sp>
+        <p:nvSpPr>
+          <p:cNvPr id="27" name="TextBox 26">
+            <a:extLst>
+              <a:ext uri="{FF2B5EF4-FFF2-40B4-BE49-F238E27FC236}">
+                <a16:creationId xmlns:a16="http://schemas.microsoft.com/office/drawing/2014/main" id="{58499B29-656B-4D2E-A0C5-1784D27D7B05}"/>
+              </a:ext>
+            </a:extLst>
+          </p:cNvPr>
+          <p:cNvSpPr txBox="1"/>
+          <p:nvPr/>
+        </p:nvSpPr>
+        <p:spPr>
+          <a:xfrm>
+            <a:off x="8176948" y="5227099"/>
+            <a:ext cx="1798890" cy="276999"/>
+          </a:xfrm>
+          <a:prstGeom prst="rect">
+            <a:avLst/>
+          </a:prstGeom>
+          <a:noFill/>
+        </p:spPr>
+        <p:txBody>
+          <a:bodyPr wrap="none" rtlCol="0">
+            <a:spAutoFit/>
+          </a:bodyPr>
+          <a:lstStyle/>
+          <a:p>
+            <a:r>
+              <a:rPr lang="en-US" sz="1200" dirty="0" err="1">
+                <a:latin typeface="Consolas" panose="020B0609020204030204" pitchFamily="49" charset="0"/>
+              </a:rPr>
+              <a:t>paddle_y</a:t>
+            </a:r>
+            <a:r>
+              <a:rPr lang="en-US" sz="1200" dirty="0">
+                <a:latin typeface="Consolas" panose="020B0609020204030204" pitchFamily="49" charset="0"/>
+              </a:rPr>
+              <a:t> + </a:t>
+            </a:r>
+            <a:r>
+              <a:rPr lang="en-US" sz="1200" dirty="0" err="1">
+                <a:latin typeface="Consolas" panose="020B0609020204030204" pitchFamily="49" charset="0"/>
+              </a:rPr>
+              <a:t>paddle_h</a:t>
+            </a:r>
+            <a:endParaRPr lang="en-US" sz="1200" dirty="0">
+              <a:latin typeface="Consolas" panose="020B0609020204030204" pitchFamily="49" charset="0"/>
+            </a:endParaRPr>
+          </a:p>
+        </p:txBody>
+      </p:sp>
+      <p:sp>
+        <p:nvSpPr>
+          <p:cNvPr id="28" name="Rectangle 27">
+            <a:extLst>
+              <a:ext uri="{FF2B5EF4-FFF2-40B4-BE49-F238E27FC236}">
+                <a16:creationId xmlns:a16="http://schemas.microsoft.com/office/drawing/2014/main" id="{79462848-6B3E-494A-BB88-CBA4BC05322C}"/>
+              </a:ext>
+            </a:extLst>
+          </p:cNvPr>
+          <p:cNvSpPr/>
+          <p:nvPr/>
+        </p:nvSpPr>
+        <p:spPr>
+          <a:xfrm>
+            <a:off x="6412019" y="2445880"/>
+            <a:ext cx="1477401" cy="1486601"/>
+          </a:xfrm>
+          <a:prstGeom prst="rect">
+            <a:avLst/>
+          </a:prstGeom>
+          <a:noFill/>
+          <a:ln w="3175"/>
+        </p:spPr>
+        <p:style>
+          <a:lnRef idx="2">
+            <a:schemeClr val="accent1">
+              <a:shade val="50000"/>
+            </a:schemeClr>
+          </a:lnRef>
+          <a:fillRef idx="1">
+            <a:schemeClr val="accent1"/>
+          </a:fillRef>
+          <a:effectRef idx="0">
+            <a:schemeClr val="accent1"/>
+          </a:effectRef>
+          <a:fontRef idx="minor">
+            <a:schemeClr val="lt1"/>
+          </a:fontRef>
+        </p:style>
+        <p:txBody>
+          <a:bodyPr rtlCol="0" anchor="ctr"/>
+          <a:lstStyle/>
+          <a:p>
+            <a:pPr algn="ctr"/>
+            <a:endParaRPr lang="en-US"/>
+          </a:p>
+        </p:txBody>
+      </p:sp>
+      <p:sp>
+        <p:nvSpPr>
+          <p:cNvPr id="29" name="TextBox 28">
+            <a:extLst>
+              <a:ext uri="{FF2B5EF4-FFF2-40B4-BE49-F238E27FC236}">
+                <a16:creationId xmlns:a16="http://schemas.microsoft.com/office/drawing/2014/main" id="{F96C460E-AB99-4136-BD51-BCC7B35A07D1}"/>
+              </a:ext>
+            </a:extLst>
+          </p:cNvPr>
+          <p:cNvSpPr txBox="1"/>
+          <p:nvPr/>
+        </p:nvSpPr>
+        <p:spPr>
+          <a:xfrm>
+            <a:off x="7495183" y="2008691"/>
+            <a:ext cx="1883849" cy="276999"/>
+          </a:xfrm>
+          <a:prstGeom prst="rect">
+            <a:avLst/>
+          </a:prstGeom>
+          <a:noFill/>
+        </p:spPr>
+        <p:txBody>
+          <a:bodyPr wrap="none" rtlCol="0">
+            <a:spAutoFit/>
+          </a:bodyPr>
+          <a:lstStyle/>
+          <a:p>
+            <a:r>
+              <a:rPr lang="en-US" sz="1200" dirty="0">
+                <a:latin typeface="Consolas" panose="020B0609020204030204" pitchFamily="49" charset="0"/>
+              </a:rPr>
+              <a:t>(</a:t>
+            </a:r>
+            <a:r>
+              <a:rPr lang="en-US" sz="1200" dirty="0" err="1">
+                <a:latin typeface="Consolas" panose="020B0609020204030204" pitchFamily="49" charset="0"/>
+              </a:rPr>
+              <a:t>paddle_x</a:t>
+            </a:r>
+            <a:r>
+              <a:rPr lang="en-US" sz="1200" dirty="0">
+                <a:latin typeface="Consolas" panose="020B0609020204030204" pitchFamily="49" charset="0"/>
+              </a:rPr>
+              <a:t>, </a:t>
+            </a:r>
+            <a:r>
+              <a:rPr lang="en-US" sz="1200" dirty="0" err="1">
+                <a:latin typeface="Consolas" panose="020B0609020204030204" pitchFamily="49" charset="0"/>
+              </a:rPr>
+              <a:t>paddle_y</a:t>
+            </a:r>
+            <a:r>
+              <a:rPr lang="en-US" sz="1200" dirty="0">
+                <a:latin typeface="Consolas" panose="020B0609020204030204" pitchFamily="49" charset="0"/>
+              </a:rPr>
+              <a:t>)</a:t>
+            </a:r>
+          </a:p>
+        </p:txBody>
+      </p:sp>
+      <p:sp>
+        <p:nvSpPr>
+          <p:cNvPr id="30" name="Freeform: Shape 29">
+            <a:extLst>
+              <a:ext uri="{FF2B5EF4-FFF2-40B4-BE49-F238E27FC236}">
+                <a16:creationId xmlns:a16="http://schemas.microsoft.com/office/drawing/2014/main" id="{F681CD50-4851-4745-A9E8-9A4AD2C90E48}"/>
+              </a:ext>
+            </a:extLst>
+          </p:cNvPr>
+          <p:cNvSpPr/>
+          <p:nvPr/>
+        </p:nvSpPr>
+        <p:spPr>
+          <a:xfrm>
+            <a:off x="6050455" y="2154154"/>
+            <a:ext cx="1469533" cy="298534"/>
+          </a:xfrm>
+          <a:custGeom>
+            <a:avLst/>
+            <a:gdLst>
+              <a:gd name="connsiteX0" fmla="*/ 1469533 w 1469533"/>
+              <a:gd name="connsiteY0" fmla="*/ 36596 h 298534"/>
+              <a:gd name="connsiteX1" fmla="*/ 40783 w 1469533"/>
+              <a:gd name="connsiteY1" fmla="*/ 22309 h 298534"/>
+              <a:gd name="connsiteX2" fmla="*/ 359870 w 1469533"/>
+              <a:gd name="connsiteY2" fmla="*/ 298534 h 298534"/>
+              <a:gd name="connsiteX3" fmla="*/ 359870 w 1469533"/>
+              <a:gd name="connsiteY3" fmla="*/ 298534 h 298534"/>
+            </a:gdLst>
+            <a:ahLst/>
+            <a:cxnLst>
+              <a:cxn ang="0">
+                <a:pos x="connsiteX0" y="connsiteY0"/>
+              </a:cxn>
+              <a:cxn ang="0">
+                <a:pos x="connsiteX1" y="connsiteY1"/>
+              </a:cxn>
+              <a:cxn ang="0">
+                <a:pos x="connsiteX2" y="connsiteY2"/>
+              </a:cxn>
+              <a:cxn ang="0">
+                <a:pos x="connsiteX3" y="connsiteY3"/>
+              </a:cxn>
+            </a:cxnLst>
+            <a:rect l="l" t="t" r="r" b="b"/>
+            <a:pathLst>
+              <a:path w="1469533" h="298534">
+                <a:moveTo>
+                  <a:pt x="1469533" y="36596"/>
+                </a:moveTo>
+                <a:cubicBezTo>
+                  <a:pt x="847630" y="7624"/>
+                  <a:pt x="225727" y="-21347"/>
+                  <a:pt x="40783" y="22309"/>
+                </a:cubicBezTo>
+                <a:cubicBezTo>
+                  <a:pt x="-144161" y="65965"/>
+                  <a:pt x="359870" y="298534"/>
+                  <a:pt x="359870" y="298534"/>
+                </a:cubicBezTo>
+                <a:lnTo>
+                  <a:pt x="359870" y="298534"/>
+                </a:lnTo>
+              </a:path>
+            </a:pathLst>
+          </a:custGeom>
+          <a:ln w="9525" cap="flat" cmpd="sng" algn="ctr">
+            <a:solidFill>
+              <a:schemeClr val="dk1"/>
+            </a:solidFill>
+            <a:prstDash val="solid"/>
+            <a:round/>
+            <a:headEnd type="none" w="med" len="med"/>
+            <a:tailEnd type="arrow" w="med" len="med"/>
+          </a:ln>
+        </p:spPr>
+        <p:style>
+          <a:lnRef idx="0">
+            <a:scrgbClr r="0" g="0" b="0"/>
+          </a:lnRef>
+          <a:fillRef idx="0">
+            <a:scrgbClr r="0" g="0" b="0"/>
+          </a:fillRef>
+          <a:effectRef idx="0">
+            <a:scrgbClr r="0" g="0" b="0"/>
+          </a:effectRef>
+          <a:fontRef idx="minor">
+            <a:schemeClr val="tx1"/>
+          </a:fontRef>
+        </p:style>
+        <p:txBody>
+          <a:bodyPr rtlCol="0" anchor="ctr"/>
+          <a:lstStyle/>
+          <a:p>
+            <a:pPr algn="ctr"/>
+            <a:endParaRPr lang="en-US"/>
+          </a:p>
+        </p:txBody>
+      </p:sp>
+      <p:sp>
+        <p:nvSpPr>
+          <p:cNvPr id="31" name="TextBox 30">
+            <a:extLst>
+              <a:ext uri="{FF2B5EF4-FFF2-40B4-BE49-F238E27FC236}">
+                <a16:creationId xmlns:a16="http://schemas.microsoft.com/office/drawing/2014/main" id="{414245F2-504A-4A00-89A1-2A8AF61958B1}"/>
+              </a:ext>
+            </a:extLst>
+          </p:cNvPr>
+          <p:cNvSpPr txBox="1"/>
+          <p:nvPr/>
+        </p:nvSpPr>
+        <p:spPr>
+          <a:xfrm>
+            <a:off x="6717735" y="3932481"/>
+            <a:ext cx="694421" cy="276999"/>
+          </a:xfrm>
+          <a:prstGeom prst="rect">
+            <a:avLst/>
+          </a:prstGeom>
+          <a:noFill/>
+        </p:spPr>
+        <p:txBody>
+          <a:bodyPr wrap="none" rtlCol="0">
+            <a:spAutoFit/>
+          </a:bodyPr>
+          <a:lstStyle/>
+          <a:p>
+            <a:r>
+              <a:rPr lang="en-US" sz="1200" dirty="0" err="1">
+                <a:latin typeface="Consolas" panose="020B0609020204030204" pitchFamily="49" charset="0"/>
+              </a:rPr>
+              <a:t>ball_w</a:t>
+            </a:r>
+            <a:endParaRPr lang="en-US" sz="1200" dirty="0">
+              <a:latin typeface="Consolas" panose="020B0609020204030204" pitchFamily="49" charset="0"/>
+            </a:endParaRPr>
+          </a:p>
+        </p:txBody>
+      </p:sp>
+      <p:sp>
+        <p:nvSpPr>
+          <p:cNvPr id="32" name="TextBox 31">
+            <a:extLst>
+              <a:ext uri="{FF2B5EF4-FFF2-40B4-BE49-F238E27FC236}">
+                <a16:creationId xmlns:a16="http://schemas.microsoft.com/office/drawing/2014/main" id="{1C0A43A6-1AE8-4F34-8928-C4034BF9BF68}"/>
+              </a:ext>
+            </a:extLst>
+          </p:cNvPr>
+          <p:cNvSpPr txBox="1"/>
+          <p:nvPr/>
+        </p:nvSpPr>
+        <p:spPr>
+          <a:xfrm rot="16200000">
+            <a:off x="7739250" y="3050680"/>
+            <a:ext cx="694421" cy="276999"/>
+          </a:xfrm>
+          <a:prstGeom prst="rect">
+            <a:avLst/>
+          </a:prstGeom>
+          <a:noFill/>
+        </p:spPr>
+        <p:txBody>
+          <a:bodyPr wrap="none" rtlCol="0">
+            <a:spAutoFit/>
+          </a:bodyPr>
+          <a:lstStyle/>
+          <a:p>
+            <a:r>
+              <a:rPr lang="en-US" sz="1200" dirty="0" err="1">
+                <a:latin typeface="Consolas" panose="020B0609020204030204" pitchFamily="49" charset="0"/>
+              </a:rPr>
+              <a:t>ball_h</a:t>
+            </a:r>
+            <a:endParaRPr lang="en-US" sz="1200" dirty="0">
+              <a:latin typeface="Consolas" panose="020B0609020204030204" pitchFamily="49" charset="0"/>
+            </a:endParaRPr>
+          </a:p>
+        </p:txBody>
+      </p:sp>
     </p:spTree>
     <p:extLst>
       <p:ext uri="{BB962C8B-B14F-4D97-AF65-F5344CB8AC3E}">

--- a/images/pygame_rect_window.pptx
+++ b/images/pygame_rect_window.pptx
@@ -259,7 +259,7 @@
           <a:p>
             <a:fld id="{856FFBE8-0159-4FDA-8D70-04C5D85E84A4}" type="datetimeFigureOut">
               <a:rPr lang="en-US" smtClean="0"/>
-              <a:t>7/13/2017</a:t>
+              <a:t>7/15/2017</a:t>
             </a:fld>
             <a:endParaRPr lang="en-US"/>
           </a:p>
@@ -427,7 +427,7 @@
           <a:p>
             <a:fld id="{856FFBE8-0159-4FDA-8D70-04C5D85E84A4}" type="datetimeFigureOut">
               <a:rPr lang="en-US" smtClean="0"/>
-              <a:t>7/13/2017</a:t>
+              <a:t>7/15/2017</a:t>
             </a:fld>
             <a:endParaRPr lang="en-US"/>
           </a:p>
@@ -605,7 +605,7 @@
           <a:p>
             <a:fld id="{856FFBE8-0159-4FDA-8D70-04C5D85E84A4}" type="datetimeFigureOut">
               <a:rPr lang="en-US" smtClean="0"/>
-              <a:t>7/13/2017</a:t>
+              <a:t>7/15/2017</a:t>
             </a:fld>
             <a:endParaRPr lang="en-US"/>
           </a:p>
@@ -773,7 +773,7 @@
           <a:p>
             <a:fld id="{856FFBE8-0159-4FDA-8D70-04C5D85E84A4}" type="datetimeFigureOut">
               <a:rPr lang="en-US" smtClean="0"/>
-              <a:t>7/13/2017</a:t>
+              <a:t>7/15/2017</a:t>
             </a:fld>
             <a:endParaRPr lang="en-US"/>
           </a:p>
@@ -1018,7 +1018,7 @@
           <a:p>
             <a:fld id="{856FFBE8-0159-4FDA-8D70-04C5D85E84A4}" type="datetimeFigureOut">
               <a:rPr lang="en-US" smtClean="0"/>
-              <a:t>7/13/2017</a:t>
+              <a:t>7/15/2017</a:t>
             </a:fld>
             <a:endParaRPr lang="en-US"/>
           </a:p>
@@ -1247,7 +1247,7 @@
           <a:p>
             <a:fld id="{856FFBE8-0159-4FDA-8D70-04C5D85E84A4}" type="datetimeFigureOut">
               <a:rPr lang="en-US" smtClean="0"/>
-              <a:t>7/13/2017</a:t>
+              <a:t>7/15/2017</a:t>
             </a:fld>
             <a:endParaRPr lang="en-US"/>
           </a:p>
@@ -1611,7 +1611,7 @@
           <a:p>
             <a:fld id="{856FFBE8-0159-4FDA-8D70-04C5D85E84A4}" type="datetimeFigureOut">
               <a:rPr lang="en-US" smtClean="0"/>
-              <a:t>7/13/2017</a:t>
+              <a:t>7/15/2017</a:t>
             </a:fld>
             <a:endParaRPr lang="en-US"/>
           </a:p>
@@ -1728,7 +1728,7 @@
           <a:p>
             <a:fld id="{856FFBE8-0159-4FDA-8D70-04C5D85E84A4}" type="datetimeFigureOut">
               <a:rPr lang="en-US" smtClean="0"/>
-              <a:t>7/13/2017</a:t>
+              <a:t>7/15/2017</a:t>
             </a:fld>
             <a:endParaRPr lang="en-US"/>
           </a:p>
@@ -1823,7 +1823,7 @@
           <a:p>
             <a:fld id="{856FFBE8-0159-4FDA-8D70-04C5D85E84A4}" type="datetimeFigureOut">
               <a:rPr lang="en-US" smtClean="0"/>
-              <a:t>7/13/2017</a:t>
+              <a:t>7/15/2017</a:t>
             </a:fld>
             <a:endParaRPr lang="en-US"/>
           </a:p>
@@ -2098,7 +2098,7 @@
           <a:p>
             <a:fld id="{856FFBE8-0159-4FDA-8D70-04C5D85E84A4}" type="datetimeFigureOut">
               <a:rPr lang="en-US" smtClean="0"/>
-              <a:t>7/13/2017</a:t>
+              <a:t>7/15/2017</a:t>
             </a:fld>
             <a:endParaRPr lang="en-US"/>
           </a:p>
@@ -2350,7 +2350,7 @@
           <a:p>
             <a:fld id="{856FFBE8-0159-4FDA-8D70-04C5D85E84A4}" type="datetimeFigureOut">
               <a:rPr lang="en-US" smtClean="0"/>
-              <a:t>7/13/2017</a:t>
+              <a:t>7/15/2017</a:t>
             </a:fld>
             <a:endParaRPr lang="en-US"/>
           </a:p>
@@ -2561,7 +2561,7 @@
           <a:p>
             <a:fld id="{856FFBE8-0159-4FDA-8D70-04C5D85E84A4}" type="datetimeFigureOut">
               <a:rPr lang="en-US" smtClean="0"/>
-              <a:t>7/13/2017</a:t>
+              <a:t>7/15/2017</a:t>
             </a:fld>
             <a:endParaRPr lang="en-US"/>
           </a:p>
@@ -6090,786 +6090,939 @@
           <a:chExt cx="0" cy="0"/>
         </a:xfrm>
       </p:grpSpPr>
-      <p:pic>
-        <p:nvPicPr>
-          <p:cNvPr id="22" name="Picture 21" descr="A close up of a logo&#10;&#10;Description generated with high confidence">
+      <p:grpSp>
+        <p:nvGrpSpPr>
+          <p:cNvPr id="9" name="Group 8">
             <a:extLst>
               <a:ext uri="{FF2B5EF4-FFF2-40B4-BE49-F238E27FC236}">
-                <a16:creationId xmlns:a16="http://schemas.microsoft.com/office/drawing/2014/main" id="{10C8D5CF-E347-4253-9BBD-1E6933F40EBA}"/>
+                <a16:creationId xmlns:a16="http://schemas.microsoft.com/office/drawing/2014/main" id="{AE972B35-A3F8-4D0E-BF4B-E1F414AC49A0}"/>
               </a:ext>
             </a:extLst>
           </p:cNvPr>
-          <p:cNvPicPr>
-            <a:picLocks noChangeAspect="1"/>
-          </p:cNvPicPr>
+          <p:cNvGrpSpPr/>
           <p:nvPr/>
-        </p:nvPicPr>
-        <p:blipFill>
-          <a:blip r:embed="rId2">
-            <a:extLst>
-              <a:ext uri="{28A0092B-C50C-407E-A947-70E740481C1C}">
-                <a14:useLocalDpi xmlns:a14="http://schemas.microsoft.com/office/drawing/2010/main" val="0"/>
-              </a:ext>
-            </a:extLst>
-          </a:blip>
-          <a:stretch>
-            <a:fillRect/>
-          </a:stretch>
-        </p:blipFill>
-        <p:spPr>
-          <a:xfrm>
-            <a:off x="5705524" y="1448047"/>
-            <a:ext cx="780952" cy="3961905"/>
-          </a:xfrm>
-          <a:prstGeom prst="rect">
-            <a:avLst/>
-          </a:prstGeom>
-          <a:ln w="3175">
-            <a:solidFill>
-              <a:schemeClr val="tx1"/>
-            </a:solidFill>
-          </a:ln>
-        </p:spPr>
-      </p:pic>
-      <p:pic>
-        <p:nvPicPr>
-          <p:cNvPr id="7" name="Picture 6" descr="A picture containing dome&#10;&#10;Description generated with high confidence">
-            <a:extLst>
-              <a:ext uri="{FF2B5EF4-FFF2-40B4-BE49-F238E27FC236}">
-                <a16:creationId xmlns:a16="http://schemas.microsoft.com/office/drawing/2014/main" id="{FF47CB79-4A29-4F5D-B13B-9C346E666908}"/>
-              </a:ext>
-            </a:extLst>
-          </p:cNvPr>
-          <p:cNvPicPr>
-            <a:picLocks noChangeAspect="1"/>
-          </p:cNvPicPr>
-          <p:nvPr/>
-        </p:nvPicPr>
-        <p:blipFill>
-          <a:blip r:embed="rId3">
-            <a:extLst>
-              <a:ext uri="{28A0092B-C50C-407E-A947-70E740481C1C}">
-                <a14:useLocalDpi xmlns:a14="http://schemas.microsoft.com/office/drawing/2010/main" val="0"/>
-              </a:ext>
-            </a:extLst>
-          </a:blip>
-          <a:stretch>
-            <a:fillRect/>
-          </a:stretch>
-        </p:blipFill>
-        <p:spPr>
-          <a:xfrm rot="7457934">
-            <a:off x="6401931" y="2458179"/>
-            <a:ext cx="1495949" cy="1466030"/>
-          </a:xfrm>
-          <a:prstGeom prst="rect">
-            <a:avLst/>
-          </a:prstGeom>
-          <a:ln>
-            <a:noFill/>
-          </a:ln>
-        </p:spPr>
-      </p:pic>
-      <p:sp>
-        <p:nvSpPr>
-          <p:cNvPr id="16" name="TextBox 15">
-            <a:extLst>
-              <a:ext uri="{FF2B5EF4-FFF2-40B4-BE49-F238E27FC236}">
-                <a16:creationId xmlns:a16="http://schemas.microsoft.com/office/drawing/2014/main" id="{F6ED1E9F-D4AD-4C1D-9BED-1A2C3061042F}"/>
-              </a:ext>
-            </a:extLst>
-          </p:cNvPr>
-          <p:cNvSpPr txBox="1"/>
-          <p:nvPr/>
-        </p:nvSpPr>
-        <p:spPr>
-          <a:xfrm>
-            <a:off x="5663830" y="5365599"/>
-            <a:ext cx="864339" cy="276999"/>
-          </a:xfrm>
-          <a:prstGeom prst="rect">
-            <a:avLst/>
-          </a:prstGeom>
-          <a:noFill/>
-        </p:spPr>
-        <p:txBody>
-          <a:bodyPr wrap="none" rtlCol="0">
-            <a:spAutoFit/>
-          </a:bodyPr>
-          <a:lstStyle/>
-          <a:p>
-            <a:r>
-              <a:rPr lang="en-US" sz="1200" dirty="0" err="1">
-                <a:latin typeface="Consolas" panose="020B0609020204030204" pitchFamily="49" charset="0"/>
-              </a:rPr>
-              <a:t>paddle_w</a:t>
-            </a:r>
-            <a:endParaRPr lang="en-US" sz="1200" dirty="0">
-              <a:latin typeface="Consolas" panose="020B0609020204030204" pitchFamily="49" charset="0"/>
-            </a:endParaRPr>
-          </a:p>
-        </p:txBody>
-      </p:sp>
-      <p:sp>
-        <p:nvSpPr>
-          <p:cNvPr id="17" name="TextBox 16">
-            <a:extLst>
-              <a:ext uri="{FF2B5EF4-FFF2-40B4-BE49-F238E27FC236}">
-                <a16:creationId xmlns:a16="http://schemas.microsoft.com/office/drawing/2014/main" id="{B0B2154D-F646-4640-A675-DF101D90EA42}"/>
-              </a:ext>
-            </a:extLst>
-          </p:cNvPr>
-          <p:cNvSpPr txBox="1"/>
-          <p:nvPr/>
-        </p:nvSpPr>
-        <p:spPr>
-          <a:xfrm rot="16200000">
-            <a:off x="5007272" y="3290499"/>
-            <a:ext cx="864339" cy="276999"/>
-          </a:xfrm>
-          <a:prstGeom prst="rect">
-            <a:avLst/>
-          </a:prstGeom>
-          <a:noFill/>
-        </p:spPr>
-        <p:txBody>
-          <a:bodyPr wrap="none" rtlCol="0">
-            <a:spAutoFit/>
-          </a:bodyPr>
-          <a:lstStyle/>
-          <a:p>
-            <a:r>
-              <a:rPr lang="en-US" sz="1200" dirty="0" err="1">
-                <a:latin typeface="Consolas" panose="020B0609020204030204" pitchFamily="49" charset="0"/>
-              </a:rPr>
-              <a:t>paddle_h</a:t>
-            </a:r>
-            <a:endParaRPr lang="en-US" sz="1200" dirty="0">
-              <a:latin typeface="Consolas" panose="020B0609020204030204" pitchFamily="49" charset="0"/>
-            </a:endParaRPr>
-          </a:p>
-        </p:txBody>
-      </p:sp>
-      <p:sp>
-        <p:nvSpPr>
-          <p:cNvPr id="18" name="TextBox 17">
-            <a:extLst>
-              <a:ext uri="{FF2B5EF4-FFF2-40B4-BE49-F238E27FC236}">
-                <a16:creationId xmlns:a16="http://schemas.microsoft.com/office/drawing/2014/main" id="{5BEF4DED-E7A0-4BC9-9C7C-7C5582E5F322}"/>
-              </a:ext>
-            </a:extLst>
-          </p:cNvPr>
-          <p:cNvSpPr txBox="1"/>
-          <p:nvPr/>
-        </p:nvSpPr>
-        <p:spPr>
+        </p:nvGrpSpPr>
+        <p:grpSpPr>
           <a:xfrm>
             <a:off x="2813526" y="1170524"/>
-            <a:ext cx="1883849" cy="276999"/>
+            <a:ext cx="7162312" cy="4472074"/>
+            <a:chOff x="2813526" y="1170524"/>
+            <a:chExt cx="7162312" cy="4472074"/>
           </a:xfrm>
-          <a:prstGeom prst="rect">
-            <a:avLst/>
-          </a:prstGeom>
-          <a:noFill/>
-        </p:spPr>
-        <p:txBody>
-          <a:bodyPr wrap="none" rtlCol="0">
-            <a:spAutoFit/>
-          </a:bodyPr>
-          <a:lstStyle/>
-          <a:p>
-            <a:r>
-              <a:rPr lang="en-US" sz="1200" dirty="0">
-                <a:latin typeface="Consolas" panose="020B0609020204030204" pitchFamily="49" charset="0"/>
-              </a:rPr>
-              <a:t>(</a:t>
-            </a:r>
-            <a:r>
-              <a:rPr lang="en-US" sz="1200" dirty="0" err="1">
-                <a:latin typeface="Consolas" panose="020B0609020204030204" pitchFamily="49" charset="0"/>
-              </a:rPr>
-              <a:t>paddle_x</a:t>
-            </a:r>
-            <a:r>
-              <a:rPr lang="en-US" sz="1200" dirty="0">
-                <a:latin typeface="Consolas" panose="020B0609020204030204" pitchFamily="49" charset="0"/>
-              </a:rPr>
-              <a:t>, </a:t>
-            </a:r>
-            <a:r>
-              <a:rPr lang="en-US" sz="1200" dirty="0" err="1">
-                <a:latin typeface="Consolas" panose="020B0609020204030204" pitchFamily="49" charset="0"/>
-              </a:rPr>
-              <a:t>paddle_y</a:t>
-            </a:r>
-            <a:r>
-              <a:rPr lang="en-US" sz="1200" dirty="0">
-                <a:latin typeface="Consolas" panose="020B0609020204030204" pitchFamily="49" charset="0"/>
-              </a:rPr>
-              <a:t>)</a:t>
-            </a:r>
-          </a:p>
-        </p:txBody>
-      </p:sp>
-      <p:sp>
-        <p:nvSpPr>
-          <p:cNvPr id="19" name="Freeform: Shape 18">
-            <a:extLst>
-              <a:ext uri="{FF2B5EF4-FFF2-40B4-BE49-F238E27FC236}">
-                <a16:creationId xmlns:a16="http://schemas.microsoft.com/office/drawing/2014/main" id="{F686832D-B4C7-4E63-B598-EE4CD703B02F}"/>
-              </a:ext>
-            </a:extLst>
-          </p:cNvPr>
-          <p:cNvSpPr/>
-          <p:nvPr/>
-        </p:nvSpPr>
-        <p:spPr>
-          <a:xfrm>
-            <a:off x="3753134" y="1313426"/>
-            <a:ext cx="1937982" cy="425350"/>
-          </a:xfrm>
-          <a:custGeom>
-            <a:avLst/>
-            <a:gdLst>
-              <a:gd name="connsiteX0" fmla="*/ 0 w 1937982"/>
-              <a:gd name="connsiteY0" fmla="*/ 105941 h 425350"/>
-              <a:gd name="connsiteX1" fmla="*/ 1032681 w 1937982"/>
-              <a:gd name="connsiteY1" fmla="*/ 424389 h 425350"/>
-              <a:gd name="connsiteX2" fmla="*/ 1442114 w 1937982"/>
-              <a:gd name="connsiteY2" fmla="*/ 14956 h 425350"/>
-              <a:gd name="connsiteX3" fmla="*/ 1937982 w 1937982"/>
-              <a:gd name="connsiteY3" fmla="*/ 128687 h 425350"/>
-            </a:gdLst>
-            <a:ahLst/>
-            <a:cxnLst>
-              <a:cxn ang="0">
-                <a:pos x="connsiteX0" y="connsiteY0"/>
-              </a:cxn>
-              <a:cxn ang="0">
-                <a:pos x="connsiteX1" y="connsiteY1"/>
-              </a:cxn>
-              <a:cxn ang="0">
-                <a:pos x="connsiteX2" y="connsiteY2"/>
-              </a:cxn>
-              <a:cxn ang="0">
-                <a:pos x="connsiteX3" y="connsiteY3"/>
-              </a:cxn>
-            </a:cxnLst>
-            <a:rect l="l" t="t" r="r" b="b"/>
-            <a:pathLst>
-              <a:path w="1937982" h="425350">
-                <a:moveTo>
-                  <a:pt x="0" y="105941"/>
-                </a:moveTo>
-                <a:cubicBezTo>
-                  <a:pt x="396164" y="272747"/>
-                  <a:pt x="792329" y="439553"/>
-                  <a:pt x="1032681" y="424389"/>
-                </a:cubicBezTo>
-                <a:cubicBezTo>
-                  <a:pt x="1273033" y="409225"/>
-                  <a:pt x="1291231" y="64240"/>
-                  <a:pt x="1442114" y="14956"/>
-                </a:cubicBezTo>
-                <a:cubicBezTo>
-                  <a:pt x="1592997" y="-34328"/>
-                  <a:pt x="1765489" y="47179"/>
-                  <a:pt x="1937982" y="128687"/>
-                </a:cubicBezTo>
-              </a:path>
-            </a:pathLst>
-          </a:custGeom>
-          <a:ln w="9525" cap="flat" cmpd="sng" algn="ctr">
-            <a:solidFill>
-              <a:schemeClr val="dk1"/>
-            </a:solidFill>
-            <a:prstDash val="solid"/>
-            <a:round/>
-            <a:headEnd type="none" w="med" len="med"/>
-            <a:tailEnd type="arrow" w="med" len="med"/>
-          </a:ln>
-        </p:spPr>
-        <p:style>
-          <a:lnRef idx="0">
-            <a:scrgbClr r="0" g="0" b="0"/>
-          </a:lnRef>
-          <a:fillRef idx="0">
-            <a:scrgbClr r="0" g="0" b="0"/>
-          </a:fillRef>
-          <a:effectRef idx="0">
-            <a:scrgbClr r="0" g="0" b="0"/>
-          </a:effectRef>
-          <a:fontRef idx="minor">
-            <a:schemeClr val="tx1"/>
-          </a:fontRef>
-        </p:style>
-        <p:txBody>
-          <a:bodyPr rtlCol="0" anchor="ctr"/>
-          <a:lstStyle/>
-          <a:p>
-            <a:pPr algn="ctr"/>
-            <a:endParaRPr lang="en-US"/>
-          </a:p>
-        </p:txBody>
-      </p:sp>
-      <p:cxnSp>
-        <p:nvCxnSpPr>
-          <p:cNvPr id="24" name="Straight Connector 23">
-            <a:extLst>
-              <a:ext uri="{FF2B5EF4-FFF2-40B4-BE49-F238E27FC236}">
-                <a16:creationId xmlns:a16="http://schemas.microsoft.com/office/drawing/2014/main" id="{3FBD36A3-E046-4530-99FF-6205D1C90F13}"/>
-              </a:ext>
-            </a:extLst>
-          </p:cNvPr>
-          <p:cNvCxnSpPr/>
-          <p:nvPr/>
-        </p:nvCxnSpPr>
-        <p:spPr>
-          <a:xfrm>
-            <a:off x="6486476" y="1447523"/>
-            <a:ext cx="1614098" cy="0"/>
-          </a:xfrm>
-          <a:prstGeom prst="line">
-            <a:avLst/>
-          </a:prstGeom>
-          <a:ln w="9525">
-            <a:prstDash val="sysDash"/>
-          </a:ln>
-        </p:spPr>
-        <p:style>
-          <a:lnRef idx="1">
-            <a:schemeClr val="accent1"/>
-          </a:lnRef>
-          <a:fillRef idx="0">
-            <a:schemeClr val="accent1"/>
-          </a:fillRef>
-          <a:effectRef idx="0">
-            <a:schemeClr val="accent1"/>
-          </a:effectRef>
-          <a:fontRef idx="minor">
-            <a:schemeClr val="tx1"/>
-          </a:fontRef>
-        </p:style>
-      </p:cxnSp>
-      <p:cxnSp>
-        <p:nvCxnSpPr>
-          <p:cNvPr id="25" name="Straight Connector 24">
-            <a:extLst>
-              <a:ext uri="{FF2B5EF4-FFF2-40B4-BE49-F238E27FC236}">
-                <a16:creationId xmlns:a16="http://schemas.microsoft.com/office/drawing/2014/main" id="{8E55D030-39CA-4A12-8DE5-24E489EFC733}"/>
-              </a:ext>
-            </a:extLst>
-          </p:cNvPr>
-          <p:cNvCxnSpPr/>
-          <p:nvPr/>
-        </p:nvCxnSpPr>
-        <p:spPr>
-          <a:xfrm>
-            <a:off x="6493019" y="5408981"/>
-            <a:ext cx="1614098" cy="0"/>
-          </a:xfrm>
-          <a:prstGeom prst="line">
-            <a:avLst/>
-          </a:prstGeom>
-          <a:ln w="9525">
-            <a:prstDash val="sysDash"/>
-          </a:ln>
-        </p:spPr>
-        <p:style>
-          <a:lnRef idx="1">
-            <a:schemeClr val="accent1"/>
-          </a:lnRef>
-          <a:fillRef idx="0">
-            <a:schemeClr val="accent1"/>
-          </a:fillRef>
-          <a:effectRef idx="0">
-            <a:schemeClr val="accent1"/>
-          </a:effectRef>
-          <a:fontRef idx="minor">
-            <a:schemeClr val="tx1"/>
-          </a:fontRef>
-        </p:style>
-      </p:cxnSp>
-      <p:sp>
-        <p:nvSpPr>
-          <p:cNvPr id="26" name="TextBox 25">
-            <a:extLst>
-              <a:ext uri="{FF2B5EF4-FFF2-40B4-BE49-F238E27FC236}">
-                <a16:creationId xmlns:a16="http://schemas.microsoft.com/office/drawing/2014/main" id="{DB3289FC-6569-4E7C-BBAB-78C5FED68ABC}"/>
-              </a:ext>
-            </a:extLst>
-          </p:cNvPr>
-          <p:cNvSpPr txBox="1"/>
-          <p:nvPr/>
-        </p:nvSpPr>
-        <p:spPr>
-          <a:xfrm>
-            <a:off x="8257649" y="1275406"/>
-            <a:ext cx="864339" cy="276999"/>
-          </a:xfrm>
-          <a:prstGeom prst="rect">
-            <a:avLst/>
-          </a:prstGeom>
-          <a:noFill/>
-        </p:spPr>
-        <p:txBody>
-          <a:bodyPr wrap="none" rtlCol="0">
-            <a:spAutoFit/>
-          </a:bodyPr>
-          <a:lstStyle/>
-          <a:p>
-            <a:r>
-              <a:rPr lang="en-US" sz="1200" dirty="0" err="1">
-                <a:latin typeface="Consolas" panose="020B0609020204030204" pitchFamily="49" charset="0"/>
-              </a:rPr>
-              <a:t>paddle_y</a:t>
-            </a:r>
-            <a:endParaRPr lang="en-US" sz="1200" dirty="0">
-              <a:latin typeface="Consolas" panose="020B0609020204030204" pitchFamily="49" charset="0"/>
-            </a:endParaRPr>
-          </a:p>
-        </p:txBody>
-      </p:sp>
-      <p:sp>
-        <p:nvSpPr>
-          <p:cNvPr id="27" name="TextBox 26">
-            <a:extLst>
-              <a:ext uri="{FF2B5EF4-FFF2-40B4-BE49-F238E27FC236}">
-                <a16:creationId xmlns:a16="http://schemas.microsoft.com/office/drawing/2014/main" id="{58499B29-656B-4D2E-A0C5-1784D27D7B05}"/>
-              </a:ext>
-            </a:extLst>
-          </p:cNvPr>
-          <p:cNvSpPr txBox="1"/>
-          <p:nvPr/>
-        </p:nvSpPr>
-        <p:spPr>
-          <a:xfrm>
-            <a:off x="8176948" y="5227099"/>
-            <a:ext cx="1798890" cy="276999"/>
-          </a:xfrm>
-          <a:prstGeom prst="rect">
-            <a:avLst/>
-          </a:prstGeom>
-          <a:noFill/>
-        </p:spPr>
-        <p:txBody>
-          <a:bodyPr wrap="none" rtlCol="0">
-            <a:spAutoFit/>
-          </a:bodyPr>
-          <a:lstStyle/>
-          <a:p>
-            <a:r>
-              <a:rPr lang="en-US" sz="1200" dirty="0" err="1">
-                <a:latin typeface="Consolas" panose="020B0609020204030204" pitchFamily="49" charset="0"/>
-              </a:rPr>
-              <a:t>paddle_y</a:t>
-            </a:r>
-            <a:r>
-              <a:rPr lang="en-US" sz="1200" dirty="0">
-                <a:latin typeface="Consolas" panose="020B0609020204030204" pitchFamily="49" charset="0"/>
-              </a:rPr>
-              <a:t> + </a:t>
-            </a:r>
-            <a:r>
-              <a:rPr lang="en-US" sz="1200" dirty="0" err="1">
-                <a:latin typeface="Consolas" panose="020B0609020204030204" pitchFamily="49" charset="0"/>
-              </a:rPr>
-              <a:t>paddle_h</a:t>
-            </a:r>
-            <a:endParaRPr lang="en-US" sz="1200" dirty="0">
-              <a:latin typeface="Consolas" panose="020B0609020204030204" pitchFamily="49" charset="0"/>
-            </a:endParaRPr>
-          </a:p>
-        </p:txBody>
-      </p:sp>
-      <p:sp>
-        <p:nvSpPr>
-          <p:cNvPr id="28" name="Rectangle 27">
-            <a:extLst>
-              <a:ext uri="{FF2B5EF4-FFF2-40B4-BE49-F238E27FC236}">
-                <a16:creationId xmlns:a16="http://schemas.microsoft.com/office/drawing/2014/main" id="{79462848-6B3E-494A-BB88-CBA4BC05322C}"/>
-              </a:ext>
-            </a:extLst>
-          </p:cNvPr>
-          <p:cNvSpPr/>
-          <p:nvPr/>
-        </p:nvSpPr>
-        <p:spPr>
-          <a:xfrm>
-            <a:off x="6412019" y="2445880"/>
-            <a:ext cx="1477401" cy="1486601"/>
-          </a:xfrm>
-          <a:prstGeom prst="rect">
-            <a:avLst/>
-          </a:prstGeom>
-          <a:noFill/>
-          <a:ln w="3175"/>
-        </p:spPr>
-        <p:style>
-          <a:lnRef idx="2">
-            <a:schemeClr val="accent1">
-              <a:shade val="50000"/>
-            </a:schemeClr>
-          </a:lnRef>
-          <a:fillRef idx="1">
-            <a:schemeClr val="accent1"/>
-          </a:fillRef>
-          <a:effectRef idx="0">
-            <a:schemeClr val="accent1"/>
-          </a:effectRef>
-          <a:fontRef idx="minor">
-            <a:schemeClr val="lt1"/>
-          </a:fontRef>
-        </p:style>
-        <p:txBody>
-          <a:bodyPr rtlCol="0" anchor="ctr"/>
-          <a:lstStyle/>
-          <a:p>
-            <a:pPr algn="ctr"/>
-            <a:endParaRPr lang="en-US"/>
-          </a:p>
-        </p:txBody>
-      </p:sp>
-      <p:sp>
-        <p:nvSpPr>
-          <p:cNvPr id="29" name="TextBox 28">
-            <a:extLst>
-              <a:ext uri="{FF2B5EF4-FFF2-40B4-BE49-F238E27FC236}">
-                <a16:creationId xmlns:a16="http://schemas.microsoft.com/office/drawing/2014/main" id="{F96C460E-AB99-4136-BD51-BCC7B35A07D1}"/>
-              </a:ext>
-            </a:extLst>
-          </p:cNvPr>
-          <p:cNvSpPr txBox="1"/>
-          <p:nvPr/>
-        </p:nvSpPr>
-        <p:spPr>
-          <a:xfrm>
-            <a:off x="7495183" y="2008691"/>
-            <a:ext cx="1883849" cy="276999"/>
-          </a:xfrm>
-          <a:prstGeom prst="rect">
-            <a:avLst/>
-          </a:prstGeom>
-          <a:noFill/>
-        </p:spPr>
-        <p:txBody>
-          <a:bodyPr wrap="none" rtlCol="0">
-            <a:spAutoFit/>
-          </a:bodyPr>
-          <a:lstStyle/>
-          <a:p>
-            <a:r>
-              <a:rPr lang="en-US" sz="1200" dirty="0">
-                <a:latin typeface="Consolas" panose="020B0609020204030204" pitchFamily="49" charset="0"/>
-              </a:rPr>
-              <a:t>(</a:t>
-            </a:r>
-            <a:r>
-              <a:rPr lang="en-US" sz="1200" dirty="0" err="1">
-                <a:latin typeface="Consolas" panose="020B0609020204030204" pitchFamily="49" charset="0"/>
-              </a:rPr>
-              <a:t>paddle_x</a:t>
-            </a:r>
-            <a:r>
-              <a:rPr lang="en-US" sz="1200" dirty="0">
-                <a:latin typeface="Consolas" panose="020B0609020204030204" pitchFamily="49" charset="0"/>
-              </a:rPr>
-              <a:t>, </a:t>
-            </a:r>
-            <a:r>
-              <a:rPr lang="en-US" sz="1200" dirty="0" err="1">
-                <a:latin typeface="Consolas" panose="020B0609020204030204" pitchFamily="49" charset="0"/>
-              </a:rPr>
-              <a:t>paddle_y</a:t>
-            </a:r>
-            <a:r>
-              <a:rPr lang="en-US" sz="1200" dirty="0">
-                <a:latin typeface="Consolas" panose="020B0609020204030204" pitchFamily="49" charset="0"/>
-              </a:rPr>
-              <a:t>)</a:t>
-            </a:r>
-          </a:p>
-        </p:txBody>
-      </p:sp>
-      <p:sp>
-        <p:nvSpPr>
-          <p:cNvPr id="30" name="Freeform: Shape 29">
-            <a:extLst>
-              <a:ext uri="{FF2B5EF4-FFF2-40B4-BE49-F238E27FC236}">
-                <a16:creationId xmlns:a16="http://schemas.microsoft.com/office/drawing/2014/main" id="{F681CD50-4851-4745-A9E8-9A4AD2C90E48}"/>
-              </a:ext>
-            </a:extLst>
-          </p:cNvPr>
-          <p:cNvSpPr/>
-          <p:nvPr/>
-        </p:nvSpPr>
-        <p:spPr>
-          <a:xfrm>
-            <a:off x="6050455" y="2154154"/>
-            <a:ext cx="1469533" cy="298534"/>
-          </a:xfrm>
-          <a:custGeom>
-            <a:avLst/>
-            <a:gdLst>
-              <a:gd name="connsiteX0" fmla="*/ 1469533 w 1469533"/>
-              <a:gd name="connsiteY0" fmla="*/ 36596 h 298534"/>
-              <a:gd name="connsiteX1" fmla="*/ 40783 w 1469533"/>
-              <a:gd name="connsiteY1" fmla="*/ 22309 h 298534"/>
-              <a:gd name="connsiteX2" fmla="*/ 359870 w 1469533"/>
-              <a:gd name="connsiteY2" fmla="*/ 298534 h 298534"/>
-              <a:gd name="connsiteX3" fmla="*/ 359870 w 1469533"/>
-              <a:gd name="connsiteY3" fmla="*/ 298534 h 298534"/>
-            </a:gdLst>
-            <a:ahLst/>
-            <a:cxnLst>
-              <a:cxn ang="0">
-                <a:pos x="connsiteX0" y="connsiteY0"/>
-              </a:cxn>
-              <a:cxn ang="0">
-                <a:pos x="connsiteX1" y="connsiteY1"/>
-              </a:cxn>
-              <a:cxn ang="0">
-                <a:pos x="connsiteX2" y="connsiteY2"/>
-              </a:cxn>
-              <a:cxn ang="0">
-                <a:pos x="connsiteX3" y="connsiteY3"/>
-              </a:cxn>
-            </a:cxnLst>
-            <a:rect l="l" t="t" r="r" b="b"/>
-            <a:pathLst>
-              <a:path w="1469533" h="298534">
-                <a:moveTo>
-                  <a:pt x="1469533" y="36596"/>
-                </a:moveTo>
-                <a:cubicBezTo>
-                  <a:pt x="847630" y="7624"/>
-                  <a:pt x="225727" y="-21347"/>
-                  <a:pt x="40783" y="22309"/>
-                </a:cubicBezTo>
-                <a:cubicBezTo>
-                  <a:pt x="-144161" y="65965"/>
-                  <a:pt x="359870" y="298534"/>
-                  <a:pt x="359870" y="298534"/>
-                </a:cubicBezTo>
-                <a:lnTo>
-                  <a:pt x="359870" y="298534"/>
-                </a:lnTo>
-              </a:path>
-            </a:pathLst>
-          </a:custGeom>
-          <a:ln w="9525" cap="flat" cmpd="sng" algn="ctr">
-            <a:solidFill>
-              <a:schemeClr val="dk1"/>
-            </a:solidFill>
-            <a:prstDash val="solid"/>
-            <a:round/>
-            <a:headEnd type="none" w="med" len="med"/>
-            <a:tailEnd type="arrow" w="med" len="med"/>
-          </a:ln>
-        </p:spPr>
-        <p:style>
-          <a:lnRef idx="0">
-            <a:scrgbClr r="0" g="0" b="0"/>
-          </a:lnRef>
-          <a:fillRef idx="0">
-            <a:scrgbClr r="0" g="0" b="0"/>
-          </a:fillRef>
-          <a:effectRef idx="0">
-            <a:scrgbClr r="0" g="0" b="0"/>
-          </a:effectRef>
-          <a:fontRef idx="minor">
-            <a:schemeClr val="tx1"/>
-          </a:fontRef>
-        </p:style>
-        <p:txBody>
-          <a:bodyPr rtlCol="0" anchor="ctr"/>
-          <a:lstStyle/>
-          <a:p>
-            <a:pPr algn="ctr"/>
-            <a:endParaRPr lang="en-US"/>
-          </a:p>
-        </p:txBody>
-      </p:sp>
-      <p:sp>
-        <p:nvSpPr>
-          <p:cNvPr id="31" name="TextBox 30">
-            <a:extLst>
-              <a:ext uri="{FF2B5EF4-FFF2-40B4-BE49-F238E27FC236}">
-                <a16:creationId xmlns:a16="http://schemas.microsoft.com/office/drawing/2014/main" id="{414245F2-504A-4A00-89A1-2A8AF61958B1}"/>
-              </a:ext>
-            </a:extLst>
-          </p:cNvPr>
-          <p:cNvSpPr txBox="1"/>
-          <p:nvPr/>
-        </p:nvSpPr>
-        <p:spPr>
-          <a:xfrm>
-            <a:off x="6717735" y="3932481"/>
-            <a:ext cx="694421" cy="276999"/>
-          </a:xfrm>
-          <a:prstGeom prst="rect">
-            <a:avLst/>
-          </a:prstGeom>
-          <a:noFill/>
-        </p:spPr>
-        <p:txBody>
-          <a:bodyPr wrap="none" rtlCol="0">
-            <a:spAutoFit/>
-          </a:bodyPr>
-          <a:lstStyle/>
-          <a:p>
-            <a:r>
-              <a:rPr lang="en-US" sz="1200" dirty="0" err="1">
-                <a:latin typeface="Consolas" panose="020B0609020204030204" pitchFamily="49" charset="0"/>
-              </a:rPr>
-              <a:t>ball_w</a:t>
-            </a:r>
-            <a:endParaRPr lang="en-US" sz="1200" dirty="0">
-              <a:latin typeface="Consolas" panose="020B0609020204030204" pitchFamily="49" charset="0"/>
-            </a:endParaRPr>
-          </a:p>
-        </p:txBody>
-      </p:sp>
-      <p:sp>
-        <p:nvSpPr>
-          <p:cNvPr id="32" name="TextBox 31">
-            <a:extLst>
-              <a:ext uri="{FF2B5EF4-FFF2-40B4-BE49-F238E27FC236}">
-                <a16:creationId xmlns:a16="http://schemas.microsoft.com/office/drawing/2014/main" id="{1C0A43A6-1AE8-4F34-8928-C4034BF9BF68}"/>
-              </a:ext>
-            </a:extLst>
-          </p:cNvPr>
-          <p:cNvSpPr txBox="1"/>
-          <p:nvPr/>
-        </p:nvSpPr>
-        <p:spPr>
-          <a:xfrm rot="16200000">
-            <a:off x="7739250" y="3050680"/>
-            <a:ext cx="694421" cy="276999"/>
-          </a:xfrm>
-          <a:prstGeom prst="rect">
-            <a:avLst/>
-          </a:prstGeom>
-          <a:noFill/>
-        </p:spPr>
-        <p:txBody>
-          <a:bodyPr wrap="none" rtlCol="0">
-            <a:spAutoFit/>
-          </a:bodyPr>
-          <a:lstStyle/>
-          <a:p>
-            <a:r>
-              <a:rPr lang="en-US" sz="1200" dirty="0" err="1">
-                <a:latin typeface="Consolas" panose="020B0609020204030204" pitchFamily="49" charset="0"/>
-              </a:rPr>
-              <a:t>ball_h</a:t>
-            </a:r>
-            <a:endParaRPr lang="en-US" sz="1200" dirty="0">
-              <a:latin typeface="Consolas" panose="020B0609020204030204" pitchFamily="49" charset="0"/>
-            </a:endParaRPr>
-          </a:p>
-        </p:txBody>
-      </p:sp>
+        </p:grpSpPr>
+        <p:grpSp>
+          <p:nvGrpSpPr>
+            <p:cNvPr id="33" name="Group 32">
+              <a:extLst>
+                <a:ext uri="{FF2B5EF4-FFF2-40B4-BE49-F238E27FC236}">
+                  <a16:creationId xmlns:a16="http://schemas.microsoft.com/office/drawing/2014/main" id="{6B447CE7-538E-4F4C-9364-9B63AE720403}"/>
+                </a:ext>
+              </a:extLst>
+            </p:cNvPr>
+            <p:cNvGrpSpPr/>
+            <p:nvPr/>
+          </p:nvGrpSpPr>
+          <p:grpSpPr>
+            <a:xfrm>
+              <a:off x="2813526" y="1170524"/>
+              <a:ext cx="7162312" cy="4472074"/>
+              <a:chOff x="2813526" y="1170524"/>
+              <a:chExt cx="7162312" cy="4472074"/>
+            </a:xfrm>
+          </p:grpSpPr>
+          <p:pic>
+            <p:nvPicPr>
+              <p:cNvPr id="22" name="Picture 21" descr="A close up of a logo&#10;&#10;Description generated with high confidence">
+                <a:extLst>
+                  <a:ext uri="{FF2B5EF4-FFF2-40B4-BE49-F238E27FC236}">
+                    <a16:creationId xmlns:a16="http://schemas.microsoft.com/office/drawing/2014/main" id="{10C8D5CF-E347-4253-9BBD-1E6933F40EBA}"/>
+                  </a:ext>
+                </a:extLst>
+              </p:cNvPr>
+              <p:cNvPicPr>
+                <a:picLocks noChangeAspect="1"/>
+              </p:cNvPicPr>
+              <p:nvPr/>
+            </p:nvPicPr>
+            <p:blipFill>
+              <a:blip r:embed="rId2">
+                <a:extLst>
+                  <a:ext uri="{28A0092B-C50C-407E-A947-70E740481C1C}">
+                    <a14:useLocalDpi xmlns:a14="http://schemas.microsoft.com/office/drawing/2010/main" val="0"/>
+                  </a:ext>
+                </a:extLst>
+              </a:blip>
+              <a:stretch>
+                <a:fillRect/>
+              </a:stretch>
+            </p:blipFill>
+            <p:spPr>
+              <a:xfrm>
+                <a:off x="5705524" y="1448047"/>
+                <a:ext cx="780952" cy="3961905"/>
+              </a:xfrm>
+              <a:prstGeom prst="rect">
+                <a:avLst/>
+              </a:prstGeom>
+              <a:ln w="3175">
+                <a:solidFill>
+                  <a:schemeClr val="tx1"/>
+                </a:solidFill>
+              </a:ln>
+            </p:spPr>
+          </p:pic>
+          <p:pic>
+            <p:nvPicPr>
+              <p:cNvPr id="7" name="Picture 6" descr="A picture containing dome&#10;&#10;Description generated with high confidence">
+                <a:extLst>
+                  <a:ext uri="{FF2B5EF4-FFF2-40B4-BE49-F238E27FC236}">
+                    <a16:creationId xmlns:a16="http://schemas.microsoft.com/office/drawing/2014/main" id="{FF47CB79-4A29-4F5D-B13B-9C346E666908}"/>
+                  </a:ext>
+                </a:extLst>
+              </p:cNvPr>
+              <p:cNvPicPr>
+                <a:picLocks noChangeAspect="1"/>
+              </p:cNvPicPr>
+              <p:nvPr/>
+            </p:nvPicPr>
+            <p:blipFill>
+              <a:blip r:embed="rId3">
+                <a:extLst>
+                  <a:ext uri="{28A0092B-C50C-407E-A947-70E740481C1C}">
+                    <a14:useLocalDpi xmlns:a14="http://schemas.microsoft.com/office/drawing/2010/main" val="0"/>
+                  </a:ext>
+                </a:extLst>
+              </a:blip>
+              <a:stretch>
+                <a:fillRect/>
+              </a:stretch>
+            </p:blipFill>
+            <p:spPr>
+              <a:xfrm rot="7457934">
+                <a:off x="6401931" y="2458179"/>
+                <a:ext cx="1495949" cy="1466030"/>
+              </a:xfrm>
+              <a:prstGeom prst="rect">
+                <a:avLst/>
+              </a:prstGeom>
+              <a:ln>
+                <a:noFill/>
+              </a:ln>
+            </p:spPr>
+          </p:pic>
+          <p:sp>
+            <p:nvSpPr>
+              <p:cNvPr id="16" name="TextBox 15">
+                <a:extLst>
+                  <a:ext uri="{FF2B5EF4-FFF2-40B4-BE49-F238E27FC236}">
+                    <a16:creationId xmlns:a16="http://schemas.microsoft.com/office/drawing/2014/main" id="{F6ED1E9F-D4AD-4C1D-9BED-1A2C3061042F}"/>
+                  </a:ext>
+                </a:extLst>
+              </p:cNvPr>
+              <p:cNvSpPr txBox="1"/>
+              <p:nvPr/>
+            </p:nvSpPr>
+            <p:spPr>
+              <a:xfrm>
+                <a:off x="5663830" y="5365599"/>
+                <a:ext cx="864339" cy="276999"/>
+              </a:xfrm>
+              <a:prstGeom prst="rect">
+                <a:avLst/>
+              </a:prstGeom>
+              <a:noFill/>
+            </p:spPr>
+            <p:txBody>
+              <a:bodyPr wrap="none" rtlCol="0">
+                <a:spAutoFit/>
+              </a:bodyPr>
+              <a:lstStyle/>
+              <a:p>
+                <a:r>
+                  <a:rPr lang="en-US" sz="1200" dirty="0" err="1">
+                    <a:latin typeface="Consolas" panose="020B0609020204030204" pitchFamily="49" charset="0"/>
+                  </a:rPr>
+                  <a:t>paddle_w</a:t>
+                </a:r>
+                <a:endParaRPr lang="en-US" sz="1200" dirty="0">
+                  <a:latin typeface="Consolas" panose="020B0609020204030204" pitchFamily="49" charset="0"/>
+                </a:endParaRPr>
+              </a:p>
+            </p:txBody>
+          </p:sp>
+          <p:sp>
+            <p:nvSpPr>
+              <p:cNvPr id="17" name="TextBox 16">
+                <a:extLst>
+                  <a:ext uri="{FF2B5EF4-FFF2-40B4-BE49-F238E27FC236}">
+                    <a16:creationId xmlns:a16="http://schemas.microsoft.com/office/drawing/2014/main" id="{B0B2154D-F646-4640-A675-DF101D90EA42}"/>
+                  </a:ext>
+                </a:extLst>
+              </p:cNvPr>
+              <p:cNvSpPr txBox="1"/>
+              <p:nvPr/>
+            </p:nvSpPr>
+            <p:spPr>
+              <a:xfrm rot="16200000">
+                <a:off x="5007272" y="3290499"/>
+                <a:ext cx="864339" cy="276999"/>
+              </a:xfrm>
+              <a:prstGeom prst="rect">
+                <a:avLst/>
+              </a:prstGeom>
+              <a:noFill/>
+            </p:spPr>
+            <p:txBody>
+              <a:bodyPr wrap="none" rtlCol="0">
+                <a:spAutoFit/>
+              </a:bodyPr>
+              <a:lstStyle/>
+              <a:p>
+                <a:r>
+                  <a:rPr lang="en-US" sz="1200" dirty="0" err="1">
+                    <a:latin typeface="Consolas" panose="020B0609020204030204" pitchFamily="49" charset="0"/>
+                  </a:rPr>
+                  <a:t>paddle_h</a:t>
+                </a:r>
+                <a:endParaRPr lang="en-US" sz="1200" dirty="0">
+                  <a:latin typeface="Consolas" panose="020B0609020204030204" pitchFamily="49" charset="0"/>
+                </a:endParaRPr>
+              </a:p>
+            </p:txBody>
+          </p:sp>
+          <p:sp>
+            <p:nvSpPr>
+              <p:cNvPr id="18" name="TextBox 17">
+                <a:extLst>
+                  <a:ext uri="{FF2B5EF4-FFF2-40B4-BE49-F238E27FC236}">
+                    <a16:creationId xmlns:a16="http://schemas.microsoft.com/office/drawing/2014/main" id="{5BEF4DED-E7A0-4BC9-9C7C-7C5582E5F322}"/>
+                  </a:ext>
+                </a:extLst>
+              </p:cNvPr>
+              <p:cNvSpPr txBox="1"/>
+              <p:nvPr/>
+            </p:nvSpPr>
+            <p:spPr>
+              <a:xfrm>
+                <a:off x="2813526" y="1170524"/>
+                <a:ext cx="1883849" cy="276999"/>
+              </a:xfrm>
+              <a:prstGeom prst="rect">
+                <a:avLst/>
+              </a:prstGeom>
+              <a:noFill/>
+            </p:spPr>
+            <p:txBody>
+              <a:bodyPr wrap="none" rtlCol="0">
+                <a:spAutoFit/>
+              </a:bodyPr>
+              <a:lstStyle/>
+              <a:p>
+                <a:r>
+                  <a:rPr lang="en-US" sz="1200" dirty="0">
+                    <a:latin typeface="Consolas" panose="020B0609020204030204" pitchFamily="49" charset="0"/>
+                  </a:rPr>
+                  <a:t>(</a:t>
+                </a:r>
+                <a:r>
+                  <a:rPr lang="en-US" sz="1200" dirty="0" err="1">
+                    <a:latin typeface="Consolas" panose="020B0609020204030204" pitchFamily="49" charset="0"/>
+                  </a:rPr>
+                  <a:t>paddle_x</a:t>
+                </a:r>
+                <a:r>
+                  <a:rPr lang="en-US" sz="1200" dirty="0">
+                    <a:latin typeface="Consolas" panose="020B0609020204030204" pitchFamily="49" charset="0"/>
+                  </a:rPr>
+                  <a:t>, </a:t>
+                </a:r>
+                <a:r>
+                  <a:rPr lang="en-US" sz="1200" dirty="0" err="1">
+                    <a:latin typeface="Consolas" panose="020B0609020204030204" pitchFamily="49" charset="0"/>
+                  </a:rPr>
+                  <a:t>paddle_y</a:t>
+                </a:r>
+                <a:r>
+                  <a:rPr lang="en-US" sz="1200" dirty="0">
+                    <a:latin typeface="Consolas" panose="020B0609020204030204" pitchFamily="49" charset="0"/>
+                  </a:rPr>
+                  <a:t>)</a:t>
+                </a:r>
+              </a:p>
+            </p:txBody>
+          </p:sp>
+          <p:sp>
+            <p:nvSpPr>
+              <p:cNvPr id="19" name="Freeform: Shape 18">
+                <a:extLst>
+                  <a:ext uri="{FF2B5EF4-FFF2-40B4-BE49-F238E27FC236}">
+                    <a16:creationId xmlns:a16="http://schemas.microsoft.com/office/drawing/2014/main" id="{F686832D-B4C7-4E63-B598-EE4CD703B02F}"/>
+                  </a:ext>
+                </a:extLst>
+              </p:cNvPr>
+              <p:cNvSpPr/>
+              <p:nvPr/>
+            </p:nvSpPr>
+            <p:spPr>
+              <a:xfrm>
+                <a:off x="3753134" y="1313426"/>
+                <a:ext cx="1937982" cy="425350"/>
+              </a:xfrm>
+              <a:custGeom>
+                <a:avLst/>
+                <a:gdLst>
+                  <a:gd name="connsiteX0" fmla="*/ 0 w 1937982"/>
+                  <a:gd name="connsiteY0" fmla="*/ 105941 h 425350"/>
+                  <a:gd name="connsiteX1" fmla="*/ 1032681 w 1937982"/>
+                  <a:gd name="connsiteY1" fmla="*/ 424389 h 425350"/>
+                  <a:gd name="connsiteX2" fmla="*/ 1442114 w 1937982"/>
+                  <a:gd name="connsiteY2" fmla="*/ 14956 h 425350"/>
+                  <a:gd name="connsiteX3" fmla="*/ 1937982 w 1937982"/>
+                  <a:gd name="connsiteY3" fmla="*/ 128687 h 425350"/>
+                </a:gdLst>
+                <a:ahLst/>
+                <a:cxnLst>
+                  <a:cxn ang="0">
+                    <a:pos x="connsiteX0" y="connsiteY0"/>
+                  </a:cxn>
+                  <a:cxn ang="0">
+                    <a:pos x="connsiteX1" y="connsiteY1"/>
+                  </a:cxn>
+                  <a:cxn ang="0">
+                    <a:pos x="connsiteX2" y="connsiteY2"/>
+                  </a:cxn>
+                  <a:cxn ang="0">
+                    <a:pos x="connsiteX3" y="connsiteY3"/>
+                  </a:cxn>
+                </a:cxnLst>
+                <a:rect l="l" t="t" r="r" b="b"/>
+                <a:pathLst>
+                  <a:path w="1937982" h="425350">
+                    <a:moveTo>
+                      <a:pt x="0" y="105941"/>
+                    </a:moveTo>
+                    <a:cubicBezTo>
+                      <a:pt x="396164" y="272747"/>
+                      <a:pt x="792329" y="439553"/>
+                      <a:pt x="1032681" y="424389"/>
+                    </a:cubicBezTo>
+                    <a:cubicBezTo>
+                      <a:pt x="1273033" y="409225"/>
+                      <a:pt x="1291231" y="64240"/>
+                      <a:pt x="1442114" y="14956"/>
+                    </a:cubicBezTo>
+                    <a:cubicBezTo>
+                      <a:pt x="1592997" y="-34328"/>
+                      <a:pt x="1765489" y="47179"/>
+                      <a:pt x="1937982" y="128687"/>
+                    </a:cubicBezTo>
+                  </a:path>
+                </a:pathLst>
+              </a:custGeom>
+              <a:ln w="9525" cap="flat" cmpd="sng" algn="ctr">
+                <a:solidFill>
+                  <a:schemeClr val="dk1"/>
+                </a:solidFill>
+                <a:prstDash val="solid"/>
+                <a:round/>
+                <a:headEnd type="none" w="med" len="med"/>
+                <a:tailEnd type="arrow" w="med" len="med"/>
+              </a:ln>
+            </p:spPr>
+            <p:style>
+              <a:lnRef idx="0">
+                <a:scrgbClr r="0" g="0" b="0"/>
+              </a:lnRef>
+              <a:fillRef idx="0">
+                <a:scrgbClr r="0" g="0" b="0"/>
+              </a:fillRef>
+              <a:effectRef idx="0">
+                <a:scrgbClr r="0" g="0" b="0"/>
+              </a:effectRef>
+              <a:fontRef idx="minor">
+                <a:schemeClr val="tx1"/>
+              </a:fontRef>
+            </p:style>
+            <p:txBody>
+              <a:bodyPr rtlCol="0" anchor="ctr"/>
+              <a:lstStyle/>
+              <a:p>
+                <a:pPr algn="ctr"/>
+                <a:endParaRPr lang="en-US"/>
+              </a:p>
+            </p:txBody>
+          </p:sp>
+          <p:cxnSp>
+            <p:nvCxnSpPr>
+              <p:cNvPr id="24" name="Straight Connector 23">
+                <a:extLst>
+                  <a:ext uri="{FF2B5EF4-FFF2-40B4-BE49-F238E27FC236}">
+                    <a16:creationId xmlns:a16="http://schemas.microsoft.com/office/drawing/2014/main" id="{3FBD36A3-E046-4530-99FF-6205D1C90F13}"/>
+                  </a:ext>
+                </a:extLst>
+              </p:cNvPr>
+              <p:cNvCxnSpPr/>
+              <p:nvPr/>
+            </p:nvCxnSpPr>
+            <p:spPr>
+              <a:xfrm>
+                <a:off x="6486476" y="1447523"/>
+                <a:ext cx="1614098" cy="0"/>
+              </a:xfrm>
+              <a:prstGeom prst="line">
+                <a:avLst/>
+              </a:prstGeom>
+              <a:ln w="9525">
+                <a:prstDash val="sysDash"/>
+              </a:ln>
+            </p:spPr>
+            <p:style>
+              <a:lnRef idx="1">
+                <a:schemeClr val="accent1"/>
+              </a:lnRef>
+              <a:fillRef idx="0">
+                <a:schemeClr val="accent1"/>
+              </a:fillRef>
+              <a:effectRef idx="0">
+                <a:schemeClr val="accent1"/>
+              </a:effectRef>
+              <a:fontRef idx="minor">
+                <a:schemeClr val="tx1"/>
+              </a:fontRef>
+            </p:style>
+          </p:cxnSp>
+          <p:cxnSp>
+            <p:nvCxnSpPr>
+              <p:cNvPr id="25" name="Straight Connector 24">
+                <a:extLst>
+                  <a:ext uri="{FF2B5EF4-FFF2-40B4-BE49-F238E27FC236}">
+                    <a16:creationId xmlns:a16="http://schemas.microsoft.com/office/drawing/2014/main" id="{8E55D030-39CA-4A12-8DE5-24E489EFC733}"/>
+                  </a:ext>
+                </a:extLst>
+              </p:cNvPr>
+              <p:cNvCxnSpPr/>
+              <p:nvPr/>
+            </p:nvCxnSpPr>
+            <p:spPr>
+              <a:xfrm>
+                <a:off x="6493019" y="5408981"/>
+                <a:ext cx="1614098" cy="0"/>
+              </a:xfrm>
+              <a:prstGeom prst="line">
+                <a:avLst/>
+              </a:prstGeom>
+              <a:ln w="9525">
+                <a:prstDash val="sysDash"/>
+              </a:ln>
+            </p:spPr>
+            <p:style>
+              <a:lnRef idx="1">
+                <a:schemeClr val="accent1"/>
+              </a:lnRef>
+              <a:fillRef idx="0">
+                <a:schemeClr val="accent1"/>
+              </a:fillRef>
+              <a:effectRef idx="0">
+                <a:schemeClr val="accent1"/>
+              </a:effectRef>
+              <a:fontRef idx="minor">
+                <a:schemeClr val="tx1"/>
+              </a:fontRef>
+            </p:style>
+          </p:cxnSp>
+          <p:sp>
+            <p:nvSpPr>
+              <p:cNvPr id="26" name="TextBox 25">
+                <a:extLst>
+                  <a:ext uri="{FF2B5EF4-FFF2-40B4-BE49-F238E27FC236}">
+                    <a16:creationId xmlns:a16="http://schemas.microsoft.com/office/drawing/2014/main" id="{DB3289FC-6569-4E7C-BBAB-78C5FED68ABC}"/>
+                  </a:ext>
+                </a:extLst>
+              </p:cNvPr>
+              <p:cNvSpPr txBox="1"/>
+              <p:nvPr/>
+            </p:nvSpPr>
+            <p:spPr>
+              <a:xfrm>
+                <a:off x="8257649" y="1275406"/>
+                <a:ext cx="864339" cy="276999"/>
+              </a:xfrm>
+              <a:prstGeom prst="rect">
+                <a:avLst/>
+              </a:prstGeom>
+              <a:noFill/>
+            </p:spPr>
+            <p:txBody>
+              <a:bodyPr wrap="none" rtlCol="0">
+                <a:spAutoFit/>
+              </a:bodyPr>
+              <a:lstStyle/>
+              <a:p>
+                <a:r>
+                  <a:rPr lang="en-US" sz="1200" dirty="0" err="1">
+                    <a:latin typeface="Consolas" panose="020B0609020204030204" pitchFamily="49" charset="0"/>
+                  </a:rPr>
+                  <a:t>paddle_y</a:t>
+                </a:r>
+                <a:endParaRPr lang="en-US" sz="1200" dirty="0">
+                  <a:latin typeface="Consolas" panose="020B0609020204030204" pitchFamily="49" charset="0"/>
+                </a:endParaRPr>
+              </a:p>
+            </p:txBody>
+          </p:sp>
+          <p:sp>
+            <p:nvSpPr>
+              <p:cNvPr id="27" name="TextBox 26">
+                <a:extLst>
+                  <a:ext uri="{FF2B5EF4-FFF2-40B4-BE49-F238E27FC236}">
+                    <a16:creationId xmlns:a16="http://schemas.microsoft.com/office/drawing/2014/main" id="{58499B29-656B-4D2E-A0C5-1784D27D7B05}"/>
+                  </a:ext>
+                </a:extLst>
+              </p:cNvPr>
+              <p:cNvSpPr txBox="1"/>
+              <p:nvPr/>
+            </p:nvSpPr>
+            <p:spPr>
+              <a:xfrm>
+                <a:off x="8176948" y="5227099"/>
+                <a:ext cx="1798890" cy="276999"/>
+              </a:xfrm>
+              <a:prstGeom prst="rect">
+                <a:avLst/>
+              </a:prstGeom>
+              <a:noFill/>
+            </p:spPr>
+            <p:txBody>
+              <a:bodyPr wrap="none" rtlCol="0">
+                <a:spAutoFit/>
+              </a:bodyPr>
+              <a:lstStyle/>
+              <a:p>
+                <a:r>
+                  <a:rPr lang="en-US" sz="1200" dirty="0" err="1">
+                    <a:latin typeface="Consolas" panose="020B0609020204030204" pitchFamily="49" charset="0"/>
+                  </a:rPr>
+                  <a:t>paddle_y</a:t>
+                </a:r>
+                <a:r>
+                  <a:rPr lang="en-US" sz="1200" dirty="0">
+                    <a:latin typeface="Consolas" panose="020B0609020204030204" pitchFamily="49" charset="0"/>
+                  </a:rPr>
+                  <a:t> + </a:t>
+                </a:r>
+                <a:r>
+                  <a:rPr lang="en-US" sz="1200" dirty="0" err="1">
+                    <a:latin typeface="Consolas" panose="020B0609020204030204" pitchFamily="49" charset="0"/>
+                  </a:rPr>
+                  <a:t>paddle_h</a:t>
+                </a:r>
+                <a:endParaRPr lang="en-US" sz="1200" dirty="0">
+                  <a:latin typeface="Consolas" panose="020B0609020204030204" pitchFamily="49" charset="0"/>
+                </a:endParaRPr>
+              </a:p>
+            </p:txBody>
+          </p:sp>
+          <p:sp>
+            <p:nvSpPr>
+              <p:cNvPr id="28" name="Rectangle 27">
+                <a:extLst>
+                  <a:ext uri="{FF2B5EF4-FFF2-40B4-BE49-F238E27FC236}">
+                    <a16:creationId xmlns:a16="http://schemas.microsoft.com/office/drawing/2014/main" id="{79462848-6B3E-494A-BB88-CBA4BC05322C}"/>
+                  </a:ext>
+                </a:extLst>
+              </p:cNvPr>
+              <p:cNvSpPr/>
+              <p:nvPr/>
+            </p:nvSpPr>
+            <p:spPr>
+              <a:xfrm>
+                <a:off x="6412019" y="2445880"/>
+                <a:ext cx="1477401" cy="1486601"/>
+              </a:xfrm>
+              <a:prstGeom prst="rect">
+                <a:avLst/>
+              </a:prstGeom>
+              <a:noFill/>
+              <a:ln w="3175"/>
+            </p:spPr>
+            <p:style>
+              <a:lnRef idx="2">
+                <a:schemeClr val="accent1">
+                  <a:shade val="50000"/>
+                </a:schemeClr>
+              </a:lnRef>
+              <a:fillRef idx="1">
+                <a:schemeClr val="accent1"/>
+              </a:fillRef>
+              <a:effectRef idx="0">
+                <a:schemeClr val="accent1"/>
+              </a:effectRef>
+              <a:fontRef idx="minor">
+                <a:schemeClr val="lt1"/>
+              </a:fontRef>
+            </p:style>
+            <p:txBody>
+              <a:bodyPr rtlCol="0" anchor="ctr"/>
+              <a:lstStyle/>
+              <a:p>
+                <a:pPr algn="ctr"/>
+                <a:endParaRPr lang="en-US"/>
+              </a:p>
+            </p:txBody>
+          </p:sp>
+          <p:sp>
+            <p:nvSpPr>
+              <p:cNvPr id="29" name="TextBox 28">
+                <a:extLst>
+                  <a:ext uri="{FF2B5EF4-FFF2-40B4-BE49-F238E27FC236}">
+                    <a16:creationId xmlns:a16="http://schemas.microsoft.com/office/drawing/2014/main" id="{F96C460E-AB99-4136-BD51-BCC7B35A07D1}"/>
+                  </a:ext>
+                </a:extLst>
+              </p:cNvPr>
+              <p:cNvSpPr txBox="1"/>
+              <p:nvPr/>
+            </p:nvSpPr>
+            <p:spPr>
+              <a:xfrm>
+                <a:off x="7495183" y="2008691"/>
+                <a:ext cx="1544012" cy="276999"/>
+              </a:xfrm>
+              <a:prstGeom prst="rect">
+                <a:avLst/>
+              </a:prstGeom>
+              <a:noFill/>
+            </p:spPr>
+            <p:txBody>
+              <a:bodyPr wrap="none" rtlCol="0">
+                <a:spAutoFit/>
+              </a:bodyPr>
+              <a:lstStyle/>
+              <a:p>
+                <a:r>
+                  <a:rPr lang="en-US" sz="1200" dirty="0">
+                    <a:latin typeface="Consolas" panose="020B0609020204030204" pitchFamily="49" charset="0"/>
+                  </a:rPr>
+                  <a:t>(</a:t>
+                </a:r>
+                <a:r>
+                  <a:rPr lang="en-US" sz="1200" dirty="0" err="1">
+                    <a:latin typeface="Consolas" panose="020B0609020204030204" pitchFamily="49" charset="0"/>
+                  </a:rPr>
+                  <a:t>ball_x</a:t>
+                </a:r>
+                <a:r>
+                  <a:rPr lang="en-US" sz="1200" dirty="0">
+                    <a:latin typeface="Consolas" panose="020B0609020204030204" pitchFamily="49" charset="0"/>
+                  </a:rPr>
+                  <a:t>, </a:t>
+                </a:r>
+                <a:r>
+                  <a:rPr lang="en-US" sz="1200" dirty="0" err="1">
+                    <a:latin typeface="Consolas" panose="020B0609020204030204" pitchFamily="49" charset="0"/>
+                  </a:rPr>
+                  <a:t>ball_y</a:t>
+                </a:r>
+                <a:r>
+                  <a:rPr lang="en-US" sz="1200" dirty="0">
+                    <a:latin typeface="Consolas" panose="020B0609020204030204" pitchFamily="49" charset="0"/>
+                  </a:rPr>
+                  <a:t>)</a:t>
+                </a:r>
+              </a:p>
+            </p:txBody>
+          </p:sp>
+          <p:sp>
+            <p:nvSpPr>
+              <p:cNvPr id="30" name="Freeform: Shape 29">
+                <a:extLst>
+                  <a:ext uri="{FF2B5EF4-FFF2-40B4-BE49-F238E27FC236}">
+                    <a16:creationId xmlns:a16="http://schemas.microsoft.com/office/drawing/2014/main" id="{F681CD50-4851-4745-A9E8-9A4AD2C90E48}"/>
+                  </a:ext>
+                </a:extLst>
+              </p:cNvPr>
+              <p:cNvSpPr/>
+              <p:nvPr/>
+            </p:nvSpPr>
+            <p:spPr>
+              <a:xfrm>
+                <a:off x="6050455" y="2154154"/>
+                <a:ext cx="1469533" cy="298534"/>
+              </a:xfrm>
+              <a:custGeom>
+                <a:avLst/>
+                <a:gdLst>
+                  <a:gd name="connsiteX0" fmla="*/ 1469533 w 1469533"/>
+                  <a:gd name="connsiteY0" fmla="*/ 36596 h 298534"/>
+                  <a:gd name="connsiteX1" fmla="*/ 40783 w 1469533"/>
+                  <a:gd name="connsiteY1" fmla="*/ 22309 h 298534"/>
+                  <a:gd name="connsiteX2" fmla="*/ 359870 w 1469533"/>
+                  <a:gd name="connsiteY2" fmla="*/ 298534 h 298534"/>
+                  <a:gd name="connsiteX3" fmla="*/ 359870 w 1469533"/>
+                  <a:gd name="connsiteY3" fmla="*/ 298534 h 298534"/>
+                </a:gdLst>
+                <a:ahLst/>
+                <a:cxnLst>
+                  <a:cxn ang="0">
+                    <a:pos x="connsiteX0" y="connsiteY0"/>
+                  </a:cxn>
+                  <a:cxn ang="0">
+                    <a:pos x="connsiteX1" y="connsiteY1"/>
+                  </a:cxn>
+                  <a:cxn ang="0">
+                    <a:pos x="connsiteX2" y="connsiteY2"/>
+                  </a:cxn>
+                  <a:cxn ang="0">
+                    <a:pos x="connsiteX3" y="connsiteY3"/>
+                  </a:cxn>
+                </a:cxnLst>
+                <a:rect l="l" t="t" r="r" b="b"/>
+                <a:pathLst>
+                  <a:path w="1469533" h="298534">
+                    <a:moveTo>
+                      <a:pt x="1469533" y="36596"/>
+                    </a:moveTo>
+                    <a:cubicBezTo>
+                      <a:pt x="847630" y="7624"/>
+                      <a:pt x="225727" y="-21347"/>
+                      <a:pt x="40783" y="22309"/>
+                    </a:cubicBezTo>
+                    <a:cubicBezTo>
+                      <a:pt x="-144161" y="65965"/>
+                      <a:pt x="359870" y="298534"/>
+                      <a:pt x="359870" y="298534"/>
+                    </a:cubicBezTo>
+                    <a:lnTo>
+                      <a:pt x="359870" y="298534"/>
+                    </a:lnTo>
+                  </a:path>
+                </a:pathLst>
+              </a:custGeom>
+              <a:ln w="9525" cap="flat" cmpd="sng" algn="ctr">
+                <a:solidFill>
+                  <a:schemeClr val="dk1"/>
+                </a:solidFill>
+                <a:prstDash val="solid"/>
+                <a:round/>
+                <a:headEnd type="none" w="med" len="med"/>
+                <a:tailEnd type="arrow" w="med" len="med"/>
+              </a:ln>
+            </p:spPr>
+            <p:style>
+              <a:lnRef idx="0">
+                <a:scrgbClr r="0" g="0" b="0"/>
+              </a:lnRef>
+              <a:fillRef idx="0">
+                <a:scrgbClr r="0" g="0" b="0"/>
+              </a:fillRef>
+              <a:effectRef idx="0">
+                <a:scrgbClr r="0" g="0" b="0"/>
+              </a:effectRef>
+              <a:fontRef idx="minor">
+                <a:schemeClr val="tx1"/>
+              </a:fontRef>
+            </p:style>
+            <p:txBody>
+              <a:bodyPr rtlCol="0" anchor="ctr"/>
+              <a:lstStyle/>
+              <a:p>
+                <a:pPr algn="ctr"/>
+                <a:endParaRPr lang="en-US"/>
+              </a:p>
+            </p:txBody>
+          </p:sp>
+          <p:sp>
+            <p:nvSpPr>
+              <p:cNvPr id="31" name="TextBox 30">
+                <a:extLst>
+                  <a:ext uri="{FF2B5EF4-FFF2-40B4-BE49-F238E27FC236}">
+                    <a16:creationId xmlns:a16="http://schemas.microsoft.com/office/drawing/2014/main" id="{414245F2-504A-4A00-89A1-2A8AF61958B1}"/>
+                  </a:ext>
+                </a:extLst>
+              </p:cNvPr>
+              <p:cNvSpPr txBox="1"/>
+              <p:nvPr/>
+            </p:nvSpPr>
+            <p:spPr>
+              <a:xfrm>
+                <a:off x="6717735" y="3932481"/>
+                <a:ext cx="694421" cy="276999"/>
+              </a:xfrm>
+              <a:prstGeom prst="rect">
+                <a:avLst/>
+              </a:prstGeom>
+              <a:noFill/>
+            </p:spPr>
+            <p:txBody>
+              <a:bodyPr wrap="none" rtlCol="0">
+                <a:spAutoFit/>
+              </a:bodyPr>
+              <a:lstStyle/>
+              <a:p>
+                <a:r>
+                  <a:rPr lang="en-US" sz="1200" dirty="0" err="1">
+                    <a:latin typeface="Consolas" panose="020B0609020204030204" pitchFamily="49" charset="0"/>
+                  </a:rPr>
+                  <a:t>ball_w</a:t>
+                </a:r>
+                <a:endParaRPr lang="en-US" sz="1200" dirty="0">
+                  <a:latin typeface="Consolas" panose="020B0609020204030204" pitchFamily="49" charset="0"/>
+                </a:endParaRPr>
+              </a:p>
+            </p:txBody>
+          </p:sp>
+          <p:sp>
+            <p:nvSpPr>
+              <p:cNvPr id="32" name="TextBox 31">
+                <a:extLst>
+                  <a:ext uri="{FF2B5EF4-FFF2-40B4-BE49-F238E27FC236}">
+                    <a16:creationId xmlns:a16="http://schemas.microsoft.com/office/drawing/2014/main" id="{1C0A43A6-1AE8-4F34-8928-C4034BF9BF68}"/>
+                  </a:ext>
+                </a:extLst>
+              </p:cNvPr>
+              <p:cNvSpPr txBox="1"/>
+              <p:nvPr/>
+            </p:nvSpPr>
+            <p:spPr>
+              <a:xfrm rot="16200000">
+                <a:off x="7739250" y="3050680"/>
+                <a:ext cx="694421" cy="276999"/>
+              </a:xfrm>
+              <a:prstGeom prst="rect">
+                <a:avLst/>
+              </a:prstGeom>
+              <a:noFill/>
+            </p:spPr>
+            <p:txBody>
+              <a:bodyPr wrap="none" rtlCol="0">
+                <a:spAutoFit/>
+              </a:bodyPr>
+              <a:lstStyle/>
+              <a:p>
+                <a:r>
+                  <a:rPr lang="en-US" sz="1200" dirty="0" err="1">
+                    <a:latin typeface="Consolas" panose="020B0609020204030204" pitchFamily="49" charset="0"/>
+                  </a:rPr>
+                  <a:t>ball_h</a:t>
+                </a:r>
+                <a:endParaRPr lang="en-US" sz="1200" dirty="0">
+                  <a:latin typeface="Consolas" panose="020B0609020204030204" pitchFamily="49" charset="0"/>
+                </a:endParaRPr>
+              </a:p>
+            </p:txBody>
+          </p:sp>
+        </p:grpSp>
+        <p:cxnSp>
+          <p:nvCxnSpPr>
+            <p:cNvPr id="5" name="Straight Arrow Connector 4">
+              <a:extLst>
+                <a:ext uri="{FF2B5EF4-FFF2-40B4-BE49-F238E27FC236}">
+                  <a16:creationId xmlns:a16="http://schemas.microsoft.com/office/drawing/2014/main" id="{19E696CE-8BB6-4B00-AA35-E83695CD94A9}"/>
+                </a:ext>
+              </a:extLst>
+            </p:cNvPr>
+            <p:cNvCxnSpPr>
+              <a:cxnSpLocks/>
+            </p:cNvCxnSpPr>
+            <p:nvPr/>
+          </p:nvCxnSpPr>
+          <p:spPr>
+            <a:xfrm flipH="1" flipV="1">
+              <a:off x="7189940" y="3156559"/>
+              <a:ext cx="1797485" cy="1340285"/>
+            </a:xfrm>
+            <a:prstGeom prst="straightConnector1">
+              <a:avLst/>
+            </a:prstGeom>
+            <a:ln w="28575">
+              <a:prstDash val="sysDash"/>
+              <a:headEnd type="none" w="med" len="med"/>
+              <a:tailEnd type="arrow" w="med" len="med"/>
+            </a:ln>
+            <a:effectLst>
+              <a:outerShdw blurRad="50800" dist="38100" dir="5400000" algn="t" rotWithShape="0">
+                <a:prstClr val="black">
+                  <a:alpha val="40000"/>
+                </a:prstClr>
+              </a:outerShdw>
+            </a:effectLst>
+          </p:spPr>
+          <p:style>
+            <a:lnRef idx="1">
+              <a:schemeClr val="accent1"/>
+            </a:lnRef>
+            <a:fillRef idx="0">
+              <a:schemeClr val="accent1"/>
+            </a:fillRef>
+            <a:effectRef idx="0">
+              <a:schemeClr val="accent1"/>
+            </a:effectRef>
+            <a:fontRef idx="minor">
+              <a:schemeClr val="tx1"/>
+            </a:fontRef>
+          </p:style>
+        </p:cxnSp>
+        <p:sp>
+          <p:nvSpPr>
+            <p:cNvPr id="23" name="TextBox 22">
+              <a:extLst>
+                <a:ext uri="{FF2B5EF4-FFF2-40B4-BE49-F238E27FC236}">
+                  <a16:creationId xmlns:a16="http://schemas.microsoft.com/office/drawing/2014/main" id="{0A320A3E-52F9-46E8-82B9-74C2968F34D9}"/>
+                </a:ext>
+              </a:extLst>
+            </p:cNvPr>
+            <p:cNvSpPr txBox="1"/>
+            <p:nvPr/>
+          </p:nvSpPr>
+          <p:spPr>
+            <a:xfrm>
+              <a:off x="8248742" y="4465262"/>
+              <a:ext cx="1713931" cy="276999"/>
+            </a:xfrm>
+            <a:prstGeom prst="rect">
+              <a:avLst/>
+            </a:prstGeom>
+            <a:noFill/>
+          </p:spPr>
+          <p:txBody>
+            <a:bodyPr wrap="none" rtlCol="0">
+              <a:spAutoFit/>
+            </a:bodyPr>
+            <a:lstStyle/>
+            <a:p>
+              <a:r>
+                <a:rPr lang="en-US" sz="1200" dirty="0">
+                  <a:latin typeface="Consolas" panose="020B0609020204030204" pitchFamily="49" charset="0"/>
+                </a:rPr>
+                <a:t>(</a:t>
+              </a:r>
+              <a:r>
+                <a:rPr lang="en-US" sz="1200" dirty="0" err="1">
+                  <a:latin typeface="Consolas" panose="020B0609020204030204" pitchFamily="49" charset="0"/>
+                </a:rPr>
+                <a:t>ball_dx</a:t>
+              </a:r>
+              <a:r>
+                <a:rPr lang="en-US" sz="1200" dirty="0">
+                  <a:latin typeface="Consolas" panose="020B0609020204030204" pitchFamily="49" charset="0"/>
+                </a:rPr>
+                <a:t>, </a:t>
+              </a:r>
+              <a:r>
+                <a:rPr lang="en-US" sz="1200" dirty="0" err="1">
+                  <a:latin typeface="Consolas" panose="020B0609020204030204" pitchFamily="49" charset="0"/>
+                </a:rPr>
+                <a:t>ball_dy</a:t>
+              </a:r>
+              <a:r>
+                <a:rPr lang="en-US" sz="1200" dirty="0">
+                  <a:latin typeface="Consolas" panose="020B0609020204030204" pitchFamily="49" charset="0"/>
+                </a:rPr>
+                <a:t>)</a:t>
+              </a:r>
+            </a:p>
+          </p:txBody>
+        </p:sp>
+      </p:grpSp>
     </p:spTree>
     <p:extLst>
       <p:ext uri="{BB962C8B-B14F-4D97-AF65-F5344CB8AC3E}">

--- a/images/pygame_rect_window.pptx
+++ b/images/pygame_rect_window.pptx
@@ -4,6 +4,9 @@
   <p:sldMasterIdLst>
     <p:sldMasterId id="2147483648" r:id="rId1"/>
   </p:sldMasterIdLst>
+  <p:notesMasterIdLst>
+    <p:notesMasterId r:id="rId19"/>
+  </p:notesMasterIdLst>
   <p:sldIdLst>
     <p:sldId id="257" r:id="rId2"/>
     <p:sldId id="258" r:id="rId3"/>
@@ -20,6 +23,8 @@
     <p:sldId id="269" r:id="rId14"/>
     <p:sldId id="270" r:id="rId15"/>
     <p:sldId id="273" r:id="rId16"/>
+    <p:sldId id="274" r:id="rId17"/>
+    <p:sldId id="275" r:id="rId18"/>
   </p:sldIdLst>
   <p:sldSz cx="12192000" cy="6858000"/>
   <p:notesSz cx="6858000" cy="9144000"/>
@@ -130,6 +135,355 @@
 <p1510:revInfo xmlns:a="http://schemas.openxmlformats.org/drawingml/2006/main" xmlns:r="http://schemas.openxmlformats.org/officeDocument/2006/relationships" xmlns:p1510="http://schemas.microsoft.com/office/powerpoint/2015/10/main"/>
 </file>
 
+<file path=ppt/notesMasters/notesMaster1.xml><?xml version="1.0" encoding="utf-8"?>
+<p:notesMaster xmlns:a="http://schemas.openxmlformats.org/drawingml/2006/main" xmlns:r="http://schemas.openxmlformats.org/officeDocument/2006/relationships" xmlns:p="http://schemas.openxmlformats.org/presentationml/2006/main">
+  <p:cSld>
+    <p:bg>
+      <p:bgRef idx="1001">
+        <a:schemeClr val="bg1"/>
+      </p:bgRef>
+    </p:bg>
+    <p:spTree>
+      <p:nvGrpSpPr>
+        <p:cNvPr id="1" name=""/>
+        <p:cNvGrpSpPr/>
+        <p:nvPr/>
+      </p:nvGrpSpPr>
+      <p:grpSpPr>
+        <a:xfrm>
+          <a:off x="0" y="0"/>
+          <a:ext cx="0" cy="0"/>
+          <a:chOff x="0" y="0"/>
+          <a:chExt cx="0" cy="0"/>
+        </a:xfrm>
+      </p:grpSpPr>
+      <p:sp>
+        <p:nvSpPr>
+          <p:cNvPr id="2" name="Header Placeholder 1"/>
+          <p:cNvSpPr>
+            <a:spLocks noGrp="1"/>
+          </p:cNvSpPr>
+          <p:nvPr>
+            <p:ph type="hdr" sz="quarter"/>
+          </p:nvPr>
+        </p:nvSpPr>
+        <p:spPr>
+          <a:xfrm>
+            <a:off x="0" y="0"/>
+            <a:ext cx="2971800" cy="458788"/>
+          </a:xfrm>
+          <a:prstGeom prst="rect">
+            <a:avLst/>
+          </a:prstGeom>
+        </p:spPr>
+        <p:txBody>
+          <a:bodyPr vert="horz" lIns="91440" tIns="45720" rIns="91440" bIns="45720" rtlCol="0"/>
+          <a:lstStyle>
+            <a:lvl1pPr algn="l">
+              <a:defRPr sz="1200"/>
+            </a:lvl1pPr>
+          </a:lstStyle>
+          <a:p>
+            <a:endParaRPr lang="en-US"/>
+          </a:p>
+        </p:txBody>
+      </p:sp>
+      <p:sp>
+        <p:nvSpPr>
+          <p:cNvPr id="3" name="Date Placeholder 2"/>
+          <p:cNvSpPr>
+            <a:spLocks noGrp="1"/>
+          </p:cNvSpPr>
+          <p:nvPr>
+            <p:ph type="dt" idx="1"/>
+          </p:nvPr>
+        </p:nvSpPr>
+        <p:spPr>
+          <a:xfrm>
+            <a:off x="3884613" y="0"/>
+            <a:ext cx="2971800" cy="458788"/>
+          </a:xfrm>
+          <a:prstGeom prst="rect">
+            <a:avLst/>
+          </a:prstGeom>
+        </p:spPr>
+        <p:txBody>
+          <a:bodyPr vert="horz" lIns="91440" tIns="45720" rIns="91440" bIns="45720" rtlCol="0"/>
+          <a:lstStyle>
+            <a:lvl1pPr algn="r">
+              <a:defRPr sz="1200"/>
+            </a:lvl1pPr>
+          </a:lstStyle>
+          <a:p>
+            <a:fld id="{A06AD928-664A-442C-B312-AFB4F7171F46}" type="datetimeFigureOut">
+              <a:rPr lang="en-US" smtClean="0"/>
+              <a:t>7/20/2017</a:t>
+            </a:fld>
+            <a:endParaRPr lang="en-US"/>
+          </a:p>
+        </p:txBody>
+      </p:sp>
+      <p:sp>
+        <p:nvSpPr>
+          <p:cNvPr id="4" name="Slide Image Placeholder 3"/>
+          <p:cNvSpPr>
+            <a:spLocks noGrp="1" noRot="1" noChangeAspect="1"/>
+          </p:cNvSpPr>
+          <p:nvPr>
+            <p:ph type="sldImg" idx="2"/>
+          </p:nvPr>
+        </p:nvSpPr>
+        <p:spPr>
+          <a:xfrm>
+            <a:off x="685800" y="1143000"/>
+            <a:ext cx="5486400" cy="3086100"/>
+          </a:xfrm>
+          <a:prstGeom prst="rect">
+            <a:avLst/>
+          </a:prstGeom>
+          <a:noFill/>
+          <a:ln w="12700">
+            <a:solidFill>
+              <a:prstClr val="black"/>
+            </a:solidFill>
+          </a:ln>
+        </p:spPr>
+        <p:txBody>
+          <a:bodyPr vert="horz" lIns="91440" tIns="45720" rIns="91440" bIns="45720" rtlCol="0" anchor="ctr"/>
+          <a:lstStyle/>
+          <a:p>
+            <a:endParaRPr lang="en-US"/>
+          </a:p>
+        </p:txBody>
+      </p:sp>
+      <p:sp>
+        <p:nvSpPr>
+          <p:cNvPr id="5" name="Notes Placeholder 4"/>
+          <p:cNvSpPr>
+            <a:spLocks noGrp="1"/>
+          </p:cNvSpPr>
+          <p:nvPr>
+            <p:ph type="body" sz="quarter" idx="3"/>
+          </p:nvPr>
+        </p:nvSpPr>
+        <p:spPr>
+          <a:xfrm>
+            <a:off x="685800" y="4400550"/>
+            <a:ext cx="5486400" cy="3600450"/>
+          </a:xfrm>
+          <a:prstGeom prst="rect">
+            <a:avLst/>
+          </a:prstGeom>
+        </p:spPr>
+        <p:txBody>
+          <a:bodyPr vert="horz" lIns="91440" tIns="45720" rIns="91440" bIns="45720" rtlCol="0"/>
+          <a:lstStyle/>
+          <a:p>
+            <a:pPr lvl="0"/>
+            <a:r>
+              <a:rPr lang="en-US"/>
+              <a:t>Edit Master text styles</a:t>
+            </a:r>
+          </a:p>
+          <a:p>
+            <a:pPr lvl="1"/>
+            <a:r>
+              <a:rPr lang="en-US"/>
+              <a:t>Second level</a:t>
+            </a:r>
+          </a:p>
+          <a:p>
+            <a:pPr lvl="2"/>
+            <a:r>
+              <a:rPr lang="en-US"/>
+              <a:t>Third level</a:t>
+            </a:r>
+          </a:p>
+          <a:p>
+            <a:pPr lvl="3"/>
+            <a:r>
+              <a:rPr lang="en-US"/>
+              <a:t>Fourth level</a:t>
+            </a:r>
+          </a:p>
+          <a:p>
+            <a:pPr lvl="4"/>
+            <a:r>
+              <a:rPr lang="en-US"/>
+              <a:t>Fifth level</a:t>
+            </a:r>
+          </a:p>
+        </p:txBody>
+      </p:sp>
+      <p:sp>
+        <p:nvSpPr>
+          <p:cNvPr id="6" name="Footer Placeholder 5"/>
+          <p:cNvSpPr>
+            <a:spLocks noGrp="1"/>
+          </p:cNvSpPr>
+          <p:nvPr>
+            <p:ph type="ftr" sz="quarter" idx="4"/>
+          </p:nvPr>
+        </p:nvSpPr>
+        <p:spPr>
+          <a:xfrm>
+            <a:off x="0" y="8685213"/>
+            <a:ext cx="2971800" cy="458787"/>
+          </a:xfrm>
+          <a:prstGeom prst="rect">
+            <a:avLst/>
+          </a:prstGeom>
+        </p:spPr>
+        <p:txBody>
+          <a:bodyPr vert="horz" lIns="91440" tIns="45720" rIns="91440" bIns="45720" rtlCol="0" anchor="b"/>
+          <a:lstStyle>
+            <a:lvl1pPr algn="l">
+              <a:defRPr sz="1200"/>
+            </a:lvl1pPr>
+          </a:lstStyle>
+          <a:p>
+            <a:endParaRPr lang="en-US"/>
+          </a:p>
+        </p:txBody>
+      </p:sp>
+      <p:sp>
+        <p:nvSpPr>
+          <p:cNvPr id="7" name="Slide Number Placeholder 6"/>
+          <p:cNvSpPr>
+            <a:spLocks noGrp="1"/>
+          </p:cNvSpPr>
+          <p:nvPr>
+            <p:ph type="sldNum" sz="quarter" idx="5"/>
+          </p:nvPr>
+        </p:nvSpPr>
+        <p:spPr>
+          <a:xfrm>
+            <a:off x="3884613" y="8685213"/>
+            <a:ext cx="2971800" cy="458787"/>
+          </a:xfrm>
+          <a:prstGeom prst="rect">
+            <a:avLst/>
+          </a:prstGeom>
+        </p:spPr>
+        <p:txBody>
+          <a:bodyPr vert="horz" lIns="91440" tIns="45720" rIns="91440" bIns="45720" rtlCol="0" anchor="b"/>
+          <a:lstStyle>
+            <a:lvl1pPr algn="r">
+              <a:defRPr sz="1200"/>
+            </a:lvl1pPr>
+          </a:lstStyle>
+          <a:p>
+            <a:fld id="{B6F7FFFB-4D30-484F-8FF9-CB1B6B7CE2C8}" type="slidenum">
+              <a:rPr lang="en-US" smtClean="0"/>
+              <a:t>‹#›</a:t>
+            </a:fld>
+            <a:endParaRPr lang="en-US"/>
+          </a:p>
+        </p:txBody>
+      </p:sp>
+    </p:spTree>
+    <p:extLst>
+      <p:ext uri="{BB962C8B-B14F-4D97-AF65-F5344CB8AC3E}">
+        <p14:creationId xmlns:p14="http://schemas.microsoft.com/office/powerpoint/2010/main" val="215786544"/>
+      </p:ext>
+    </p:extLst>
+  </p:cSld>
+  <p:clrMap bg1="lt1" tx1="dk1" bg2="lt2" tx2="dk2" accent1="accent1" accent2="accent2" accent3="accent3" accent4="accent4" accent5="accent5" accent6="accent6" hlink="hlink" folHlink="folHlink"/>
+  <p:notesStyle>
+    <a:lvl1pPr marL="0" algn="l" defTabSz="914400" rtl="0" eaLnBrk="1" latinLnBrk="0" hangingPunct="1">
+      <a:defRPr sz="1200" kern="1200">
+        <a:solidFill>
+          <a:schemeClr val="tx1"/>
+        </a:solidFill>
+        <a:latin typeface="+mn-lt"/>
+        <a:ea typeface="+mn-ea"/>
+        <a:cs typeface="+mn-cs"/>
+      </a:defRPr>
+    </a:lvl1pPr>
+    <a:lvl2pPr marL="457200" algn="l" defTabSz="914400" rtl="0" eaLnBrk="1" latinLnBrk="0" hangingPunct="1">
+      <a:defRPr sz="1200" kern="1200">
+        <a:solidFill>
+          <a:schemeClr val="tx1"/>
+        </a:solidFill>
+        <a:latin typeface="+mn-lt"/>
+        <a:ea typeface="+mn-ea"/>
+        <a:cs typeface="+mn-cs"/>
+      </a:defRPr>
+    </a:lvl2pPr>
+    <a:lvl3pPr marL="914400" algn="l" defTabSz="914400" rtl="0" eaLnBrk="1" latinLnBrk="0" hangingPunct="1">
+      <a:defRPr sz="1200" kern="1200">
+        <a:solidFill>
+          <a:schemeClr val="tx1"/>
+        </a:solidFill>
+        <a:latin typeface="+mn-lt"/>
+        <a:ea typeface="+mn-ea"/>
+        <a:cs typeface="+mn-cs"/>
+      </a:defRPr>
+    </a:lvl3pPr>
+    <a:lvl4pPr marL="1371600" algn="l" defTabSz="914400" rtl="0" eaLnBrk="1" latinLnBrk="0" hangingPunct="1">
+      <a:defRPr sz="1200" kern="1200">
+        <a:solidFill>
+          <a:schemeClr val="tx1"/>
+        </a:solidFill>
+        <a:latin typeface="+mn-lt"/>
+        <a:ea typeface="+mn-ea"/>
+        <a:cs typeface="+mn-cs"/>
+      </a:defRPr>
+    </a:lvl4pPr>
+    <a:lvl5pPr marL="1828800" algn="l" defTabSz="914400" rtl="0" eaLnBrk="1" latinLnBrk="0" hangingPunct="1">
+      <a:defRPr sz="1200" kern="1200">
+        <a:solidFill>
+          <a:schemeClr val="tx1"/>
+        </a:solidFill>
+        <a:latin typeface="+mn-lt"/>
+        <a:ea typeface="+mn-ea"/>
+        <a:cs typeface="+mn-cs"/>
+      </a:defRPr>
+    </a:lvl5pPr>
+    <a:lvl6pPr marL="2286000" algn="l" defTabSz="914400" rtl="0" eaLnBrk="1" latinLnBrk="0" hangingPunct="1">
+      <a:defRPr sz="1200" kern="1200">
+        <a:solidFill>
+          <a:schemeClr val="tx1"/>
+        </a:solidFill>
+        <a:latin typeface="+mn-lt"/>
+        <a:ea typeface="+mn-ea"/>
+        <a:cs typeface="+mn-cs"/>
+      </a:defRPr>
+    </a:lvl6pPr>
+    <a:lvl7pPr marL="2743200" algn="l" defTabSz="914400" rtl="0" eaLnBrk="1" latinLnBrk="0" hangingPunct="1">
+      <a:defRPr sz="1200" kern="1200">
+        <a:solidFill>
+          <a:schemeClr val="tx1"/>
+        </a:solidFill>
+        <a:latin typeface="+mn-lt"/>
+        <a:ea typeface="+mn-ea"/>
+        <a:cs typeface="+mn-cs"/>
+      </a:defRPr>
+    </a:lvl7pPr>
+    <a:lvl8pPr marL="3200400" algn="l" defTabSz="914400" rtl="0" eaLnBrk="1" latinLnBrk="0" hangingPunct="1">
+      <a:defRPr sz="1200" kern="1200">
+        <a:solidFill>
+          <a:schemeClr val="tx1"/>
+        </a:solidFill>
+        <a:latin typeface="+mn-lt"/>
+        <a:ea typeface="+mn-ea"/>
+        <a:cs typeface="+mn-cs"/>
+      </a:defRPr>
+    </a:lvl8pPr>
+    <a:lvl9pPr marL="3657600" algn="l" defTabSz="914400" rtl="0" eaLnBrk="1" latinLnBrk="0" hangingPunct="1">
+      <a:defRPr sz="1200" kern="1200">
+        <a:solidFill>
+          <a:schemeClr val="tx1"/>
+        </a:solidFill>
+        <a:latin typeface="+mn-lt"/>
+        <a:ea typeface="+mn-ea"/>
+        <a:cs typeface="+mn-cs"/>
+      </a:defRPr>
+    </a:lvl9pPr>
+  </p:notesStyle>
+</p:notesMaster>
+</file>
+
 <file path=ppt/slideLayouts/slideLayout1.xml><?xml version="1.0" encoding="utf-8"?>
 <p:sldLayout xmlns:a="http://schemas.openxmlformats.org/drawingml/2006/main" xmlns:r="http://schemas.openxmlformats.org/officeDocument/2006/relationships" xmlns:p="http://schemas.openxmlformats.org/presentationml/2006/main" type="title" preserve="1">
   <p:cSld name="Title Slide">
@@ -259,7 +613,7 @@
           <a:p>
             <a:fld id="{856FFBE8-0159-4FDA-8D70-04C5D85E84A4}" type="datetimeFigureOut">
               <a:rPr lang="en-US" smtClean="0"/>
-              <a:t>7/15/2017</a:t>
+              <a:t>7/20/2017</a:t>
             </a:fld>
             <a:endParaRPr lang="en-US"/>
           </a:p>
@@ -427,7 +781,7 @@
           <a:p>
             <a:fld id="{856FFBE8-0159-4FDA-8D70-04C5D85E84A4}" type="datetimeFigureOut">
               <a:rPr lang="en-US" smtClean="0"/>
-              <a:t>7/15/2017</a:t>
+              <a:t>7/20/2017</a:t>
             </a:fld>
             <a:endParaRPr lang="en-US"/>
           </a:p>
@@ -605,7 +959,7 @@
           <a:p>
             <a:fld id="{856FFBE8-0159-4FDA-8D70-04C5D85E84A4}" type="datetimeFigureOut">
               <a:rPr lang="en-US" smtClean="0"/>
-              <a:t>7/15/2017</a:t>
+              <a:t>7/20/2017</a:t>
             </a:fld>
             <a:endParaRPr lang="en-US"/>
           </a:p>
@@ -773,7 +1127,7 @@
           <a:p>
             <a:fld id="{856FFBE8-0159-4FDA-8D70-04C5D85E84A4}" type="datetimeFigureOut">
               <a:rPr lang="en-US" smtClean="0"/>
-              <a:t>7/15/2017</a:t>
+              <a:t>7/20/2017</a:t>
             </a:fld>
             <a:endParaRPr lang="en-US"/>
           </a:p>
@@ -1018,7 +1372,7 @@
           <a:p>
             <a:fld id="{856FFBE8-0159-4FDA-8D70-04C5D85E84A4}" type="datetimeFigureOut">
               <a:rPr lang="en-US" smtClean="0"/>
-              <a:t>7/15/2017</a:t>
+              <a:t>7/20/2017</a:t>
             </a:fld>
             <a:endParaRPr lang="en-US"/>
           </a:p>
@@ -1247,7 +1601,7 @@
           <a:p>
             <a:fld id="{856FFBE8-0159-4FDA-8D70-04C5D85E84A4}" type="datetimeFigureOut">
               <a:rPr lang="en-US" smtClean="0"/>
-              <a:t>7/15/2017</a:t>
+              <a:t>7/20/2017</a:t>
             </a:fld>
             <a:endParaRPr lang="en-US"/>
           </a:p>
@@ -1611,7 +1965,7 @@
           <a:p>
             <a:fld id="{856FFBE8-0159-4FDA-8D70-04C5D85E84A4}" type="datetimeFigureOut">
               <a:rPr lang="en-US" smtClean="0"/>
-              <a:t>7/15/2017</a:t>
+              <a:t>7/20/2017</a:t>
             </a:fld>
             <a:endParaRPr lang="en-US"/>
           </a:p>
@@ -1728,7 +2082,7 @@
           <a:p>
             <a:fld id="{856FFBE8-0159-4FDA-8D70-04C5D85E84A4}" type="datetimeFigureOut">
               <a:rPr lang="en-US" smtClean="0"/>
-              <a:t>7/15/2017</a:t>
+              <a:t>7/20/2017</a:t>
             </a:fld>
             <a:endParaRPr lang="en-US"/>
           </a:p>
@@ -1823,7 +2177,7 @@
           <a:p>
             <a:fld id="{856FFBE8-0159-4FDA-8D70-04C5D85E84A4}" type="datetimeFigureOut">
               <a:rPr lang="en-US" smtClean="0"/>
-              <a:t>7/15/2017</a:t>
+              <a:t>7/20/2017</a:t>
             </a:fld>
             <a:endParaRPr lang="en-US"/>
           </a:p>
@@ -2098,7 +2452,7 @@
           <a:p>
             <a:fld id="{856FFBE8-0159-4FDA-8D70-04C5D85E84A4}" type="datetimeFigureOut">
               <a:rPr lang="en-US" smtClean="0"/>
-              <a:t>7/15/2017</a:t>
+              <a:t>7/20/2017</a:t>
             </a:fld>
             <a:endParaRPr lang="en-US"/>
           </a:p>
@@ -2350,7 +2704,7 @@
           <a:p>
             <a:fld id="{856FFBE8-0159-4FDA-8D70-04C5D85E84A4}" type="datetimeFigureOut">
               <a:rPr lang="en-US" smtClean="0"/>
-              <a:t>7/15/2017</a:t>
+              <a:t>7/20/2017</a:t>
             </a:fld>
             <a:endParaRPr lang="en-US"/>
           </a:p>
@@ -2561,7 +2915,7 @@
           <a:p>
             <a:fld id="{856FFBE8-0159-4FDA-8D70-04C5D85E84A4}" type="datetimeFigureOut">
               <a:rPr lang="en-US" smtClean="0"/>
-              <a:t>7/15/2017</a:t>
+              <a:t>7/20/2017</a:t>
             </a:fld>
             <a:endParaRPr lang="en-US"/>
           </a:p>
@@ -7036,6 +7390,1141 @@
 </p:sld>
 </file>
 
+<file path=ppt/slides/slide16.xml><?xml version="1.0" encoding="utf-8"?>
+<p:sld xmlns:a="http://schemas.openxmlformats.org/drawingml/2006/main" xmlns:r="http://schemas.openxmlformats.org/officeDocument/2006/relationships" xmlns:p="http://schemas.openxmlformats.org/presentationml/2006/main">
+  <p:cSld>
+    <p:spTree>
+      <p:nvGrpSpPr>
+        <p:cNvPr id="1" name=""/>
+        <p:cNvGrpSpPr/>
+        <p:nvPr/>
+      </p:nvGrpSpPr>
+      <p:grpSpPr>
+        <a:xfrm>
+          <a:off x="0" y="0"/>
+          <a:ext cx="0" cy="0"/>
+          <a:chOff x="0" y="0"/>
+          <a:chExt cx="0" cy="0"/>
+        </a:xfrm>
+      </p:grpSpPr>
+      <p:sp>
+        <p:nvSpPr>
+          <p:cNvPr id="1031" name="Rectangle 1030">
+            <a:extLst>
+              <a:ext uri="{FF2B5EF4-FFF2-40B4-BE49-F238E27FC236}">
+                <a16:creationId xmlns:a16="http://schemas.microsoft.com/office/drawing/2014/main" id="{3BE805DD-0497-4ADE-9259-95F172B22C8D}"/>
+              </a:ext>
+            </a:extLst>
+          </p:cNvPr>
+          <p:cNvSpPr/>
+          <p:nvPr/>
+        </p:nvSpPr>
+        <p:spPr>
+          <a:xfrm>
+            <a:off x="2311052" y="1960323"/>
+            <a:ext cx="7722296" cy="3012510"/>
+          </a:xfrm>
+          <a:prstGeom prst="rect">
+            <a:avLst/>
+          </a:prstGeom>
+          <a:noFill/>
+          <a:ln>
+            <a:solidFill>
+              <a:schemeClr val="tx1"/>
+            </a:solidFill>
+          </a:ln>
+        </p:spPr>
+        <p:style>
+          <a:lnRef idx="2">
+            <a:schemeClr val="accent1">
+              <a:shade val="50000"/>
+            </a:schemeClr>
+          </a:lnRef>
+          <a:fillRef idx="1">
+            <a:schemeClr val="accent1"/>
+          </a:fillRef>
+          <a:effectRef idx="0">
+            <a:schemeClr val="accent1"/>
+          </a:effectRef>
+          <a:fontRef idx="minor">
+            <a:schemeClr val="lt1"/>
+          </a:fontRef>
+        </p:style>
+        <p:txBody>
+          <a:bodyPr rtlCol="0" anchor="ctr"/>
+          <a:lstStyle/>
+          <a:p>
+            <a:pPr algn="ctr"/>
+            <a:endParaRPr lang="en-US"/>
+          </a:p>
+        </p:txBody>
+      </p:sp>
+      <p:sp>
+        <p:nvSpPr>
+          <p:cNvPr id="3" name="Rectangle 2">
+            <a:extLst>
+              <a:ext uri="{FF2B5EF4-FFF2-40B4-BE49-F238E27FC236}">
+                <a16:creationId xmlns:a16="http://schemas.microsoft.com/office/drawing/2014/main" id="{B5E6F3F2-D71E-4B88-B8A9-17D64B86F0E4}"/>
+              </a:ext>
+            </a:extLst>
+          </p:cNvPr>
+          <p:cNvSpPr/>
+          <p:nvPr/>
+        </p:nvSpPr>
+        <p:spPr>
+          <a:xfrm>
+            <a:off x="5329825" y="2611677"/>
+            <a:ext cx="1810011" cy="1183709"/>
+          </a:xfrm>
+          <a:prstGeom prst="rect">
+            <a:avLst/>
+          </a:prstGeom>
+          <a:solidFill>
+            <a:schemeClr val="accent1">
+              <a:lumMod val="60000"/>
+              <a:lumOff val="40000"/>
+            </a:schemeClr>
+          </a:solidFill>
+          <a:ln>
+            <a:solidFill>
+              <a:schemeClr val="accent1">
+                <a:lumMod val="60000"/>
+                <a:lumOff val="40000"/>
+              </a:schemeClr>
+            </a:solidFill>
+          </a:ln>
+        </p:spPr>
+        <p:style>
+          <a:lnRef idx="2">
+            <a:schemeClr val="accent1">
+              <a:shade val="50000"/>
+            </a:schemeClr>
+          </a:lnRef>
+          <a:fillRef idx="1">
+            <a:schemeClr val="accent1"/>
+          </a:fillRef>
+          <a:effectRef idx="0">
+            <a:schemeClr val="accent1"/>
+          </a:effectRef>
+          <a:fontRef idx="minor">
+            <a:schemeClr val="lt1"/>
+          </a:fontRef>
+        </p:style>
+        <p:txBody>
+          <a:bodyPr rtlCol="0" anchor="ctr"/>
+          <a:lstStyle/>
+          <a:p>
+            <a:pPr algn="ctr"/>
+            <a:r>
+              <a:rPr lang="en-US" sz="1400" dirty="0">
+                <a:solidFill>
+                  <a:schemeClr val="tx1"/>
+                </a:solidFill>
+                <a:latin typeface="Consolas" panose="020B0609020204030204" pitchFamily="49" charset="0"/>
+              </a:rPr>
+              <a:t>scale</a:t>
+            </a:r>
+          </a:p>
+        </p:txBody>
+      </p:sp>
+      <p:pic>
+        <p:nvPicPr>
+          <p:cNvPr id="1026" name="Picture 2" descr="bug">
+            <a:extLst>
+              <a:ext uri="{FF2B5EF4-FFF2-40B4-BE49-F238E27FC236}">
+                <a16:creationId xmlns:a16="http://schemas.microsoft.com/office/drawing/2014/main" id="{D982902C-A2CB-4DA1-9E85-A98C646AD717}"/>
+              </a:ext>
+            </a:extLst>
+          </p:cNvPr>
+          <p:cNvPicPr>
+            <a:picLocks noChangeAspect="1" noChangeArrowheads="1"/>
+          </p:cNvPicPr>
+          <p:nvPr/>
+        </p:nvPicPr>
+        <p:blipFill>
+          <a:blip r:embed="rId2">
+            <a:extLst>
+              <a:ext uri="{28A0092B-C50C-407E-A947-70E740481C1C}">
+                <a14:useLocalDpi xmlns:a14="http://schemas.microsoft.com/office/drawing/2010/main" val="0"/>
+              </a:ext>
+            </a:extLst>
+          </a:blip>
+          <a:srcRect/>
+          <a:stretch>
+            <a:fillRect/>
+          </a:stretch>
+        </p:blipFill>
+        <p:spPr bwMode="auto">
+          <a:xfrm>
+            <a:off x="2932658" y="3572594"/>
+            <a:ext cx="1232248" cy="839016"/>
+          </a:xfrm>
+          <a:prstGeom prst="rect">
+            <a:avLst/>
+          </a:prstGeom>
+          <a:noFill/>
+          <a:extLst>
+            <a:ext uri="{909E8E84-426E-40DD-AFC4-6F175D3DCCD1}">
+              <a14:hiddenFill xmlns:a14="http://schemas.microsoft.com/office/drawing/2010/main">
+                <a:solidFill>
+                  <a:srgbClr val="FFFFFF"/>
+                </a:solidFill>
+              </a14:hiddenFill>
+            </a:ext>
+          </a:extLst>
+        </p:spPr>
+      </p:pic>
+      <p:cxnSp>
+        <p:nvCxnSpPr>
+          <p:cNvPr id="22" name="Straight Arrow Connector 21">
+            <a:extLst>
+              <a:ext uri="{FF2B5EF4-FFF2-40B4-BE49-F238E27FC236}">
+                <a16:creationId xmlns:a16="http://schemas.microsoft.com/office/drawing/2014/main" id="{0C168356-691E-4BE2-829B-2ED06C6DC375}"/>
+              </a:ext>
+            </a:extLst>
+          </p:cNvPr>
+          <p:cNvCxnSpPr>
+            <a:cxnSpLocks/>
+            <a:stCxn id="1026" idx="3"/>
+          </p:cNvCxnSpPr>
+          <p:nvPr/>
+        </p:nvCxnSpPr>
+        <p:spPr>
+          <a:xfrm flipV="1">
+            <a:off x="4164906" y="3572594"/>
+            <a:ext cx="1164919" cy="419508"/>
+          </a:xfrm>
+          <a:prstGeom prst="straightConnector1">
+            <a:avLst/>
+          </a:prstGeom>
+          <a:ln w="12700">
+            <a:tailEnd type="triangle"/>
+          </a:ln>
+        </p:spPr>
+        <p:style>
+          <a:lnRef idx="1">
+            <a:schemeClr val="accent1"/>
+          </a:lnRef>
+          <a:fillRef idx="0">
+            <a:schemeClr val="accent1"/>
+          </a:fillRef>
+          <a:effectRef idx="0">
+            <a:schemeClr val="accent1"/>
+          </a:effectRef>
+          <a:fontRef idx="minor">
+            <a:schemeClr val="tx1"/>
+          </a:fontRef>
+        </p:style>
+      </p:cxnSp>
+      <p:sp>
+        <p:nvSpPr>
+          <p:cNvPr id="23" name="TextBox 22">
+            <a:extLst>
+              <a:ext uri="{FF2B5EF4-FFF2-40B4-BE49-F238E27FC236}">
+                <a16:creationId xmlns:a16="http://schemas.microsoft.com/office/drawing/2014/main" id="{2AE6245B-381F-4C95-8BA0-3F6A79F81DBD}"/>
+              </a:ext>
+            </a:extLst>
+          </p:cNvPr>
+          <p:cNvSpPr txBox="1"/>
+          <p:nvPr/>
+        </p:nvSpPr>
+        <p:spPr>
+          <a:xfrm>
+            <a:off x="3507473" y="2713797"/>
+            <a:ext cx="979755" cy="307777"/>
+          </a:xfrm>
+          <a:prstGeom prst="rect">
+            <a:avLst/>
+          </a:prstGeom>
+          <a:noFill/>
+        </p:spPr>
+        <p:txBody>
+          <a:bodyPr wrap="none" rtlCol="0">
+            <a:spAutoFit/>
+          </a:bodyPr>
+          <a:lstStyle/>
+          <a:p>
+            <a:r>
+              <a:rPr lang="en-US" sz="1400" dirty="0" err="1">
+                <a:latin typeface="Consolas" panose="020B0609020204030204" pitchFamily="49" charset="0"/>
+              </a:rPr>
+              <a:t>scaled_w</a:t>
+            </a:r>
+            <a:endParaRPr lang="en-US" sz="1400" dirty="0">
+              <a:latin typeface="Consolas" panose="020B0609020204030204" pitchFamily="49" charset="0"/>
+            </a:endParaRPr>
+          </a:p>
+        </p:txBody>
+      </p:sp>
+      <p:sp>
+        <p:nvSpPr>
+          <p:cNvPr id="25" name="TextBox 24">
+            <a:extLst>
+              <a:ext uri="{FF2B5EF4-FFF2-40B4-BE49-F238E27FC236}">
+                <a16:creationId xmlns:a16="http://schemas.microsoft.com/office/drawing/2014/main" id="{5DCD85FA-C6A2-49E9-B025-D4A7B47A0B09}"/>
+              </a:ext>
+            </a:extLst>
+          </p:cNvPr>
+          <p:cNvSpPr txBox="1"/>
+          <p:nvPr/>
+        </p:nvSpPr>
+        <p:spPr>
+          <a:xfrm>
+            <a:off x="3507474" y="3018865"/>
+            <a:ext cx="979755" cy="307777"/>
+          </a:xfrm>
+          <a:prstGeom prst="rect">
+            <a:avLst/>
+          </a:prstGeom>
+          <a:noFill/>
+        </p:spPr>
+        <p:txBody>
+          <a:bodyPr wrap="none" rtlCol="0">
+            <a:spAutoFit/>
+          </a:bodyPr>
+          <a:lstStyle/>
+          <a:p>
+            <a:r>
+              <a:rPr lang="en-US" sz="1400" dirty="0" err="1">
+                <a:latin typeface="Consolas" panose="020B0609020204030204" pitchFamily="49" charset="0"/>
+              </a:rPr>
+              <a:t>scaled_h</a:t>
+            </a:r>
+            <a:endParaRPr lang="en-US" sz="1400" dirty="0">
+              <a:latin typeface="Consolas" panose="020B0609020204030204" pitchFamily="49" charset="0"/>
+            </a:endParaRPr>
+          </a:p>
+        </p:txBody>
+      </p:sp>
+      <p:cxnSp>
+        <p:nvCxnSpPr>
+          <p:cNvPr id="28" name="Straight Arrow Connector 27">
+            <a:extLst>
+              <a:ext uri="{FF2B5EF4-FFF2-40B4-BE49-F238E27FC236}">
+                <a16:creationId xmlns:a16="http://schemas.microsoft.com/office/drawing/2014/main" id="{456EDDC7-441C-46D7-96C4-1AEF5EF1D52D}"/>
+              </a:ext>
+            </a:extLst>
+          </p:cNvPr>
+          <p:cNvCxnSpPr>
+            <a:stCxn id="23" idx="3"/>
+          </p:cNvCxnSpPr>
+          <p:nvPr/>
+        </p:nvCxnSpPr>
+        <p:spPr>
+          <a:xfrm>
+            <a:off x="4487228" y="2867686"/>
+            <a:ext cx="842597" cy="0"/>
+          </a:xfrm>
+          <a:prstGeom prst="straightConnector1">
+            <a:avLst/>
+          </a:prstGeom>
+          <a:ln w="12700">
+            <a:tailEnd type="triangle"/>
+          </a:ln>
+        </p:spPr>
+        <p:style>
+          <a:lnRef idx="1">
+            <a:schemeClr val="accent1"/>
+          </a:lnRef>
+          <a:fillRef idx="0">
+            <a:schemeClr val="accent1"/>
+          </a:fillRef>
+          <a:effectRef idx="0">
+            <a:schemeClr val="accent1"/>
+          </a:effectRef>
+          <a:fontRef idx="minor">
+            <a:schemeClr val="tx1"/>
+          </a:fontRef>
+        </p:style>
+      </p:cxnSp>
+      <p:cxnSp>
+        <p:nvCxnSpPr>
+          <p:cNvPr id="1024" name="Straight Arrow Connector 1023">
+            <a:extLst>
+              <a:ext uri="{FF2B5EF4-FFF2-40B4-BE49-F238E27FC236}">
+                <a16:creationId xmlns:a16="http://schemas.microsoft.com/office/drawing/2014/main" id="{31CD2C89-31D9-41E9-9FCA-78AF9ABA5ED5}"/>
+              </a:ext>
+            </a:extLst>
+          </p:cNvPr>
+          <p:cNvCxnSpPr>
+            <a:cxnSpLocks/>
+            <a:stCxn id="25" idx="3"/>
+            <a:endCxn id="3" idx="1"/>
+          </p:cNvCxnSpPr>
+          <p:nvPr/>
+        </p:nvCxnSpPr>
+        <p:spPr>
+          <a:xfrm>
+            <a:off x="4487229" y="3172754"/>
+            <a:ext cx="842596" cy="30778"/>
+          </a:xfrm>
+          <a:prstGeom prst="straightConnector1">
+            <a:avLst/>
+          </a:prstGeom>
+          <a:ln w="12700">
+            <a:tailEnd type="triangle"/>
+          </a:ln>
+        </p:spPr>
+        <p:style>
+          <a:lnRef idx="1">
+            <a:schemeClr val="accent1"/>
+          </a:lnRef>
+          <a:fillRef idx="0">
+            <a:schemeClr val="accent1"/>
+          </a:fillRef>
+          <a:effectRef idx="0">
+            <a:schemeClr val="accent1"/>
+          </a:effectRef>
+          <a:fontRef idx="minor">
+            <a:schemeClr val="tx1"/>
+          </a:fontRef>
+        </p:style>
+      </p:cxnSp>
+      <p:pic>
+        <p:nvPicPr>
+          <p:cNvPr id="34" name="Picture 2" descr="bug">
+            <a:extLst>
+              <a:ext uri="{FF2B5EF4-FFF2-40B4-BE49-F238E27FC236}">
+                <a16:creationId xmlns:a16="http://schemas.microsoft.com/office/drawing/2014/main" id="{17ACE82E-BDCD-453B-8FEB-7DCEB3FAC310}"/>
+              </a:ext>
+            </a:extLst>
+          </p:cNvPr>
+          <p:cNvPicPr>
+            <a:picLocks noChangeAspect="1" noChangeArrowheads="1"/>
+          </p:cNvPicPr>
+          <p:nvPr/>
+        </p:nvPicPr>
+        <p:blipFill>
+          <a:blip r:embed="rId2">
+            <a:extLst>
+              <a:ext uri="{28A0092B-C50C-407E-A947-70E740481C1C}">
+                <a14:useLocalDpi xmlns:a14="http://schemas.microsoft.com/office/drawing/2010/main" val="0"/>
+              </a:ext>
+            </a:extLst>
+          </a:blip>
+          <a:srcRect/>
+          <a:stretch>
+            <a:fillRect/>
+          </a:stretch>
+        </p:blipFill>
+        <p:spPr bwMode="auto">
+          <a:xfrm>
+            <a:off x="7809978" y="2690078"/>
+            <a:ext cx="1517739" cy="1033402"/>
+          </a:xfrm>
+          <a:prstGeom prst="rect">
+            <a:avLst/>
+          </a:prstGeom>
+          <a:noFill/>
+          <a:extLst>
+            <a:ext uri="{909E8E84-426E-40DD-AFC4-6F175D3DCCD1}">
+              <a14:hiddenFill xmlns:a14="http://schemas.microsoft.com/office/drawing/2010/main">
+                <a:solidFill>
+                  <a:srgbClr val="FFFFFF"/>
+                </a:solidFill>
+              </a14:hiddenFill>
+            </a:ext>
+          </a:extLst>
+        </p:spPr>
+      </p:pic>
+      <p:cxnSp>
+        <p:nvCxnSpPr>
+          <p:cNvPr id="1027" name="Straight Arrow Connector 1026">
+            <a:extLst>
+              <a:ext uri="{FF2B5EF4-FFF2-40B4-BE49-F238E27FC236}">
+                <a16:creationId xmlns:a16="http://schemas.microsoft.com/office/drawing/2014/main" id="{AE345EF0-5ED7-4171-880C-FE7ED46C2622}"/>
+              </a:ext>
+            </a:extLst>
+          </p:cNvPr>
+          <p:cNvCxnSpPr>
+            <a:cxnSpLocks/>
+            <a:stCxn id="3" idx="3"/>
+            <a:endCxn id="34" idx="1"/>
+          </p:cNvCxnSpPr>
+          <p:nvPr/>
+        </p:nvCxnSpPr>
+        <p:spPr>
+          <a:xfrm>
+            <a:off x="7139836" y="3203532"/>
+            <a:ext cx="670142" cy="3247"/>
+          </a:xfrm>
+          <a:prstGeom prst="straightConnector1">
+            <a:avLst/>
+          </a:prstGeom>
+          <a:ln w="12700">
+            <a:tailEnd type="triangle"/>
+          </a:ln>
+        </p:spPr>
+        <p:style>
+          <a:lnRef idx="1">
+            <a:schemeClr val="accent1"/>
+          </a:lnRef>
+          <a:fillRef idx="0">
+            <a:schemeClr val="accent1"/>
+          </a:fillRef>
+          <a:effectRef idx="0">
+            <a:schemeClr val="accent1"/>
+          </a:effectRef>
+          <a:fontRef idx="minor">
+            <a:schemeClr val="tx1"/>
+          </a:fontRef>
+        </p:style>
+      </p:cxnSp>
+      <p:sp>
+        <p:nvSpPr>
+          <p:cNvPr id="38" name="TextBox 37">
+            <a:extLst>
+              <a:ext uri="{FF2B5EF4-FFF2-40B4-BE49-F238E27FC236}">
+                <a16:creationId xmlns:a16="http://schemas.microsoft.com/office/drawing/2014/main" id="{0DCCBB24-A8DE-434A-B4AB-27591CAD6E26}"/>
+              </a:ext>
+            </a:extLst>
+          </p:cNvPr>
+          <p:cNvSpPr txBox="1"/>
+          <p:nvPr/>
+        </p:nvSpPr>
+        <p:spPr>
+          <a:xfrm>
+            <a:off x="7950038" y="2382301"/>
+            <a:ext cx="979755" cy="307777"/>
+          </a:xfrm>
+          <a:prstGeom prst="rect">
+            <a:avLst/>
+          </a:prstGeom>
+          <a:noFill/>
+        </p:spPr>
+        <p:txBody>
+          <a:bodyPr wrap="none" rtlCol="0">
+            <a:spAutoFit/>
+          </a:bodyPr>
+          <a:lstStyle/>
+          <a:p>
+            <a:r>
+              <a:rPr lang="en-US" sz="1400" dirty="0" err="1">
+                <a:latin typeface="Consolas" panose="020B0609020204030204" pitchFamily="49" charset="0"/>
+              </a:rPr>
+              <a:t>scaled_w</a:t>
+            </a:r>
+            <a:endParaRPr lang="en-US" sz="1400" dirty="0">
+              <a:latin typeface="Consolas" panose="020B0609020204030204" pitchFamily="49" charset="0"/>
+            </a:endParaRPr>
+          </a:p>
+        </p:txBody>
+      </p:sp>
+      <p:sp>
+        <p:nvSpPr>
+          <p:cNvPr id="39" name="TextBox 38">
+            <a:extLst>
+              <a:ext uri="{FF2B5EF4-FFF2-40B4-BE49-F238E27FC236}">
+                <a16:creationId xmlns:a16="http://schemas.microsoft.com/office/drawing/2014/main" id="{D64FD4C3-FCEA-4826-BE5D-ED178CAA9DEC}"/>
+              </a:ext>
+            </a:extLst>
+          </p:cNvPr>
+          <p:cNvSpPr txBox="1"/>
+          <p:nvPr/>
+        </p:nvSpPr>
+        <p:spPr>
+          <a:xfrm rot="5400000">
+            <a:off x="9038798" y="3064852"/>
+            <a:ext cx="979755" cy="307777"/>
+          </a:xfrm>
+          <a:prstGeom prst="rect">
+            <a:avLst/>
+          </a:prstGeom>
+          <a:noFill/>
+        </p:spPr>
+        <p:txBody>
+          <a:bodyPr wrap="none" rtlCol="0">
+            <a:spAutoFit/>
+          </a:bodyPr>
+          <a:lstStyle/>
+          <a:p>
+            <a:r>
+              <a:rPr lang="en-US" sz="1400" dirty="0" err="1">
+                <a:latin typeface="Consolas" panose="020B0609020204030204" pitchFamily="49" charset="0"/>
+              </a:rPr>
+              <a:t>scaled_h</a:t>
+            </a:r>
+            <a:endParaRPr lang="en-US" sz="1400" dirty="0">
+              <a:latin typeface="Consolas" panose="020B0609020204030204" pitchFamily="49" charset="0"/>
+            </a:endParaRPr>
+          </a:p>
+        </p:txBody>
+      </p:sp>
+      <p:sp>
+        <p:nvSpPr>
+          <p:cNvPr id="45" name="TextBox 44">
+            <a:extLst>
+              <a:ext uri="{FF2B5EF4-FFF2-40B4-BE49-F238E27FC236}">
+                <a16:creationId xmlns:a16="http://schemas.microsoft.com/office/drawing/2014/main" id="{0026FC8B-1549-4A6C-95AF-E46919588F46}"/>
+              </a:ext>
+            </a:extLst>
+          </p:cNvPr>
+          <p:cNvSpPr txBox="1"/>
+          <p:nvPr/>
+        </p:nvSpPr>
+        <p:spPr>
+          <a:xfrm>
+            <a:off x="2853328" y="4432847"/>
+            <a:ext cx="1576072" cy="307777"/>
+          </a:xfrm>
+          <a:prstGeom prst="rect">
+            <a:avLst/>
+          </a:prstGeom>
+          <a:noFill/>
+        </p:spPr>
+        <p:txBody>
+          <a:bodyPr wrap="none" rtlCol="0">
+            <a:spAutoFit/>
+          </a:bodyPr>
+          <a:lstStyle/>
+          <a:p>
+            <a:r>
+              <a:rPr lang="en-US" sz="1400" dirty="0" err="1">
+                <a:latin typeface="Consolas" panose="020B0609020204030204" pitchFamily="49" charset="0"/>
+              </a:rPr>
+              <a:t>original_image</a:t>
+            </a:r>
+            <a:endParaRPr lang="en-US" sz="1400" dirty="0">
+              <a:latin typeface="Consolas" panose="020B0609020204030204" pitchFamily="49" charset="0"/>
+            </a:endParaRPr>
+          </a:p>
+        </p:txBody>
+      </p:sp>
+      <p:sp>
+        <p:nvSpPr>
+          <p:cNvPr id="46" name="TextBox 45">
+            <a:extLst>
+              <a:ext uri="{FF2B5EF4-FFF2-40B4-BE49-F238E27FC236}">
+                <a16:creationId xmlns:a16="http://schemas.microsoft.com/office/drawing/2014/main" id="{5505A55A-C957-48F4-BD9A-CDE962BF3BBC}"/>
+              </a:ext>
+            </a:extLst>
+          </p:cNvPr>
+          <p:cNvSpPr txBox="1"/>
+          <p:nvPr/>
+        </p:nvSpPr>
+        <p:spPr>
+          <a:xfrm>
+            <a:off x="7759997" y="3716978"/>
+            <a:ext cx="1377300" cy="307777"/>
+          </a:xfrm>
+          <a:prstGeom prst="rect">
+            <a:avLst/>
+          </a:prstGeom>
+          <a:noFill/>
+        </p:spPr>
+        <p:txBody>
+          <a:bodyPr wrap="none" rtlCol="0">
+            <a:spAutoFit/>
+          </a:bodyPr>
+          <a:lstStyle/>
+          <a:p>
+            <a:r>
+              <a:rPr lang="en-US" sz="1400" dirty="0" err="1">
+                <a:latin typeface="Consolas" panose="020B0609020204030204" pitchFamily="49" charset="0"/>
+              </a:rPr>
+              <a:t>scaled_image</a:t>
+            </a:r>
+            <a:endParaRPr lang="en-US" sz="1400" dirty="0">
+              <a:latin typeface="Consolas" panose="020B0609020204030204" pitchFamily="49" charset="0"/>
+            </a:endParaRPr>
+          </a:p>
+        </p:txBody>
+      </p:sp>
+    </p:spTree>
+    <p:extLst>
+      <p:ext uri="{BB962C8B-B14F-4D97-AF65-F5344CB8AC3E}">
+        <p14:creationId xmlns:p14="http://schemas.microsoft.com/office/powerpoint/2010/main" val="3359188808"/>
+      </p:ext>
+    </p:extLst>
+  </p:cSld>
+  <p:clrMapOvr>
+    <a:masterClrMapping/>
+  </p:clrMapOvr>
+</p:sld>
+</file>
+
+<file path=ppt/slides/slide17.xml><?xml version="1.0" encoding="utf-8"?>
+<p:sld xmlns:a="http://schemas.openxmlformats.org/drawingml/2006/main" xmlns:r="http://schemas.openxmlformats.org/officeDocument/2006/relationships" xmlns:p="http://schemas.openxmlformats.org/presentationml/2006/main">
+  <p:cSld>
+    <p:spTree>
+      <p:nvGrpSpPr>
+        <p:cNvPr id="1" name=""/>
+        <p:cNvGrpSpPr/>
+        <p:nvPr/>
+      </p:nvGrpSpPr>
+      <p:grpSpPr>
+        <a:xfrm>
+          <a:off x="0" y="0"/>
+          <a:ext cx="0" cy="0"/>
+          <a:chOff x="0" y="0"/>
+          <a:chExt cx="0" cy="0"/>
+        </a:xfrm>
+      </p:grpSpPr>
+      <p:sp>
+        <p:nvSpPr>
+          <p:cNvPr id="10" name="Rectangle 9">
+            <a:extLst>
+              <a:ext uri="{FF2B5EF4-FFF2-40B4-BE49-F238E27FC236}">
+                <a16:creationId xmlns:a16="http://schemas.microsoft.com/office/drawing/2014/main" id="{0640AB0D-5B0D-4040-AE51-6F04B6303B9D}"/>
+              </a:ext>
+            </a:extLst>
+          </p:cNvPr>
+          <p:cNvSpPr/>
+          <p:nvPr/>
+        </p:nvSpPr>
+        <p:spPr>
+          <a:xfrm>
+            <a:off x="958241" y="1515649"/>
+            <a:ext cx="9237945" cy="3363239"/>
+          </a:xfrm>
+          <a:prstGeom prst="rect">
+            <a:avLst/>
+          </a:prstGeom>
+          <a:noFill/>
+          <a:ln>
+            <a:solidFill>
+              <a:schemeClr val="tx1"/>
+            </a:solidFill>
+          </a:ln>
+        </p:spPr>
+        <p:style>
+          <a:lnRef idx="2">
+            <a:schemeClr val="accent1">
+              <a:shade val="50000"/>
+            </a:schemeClr>
+          </a:lnRef>
+          <a:fillRef idx="1">
+            <a:schemeClr val="accent1"/>
+          </a:fillRef>
+          <a:effectRef idx="0">
+            <a:schemeClr val="accent1"/>
+          </a:effectRef>
+          <a:fontRef idx="minor">
+            <a:schemeClr val="lt1"/>
+          </a:fontRef>
+        </p:style>
+        <p:txBody>
+          <a:bodyPr rtlCol="0" anchor="ctr"/>
+          <a:lstStyle/>
+          <a:p>
+            <a:pPr algn="ctr"/>
+            <a:endParaRPr lang="en-US"/>
+          </a:p>
+        </p:txBody>
+      </p:sp>
+      <p:grpSp>
+        <p:nvGrpSpPr>
+          <p:cNvPr id="9" name="Group 8">
+            <a:extLst>
+              <a:ext uri="{FF2B5EF4-FFF2-40B4-BE49-F238E27FC236}">
+                <a16:creationId xmlns:a16="http://schemas.microsoft.com/office/drawing/2014/main" id="{8B40E7AB-6368-4F7C-A2A9-010ABCB29027}"/>
+              </a:ext>
+            </a:extLst>
+          </p:cNvPr>
+          <p:cNvGrpSpPr/>
+          <p:nvPr/>
+        </p:nvGrpSpPr>
+        <p:grpSpPr>
+          <a:xfrm>
+            <a:off x="1020871" y="1569185"/>
+            <a:ext cx="9137737" cy="3240810"/>
+            <a:chOff x="1020871" y="1569185"/>
+            <a:chExt cx="9137737" cy="3240810"/>
+          </a:xfrm>
+        </p:grpSpPr>
+        <p:pic>
+          <p:nvPicPr>
+            <p:cNvPr id="16" name="Picture 2" descr="bug">
+              <a:extLst>
+                <a:ext uri="{FF2B5EF4-FFF2-40B4-BE49-F238E27FC236}">
+                  <a16:creationId xmlns:a16="http://schemas.microsoft.com/office/drawing/2014/main" id="{EC8190D2-52C4-4FED-9C88-1FE823DC2016}"/>
+                </a:ext>
+              </a:extLst>
+            </p:cNvPr>
+            <p:cNvPicPr>
+              <a:picLocks noChangeAspect="1" noChangeArrowheads="1"/>
+            </p:cNvPicPr>
+            <p:nvPr/>
+          </p:nvPicPr>
+          <p:blipFill>
+            <a:blip r:embed="rId2">
+              <a:extLst>
+                <a:ext uri="{28A0092B-C50C-407E-A947-70E740481C1C}">
+                  <a14:useLocalDpi xmlns:a14="http://schemas.microsoft.com/office/drawing/2010/main" val="0"/>
+                </a:ext>
+              </a:extLst>
+            </a:blip>
+            <a:srcRect/>
+            <a:stretch>
+              <a:fillRect/>
+            </a:stretch>
+          </p:blipFill>
+          <p:spPr bwMode="auto">
+            <a:xfrm>
+              <a:off x="1020871" y="1938517"/>
+              <a:ext cx="4217288" cy="2871478"/>
+            </a:xfrm>
+            <a:prstGeom prst="rect">
+              <a:avLst/>
+            </a:prstGeom>
+            <a:noFill/>
+            <a:extLst>
+              <a:ext uri="{909E8E84-426E-40DD-AFC4-6F175D3DCCD1}">
+                <a14:hiddenFill xmlns:a14="http://schemas.microsoft.com/office/drawing/2010/main">
+                  <a:solidFill>
+                    <a:srgbClr val="FFFFFF"/>
+                  </a:solidFill>
+                </a14:hiddenFill>
+              </a:ext>
+            </a:extLst>
+          </p:spPr>
+        </p:pic>
+        <p:sp>
+          <p:nvSpPr>
+            <p:cNvPr id="2" name="Rectangle 1">
+              <a:extLst>
+                <a:ext uri="{FF2B5EF4-FFF2-40B4-BE49-F238E27FC236}">
+                  <a16:creationId xmlns:a16="http://schemas.microsoft.com/office/drawing/2014/main" id="{77984C90-86FF-4225-87A8-152135527DDA}"/>
+                </a:ext>
+              </a:extLst>
+            </p:cNvPr>
+            <p:cNvSpPr/>
+            <p:nvPr/>
+          </p:nvSpPr>
+          <p:spPr>
+            <a:xfrm>
+              <a:off x="7509353" y="2549047"/>
+              <a:ext cx="2649255" cy="1778696"/>
+            </a:xfrm>
+            <a:prstGeom prst="rect">
+              <a:avLst/>
+            </a:prstGeom>
+            <a:solidFill>
+              <a:schemeClr val="tx2">
+                <a:lumMod val="20000"/>
+                <a:lumOff val="80000"/>
+              </a:schemeClr>
+            </a:solidFill>
+            <a:ln>
+              <a:solidFill>
+                <a:schemeClr val="tx2">
+                  <a:lumMod val="20000"/>
+                  <a:lumOff val="80000"/>
+                </a:schemeClr>
+              </a:solidFill>
+            </a:ln>
+          </p:spPr>
+          <p:style>
+            <a:lnRef idx="2">
+              <a:schemeClr val="accent1">
+                <a:shade val="50000"/>
+              </a:schemeClr>
+            </a:lnRef>
+            <a:fillRef idx="1">
+              <a:schemeClr val="accent1"/>
+            </a:fillRef>
+            <a:effectRef idx="0">
+              <a:schemeClr val="accent1"/>
+            </a:effectRef>
+            <a:fontRef idx="minor">
+              <a:schemeClr val="lt1"/>
+            </a:fontRef>
+          </p:style>
+          <p:txBody>
+            <a:bodyPr rtlCol="0" anchor="ctr"/>
+            <a:lstStyle/>
+            <a:p>
+              <a:pPr algn="ctr"/>
+              <a:endParaRPr lang="en-US"/>
+            </a:p>
+          </p:txBody>
+        </p:sp>
+        <p:sp>
+          <p:nvSpPr>
+            <p:cNvPr id="4" name="TextBox 3">
+              <a:extLst>
+                <a:ext uri="{FF2B5EF4-FFF2-40B4-BE49-F238E27FC236}">
+                  <a16:creationId xmlns:a16="http://schemas.microsoft.com/office/drawing/2014/main" id="{68448DE6-973F-4E09-8B9A-4112C57D495A}"/>
+                </a:ext>
+              </a:extLst>
+            </p:cNvPr>
+            <p:cNvSpPr txBox="1"/>
+            <p:nvPr/>
+          </p:nvSpPr>
+          <p:spPr>
+            <a:xfrm>
+              <a:off x="7509353" y="2146684"/>
+              <a:ext cx="1377300" cy="307777"/>
+            </a:xfrm>
+            <a:prstGeom prst="rect">
+              <a:avLst/>
+            </a:prstGeom>
+            <a:noFill/>
+          </p:spPr>
+          <p:txBody>
+            <a:bodyPr wrap="none" rtlCol="0">
+              <a:spAutoFit/>
+            </a:bodyPr>
+            <a:lstStyle/>
+            <a:p>
+              <a:r>
+                <a:rPr lang="en-US" sz="1400" dirty="0" err="1">
+                  <a:latin typeface="Consolas" panose="020B0609020204030204" pitchFamily="49" charset="0"/>
+                </a:rPr>
+                <a:t>scaled_image</a:t>
+              </a:r>
+              <a:endParaRPr lang="en-US" sz="1400" dirty="0">
+                <a:latin typeface="Consolas" panose="020B0609020204030204" pitchFamily="49" charset="0"/>
+              </a:endParaRPr>
+            </a:p>
+          </p:txBody>
+        </p:sp>
+        <p:sp>
+          <p:nvSpPr>
+            <p:cNvPr id="5" name="TextBox 4">
+              <a:extLst>
+                <a:ext uri="{FF2B5EF4-FFF2-40B4-BE49-F238E27FC236}">
+                  <a16:creationId xmlns:a16="http://schemas.microsoft.com/office/drawing/2014/main" id="{743CEDA6-989A-43D5-AA53-451A651BF086}"/>
+                </a:ext>
+              </a:extLst>
+            </p:cNvPr>
+            <p:cNvSpPr txBox="1"/>
+            <p:nvPr/>
+          </p:nvSpPr>
+          <p:spPr>
+            <a:xfrm>
+              <a:off x="7847556" y="3108171"/>
+              <a:ext cx="681597" cy="307777"/>
+            </a:xfrm>
+            <a:prstGeom prst="rect">
+              <a:avLst/>
+            </a:prstGeom>
+            <a:noFill/>
+          </p:spPr>
+          <p:txBody>
+            <a:bodyPr wrap="none" rtlCol="0">
+              <a:spAutoFit/>
+            </a:bodyPr>
+            <a:lstStyle/>
+            <a:p>
+              <a:r>
+                <a:rPr lang="en-US" sz="1400" dirty="0">
+                  <a:latin typeface="Consolas" panose="020B0609020204030204" pitchFamily="49" charset="0"/>
+                </a:rPr>
+                <a:t>(</a:t>
+              </a:r>
+              <a:r>
+                <a:rPr lang="en-US" sz="1400" dirty="0" err="1">
+                  <a:latin typeface="Consolas" panose="020B0609020204030204" pitchFamily="49" charset="0"/>
+                </a:rPr>
+                <a:t>x,y</a:t>
+              </a:r>
+              <a:r>
+                <a:rPr lang="en-US" sz="1400" dirty="0">
+                  <a:latin typeface="Consolas" panose="020B0609020204030204" pitchFamily="49" charset="0"/>
+                </a:rPr>
+                <a:t>)</a:t>
+              </a:r>
+            </a:p>
+          </p:txBody>
+        </p:sp>
+        <p:sp>
+          <p:nvSpPr>
+            <p:cNvPr id="6" name="Oval 5">
+              <a:extLst>
+                <a:ext uri="{FF2B5EF4-FFF2-40B4-BE49-F238E27FC236}">
+                  <a16:creationId xmlns:a16="http://schemas.microsoft.com/office/drawing/2014/main" id="{94F9C12F-2501-43AB-85E3-596E11746BE5}"/>
+                </a:ext>
+              </a:extLst>
+            </p:cNvPr>
+            <p:cNvSpPr/>
+            <p:nvPr/>
+          </p:nvSpPr>
+          <p:spPr>
+            <a:xfrm flipV="1">
+              <a:off x="8141918" y="3137770"/>
+              <a:ext cx="50104" cy="51820"/>
+            </a:xfrm>
+            <a:prstGeom prst="ellipse">
+              <a:avLst/>
+            </a:prstGeom>
+          </p:spPr>
+          <p:style>
+            <a:lnRef idx="2">
+              <a:schemeClr val="accent1">
+                <a:shade val="50000"/>
+              </a:schemeClr>
+            </a:lnRef>
+            <a:fillRef idx="1">
+              <a:schemeClr val="accent1"/>
+            </a:fillRef>
+            <a:effectRef idx="0">
+              <a:schemeClr val="accent1"/>
+            </a:effectRef>
+            <a:fontRef idx="minor">
+              <a:schemeClr val="lt1"/>
+            </a:fontRef>
+          </p:style>
+          <p:txBody>
+            <a:bodyPr rtlCol="0" anchor="ctr"/>
+            <a:lstStyle/>
+            <a:p>
+              <a:pPr algn="ctr"/>
+              <a:endParaRPr lang="en-US"/>
+            </a:p>
+          </p:txBody>
+        </p:sp>
+        <p:sp>
+          <p:nvSpPr>
+            <p:cNvPr id="8" name="Freeform: Shape 7">
+              <a:extLst>
+                <a:ext uri="{FF2B5EF4-FFF2-40B4-BE49-F238E27FC236}">
+                  <a16:creationId xmlns:a16="http://schemas.microsoft.com/office/drawing/2014/main" id="{3294905B-F5D9-4B6A-89A8-D1C855E9D9CD}"/>
+                </a:ext>
+              </a:extLst>
+            </p:cNvPr>
+            <p:cNvSpPr/>
+            <p:nvPr/>
+          </p:nvSpPr>
+          <p:spPr>
+            <a:xfrm>
+              <a:off x="2010427" y="2258038"/>
+              <a:ext cx="6156543" cy="898521"/>
+            </a:xfrm>
+            <a:custGeom>
+              <a:avLst/>
+              <a:gdLst>
+                <a:gd name="connsiteX0" fmla="*/ 6156543 w 6156543"/>
+                <a:gd name="connsiteY0" fmla="*/ 898521 h 898521"/>
+                <a:gd name="connsiteX1" fmla="*/ 1960324 w 6156543"/>
+                <a:gd name="connsiteY1" fmla="*/ 2910 h 898521"/>
+                <a:gd name="connsiteX2" fmla="*/ 0 w 6156543"/>
+                <a:gd name="connsiteY2" fmla="*/ 591633 h 898521"/>
+                <a:gd name="connsiteX3" fmla="*/ 0 w 6156543"/>
+                <a:gd name="connsiteY3" fmla="*/ 591633 h 898521"/>
+              </a:gdLst>
+              <a:ahLst/>
+              <a:cxnLst>
+                <a:cxn ang="0">
+                  <a:pos x="connsiteX0" y="connsiteY0"/>
+                </a:cxn>
+                <a:cxn ang="0">
+                  <a:pos x="connsiteX1" y="connsiteY1"/>
+                </a:cxn>
+                <a:cxn ang="0">
+                  <a:pos x="connsiteX2" y="connsiteY2"/>
+                </a:cxn>
+                <a:cxn ang="0">
+                  <a:pos x="connsiteX3" y="connsiteY3"/>
+                </a:cxn>
+              </a:cxnLst>
+              <a:rect l="l" t="t" r="r" b="b"/>
+              <a:pathLst>
+                <a:path w="6156543" h="898521">
+                  <a:moveTo>
+                    <a:pt x="6156543" y="898521"/>
+                  </a:moveTo>
+                  <a:cubicBezTo>
+                    <a:pt x="4571478" y="476289"/>
+                    <a:pt x="2986414" y="54058"/>
+                    <a:pt x="1960324" y="2910"/>
+                  </a:cubicBezTo>
+                  <a:cubicBezTo>
+                    <a:pt x="934234" y="-48238"/>
+                    <a:pt x="0" y="591633"/>
+                    <a:pt x="0" y="591633"/>
+                  </a:cubicBezTo>
+                  <a:lnTo>
+                    <a:pt x="0" y="591633"/>
+                  </a:lnTo>
+                </a:path>
+              </a:pathLst>
+            </a:custGeom>
+            <a:noFill/>
+            <a:ln>
+              <a:headEnd type="none" w="med" len="med"/>
+              <a:tailEnd type="arrow" w="med" len="med"/>
+            </a:ln>
+          </p:spPr>
+          <p:style>
+            <a:lnRef idx="2">
+              <a:schemeClr val="accent1">
+                <a:shade val="50000"/>
+              </a:schemeClr>
+            </a:lnRef>
+            <a:fillRef idx="1">
+              <a:schemeClr val="accent1"/>
+            </a:fillRef>
+            <a:effectRef idx="0">
+              <a:schemeClr val="accent1"/>
+            </a:effectRef>
+            <a:fontRef idx="minor">
+              <a:schemeClr val="lt1"/>
+            </a:fontRef>
+          </p:style>
+          <p:txBody>
+            <a:bodyPr rtlCol="0" anchor="ctr"/>
+            <a:lstStyle/>
+            <a:p>
+              <a:pPr algn="ctr"/>
+              <a:endParaRPr lang="en-US"/>
+            </a:p>
+          </p:txBody>
+        </p:sp>
+        <p:sp>
+          <p:nvSpPr>
+            <p:cNvPr id="24" name="TextBox 23">
+              <a:extLst>
+                <a:ext uri="{FF2B5EF4-FFF2-40B4-BE49-F238E27FC236}">
+                  <a16:creationId xmlns:a16="http://schemas.microsoft.com/office/drawing/2014/main" id="{63C41F92-A3E4-455D-8292-50FE90F4F0CD}"/>
+                </a:ext>
+              </a:extLst>
+            </p:cNvPr>
+            <p:cNvSpPr txBox="1"/>
+            <p:nvPr/>
+          </p:nvSpPr>
+          <p:spPr>
+            <a:xfrm>
+              <a:off x="1020871" y="1569185"/>
+              <a:ext cx="1576072" cy="307777"/>
+            </a:xfrm>
+            <a:prstGeom prst="rect">
+              <a:avLst/>
+            </a:prstGeom>
+            <a:noFill/>
+          </p:spPr>
+          <p:txBody>
+            <a:bodyPr wrap="none" rtlCol="0">
+              <a:spAutoFit/>
+            </a:bodyPr>
+            <a:lstStyle/>
+            <a:p>
+              <a:r>
+                <a:rPr lang="en-US" sz="1400" dirty="0" err="1">
+                  <a:latin typeface="Consolas" panose="020B0609020204030204" pitchFamily="49" charset="0"/>
+                </a:rPr>
+                <a:t>original_image</a:t>
+              </a:r>
+              <a:endParaRPr lang="en-US" sz="1400" dirty="0">
+                <a:latin typeface="Consolas" panose="020B0609020204030204" pitchFamily="49" charset="0"/>
+              </a:endParaRPr>
+            </a:p>
+          </p:txBody>
+        </p:sp>
+      </p:grpSp>
+    </p:spTree>
+    <p:extLst>
+      <p:ext uri="{BB962C8B-B14F-4D97-AF65-F5344CB8AC3E}">
+        <p14:creationId xmlns:p14="http://schemas.microsoft.com/office/powerpoint/2010/main" val="3488377108"/>
+      </p:ext>
+    </p:extLst>
+  </p:cSld>
+  <p:clrMapOvr>
+    <a:masterClrMapping/>
+  </p:clrMapOvr>
+</p:sld>
+</file>
+
 <file path=ppt/slides/slide2.xml><?xml version="1.0" encoding="utf-8"?>
 <p:sld xmlns:a="http://schemas.openxmlformats.org/drawingml/2006/main" xmlns:r="http://schemas.openxmlformats.org/officeDocument/2006/relationships" xmlns:p="http://schemas.openxmlformats.org/presentationml/2006/main">
   <p:cSld>
@@ -12142,4 +13631,299 @@
     </a:ext>
   </a:extLst>
 </a:theme>
+</file>
+
+<file path=ppt/theme/theme2.xml><?xml version="1.0" encoding="utf-8"?>
+<a:theme xmlns:a="http://schemas.openxmlformats.org/drawingml/2006/main" name="Office Theme">
+  <a:themeElements>
+    <a:clrScheme name="Office">
+      <a:dk1>
+        <a:sysClr val="windowText" lastClr="000000"/>
+      </a:dk1>
+      <a:lt1>
+        <a:sysClr val="window" lastClr="FFFFFF"/>
+      </a:lt1>
+      <a:dk2>
+        <a:srgbClr val="44546A"/>
+      </a:dk2>
+      <a:lt2>
+        <a:srgbClr val="E7E6E6"/>
+      </a:lt2>
+      <a:accent1>
+        <a:srgbClr val="4472C4"/>
+      </a:accent1>
+      <a:accent2>
+        <a:srgbClr val="ED7D31"/>
+      </a:accent2>
+      <a:accent3>
+        <a:srgbClr val="A5A5A5"/>
+      </a:accent3>
+      <a:accent4>
+        <a:srgbClr val="FFC000"/>
+      </a:accent4>
+      <a:accent5>
+        <a:srgbClr val="5B9BD5"/>
+      </a:accent5>
+      <a:accent6>
+        <a:srgbClr val="70AD47"/>
+      </a:accent6>
+      <a:hlink>
+        <a:srgbClr val="0563C1"/>
+      </a:hlink>
+      <a:folHlink>
+        <a:srgbClr val="954F72"/>
+      </a:folHlink>
+    </a:clrScheme>
+    <a:fontScheme name="Office">
+      <a:majorFont>
+        <a:latin typeface="Calibri Light" panose="020F0302020204030204"/>
+        <a:ea typeface=""/>
+        <a:cs typeface=""/>
+        <a:font script="Jpan" typeface="游ゴシック Light"/>
+        <a:font script="Hang" typeface="맑은 고딕"/>
+        <a:font script="Hans" typeface="等线 Light"/>
+        <a:font script="Hant" typeface="新細明體"/>
+        <a:font script="Arab" typeface="Times New Roman"/>
+        <a:font script="Hebr" typeface="Times New Roman"/>
+        <a:font script="Thai" typeface="Angsana New"/>
+        <a:font script="Ethi" typeface="Nyala"/>
+        <a:font script="Beng" typeface="Vrinda"/>
+        <a:font script="Gujr" typeface="Shruti"/>
+        <a:font script="Khmr" typeface="MoolBoran"/>
+        <a:font script="Knda" typeface="Tunga"/>
+        <a:font script="Guru" typeface="Raavi"/>
+        <a:font script="Cans" typeface="Euphemia"/>
+        <a:font script="Cher" typeface="Plantagenet Cherokee"/>
+        <a:font script="Yiii" typeface="Microsoft Yi Baiti"/>
+        <a:font script="Tibt" typeface="Microsoft Himalaya"/>
+        <a:font script="Thaa" typeface="MV Boli"/>
+        <a:font script="Deva" typeface="Mangal"/>
+        <a:font script="Telu" typeface="Gautami"/>
+        <a:font script="Taml" typeface="Latha"/>
+        <a:font script="Syrc" typeface="Estrangelo Edessa"/>
+        <a:font script="Orya" typeface="Kalinga"/>
+        <a:font script="Mlym" typeface="Kartika"/>
+        <a:font script="Laoo" typeface="DokChampa"/>
+        <a:font script="Sinh" typeface="Iskoola Pota"/>
+        <a:font script="Mong" typeface="Mongolian Baiti"/>
+        <a:font script="Viet" typeface="Times New Roman"/>
+        <a:font script="Uigh" typeface="Microsoft Uighur"/>
+        <a:font script="Geor" typeface="Sylfaen"/>
+        <a:font script="Armn" typeface="Arial"/>
+        <a:font script="Bugi" typeface="Leelawadee UI"/>
+        <a:font script="Bopo" typeface="Microsoft JhengHei"/>
+        <a:font script="Java" typeface="Javanese Text"/>
+        <a:font script="Lisu" typeface="Segoe UI"/>
+        <a:font script="Mymr" typeface="Myanmar Text"/>
+        <a:font script="Nkoo" typeface="Ebrima"/>
+        <a:font script="Olck" typeface="Nirmala UI"/>
+        <a:font script="Osma" typeface="Ebrima"/>
+        <a:font script="Phag" typeface="Phagspa"/>
+        <a:font script="Syrn" typeface="Estrangelo Edessa"/>
+        <a:font script="Syrj" typeface="Estrangelo Edessa"/>
+        <a:font script="Syre" typeface="Estrangelo Edessa"/>
+        <a:font script="Sora" typeface="Nirmala UI"/>
+        <a:font script="Tale" typeface="Microsoft Tai Le"/>
+        <a:font script="Talu" typeface="Microsoft New Tai Lue"/>
+        <a:font script="Tfng" typeface="Ebrima"/>
+      </a:majorFont>
+      <a:minorFont>
+        <a:latin typeface="Calibri" panose="020F0502020204030204"/>
+        <a:ea typeface=""/>
+        <a:cs typeface=""/>
+        <a:font script="Jpan" typeface="游ゴシック"/>
+        <a:font script="Hang" typeface="맑은 고딕"/>
+        <a:font script="Hans" typeface="等线"/>
+        <a:font script="Hant" typeface="新細明體"/>
+        <a:font script="Arab" typeface="Arial"/>
+        <a:font script="Hebr" typeface="Arial"/>
+        <a:font script="Thai" typeface="Cordia New"/>
+        <a:font script="Ethi" typeface="Nyala"/>
+        <a:font script="Beng" typeface="Vrinda"/>
+        <a:font script="Gujr" typeface="Shruti"/>
+        <a:font script="Khmr" typeface="DaunPenh"/>
+        <a:font script="Knda" typeface="Tunga"/>
+        <a:font script="Guru" typeface="Raavi"/>
+        <a:font script="Cans" typeface="Euphemia"/>
+        <a:font script="Cher" typeface="Plantagenet Cherokee"/>
+        <a:font script="Yiii" typeface="Microsoft Yi Baiti"/>
+        <a:font script="Tibt" typeface="Microsoft Himalaya"/>
+        <a:font script="Thaa" typeface="MV Boli"/>
+        <a:font script="Deva" typeface="Mangal"/>
+        <a:font script="Telu" typeface="Gautami"/>
+        <a:font script="Taml" typeface="Latha"/>
+        <a:font script="Syrc" typeface="Estrangelo Edessa"/>
+        <a:font script="Orya" typeface="Kalinga"/>
+        <a:font script="Mlym" typeface="Kartika"/>
+        <a:font script="Laoo" typeface="DokChampa"/>
+        <a:font script="Sinh" typeface="Iskoola Pota"/>
+        <a:font script="Mong" typeface="Mongolian Baiti"/>
+        <a:font script="Viet" typeface="Arial"/>
+        <a:font script="Uigh" typeface="Microsoft Uighur"/>
+        <a:font script="Geor" typeface="Sylfaen"/>
+        <a:font script="Armn" typeface="Arial"/>
+        <a:font script="Bugi" typeface="Leelawadee UI"/>
+        <a:font script="Bopo" typeface="Microsoft JhengHei"/>
+        <a:font script="Java" typeface="Javanese Text"/>
+        <a:font script="Lisu" typeface="Segoe UI"/>
+        <a:font script="Mymr" typeface="Myanmar Text"/>
+        <a:font script="Nkoo" typeface="Ebrima"/>
+        <a:font script="Olck" typeface="Nirmala UI"/>
+        <a:font script="Osma" typeface="Ebrima"/>
+        <a:font script="Phag" typeface="Phagspa"/>
+        <a:font script="Syrn" typeface="Estrangelo Edessa"/>
+        <a:font script="Syrj" typeface="Estrangelo Edessa"/>
+        <a:font script="Syre" typeface="Estrangelo Edessa"/>
+        <a:font script="Sora" typeface="Nirmala UI"/>
+        <a:font script="Tale" typeface="Microsoft Tai Le"/>
+        <a:font script="Talu" typeface="Microsoft New Tai Lue"/>
+        <a:font script="Tfng" typeface="Ebrima"/>
+      </a:minorFont>
+    </a:fontScheme>
+    <a:fmtScheme name="Office">
+      <a:fillStyleLst>
+        <a:solidFill>
+          <a:schemeClr val="phClr"/>
+        </a:solidFill>
+        <a:gradFill rotWithShape="1">
+          <a:gsLst>
+            <a:gs pos="0">
+              <a:schemeClr val="phClr">
+                <a:lumMod val="110000"/>
+                <a:satMod val="105000"/>
+                <a:tint val="67000"/>
+              </a:schemeClr>
+            </a:gs>
+            <a:gs pos="50000">
+              <a:schemeClr val="phClr">
+                <a:lumMod val="105000"/>
+                <a:satMod val="103000"/>
+                <a:tint val="73000"/>
+              </a:schemeClr>
+            </a:gs>
+            <a:gs pos="100000">
+              <a:schemeClr val="phClr">
+                <a:lumMod val="105000"/>
+                <a:satMod val="109000"/>
+                <a:tint val="81000"/>
+              </a:schemeClr>
+            </a:gs>
+          </a:gsLst>
+          <a:lin ang="5400000" scaled="0"/>
+        </a:gradFill>
+        <a:gradFill rotWithShape="1">
+          <a:gsLst>
+            <a:gs pos="0">
+              <a:schemeClr val="phClr">
+                <a:satMod val="103000"/>
+                <a:lumMod val="102000"/>
+                <a:tint val="94000"/>
+              </a:schemeClr>
+            </a:gs>
+            <a:gs pos="50000">
+              <a:schemeClr val="phClr">
+                <a:satMod val="110000"/>
+                <a:lumMod val="100000"/>
+                <a:shade val="100000"/>
+              </a:schemeClr>
+            </a:gs>
+            <a:gs pos="100000">
+              <a:schemeClr val="phClr">
+                <a:lumMod val="99000"/>
+                <a:satMod val="120000"/>
+                <a:shade val="78000"/>
+              </a:schemeClr>
+            </a:gs>
+          </a:gsLst>
+          <a:lin ang="5400000" scaled="0"/>
+        </a:gradFill>
+      </a:fillStyleLst>
+      <a:lnStyleLst>
+        <a:ln w="6350" cap="flat" cmpd="sng" algn="ctr">
+          <a:solidFill>
+            <a:schemeClr val="phClr"/>
+          </a:solidFill>
+          <a:prstDash val="solid"/>
+          <a:miter lim="800000"/>
+        </a:ln>
+        <a:ln w="12700" cap="flat" cmpd="sng" algn="ctr">
+          <a:solidFill>
+            <a:schemeClr val="phClr"/>
+          </a:solidFill>
+          <a:prstDash val="solid"/>
+          <a:miter lim="800000"/>
+        </a:ln>
+        <a:ln w="19050" cap="flat" cmpd="sng" algn="ctr">
+          <a:solidFill>
+            <a:schemeClr val="phClr"/>
+          </a:solidFill>
+          <a:prstDash val="solid"/>
+          <a:miter lim="800000"/>
+        </a:ln>
+      </a:lnStyleLst>
+      <a:effectStyleLst>
+        <a:effectStyle>
+          <a:effectLst/>
+        </a:effectStyle>
+        <a:effectStyle>
+          <a:effectLst/>
+        </a:effectStyle>
+        <a:effectStyle>
+          <a:effectLst>
+            <a:outerShdw blurRad="57150" dist="19050" dir="5400000" algn="ctr" rotWithShape="0">
+              <a:srgbClr val="000000">
+                <a:alpha val="63000"/>
+              </a:srgbClr>
+            </a:outerShdw>
+          </a:effectLst>
+        </a:effectStyle>
+      </a:effectStyleLst>
+      <a:bgFillStyleLst>
+        <a:solidFill>
+          <a:schemeClr val="phClr"/>
+        </a:solidFill>
+        <a:solidFill>
+          <a:schemeClr val="phClr">
+            <a:tint val="95000"/>
+            <a:satMod val="170000"/>
+          </a:schemeClr>
+        </a:solidFill>
+        <a:gradFill rotWithShape="1">
+          <a:gsLst>
+            <a:gs pos="0">
+              <a:schemeClr val="phClr">
+                <a:tint val="93000"/>
+                <a:satMod val="150000"/>
+                <a:shade val="98000"/>
+                <a:lumMod val="102000"/>
+              </a:schemeClr>
+            </a:gs>
+            <a:gs pos="50000">
+              <a:schemeClr val="phClr">
+                <a:tint val="98000"/>
+                <a:satMod val="130000"/>
+                <a:shade val="90000"/>
+                <a:lumMod val="103000"/>
+              </a:schemeClr>
+            </a:gs>
+            <a:gs pos="100000">
+              <a:schemeClr val="phClr">
+                <a:shade val="63000"/>
+                <a:satMod val="120000"/>
+              </a:schemeClr>
+            </a:gs>
+          </a:gsLst>
+          <a:lin ang="5400000" scaled="0"/>
+        </a:gradFill>
+      </a:bgFillStyleLst>
+    </a:fmtScheme>
+  </a:themeElements>
+  <a:objectDefaults/>
+  <a:extraClrSchemeLst/>
+  <a:extLst>
+    <a:ext uri="{05A4C25C-085E-4340-85A3-A5531E510DB2}">
+      <thm15:themeFamily xmlns:thm15="http://schemas.microsoft.com/office/thememl/2012/main" name="Office Theme" id="{62F939B6-93AF-4DB8-9C6B-D6C7DFDC589F}" vid="{4A3C46E8-61CC-4603-A589-7422A47A8E4A}"/>
+    </a:ext>
+  </a:extLst>
+</a:theme>
 </file>
--- a/images/pygame_rect_window.pptx
+++ b/images/pygame_rect_window.pptx
@@ -5,7 +5,7 @@
     <p:sldMasterId id="2147483648" r:id="rId1"/>
   </p:sldMasterIdLst>
   <p:notesMasterIdLst>
-    <p:notesMasterId r:id="rId19"/>
+    <p:notesMasterId r:id="rId20"/>
   </p:notesMasterIdLst>
   <p:sldIdLst>
     <p:sldId id="257" r:id="rId2"/>
@@ -25,6 +25,7 @@
     <p:sldId id="273" r:id="rId16"/>
     <p:sldId id="274" r:id="rId17"/>
     <p:sldId id="275" r:id="rId18"/>
+    <p:sldId id="276" r:id="rId19"/>
   </p:sldIdLst>
   <p:sldSz cx="12192000" cy="6858000"/>
   <p:notesSz cx="6858000" cy="9144000"/>
@@ -7407,629 +7408,650 @@
           <a:chExt cx="0" cy="0"/>
         </a:xfrm>
       </p:grpSpPr>
-      <p:sp>
-        <p:nvSpPr>
-          <p:cNvPr id="1031" name="Rectangle 1030">
+      <p:grpSp>
+        <p:nvGrpSpPr>
+          <p:cNvPr id="1034" name="Group 1033">
             <a:extLst>
               <a:ext uri="{FF2B5EF4-FFF2-40B4-BE49-F238E27FC236}">
-                <a16:creationId xmlns:a16="http://schemas.microsoft.com/office/drawing/2014/main" id="{3BE805DD-0497-4ADE-9259-95F172B22C8D}"/>
+                <a16:creationId xmlns:a16="http://schemas.microsoft.com/office/drawing/2014/main" id="{D4AA8F31-7262-4C11-8361-FEC1A5F43F23}"/>
               </a:ext>
             </a:extLst>
           </p:cNvPr>
-          <p:cNvSpPr/>
+          <p:cNvGrpSpPr/>
           <p:nvPr/>
-        </p:nvSpPr>
-        <p:spPr>
+        </p:nvGrpSpPr>
+        <p:grpSpPr>
           <a:xfrm>
             <a:off x="2311052" y="1960323"/>
             <a:ext cx="7722296" cy="3012510"/>
+            <a:chOff x="2311052" y="1960323"/>
+            <a:chExt cx="7722296" cy="3012510"/>
           </a:xfrm>
-          <a:prstGeom prst="rect">
-            <a:avLst/>
-          </a:prstGeom>
-          <a:noFill/>
-          <a:ln>
-            <a:solidFill>
-              <a:schemeClr val="tx1"/>
-            </a:solidFill>
-          </a:ln>
-        </p:spPr>
-        <p:style>
-          <a:lnRef idx="2">
-            <a:schemeClr val="accent1">
-              <a:shade val="50000"/>
-            </a:schemeClr>
-          </a:lnRef>
-          <a:fillRef idx="1">
-            <a:schemeClr val="accent1"/>
-          </a:fillRef>
-          <a:effectRef idx="0">
-            <a:schemeClr val="accent1"/>
-          </a:effectRef>
-          <a:fontRef idx="minor">
-            <a:schemeClr val="lt1"/>
-          </a:fontRef>
-        </p:style>
-        <p:txBody>
-          <a:bodyPr rtlCol="0" anchor="ctr"/>
-          <a:lstStyle/>
-          <a:p>
-            <a:pPr algn="ctr"/>
-            <a:endParaRPr lang="en-US"/>
-          </a:p>
-        </p:txBody>
-      </p:sp>
-      <p:sp>
-        <p:nvSpPr>
-          <p:cNvPr id="3" name="Rectangle 2">
-            <a:extLst>
-              <a:ext uri="{FF2B5EF4-FFF2-40B4-BE49-F238E27FC236}">
-                <a16:creationId xmlns:a16="http://schemas.microsoft.com/office/drawing/2014/main" id="{B5E6F3F2-D71E-4B88-B8A9-17D64B86F0E4}"/>
-              </a:ext>
-            </a:extLst>
-          </p:cNvPr>
-          <p:cNvSpPr/>
-          <p:nvPr/>
-        </p:nvSpPr>
-        <p:spPr>
-          <a:xfrm>
-            <a:off x="5329825" y="2611677"/>
-            <a:ext cx="1810011" cy="1183709"/>
-          </a:xfrm>
-          <a:prstGeom prst="rect">
-            <a:avLst/>
-          </a:prstGeom>
-          <a:solidFill>
-            <a:schemeClr val="accent1">
-              <a:lumMod val="60000"/>
-              <a:lumOff val="40000"/>
-            </a:schemeClr>
-          </a:solidFill>
-          <a:ln>
+        </p:grpSpPr>
+        <p:sp>
+          <p:nvSpPr>
+            <p:cNvPr id="1031" name="Rectangle 1030">
+              <a:extLst>
+                <a:ext uri="{FF2B5EF4-FFF2-40B4-BE49-F238E27FC236}">
+                  <a16:creationId xmlns:a16="http://schemas.microsoft.com/office/drawing/2014/main" id="{3BE805DD-0497-4ADE-9259-95F172B22C8D}"/>
+                </a:ext>
+              </a:extLst>
+            </p:cNvPr>
+            <p:cNvSpPr/>
+            <p:nvPr/>
+          </p:nvSpPr>
+          <p:spPr>
+            <a:xfrm>
+              <a:off x="2311052" y="1960323"/>
+              <a:ext cx="7722296" cy="3012510"/>
+            </a:xfrm>
+            <a:prstGeom prst="rect">
+              <a:avLst/>
+            </a:prstGeom>
+            <a:noFill/>
+            <a:ln>
+              <a:solidFill>
+                <a:schemeClr val="tx1"/>
+              </a:solidFill>
+            </a:ln>
+          </p:spPr>
+          <p:style>
+            <a:lnRef idx="2">
+              <a:schemeClr val="accent1">
+                <a:shade val="50000"/>
+              </a:schemeClr>
+            </a:lnRef>
+            <a:fillRef idx="1">
+              <a:schemeClr val="accent1"/>
+            </a:fillRef>
+            <a:effectRef idx="0">
+              <a:schemeClr val="accent1"/>
+            </a:effectRef>
+            <a:fontRef idx="minor">
+              <a:schemeClr val="lt1"/>
+            </a:fontRef>
+          </p:style>
+          <p:txBody>
+            <a:bodyPr rtlCol="0" anchor="ctr"/>
+            <a:lstStyle/>
+            <a:p>
+              <a:pPr algn="ctr"/>
+              <a:endParaRPr lang="en-US"/>
+            </a:p>
+          </p:txBody>
+        </p:sp>
+        <p:sp>
+          <p:nvSpPr>
+            <p:cNvPr id="3" name="Rectangle 2">
+              <a:extLst>
+                <a:ext uri="{FF2B5EF4-FFF2-40B4-BE49-F238E27FC236}">
+                  <a16:creationId xmlns:a16="http://schemas.microsoft.com/office/drawing/2014/main" id="{B5E6F3F2-D71E-4B88-B8A9-17D64B86F0E4}"/>
+                </a:ext>
+              </a:extLst>
+            </p:cNvPr>
+            <p:cNvSpPr/>
+            <p:nvPr/>
+          </p:nvSpPr>
+          <p:spPr>
+            <a:xfrm>
+              <a:off x="5329825" y="2611677"/>
+              <a:ext cx="1810011" cy="1183709"/>
+            </a:xfrm>
+            <a:prstGeom prst="rect">
+              <a:avLst/>
+            </a:prstGeom>
             <a:solidFill>
               <a:schemeClr val="accent1">
                 <a:lumMod val="60000"/>
                 <a:lumOff val="40000"/>
               </a:schemeClr>
             </a:solidFill>
-          </a:ln>
-        </p:spPr>
-        <p:style>
-          <a:lnRef idx="2">
-            <a:schemeClr val="accent1">
-              <a:shade val="50000"/>
-            </a:schemeClr>
-          </a:lnRef>
-          <a:fillRef idx="1">
-            <a:schemeClr val="accent1"/>
-          </a:fillRef>
-          <a:effectRef idx="0">
-            <a:schemeClr val="accent1"/>
-          </a:effectRef>
-          <a:fontRef idx="minor">
-            <a:schemeClr val="lt1"/>
-          </a:fontRef>
-        </p:style>
-        <p:txBody>
-          <a:bodyPr rtlCol="0" anchor="ctr"/>
-          <a:lstStyle/>
-          <a:p>
-            <a:pPr algn="ctr"/>
-            <a:r>
-              <a:rPr lang="en-US" sz="1400" dirty="0">
-                <a:solidFill>
-                  <a:schemeClr val="tx1"/>
-                </a:solidFill>
-                <a:latin typeface="Consolas" panose="020B0609020204030204" pitchFamily="49" charset="0"/>
-              </a:rPr>
-              <a:t>scale</a:t>
-            </a:r>
-          </a:p>
-        </p:txBody>
-      </p:sp>
-      <p:pic>
-        <p:nvPicPr>
-          <p:cNvPr id="1026" name="Picture 2" descr="bug">
+            <a:ln>
+              <a:solidFill>
+                <a:schemeClr val="accent1">
+                  <a:lumMod val="60000"/>
+                  <a:lumOff val="40000"/>
+                </a:schemeClr>
+              </a:solidFill>
+            </a:ln>
+          </p:spPr>
+          <p:style>
+            <a:lnRef idx="2">
+              <a:schemeClr val="accent1">
+                <a:shade val="50000"/>
+              </a:schemeClr>
+            </a:lnRef>
+            <a:fillRef idx="1">
+              <a:schemeClr val="accent1"/>
+            </a:fillRef>
+            <a:effectRef idx="0">
+              <a:schemeClr val="accent1"/>
+            </a:effectRef>
+            <a:fontRef idx="minor">
+              <a:schemeClr val="lt1"/>
+            </a:fontRef>
+          </p:style>
+          <p:txBody>
+            <a:bodyPr rtlCol="0" anchor="ctr"/>
+            <a:lstStyle/>
+            <a:p>
+              <a:pPr algn="ctr"/>
+              <a:r>
+                <a:rPr lang="en-US" sz="1400" dirty="0">
+                  <a:solidFill>
+                    <a:schemeClr val="tx1"/>
+                  </a:solidFill>
+                  <a:latin typeface="Consolas" panose="020B0609020204030204" pitchFamily="49" charset="0"/>
+                </a:rPr>
+                <a:t>scale</a:t>
+              </a:r>
+            </a:p>
+          </p:txBody>
+        </p:sp>
+        <p:pic>
+          <p:nvPicPr>
+            <p:cNvPr id="1026" name="Picture 2" descr="bug">
+              <a:extLst>
+                <a:ext uri="{FF2B5EF4-FFF2-40B4-BE49-F238E27FC236}">
+                  <a16:creationId xmlns:a16="http://schemas.microsoft.com/office/drawing/2014/main" id="{D982902C-A2CB-4DA1-9E85-A98C646AD717}"/>
+                </a:ext>
+              </a:extLst>
+            </p:cNvPr>
+            <p:cNvPicPr>
+              <a:picLocks noChangeAspect="1" noChangeArrowheads="1"/>
+            </p:cNvPicPr>
+            <p:nvPr/>
+          </p:nvPicPr>
+          <p:blipFill>
+            <a:blip r:embed="rId2">
+              <a:extLst>
+                <a:ext uri="{28A0092B-C50C-407E-A947-70E740481C1C}">
+                  <a14:useLocalDpi xmlns:a14="http://schemas.microsoft.com/office/drawing/2010/main" val="0"/>
+                </a:ext>
+              </a:extLst>
+            </a:blip>
+            <a:srcRect/>
+            <a:stretch>
+              <a:fillRect/>
+            </a:stretch>
+          </p:blipFill>
+          <p:spPr bwMode="auto">
+            <a:xfrm>
+              <a:off x="2932658" y="3572594"/>
+              <a:ext cx="1232248" cy="839016"/>
+            </a:xfrm>
+            <a:prstGeom prst="rect">
+              <a:avLst/>
+            </a:prstGeom>
+            <a:noFill/>
             <a:extLst>
-              <a:ext uri="{FF2B5EF4-FFF2-40B4-BE49-F238E27FC236}">
-                <a16:creationId xmlns:a16="http://schemas.microsoft.com/office/drawing/2014/main" id="{D982902C-A2CB-4DA1-9E85-A98C646AD717}"/>
+              <a:ext uri="{909E8E84-426E-40DD-AFC4-6F175D3DCCD1}">
+                <a14:hiddenFill xmlns:a14="http://schemas.microsoft.com/office/drawing/2010/main">
+                  <a:solidFill>
+                    <a:srgbClr val="FFFFFF"/>
+                  </a:solidFill>
+                </a14:hiddenFill>
               </a:ext>
             </a:extLst>
-          </p:cNvPr>
-          <p:cNvPicPr>
-            <a:picLocks noChangeAspect="1" noChangeArrowheads="1"/>
-          </p:cNvPicPr>
-          <p:nvPr/>
-        </p:nvPicPr>
-        <p:blipFill>
-          <a:blip r:embed="rId2">
+          </p:spPr>
+        </p:pic>
+        <p:cxnSp>
+          <p:nvCxnSpPr>
+            <p:cNvPr id="22" name="Straight Arrow Connector 21">
+              <a:extLst>
+                <a:ext uri="{FF2B5EF4-FFF2-40B4-BE49-F238E27FC236}">
+                  <a16:creationId xmlns:a16="http://schemas.microsoft.com/office/drawing/2014/main" id="{0C168356-691E-4BE2-829B-2ED06C6DC375}"/>
+                </a:ext>
+              </a:extLst>
+            </p:cNvPr>
+            <p:cNvCxnSpPr>
+              <a:cxnSpLocks/>
+              <a:stCxn id="1026" idx="3"/>
+            </p:cNvCxnSpPr>
+            <p:nvPr/>
+          </p:nvCxnSpPr>
+          <p:spPr>
+            <a:xfrm flipV="1">
+              <a:off x="4164906" y="3572594"/>
+              <a:ext cx="1164919" cy="419508"/>
+            </a:xfrm>
+            <a:prstGeom prst="straightConnector1">
+              <a:avLst/>
+            </a:prstGeom>
+            <a:ln w="12700">
+              <a:tailEnd type="triangle"/>
+            </a:ln>
+          </p:spPr>
+          <p:style>
+            <a:lnRef idx="1">
+              <a:schemeClr val="accent1"/>
+            </a:lnRef>
+            <a:fillRef idx="0">
+              <a:schemeClr val="accent1"/>
+            </a:fillRef>
+            <a:effectRef idx="0">
+              <a:schemeClr val="accent1"/>
+            </a:effectRef>
+            <a:fontRef idx="minor">
+              <a:schemeClr val="tx1"/>
+            </a:fontRef>
+          </p:style>
+        </p:cxnSp>
+        <p:sp>
+          <p:nvSpPr>
+            <p:cNvPr id="23" name="TextBox 22">
+              <a:extLst>
+                <a:ext uri="{FF2B5EF4-FFF2-40B4-BE49-F238E27FC236}">
+                  <a16:creationId xmlns:a16="http://schemas.microsoft.com/office/drawing/2014/main" id="{2AE6245B-381F-4C95-8BA0-3F6A79F81DBD}"/>
+                </a:ext>
+              </a:extLst>
+            </p:cNvPr>
+            <p:cNvSpPr txBox="1"/>
+            <p:nvPr/>
+          </p:nvSpPr>
+          <p:spPr>
+            <a:xfrm>
+              <a:off x="3507473" y="2713797"/>
+              <a:ext cx="979755" cy="307777"/>
+            </a:xfrm>
+            <a:prstGeom prst="rect">
+              <a:avLst/>
+            </a:prstGeom>
+            <a:noFill/>
+          </p:spPr>
+          <p:txBody>
+            <a:bodyPr wrap="none" rtlCol="0">
+              <a:spAutoFit/>
+            </a:bodyPr>
+            <a:lstStyle/>
+            <a:p>
+              <a:r>
+                <a:rPr lang="en-US" sz="1400" dirty="0" err="1">
+                  <a:latin typeface="Consolas" panose="020B0609020204030204" pitchFamily="49" charset="0"/>
+                </a:rPr>
+                <a:t>scaled_w</a:t>
+              </a:r>
+              <a:endParaRPr lang="en-US" sz="1400" dirty="0">
+                <a:latin typeface="Consolas" panose="020B0609020204030204" pitchFamily="49" charset="0"/>
+              </a:endParaRPr>
+            </a:p>
+          </p:txBody>
+        </p:sp>
+        <p:sp>
+          <p:nvSpPr>
+            <p:cNvPr id="25" name="TextBox 24">
+              <a:extLst>
+                <a:ext uri="{FF2B5EF4-FFF2-40B4-BE49-F238E27FC236}">
+                  <a16:creationId xmlns:a16="http://schemas.microsoft.com/office/drawing/2014/main" id="{5DCD85FA-C6A2-49E9-B025-D4A7B47A0B09}"/>
+                </a:ext>
+              </a:extLst>
+            </p:cNvPr>
+            <p:cNvSpPr txBox="1"/>
+            <p:nvPr/>
+          </p:nvSpPr>
+          <p:spPr>
+            <a:xfrm>
+              <a:off x="3507474" y="3018865"/>
+              <a:ext cx="979755" cy="307777"/>
+            </a:xfrm>
+            <a:prstGeom prst="rect">
+              <a:avLst/>
+            </a:prstGeom>
+            <a:noFill/>
+          </p:spPr>
+          <p:txBody>
+            <a:bodyPr wrap="none" rtlCol="0">
+              <a:spAutoFit/>
+            </a:bodyPr>
+            <a:lstStyle/>
+            <a:p>
+              <a:r>
+                <a:rPr lang="en-US" sz="1400" dirty="0" err="1">
+                  <a:latin typeface="Consolas" panose="020B0609020204030204" pitchFamily="49" charset="0"/>
+                </a:rPr>
+                <a:t>scaled_h</a:t>
+              </a:r>
+              <a:endParaRPr lang="en-US" sz="1400" dirty="0">
+                <a:latin typeface="Consolas" panose="020B0609020204030204" pitchFamily="49" charset="0"/>
+              </a:endParaRPr>
+            </a:p>
+          </p:txBody>
+        </p:sp>
+        <p:cxnSp>
+          <p:nvCxnSpPr>
+            <p:cNvPr id="28" name="Straight Arrow Connector 27">
+              <a:extLst>
+                <a:ext uri="{FF2B5EF4-FFF2-40B4-BE49-F238E27FC236}">
+                  <a16:creationId xmlns:a16="http://schemas.microsoft.com/office/drawing/2014/main" id="{456EDDC7-441C-46D7-96C4-1AEF5EF1D52D}"/>
+                </a:ext>
+              </a:extLst>
+            </p:cNvPr>
+            <p:cNvCxnSpPr>
+              <a:stCxn id="23" idx="3"/>
+            </p:cNvCxnSpPr>
+            <p:nvPr/>
+          </p:nvCxnSpPr>
+          <p:spPr>
+            <a:xfrm>
+              <a:off x="4487228" y="2867686"/>
+              <a:ext cx="842597" cy="0"/>
+            </a:xfrm>
+            <a:prstGeom prst="straightConnector1">
+              <a:avLst/>
+            </a:prstGeom>
+            <a:ln w="12700">
+              <a:tailEnd type="triangle"/>
+            </a:ln>
+          </p:spPr>
+          <p:style>
+            <a:lnRef idx="1">
+              <a:schemeClr val="accent1"/>
+            </a:lnRef>
+            <a:fillRef idx="0">
+              <a:schemeClr val="accent1"/>
+            </a:fillRef>
+            <a:effectRef idx="0">
+              <a:schemeClr val="accent1"/>
+            </a:effectRef>
+            <a:fontRef idx="minor">
+              <a:schemeClr val="tx1"/>
+            </a:fontRef>
+          </p:style>
+        </p:cxnSp>
+        <p:cxnSp>
+          <p:nvCxnSpPr>
+            <p:cNvPr id="1024" name="Straight Arrow Connector 1023">
+              <a:extLst>
+                <a:ext uri="{FF2B5EF4-FFF2-40B4-BE49-F238E27FC236}">
+                  <a16:creationId xmlns:a16="http://schemas.microsoft.com/office/drawing/2014/main" id="{31CD2C89-31D9-41E9-9FCA-78AF9ABA5ED5}"/>
+                </a:ext>
+              </a:extLst>
+            </p:cNvPr>
+            <p:cNvCxnSpPr>
+              <a:cxnSpLocks/>
+              <a:stCxn id="25" idx="3"/>
+              <a:endCxn id="3" idx="1"/>
+            </p:cNvCxnSpPr>
+            <p:nvPr/>
+          </p:nvCxnSpPr>
+          <p:spPr>
+            <a:xfrm>
+              <a:off x="4487229" y="3172754"/>
+              <a:ext cx="842596" cy="30778"/>
+            </a:xfrm>
+            <a:prstGeom prst="straightConnector1">
+              <a:avLst/>
+            </a:prstGeom>
+            <a:ln w="12700">
+              <a:tailEnd type="triangle"/>
+            </a:ln>
+          </p:spPr>
+          <p:style>
+            <a:lnRef idx="1">
+              <a:schemeClr val="accent1"/>
+            </a:lnRef>
+            <a:fillRef idx="0">
+              <a:schemeClr val="accent1"/>
+            </a:fillRef>
+            <a:effectRef idx="0">
+              <a:schemeClr val="accent1"/>
+            </a:effectRef>
+            <a:fontRef idx="minor">
+              <a:schemeClr val="tx1"/>
+            </a:fontRef>
+          </p:style>
+        </p:cxnSp>
+        <p:pic>
+          <p:nvPicPr>
+            <p:cNvPr id="34" name="Picture 2" descr="bug">
+              <a:extLst>
+                <a:ext uri="{FF2B5EF4-FFF2-40B4-BE49-F238E27FC236}">
+                  <a16:creationId xmlns:a16="http://schemas.microsoft.com/office/drawing/2014/main" id="{17ACE82E-BDCD-453B-8FEB-7DCEB3FAC310}"/>
+                </a:ext>
+              </a:extLst>
+            </p:cNvPr>
+            <p:cNvPicPr>
+              <a:picLocks noChangeAspect="1" noChangeArrowheads="1"/>
+            </p:cNvPicPr>
+            <p:nvPr/>
+          </p:nvPicPr>
+          <p:blipFill>
+            <a:blip r:embed="rId2">
+              <a:extLst>
+                <a:ext uri="{28A0092B-C50C-407E-A947-70E740481C1C}">
+                  <a14:useLocalDpi xmlns:a14="http://schemas.microsoft.com/office/drawing/2010/main" val="0"/>
+                </a:ext>
+              </a:extLst>
+            </a:blip>
+            <a:srcRect/>
+            <a:stretch>
+              <a:fillRect/>
+            </a:stretch>
+          </p:blipFill>
+          <p:spPr bwMode="auto">
+            <a:xfrm>
+              <a:off x="7809978" y="2690078"/>
+              <a:ext cx="1517739" cy="1033402"/>
+            </a:xfrm>
+            <a:prstGeom prst="rect">
+              <a:avLst/>
+            </a:prstGeom>
+            <a:noFill/>
             <a:extLst>
-              <a:ext uri="{28A0092B-C50C-407E-A947-70E740481C1C}">
-                <a14:useLocalDpi xmlns:a14="http://schemas.microsoft.com/office/drawing/2010/main" val="0"/>
+              <a:ext uri="{909E8E84-426E-40DD-AFC4-6F175D3DCCD1}">
+                <a14:hiddenFill xmlns:a14="http://schemas.microsoft.com/office/drawing/2010/main">
+                  <a:solidFill>
+                    <a:srgbClr val="FFFFFF"/>
+                  </a:solidFill>
+                </a14:hiddenFill>
               </a:ext>
             </a:extLst>
-          </a:blip>
-          <a:srcRect/>
-          <a:stretch>
-            <a:fillRect/>
-          </a:stretch>
-        </p:blipFill>
-        <p:spPr bwMode="auto">
-          <a:xfrm>
-            <a:off x="2932658" y="3572594"/>
-            <a:ext cx="1232248" cy="839016"/>
-          </a:xfrm>
-          <a:prstGeom prst="rect">
-            <a:avLst/>
-          </a:prstGeom>
-          <a:noFill/>
-          <a:extLst>
-            <a:ext uri="{909E8E84-426E-40DD-AFC4-6F175D3DCCD1}">
-              <a14:hiddenFill xmlns:a14="http://schemas.microsoft.com/office/drawing/2010/main">
-                <a:solidFill>
-                  <a:srgbClr val="FFFFFF"/>
-                </a:solidFill>
-              </a14:hiddenFill>
-            </a:ext>
-          </a:extLst>
-        </p:spPr>
-      </p:pic>
-      <p:cxnSp>
-        <p:nvCxnSpPr>
-          <p:cNvPr id="22" name="Straight Arrow Connector 21">
-            <a:extLst>
-              <a:ext uri="{FF2B5EF4-FFF2-40B4-BE49-F238E27FC236}">
-                <a16:creationId xmlns:a16="http://schemas.microsoft.com/office/drawing/2014/main" id="{0C168356-691E-4BE2-829B-2ED06C6DC375}"/>
-              </a:ext>
-            </a:extLst>
-          </p:cNvPr>
-          <p:cNvCxnSpPr>
-            <a:cxnSpLocks/>
-            <a:stCxn id="1026" idx="3"/>
-          </p:cNvCxnSpPr>
-          <p:nvPr/>
-        </p:nvCxnSpPr>
-        <p:spPr>
-          <a:xfrm flipV="1">
-            <a:off x="4164906" y="3572594"/>
-            <a:ext cx="1164919" cy="419508"/>
-          </a:xfrm>
-          <a:prstGeom prst="straightConnector1">
-            <a:avLst/>
-          </a:prstGeom>
-          <a:ln w="12700">
-            <a:tailEnd type="triangle"/>
-          </a:ln>
-        </p:spPr>
-        <p:style>
-          <a:lnRef idx="1">
-            <a:schemeClr val="accent1"/>
-          </a:lnRef>
-          <a:fillRef idx="0">
-            <a:schemeClr val="accent1"/>
-          </a:fillRef>
-          <a:effectRef idx="0">
-            <a:schemeClr val="accent1"/>
-          </a:effectRef>
-          <a:fontRef idx="minor">
-            <a:schemeClr val="tx1"/>
-          </a:fontRef>
-        </p:style>
-      </p:cxnSp>
-      <p:sp>
-        <p:nvSpPr>
-          <p:cNvPr id="23" name="TextBox 22">
-            <a:extLst>
-              <a:ext uri="{FF2B5EF4-FFF2-40B4-BE49-F238E27FC236}">
-                <a16:creationId xmlns:a16="http://schemas.microsoft.com/office/drawing/2014/main" id="{2AE6245B-381F-4C95-8BA0-3F6A79F81DBD}"/>
-              </a:ext>
-            </a:extLst>
-          </p:cNvPr>
-          <p:cNvSpPr txBox="1"/>
-          <p:nvPr/>
-        </p:nvSpPr>
-        <p:spPr>
-          <a:xfrm>
-            <a:off x="3507473" y="2713797"/>
-            <a:ext cx="979755" cy="307777"/>
-          </a:xfrm>
-          <a:prstGeom prst="rect">
-            <a:avLst/>
-          </a:prstGeom>
-          <a:noFill/>
-        </p:spPr>
-        <p:txBody>
-          <a:bodyPr wrap="none" rtlCol="0">
-            <a:spAutoFit/>
-          </a:bodyPr>
-          <a:lstStyle/>
-          <a:p>
-            <a:r>
-              <a:rPr lang="en-US" sz="1400" dirty="0" err="1">
+          </p:spPr>
+        </p:pic>
+        <p:cxnSp>
+          <p:nvCxnSpPr>
+            <p:cNvPr id="1027" name="Straight Arrow Connector 1026">
+              <a:extLst>
+                <a:ext uri="{FF2B5EF4-FFF2-40B4-BE49-F238E27FC236}">
+                  <a16:creationId xmlns:a16="http://schemas.microsoft.com/office/drawing/2014/main" id="{AE345EF0-5ED7-4171-880C-FE7ED46C2622}"/>
+                </a:ext>
+              </a:extLst>
+            </p:cNvPr>
+            <p:cNvCxnSpPr>
+              <a:cxnSpLocks/>
+              <a:stCxn id="3" idx="3"/>
+              <a:endCxn id="34" idx="1"/>
+            </p:cNvCxnSpPr>
+            <p:nvPr/>
+          </p:nvCxnSpPr>
+          <p:spPr>
+            <a:xfrm>
+              <a:off x="7139836" y="3203532"/>
+              <a:ext cx="670142" cy="3247"/>
+            </a:xfrm>
+            <a:prstGeom prst="straightConnector1">
+              <a:avLst/>
+            </a:prstGeom>
+            <a:ln w="12700">
+              <a:tailEnd type="triangle"/>
+            </a:ln>
+          </p:spPr>
+          <p:style>
+            <a:lnRef idx="1">
+              <a:schemeClr val="accent1"/>
+            </a:lnRef>
+            <a:fillRef idx="0">
+              <a:schemeClr val="accent1"/>
+            </a:fillRef>
+            <a:effectRef idx="0">
+              <a:schemeClr val="accent1"/>
+            </a:effectRef>
+            <a:fontRef idx="minor">
+              <a:schemeClr val="tx1"/>
+            </a:fontRef>
+          </p:style>
+        </p:cxnSp>
+        <p:sp>
+          <p:nvSpPr>
+            <p:cNvPr id="38" name="TextBox 37">
+              <a:extLst>
+                <a:ext uri="{FF2B5EF4-FFF2-40B4-BE49-F238E27FC236}">
+                  <a16:creationId xmlns:a16="http://schemas.microsoft.com/office/drawing/2014/main" id="{0DCCBB24-A8DE-434A-B4AB-27591CAD6E26}"/>
+                </a:ext>
+              </a:extLst>
+            </p:cNvPr>
+            <p:cNvSpPr txBox="1"/>
+            <p:nvPr/>
+          </p:nvSpPr>
+          <p:spPr>
+            <a:xfrm>
+              <a:off x="7950038" y="2382301"/>
+              <a:ext cx="979755" cy="307777"/>
+            </a:xfrm>
+            <a:prstGeom prst="rect">
+              <a:avLst/>
+            </a:prstGeom>
+            <a:noFill/>
+          </p:spPr>
+          <p:txBody>
+            <a:bodyPr wrap="none" rtlCol="0">
+              <a:spAutoFit/>
+            </a:bodyPr>
+            <a:lstStyle/>
+            <a:p>
+              <a:r>
+                <a:rPr lang="en-US" sz="1400" dirty="0" err="1">
+                  <a:latin typeface="Consolas" panose="020B0609020204030204" pitchFamily="49" charset="0"/>
+                </a:rPr>
+                <a:t>scaled_w</a:t>
+              </a:r>
+              <a:endParaRPr lang="en-US" sz="1400" dirty="0">
                 <a:latin typeface="Consolas" panose="020B0609020204030204" pitchFamily="49" charset="0"/>
-              </a:rPr>
-              <a:t>scaled_w</a:t>
-            </a:r>
-            <a:endParaRPr lang="en-US" sz="1400" dirty="0">
-              <a:latin typeface="Consolas" panose="020B0609020204030204" pitchFamily="49" charset="0"/>
-            </a:endParaRPr>
-          </a:p>
-        </p:txBody>
-      </p:sp>
-      <p:sp>
-        <p:nvSpPr>
-          <p:cNvPr id="25" name="TextBox 24">
-            <a:extLst>
-              <a:ext uri="{FF2B5EF4-FFF2-40B4-BE49-F238E27FC236}">
-                <a16:creationId xmlns:a16="http://schemas.microsoft.com/office/drawing/2014/main" id="{5DCD85FA-C6A2-49E9-B025-D4A7B47A0B09}"/>
-              </a:ext>
-            </a:extLst>
-          </p:cNvPr>
-          <p:cNvSpPr txBox="1"/>
-          <p:nvPr/>
-        </p:nvSpPr>
-        <p:spPr>
-          <a:xfrm>
-            <a:off x="3507474" y="3018865"/>
-            <a:ext cx="979755" cy="307777"/>
-          </a:xfrm>
-          <a:prstGeom prst="rect">
-            <a:avLst/>
-          </a:prstGeom>
-          <a:noFill/>
-        </p:spPr>
-        <p:txBody>
-          <a:bodyPr wrap="none" rtlCol="0">
-            <a:spAutoFit/>
-          </a:bodyPr>
-          <a:lstStyle/>
-          <a:p>
-            <a:r>
-              <a:rPr lang="en-US" sz="1400" dirty="0" err="1">
+              </a:endParaRPr>
+            </a:p>
+          </p:txBody>
+        </p:sp>
+        <p:sp>
+          <p:nvSpPr>
+            <p:cNvPr id="39" name="TextBox 38">
+              <a:extLst>
+                <a:ext uri="{FF2B5EF4-FFF2-40B4-BE49-F238E27FC236}">
+                  <a16:creationId xmlns:a16="http://schemas.microsoft.com/office/drawing/2014/main" id="{D64FD4C3-FCEA-4826-BE5D-ED178CAA9DEC}"/>
+                </a:ext>
+              </a:extLst>
+            </p:cNvPr>
+            <p:cNvSpPr txBox="1"/>
+            <p:nvPr/>
+          </p:nvSpPr>
+          <p:spPr>
+            <a:xfrm rot="5400000">
+              <a:off x="9038798" y="3064852"/>
+              <a:ext cx="979755" cy="307777"/>
+            </a:xfrm>
+            <a:prstGeom prst="rect">
+              <a:avLst/>
+            </a:prstGeom>
+            <a:noFill/>
+          </p:spPr>
+          <p:txBody>
+            <a:bodyPr wrap="none" rtlCol="0">
+              <a:spAutoFit/>
+            </a:bodyPr>
+            <a:lstStyle/>
+            <a:p>
+              <a:r>
+                <a:rPr lang="en-US" sz="1400" dirty="0" err="1">
+                  <a:latin typeface="Consolas" panose="020B0609020204030204" pitchFamily="49" charset="0"/>
+                </a:rPr>
+                <a:t>scaled_h</a:t>
+              </a:r>
+              <a:endParaRPr lang="en-US" sz="1400" dirty="0">
                 <a:latin typeface="Consolas" panose="020B0609020204030204" pitchFamily="49" charset="0"/>
-              </a:rPr>
-              <a:t>scaled_h</a:t>
-            </a:r>
-            <a:endParaRPr lang="en-US" sz="1400" dirty="0">
-              <a:latin typeface="Consolas" panose="020B0609020204030204" pitchFamily="49" charset="0"/>
-            </a:endParaRPr>
-          </a:p>
-        </p:txBody>
-      </p:sp>
-      <p:cxnSp>
-        <p:nvCxnSpPr>
-          <p:cNvPr id="28" name="Straight Arrow Connector 27">
-            <a:extLst>
-              <a:ext uri="{FF2B5EF4-FFF2-40B4-BE49-F238E27FC236}">
-                <a16:creationId xmlns:a16="http://schemas.microsoft.com/office/drawing/2014/main" id="{456EDDC7-441C-46D7-96C4-1AEF5EF1D52D}"/>
-              </a:ext>
-            </a:extLst>
-          </p:cNvPr>
-          <p:cNvCxnSpPr>
-            <a:stCxn id="23" idx="3"/>
-          </p:cNvCxnSpPr>
-          <p:nvPr/>
-        </p:nvCxnSpPr>
-        <p:spPr>
-          <a:xfrm>
-            <a:off x="4487228" y="2867686"/>
-            <a:ext cx="842597" cy="0"/>
-          </a:xfrm>
-          <a:prstGeom prst="straightConnector1">
-            <a:avLst/>
-          </a:prstGeom>
-          <a:ln w="12700">
-            <a:tailEnd type="triangle"/>
-          </a:ln>
-        </p:spPr>
-        <p:style>
-          <a:lnRef idx="1">
-            <a:schemeClr val="accent1"/>
-          </a:lnRef>
-          <a:fillRef idx="0">
-            <a:schemeClr val="accent1"/>
-          </a:fillRef>
-          <a:effectRef idx="0">
-            <a:schemeClr val="accent1"/>
-          </a:effectRef>
-          <a:fontRef idx="minor">
-            <a:schemeClr val="tx1"/>
-          </a:fontRef>
-        </p:style>
-      </p:cxnSp>
-      <p:cxnSp>
-        <p:nvCxnSpPr>
-          <p:cNvPr id="1024" name="Straight Arrow Connector 1023">
-            <a:extLst>
-              <a:ext uri="{FF2B5EF4-FFF2-40B4-BE49-F238E27FC236}">
-                <a16:creationId xmlns:a16="http://schemas.microsoft.com/office/drawing/2014/main" id="{31CD2C89-31D9-41E9-9FCA-78AF9ABA5ED5}"/>
-              </a:ext>
-            </a:extLst>
-          </p:cNvPr>
-          <p:cNvCxnSpPr>
-            <a:cxnSpLocks/>
-            <a:stCxn id="25" idx="3"/>
-            <a:endCxn id="3" idx="1"/>
-          </p:cNvCxnSpPr>
-          <p:nvPr/>
-        </p:nvCxnSpPr>
-        <p:spPr>
-          <a:xfrm>
-            <a:off x="4487229" y="3172754"/>
-            <a:ext cx="842596" cy="30778"/>
-          </a:xfrm>
-          <a:prstGeom prst="straightConnector1">
-            <a:avLst/>
-          </a:prstGeom>
-          <a:ln w="12700">
-            <a:tailEnd type="triangle"/>
-          </a:ln>
-        </p:spPr>
-        <p:style>
-          <a:lnRef idx="1">
-            <a:schemeClr val="accent1"/>
-          </a:lnRef>
-          <a:fillRef idx="0">
-            <a:schemeClr val="accent1"/>
-          </a:fillRef>
-          <a:effectRef idx="0">
-            <a:schemeClr val="accent1"/>
-          </a:effectRef>
-          <a:fontRef idx="minor">
-            <a:schemeClr val="tx1"/>
-          </a:fontRef>
-        </p:style>
-      </p:cxnSp>
-      <p:pic>
-        <p:nvPicPr>
-          <p:cNvPr id="34" name="Picture 2" descr="bug">
-            <a:extLst>
-              <a:ext uri="{FF2B5EF4-FFF2-40B4-BE49-F238E27FC236}">
-                <a16:creationId xmlns:a16="http://schemas.microsoft.com/office/drawing/2014/main" id="{17ACE82E-BDCD-453B-8FEB-7DCEB3FAC310}"/>
-              </a:ext>
-            </a:extLst>
-          </p:cNvPr>
-          <p:cNvPicPr>
-            <a:picLocks noChangeAspect="1" noChangeArrowheads="1"/>
-          </p:cNvPicPr>
-          <p:nvPr/>
-        </p:nvPicPr>
-        <p:blipFill>
-          <a:blip r:embed="rId2">
-            <a:extLst>
-              <a:ext uri="{28A0092B-C50C-407E-A947-70E740481C1C}">
-                <a14:useLocalDpi xmlns:a14="http://schemas.microsoft.com/office/drawing/2010/main" val="0"/>
-              </a:ext>
-            </a:extLst>
-          </a:blip>
-          <a:srcRect/>
-          <a:stretch>
-            <a:fillRect/>
-          </a:stretch>
-        </p:blipFill>
-        <p:spPr bwMode="auto">
-          <a:xfrm>
-            <a:off x="7809978" y="2690078"/>
-            <a:ext cx="1517739" cy="1033402"/>
-          </a:xfrm>
-          <a:prstGeom prst="rect">
-            <a:avLst/>
-          </a:prstGeom>
-          <a:noFill/>
-          <a:extLst>
-            <a:ext uri="{909E8E84-426E-40DD-AFC4-6F175D3DCCD1}">
-              <a14:hiddenFill xmlns:a14="http://schemas.microsoft.com/office/drawing/2010/main">
-                <a:solidFill>
-                  <a:srgbClr val="FFFFFF"/>
-                </a:solidFill>
-              </a14:hiddenFill>
-            </a:ext>
-          </a:extLst>
-        </p:spPr>
-      </p:pic>
-      <p:cxnSp>
-        <p:nvCxnSpPr>
-          <p:cNvPr id="1027" name="Straight Arrow Connector 1026">
-            <a:extLst>
-              <a:ext uri="{FF2B5EF4-FFF2-40B4-BE49-F238E27FC236}">
-                <a16:creationId xmlns:a16="http://schemas.microsoft.com/office/drawing/2014/main" id="{AE345EF0-5ED7-4171-880C-FE7ED46C2622}"/>
-              </a:ext>
-            </a:extLst>
-          </p:cNvPr>
-          <p:cNvCxnSpPr>
-            <a:cxnSpLocks/>
-            <a:stCxn id="3" idx="3"/>
-            <a:endCxn id="34" idx="1"/>
-          </p:cNvCxnSpPr>
-          <p:nvPr/>
-        </p:nvCxnSpPr>
-        <p:spPr>
-          <a:xfrm>
-            <a:off x="7139836" y="3203532"/>
-            <a:ext cx="670142" cy="3247"/>
-          </a:xfrm>
-          <a:prstGeom prst="straightConnector1">
-            <a:avLst/>
-          </a:prstGeom>
-          <a:ln w="12700">
-            <a:tailEnd type="triangle"/>
-          </a:ln>
-        </p:spPr>
-        <p:style>
-          <a:lnRef idx="1">
-            <a:schemeClr val="accent1"/>
-          </a:lnRef>
-          <a:fillRef idx="0">
-            <a:schemeClr val="accent1"/>
-          </a:fillRef>
-          <a:effectRef idx="0">
-            <a:schemeClr val="accent1"/>
-          </a:effectRef>
-          <a:fontRef idx="minor">
-            <a:schemeClr val="tx1"/>
-          </a:fontRef>
-        </p:style>
-      </p:cxnSp>
-      <p:sp>
-        <p:nvSpPr>
-          <p:cNvPr id="38" name="TextBox 37">
-            <a:extLst>
-              <a:ext uri="{FF2B5EF4-FFF2-40B4-BE49-F238E27FC236}">
-                <a16:creationId xmlns:a16="http://schemas.microsoft.com/office/drawing/2014/main" id="{0DCCBB24-A8DE-434A-B4AB-27591CAD6E26}"/>
-              </a:ext>
-            </a:extLst>
-          </p:cNvPr>
-          <p:cNvSpPr txBox="1"/>
-          <p:nvPr/>
-        </p:nvSpPr>
-        <p:spPr>
-          <a:xfrm>
-            <a:off x="7950038" y="2382301"/>
-            <a:ext cx="979755" cy="307777"/>
-          </a:xfrm>
-          <a:prstGeom prst="rect">
-            <a:avLst/>
-          </a:prstGeom>
-          <a:noFill/>
-        </p:spPr>
-        <p:txBody>
-          <a:bodyPr wrap="none" rtlCol="0">
-            <a:spAutoFit/>
-          </a:bodyPr>
-          <a:lstStyle/>
-          <a:p>
-            <a:r>
-              <a:rPr lang="en-US" sz="1400" dirty="0" err="1">
+              </a:endParaRPr>
+            </a:p>
+          </p:txBody>
+        </p:sp>
+        <p:sp>
+          <p:nvSpPr>
+            <p:cNvPr id="45" name="TextBox 44">
+              <a:extLst>
+                <a:ext uri="{FF2B5EF4-FFF2-40B4-BE49-F238E27FC236}">
+                  <a16:creationId xmlns:a16="http://schemas.microsoft.com/office/drawing/2014/main" id="{0026FC8B-1549-4A6C-95AF-E46919588F46}"/>
+                </a:ext>
+              </a:extLst>
+            </p:cNvPr>
+            <p:cNvSpPr txBox="1"/>
+            <p:nvPr/>
+          </p:nvSpPr>
+          <p:spPr>
+            <a:xfrm>
+              <a:off x="2853328" y="4432847"/>
+              <a:ext cx="1576072" cy="307777"/>
+            </a:xfrm>
+            <a:prstGeom prst="rect">
+              <a:avLst/>
+            </a:prstGeom>
+            <a:noFill/>
+          </p:spPr>
+          <p:txBody>
+            <a:bodyPr wrap="none" rtlCol="0">
+              <a:spAutoFit/>
+            </a:bodyPr>
+            <a:lstStyle/>
+            <a:p>
+              <a:r>
+                <a:rPr lang="en-US" sz="1400" dirty="0" err="1">
+                  <a:latin typeface="Consolas" panose="020B0609020204030204" pitchFamily="49" charset="0"/>
+                </a:rPr>
+                <a:t>original_image</a:t>
+              </a:r>
+              <a:endParaRPr lang="en-US" sz="1400" dirty="0">
                 <a:latin typeface="Consolas" panose="020B0609020204030204" pitchFamily="49" charset="0"/>
-              </a:rPr>
-              <a:t>scaled_w</a:t>
-            </a:r>
-            <a:endParaRPr lang="en-US" sz="1400" dirty="0">
-              <a:latin typeface="Consolas" panose="020B0609020204030204" pitchFamily="49" charset="0"/>
-            </a:endParaRPr>
-          </a:p>
-        </p:txBody>
-      </p:sp>
-      <p:sp>
-        <p:nvSpPr>
-          <p:cNvPr id="39" name="TextBox 38">
-            <a:extLst>
-              <a:ext uri="{FF2B5EF4-FFF2-40B4-BE49-F238E27FC236}">
-                <a16:creationId xmlns:a16="http://schemas.microsoft.com/office/drawing/2014/main" id="{D64FD4C3-FCEA-4826-BE5D-ED178CAA9DEC}"/>
-              </a:ext>
-            </a:extLst>
-          </p:cNvPr>
-          <p:cNvSpPr txBox="1"/>
-          <p:nvPr/>
-        </p:nvSpPr>
-        <p:spPr>
-          <a:xfrm rot="5400000">
-            <a:off x="9038798" y="3064852"/>
-            <a:ext cx="979755" cy="307777"/>
-          </a:xfrm>
-          <a:prstGeom prst="rect">
-            <a:avLst/>
-          </a:prstGeom>
-          <a:noFill/>
-        </p:spPr>
-        <p:txBody>
-          <a:bodyPr wrap="none" rtlCol="0">
-            <a:spAutoFit/>
-          </a:bodyPr>
-          <a:lstStyle/>
-          <a:p>
-            <a:r>
-              <a:rPr lang="en-US" sz="1400" dirty="0" err="1">
+              </a:endParaRPr>
+            </a:p>
+          </p:txBody>
+        </p:sp>
+        <p:sp>
+          <p:nvSpPr>
+            <p:cNvPr id="46" name="TextBox 45">
+              <a:extLst>
+                <a:ext uri="{FF2B5EF4-FFF2-40B4-BE49-F238E27FC236}">
+                  <a16:creationId xmlns:a16="http://schemas.microsoft.com/office/drawing/2014/main" id="{5505A55A-C957-48F4-BD9A-CDE962BF3BBC}"/>
+                </a:ext>
+              </a:extLst>
+            </p:cNvPr>
+            <p:cNvSpPr txBox="1"/>
+            <p:nvPr/>
+          </p:nvSpPr>
+          <p:spPr>
+            <a:xfrm>
+              <a:off x="7759997" y="3716978"/>
+              <a:ext cx="1377300" cy="307777"/>
+            </a:xfrm>
+            <a:prstGeom prst="rect">
+              <a:avLst/>
+            </a:prstGeom>
+            <a:noFill/>
+          </p:spPr>
+          <p:txBody>
+            <a:bodyPr wrap="none" rtlCol="0">
+              <a:spAutoFit/>
+            </a:bodyPr>
+            <a:lstStyle/>
+            <a:p>
+              <a:r>
+                <a:rPr lang="en-US" sz="1400" dirty="0" err="1">
+                  <a:latin typeface="Consolas" panose="020B0609020204030204" pitchFamily="49" charset="0"/>
+                </a:rPr>
+                <a:t>scaled_image</a:t>
+              </a:r>
+              <a:endParaRPr lang="en-US" sz="1400" dirty="0">
                 <a:latin typeface="Consolas" panose="020B0609020204030204" pitchFamily="49" charset="0"/>
-              </a:rPr>
-              <a:t>scaled_h</a:t>
-            </a:r>
-            <a:endParaRPr lang="en-US" sz="1400" dirty="0">
-              <a:latin typeface="Consolas" panose="020B0609020204030204" pitchFamily="49" charset="0"/>
-            </a:endParaRPr>
-          </a:p>
-        </p:txBody>
-      </p:sp>
-      <p:sp>
-        <p:nvSpPr>
-          <p:cNvPr id="45" name="TextBox 44">
-            <a:extLst>
-              <a:ext uri="{FF2B5EF4-FFF2-40B4-BE49-F238E27FC236}">
-                <a16:creationId xmlns:a16="http://schemas.microsoft.com/office/drawing/2014/main" id="{0026FC8B-1549-4A6C-95AF-E46919588F46}"/>
-              </a:ext>
-            </a:extLst>
-          </p:cNvPr>
-          <p:cNvSpPr txBox="1"/>
-          <p:nvPr/>
-        </p:nvSpPr>
-        <p:spPr>
-          <a:xfrm>
-            <a:off x="2853328" y="4432847"/>
-            <a:ext cx="1576072" cy="307777"/>
-          </a:xfrm>
-          <a:prstGeom prst="rect">
-            <a:avLst/>
-          </a:prstGeom>
-          <a:noFill/>
-        </p:spPr>
-        <p:txBody>
-          <a:bodyPr wrap="none" rtlCol="0">
-            <a:spAutoFit/>
-          </a:bodyPr>
-          <a:lstStyle/>
-          <a:p>
-            <a:r>
-              <a:rPr lang="en-US" sz="1400" dirty="0" err="1">
-                <a:latin typeface="Consolas" panose="020B0609020204030204" pitchFamily="49" charset="0"/>
-              </a:rPr>
-              <a:t>original_image</a:t>
-            </a:r>
-            <a:endParaRPr lang="en-US" sz="1400" dirty="0">
-              <a:latin typeface="Consolas" panose="020B0609020204030204" pitchFamily="49" charset="0"/>
-            </a:endParaRPr>
-          </a:p>
-        </p:txBody>
-      </p:sp>
-      <p:sp>
-        <p:nvSpPr>
-          <p:cNvPr id="46" name="TextBox 45">
-            <a:extLst>
-              <a:ext uri="{FF2B5EF4-FFF2-40B4-BE49-F238E27FC236}">
-                <a16:creationId xmlns:a16="http://schemas.microsoft.com/office/drawing/2014/main" id="{5505A55A-C957-48F4-BD9A-CDE962BF3BBC}"/>
-              </a:ext>
-            </a:extLst>
-          </p:cNvPr>
-          <p:cNvSpPr txBox="1"/>
-          <p:nvPr/>
-        </p:nvSpPr>
-        <p:spPr>
-          <a:xfrm>
-            <a:off x="7759997" y="3716978"/>
-            <a:ext cx="1377300" cy="307777"/>
-          </a:xfrm>
-          <a:prstGeom prst="rect">
-            <a:avLst/>
-          </a:prstGeom>
-          <a:noFill/>
-        </p:spPr>
-        <p:txBody>
-          <a:bodyPr wrap="none" rtlCol="0">
-            <a:spAutoFit/>
-          </a:bodyPr>
-          <a:lstStyle/>
-          <a:p>
-            <a:r>
-              <a:rPr lang="en-US" sz="1400" dirty="0" err="1">
-                <a:latin typeface="Consolas" panose="020B0609020204030204" pitchFamily="49" charset="0"/>
-              </a:rPr>
-              <a:t>scaled_image</a:t>
-            </a:r>
-            <a:endParaRPr lang="en-US" sz="1400" dirty="0">
-              <a:latin typeface="Consolas" panose="020B0609020204030204" pitchFamily="49" charset="0"/>
-            </a:endParaRPr>
-          </a:p>
-        </p:txBody>
-      </p:sp>
+              </a:endParaRPr>
+            </a:p>
+          </p:txBody>
+        </p:sp>
+      </p:grpSp>
     </p:spTree>
     <p:extLst>
       <p:ext uri="{BB962C8B-B14F-4D97-AF65-F5344CB8AC3E}">
@@ -8516,6 +8538,1335 @@
     <p:extLst>
       <p:ext uri="{BB962C8B-B14F-4D97-AF65-F5344CB8AC3E}">
         <p14:creationId xmlns:p14="http://schemas.microsoft.com/office/powerpoint/2010/main" val="3488377108"/>
+      </p:ext>
+    </p:extLst>
+  </p:cSld>
+  <p:clrMapOvr>
+    <a:masterClrMapping/>
+  </p:clrMapOvr>
+</p:sld>
+</file>
+
+<file path=ppt/slides/slide18.xml><?xml version="1.0" encoding="utf-8"?>
+<p:sld xmlns:a="http://schemas.openxmlformats.org/drawingml/2006/main" xmlns:r="http://schemas.openxmlformats.org/officeDocument/2006/relationships" xmlns:p="http://schemas.openxmlformats.org/presentationml/2006/main">
+  <p:cSld>
+    <p:spTree>
+      <p:nvGrpSpPr>
+        <p:cNvPr id="1" name=""/>
+        <p:cNvGrpSpPr/>
+        <p:nvPr/>
+      </p:nvGrpSpPr>
+      <p:grpSpPr>
+        <a:xfrm>
+          <a:off x="0" y="0"/>
+          <a:ext cx="0" cy="0"/>
+          <a:chOff x="0" y="0"/>
+          <a:chExt cx="0" cy="0"/>
+        </a:xfrm>
+      </p:grpSpPr>
+      <p:graphicFrame>
+        <p:nvGraphicFramePr>
+          <p:cNvPr id="3" name="Table 2">
+            <a:extLst>
+              <a:ext uri="{FF2B5EF4-FFF2-40B4-BE49-F238E27FC236}">
+                <a16:creationId xmlns:a16="http://schemas.microsoft.com/office/drawing/2014/main" id="{E1033493-B716-42E4-9C71-97C0AAE05EBD}"/>
+              </a:ext>
+            </a:extLst>
+          </p:cNvPr>
+          <p:cNvGraphicFramePr>
+            <a:graphicFrameLocks noGrp="1"/>
+          </p:cNvGraphicFramePr>
+          <p:nvPr>
+            <p:extLst>
+              <p:ext uri="{D42A27DB-BD31-4B8C-83A1-F6EECF244321}">
+                <p14:modId xmlns:p14="http://schemas.microsoft.com/office/powerpoint/2010/main" val="574252540"/>
+              </p:ext>
+            </p:extLst>
+          </p:nvPr>
+        </p:nvGraphicFramePr>
+        <p:xfrm>
+          <a:off x="848291" y="1728011"/>
+          <a:ext cx="2477368" cy="1112520"/>
+        </p:xfrm>
+        <a:graphic>
+          <a:graphicData uri="http://schemas.openxmlformats.org/drawingml/2006/table">
+            <a:tbl>
+              <a:tblPr firstRow="1" bandRow="1">
+                <a:tableStyleId>{5C22544A-7EE6-4342-B048-85BDC9FD1C3A}</a:tableStyleId>
+              </a:tblPr>
+              <a:tblGrid>
+                <a:gridCol w="761304">
+                  <a:extLst>
+                    <a:ext uri="{9D8B030D-6E8A-4147-A177-3AD203B41FA5}">
+                      <a16:colId xmlns:a16="http://schemas.microsoft.com/office/drawing/2014/main" val="820409733"/>
+                    </a:ext>
+                  </a:extLst>
+                </a:gridCol>
+                <a:gridCol w="864295">
+                  <a:extLst>
+                    <a:ext uri="{9D8B030D-6E8A-4147-A177-3AD203B41FA5}">
+                      <a16:colId xmlns:a16="http://schemas.microsoft.com/office/drawing/2014/main" val="2125983627"/>
+                    </a:ext>
+                  </a:extLst>
+                </a:gridCol>
+                <a:gridCol w="851769">
+                  <a:extLst>
+                    <a:ext uri="{9D8B030D-6E8A-4147-A177-3AD203B41FA5}">
+                      <a16:colId xmlns:a16="http://schemas.microsoft.com/office/drawing/2014/main" val="3722491602"/>
+                    </a:ext>
+                  </a:extLst>
+                </a:gridCol>
+              </a:tblGrid>
+              <a:tr h="370840">
+                <a:tc>
+                  <a:txBody>
+                    <a:bodyPr/>
+                    <a:lstStyle/>
+                    <a:p>
+                      <a:pPr algn="ctr"/>
+                      <a:r>
+                        <a:rPr lang="en-US" sz="1200" b="1" dirty="0">
+                          <a:solidFill>
+                            <a:schemeClr val="tx1"/>
+                          </a:solidFill>
+                        </a:rPr>
+                        <a:t>44 39 46</a:t>
+                      </a:r>
+                    </a:p>
+                  </a:txBody>
+                  <a:tcPr>
+                    <a:lnL w="12700" cap="flat" cmpd="sng" algn="ctr">
+                      <a:solidFill>
+                        <a:schemeClr val="tx1"/>
+                      </a:solidFill>
+                      <a:prstDash val="solid"/>
+                      <a:round/>
+                      <a:headEnd type="none" w="med" len="med"/>
+                      <a:tailEnd type="none" w="med" len="med"/>
+                    </a:lnL>
+                    <a:lnR w="12700" cap="flat" cmpd="sng" algn="ctr">
+                      <a:solidFill>
+                        <a:schemeClr val="tx1"/>
+                      </a:solidFill>
+                      <a:prstDash val="solid"/>
+                      <a:round/>
+                      <a:headEnd type="none" w="med" len="med"/>
+                      <a:tailEnd type="none" w="med" len="med"/>
+                    </a:lnR>
+                    <a:lnT w="12700" cap="flat" cmpd="sng" algn="ctr">
+                      <a:solidFill>
+                        <a:schemeClr val="tx1"/>
+                      </a:solidFill>
+                      <a:prstDash val="solid"/>
+                      <a:round/>
+                      <a:headEnd type="none" w="med" len="med"/>
+                      <a:tailEnd type="none" w="med" len="med"/>
+                    </a:lnT>
+                    <a:lnB w="12700" cap="flat" cmpd="sng" algn="ctr">
+                      <a:solidFill>
+                        <a:schemeClr val="tx1"/>
+                      </a:solidFill>
+                      <a:prstDash val="solid"/>
+                      <a:round/>
+                      <a:headEnd type="none" w="med" len="med"/>
+                      <a:tailEnd type="none" w="med" len="med"/>
+                    </a:lnB>
+                    <a:noFill/>
+                  </a:tcPr>
+                </a:tc>
+                <a:tc>
+                  <a:txBody>
+                    <a:bodyPr/>
+                    <a:lstStyle/>
+                    <a:p>
+                      <a:pPr algn="ctr"/>
+                      <a:r>
+                        <a:rPr lang="en-US" sz="1200" b="1" dirty="0">
+                          <a:solidFill>
+                            <a:schemeClr val="tx1"/>
+                          </a:solidFill>
+                        </a:rPr>
+                        <a:t>40 16 16</a:t>
+                      </a:r>
+                    </a:p>
+                  </a:txBody>
+                  <a:tcPr>
+                    <a:lnL w="12700" cap="flat" cmpd="sng" algn="ctr">
+                      <a:solidFill>
+                        <a:schemeClr val="tx1"/>
+                      </a:solidFill>
+                      <a:prstDash val="solid"/>
+                      <a:round/>
+                      <a:headEnd type="none" w="med" len="med"/>
+                      <a:tailEnd type="none" w="med" len="med"/>
+                    </a:lnL>
+                    <a:lnR w="12700" cap="flat" cmpd="sng" algn="ctr">
+                      <a:solidFill>
+                        <a:schemeClr val="tx1"/>
+                      </a:solidFill>
+                      <a:prstDash val="solid"/>
+                      <a:round/>
+                      <a:headEnd type="none" w="med" len="med"/>
+                      <a:tailEnd type="none" w="med" len="med"/>
+                    </a:lnR>
+                    <a:lnT w="12700" cap="flat" cmpd="sng" algn="ctr">
+                      <a:solidFill>
+                        <a:schemeClr val="tx1"/>
+                      </a:solidFill>
+                      <a:prstDash val="solid"/>
+                      <a:round/>
+                      <a:headEnd type="none" w="med" len="med"/>
+                      <a:tailEnd type="none" w="med" len="med"/>
+                    </a:lnT>
+                    <a:lnB w="12700" cap="flat" cmpd="sng" algn="ctr">
+                      <a:solidFill>
+                        <a:schemeClr val="tx1"/>
+                      </a:solidFill>
+                      <a:prstDash val="solid"/>
+                      <a:round/>
+                      <a:headEnd type="none" w="med" len="med"/>
+                      <a:tailEnd type="none" w="med" len="med"/>
+                    </a:lnB>
+                    <a:noFill/>
+                  </a:tcPr>
+                </a:tc>
+                <a:tc>
+                  <a:txBody>
+                    <a:bodyPr/>
+                    <a:lstStyle/>
+                    <a:p>
+                      <a:pPr algn="ctr"/>
+                      <a:r>
+                        <a:rPr lang="en-US" sz="1200" b="1" dirty="0">
+                          <a:solidFill>
+                            <a:schemeClr val="tx1"/>
+                          </a:solidFill>
+                        </a:rPr>
+                        <a:t>46 2 3</a:t>
+                      </a:r>
+                    </a:p>
+                  </a:txBody>
+                  <a:tcPr>
+                    <a:lnL w="12700" cap="flat" cmpd="sng" algn="ctr">
+                      <a:solidFill>
+                        <a:schemeClr val="tx1"/>
+                      </a:solidFill>
+                      <a:prstDash val="solid"/>
+                      <a:round/>
+                      <a:headEnd type="none" w="med" len="med"/>
+                      <a:tailEnd type="none" w="med" len="med"/>
+                    </a:lnL>
+                    <a:lnR w="12700" cap="flat" cmpd="sng" algn="ctr">
+                      <a:solidFill>
+                        <a:schemeClr val="tx1"/>
+                      </a:solidFill>
+                      <a:prstDash val="solid"/>
+                      <a:round/>
+                      <a:headEnd type="none" w="med" len="med"/>
+                      <a:tailEnd type="none" w="med" len="med"/>
+                    </a:lnR>
+                    <a:lnT w="12700" cap="flat" cmpd="sng" algn="ctr">
+                      <a:solidFill>
+                        <a:schemeClr val="tx1"/>
+                      </a:solidFill>
+                      <a:prstDash val="solid"/>
+                      <a:round/>
+                      <a:headEnd type="none" w="med" len="med"/>
+                      <a:tailEnd type="none" w="med" len="med"/>
+                    </a:lnT>
+                    <a:lnB w="12700" cap="flat" cmpd="sng" algn="ctr">
+                      <a:solidFill>
+                        <a:schemeClr val="tx1"/>
+                      </a:solidFill>
+                      <a:prstDash val="solid"/>
+                      <a:round/>
+                      <a:headEnd type="none" w="med" len="med"/>
+                      <a:tailEnd type="none" w="med" len="med"/>
+                    </a:lnB>
+                    <a:noFill/>
+                  </a:tcPr>
+                </a:tc>
+                <a:extLst>
+                  <a:ext uri="{0D108BD9-81ED-4DB2-BD59-A6C34878D82A}">
+                    <a16:rowId xmlns:a16="http://schemas.microsoft.com/office/drawing/2014/main" val="3491136488"/>
+                  </a:ext>
+                </a:extLst>
+              </a:tr>
+              <a:tr h="370840">
+                <a:tc>
+                  <a:txBody>
+                    <a:bodyPr/>
+                    <a:lstStyle/>
+                    <a:p>
+                      <a:pPr algn="ctr"/>
+                      <a:r>
+                        <a:rPr lang="en-US" sz="1200" b="1" dirty="0"/>
+                        <a:t>62 37 41</a:t>
+                      </a:r>
+                    </a:p>
+                  </a:txBody>
+                  <a:tcPr>
+                    <a:lnL w="12700" cap="flat" cmpd="sng" algn="ctr">
+                      <a:solidFill>
+                        <a:schemeClr val="tx1"/>
+                      </a:solidFill>
+                      <a:prstDash val="solid"/>
+                      <a:round/>
+                      <a:headEnd type="none" w="med" len="med"/>
+                      <a:tailEnd type="none" w="med" len="med"/>
+                    </a:lnL>
+                    <a:lnR w="12700" cap="flat" cmpd="sng" algn="ctr">
+                      <a:solidFill>
+                        <a:schemeClr val="tx1"/>
+                      </a:solidFill>
+                      <a:prstDash val="solid"/>
+                      <a:round/>
+                      <a:headEnd type="none" w="med" len="med"/>
+                      <a:tailEnd type="none" w="med" len="med"/>
+                    </a:lnR>
+                    <a:lnT w="12700" cap="flat" cmpd="sng" algn="ctr">
+                      <a:solidFill>
+                        <a:schemeClr val="tx1"/>
+                      </a:solidFill>
+                      <a:prstDash val="solid"/>
+                      <a:round/>
+                      <a:headEnd type="none" w="med" len="med"/>
+                      <a:tailEnd type="none" w="med" len="med"/>
+                    </a:lnT>
+                    <a:lnB w="12700" cap="flat" cmpd="sng" algn="ctr">
+                      <a:solidFill>
+                        <a:schemeClr val="tx1"/>
+                      </a:solidFill>
+                      <a:prstDash val="solid"/>
+                      <a:round/>
+                      <a:headEnd type="none" w="med" len="med"/>
+                      <a:tailEnd type="none" w="med" len="med"/>
+                    </a:lnB>
+                    <a:noFill/>
+                  </a:tcPr>
+                </a:tc>
+                <a:tc>
+                  <a:txBody>
+                    <a:bodyPr/>
+                    <a:lstStyle/>
+                    <a:p>
+                      <a:pPr algn="ctr"/>
+                      <a:r>
+                        <a:rPr lang="en-US" sz="1200" b="1" dirty="0">
+                          <a:solidFill>
+                            <a:schemeClr val="tx1"/>
+                          </a:solidFill>
+                        </a:rPr>
+                        <a:t>111 56 49 </a:t>
+                      </a:r>
+                    </a:p>
+                  </a:txBody>
+                  <a:tcPr>
+                    <a:lnL w="12700" cap="flat" cmpd="sng" algn="ctr">
+                      <a:solidFill>
+                        <a:schemeClr val="tx1"/>
+                      </a:solidFill>
+                      <a:prstDash val="solid"/>
+                      <a:round/>
+                      <a:headEnd type="none" w="med" len="med"/>
+                      <a:tailEnd type="none" w="med" len="med"/>
+                    </a:lnL>
+                    <a:lnR w="12700" cap="flat" cmpd="sng" algn="ctr">
+                      <a:solidFill>
+                        <a:schemeClr val="tx1"/>
+                      </a:solidFill>
+                      <a:prstDash val="solid"/>
+                      <a:round/>
+                      <a:headEnd type="none" w="med" len="med"/>
+                      <a:tailEnd type="none" w="med" len="med"/>
+                    </a:lnR>
+                    <a:lnT w="12700" cap="flat" cmpd="sng" algn="ctr">
+                      <a:solidFill>
+                        <a:schemeClr val="tx1"/>
+                      </a:solidFill>
+                      <a:prstDash val="solid"/>
+                      <a:round/>
+                      <a:headEnd type="none" w="med" len="med"/>
+                      <a:tailEnd type="none" w="med" len="med"/>
+                    </a:lnT>
+                    <a:lnB w="12700" cap="flat" cmpd="sng" algn="ctr">
+                      <a:solidFill>
+                        <a:schemeClr val="tx1"/>
+                      </a:solidFill>
+                      <a:prstDash val="solid"/>
+                      <a:round/>
+                      <a:headEnd type="none" w="med" len="med"/>
+                      <a:tailEnd type="none" w="med" len="med"/>
+                    </a:lnB>
+                    <a:solidFill>
+                      <a:srgbClr val="FF0000"/>
+                    </a:solidFill>
+                  </a:tcPr>
+                </a:tc>
+                <a:tc>
+                  <a:txBody>
+                    <a:bodyPr/>
+                    <a:lstStyle/>
+                    <a:p>
+                      <a:pPr algn="ctr"/>
+                      <a:r>
+                        <a:rPr lang="en-US" sz="1200" b="1" dirty="0">
+                          <a:solidFill>
+                            <a:schemeClr val="tx1"/>
+                          </a:solidFill>
+                        </a:rPr>
+                        <a:t>109 33 19</a:t>
+                      </a:r>
+                    </a:p>
+                  </a:txBody>
+                  <a:tcPr>
+                    <a:lnL w="12700" cap="flat" cmpd="sng" algn="ctr">
+                      <a:solidFill>
+                        <a:schemeClr val="tx1"/>
+                      </a:solidFill>
+                      <a:prstDash val="solid"/>
+                      <a:round/>
+                      <a:headEnd type="none" w="med" len="med"/>
+                      <a:tailEnd type="none" w="med" len="med"/>
+                    </a:lnL>
+                    <a:lnR w="12700" cap="flat" cmpd="sng" algn="ctr">
+                      <a:solidFill>
+                        <a:schemeClr val="tx1"/>
+                      </a:solidFill>
+                      <a:prstDash val="solid"/>
+                      <a:round/>
+                      <a:headEnd type="none" w="med" len="med"/>
+                      <a:tailEnd type="none" w="med" len="med"/>
+                    </a:lnR>
+                    <a:lnT w="12700" cap="flat" cmpd="sng" algn="ctr">
+                      <a:solidFill>
+                        <a:schemeClr val="tx1"/>
+                      </a:solidFill>
+                      <a:prstDash val="solid"/>
+                      <a:round/>
+                      <a:headEnd type="none" w="med" len="med"/>
+                      <a:tailEnd type="none" w="med" len="med"/>
+                    </a:lnT>
+                    <a:lnB w="12700" cap="flat" cmpd="sng" algn="ctr">
+                      <a:solidFill>
+                        <a:schemeClr val="tx1"/>
+                      </a:solidFill>
+                      <a:prstDash val="solid"/>
+                      <a:round/>
+                      <a:headEnd type="none" w="med" len="med"/>
+                      <a:tailEnd type="none" w="med" len="med"/>
+                    </a:lnB>
+                    <a:noFill/>
+                  </a:tcPr>
+                </a:tc>
+                <a:extLst>
+                  <a:ext uri="{0D108BD9-81ED-4DB2-BD59-A6C34878D82A}">
+                    <a16:rowId xmlns:a16="http://schemas.microsoft.com/office/drawing/2014/main" val="3455477585"/>
+                  </a:ext>
+                </a:extLst>
+              </a:tr>
+              <a:tr h="370840">
+                <a:tc>
+                  <a:txBody>
+                    <a:bodyPr/>
+                    <a:lstStyle/>
+                    <a:p>
+                      <a:pPr algn="ctr"/>
+                      <a:r>
+                        <a:rPr lang="en-US" sz="1200" b="1" dirty="0"/>
+                        <a:t>82 32 21</a:t>
+                      </a:r>
+                    </a:p>
+                  </a:txBody>
+                  <a:tcPr>
+                    <a:lnL w="12700" cap="flat" cmpd="sng" algn="ctr">
+                      <a:solidFill>
+                        <a:schemeClr val="tx1"/>
+                      </a:solidFill>
+                      <a:prstDash val="solid"/>
+                      <a:round/>
+                      <a:headEnd type="none" w="med" len="med"/>
+                      <a:tailEnd type="none" w="med" len="med"/>
+                    </a:lnL>
+                    <a:lnR w="12700" cap="flat" cmpd="sng" algn="ctr">
+                      <a:solidFill>
+                        <a:schemeClr val="tx1"/>
+                      </a:solidFill>
+                      <a:prstDash val="solid"/>
+                      <a:round/>
+                      <a:headEnd type="none" w="med" len="med"/>
+                      <a:tailEnd type="none" w="med" len="med"/>
+                    </a:lnR>
+                    <a:lnT w="12700" cap="flat" cmpd="sng" algn="ctr">
+                      <a:solidFill>
+                        <a:schemeClr val="tx1"/>
+                      </a:solidFill>
+                      <a:prstDash val="solid"/>
+                      <a:round/>
+                      <a:headEnd type="none" w="med" len="med"/>
+                      <a:tailEnd type="none" w="med" len="med"/>
+                    </a:lnT>
+                    <a:lnB w="12700" cap="flat" cmpd="sng" algn="ctr">
+                      <a:solidFill>
+                        <a:schemeClr val="tx1"/>
+                      </a:solidFill>
+                      <a:prstDash val="solid"/>
+                      <a:round/>
+                      <a:headEnd type="none" w="med" len="med"/>
+                      <a:tailEnd type="none" w="med" len="med"/>
+                    </a:lnB>
+                    <a:noFill/>
+                  </a:tcPr>
+                </a:tc>
+                <a:tc>
+                  <a:txBody>
+                    <a:bodyPr/>
+                    <a:lstStyle/>
+                    <a:p>
+                      <a:pPr algn="ctr"/>
+                      <a:r>
+                        <a:rPr lang="en-US" sz="1200" b="1" dirty="0">
+                          <a:solidFill>
+                            <a:schemeClr val="tx1"/>
+                          </a:solidFill>
+                        </a:rPr>
+                        <a:t>119 46 31</a:t>
+                      </a:r>
+                    </a:p>
+                  </a:txBody>
+                  <a:tcPr>
+                    <a:lnL w="12700" cap="flat" cmpd="sng" algn="ctr">
+                      <a:solidFill>
+                        <a:schemeClr val="tx1"/>
+                      </a:solidFill>
+                      <a:prstDash val="solid"/>
+                      <a:round/>
+                      <a:headEnd type="none" w="med" len="med"/>
+                      <a:tailEnd type="none" w="med" len="med"/>
+                    </a:lnL>
+                    <a:lnR w="12700" cap="flat" cmpd="sng" algn="ctr">
+                      <a:solidFill>
+                        <a:schemeClr val="tx1"/>
+                      </a:solidFill>
+                      <a:prstDash val="solid"/>
+                      <a:round/>
+                      <a:headEnd type="none" w="med" len="med"/>
+                      <a:tailEnd type="none" w="med" len="med"/>
+                    </a:lnR>
+                    <a:lnT w="12700" cap="flat" cmpd="sng" algn="ctr">
+                      <a:solidFill>
+                        <a:schemeClr val="tx1"/>
+                      </a:solidFill>
+                      <a:prstDash val="solid"/>
+                      <a:round/>
+                      <a:headEnd type="none" w="med" len="med"/>
+                      <a:tailEnd type="none" w="med" len="med"/>
+                    </a:lnT>
+                    <a:lnB w="12700" cap="flat" cmpd="sng" algn="ctr">
+                      <a:solidFill>
+                        <a:schemeClr val="tx1"/>
+                      </a:solidFill>
+                      <a:prstDash val="solid"/>
+                      <a:round/>
+                      <a:headEnd type="none" w="med" len="med"/>
+                      <a:tailEnd type="none" w="med" len="med"/>
+                    </a:lnB>
+                    <a:noFill/>
+                  </a:tcPr>
+                </a:tc>
+                <a:tc>
+                  <a:txBody>
+                    <a:bodyPr/>
+                    <a:lstStyle/>
+                    <a:p>
+                      <a:pPr algn="ctr"/>
+                      <a:r>
+                        <a:rPr lang="en-US" sz="1200" b="1" dirty="0">
+                          <a:solidFill>
+                            <a:schemeClr val="tx1"/>
+                          </a:solidFill>
+                        </a:rPr>
+                        <a:t>106 21 1</a:t>
+                      </a:r>
+                    </a:p>
+                  </a:txBody>
+                  <a:tcPr>
+                    <a:lnL w="12700" cap="flat" cmpd="sng" algn="ctr">
+                      <a:solidFill>
+                        <a:schemeClr val="tx1"/>
+                      </a:solidFill>
+                      <a:prstDash val="solid"/>
+                      <a:round/>
+                      <a:headEnd type="none" w="med" len="med"/>
+                      <a:tailEnd type="none" w="med" len="med"/>
+                    </a:lnL>
+                    <a:lnR w="12700" cap="flat" cmpd="sng" algn="ctr">
+                      <a:solidFill>
+                        <a:schemeClr val="tx1"/>
+                      </a:solidFill>
+                      <a:prstDash val="solid"/>
+                      <a:round/>
+                      <a:headEnd type="none" w="med" len="med"/>
+                      <a:tailEnd type="none" w="med" len="med"/>
+                    </a:lnR>
+                    <a:lnT w="12700" cap="flat" cmpd="sng" algn="ctr">
+                      <a:solidFill>
+                        <a:schemeClr val="tx1"/>
+                      </a:solidFill>
+                      <a:prstDash val="solid"/>
+                      <a:round/>
+                      <a:headEnd type="none" w="med" len="med"/>
+                      <a:tailEnd type="none" w="med" len="med"/>
+                    </a:lnT>
+                    <a:lnB w="12700" cap="flat" cmpd="sng" algn="ctr">
+                      <a:solidFill>
+                        <a:schemeClr val="tx1"/>
+                      </a:solidFill>
+                      <a:prstDash val="solid"/>
+                      <a:round/>
+                      <a:headEnd type="none" w="med" len="med"/>
+                      <a:tailEnd type="none" w="med" len="med"/>
+                    </a:lnB>
+                    <a:noFill/>
+                  </a:tcPr>
+                </a:tc>
+                <a:extLst>
+                  <a:ext uri="{0D108BD9-81ED-4DB2-BD59-A6C34878D82A}">
+                    <a16:rowId xmlns:a16="http://schemas.microsoft.com/office/drawing/2014/main" val="194329595"/>
+                  </a:ext>
+                </a:extLst>
+              </a:tr>
+            </a:tbl>
+          </a:graphicData>
+        </a:graphic>
+      </p:graphicFrame>
+      <p:graphicFrame>
+        <p:nvGraphicFramePr>
+          <p:cNvPr id="16" name="Table 15">
+            <a:extLst>
+              <a:ext uri="{FF2B5EF4-FFF2-40B4-BE49-F238E27FC236}">
+                <a16:creationId xmlns:a16="http://schemas.microsoft.com/office/drawing/2014/main" id="{10BFFEAE-9272-4B78-8696-8E4F4EE3E2A0}"/>
+              </a:ext>
+            </a:extLst>
+          </p:cNvPr>
+          <p:cNvGraphicFramePr>
+            <a:graphicFrameLocks noGrp="1"/>
+          </p:cNvGraphicFramePr>
+          <p:nvPr>
+            <p:extLst>
+              <p:ext uri="{D42A27DB-BD31-4B8C-83A1-F6EECF244321}">
+                <p14:modId xmlns:p14="http://schemas.microsoft.com/office/powerpoint/2010/main" val="1071093171"/>
+              </p:ext>
+            </p:extLst>
+          </p:nvPr>
+        </p:nvGraphicFramePr>
+        <p:xfrm>
+          <a:off x="5265803" y="1728011"/>
+          <a:ext cx="2477368" cy="1112520"/>
+        </p:xfrm>
+        <a:graphic>
+          <a:graphicData uri="http://schemas.openxmlformats.org/drawingml/2006/table">
+            <a:tbl>
+              <a:tblPr firstRow="1" bandRow="1">
+                <a:tableStyleId>{5C22544A-7EE6-4342-B048-85BDC9FD1C3A}</a:tableStyleId>
+              </a:tblPr>
+              <a:tblGrid>
+                <a:gridCol w="761304">
+                  <a:extLst>
+                    <a:ext uri="{9D8B030D-6E8A-4147-A177-3AD203B41FA5}">
+                      <a16:colId xmlns:a16="http://schemas.microsoft.com/office/drawing/2014/main" val="820409733"/>
+                    </a:ext>
+                  </a:extLst>
+                </a:gridCol>
+                <a:gridCol w="864295">
+                  <a:extLst>
+                    <a:ext uri="{9D8B030D-6E8A-4147-A177-3AD203B41FA5}">
+                      <a16:colId xmlns:a16="http://schemas.microsoft.com/office/drawing/2014/main" val="2125983627"/>
+                    </a:ext>
+                  </a:extLst>
+                </a:gridCol>
+                <a:gridCol w="851769">
+                  <a:extLst>
+                    <a:ext uri="{9D8B030D-6E8A-4147-A177-3AD203B41FA5}">
+                      <a16:colId xmlns:a16="http://schemas.microsoft.com/office/drawing/2014/main" val="3722491602"/>
+                    </a:ext>
+                  </a:extLst>
+                </a:gridCol>
+              </a:tblGrid>
+              <a:tr h="370840">
+                <a:tc>
+                  <a:txBody>
+                    <a:bodyPr/>
+                    <a:lstStyle/>
+                    <a:p>
+                      <a:pPr algn="ctr"/>
+                      <a:endParaRPr lang="en-US" sz="1200" b="1" dirty="0">
+                        <a:solidFill>
+                          <a:schemeClr val="tx1"/>
+                        </a:solidFill>
+                      </a:endParaRPr>
+                    </a:p>
+                  </a:txBody>
+                  <a:tcPr>
+                    <a:lnL w="12700" cap="flat" cmpd="sng" algn="ctr">
+                      <a:solidFill>
+                        <a:schemeClr val="tx1"/>
+                      </a:solidFill>
+                      <a:prstDash val="solid"/>
+                      <a:round/>
+                      <a:headEnd type="none" w="med" len="med"/>
+                      <a:tailEnd type="none" w="med" len="med"/>
+                    </a:lnL>
+                    <a:lnR w="12700" cap="flat" cmpd="sng" algn="ctr">
+                      <a:solidFill>
+                        <a:schemeClr val="tx1"/>
+                      </a:solidFill>
+                      <a:prstDash val="solid"/>
+                      <a:round/>
+                      <a:headEnd type="none" w="med" len="med"/>
+                      <a:tailEnd type="none" w="med" len="med"/>
+                    </a:lnR>
+                    <a:lnT w="12700" cap="flat" cmpd="sng" algn="ctr">
+                      <a:solidFill>
+                        <a:schemeClr val="tx1"/>
+                      </a:solidFill>
+                      <a:prstDash val="solid"/>
+                      <a:round/>
+                      <a:headEnd type="none" w="med" len="med"/>
+                      <a:tailEnd type="none" w="med" len="med"/>
+                    </a:lnT>
+                    <a:lnB w="12700" cap="flat" cmpd="sng" algn="ctr">
+                      <a:solidFill>
+                        <a:schemeClr val="tx1"/>
+                      </a:solidFill>
+                      <a:prstDash val="solid"/>
+                      <a:round/>
+                      <a:headEnd type="none" w="med" len="med"/>
+                      <a:tailEnd type="none" w="med" len="med"/>
+                    </a:lnB>
+                    <a:noFill/>
+                  </a:tcPr>
+                </a:tc>
+                <a:tc>
+                  <a:txBody>
+                    <a:bodyPr/>
+                    <a:lstStyle/>
+                    <a:p>
+                      <a:pPr algn="ctr"/>
+                      <a:endParaRPr lang="en-US" sz="1200" b="1" dirty="0">
+                        <a:solidFill>
+                          <a:schemeClr val="tx1"/>
+                        </a:solidFill>
+                      </a:endParaRPr>
+                    </a:p>
+                  </a:txBody>
+                  <a:tcPr>
+                    <a:lnL w="12700" cap="flat" cmpd="sng" algn="ctr">
+                      <a:solidFill>
+                        <a:schemeClr val="tx1"/>
+                      </a:solidFill>
+                      <a:prstDash val="solid"/>
+                      <a:round/>
+                      <a:headEnd type="none" w="med" len="med"/>
+                      <a:tailEnd type="none" w="med" len="med"/>
+                    </a:lnL>
+                    <a:lnR w="12700" cap="flat" cmpd="sng" algn="ctr">
+                      <a:solidFill>
+                        <a:schemeClr val="tx1"/>
+                      </a:solidFill>
+                      <a:prstDash val="solid"/>
+                      <a:round/>
+                      <a:headEnd type="none" w="med" len="med"/>
+                      <a:tailEnd type="none" w="med" len="med"/>
+                    </a:lnR>
+                    <a:lnT w="12700" cap="flat" cmpd="sng" algn="ctr">
+                      <a:solidFill>
+                        <a:schemeClr val="tx1"/>
+                      </a:solidFill>
+                      <a:prstDash val="solid"/>
+                      <a:round/>
+                      <a:headEnd type="none" w="med" len="med"/>
+                      <a:tailEnd type="none" w="med" len="med"/>
+                    </a:lnT>
+                    <a:lnB w="12700" cap="flat" cmpd="sng" algn="ctr">
+                      <a:solidFill>
+                        <a:schemeClr val="tx1"/>
+                      </a:solidFill>
+                      <a:prstDash val="solid"/>
+                      <a:round/>
+                      <a:headEnd type="none" w="med" len="med"/>
+                      <a:tailEnd type="none" w="med" len="med"/>
+                    </a:lnB>
+                    <a:noFill/>
+                  </a:tcPr>
+                </a:tc>
+                <a:tc>
+                  <a:txBody>
+                    <a:bodyPr/>
+                    <a:lstStyle/>
+                    <a:p>
+                      <a:pPr algn="ctr"/>
+                      <a:endParaRPr lang="en-US" sz="1200" b="1" dirty="0">
+                        <a:solidFill>
+                          <a:schemeClr val="tx1"/>
+                        </a:solidFill>
+                      </a:endParaRPr>
+                    </a:p>
+                  </a:txBody>
+                  <a:tcPr>
+                    <a:lnL w="12700" cap="flat" cmpd="sng" algn="ctr">
+                      <a:solidFill>
+                        <a:schemeClr val="tx1"/>
+                      </a:solidFill>
+                      <a:prstDash val="solid"/>
+                      <a:round/>
+                      <a:headEnd type="none" w="med" len="med"/>
+                      <a:tailEnd type="none" w="med" len="med"/>
+                    </a:lnL>
+                    <a:lnR w="12700" cap="flat" cmpd="sng" algn="ctr">
+                      <a:solidFill>
+                        <a:schemeClr val="tx1"/>
+                      </a:solidFill>
+                      <a:prstDash val="solid"/>
+                      <a:round/>
+                      <a:headEnd type="none" w="med" len="med"/>
+                      <a:tailEnd type="none" w="med" len="med"/>
+                    </a:lnR>
+                    <a:lnT w="12700" cap="flat" cmpd="sng" algn="ctr">
+                      <a:solidFill>
+                        <a:schemeClr val="tx1"/>
+                      </a:solidFill>
+                      <a:prstDash val="solid"/>
+                      <a:round/>
+                      <a:headEnd type="none" w="med" len="med"/>
+                      <a:tailEnd type="none" w="med" len="med"/>
+                    </a:lnT>
+                    <a:lnB w="12700" cap="flat" cmpd="sng" algn="ctr">
+                      <a:solidFill>
+                        <a:schemeClr val="tx1"/>
+                      </a:solidFill>
+                      <a:prstDash val="solid"/>
+                      <a:round/>
+                      <a:headEnd type="none" w="med" len="med"/>
+                      <a:tailEnd type="none" w="med" len="med"/>
+                    </a:lnB>
+                    <a:noFill/>
+                  </a:tcPr>
+                </a:tc>
+                <a:extLst>
+                  <a:ext uri="{0D108BD9-81ED-4DB2-BD59-A6C34878D82A}">
+                    <a16:rowId xmlns:a16="http://schemas.microsoft.com/office/drawing/2014/main" val="3491136488"/>
+                  </a:ext>
+                </a:extLst>
+              </a:tr>
+              <a:tr h="370840">
+                <a:tc>
+                  <a:txBody>
+                    <a:bodyPr/>
+                    <a:lstStyle/>
+                    <a:p>
+                      <a:pPr algn="ctr"/>
+                      <a:endParaRPr lang="en-US" sz="1200" b="1" dirty="0"/>
+                    </a:p>
+                  </a:txBody>
+                  <a:tcPr>
+                    <a:lnL w="12700" cap="flat" cmpd="sng" algn="ctr">
+                      <a:solidFill>
+                        <a:schemeClr val="tx1"/>
+                      </a:solidFill>
+                      <a:prstDash val="solid"/>
+                      <a:round/>
+                      <a:headEnd type="none" w="med" len="med"/>
+                      <a:tailEnd type="none" w="med" len="med"/>
+                    </a:lnL>
+                    <a:lnR w="12700" cap="flat" cmpd="sng" algn="ctr">
+                      <a:solidFill>
+                        <a:schemeClr val="tx1"/>
+                      </a:solidFill>
+                      <a:prstDash val="solid"/>
+                      <a:round/>
+                      <a:headEnd type="none" w="med" len="med"/>
+                      <a:tailEnd type="none" w="med" len="med"/>
+                    </a:lnR>
+                    <a:lnT w="12700" cap="flat" cmpd="sng" algn="ctr">
+                      <a:solidFill>
+                        <a:schemeClr val="tx1"/>
+                      </a:solidFill>
+                      <a:prstDash val="solid"/>
+                      <a:round/>
+                      <a:headEnd type="none" w="med" len="med"/>
+                      <a:tailEnd type="none" w="med" len="med"/>
+                    </a:lnT>
+                    <a:lnB w="12700" cap="flat" cmpd="sng" algn="ctr">
+                      <a:solidFill>
+                        <a:schemeClr val="tx1"/>
+                      </a:solidFill>
+                      <a:prstDash val="solid"/>
+                      <a:round/>
+                      <a:headEnd type="none" w="med" len="med"/>
+                      <a:tailEnd type="none" w="med" len="med"/>
+                    </a:lnB>
+                    <a:noFill/>
+                  </a:tcPr>
+                </a:tc>
+                <a:tc>
+                  <a:txBody>
+                    <a:bodyPr/>
+                    <a:lstStyle/>
+                    <a:p>
+                      <a:pPr algn="ctr"/>
+                      <a:r>
+                        <a:rPr lang="en-US" sz="1200" b="1" dirty="0">
+                          <a:solidFill>
+                            <a:schemeClr val="tx1"/>
+                          </a:solidFill>
+                        </a:rPr>
+                        <a:t>80 32 25</a:t>
+                      </a:r>
+                    </a:p>
+                  </a:txBody>
+                  <a:tcPr>
+                    <a:lnL w="12700" cap="flat" cmpd="sng" algn="ctr">
+                      <a:solidFill>
+                        <a:schemeClr val="tx1"/>
+                      </a:solidFill>
+                      <a:prstDash val="solid"/>
+                      <a:round/>
+                      <a:headEnd type="none" w="med" len="med"/>
+                      <a:tailEnd type="none" w="med" len="med"/>
+                    </a:lnL>
+                    <a:lnR w="12700" cap="flat" cmpd="sng" algn="ctr">
+                      <a:solidFill>
+                        <a:schemeClr val="tx1"/>
+                      </a:solidFill>
+                      <a:prstDash val="solid"/>
+                      <a:round/>
+                      <a:headEnd type="none" w="med" len="med"/>
+                      <a:tailEnd type="none" w="med" len="med"/>
+                    </a:lnR>
+                    <a:lnT w="12700" cap="flat" cmpd="sng" algn="ctr">
+                      <a:solidFill>
+                        <a:schemeClr val="tx1"/>
+                      </a:solidFill>
+                      <a:prstDash val="solid"/>
+                      <a:round/>
+                      <a:headEnd type="none" w="med" len="med"/>
+                      <a:tailEnd type="none" w="med" len="med"/>
+                    </a:lnT>
+                    <a:lnB w="12700" cap="flat" cmpd="sng" algn="ctr">
+                      <a:solidFill>
+                        <a:schemeClr val="tx1"/>
+                      </a:solidFill>
+                      <a:prstDash val="solid"/>
+                      <a:round/>
+                      <a:headEnd type="none" w="med" len="med"/>
+                      <a:tailEnd type="none" w="med" len="med"/>
+                    </a:lnB>
+                    <a:solidFill>
+                      <a:srgbClr val="FF0000"/>
+                    </a:solidFill>
+                  </a:tcPr>
+                </a:tc>
+                <a:tc>
+                  <a:txBody>
+                    <a:bodyPr/>
+                    <a:lstStyle/>
+                    <a:p>
+                      <a:pPr algn="ctr"/>
+                      <a:endParaRPr lang="en-US" sz="1200" b="1" dirty="0">
+                        <a:solidFill>
+                          <a:schemeClr val="tx1"/>
+                        </a:solidFill>
+                      </a:endParaRPr>
+                    </a:p>
+                  </a:txBody>
+                  <a:tcPr>
+                    <a:lnL w="12700" cap="flat" cmpd="sng" algn="ctr">
+                      <a:solidFill>
+                        <a:schemeClr val="tx1"/>
+                      </a:solidFill>
+                      <a:prstDash val="solid"/>
+                      <a:round/>
+                      <a:headEnd type="none" w="med" len="med"/>
+                      <a:tailEnd type="none" w="med" len="med"/>
+                    </a:lnL>
+                    <a:lnR w="12700" cap="flat" cmpd="sng" algn="ctr">
+                      <a:solidFill>
+                        <a:schemeClr val="tx1"/>
+                      </a:solidFill>
+                      <a:prstDash val="solid"/>
+                      <a:round/>
+                      <a:headEnd type="none" w="med" len="med"/>
+                      <a:tailEnd type="none" w="med" len="med"/>
+                    </a:lnR>
+                    <a:lnT w="12700" cap="flat" cmpd="sng" algn="ctr">
+                      <a:solidFill>
+                        <a:schemeClr val="tx1"/>
+                      </a:solidFill>
+                      <a:prstDash val="solid"/>
+                      <a:round/>
+                      <a:headEnd type="none" w="med" len="med"/>
+                      <a:tailEnd type="none" w="med" len="med"/>
+                    </a:lnT>
+                    <a:lnB w="12700" cap="flat" cmpd="sng" algn="ctr">
+                      <a:solidFill>
+                        <a:schemeClr val="tx1"/>
+                      </a:solidFill>
+                      <a:prstDash val="solid"/>
+                      <a:round/>
+                      <a:headEnd type="none" w="med" len="med"/>
+                      <a:tailEnd type="none" w="med" len="med"/>
+                    </a:lnB>
+                    <a:noFill/>
+                  </a:tcPr>
+                </a:tc>
+                <a:extLst>
+                  <a:ext uri="{0D108BD9-81ED-4DB2-BD59-A6C34878D82A}">
+                    <a16:rowId xmlns:a16="http://schemas.microsoft.com/office/drawing/2014/main" val="3455477585"/>
+                  </a:ext>
+                </a:extLst>
+              </a:tr>
+              <a:tr h="370840">
+                <a:tc>
+                  <a:txBody>
+                    <a:bodyPr/>
+                    <a:lstStyle/>
+                    <a:p>
+                      <a:pPr algn="ctr"/>
+                      <a:endParaRPr lang="en-US" sz="1200" b="1" dirty="0"/>
+                    </a:p>
+                  </a:txBody>
+                  <a:tcPr>
+                    <a:lnL w="12700" cap="flat" cmpd="sng" algn="ctr">
+                      <a:solidFill>
+                        <a:schemeClr val="tx1"/>
+                      </a:solidFill>
+                      <a:prstDash val="solid"/>
+                      <a:round/>
+                      <a:headEnd type="none" w="med" len="med"/>
+                      <a:tailEnd type="none" w="med" len="med"/>
+                    </a:lnL>
+                    <a:lnR w="12700" cap="flat" cmpd="sng" algn="ctr">
+                      <a:solidFill>
+                        <a:schemeClr val="tx1"/>
+                      </a:solidFill>
+                      <a:prstDash val="solid"/>
+                      <a:round/>
+                      <a:headEnd type="none" w="med" len="med"/>
+                      <a:tailEnd type="none" w="med" len="med"/>
+                    </a:lnR>
+                    <a:lnT w="12700" cap="flat" cmpd="sng" algn="ctr">
+                      <a:solidFill>
+                        <a:schemeClr val="tx1"/>
+                      </a:solidFill>
+                      <a:prstDash val="solid"/>
+                      <a:round/>
+                      <a:headEnd type="none" w="med" len="med"/>
+                      <a:tailEnd type="none" w="med" len="med"/>
+                    </a:lnT>
+                    <a:lnB w="12700" cap="flat" cmpd="sng" algn="ctr">
+                      <a:solidFill>
+                        <a:schemeClr val="tx1"/>
+                      </a:solidFill>
+                      <a:prstDash val="solid"/>
+                      <a:round/>
+                      <a:headEnd type="none" w="med" len="med"/>
+                      <a:tailEnd type="none" w="med" len="med"/>
+                    </a:lnB>
+                    <a:noFill/>
+                  </a:tcPr>
+                </a:tc>
+                <a:tc>
+                  <a:txBody>
+                    <a:bodyPr/>
+                    <a:lstStyle/>
+                    <a:p>
+                      <a:pPr algn="ctr"/>
+                      <a:endParaRPr lang="en-US" sz="1200" b="1" dirty="0">
+                        <a:solidFill>
+                          <a:schemeClr val="tx1"/>
+                        </a:solidFill>
+                      </a:endParaRPr>
+                    </a:p>
+                  </a:txBody>
+                  <a:tcPr>
+                    <a:lnL w="12700" cap="flat" cmpd="sng" algn="ctr">
+                      <a:solidFill>
+                        <a:schemeClr val="tx1"/>
+                      </a:solidFill>
+                      <a:prstDash val="solid"/>
+                      <a:round/>
+                      <a:headEnd type="none" w="med" len="med"/>
+                      <a:tailEnd type="none" w="med" len="med"/>
+                    </a:lnL>
+                    <a:lnR w="12700" cap="flat" cmpd="sng" algn="ctr">
+                      <a:solidFill>
+                        <a:schemeClr val="tx1"/>
+                      </a:solidFill>
+                      <a:prstDash val="solid"/>
+                      <a:round/>
+                      <a:headEnd type="none" w="med" len="med"/>
+                      <a:tailEnd type="none" w="med" len="med"/>
+                    </a:lnR>
+                    <a:lnT w="12700" cap="flat" cmpd="sng" algn="ctr">
+                      <a:solidFill>
+                        <a:schemeClr val="tx1"/>
+                      </a:solidFill>
+                      <a:prstDash val="solid"/>
+                      <a:round/>
+                      <a:headEnd type="none" w="med" len="med"/>
+                      <a:tailEnd type="none" w="med" len="med"/>
+                    </a:lnT>
+                    <a:lnB w="12700" cap="flat" cmpd="sng" algn="ctr">
+                      <a:solidFill>
+                        <a:schemeClr val="tx1"/>
+                      </a:solidFill>
+                      <a:prstDash val="solid"/>
+                      <a:round/>
+                      <a:headEnd type="none" w="med" len="med"/>
+                      <a:tailEnd type="none" w="med" len="med"/>
+                    </a:lnB>
+                    <a:noFill/>
+                  </a:tcPr>
+                </a:tc>
+                <a:tc>
+                  <a:txBody>
+                    <a:bodyPr/>
+                    <a:lstStyle/>
+                    <a:p>
+                      <a:pPr algn="ctr"/>
+                      <a:endParaRPr lang="en-US" sz="1200" b="1" dirty="0">
+                        <a:solidFill>
+                          <a:schemeClr val="tx1"/>
+                        </a:solidFill>
+                      </a:endParaRPr>
+                    </a:p>
+                  </a:txBody>
+                  <a:tcPr>
+                    <a:lnL w="12700" cap="flat" cmpd="sng" algn="ctr">
+                      <a:solidFill>
+                        <a:schemeClr val="tx1"/>
+                      </a:solidFill>
+                      <a:prstDash val="solid"/>
+                      <a:round/>
+                      <a:headEnd type="none" w="med" len="med"/>
+                      <a:tailEnd type="none" w="med" len="med"/>
+                    </a:lnL>
+                    <a:lnR w="12700" cap="flat" cmpd="sng" algn="ctr">
+                      <a:solidFill>
+                        <a:schemeClr val="tx1"/>
+                      </a:solidFill>
+                      <a:prstDash val="solid"/>
+                      <a:round/>
+                      <a:headEnd type="none" w="med" len="med"/>
+                      <a:tailEnd type="none" w="med" len="med"/>
+                    </a:lnR>
+                    <a:lnT w="12700" cap="flat" cmpd="sng" algn="ctr">
+                      <a:solidFill>
+                        <a:schemeClr val="tx1"/>
+                      </a:solidFill>
+                      <a:prstDash val="solid"/>
+                      <a:round/>
+                      <a:headEnd type="none" w="med" len="med"/>
+                      <a:tailEnd type="none" w="med" len="med"/>
+                    </a:lnT>
+                    <a:lnB w="12700" cap="flat" cmpd="sng" algn="ctr">
+                      <a:solidFill>
+                        <a:schemeClr val="tx1"/>
+                      </a:solidFill>
+                      <a:prstDash val="solid"/>
+                      <a:round/>
+                      <a:headEnd type="none" w="med" len="med"/>
+                      <a:tailEnd type="none" w="med" len="med"/>
+                    </a:lnB>
+                    <a:noFill/>
+                  </a:tcPr>
+                </a:tc>
+                <a:extLst>
+                  <a:ext uri="{0D108BD9-81ED-4DB2-BD59-A6C34878D82A}">
+                    <a16:rowId xmlns:a16="http://schemas.microsoft.com/office/drawing/2014/main" val="194329595"/>
+                  </a:ext>
+                </a:extLst>
+              </a:tr>
+            </a:tbl>
+          </a:graphicData>
+        </a:graphic>
+      </p:graphicFrame>
+      <p:sp>
+        <p:nvSpPr>
+          <p:cNvPr id="5" name="TextBox 4">
+            <a:extLst>
+              <a:ext uri="{FF2B5EF4-FFF2-40B4-BE49-F238E27FC236}">
+                <a16:creationId xmlns:a16="http://schemas.microsoft.com/office/drawing/2014/main" id="{E67065D7-9834-4F45-8174-CB40B6BFB20D}"/>
+              </a:ext>
+            </a:extLst>
+          </p:cNvPr>
+          <p:cNvSpPr txBox="1"/>
+          <p:nvPr/>
+        </p:nvSpPr>
+        <p:spPr>
+          <a:xfrm>
+            <a:off x="1697277" y="3062614"/>
+            <a:ext cx="4657044" cy="738664"/>
+          </a:xfrm>
+          <a:prstGeom prst="rect">
+            <a:avLst/>
+          </a:prstGeom>
+          <a:noFill/>
+        </p:spPr>
+        <p:txBody>
+          <a:bodyPr wrap="none" rtlCol="0">
+            <a:spAutoFit/>
+          </a:bodyPr>
+          <a:lstStyle/>
+          <a:p>
+            <a:r>
+              <a:rPr lang="en-US" sz="1400" dirty="0">
+                <a:latin typeface="Consolas" panose="020B0609020204030204" pitchFamily="49" charset="0"/>
+              </a:rPr>
+              <a:t>Red = (44+40+46+62+111+109+82+119+106)/9 = </a:t>
+            </a:r>
+            <a:r>
+              <a:rPr lang="en-US" sz="1400" u="sng" dirty="0">
+                <a:latin typeface="Consolas" panose="020B0609020204030204" pitchFamily="49" charset="0"/>
+              </a:rPr>
+              <a:t>80</a:t>
+            </a:r>
+          </a:p>
+          <a:p>
+            <a:r>
+              <a:rPr lang="en-US" sz="1400" dirty="0">
+                <a:latin typeface="Consolas" panose="020B0609020204030204" pitchFamily="49" charset="0"/>
+              </a:rPr>
+              <a:t>Green = (39+16+2+37+56+33+32+46+31)/9 = </a:t>
+            </a:r>
+            <a:r>
+              <a:rPr lang="en-US" sz="1400" u="sng" dirty="0">
+                <a:latin typeface="Consolas" panose="020B0609020204030204" pitchFamily="49" charset="0"/>
+              </a:rPr>
+              <a:t>32</a:t>
+            </a:r>
+          </a:p>
+          <a:p>
+            <a:r>
+              <a:rPr lang="en-US" sz="1400" dirty="0">
+                <a:latin typeface="Consolas" panose="020B0609020204030204" pitchFamily="49" charset="0"/>
+              </a:rPr>
+              <a:t>Blue = (46+16+3+41+49+19+21+31+1)/9 = </a:t>
+            </a:r>
+            <a:r>
+              <a:rPr lang="en-US" sz="1400" u="sng" dirty="0">
+                <a:latin typeface="Consolas" panose="020B0609020204030204" pitchFamily="49" charset="0"/>
+              </a:rPr>
+              <a:t>25</a:t>
+            </a:r>
+            <a:endParaRPr lang="en-US" u="sng" dirty="0">
+              <a:latin typeface="Consolas" panose="020B0609020204030204" pitchFamily="49" charset="0"/>
+            </a:endParaRPr>
+          </a:p>
+        </p:txBody>
+      </p:sp>
+      <p:sp>
+        <p:nvSpPr>
+          <p:cNvPr id="6" name="Freeform: Shape 5">
+            <a:extLst>
+              <a:ext uri="{FF2B5EF4-FFF2-40B4-BE49-F238E27FC236}">
+                <a16:creationId xmlns:a16="http://schemas.microsoft.com/office/drawing/2014/main" id="{8B4DFC81-BF6F-4EF5-9FF2-15B5B439AC72}"/>
+              </a:ext>
+            </a:extLst>
+          </p:cNvPr>
+          <p:cNvSpPr/>
+          <p:nvPr/>
+        </p:nvSpPr>
+        <p:spPr>
+          <a:xfrm>
+            <a:off x="1997901" y="1421703"/>
+            <a:ext cx="4415425" cy="720247"/>
+          </a:xfrm>
+          <a:custGeom>
+            <a:avLst/>
+            <a:gdLst>
+              <a:gd name="connsiteX0" fmla="*/ 0 w 4415425"/>
+              <a:gd name="connsiteY0" fmla="*/ 1396652 h 1396652"/>
+              <a:gd name="connsiteX1" fmla="*/ 2317315 w 4415425"/>
+              <a:gd name="connsiteY1" fmla="*/ 0 h 1396652"/>
+              <a:gd name="connsiteX2" fmla="*/ 4415425 w 4415425"/>
+              <a:gd name="connsiteY2" fmla="*/ 1390389 h 1396652"/>
+              <a:gd name="connsiteX3" fmla="*/ 4415425 w 4415425"/>
+              <a:gd name="connsiteY3" fmla="*/ 1390389 h 1396652"/>
+            </a:gdLst>
+            <a:ahLst/>
+            <a:cxnLst>
+              <a:cxn ang="0">
+                <a:pos x="connsiteX0" y="connsiteY0"/>
+              </a:cxn>
+              <a:cxn ang="0">
+                <a:pos x="connsiteX1" y="connsiteY1"/>
+              </a:cxn>
+              <a:cxn ang="0">
+                <a:pos x="connsiteX2" y="connsiteY2"/>
+              </a:cxn>
+              <a:cxn ang="0">
+                <a:pos x="connsiteX3" y="connsiteY3"/>
+              </a:cxn>
+            </a:cxnLst>
+            <a:rect l="l" t="t" r="r" b="b"/>
+            <a:pathLst>
+              <a:path w="4415425" h="1396652">
+                <a:moveTo>
+                  <a:pt x="0" y="1396652"/>
+                </a:moveTo>
+                <a:cubicBezTo>
+                  <a:pt x="790705" y="698848"/>
+                  <a:pt x="1581411" y="1044"/>
+                  <a:pt x="2317315" y="0"/>
+                </a:cubicBezTo>
+                <a:cubicBezTo>
+                  <a:pt x="3053219" y="-1044"/>
+                  <a:pt x="4415425" y="1390389"/>
+                  <a:pt x="4415425" y="1390389"/>
+                </a:cubicBezTo>
+                <a:lnTo>
+                  <a:pt x="4415425" y="1390389"/>
+                </a:lnTo>
+              </a:path>
+            </a:pathLst>
+          </a:custGeom>
+          <a:noFill/>
+          <a:ln>
+            <a:headEnd type="none" w="med" len="med"/>
+            <a:tailEnd type="arrow" w="med" len="med"/>
+          </a:ln>
+        </p:spPr>
+        <p:style>
+          <a:lnRef idx="2">
+            <a:schemeClr val="accent1">
+              <a:shade val="50000"/>
+            </a:schemeClr>
+          </a:lnRef>
+          <a:fillRef idx="1">
+            <a:schemeClr val="accent1"/>
+          </a:fillRef>
+          <a:effectRef idx="0">
+            <a:schemeClr val="accent1"/>
+          </a:effectRef>
+          <a:fontRef idx="minor">
+            <a:schemeClr val="lt1"/>
+          </a:fontRef>
+        </p:style>
+        <p:txBody>
+          <a:bodyPr rtlCol="0" anchor="ctr"/>
+          <a:lstStyle/>
+          <a:p>
+            <a:pPr algn="ctr"/>
+            <a:endParaRPr lang="en-US"/>
+          </a:p>
+        </p:txBody>
+      </p:sp>
+    </p:spTree>
+    <p:extLst>
+      <p:ext uri="{BB962C8B-B14F-4D97-AF65-F5344CB8AC3E}">
+        <p14:creationId xmlns:p14="http://schemas.microsoft.com/office/powerpoint/2010/main" val="1983231650"/>
       </p:ext>
     </p:extLst>
   </p:cSld>

--- a/images/pygame_rect_window.pptx
+++ b/images/pygame_rect_window.pptx
@@ -5,7 +5,7 @@
     <p:sldMasterId id="2147483648" r:id="rId1"/>
   </p:sldMasterIdLst>
   <p:notesMasterIdLst>
-    <p:notesMasterId r:id="rId20"/>
+    <p:notesMasterId r:id="rId21"/>
   </p:notesMasterIdLst>
   <p:sldIdLst>
     <p:sldId id="257" r:id="rId2"/>
@@ -26,6 +26,7 @@
     <p:sldId id="274" r:id="rId17"/>
     <p:sldId id="275" r:id="rId18"/>
     <p:sldId id="276" r:id="rId19"/>
+    <p:sldId id="277" r:id="rId20"/>
   </p:sldIdLst>
   <p:sldSz cx="12192000" cy="6858000"/>
   <p:notesSz cx="6858000" cy="9144000"/>
@@ -9863,10 +9864,670 @@
           </a:p>
         </p:txBody>
       </p:sp>
+      <p:grpSp>
+        <p:nvGrpSpPr>
+          <p:cNvPr id="13" name="Group 12">
+            <a:extLst>
+              <a:ext uri="{FF2B5EF4-FFF2-40B4-BE49-F238E27FC236}">
+                <a16:creationId xmlns:a16="http://schemas.microsoft.com/office/drawing/2014/main" id="{EC1E786A-F63B-4A75-A890-D469CFA3F51D}"/>
+              </a:ext>
+            </a:extLst>
+          </p:cNvPr>
+          <p:cNvGrpSpPr/>
+          <p:nvPr/>
+        </p:nvGrpSpPr>
+        <p:grpSpPr>
+          <a:xfrm>
+            <a:off x="6219103" y="4296427"/>
+            <a:ext cx="5267335" cy="983293"/>
+            <a:chOff x="6219103" y="4296427"/>
+            <a:chExt cx="5267335" cy="983293"/>
+          </a:xfrm>
+        </p:grpSpPr>
+        <p:sp>
+          <p:nvSpPr>
+            <p:cNvPr id="8" name="Rectangle 7">
+              <a:extLst>
+                <a:ext uri="{FF2B5EF4-FFF2-40B4-BE49-F238E27FC236}">
+                  <a16:creationId xmlns:a16="http://schemas.microsoft.com/office/drawing/2014/main" id="{174418C3-4276-4BE5-86B2-F8E83A335783}"/>
+                </a:ext>
+              </a:extLst>
+            </p:cNvPr>
+            <p:cNvSpPr/>
+            <p:nvPr/>
+          </p:nvSpPr>
+          <p:spPr>
+            <a:xfrm>
+              <a:off x="7878872" y="4296427"/>
+              <a:ext cx="1947797" cy="983293"/>
+            </a:xfrm>
+            <a:prstGeom prst="rect">
+              <a:avLst/>
+            </a:prstGeom>
+            <a:solidFill>
+              <a:schemeClr val="accent1">
+                <a:lumMod val="40000"/>
+                <a:lumOff val="60000"/>
+              </a:schemeClr>
+            </a:solidFill>
+            <a:ln>
+              <a:noFill/>
+            </a:ln>
+          </p:spPr>
+          <p:style>
+            <a:lnRef idx="2">
+              <a:schemeClr val="accent1">
+                <a:shade val="50000"/>
+              </a:schemeClr>
+            </a:lnRef>
+            <a:fillRef idx="1">
+              <a:schemeClr val="accent1"/>
+            </a:fillRef>
+            <a:effectRef idx="0">
+              <a:schemeClr val="accent1"/>
+            </a:effectRef>
+            <a:fontRef idx="minor">
+              <a:schemeClr val="lt1"/>
+            </a:fontRef>
+          </p:style>
+          <p:txBody>
+            <a:bodyPr rtlCol="0" anchor="ctr"/>
+            <a:lstStyle/>
+            <a:p>
+              <a:pPr algn="ctr"/>
+              <a:r>
+                <a:rPr lang="en-US" sz="1400" dirty="0" err="1">
+                  <a:solidFill>
+                    <a:schemeClr val="tx1"/>
+                  </a:solidFill>
+                  <a:latin typeface="Consolas" panose="020B0609020204030204" pitchFamily="49" charset="0"/>
+                </a:rPr>
+                <a:t>neighbord_mean</a:t>
+              </a:r>
+              <a:endParaRPr lang="en-US" sz="1400" dirty="0">
+                <a:solidFill>
+                  <a:schemeClr val="tx1"/>
+                </a:solidFill>
+                <a:latin typeface="Consolas" panose="020B0609020204030204" pitchFamily="49" charset="0"/>
+              </a:endParaRPr>
+            </a:p>
+          </p:txBody>
+        </p:sp>
+        <p:cxnSp>
+          <p:nvCxnSpPr>
+            <p:cNvPr id="10" name="Straight Arrow Connector 9">
+              <a:extLst>
+                <a:ext uri="{FF2B5EF4-FFF2-40B4-BE49-F238E27FC236}">
+                  <a16:creationId xmlns:a16="http://schemas.microsoft.com/office/drawing/2014/main" id="{20C87E00-8724-4731-8306-0751BF759883}"/>
+                </a:ext>
+              </a:extLst>
+            </p:cNvPr>
+            <p:cNvCxnSpPr/>
+            <p:nvPr/>
+          </p:nvCxnSpPr>
+          <p:spPr>
+            <a:xfrm>
+              <a:off x="7064679" y="4584526"/>
+              <a:ext cx="814192" cy="0"/>
+            </a:xfrm>
+            <a:prstGeom prst="straightConnector1">
+              <a:avLst/>
+            </a:prstGeom>
+            <a:ln>
+              <a:tailEnd type="triangle"/>
+            </a:ln>
+          </p:spPr>
+          <p:style>
+            <a:lnRef idx="1">
+              <a:schemeClr val="accent1"/>
+            </a:lnRef>
+            <a:fillRef idx="0">
+              <a:schemeClr val="accent1"/>
+            </a:fillRef>
+            <a:effectRef idx="0">
+              <a:schemeClr val="accent1"/>
+            </a:effectRef>
+            <a:fontRef idx="minor">
+              <a:schemeClr val="tx1"/>
+            </a:fontRef>
+          </p:style>
+        </p:cxnSp>
+        <p:cxnSp>
+          <p:nvCxnSpPr>
+            <p:cNvPr id="24" name="Straight Arrow Connector 23">
+              <a:extLst>
+                <a:ext uri="{FF2B5EF4-FFF2-40B4-BE49-F238E27FC236}">
+                  <a16:creationId xmlns:a16="http://schemas.microsoft.com/office/drawing/2014/main" id="{24388CD5-D7FC-4A22-9A07-9833B53F8FDA}"/>
+                </a:ext>
+              </a:extLst>
+            </p:cNvPr>
+            <p:cNvCxnSpPr/>
+            <p:nvPr/>
+          </p:nvCxnSpPr>
+          <p:spPr>
+            <a:xfrm>
+              <a:off x="7064679" y="4824609"/>
+              <a:ext cx="814192" cy="0"/>
+            </a:xfrm>
+            <a:prstGeom prst="straightConnector1">
+              <a:avLst/>
+            </a:prstGeom>
+            <a:ln>
+              <a:tailEnd type="triangle"/>
+            </a:ln>
+          </p:spPr>
+          <p:style>
+            <a:lnRef idx="1">
+              <a:schemeClr val="accent1"/>
+            </a:lnRef>
+            <a:fillRef idx="0">
+              <a:schemeClr val="accent1"/>
+            </a:fillRef>
+            <a:effectRef idx="0">
+              <a:schemeClr val="accent1"/>
+            </a:effectRef>
+            <a:fontRef idx="minor">
+              <a:schemeClr val="tx1"/>
+            </a:fontRef>
+          </p:style>
+        </p:cxnSp>
+        <p:cxnSp>
+          <p:nvCxnSpPr>
+            <p:cNvPr id="28" name="Straight Arrow Connector 27">
+              <a:extLst>
+                <a:ext uri="{FF2B5EF4-FFF2-40B4-BE49-F238E27FC236}">
+                  <a16:creationId xmlns:a16="http://schemas.microsoft.com/office/drawing/2014/main" id="{4272D662-4A22-4550-9FDC-3D8E3EDB5DD7}"/>
+                </a:ext>
+              </a:extLst>
+            </p:cNvPr>
+            <p:cNvCxnSpPr/>
+            <p:nvPr/>
+          </p:nvCxnSpPr>
+          <p:spPr>
+            <a:xfrm>
+              <a:off x="7064679" y="5064690"/>
+              <a:ext cx="814192" cy="0"/>
+            </a:xfrm>
+            <a:prstGeom prst="straightConnector1">
+              <a:avLst/>
+            </a:prstGeom>
+            <a:ln>
+              <a:tailEnd type="triangle"/>
+            </a:ln>
+          </p:spPr>
+          <p:style>
+            <a:lnRef idx="1">
+              <a:schemeClr val="accent1"/>
+            </a:lnRef>
+            <a:fillRef idx="0">
+              <a:schemeClr val="accent1"/>
+            </a:fillRef>
+            <a:effectRef idx="0">
+              <a:schemeClr val="accent1"/>
+            </a:effectRef>
+            <a:fontRef idx="minor">
+              <a:schemeClr val="tx1"/>
+            </a:fontRef>
+          </p:style>
+        </p:cxnSp>
+        <p:sp>
+          <p:nvSpPr>
+            <p:cNvPr id="11" name="TextBox 10">
+              <a:extLst>
+                <a:ext uri="{FF2B5EF4-FFF2-40B4-BE49-F238E27FC236}">
+                  <a16:creationId xmlns:a16="http://schemas.microsoft.com/office/drawing/2014/main" id="{B66AD47D-19B9-424A-A285-509113A346F6}"/>
+                </a:ext>
+              </a:extLst>
+            </p:cNvPr>
+            <p:cNvSpPr txBox="1"/>
+            <p:nvPr/>
+          </p:nvSpPr>
+          <p:spPr>
+            <a:xfrm>
+              <a:off x="6219103" y="4414165"/>
+              <a:ext cx="880369" cy="307777"/>
+            </a:xfrm>
+            <a:prstGeom prst="rect">
+              <a:avLst/>
+            </a:prstGeom>
+            <a:noFill/>
+          </p:spPr>
+          <p:txBody>
+            <a:bodyPr wrap="none" rtlCol="0">
+              <a:spAutoFit/>
+            </a:bodyPr>
+            <a:lstStyle/>
+            <a:p>
+              <a:r>
+                <a:rPr lang="en-US" sz="1400" dirty="0">
+                  <a:latin typeface="Consolas" panose="020B0609020204030204" pitchFamily="49" charset="0"/>
+                </a:rPr>
+                <a:t>surface</a:t>
+              </a:r>
+            </a:p>
+          </p:txBody>
+        </p:sp>
+        <p:sp>
+          <p:nvSpPr>
+            <p:cNvPr id="30" name="TextBox 29">
+              <a:extLst>
+                <a:ext uri="{FF2B5EF4-FFF2-40B4-BE49-F238E27FC236}">
+                  <a16:creationId xmlns:a16="http://schemas.microsoft.com/office/drawing/2014/main" id="{034FB1FD-D17C-4FBA-95AA-5ABD2C4FD32C}"/>
+                </a:ext>
+              </a:extLst>
+            </p:cNvPr>
+            <p:cNvSpPr txBox="1"/>
+            <p:nvPr/>
+          </p:nvSpPr>
+          <p:spPr>
+            <a:xfrm>
+              <a:off x="6811940" y="4654245"/>
+              <a:ext cx="284052" cy="307777"/>
+            </a:xfrm>
+            <a:prstGeom prst="rect">
+              <a:avLst/>
+            </a:prstGeom>
+            <a:noFill/>
+          </p:spPr>
+          <p:txBody>
+            <a:bodyPr wrap="none" rtlCol="0">
+              <a:spAutoFit/>
+            </a:bodyPr>
+            <a:lstStyle/>
+            <a:p>
+              <a:r>
+                <a:rPr lang="en-US" sz="1400" dirty="0">
+                  <a:latin typeface="Consolas" panose="020B0609020204030204" pitchFamily="49" charset="0"/>
+                </a:rPr>
+                <a:t>x</a:t>
+              </a:r>
+            </a:p>
+          </p:txBody>
+        </p:sp>
+        <p:sp>
+          <p:nvSpPr>
+            <p:cNvPr id="31" name="TextBox 30">
+              <a:extLst>
+                <a:ext uri="{FF2B5EF4-FFF2-40B4-BE49-F238E27FC236}">
+                  <a16:creationId xmlns:a16="http://schemas.microsoft.com/office/drawing/2014/main" id="{4C6DF9B3-1335-44AB-8C97-99C4F0F03B8E}"/>
+                </a:ext>
+              </a:extLst>
+            </p:cNvPr>
+            <p:cNvSpPr txBox="1"/>
+            <p:nvPr/>
+          </p:nvSpPr>
+          <p:spPr>
+            <a:xfrm>
+              <a:off x="6811687" y="4900055"/>
+              <a:ext cx="284052" cy="307777"/>
+            </a:xfrm>
+            <a:prstGeom prst="rect">
+              <a:avLst/>
+            </a:prstGeom>
+            <a:noFill/>
+          </p:spPr>
+          <p:txBody>
+            <a:bodyPr wrap="none" rtlCol="0">
+              <a:spAutoFit/>
+            </a:bodyPr>
+            <a:lstStyle/>
+            <a:p>
+              <a:r>
+                <a:rPr lang="en-US" sz="1400" dirty="0">
+                  <a:latin typeface="Consolas" panose="020B0609020204030204" pitchFamily="49" charset="0"/>
+                </a:rPr>
+                <a:t>y</a:t>
+              </a:r>
+            </a:p>
+          </p:txBody>
+        </p:sp>
+        <p:cxnSp>
+          <p:nvCxnSpPr>
+            <p:cNvPr id="32" name="Straight Arrow Connector 31">
+              <a:extLst>
+                <a:ext uri="{FF2B5EF4-FFF2-40B4-BE49-F238E27FC236}">
+                  <a16:creationId xmlns:a16="http://schemas.microsoft.com/office/drawing/2014/main" id="{85C1AD0C-C831-4E8A-9CF3-A5A73D439378}"/>
+                </a:ext>
+              </a:extLst>
+            </p:cNvPr>
+            <p:cNvCxnSpPr/>
+            <p:nvPr/>
+          </p:nvCxnSpPr>
+          <p:spPr>
+            <a:xfrm>
+              <a:off x="9826669" y="4788073"/>
+              <a:ext cx="814192" cy="0"/>
+            </a:xfrm>
+            <a:prstGeom prst="straightConnector1">
+              <a:avLst/>
+            </a:prstGeom>
+            <a:ln>
+              <a:tailEnd type="triangle"/>
+            </a:ln>
+          </p:spPr>
+          <p:style>
+            <a:lnRef idx="1">
+              <a:schemeClr val="accent1"/>
+            </a:lnRef>
+            <a:fillRef idx="0">
+              <a:schemeClr val="accent1"/>
+            </a:fillRef>
+            <a:effectRef idx="0">
+              <a:schemeClr val="accent1"/>
+            </a:effectRef>
+            <a:fontRef idx="minor">
+              <a:schemeClr val="tx1"/>
+            </a:fontRef>
+          </p:style>
+        </p:cxnSp>
+        <p:sp>
+          <p:nvSpPr>
+            <p:cNvPr id="33" name="TextBox 32">
+              <a:extLst>
+                <a:ext uri="{FF2B5EF4-FFF2-40B4-BE49-F238E27FC236}">
+                  <a16:creationId xmlns:a16="http://schemas.microsoft.com/office/drawing/2014/main" id="{D7D730A3-33CA-4CE8-ADE3-EA199C79BB8E}"/>
+                </a:ext>
+              </a:extLst>
+            </p:cNvPr>
+            <p:cNvSpPr txBox="1"/>
+            <p:nvPr/>
+          </p:nvSpPr>
+          <p:spPr>
+            <a:xfrm>
+              <a:off x="10606069" y="4634184"/>
+              <a:ext cx="880369" cy="307777"/>
+            </a:xfrm>
+            <a:prstGeom prst="rect">
+              <a:avLst/>
+            </a:prstGeom>
+            <a:noFill/>
+          </p:spPr>
+          <p:txBody>
+            <a:bodyPr wrap="none" rtlCol="0">
+              <a:spAutoFit/>
+            </a:bodyPr>
+            <a:lstStyle/>
+            <a:p>
+              <a:r>
+                <a:rPr lang="en-US" sz="1400" dirty="0">
+                  <a:latin typeface="Consolas" panose="020B0609020204030204" pitchFamily="49" charset="0"/>
+                </a:rPr>
+                <a:t>(</a:t>
+              </a:r>
+              <a:r>
+                <a:rPr lang="en-US" sz="1400" dirty="0" err="1">
+                  <a:latin typeface="Consolas" panose="020B0609020204030204" pitchFamily="49" charset="0"/>
+                </a:rPr>
+                <a:t>r,g,b</a:t>
+              </a:r>
+              <a:r>
+                <a:rPr lang="en-US" sz="1400" dirty="0">
+                  <a:latin typeface="Consolas" panose="020B0609020204030204" pitchFamily="49" charset="0"/>
+                </a:rPr>
+                <a:t>)</a:t>
+              </a:r>
+            </a:p>
+          </p:txBody>
+        </p:sp>
+      </p:grpSp>
     </p:spTree>
     <p:extLst>
       <p:ext uri="{BB962C8B-B14F-4D97-AF65-F5344CB8AC3E}">
         <p14:creationId xmlns:p14="http://schemas.microsoft.com/office/powerpoint/2010/main" val="1983231650"/>
+      </p:ext>
+    </p:extLst>
+  </p:cSld>
+  <p:clrMapOvr>
+    <a:masterClrMapping/>
+  </p:clrMapOvr>
+</p:sld>
+</file>
+
+<file path=ppt/slides/slide19.xml><?xml version="1.0" encoding="utf-8"?>
+<p:sld xmlns:a="http://schemas.openxmlformats.org/drawingml/2006/main" xmlns:r="http://schemas.openxmlformats.org/officeDocument/2006/relationships" xmlns:p="http://schemas.openxmlformats.org/presentationml/2006/main">
+  <p:cSld>
+    <p:spTree>
+      <p:nvGrpSpPr>
+        <p:cNvPr id="1" name=""/>
+        <p:cNvGrpSpPr/>
+        <p:nvPr/>
+      </p:nvGrpSpPr>
+      <p:grpSpPr>
+        <a:xfrm>
+          <a:off x="0" y="0"/>
+          <a:ext cx="0" cy="0"/>
+          <a:chOff x="0" y="0"/>
+          <a:chExt cx="0" cy="0"/>
+        </a:xfrm>
+      </p:grpSpPr>
+      <p:sp>
+        <p:nvSpPr>
+          <p:cNvPr id="8" name="Rectangle 7">
+            <a:extLst>
+              <a:ext uri="{FF2B5EF4-FFF2-40B4-BE49-F238E27FC236}">
+                <a16:creationId xmlns:a16="http://schemas.microsoft.com/office/drawing/2014/main" id="{174418C3-4276-4BE5-86B2-F8E83A335783}"/>
+              </a:ext>
+            </a:extLst>
+          </p:cNvPr>
+          <p:cNvSpPr/>
+          <p:nvPr/>
+        </p:nvSpPr>
+        <p:spPr>
+          <a:xfrm>
+            <a:off x="4174380" y="2061227"/>
+            <a:ext cx="1947797" cy="983293"/>
+          </a:xfrm>
+          <a:prstGeom prst="rect">
+            <a:avLst/>
+          </a:prstGeom>
+          <a:solidFill>
+            <a:schemeClr val="accent1">
+              <a:lumMod val="40000"/>
+              <a:lumOff val="60000"/>
+            </a:schemeClr>
+          </a:solidFill>
+          <a:ln>
+            <a:noFill/>
+          </a:ln>
+        </p:spPr>
+        <p:style>
+          <a:lnRef idx="2">
+            <a:schemeClr val="accent1">
+              <a:shade val="50000"/>
+            </a:schemeClr>
+          </a:lnRef>
+          <a:fillRef idx="1">
+            <a:schemeClr val="accent1"/>
+          </a:fillRef>
+          <a:effectRef idx="0">
+            <a:schemeClr val="accent1"/>
+          </a:effectRef>
+          <a:fontRef idx="minor">
+            <a:schemeClr val="lt1"/>
+          </a:fontRef>
+        </p:style>
+        <p:txBody>
+          <a:bodyPr rtlCol="0" anchor="ctr"/>
+          <a:lstStyle/>
+          <a:p>
+            <a:pPr algn="ctr"/>
+            <a:r>
+              <a:rPr lang="en-US" sz="1400" dirty="0" err="1">
+                <a:solidFill>
+                  <a:schemeClr val="tx1"/>
+                </a:solidFill>
+                <a:latin typeface="Consolas" panose="020B0609020204030204" pitchFamily="49" charset="0"/>
+              </a:rPr>
+              <a:t>mean_filter</a:t>
+            </a:r>
+            <a:endParaRPr lang="en-US" sz="1400" dirty="0">
+              <a:solidFill>
+                <a:schemeClr val="tx1"/>
+              </a:solidFill>
+              <a:latin typeface="Consolas" panose="020B0609020204030204" pitchFamily="49" charset="0"/>
+            </a:endParaRPr>
+          </a:p>
+        </p:txBody>
+      </p:sp>
+      <p:cxnSp>
+        <p:nvCxnSpPr>
+          <p:cNvPr id="10" name="Straight Arrow Connector 9">
+            <a:extLst>
+              <a:ext uri="{FF2B5EF4-FFF2-40B4-BE49-F238E27FC236}">
+                <a16:creationId xmlns:a16="http://schemas.microsoft.com/office/drawing/2014/main" id="{20C87E00-8724-4731-8306-0751BF759883}"/>
+              </a:ext>
+            </a:extLst>
+          </p:cNvPr>
+          <p:cNvCxnSpPr>
+            <a:cxnSpLocks/>
+            <a:endCxn id="8" idx="1"/>
+          </p:cNvCxnSpPr>
+          <p:nvPr/>
+        </p:nvCxnSpPr>
+        <p:spPr>
+          <a:xfrm>
+            <a:off x="3274646" y="2552872"/>
+            <a:ext cx="899734" cy="2"/>
+          </a:xfrm>
+          <a:prstGeom prst="straightConnector1">
+            <a:avLst/>
+          </a:prstGeom>
+          <a:ln>
+            <a:tailEnd type="triangle"/>
+          </a:ln>
+        </p:spPr>
+        <p:style>
+          <a:lnRef idx="1">
+            <a:schemeClr val="accent1"/>
+          </a:lnRef>
+          <a:fillRef idx="0">
+            <a:schemeClr val="accent1"/>
+          </a:fillRef>
+          <a:effectRef idx="0">
+            <a:schemeClr val="accent1"/>
+          </a:effectRef>
+          <a:fontRef idx="minor">
+            <a:schemeClr val="tx1"/>
+          </a:fontRef>
+        </p:style>
+      </p:cxnSp>
+      <p:sp>
+        <p:nvSpPr>
+          <p:cNvPr id="11" name="TextBox 10">
+            <a:extLst>
+              <a:ext uri="{FF2B5EF4-FFF2-40B4-BE49-F238E27FC236}">
+                <a16:creationId xmlns:a16="http://schemas.microsoft.com/office/drawing/2014/main" id="{B66AD47D-19B9-424A-A285-509113A346F6}"/>
+              </a:ext>
+            </a:extLst>
+          </p:cNvPr>
+          <p:cNvSpPr txBox="1"/>
+          <p:nvPr/>
+        </p:nvSpPr>
+        <p:spPr>
+          <a:xfrm>
+            <a:off x="2438351" y="2398984"/>
+            <a:ext cx="880369" cy="307777"/>
+          </a:xfrm>
+          <a:prstGeom prst="rect">
+            <a:avLst/>
+          </a:prstGeom>
+          <a:noFill/>
+        </p:spPr>
+        <p:txBody>
+          <a:bodyPr wrap="square" rtlCol="0">
+            <a:spAutoFit/>
+          </a:bodyPr>
+          <a:lstStyle/>
+          <a:p>
+            <a:r>
+              <a:rPr lang="en-US" sz="1400" dirty="0">
+                <a:latin typeface="Consolas" panose="020B0609020204030204" pitchFamily="49" charset="0"/>
+              </a:rPr>
+              <a:t>surface</a:t>
+            </a:r>
+          </a:p>
+        </p:txBody>
+      </p:sp>
+      <p:cxnSp>
+        <p:nvCxnSpPr>
+          <p:cNvPr id="32" name="Straight Arrow Connector 31">
+            <a:extLst>
+              <a:ext uri="{FF2B5EF4-FFF2-40B4-BE49-F238E27FC236}">
+                <a16:creationId xmlns:a16="http://schemas.microsoft.com/office/drawing/2014/main" id="{85C1AD0C-C831-4E8A-9CF3-A5A73D439378}"/>
+              </a:ext>
+            </a:extLst>
+          </p:cNvPr>
+          <p:cNvCxnSpPr/>
+          <p:nvPr/>
+        </p:nvCxnSpPr>
+        <p:spPr>
+          <a:xfrm>
+            <a:off x="6122177" y="2552873"/>
+            <a:ext cx="814192" cy="0"/>
+          </a:xfrm>
+          <a:prstGeom prst="straightConnector1">
+            <a:avLst/>
+          </a:prstGeom>
+          <a:ln>
+            <a:tailEnd type="triangle"/>
+          </a:ln>
+        </p:spPr>
+        <p:style>
+          <a:lnRef idx="1">
+            <a:schemeClr val="accent1"/>
+          </a:lnRef>
+          <a:fillRef idx="0">
+            <a:schemeClr val="accent1"/>
+          </a:fillRef>
+          <a:effectRef idx="0">
+            <a:schemeClr val="accent1"/>
+          </a:effectRef>
+          <a:fontRef idx="minor">
+            <a:schemeClr val="tx1"/>
+          </a:fontRef>
+        </p:style>
+      </p:cxnSp>
+      <p:sp>
+        <p:nvSpPr>
+          <p:cNvPr id="33" name="TextBox 32">
+            <a:extLst>
+              <a:ext uri="{FF2B5EF4-FFF2-40B4-BE49-F238E27FC236}">
+                <a16:creationId xmlns:a16="http://schemas.microsoft.com/office/drawing/2014/main" id="{D7D730A3-33CA-4CE8-ADE3-EA199C79BB8E}"/>
+              </a:ext>
+            </a:extLst>
+          </p:cNvPr>
+          <p:cNvSpPr txBox="1"/>
+          <p:nvPr/>
+        </p:nvSpPr>
+        <p:spPr>
+          <a:xfrm>
+            <a:off x="6901577" y="2398984"/>
+            <a:ext cx="880369" cy="307777"/>
+          </a:xfrm>
+          <a:prstGeom prst="rect">
+            <a:avLst/>
+          </a:prstGeom>
+          <a:noFill/>
+        </p:spPr>
+        <p:txBody>
+          <a:bodyPr wrap="none" rtlCol="0">
+            <a:spAutoFit/>
+          </a:bodyPr>
+          <a:lstStyle/>
+          <a:p>
+            <a:r>
+              <a:rPr lang="en-US" sz="1400" dirty="0">
+                <a:latin typeface="Consolas" panose="020B0609020204030204" pitchFamily="49" charset="0"/>
+              </a:rPr>
+              <a:t>surface</a:t>
+            </a:r>
+          </a:p>
+        </p:txBody>
+      </p:sp>
+    </p:spTree>
+    <p:extLst>
+      <p:ext uri="{BB962C8B-B14F-4D97-AF65-F5344CB8AC3E}">
+        <p14:creationId xmlns:p14="http://schemas.microsoft.com/office/powerpoint/2010/main" val="4099600483"/>
       </p:ext>
     </p:extLst>
   </p:cSld>

--- a/images/pygame_rect_window.pptx
+++ b/images/pygame_rect_window.pptx
@@ -10300,230 +10300,251 @@
           <a:chExt cx="0" cy="0"/>
         </a:xfrm>
       </p:grpSpPr>
-      <p:sp>
-        <p:nvSpPr>
-          <p:cNvPr id="8" name="Rectangle 7">
+      <p:grpSp>
+        <p:nvGrpSpPr>
+          <p:cNvPr id="7" name="Group 6">
             <a:extLst>
               <a:ext uri="{FF2B5EF4-FFF2-40B4-BE49-F238E27FC236}">
-                <a16:creationId xmlns:a16="http://schemas.microsoft.com/office/drawing/2014/main" id="{174418C3-4276-4BE5-86B2-F8E83A335783}"/>
+                <a16:creationId xmlns:a16="http://schemas.microsoft.com/office/drawing/2014/main" id="{DC453610-E024-46DC-8D42-3745113B4082}"/>
               </a:ext>
             </a:extLst>
           </p:cNvPr>
-          <p:cNvSpPr/>
+          <p:cNvGrpSpPr/>
           <p:nvPr/>
-        </p:nvSpPr>
-        <p:spPr>
+        </p:nvGrpSpPr>
+        <p:grpSpPr>
           <a:xfrm>
-            <a:off x="4174380" y="2061227"/>
-            <a:ext cx="1947797" cy="983293"/>
+            <a:off x="2438351" y="2061227"/>
+            <a:ext cx="5343595" cy="983293"/>
+            <a:chOff x="2438351" y="2061227"/>
+            <a:chExt cx="5343595" cy="983293"/>
           </a:xfrm>
-          <a:prstGeom prst="rect">
-            <a:avLst/>
-          </a:prstGeom>
-          <a:solidFill>
-            <a:schemeClr val="accent1">
-              <a:lumMod val="40000"/>
-              <a:lumOff val="60000"/>
-            </a:schemeClr>
-          </a:solidFill>
-          <a:ln>
-            <a:noFill/>
-          </a:ln>
-        </p:spPr>
-        <p:style>
-          <a:lnRef idx="2">
-            <a:schemeClr val="accent1">
-              <a:shade val="50000"/>
-            </a:schemeClr>
-          </a:lnRef>
-          <a:fillRef idx="1">
-            <a:schemeClr val="accent1"/>
-          </a:fillRef>
-          <a:effectRef idx="0">
-            <a:schemeClr val="accent1"/>
-          </a:effectRef>
-          <a:fontRef idx="minor">
-            <a:schemeClr val="lt1"/>
-          </a:fontRef>
-        </p:style>
-        <p:txBody>
-          <a:bodyPr rtlCol="0" anchor="ctr"/>
-          <a:lstStyle/>
-          <a:p>
-            <a:pPr algn="ctr"/>
-            <a:r>
-              <a:rPr lang="en-US" sz="1400" dirty="0" err="1">
+        </p:grpSpPr>
+        <p:sp>
+          <p:nvSpPr>
+            <p:cNvPr id="8" name="Rectangle 7">
+              <a:extLst>
+                <a:ext uri="{FF2B5EF4-FFF2-40B4-BE49-F238E27FC236}">
+                  <a16:creationId xmlns:a16="http://schemas.microsoft.com/office/drawing/2014/main" id="{174418C3-4276-4BE5-86B2-F8E83A335783}"/>
+                </a:ext>
+              </a:extLst>
+            </p:cNvPr>
+            <p:cNvSpPr/>
+            <p:nvPr/>
+          </p:nvSpPr>
+          <p:spPr>
+            <a:xfrm>
+              <a:off x="4174380" y="2061227"/>
+              <a:ext cx="1947797" cy="983293"/>
+            </a:xfrm>
+            <a:prstGeom prst="rect">
+              <a:avLst/>
+            </a:prstGeom>
+            <a:solidFill>
+              <a:schemeClr val="accent1">
+                <a:lumMod val="40000"/>
+                <a:lumOff val="60000"/>
+              </a:schemeClr>
+            </a:solidFill>
+            <a:ln>
+              <a:noFill/>
+            </a:ln>
+          </p:spPr>
+          <p:style>
+            <a:lnRef idx="2">
+              <a:schemeClr val="accent1">
+                <a:shade val="50000"/>
+              </a:schemeClr>
+            </a:lnRef>
+            <a:fillRef idx="1">
+              <a:schemeClr val="accent1"/>
+            </a:fillRef>
+            <a:effectRef idx="0">
+              <a:schemeClr val="accent1"/>
+            </a:effectRef>
+            <a:fontRef idx="minor">
+              <a:schemeClr val="lt1"/>
+            </a:fontRef>
+          </p:style>
+          <p:txBody>
+            <a:bodyPr rtlCol="0" anchor="ctr"/>
+            <a:lstStyle/>
+            <a:p>
+              <a:pPr algn="ctr"/>
+              <a:r>
+                <a:rPr lang="en-US" sz="1400" dirty="0" err="1">
+                  <a:solidFill>
+                    <a:schemeClr val="tx1"/>
+                  </a:solidFill>
+                  <a:latin typeface="Consolas" panose="020B0609020204030204" pitchFamily="49" charset="0"/>
+                </a:rPr>
+                <a:t>mean_filter</a:t>
+              </a:r>
+              <a:endParaRPr lang="en-US" sz="1400" dirty="0">
                 <a:solidFill>
                   <a:schemeClr val="tx1"/>
                 </a:solidFill>
                 <a:latin typeface="Consolas" panose="020B0609020204030204" pitchFamily="49" charset="0"/>
-              </a:rPr>
-              <a:t>mean_filter</a:t>
-            </a:r>
-            <a:endParaRPr lang="en-US" sz="1400" dirty="0">
-              <a:solidFill>
-                <a:schemeClr val="tx1"/>
-              </a:solidFill>
-              <a:latin typeface="Consolas" panose="020B0609020204030204" pitchFamily="49" charset="0"/>
-            </a:endParaRPr>
-          </a:p>
-        </p:txBody>
-      </p:sp>
-      <p:cxnSp>
-        <p:nvCxnSpPr>
-          <p:cNvPr id="10" name="Straight Arrow Connector 9">
-            <a:extLst>
-              <a:ext uri="{FF2B5EF4-FFF2-40B4-BE49-F238E27FC236}">
-                <a16:creationId xmlns:a16="http://schemas.microsoft.com/office/drawing/2014/main" id="{20C87E00-8724-4731-8306-0751BF759883}"/>
-              </a:ext>
-            </a:extLst>
-          </p:cNvPr>
-          <p:cNvCxnSpPr>
-            <a:cxnSpLocks/>
-            <a:endCxn id="8" idx="1"/>
-          </p:cNvCxnSpPr>
-          <p:nvPr/>
-        </p:nvCxnSpPr>
-        <p:spPr>
-          <a:xfrm>
-            <a:off x="3274646" y="2552872"/>
-            <a:ext cx="899734" cy="2"/>
-          </a:xfrm>
-          <a:prstGeom prst="straightConnector1">
-            <a:avLst/>
-          </a:prstGeom>
-          <a:ln>
-            <a:tailEnd type="triangle"/>
-          </a:ln>
-        </p:spPr>
-        <p:style>
-          <a:lnRef idx="1">
-            <a:schemeClr val="accent1"/>
-          </a:lnRef>
-          <a:fillRef idx="0">
-            <a:schemeClr val="accent1"/>
-          </a:fillRef>
-          <a:effectRef idx="0">
-            <a:schemeClr val="accent1"/>
-          </a:effectRef>
-          <a:fontRef idx="minor">
-            <a:schemeClr val="tx1"/>
-          </a:fontRef>
-        </p:style>
-      </p:cxnSp>
-      <p:sp>
-        <p:nvSpPr>
-          <p:cNvPr id="11" name="TextBox 10">
-            <a:extLst>
-              <a:ext uri="{FF2B5EF4-FFF2-40B4-BE49-F238E27FC236}">
-                <a16:creationId xmlns:a16="http://schemas.microsoft.com/office/drawing/2014/main" id="{B66AD47D-19B9-424A-A285-509113A346F6}"/>
-              </a:ext>
-            </a:extLst>
-          </p:cNvPr>
-          <p:cNvSpPr txBox="1"/>
-          <p:nvPr/>
-        </p:nvSpPr>
-        <p:spPr>
-          <a:xfrm>
-            <a:off x="2438351" y="2398984"/>
-            <a:ext cx="880369" cy="307777"/>
-          </a:xfrm>
-          <a:prstGeom prst="rect">
-            <a:avLst/>
-          </a:prstGeom>
-          <a:noFill/>
-        </p:spPr>
-        <p:txBody>
-          <a:bodyPr wrap="square" rtlCol="0">
-            <a:spAutoFit/>
-          </a:bodyPr>
-          <a:lstStyle/>
-          <a:p>
-            <a:r>
-              <a:rPr lang="en-US" sz="1400" dirty="0">
-                <a:latin typeface="Consolas" panose="020B0609020204030204" pitchFamily="49" charset="0"/>
-              </a:rPr>
-              <a:t>surface</a:t>
-            </a:r>
-          </a:p>
-        </p:txBody>
-      </p:sp>
-      <p:cxnSp>
-        <p:nvCxnSpPr>
-          <p:cNvPr id="32" name="Straight Arrow Connector 31">
-            <a:extLst>
-              <a:ext uri="{FF2B5EF4-FFF2-40B4-BE49-F238E27FC236}">
-                <a16:creationId xmlns:a16="http://schemas.microsoft.com/office/drawing/2014/main" id="{85C1AD0C-C831-4E8A-9CF3-A5A73D439378}"/>
-              </a:ext>
-            </a:extLst>
-          </p:cNvPr>
-          <p:cNvCxnSpPr/>
-          <p:nvPr/>
-        </p:nvCxnSpPr>
-        <p:spPr>
-          <a:xfrm>
-            <a:off x="6122177" y="2552873"/>
-            <a:ext cx="814192" cy="0"/>
-          </a:xfrm>
-          <a:prstGeom prst="straightConnector1">
-            <a:avLst/>
-          </a:prstGeom>
-          <a:ln>
-            <a:tailEnd type="triangle"/>
-          </a:ln>
-        </p:spPr>
-        <p:style>
-          <a:lnRef idx="1">
-            <a:schemeClr val="accent1"/>
-          </a:lnRef>
-          <a:fillRef idx="0">
-            <a:schemeClr val="accent1"/>
-          </a:fillRef>
-          <a:effectRef idx="0">
-            <a:schemeClr val="accent1"/>
-          </a:effectRef>
-          <a:fontRef idx="minor">
-            <a:schemeClr val="tx1"/>
-          </a:fontRef>
-        </p:style>
-      </p:cxnSp>
-      <p:sp>
-        <p:nvSpPr>
-          <p:cNvPr id="33" name="TextBox 32">
-            <a:extLst>
-              <a:ext uri="{FF2B5EF4-FFF2-40B4-BE49-F238E27FC236}">
-                <a16:creationId xmlns:a16="http://schemas.microsoft.com/office/drawing/2014/main" id="{D7D730A3-33CA-4CE8-ADE3-EA199C79BB8E}"/>
-              </a:ext>
-            </a:extLst>
-          </p:cNvPr>
-          <p:cNvSpPr txBox="1"/>
-          <p:nvPr/>
-        </p:nvSpPr>
-        <p:spPr>
-          <a:xfrm>
-            <a:off x="6901577" y="2398984"/>
-            <a:ext cx="880369" cy="307777"/>
-          </a:xfrm>
-          <a:prstGeom prst="rect">
-            <a:avLst/>
-          </a:prstGeom>
-          <a:noFill/>
-        </p:spPr>
-        <p:txBody>
-          <a:bodyPr wrap="none" rtlCol="0">
-            <a:spAutoFit/>
-          </a:bodyPr>
-          <a:lstStyle/>
-          <a:p>
-            <a:r>
-              <a:rPr lang="en-US" sz="1400" dirty="0">
-                <a:latin typeface="Consolas" panose="020B0609020204030204" pitchFamily="49" charset="0"/>
-              </a:rPr>
-              <a:t>surface</a:t>
-            </a:r>
-          </a:p>
-        </p:txBody>
-      </p:sp>
+              </a:endParaRPr>
+            </a:p>
+          </p:txBody>
+        </p:sp>
+        <p:cxnSp>
+          <p:nvCxnSpPr>
+            <p:cNvPr id="10" name="Straight Arrow Connector 9">
+              <a:extLst>
+                <a:ext uri="{FF2B5EF4-FFF2-40B4-BE49-F238E27FC236}">
+                  <a16:creationId xmlns:a16="http://schemas.microsoft.com/office/drawing/2014/main" id="{20C87E00-8724-4731-8306-0751BF759883}"/>
+                </a:ext>
+              </a:extLst>
+            </p:cNvPr>
+            <p:cNvCxnSpPr>
+              <a:cxnSpLocks/>
+              <a:endCxn id="8" idx="1"/>
+            </p:cNvCxnSpPr>
+            <p:nvPr/>
+          </p:nvCxnSpPr>
+          <p:spPr>
+            <a:xfrm>
+              <a:off x="3274646" y="2552872"/>
+              <a:ext cx="899734" cy="2"/>
+            </a:xfrm>
+            <a:prstGeom prst="straightConnector1">
+              <a:avLst/>
+            </a:prstGeom>
+            <a:ln>
+              <a:tailEnd type="triangle"/>
+            </a:ln>
+          </p:spPr>
+          <p:style>
+            <a:lnRef idx="1">
+              <a:schemeClr val="accent1"/>
+            </a:lnRef>
+            <a:fillRef idx="0">
+              <a:schemeClr val="accent1"/>
+            </a:fillRef>
+            <a:effectRef idx="0">
+              <a:schemeClr val="accent1"/>
+            </a:effectRef>
+            <a:fontRef idx="minor">
+              <a:schemeClr val="tx1"/>
+            </a:fontRef>
+          </p:style>
+        </p:cxnSp>
+        <p:sp>
+          <p:nvSpPr>
+            <p:cNvPr id="11" name="TextBox 10">
+              <a:extLst>
+                <a:ext uri="{FF2B5EF4-FFF2-40B4-BE49-F238E27FC236}">
+                  <a16:creationId xmlns:a16="http://schemas.microsoft.com/office/drawing/2014/main" id="{B66AD47D-19B9-424A-A285-509113A346F6}"/>
+                </a:ext>
+              </a:extLst>
+            </p:cNvPr>
+            <p:cNvSpPr txBox="1"/>
+            <p:nvPr/>
+          </p:nvSpPr>
+          <p:spPr>
+            <a:xfrm>
+              <a:off x="2438351" y="2398984"/>
+              <a:ext cx="880369" cy="307777"/>
+            </a:xfrm>
+            <a:prstGeom prst="rect">
+              <a:avLst/>
+            </a:prstGeom>
+            <a:noFill/>
+          </p:spPr>
+          <p:txBody>
+            <a:bodyPr wrap="square" rtlCol="0">
+              <a:spAutoFit/>
+            </a:bodyPr>
+            <a:lstStyle/>
+            <a:p>
+              <a:r>
+                <a:rPr lang="en-US" sz="1400" dirty="0">
+                  <a:latin typeface="Consolas" panose="020B0609020204030204" pitchFamily="49" charset="0"/>
+                </a:rPr>
+                <a:t>surface</a:t>
+              </a:r>
+            </a:p>
+          </p:txBody>
+        </p:sp>
+        <p:cxnSp>
+          <p:nvCxnSpPr>
+            <p:cNvPr id="32" name="Straight Arrow Connector 31">
+              <a:extLst>
+                <a:ext uri="{FF2B5EF4-FFF2-40B4-BE49-F238E27FC236}">
+                  <a16:creationId xmlns:a16="http://schemas.microsoft.com/office/drawing/2014/main" id="{85C1AD0C-C831-4E8A-9CF3-A5A73D439378}"/>
+                </a:ext>
+              </a:extLst>
+            </p:cNvPr>
+            <p:cNvCxnSpPr/>
+            <p:nvPr/>
+          </p:nvCxnSpPr>
+          <p:spPr>
+            <a:xfrm>
+              <a:off x="6122177" y="2552873"/>
+              <a:ext cx="814192" cy="0"/>
+            </a:xfrm>
+            <a:prstGeom prst="straightConnector1">
+              <a:avLst/>
+            </a:prstGeom>
+            <a:ln>
+              <a:tailEnd type="triangle"/>
+            </a:ln>
+          </p:spPr>
+          <p:style>
+            <a:lnRef idx="1">
+              <a:schemeClr val="accent1"/>
+            </a:lnRef>
+            <a:fillRef idx="0">
+              <a:schemeClr val="accent1"/>
+            </a:fillRef>
+            <a:effectRef idx="0">
+              <a:schemeClr val="accent1"/>
+            </a:effectRef>
+            <a:fontRef idx="minor">
+              <a:schemeClr val="tx1"/>
+            </a:fontRef>
+          </p:style>
+        </p:cxnSp>
+        <p:sp>
+          <p:nvSpPr>
+            <p:cNvPr id="33" name="TextBox 32">
+              <a:extLst>
+                <a:ext uri="{FF2B5EF4-FFF2-40B4-BE49-F238E27FC236}">
+                  <a16:creationId xmlns:a16="http://schemas.microsoft.com/office/drawing/2014/main" id="{D7D730A3-33CA-4CE8-ADE3-EA199C79BB8E}"/>
+                </a:ext>
+              </a:extLst>
+            </p:cNvPr>
+            <p:cNvSpPr txBox="1"/>
+            <p:nvPr/>
+          </p:nvSpPr>
+          <p:spPr>
+            <a:xfrm>
+              <a:off x="6901577" y="2398984"/>
+              <a:ext cx="880369" cy="307777"/>
+            </a:xfrm>
+            <a:prstGeom prst="rect">
+              <a:avLst/>
+            </a:prstGeom>
+            <a:noFill/>
+          </p:spPr>
+          <p:txBody>
+            <a:bodyPr wrap="none" rtlCol="0">
+              <a:spAutoFit/>
+            </a:bodyPr>
+            <a:lstStyle/>
+            <a:p>
+              <a:r>
+                <a:rPr lang="en-US" sz="1400" dirty="0">
+                  <a:latin typeface="Consolas" panose="020B0609020204030204" pitchFamily="49" charset="0"/>
+                </a:rPr>
+                <a:t>surface</a:t>
+              </a:r>
+            </a:p>
+          </p:txBody>
+        </p:sp>
+      </p:grpSp>
     </p:spTree>
     <p:extLst>
       <p:ext uri="{BB962C8B-B14F-4D97-AF65-F5344CB8AC3E}">

--- a/images/pygame_rect_window.pptx
+++ b/images/pygame_rect_window.pptx
@@ -5,7 +5,7 @@
     <p:sldMasterId id="2147483648" r:id="rId1"/>
   </p:sldMasterIdLst>
   <p:notesMasterIdLst>
-    <p:notesMasterId r:id="rId21"/>
+    <p:notesMasterId r:id="rId22"/>
   </p:notesMasterIdLst>
   <p:sldIdLst>
     <p:sldId id="257" r:id="rId2"/>
@@ -27,6 +27,7 @@
     <p:sldId id="275" r:id="rId18"/>
     <p:sldId id="276" r:id="rId19"/>
     <p:sldId id="277" r:id="rId20"/>
+    <p:sldId id="278" r:id="rId21"/>
   </p:sldIdLst>
   <p:sldSz cx="12192000" cy="6858000"/>
   <p:notesSz cx="6858000" cy="9144000"/>
@@ -219,7 +220,7 @@
           <a:p>
             <a:fld id="{A06AD928-664A-442C-B312-AFB4F7171F46}" type="datetimeFigureOut">
               <a:rPr lang="en-US" smtClean="0"/>
-              <a:t>7/20/2017</a:t>
+              <a:t>7/28/2017</a:t>
             </a:fld>
             <a:endParaRPr lang="en-US"/>
           </a:p>
@@ -615,7 +616,7 @@
           <a:p>
             <a:fld id="{856FFBE8-0159-4FDA-8D70-04C5D85E84A4}" type="datetimeFigureOut">
               <a:rPr lang="en-US" smtClean="0"/>
-              <a:t>7/20/2017</a:t>
+              <a:t>7/28/2017</a:t>
             </a:fld>
             <a:endParaRPr lang="en-US"/>
           </a:p>
@@ -783,7 +784,7 @@
           <a:p>
             <a:fld id="{856FFBE8-0159-4FDA-8D70-04C5D85E84A4}" type="datetimeFigureOut">
               <a:rPr lang="en-US" smtClean="0"/>
-              <a:t>7/20/2017</a:t>
+              <a:t>7/28/2017</a:t>
             </a:fld>
             <a:endParaRPr lang="en-US"/>
           </a:p>
@@ -961,7 +962,7 @@
           <a:p>
             <a:fld id="{856FFBE8-0159-4FDA-8D70-04C5D85E84A4}" type="datetimeFigureOut">
               <a:rPr lang="en-US" smtClean="0"/>
-              <a:t>7/20/2017</a:t>
+              <a:t>7/28/2017</a:t>
             </a:fld>
             <a:endParaRPr lang="en-US"/>
           </a:p>
@@ -1129,7 +1130,7 @@
           <a:p>
             <a:fld id="{856FFBE8-0159-4FDA-8D70-04C5D85E84A4}" type="datetimeFigureOut">
               <a:rPr lang="en-US" smtClean="0"/>
-              <a:t>7/20/2017</a:t>
+              <a:t>7/28/2017</a:t>
             </a:fld>
             <a:endParaRPr lang="en-US"/>
           </a:p>
@@ -1374,7 +1375,7 @@
           <a:p>
             <a:fld id="{856FFBE8-0159-4FDA-8D70-04C5D85E84A4}" type="datetimeFigureOut">
               <a:rPr lang="en-US" smtClean="0"/>
-              <a:t>7/20/2017</a:t>
+              <a:t>7/28/2017</a:t>
             </a:fld>
             <a:endParaRPr lang="en-US"/>
           </a:p>
@@ -1603,7 +1604,7 @@
           <a:p>
             <a:fld id="{856FFBE8-0159-4FDA-8D70-04C5D85E84A4}" type="datetimeFigureOut">
               <a:rPr lang="en-US" smtClean="0"/>
-              <a:t>7/20/2017</a:t>
+              <a:t>7/28/2017</a:t>
             </a:fld>
             <a:endParaRPr lang="en-US"/>
           </a:p>
@@ -1967,7 +1968,7 @@
           <a:p>
             <a:fld id="{856FFBE8-0159-4FDA-8D70-04C5D85E84A4}" type="datetimeFigureOut">
               <a:rPr lang="en-US" smtClean="0"/>
-              <a:t>7/20/2017</a:t>
+              <a:t>7/28/2017</a:t>
             </a:fld>
             <a:endParaRPr lang="en-US"/>
           </a:p>
@@ -2084,7 +2085,7 @@
           <a:p>
             <a:fld id="{856FFBE8-0159-4FDA-8D70-04C5D85E84A4}" type="datetimeFigureOut">
               <a:rPr lang="en-US" smtClean="0"/>
-              <a:t>7/20/2017</a:t>
+              <a:t>7/28/2017</a:t>
             </a:fld>
             <a:endParaRPr lang="en-US"/>
           </a:p>
@@ -2179,7 +2180,7 @@
           <a:p>
             <a:fld id="{856FFBE8-0159-4FDA-8D70-04C5D85E84A4}" type="datetimeFigureOut">
               <a:rPr lang="en-US" smtClean="0"/>
-              <a:t>7/20/2017</a:t>
+              <a:t>7/28/2017</a:t>
             </a:fld>
             <a:endParaRPr lang="en-US"/>
           </a:p>
@@ -2454,7 +2455,7 @@
           <a:p>
             <a:fld id="{856FFBE8-0159-4FDA-8D70-04C5D85E84A4}" type="datetimeFigureOut">
               <a:rPr lang="en-US" smtClean="0"/>
-              <a:t>7/20/2017</a:t>
+              <a:t>7/28/2017</a:t>
             </a:fld>
             <a:endParaRPr lang="en-US"/>
           </a:p>
@@ -2706,7 +2707,7 @@
           <a:p>
             <a:fld id="{856FFBE8-0159-4FDA-8D70-04C5D85E84A4}" type="datetimeFigureOut">
               <a:rPr lang="en-US" smtClean="0"/>
-              <a:t>7/20/2017</a:t>
+              <a:t>7/28/2017</a:t>
             </a:fld>
             <a:endParaRPr lang="en-US"/>
           </a:p>
@@ -2917,7 +2918,7 @@
           <a:p>
             <a:fld id="{856FFBE8-0159-4FDA-8D70-04C5D85E84A4}" type="datetimeFigureOut">
               <a:rPr lang="en-US" smtClean="0"/>
-              <a:t>7/20/2017</a:t>
+              <a:t>7/28/2017</a:t>
             </a:fld>
             <a:endParaRPr lang="en-US"/>
           </a:p>
@@ -11203,6 +11204,112 @@
 </p:sld>
 </file>
 
+<file path=ppt/slides/slide20.xml><?xml version="1.0" encoding="utf-8"?>
+<p:sld xmlns:a="http://schemas.openxmlformats.org/drawingml/2006/main" xmlns:r="http://schemas.openxmlformats.org/officeDocument/2006/relationships" xmlns:p="http://schemas.openxmlformats.org/presentationml/2006/main">
+  <p:cSld>
+    <p:spTree>
+      <p:nvGrpSpPr>
+        <p:cNvPr id="1" name=""/>
+        <p:cNvGrpSpPr/>
+        <p:nvPr/>
+      </p:nvGrpSpPr>
+      <p:grpSpPr>
+        <a:xfrm>
+          <a:off x="0" y="0"/>
+          <a:ext cx="0" cy="0"/>
+          <a:chOff x="0" y="0"/>
+          <a:chExt cx="0" cy="0"/>
+        </a:xfrm>
+      </p:grpSpPr>
+      <p:pic>
+        <p:nvPicPr>
+          <p:cNvPr id="6" name="Picture 5" descr="A fox sitting on a branch&#10;&#10;Description generated with high confidence">
+            <a:extLst>
+              <a:ext uri="{FF2B5EF4-FFF2-40B4-BE49-F238E27FC236}">
+                <a16:creationId xmlns:a16="http://schemas.microsoft.com/office/drawing/2014/main" id="{B0C154B0-9A0C-431C-A712-0267C91B56D2}"/>
+              </a:ext>
+            </a:extLst>
+          </p:cNvPr>
+          <p:cNvPicPr>
+            <a:picLocks noChangeAspect="1"/>
+          </p:cNvPicPr>
+          <p:nvPr/>
+        </p:nvPicPr>
+        <p:blipFill>
+          <a:blip r:embed="rId2">
+            <a:extLst>
+              <a:ext uri="{28A0092B-C50C-407E-A947-70E740481C1C}">
+                <a14:useLocalDpi xmlns:a14="http://schemas.microsoft.com/office/drawing/2010/main" val="0"/>
+              </a:ext>
+            </a:extLst>
+          </a:blip>
+          <a:stretch>
+            <a:fillRect/>
+          </a:stretch>
+        </p:blipFill>
+        <p:spPr>
+          <a:xfrm>
+            <a:off x="1135496" y="1828800"/>
+            <a:ext cx="3865980" cy="2697595"/>
+          </a:xfrm>
+          <a:prstGeom prst="rect">
+            <a:avLst/>
+          </a:prstGeom>
+        </p:spPr>
+      </p:pic>
+      <p:sp>
+        <p:nvSpPr>
+          <p:cNvPr id="9" name="TextBox 8">
+            <a:extLst>
+              <a:ext uri="{FF2B5EF4-FFF2-40B4-BE49-F238E27FC236}">
+                <a16:creationId xmlns:a16="http://schemas.microsoft.com/office/drawing/2014/main" id="{DF5EFAB4-7B98-4D60-955A-864779A3EE0F}"/>
+              </a:ext>
+            </a:extLst>
+          </p:cNvPr>
+          <p:cNvSpPr txBox="1"/>
+          <p:nvPr/>
+        </p:nvSpPr>
+        <p:spPr>
+          <a:xfrm>
+            <a:off x="1135496" y="1828800"/>
+            <a:ext cx="1591077" cy="369332"/>
+          </a:xfrm>
+          <a:prstGeom prst="rect">
+            <a:avLst/>
+          </a:prstGeom>
+          <a:noFill/>
+          <a:ln>
+            <a:solidFill>
+              <a:schemeClr val="tx1"/>
+            </a:solidFill>
+          </a:ln>
+        </p:spPr>
+        <p:txBody>
+          <a:bodyPr wrap="none" rtlCol="0">
+            <a:spAutoFit/>
+          </a:bodyPr>
+          <a:lstStyle/>
+          <a:p>
+            <a:r>
+              <a:rPr lang="en-US" b="1" dirty="0"/>
+              <a:t>Attack A Dawn</a:t>
+            </a:r>
+          </a:p>
+        </p:txBody>
+      </p:sp>
+    </p:spTree>
+    <p:extLst>
+      <p:ext uri="{BB962C8B-B14F-4D97-AF65-F5344CB8AC3E}">
+        <p14:creationId xmlns:p14="http://schemas.microsoft.com/office/powerpoint/2010/main" val="882381640"/>
+      </p:ext>
+    </p:extLst>
+  </p:cSld>
+  <p:clrMapOvr>
+    <a:masterClrMapping/>
+  </p:clrMapOvr>
+</p:sld>
+</file>
+
 <file path=ppt/slides/slide3.xml><?xml version="1.0" encoding="utf-8"?>
 <p:sld xmlns:a="http://schemas.openxmlformats.org/drawingml/2006/main" xmlns:r="http://schemas.openxmlformats.org/officeDocument/2006/relationships" xmlns:p="http://schemas.openxmlformats.org/presentationml/2006/main">
   <p:cSld>

--- a/images/pygame_rect_window.pptx
+++ b/images/pygame_rect_window.pptx
@@ -5,7 +5,7 @@
     <p:sldMasterId id="2147483648" r:id="rId1"/>
   </p:sldMasterIdLst>
   <p:notesMasterIdLst>
-    <p:notesMasterId r:id="rId22"/>
+    <p:notesMasterId r:id="rId23"/>
   </p:notesMasterIdLst>
   <p:sldIdLst>
     <p:sldId id="257" r:id="rId2"/>
@@ -28,6 +28,7 @@
     <p:sldId id="276" r:id="rId19"/>
     <p:sldId id="277" r:id="rId20"/>
     <p:sldId id="278" r:id="rId21"/>
+    <p:sldId id="279" r:id="rId22"/>
   </p:sldIdLst>
   <p:sldSz cx="12192000" cy="6858000"/>
   <p:notesSz cx="6858000" cy="9144000"/>
@@ -11221,86 +11222,2058 @@
           <a:chExt cx="0" cy="0"/>
         </a:xfrm>
       </p:grpSpPr>
-      <p:pic>
-        <p:nvPicPr>
-          <p:cNvPr id="6" name="Picture 5" descr="A fox sitting on a branch&#10;&#10;Description generated with high confidence">
+      <p:grpSp>
+        <p:nvGrpSpPr>
+          <p:cNvPr id="28" name="Group 27">
             <a:extLst>
               <a:ext uri="{FF2B5EF4-FFF2-40B4-BE49-F238E27FC236}">
-                <a16:creationId xmlns:a16="http://schemas.microsoft.com/office/drawing/2014/main" id="{B0C154B0-9A0C-431C-A712-0267C91B56D2}"/>
+                <a16:creationId xmlns:a16="http://schemas.microsoft.com/office/drawing/2014/main" id="{D85B85AF-4421-44B0-A1E9-C70B3C033AFF}"/>
               </a:ext>
             </a:extLst>
           </p:cNvPr>
-          <p:cNvPicPr>
-            <a:picLocks noChangeAspect="1"/>
-          </p:cNvPicPr>
+          <p:cNvGrpSpPr/>
           <p:nvPr/>
-        </p:nvPicPr>
-        <p:blipFill>
-          <a:blip r:embed="rId2">
-            <a:extLst>
-              <a:ext uri="{28A0092B-C50C-407E-A947-70E740481C1C}">
-                <a14:useLocalDpi xmlns:a14="http://schemas.microsoft.com/office/drawing/2010/main" val="0"/>
-              </a:ext>
-            </a:extLst>
-          </a:blip>
-          <a:stretch>
-            <a:fillRect/>
-          </a:stretch>
-        </p:blipFill>
-        <p:spPr>
+        </p:nvGrpSpPr>
+        <p:grpSpPr>
           <a:xfrm>
-            <a:off x="1135496" y="1828800"/>
-            <a:ext cx="3865980" cy="2697595"/>
+            <a:off x="1432485" y="116673"/>
+            <a:ext cx="7015231" cy="5454133"/>
+            <a:chOff x="1432485" y="116673"/>
+            <a:chExt cx="7015231" cy="5454133"/>
           </a:xfrm>
-          <a:prstGeom prst="rect">
-            <a:avLst/>
-          </a:prstGeom>
-        </p:spPr>
-      </p:pic>
-      <p:sp>
-        <p:nvSpPr>
-          <p:cNvPr id="9" name="TextBox 8">
-            <a:extLst>
-              <a:ext uri="{FF2B5EF4-FFF2-40B4-BE49-F238E27FC236}">
-                <a16:creationId xmlns:a16="http://schemas.microsoft.com/office/drawing/2014/main" id="{DF5EFAB4-7B98-4D60-955A-864779A3EE0F}"/>
-              </a:ext>
-            </a:extLst>
-          </p:cNvPr>
-          <p:cNvSpPr txBox="1"/>
-          <p:nvPr/>
-        </p:nvSpPr>
-        <p:spPr>
-          <a:xfrm>
-            <a:off x="1135496" y="1828800"/>
-            <a:ext cx="1591077" cy="369332"/>
-          </a:xfrm>
-          <a:prstGeom prst="rect">
-            <a:avLst/>
-          </a:prstGeom>
-          <a:noFill/>
-          <a:ln>
-            <a:solidFill>
+        </p:grpSpPr>
+        <p:pic>
+          <p:nvPicPr>
+            <p:cNvPr id="6" name="Picture 5" descr="A fox sitting on a branch&#10;&#10;Description generated with high confidence">
+              <a:extLst>
+                <a:ext uri="{FF2B5EF4-FFF2-40B4-BE49-F238E27FC236}">
+                  <a16:creationId xmlns:a16="http://schemas.microsoft.com/office/drawing/2014/main" id="{B0C154B0-9A0C-431C-A712-0267C91B56D2}"/>
+                </a:ext>
+              </a:extLst>
+            </p:cNvPr>
+            <p:cNvPicPr>
+              <a:picLocks noChangeAspect="1"/>
+            </p:cNvPicPr>
+            <p:nvPr/>
+          </p:nvPicPr>
+          <p:blipFill>
+            <a:blip r:embed="rId2">
+              <a:extLst>
+                <a:ext uri="{28A0092B-C50C-407E-A947-70E740481C1C}">
+                  <a14:useLocalDpi xmlns:a14="http://schemas.microsoft.com/office/drawing/2010/main" val="0"/>
+                </a:ext>
+              </a:extLst>
+            </a:blip>
+            <a:stretch>
+              <a:fillRect/>
+            </a:stretch>
+          </p:blipFill>
+          <p:spPr>
+            <a:xfrm>
+              <a:off x="1526265" y="711193"/>
+              <a:ext cx="2803458" cy="1956191"/>
+            </a:xfrm>
+            <a:prstGeom prst="rect">
+              <a:avLst/>
+            </a:prstGeom>
+          </p:spPr>
+        </p:pic>
+        <p:sp>
+          <p:nvSpPr>
+            <p:cNvPr id="9" name="TextBox 8">
+              <a:extLst>
+                <a:ext uri="{FF2B5EF4-FFF2-40B4-BE49-F238E27FC236}">
+                  <a16:creationId xmlns:a16="http://schemas.microsoft.com/office/drawing/2014/main" id="{DF5EFAB4-7B98-4D60-955A-864779A3EE0F}"/>
+                </a:ext>
+              </a:extLst>
+            </p:cNvPr>
+            <p:cNvSpPr txBox="1"/>
+            <p:nvPr/>
+          </p:nvSpPr>
+          <p:spPr>
+            <a:xfrm>
+              <a:off x="5731452" y="836241"/>
+              <a:ext cx="1591077" cy="369332"/>
+            </a:xfrm>
+            <a:prstGeom prst="rect">
+              <a:avLst/>
+            </a:prstGeom>
+            <a:noFill/>
+            <a:ln>
+              <a:solidFill>
+                <a:schemeClr val="tx1"/>
+              </a:solidFill>
+            </a:ln>
+          </p:spPr>
+          <p:txBody>
+            <a:bodyPr wrap="none" rtlCol="0">
+              <a:spAutoFit/>
+            </a:bodyPr>
+            <a:lstStyle/>
+            <a:p>
+              <a:r>
+                <a:rPr lang="en-US" b="1" dirty="0"/>
+                <a:t>Attack A Dawn</a:t>
+              </a:r>
+            </a:p>
+          </p:txBody>
+        </p:sp>
+        <p:sp>
+          <p:nvSpPr>
+            <p:cNvPr id="13" name="TextBox 12">
+              <a:extLst>
+                <a:ext uri="{FF2B5EF4-FFF2-40B4-BE49-F238E27FC236}">
+                  <a16:creationId xmlns:a16="http://schemas.microsoft.com/office/drawing/2014/main" id="{9D075D87-F1E6-426A-91CD-9B09AD5C9D96}"/>
+                </a:ext>
+              </a:extLst>
+            </p:cNvPr>
+            <p:cNvSpPr txBox="1"/>
+            <p:nvPr/>
+          </p:nvSpPr>
+          <p:spPr>
+            <a:xfrm>
+              <a:off x="1432485" y="209006"/>
+              <a:ext cx="2897238" cy="307777"/>
+            </a:xfrm>
+            <a:prstGeom prst="rect">
+              <a:avLst/>
+            </a:prstGeom>
+            <a:noFill/>
+          </p:spPr>
+          <p:txBody>
+            <a:bodyPr wrap="square" rtlCol="0">
+              <a:spAutoFit/>
+            </a:bodyPr>
+            <a:lstStyle/>
+            <a:p>
+              <a:r>
+                <a:rPr lang="en-US" sz="1400" dirty="0"/>
+                <a:t>Image where all red values are even</a:t>
+              </a:r>
+            </a:p>
+          </p:txBody>
+        </p:sp>
+        <p:sp>
+          <p:nvSpPr>
+            <p:cNvPr id="16" name="TextBox 15">
+              <a:extLst>
+                <a:ext uri="{FF2B5EF4-FFF2-40B4-BE49-F238E27FC236}">
+                  <a16:creationId xmlns:a16="http://schemas.microsoft.com/office/drawing/2014/main" id="{12482126-B810-4D8F-9FC1-15AD2CFDA0EE}"/>
+                </a:ext>
+              </a:extLst>
+            </p:cNvPr>
+            <p:cNvSpPr txBox="1"/>
+            <p:nvPr/>
+          </p:nvSpPr>
+          <p:spPr>
+            <a:xfrm>
+              <a:off x="5664513" y="116673"/>
+              <a:ext cx="1658016" cy="738664"/>
+            </a:xfrm>
+            <a:prstGeom prst="rect">
+              <a:avLst/>
+            </a:prstGeom>
+            <a:noFill/>
+          </p:spPr>
+          <p:txBody>
+            <a:bodyPr wrap="square" rtlCol="0">
+              <a:spAutoFit/>
+            </a:bodyPr>
+            <a:lstStyle/>
+            <a:p>
+              <a:r>
+                <a:rPr lang="en-US" sz="1400" dirty="0"/>
+                <a:t>Black-and-white image with secret message</a:t>
+              </a:r>
+            </a:p>
+          </p:txBody>
+        </p:sp>
+        <p:cxnSp>
+          <p:nvCxnSpPr>
+            <p:cNvPr id="15" name="Straight Arrow Connector 14">
+              <a:extLst>
+                <a:ext uri="{FF2B5EF4-FFF2-40B4-BE49-F238E27FC236}">
+                  <a16:creationId xmlns:a16="http://schemas.microsoft.com/office/drawing/2014/main" id="{F2393FB0-0DD0-4FD0-9419-A746B431DAB5}"/>
+                </a:ext>
+              </a:extLst>
+            </p:cNvPr>
+            <p:cNvCxnSpPr>
+              <a:cxnSpLocks/>
+              <a:stCxn id="6" idx="2"/>
+            </p:cNvCxnSpPr>
+            <p:nvPr/>
+          </p:nvCxnSpPr>
+          <p:spPr>
+            <a:xfrm>
+              <a:off x="2927994" y="2667384"/>
+              <a:ext cx="1541620" cy="947231"/>
+            </a:xfrm>
+            <a:prstGeom prst="straightConnector1">
+              <a:avLst/>
+            </a:prstGeom>
+            <a:ln>
+              <a:tailEnd type="triangle"/>
+            </a:ln>
+          </p:spPr>
+          <p:style>
+            <a:lnRef idx="3">
+              <a:schemeClr val="dk1"/>
+            </a:lnRef>
+            <a:fillRef idx="0">
+              <a:schemeClr val="dk1"/>
+            </a:fillRef>
+            <a:effectRef idx="2">
+              <a:schemeClr val="dk1"/>
+            </a:effectRef>
+            <a:fontRef idx="minor">
               <a:schemeClr val="tx1"/>
-            </a:solidFill>
-          </a:ln>
-        </p:spPr>
-        <p:txBody>
-          <a:bodyPr wrap="none" rtlCol="0">
-            <a:spAutoFit/>
-          </a:bodyPr>
-          <a:lstStyle/>
-          <a:p>
-            <a:r>
-              <a:rPr lang="en-US" b="1" dirty="0"/>
-              <a:t>Attack A Dawn</a:t>
-            </a:r>
-          </a:p>
-        </p:txBody>
-      </p:sp>
+            </a:fontRef>
+          </p:style>
+        </p:cxnSp>
+        <p:cxnSp>
+          <p:nvCxnSpPr>
+            <p:cNvPr id="19" name="Straight Arrow Connector 18">
+              <a:extLst>
+                <a:ext uri="{FF2B5EF4-FFF2-40B4-BE49-F238E27FC236}">
+                  <a16:creationId xmlns:a16="http://schemas.microsoft.com/office/drawing/2014/main" id="{20A0056F-85BB-4AAC-842F-10243DCFE565}"/>
+                </a:ext>
+              </a:extLst>
+            </p:cNvPr>
+            <p:cNvCxnSpPr>
+              <a:cxnSpLocks/>
+              <a:stCxn id="9" idx="2"/>
+            </p:cNvCxnSpPr>
+            <p:nvPr/>
+          </p:nvCxnSpPr>
+          <p:spPr>
+            <a:xfrm flipH="1">
+              <a:off x="4460873" y="1205573"/>
+              <a:ext cx="2066118" cy="2409042"/>
+            </a:xfrm>
+            <a:prstGeom prst="straightConnector1">
+              <a:avLst/>
+            </a:prstGeom>
+            <a:ln>
+              <a:tailEnd type="triangle"/>
+            </a:ln>
+          </p:spPr>
+          <p:style>
+            <a:lnRef idx="3">
+              <a:schemeClr val="dk1"/>
+            </a:lnRef>
+            <a:fillRef idx="0">
+              <a:schemeClr val="dk1"/>
+            </a:fillRef>
+            <a:effectRef idx="2">
+              <a:schemeClr val="dk1"/>
+            </a:effectRef>
+            <a:fontRef idx="minor">
+              <a:schemeClr val="tx1"/>
+            </a:fontRef>
+          </p:style>
+        </p:cxnSp>
+        <p:pic>
+          <p:nvPicPr>
+            <p:cNvPr id="23" name="Picture 22" descr="A fox sitting on a branch&#10;&#10;Description generated with high confidence">
+              <a:extLst>
+                <a:ext uri="{FF2B5EF4-FFF2-40B4-BE49-F238E27FC236}">
+                  <a16:creationId xmlns:a16="http://schemas.microsoft.com/office/drawing/2014/main" id="{D7900E79-0E72-4E9E-A0CB-60F5476A186F}"/>
+                </a:ext>
+              </a:extLst>
+            </p:cNvPr>
+            <p:cNvPicPr>
+              <a:picLocks noChangeAspect="1"/>
+            </p:cNvPicPr>
+            <p:nvPr/>
+          </p:nvPicPr>
+          <p:blipFill>
+            <a:blip r:embed="rId2">
+              <a:extLst>
+                <a:ext uri="{28A0092B-C50C-407E-A947-70E740481C1C}">
+                  <a14:useLocalDpi xmlns:a14="http://schemas.microsoft.com/office/drawing/2010/main" val="0"/>
+                </a:ext>
+              </a:extLst>
+            </a:blip>
+            <a:stretch>
+              <a:fillRect/>
+            </a:stretch>
+          </p:blipFill>
+          <p:spPr>
+            <a:xfrm>
+              <a:off x="2861055" y="3614615"/>
+              <a:ext cx="2803458" cy="1956191"/>
+            </a:xfrm>
+            <a:prstGeom prst="rect">
+              <a:avLst/>
+            </a:prstGeom>
+          </p:spPr>
+        </p:pic>
+        <p:sp>
+          <p:nvSpPr>
+            <p:cNvPr id="24" name="TextBox 23">
+              <a:extLst>
+                <a:ext uri="{FF2B5EF4-FFF2-40B4-BE49-F238E27FC236}">
+                  <a16:creationId xmlns:a16="http://schemas.microsoft.com/office/drawing/2014/main" id="{E502C2A5-2C00-4B74-8425-7A807AC23DBB}"/>
+                </a:ext>
+              </a:extLst>
+            </p:cNvPr>
+            <p:cNvSpPr txBox="1"/>
+            <p:nvPr/>
+          </p:nvSpPr>
+          <p:spPr>
+            <a:xfrm>
+              <a:off x="2869796" y="3614615"/>
+              <a:ext cx="1591077" cy="369332"/>
+            </a:xfrm>
+            <a:prstGeom prst="rect">
+              <a:avLst/>
+            </a:prstGeom>
+            <a:noFill/>
+            <a:ln>
+              <a:solidFill>
+                <a:schemeClr val="tx1"/>
+              </a:solidFill>
+            </a:ln>
+          </p:spPr>
+          <p:txBody>
+            <a:bodyPr wrap="none" rtlCol="0">
+              <a:spAutoFit/>
+            </a:bodyPr>
+            <a:lstStyle/>
+            <a:p>
+              <a:r>
+                <a:rPr lang="en-US" b="1" dirty="0"/>
+                <a:t>Attack A Dawn</a:t>
+              </a:r>
+            </a:p>
+          </p:txBody>
+        </p:sp>
+        <p:sp>
+          <p:nvSpPr>
+            <p:cNvPr id="25" name="TextBox 24">
+              <a:extLst>
+                <a:ext uri="{FF2B5EF4-FFF2-40B4-BE49-F238E27FC236}">
+                  <a16:creationId xmlns:a16="http://schemas.microsoft.com/office/drawing/2014/main" id="{280F53C6-03FA-4E67-80F7-63453C28C435}"/>
+                </a:ext>
+              </a:extLst>
+            </p:cNvPr>
+            <p:cNvSpPr txBox="1"/>
+            <p:nvPr/>
+          </p:nvSpPr>
+          <p:spPr>
+            <a:xfrm>
+              <a:off x="5673254" y="3799281"/>
+              <a:ext cx="2774462" cy="1384995"/>
+            </a:xfrm>
+            <a:prstGeom prst="rect">
+              <a:avLst/>
+            </a:prstGeom>
+            <a:noFill/>
+          </p:spPr>
+          <p:txBody>
+            <a:bodyPr wrap="square" rtlCol="0">
+              <a:spAutoFit/>
+            </a:bodyPr>
+            <a:lstStyle/>
+            <a:p>
+              <a:r>
+                <a:rPr lang="en-US" sz="1400" dirty="0"/>
+                <a:t>Wherever there is a black pixel in the message then make the red component in the corresponding pixel in the image odd. Of course the objective is not to see the message in the new image</a:t>
+              </a:r>
+            </a:p>
+          </p:txBody>
+        </p:sp>
+      </p:grpSp>
     </p:spTree>
     <p:extLst>
       <p:ext uri="{BB962C8B-B14F-4D97-AF65-F5344CB8AC3E}">
         <p14:creationId xmlns:p14="http://schemas.microsoft.com/office/powerpoint/2010/main" val="882381640"/>
+      </p:ext>
+    </p:extLst>
+  </p:cSld>
+  <p:clrMapOvr>
+    <a:masterClrMapping/>
+  </p:clrMapOvr>
+</p:sld>
+</file>
+
+<file path=ppt/slides/slide21.xml><?xml version="1.0" encoding="utf-8"?>
+<p:sld xmlns:a="http://schemas.openxmlformats.org/drawingml/2006/main" xmlns:r="http://schemas.openxmlformats.org/officeDocument/2006/relationships" xmlns:p="http://schemas.openxmlformats.org/presentationml/2006/main">
+  <p:cSld>
+    <p:spTree>
+      <p:nvGrpSpPr>
+        <p:cNvPr id="1" name=""/>
+        <p:cNvGrpSpPr/>
+        <p:nvPr/>
+      </p:nvGrpSpPr>
+      <p:grpSpPr>
+        <a:xfrm>
+          <a:off x="0" y="0"/>
+          <a:ext cx="0" cy="0"/>
+          <a:chOff x="0" y="0"/>
+          <a:chExt cx="0" cy="0"/>
+        </a:xfrm>
+      </p:grpSpPr>
+      <p:graphicFrame>
+        <p:nvGraphicFramePr>
+          <p:cNvPr id="2" name="Table 1">
+            <a:extLst>
+              <a:ext uri="{FF2B5EF4-FFF2-40B4-BE49-F238E27FC236}">
+                <a16:creationId xmlns:a16="http://schemas.microsoft.com/office/drawing/2014/main" id="{30230D9B-8364-4F6D-A6C0-034E803EE38A}"/>
+              </a:ext>
+            </a:extLst>
+          </p:cNvPr>
+          <p:cNvGraphicFramePr>
+            <a:graphicFrameLocks noGrp="1"/>
+          </p:cNvGraphicFramePr>
+          <p:nvPr>
+            <p:extLst>
+              <p:ext uri="{D42A27DB-BD31-4B8C-83A1-F6EECF244321}">
+                <p14:modId xmlns:p14="http://schemas.microsoft.com/office/powerpoint/2010/main" val="2784209812"/>
+              </p:ext>
+            </p:extLst>
+          </p:nvPr>
+        </p:nvGraphicFramePr>
+        <p:xfrm>
+          <a:off x="2266460" y="1157328"/>
+          <a:ext cx="1242648" cy="1112520"/>
+        </p:xfrm>
+        <a:graphic>
+          <a:graphicData uri="http://schemas.openxmlformats.org/drawingml/2006/table">
+            <a:tbl>
+              <a:tblPr firstRow="1" bandRow="1">
+                <a:tableStyleId>{5C22544A-7EE6-4342-B048-85BDC9FD1C3A}</a:tableStyleId>
+              </a:tblPr>
+              <a:tblGrid>
+                <a:gridCol w="414216">
+                  <a:extLst>
+                    <a:ext uri="{9D8B030D-6E8A-4147-A177-3AD203B41FA5}">
+                      <a16:colId xmlns:a16="http://schemas.microsoft.com/office/drawing/2014/main" val="4209934467"/>
+                    </a:ext>
+                  </a:extLst>
+                </a:gridCol>
+                <a:gridCol w="414216">
+                  <a:extLst>
+                    <a:ext uri="{9D8B030D-6E8A-4147-A177-3AD203B41FA5}">
+                      <a16:colId xmlns:a16="http://schemas.microsoft.com/office/drawing/2014/main" val="3396819701"/>
+                    </a:ext>
+                  </a:extLst>
+                </a:gridCol>
+                <a:gridCol w="414216">
+                  <a:extLst>
+                    <a:ext uri="{9D8B030D-6E8A-4147-A177-3AD203B41FA5}">
+                      <a16:colId xmlns:a16="http://schemas.microsoft.com/office/drawing/2014/main" val="829737121"/>
+                    </a:ext>
+                  </a:extLst>
+                </a:gridCol>
+              </a:tblGrid>
+              <a:tr h="370840">
+                <a:tc>
+                  <a:txBody>
+                    <a:bodyPr/>
+                    <a:lstStyle/>
+                    <a:p>
+                      <a:endParaRPr lang="en-US" dirty="0"/>
+                    </a:p>
+                  </a:txBody>
+                  <a:tcPr>
+                    <a:lnL w="12700" cap="flat" cmpd="sng" algn="ctr">
+                      <a:solidFill>
+                        <a:schemeClr val="tx1"/>
+                      </a:solidFill>
+                      <a:prstDash val="solid"/>
+                      <a:round/>
+                      <a:headEnd type="none" w="med" len="med"/>
+                      <a:tailEnd type="none" w="med" len="med"/>
+                    </a:lnL>
+                    <a:lnR w="12700" cap="flat" cmpd="sng" algn="ctr">
+                      <a:solidFill>
+                        <a:schemeClr val="tx1"/>
+                      </a:solidFill>
+                      <a:prstDash val="solid"/>
+                      <a:round/>
+                      <a:headEnd type="none" w="med" len="med"/>
+                      <a:tailEnd type="none" w="med" len="med"/>
+                    </a:lnR>
+                    <a:lnT w="12700" cap="flat" cmpd="sng" algn="ctr">
+                      <a:solidFill>
+                        <a:schemeClr val="tx1"/>
+                      </a:solidFill>
+                      <a:prstDash val="solid"/>
+                      <a:round/>
+                      <a:headEnd type="none" w="med" len="med"/>
+                      <a:tailEnd type="none" w="med" len="med"/>
+                    </a:lnT>
+                    <a:lnB w="12700" cap="flat" cmpd="sng" algn="ctr">
+                      <a:solidFill>
+                        <a:schemeClr val="tx1"/>
+                      </a:solidFill>
+                      <a:prstDash val="solid"/>
+                      <a:round/>
+                      <a:headEnd type="none" w="med" len="med"/>
+                      <a:tailEnd type="none" w="med" len="med"/>
+                    </a:lnB>
+                    <a:solidFill>
+                      <a:srgbClr val="00B050"/>
+                    </a:solidFill>
+                  </a:tcPr>
+                </a:tc>
+                <a:tc>
+                  <a:txBody>
+                    <a:bodyPr/>
+                    <a:lstStyle/>
+                    <a:p>
+                      <a:endParaRPr lang="en-US" dirty="0"/>
+                    </a:p>
+                  </a:txBody>
+                  <a:tcPr>
+                    <a:lnL w="12700" cap="flat" cmpd="sng" algn="ctr">
+                      <a:solidFill>
+                        <a:schemeClr val="tx1"/>
+                      </a:solidFill>
+                      <a:prstDash val="solid"/>
+                      <a:round/>
+                      <a:headEnd type="none" w="med" len="med"/>
+                      <a:tailEnd type="none" w="med" len="med"/>
+                    </a:lnL>
+                    <a:lnR w="12700" cap="flat" cmpd="sng" algn="ctr">
+                      <a:solidFill>
+                        <a:schemeClr val="tx1"/>
+                      </a:solidFill>
+                      <a:prstDash val="solid"/>
+                      <a:round/>
+                      <a:headEnd type="none" w="med" len="med"/>
+                      <a:tailEnd type="none" w="med" len="med"/>
+                    </a:lnR>
+                    <a:lnT w="12700" cap="flat" cmpd="sng" algn="ctr">
+                      <a:solidFill>
+                        <a:schemeClr val="tx1"/>
+                      </a:solidFill>
+                      <a:prstDash val="solid"/>
+                      <a:round/>
+                      <a:headEnd type="none" w="med" len="med"/>
+                      <a:tailEnd type="none" w="med" len="med"/>
+                    </a:lnT>
+                    <a:lnB w="12700" cap="flat" cmpd="sng" algn="ctr">
+                      <a:solidFill>
+                        <a:schemeClr val="tx1"/>
+                      </a:solidFill>
+                      <a:prstDash val="solid"/>
+                      <a:round/>
+                      <a:headEnd type="none" w="med" len="med"/>
+                      <a:tailEnd type="none" w="med" len="med"/>
+                    </a:lnB>
+                    <a:solidFill>
+                      <a:schemeClr val="accent1">
+                        <a:lumMod val="75000"/>
+                      </a:schemeClr>
+                    </a:solidFill>
+                  </a:tcPr>
+                </a:tc>
+                <a:tc>
+                  <a:txBody>
+                    <a:bodyPr/>
+                    <a:lstStyle/>
+                    <a:p>
+                      <a:endParaRPr lang="en-US"/>
+                    </a:p>
+                  </a:txBody>
+                  <a:tcPr>
+                    <a:lnL w="12700" cap="flat" cmpd="sng" algn="ctr">
+                      <a:solidFill>
+                        <a:schemeClr val="tx1"/>
+                      </a:solidFill>
+                      <a:prstDash val="solid"/>
+                      <a:round/>
+                      <a:headEnd type="none" w="med" len="med"/>
+                      <a:tailEnd type="none" w="med" len="med"/>
+                    </a:lnL>
+                    <a:lnR w="12700" cap="flat" cmpd="sng" algn="ctr">
+                      <a:solidFill>
+                        <a:schemeClr val="tx1"/>
+                      </a:solidFill>
+                      <a:prstDash val="solid"/>
+                      <a:round/>
+                      <a:headEnd type="none" w="med" len="med"/>
+                      <a:tailEnd type="none" w="med" len="med"/>
+                    </a:lnR>
+                    <a:lnT w="12700" cap="flat" cmpd="sng" algn="ctr">
+                      <a:solidFill>
+                        <a:schemeClr val="tx1"/>
+                      </a:solidFill>
+                      <a:prstDash val="solid"/>
+                      <a:round/>
+                      <a:headEnd type="none" w="med" len="med"/>
+                      <a:tailEnd type="none" w="med" len="med"/>
+                    </a:lnT>
+                    <a:lnB w="12700" cap="flat" cmpd="sng" algn="ctr">
+                      <a:solidFill>
+                        <a:schemeClr val="tx1"/>
+                      </a:solidFill>
+                      <a:prstDash val="solid"/>
+                      <a:round/>
+                      <a:headEnd type="none" w="med" len="med"/>
+                      <a:tailEnd type="none" w="med" len="med"/>
+                    </a:lnB>
+                    <a:solidFill>
+                      <a:schemeClr val="bg1"/>
+                    </a:solidFill>
+                  </a:tcPr>
+                </a:tc>
+                <a:extLst>
+                  <a:ext uri="{0D108BD9-81ED-4DB2-BD59-A6C34878D82A}">
+                    <a16:rowId xmlns:a16="http://schemas.microsoft.com/office/drawing/2014/main" val="99337669"/>
+                  </a:ext>
+                </a:extLst>
+              </a:tr>
+              <a:tr h="370840">
+                <a:tc>
+                  <a:txBody>
+                    <a:bodyPr/>
+                    <a:lstStyle/>
+                    <a:p>
+                      <a:endParaRPr lang="en-US" dirty="0"/>
+                    </a:p>
+                  </a:txBody>
+                  <a:tcPr>
+                    <a:lnL w="12700" cap="flat" cmpd="sng" algn="ctr">
+                      <a:solidFill>
+                        <a:schemeClr val="tx1"/>
+                      </a:solidFill>
+                      <a:prstDash val="solid"/>
+                      <a:round/>
+                      <a:headEnd type="none" w="med" len="med"/>
+                      <a:tailEnd type="none" w="med" len="med"/>
+                    </a:lnL>
+                    <a:lnR w="12700" cap="flat" cmpd="sng" algn="ctr">
+                      <a:solidFill>
+                        <a:schemeClr val="tx1"/>
+                      </a:solidFill>
+                      <a:prstDash val="solid"/>
+                      <a:round/>
+                      <a:headEnd type="none" w="med" len="med"/>
+                      <a:tailEnd type="none" w="med" len="med"/>
+                    </a:lnR>
+                    <a:lnT w="12700" cap="flat" cmpd="sng" algn="ctr">
+                      <a:solidFill>
+                        <a:schemeClr val="tx1"/>
+                      </a:solidFill>
+                      <a:prstDash val="solid"/>
+                      <a:round/>
+                      <a:headEnd type="none" w="med" len="med"/>
+                      <a:tailEnd type="none" w="med" len="med"/>
+                    </a:lnT>
+                    <a:lnB w="12700" cap="flat" cmpd="sng" algn="ctr">
+                      <a:solidFill>
+                        <a:schemeClr val="tx1"/>
+                      </a:solidFill>
+                      <a:prstDash val="solid"/>
+                      <a:round/>
+                      <a:headEnd type="none" w="med" len="med"/>
+                      <a:tailEnd type="none" w="med" len="med"/>
+                    </a:lnB>
+                    <a:solidFill>
+                      <a:srgbClr val="00B050"/>
+                    </a:solidFill>
+                  </a:tcPr>
+                </a:tc>
+                <a:tc>
+                  <a:txBody>
+                    <a:bodyPr/>
+                    <a:lstStyle/>
+                    <a:p>
+                      <a:pPr algn="ctr"/>
+                      <a:r>
+                        <a:rPr lang="en-US" b="1" dirty="0"/>
+                        <a:t>X</a:t>
+                      </a:r>
+                    </a:p>
+                  </a:txBody>
+                  <a:tcPr>
+                    <a:lnL w="12700" cap="flat" cmpd="sng" algn="ctr">
+                      <a:solidFill>
+                        <a:schemeClr val="tx1"/>
+                      </a:solidFill>
+                      <a:prstDash val="solid"/>
+                      <a:round/>
+                      <a:headEnd type="none" w="med" len="med"/>
+                      <a:tailEnd type="none" w="med" len="med"/>
+                    </a:lnL>
+                    <a:lnR w="12700" cap="flat" cmpd="sng" algn="ctr">
+                      <a:solidFill>
+                        <a:schemeClr val="tx1"/>
+                      </a:solidFill>
+                      <a:prstDash val="solid"/>
+                      <a:round/>
+                      <a:headEnd type="none" w="med" len="med"/>
+                      <a:tailEnd type="none" w="med" len="med"/>
+                    </a:lnR>
+                    <a:lnT w="12700" cap="flat" cmpd="sng" algn="ctr">
+                      <a:solidFill>
+                        <a:schemeClr val="tx1"/>
+                      </a:solidFill>
+                      <a:prstDash val="solid"/>
+                      <a:round/>
+                      <a:headEnd type="none" w="med" len="med"/>
+                      <a:tailEnd type="none" w="med" len="med"/>
+                    </a:lnT>
+                    <a:lnB w="12700" cap="flat" cmpd="sng" algn="ctr">
+                      <a:solidFill>
+                        <a:schemeClr val="tx1"/>
+                      </a:solidFill>
+                      <a:prstDash val="solid"/>
+                      <a:round/>
+                      <a:headEnd type="none" w="med" len="med"/>
+                      <a:tailEnd type="none" w="med" len="med"/>
+                    </a:lnB>
+                    <a:solidFill>
+                      <a:srgbClr val="00B050"/>
+                    </a:solidFill>
+                  </a:tcPr>
+                </a:tc>
+                <a:tc>
+                  <a:txBody>
+                    <a:bodyPr/>
+                    <a:lstStyle/>
+                    <a:p>
+                      <a:endParaRPr lang="en-US" dirty="0"/>
+                    </a:p>
+                  </a:txBody>
+                  <a:tcPr>
+                    <a:lnL w="12700" cap="flat" cmpd="sng" algn="ctr">
+                      <a:solidFill>
+                        <a:schemeClr val="tx1"/>
+                      </a:solidFill>
+                      <a:prstDash val="solid"/>
+                      <a:round/>
+                      <a:headEnd type="none" w="med" len="med"/>
+                      <a:tailEnd type="none" w="med" len="med"/>
+                    </a:lnL>
+                    <a:lnR w="12700" cap="flat" cmpd="sng" algn="ctr">
+                      <a:solidFill>
+                        <a:schemeClr val="tx1"/>
+                      </a:solidFill>
+                      <a:prstDash val="solid"/>
+                      <a:round/>
+                      <a:headEnd type="none" w="med" len="med"/>
+                      <a:tailEnd type="none" w="med" len="med"/>
+                    </a:lnR>
+                    <a:lnT w="12700" cap="flat" cmpd="sng" algn="ctr">
+                      <a:solidFill>
+                        <a:schemeClr val="tx1"/>
+                      </a:solidFill>
+                      <a:prstDash val="solid"/>
+                      <a:round/>
+                      <a:headEnd type="none" w="med" len="med"/>
+                      <a:tailEnd type="none" w="med" len="med"/>
+                    </a:lnT>
+                    <a:lnB w="12700" cap="flat" cmpd="sng" algn="ctr">
+                      <a:solidFill>
+                        <a:schemeClr val="tx1"/>
+                      </a:solidFill>
+                      <a:prstDash val="solid"/>
+                      <a:round/>
+                      <a:headEnd type="none" w="med" len="med"/>
+                      <a:tailEnd type="none" w="med" len="med"/>
+                    </a:lnB>
+                    <a:solidFill>
+                      <a:schemeClr val="accent1">
+                        <a:lumMod val="75000"/>
+                      </a:schemeClr>
+                    </a:solidFill>
+                  </a:tcPr>
+                </a:tc>
+                <a:extLst>
+                  <a:ext uri="{0D108BD9-81ED-4DB2-BD59-A6C34878D82A}">
+                    <a16:rowId xmlns:a16="http://schemas.microsoft.com/office/drawing/2014/main" val="1769054603"/>
+                  </a:ext>
+                </a:extLst>
+              </a:tr>
+              <a:tr h="370840">
+                <a:tc>
+                  <a:txBody>
+                    <a:bodyPr/>
+                    <a:lstStyle/>
+                    <a:p>
+                      <a:endParaRPr lang="en-US" dirty="0"/>
+                    </a:p>
+                  </a:txBody>
+                  <a:tcPr>
+                    <a:lnL w="12700" cap="flat" cmpd="sng" algn="ctr">
+                      <a:solidFill>
+                        <a:schemeClr val="tx1"/>
+                      </a:solidFill>
+                      <a:prstDash val="solid"/>
+                      <a:round/>
+                      <a:headEnd type="none" w="med" len="med"/>
+                      <a:tailEnd type="none" w="med" len="med"/>
+                    </a:lnL>
+                    <a:lnR w="12700" cap="flat" cmpd="sng" algn="ctr">
+                      <a:solidFill>
+                        <a:schemeClr val="tx1"/>
+                      </a:solidFill>
+                      <a:prstDash val="solid"/>
+                      <a:round/>
+                      <a:headEnd type="none" w="med" len="med"/>
+                      <a:tailEnd type="none" w="med" len="med"/>
+                    </a:lnR>
+                    <a:lnT w="12700" cap="flat" cmpd="sng" algn="ctr">
+                      <a:solidFill>
+                        <a:schemeClr val="tx1"/>
+                      </a:solidFill>
+                      <a:prstDash val="solid"/>
+                      <a:round/>
+                      <a:headEnd type="none" w="med" len="med"/>
+                      <a:tailEnd type="none" w="med" len="med"/>
+                    </a:lnT>
+                    <a:lnB w="12700" cap="flat" cmpd="sng" algn="ctr">
+                      <a:solidFill>
+                        <a:schemeClr val="tx1"/>
+                      </a:solidFill>
+                      <a:prstDash val="solid"/>
+                      <a:round/>
+                      <a:headEnd type="none" w="med" len="med"/>
+                      <a:tailEnd type="none" w="med" len="med"/>
+                    </a:lnB>
+                    <a:solidFill>
+                      <a:schemeClr val="bg1"/>
+                    </a:solidFill>
+                  </a:tcPr>
+                </a:tc>
+                <a:tc>
+                  <a:txBody>
+                    <a:bodyPr/>
+                    <a:lstStyle/>
+                    <a:p>
+                      <a:endParaRPr lang="en-US" dirty="0">
+                        <a:ln>
+                          <a:solidFill>
+                            <a:schemeClr val="accent1">
+                              <a:lumMod val="75000"/>
+                            </a:schemeClr>
+                          </a:solidFill>
+                        </a:ln>
+                      </a:endParaRPr>
+                    </a:p>
+                  </a:txBody>
+                  <a:tcPr>
+                    <a:lnL w="12700" cap="flat" cmpd="sng" algn="ctr">
+                      <a:solidFill>
+                        <a:schemeClr val="tx1"/>
+                      </a:solidFill>
+                      <a:prstDash val="solid"/>
+                      <a:round/>
+                      <a:headEnd type="none" w="med" len="med"/>
+                      <a:tailEnd type="none" w="med" len="med"/>
+                    </a:lnL>
+                    <a:lnR w="12700" cap="flat" cmpd="sng" algn="ctr">
+                      <a:solidFill>
+                        <a:schemeClr val="tx1"/>
+                      </a:solidFill>
+                      <a:prstDash val="solid"/>
+                      <a:round/>
+                      <a:headEnd type="none" w="med" len="med"/>
+                      <a:tailEnd type="none" w="med" len="med"/>
+                    </a:lnR>
+                    <a:lnT w="12700" cap="flat" cmpd="sng" algn="ctr">
+                      <a:solidFill>
+                        <a:schemeClr val="tx1"/>
+                      </a:solidFill>
+                      <a:prstDash val="solid"/>
+                      <a:round/>
+                      <a:headEnd type="none" w="med" len="med"/>
+                      <a:tailEnd type="none" w="med" len="med"/>
+                    </a:lnT>
+                    <a:lnB w="12700" cap="flat" cmpd="sng" algn="ctr">
+                      <a:solidFill>
+                        <a:schemeClr val="tx1"/>
+                      </a:solidFill>
+                      <a:prstDash val="solid"/>
+                      <a:round/>
+                      <a:headEnd type="none" w="med" len="med"/>
+                      <a:tailEnd type="none" w="med" len="med"/>
+                    </a:lnB>
+                    <a:solidFill>
+                      <a:schemeClr val="accent1">
+                        <a:lumMod val="75000"/>
+                      </a:schemeClr>
+                    </a:solidFill>
+                  </a:tcPr>
+                </a:tc>
+                <a:tc>
+                  <a:txBody>
+                    <a:bodyPr/>
+                    <a:lstStyle/>
+                    <a:p>
+                      <a:endParaRPr lang="en-US" dirty="0"/>
+                    </a:p>
+                  </a:txBody>
+                  <a:tcPr>
+                    <a:lnL w="12700" cap="flat" cmpd="sng" algn="ctr">
+                      <a:solidFill>
+                        <a:schemeClr val="tx1"/>
+                      </a:solidFill>
+                      <a:prstDash val="solid"/>
+                      <a:round/>
+                      <a:headEnd type="none" w="med" len="med"/>
+                      <a:tailEnd type="none" w="med" len="med"/>
+                    </a:lnL>
+                    <a:lnR w="12700" cap="flat" cmpd="sng" algn="ctr">
+                      <a:solidFill>
+                        <a:schemeClr val="tx1"/>
+                      </a:solidFill>
+                      <a:prstDash val="solid"/>
+                      <a:round/>
+                      <a:headEnd type="none" w="med" len="med"/>
+                      <a:tailEnd type="none" w="med" len="med"/>
+                    </a:lnR>
+                    <a:lnT w="12700" cap="flat" cmpd="sng" algn="ctr">
+                      <a:solidFill>
+                        <a:schemeClr val="tx1"/>
+                      </a:solidFill>
+                      <a:prstDash val="solid"/>
+                      <a:round/>
+                      <a:headEnd type="none" w="med" len="med"/>
+                      <a:tailEnd type="none" w="med" len="med"/>
+                    </a:lnT>
+                    <a:lnB w="12700" cap="flat" cmpd="sng" algn="ctr">
+                      <a:solidFill>
+                        <a:schemeClr val="tx1"/>
+                      </a:solidFill>
+                      <a:prstDash val="solid"/>
+                      <a:round/>
+                      <a:headEnd type="none" w="med" len="med"/>
+                      <a:tailEnd type="none" w="med" len="med"/>
+                    </a:lnB>
+                    <a:solidFill>
+                      <a:schemeClr val="accent1">
+                        <a:lumMod val="75000"/>
+                      </a:schemeClr>
+                    </a:solidFill>
+                  </a:tcPr>
+                </a:tc>
+                <a:extLst>
+                  <a:ext uri="{0D108BD9-81ED-4DB2-BD59-A6C34878D82A}">
+                    <a16:rowId xmlns:a16="http://schemas.microsoft.com/office/drawing/2014/main" val="3266066642"/>
+                  </a:ext>
+                </a:extLst>
+              </a:tr>
+            </a:tbl>
+          </a:graphicData>
+        </a:graphic>
+      </p:graphicFrame>
+      <p:graphicFrame>
+        <p:nvGraphicFramePr>
+          <p:cNvPr id="9" name="Table 8">
+            <a:extLst>
+              <a:ext uri="{FF2B5EF4-FFF2-40B4-BE49-F238E27FC236}">
+                <a16:creationId xmlns:a16="http://schemas.microsoft.com/office/drawing/2014/main" id="{6BDCCED7-55BF-4560-BF91-88640C5C1FD4}"/>
+              </a:ext>
+            </a:extLst>
+          </p:cNvPr>
+          <p:cNvGraphicFramePr>
+            <a:graphicFrameLocks noGrp="1"/>
+          </p:cNvGraphicFramePr>
+          <p:nvPr>
+            <p:extLst>
+              <p:ext uri="{D42A27DB-BD31-4B8C-83A1-F6EECF244321}">
+                <p14:modId xmlns:p14="http://schemas.microsoft.com/office/powerpoint/2010/main" val="2262042264"/>
+              </p:ext>
+            </p:extLst>
+          </p:nvPr>
+        </p:nvGraphicFramePr>
+        <p:xfrm>
+          <a:off x="6389076" y="1157328"/>
+          <a:ext cx="1242648" cy="1112520"/>
+        </p:xfrm>
+        <a:graphic>
+          <a:graphicData uri="http://schemas.openxmlformats.org/drawingml/2006/table">
+            <a:tbl>
+              <a:tblPr firstRow="1" bandRow="1">
+                <a:tableStyleId>{5C22544A-7EE6-4342-B048-85BDC9FD1C3A}</a:tableStyleId>
+              </a:tblPr>
+              <a:tblGrid>
+                <a:gridCol w="414216">
+                  <a:extLst>
+                    <a:ext uri="{9D8B030D-6E8A-4147-A177-3AD203B41FA5}">
+                      <a16:colId xmlns:a16="http://schemas.microsoft.com/office/drawing/2014/main" val="4209934467"/>
+                    </a:ext>
+                  </a:extLst>
+                </a:gridCol>
+                <a:gridCol w="414216">
+                  <a:extLst>
+                    <a:ext uri="{9D8B030D-6E8A-4147-A177-3AD203B41FA5}">
+                      <a16:colId xmlns:a16="http://schemas.microsoft.com/office/drawing/2014/main" val="3396819701"/>
+                    </a:ext>
+                  </a:extLst>
+                </a:gridCol>
+                <a:gridCol w="414216">
+                  <a:extLst>
+                    <a:ext uri="{9D8B030D-6E8A-4147-A177-3AD203B41FA5}">
+                      <a16:colId xmlns:a16="http://schemas.microsoft.com/office/drawing/2014/main" val="829737121"/>
+                    </a:ext>
+                  </a:extLst>
+                </a:gridCol>
+              </a:tblGrid>
+              <a:tr h="370840">
+                <a:tc>
+                  <a:txBody>
+                    <a:bodyPr/>
+                    <a:lstStyle/>
+                    <a:p>
+                      <a:endParaRPr lang="en-US" dirty="0"/>
+                    </a:p>
+                  </a:txBody>
+                  <a:tcPr>
+                    <a:lnL w="12700" cap="flat" cmpd="sng" algn="ctr">
+                      <a:solidFill>
+                        <a:schemeClr val="tx1"/>
+                      </a:solidFill>
+                      <a:prstDash val="solid"/>
+                      <a:round/>
+                      <a:headEnd type="none" w="med" len="med"/>
+                      <a:tailEnd type="none" w="med" len="med"/>
+                    </a:lnL>
+                    <a:lnR w="12700" cap="flat" cmpd="sng" algn="ctr">
+                      <a:solidFill>
+                        <a:schemeClr val="tx1"/>
+                      </a:solidFill>
+                      <a:prstDash val="solid"/>
+                      <a:round/>
+                      <a:headEnd type="none" w="med" len="med"/>
+                      <a:tailEnd type="none" w="med" len="med"/>
+                    </a:lnR>
+                    <a:lnT w="12700" cap="flat" cmpd="sng" algn="ctr">
+                      <a:solidFill>
+                        <a:schemeClr val="tx1"/>
+                      </a:solidFill>
+                      <a:prstDash val="solid"/>
+                      <a:round/>
+                      <a:headEnd type="none" w="med" len="med"/>
+                      <a:tailEnd type="none" w="med" len="med"/>
+                    </a:lnT>
+                    <a:lnB w="12700" cap="flat" cmpd="sng" algn="ctr">
+                      <a:solidFill>
+                        <a:schemeClr val="tx1"/>
+                      </a:solidFill>
+                      <a:prstDash val="solid"/>
+                      <a:round/>
+                      <a:headEnd type="none" w="med" len="med"/>
+                      <a:tailEnd type="none" w="med" len="med"/>
+                    </a:lnB>
+                    <a:solidFill>
+                      <a:srgbClr val="00B050"/>
+                    </a:solidFill>
+                  </a:tcPr>
+                </a:tc>
+                <a:tc>
+                  <a:txBody>
+                    <a:bodyPr/>
+                    <a:lstStyle/>
+                    <a:p>
+                      <a:endParaRPr lang="en-US" dirty="0"/>
+                    </a:p>
+                  </a:txBody>
+                  <a:tcPr>
+                    <a:lnL w="12700" cap="flat" cmpd="sng" algn="ctr">
+                      <a:solidFill>
+                        <a:schemeClr val="tx1"/>
+                      </a:solidFill>
+                      <a:prstDash val="solid"/>
+                      <a:round/>
+                      <a:headEnd type="none" w="med" len="med"/>
+                      <a:tailEnd type="none" w="med" len="med"/>
+                    </a:lnL>
+                    <a:lnR w="12700" cap="flat" cmpd="sng" algn="ctr">
+                      <a:solidFill>
+                        <a:schemeClr val="tx1"/>
+                      </a:solidFill>
+                      <a:prstDash val="solid"/>
+                      <a:round/>
+                      <a:headEnd type="none" w="med" len="med"/>
+                      <a:tailEnd type="none" w="med" len="med"/>
+                    </a:lnR>
+                    <a:lnT w="12700" cap="flat" cmpd="sng" algn="ctr">
+                      <a:solidFill>
+                        <a:schemeClr val="tx1"/>
+                      </a:solidFill>
+                      <a:prstDash val="solid"/>
+                      <a:round/>
+                      <a:headEnd type="none" w="med" len="med"/>
+                      <a:tailEnd type="none" w="med" len="med"/>
+                    </a:lnT>
+                    <a:lnB w="12700" cap="flat" cmpd="sng" algn="ctr">
+                      <a:solidFill>
+                        <a:schemeClr val="tx1"/>
+                      </a:solidFill>
+                      <a:prstDash val="solid"/>
+                      <a:round/>
+                      <a:headEnd type="none" w="med" len="med"/>
+                      <a:tailEnd type="none" w="med" len="med"/>
+                    </a:lnB>
+                    <a:solidFill>
+                      <a:schemeClr val="accent1">
+                        <a:lumMod val="75000"/>
+                      </a:schemeClr>
+                    </a:solidFill>
+                  </a:tcPr>
+                </a:tc>
+                <a:tc>
+                  <a:txBody>
+                    <a:bodyPr/>
+                    <a:lstStyle/>
+                    <a:p>
+                      <a:endParaRPr lang="en-US"/>
+                    </a:p>
+                  </a:txBody>
+                  <a:tcPr>
+                    <a:lnL w="12700" cap="flat" cmpd="sng" algn="ctr">
+                      <a:solidFill>
+                        <a:schemeClr val="tx1"/>
+                      </a:solidFill>
+                      <a:prstDash val="solid"/>
+                      <a:round/>
+                      <a:headEnd type="none" w="med" len="med"/>
+                      <a:tailEnd type="none" w="med" len="med"/>
+                    </a:lnL>
+                    <a:lnR w="12700" cap="flat" cmpd="sng" algn="ctr">
+                      <a:solidFill>
+                        <a:schemeClr val="tx1"/>
+                      </a:solidFill>
+                      <a:prstDash val="solid"/>
+                      <a:round/>
+                      <a:headEnd type="none" w="med" len="med"/>
+                      <a:tailEnd type="none" w="med" len="med"/>
+                    </a:lnR>
+                    <a:lnT w="12700" cap="flat" cmpd="sng" algn="ctr">
+                      <a:solidFill>
+                        <a:schemeClr val="tx1"/>
+                      </a:solidFill>
+                      <a:prstDash val="solid"/>
+                      <a:round/>
+                      <a:headEnd type="none" w="med" len="med"/>
+                      <a:tailEnd type="none" w="med" len="med"/>
+                    </a:lnT>
+                    <a:lnB w="12700" cap="flat" cmpd="sng" algn="ctr">
+                      <a:solidFill>
+                        <a:schemeClr val="tx1"/>
+                      </a:solidFill>
+                      <a:prstDash val="solid"/>
+                      <a:round/>
+                      <a:headEnd type="none" w="med" len="med"/>
+                      <a:tailEnd type="none" w="med" len="med"/>
+                    </a:lnB>
+                    <a:solidFill>
+                      <a:schemeClr val="bg1"/>
+                    </a:solidFill>
+                  </a:tcPr>
+                </a:tc>
+                <a:extLst>
+                  <a:ext uri="{0D108BD9-81ED-4DB2-BD59-A6C34878D82A}">
+                    <a16:rowId xmlns:a16="http://schemas.microsoft.com/office/drawing/2014/main" val="99337669"/>
+                  </a:ext>
+                </a:extLst>
+              </a:tr>
+              <a:tr h="370840">
+                <a:tc>
+                  <a:txBody>
+                    <a:bodyPr/>
+                    <a:lstStyle/>
+                    <a:p>
+                      <a:endParaRPr lang="en-US" dirty="0"/>
+                    </a:p>
+                  </a:txBody>
+                  <a:tcPr>
+                    <a:lnL w="12700" cap="flat" cmpd="sng" algn="ctr">
+                      <a:solidFill>
+                        <a:schemeClr val="tx1"/>
+                      </a:solidFill>
+                      <a:prstDash val="solid"/>
+                      <a:round/>
+                      <a:headEnd type="none" w="med" len="med"/>
+                      <a:tailEnd type="none" w="med" len="med"/>
+                    </a:lnL>
+                    <a:lnR w="12700" cap="flat" cmpd="sng" algn="ctr">
+                      <a:solidFill>
+                        <a:schemeClr val="tx1"/>
+                      </a:solidFill>
+                      <a:prstDash val="solid"/>
+                      <a:round/>
+                      <a:headEnd type="none" w="med" len="med"/>
+                      <a:tailEnd type="none" w="med" len="med"/>
+                    </a:lnR>
+                    <a:lnT w="12700" cap="flat" cmpd="sng" algn="ctr">
+                      <a:solidFill>
+                        <a:schemeClr val="tx1"/>
+                      </a:solidFill>
+                      <a:prstDash val="solid"/>
+                      <a:round/>
+                      <a:headEnd type="none" w="med" len="med"/>
+                      <a:tailEnd type="none" w="med" len="med"/>
+                    </a:lnT>
+                    <a:lnB w="12700" cap="flat" cmpd="sng" algn="ctr">
+                      <a:solidFill>
+                        <a:schemeClr val="tx1"/>
+                      </a:solidFill>
+                      <a:prstDash val="solid"/>
+                      <a:round/>
+                      <a:headEnd type="none" w="med" len="med"/>
+                      <a:tailEnd type="none" w="med" len="med"/>
+                    </a:lnB>
+                    <a:solidFill>
+                      <a:srgbClr val="00B050"/>
+                    </a:solidFill>
+                  </a:tcPr>
+                </a:tc>
+                <a:tc>
+                  <a:txBody>
+                    <a:bodyPr/>
+                    <a:lstStyle/>
+                    <a:p>
+                      <a:pPr algn="ctr"/>
+                      <a:endParaRPr lang="en-US" b="1" dirty="0"/>
+                    </a:p>
+                  </a:txBody>
+                  <a:tcPr>
+                    <a:lnL w="12700" cap="flat" cmpd="sng" algn="ctr">
+                      <a:solidFill>
+                        <a:schemeClr val="tx1"/>
+                      </a:solidFill>
+                      <a:prstDash val="solid"/>
+                      <a:round/>
+                      <a:headEnd type="none" w="med" len="med"/>
+                      <a:tailEnd type="none" w="med" len="med"/>
+                    </a:lnL>
+                    <a:lnR w="12700" cap="flat" cmpd="sng" algn="ctr">
+                      <a:solidFill>
+                        <a:schemeClr val="tx1"/>
+                      </a:solidFill>
+                      <a:prstDash val="solid"/>
+                      <a:round/>
+                      <a:headEnd type="none" w="med" len="med"/>
+                      <a:tailEnd type="none" w="med" len="med"/>
+                    </a:lnR>
+                    <a:lnT w="12700" cap="flat" cmpd="sng" algn="ctr">
+                      <a:solidFill>
+                        <a:schemeClr val="tx1"/>
+                      </a:solidFill>
+                      <a:prstDash val="solid"/>
+                      <a:round/>
+                      <a:headEnd type="none" w="med" len="med"/>
+                      <a:tailEnd type="none" w="med" len="med"/>
+                    </a:lnT>
+                    <a:lnB w="12700" cap="flat" cmpd="sng" algn="ctr">
+                      <a:solidFill>
+                        <a:schemeClr val="tx1"/>
+                      </a:solidFill>
+                      <a:prstDash val="solid"/>
+                      <a:round/>
+                      <a:headEnd type="none" w="med" len="med"/>
+                      <a:tailEnd type="none" w="med" len="med"/>
+                    </a:lnB>
+                    <a:solidFill>
+                      <a:schemeClr val="bg1"/>
+                    </a:solidFill>
+                  </a:tcPr>
+                </a:tc>
+                <a:tc>
+                  <a:txBody>
+                    <a:bodyPr/>
+                    <a:lstStyle/>
+                    <a:p>
+                      <a:endParaRPr lang="en-US" dirty="0"/>
+                    </a:p>
+                  </a:txBody>
+                  <a:tcPr>
+                    <a:lnL w="12700" cap="flat" cmpd="sng" algn="ctr">
+                      <a:solidFill>
+                        <a:schemeClr val="tx1"/>
+                      </a:solidFill>
+                      <a:prstDash val="solid"/>
+                      <a:round/>
+                      <a:headEnd type="none" w="med" len="med"/>
+                      <a:tailEnd type="none" w="med" len="med"/>
+                    </a:lnL>
+                    <a:lnR w="12700" cap="flat" cmpd="sng" algn="ctr">
+                      <a:solidFill>
+                        <a:schemeClr val="tx1"/>
+                      </a:solidFill>
+                      <a:prstDash val="solid"/>
+                      <a:round/>
+                      <a:headEnd type="none" w="med" len="med"/>
+                      <a:tailEnd type="none" w="med" len="med"/>
+                    </a:lnR>
+                    <a:lnT w="12700" cap="flat" cmpd="sng" algn="ctr">
+                      <a:solidFill>
+                        <a:schemeClr val="tx1"/>
+                      </a:solidFill>
+                      <a:prstDash val="solid"/>
+                      <a:round/>
+                      <a:headEnd type="none" w="med" len="med"/>
+                      <a:tailEnd type="none" w="med" len="med"/>
+                    </a:lnT>
+                    <a:lnB w="12700" cap="flat" cmpd="sng" algn="ctr">
+                      <a:solidFill>
+                        <a:schemeClr val="tx1"/>
+                      </a:solidFill>
+                      <a:prstDash val="solid"/>
+                      <a:round/>
+                      <a:headEnd type="none" w="med" len="med"/>
+                      <a:tailEnd type="none" w="med" len="med"/>
+                    </a:lnB>
+                    <a:solidFill>
+                      <a:schemeClr val="accent1">
+                        <a:lumMod val="75000"/>
+                      </a:schemeClr>
+                    </a:solidFill>
+                  </a:tcPr>
+                </a:tc>
+                <a:extLst>
+                  <a:ext uri="{0D108BD9-81ED-4DB2-BD59-A6C34878D82A}">
+                    <a16:rowId xmlns:a16="http://schemas.microsoft.com/office/drawing/2014/main" val="1769054603"/>
+                  </a:ext>
+                </a:extLst>
+              </a:tr>
+              <a:tr h="370840">
+                <a:tc>
+                  <a:txBody>
+                    <a:bodyPr/>
+                    <a:lstStyle/>
+                    <a:p>
+                      <a:pPr algn="ctr"/>
+                      <a:r>
+                        <a:rPr lang="en-US" b="1" dirty="0"/>
+                        <a:t>X</a:t>
+                      </a:r>
+                      <a:endParaRPr lang="en-US" dirty="0"/>
+                    </a:p>
+                  </a:txBody>
+                  <a:tcPr>
+                    <a:lnL w="12700" cap="flat" cmpd="sng" algn="ctr">
+                      <a:solidFill>
+                        <a:schemeClr val="tx1"/>
+                      </a:solidFill>
+                      <a:prstDash val="solid"/>
+                      <a:round/>
+                      <a:headEnd type="none" w="med" len="med"/>
+                      <a:tailEnd type="none" w="med" len="med"/>
+                    </a:lnL>
+                    <a:lnR w="12700" cap="flat" cmpd="sng" algn="ctr">
+                      <a:solidFill>
+                        <a:schemeClr val="tx1"/>
+                      </a:solidFill>
+                      <a:prstDash val="solid"/>
+                      <a:round/>
+                      <a:headEnd type="none" w="med" len="med"/>
+                      <a:tailEnd type="none" w="med" len="med"/>
+                    </a:lnR>
+                    <a:lnT w="12700" cap="flat" cmpd="sng" algn="ctr">
+                      <a:solidFill>
+                        <a:schemeClr val="tx1"/>
+                      </a:solidFill>
+                      <a:prstDash val="solid"/>
+                      <a:round/>
+                      <a:headEnd type="none" w="med" len="med"/>
+                      <a:tailEnd type="none" w="med" len="med"/>
+                    </a:lnT>
+                    <a:lnB w="12700" cap="flat" cmpd="sng" algn="ctr">
+                      <a:solidFill>
+                        <a:schemeClr val="tx1"/>
+                      </a:solidFill>
+                      <a:prstDash val="solid"/>
+                      <a:round/>
+                      <a:headEnd type="none" w="med" len="med"/>
+                      <a:tailEnd type="none" w="med" len="med"/>
+                    </a:lnB>
+                    <a:solidFill>
+                      <a:srgbClr val="00B050"/>
+                    </a:solidFill>
+                  </a:tcPr>
+                </a:tc>
+                <a:tc>
+                  <a:txBody>
+                    <a:bodyPr/>
+                    <a:lstStyle/>
+                    <a:p>
+                      <a:endParaRPr lang="en-US" dirty="0">
+                        <a:ln>
+                          <a:solidFill>
+                            <a:schemeClr val="accent1">
+                              <a:lumMod val="75000"/>
+                            </a:schemeClr>
+                          </a:solidFill>
+                        </a:ln>
+                      </a:endParaRPr>
+                    </a:p>
+                  </a:txBody>
+                  <a:tcPr>
+                    <a:lnL w="12700" cap="flat" cmpd="sng" algn="ctr">
+                      <a:solidFill>
+                        <a:schemeClr val="tx1"/>
+                      </a:solidFill>
+                      <a:prstDash val="solid"/>
+                      <a:round/>
+                      <a:headEnd type="none" w="med" len="med"/>
+                      <a:tailEnd type="none" w="med" len="med"/>
+                    </a:lnL>
+                    <a:lnR w="12700" cap="flat" cmpd="sng" algn="ctr">
+                      <a:solidFill>
+                        <a:schemeClr val="tx1"/>
+                      </a:solidFill>
+                      <a:prstDash val="solid"/>
+                      <a:round/>
+                      <a:headEnd type="none" w="med" len="med"/>
+                      <a:tailEnd type="none" w="med" len="med"/>
+                    </a:lnR>
+                    <a:lnT w="12700" cap="flat" cmpd="sng" algn="ctr">
+                      <a:solidFill>
+                        <a:schemeClr val="tx1"/>
+                      </a:solidFill>
+                      <a:prstDash val="solid"/>
+                      <a:round/>
+                      <a:headEnd type="none" w="med" len="med"/>
+                      <a:tailEnd type="none" w="med" len="med"/>
+                    </a:lnT>
+                    <a:lnB w="12700" cap="flat" cmpd="sng" algn="ctr">
+                      <a:solidFill>
+                        <a:schemeClr val="tx1"/>
+                      </a:solidFill>
+                      <a:prstDash val="solid"/>
+                      <a:round/>
+                      <a:headEnd type="none" w="med" len="med"/>
+                      <a:tailEnd type="none" w="med" len="med"/>
+                    </a:lnB>
+                    <a:solidFill>
+                      <a:schemeClr val="accent1">
+                        <a:lumMod val="75000"/>
+                      </a:schemeClr>
+                    </a:solidFill>
+                  </a:tcPr>
+                </a:tc>
+                <a:tc>
+                  <a:txBody>
+                    <a:bodyPr/>
+                    <a:lstStyle/>
+                    <a:p>
+                      <a:endParaRPr lang="en-US" dirty="0"/>
+                    </a:p>
+                  </a:txBody>
+                  <a:tcPr>
+                    <a:lnL w="12700" cap="flat" cmpd="sng" algn="ctr">
+                      <a:solidFill>
+                        <a:schemeClr val="tx1"/>
+                      </a:solidFill>
+                      <a:prstDash val="solid"/>
+                      <a:round/>
+                      <a:headEnd type="none" w="med" len="med"/>
+                      <a:tailEnd type="none" w="med" len="med"/>
+                    </a:lnL>
+                    <a:lnR w="12700" cap="flat" cmpd="sng" algn="ctr">
+                      <a:solidFill>
+                        <a:schemeClr val="tx1"/>
+                      </a:solidFill>
+                      <a:prstDash val="solid"/>
+                      <a:round/>
+                      <a:headEnd type="none" w="med" len="med"/>
+                      <a:tailEnd type="none" w="med" len="med"/>
+                    </a:lnR>
+                    <a:lnT w="12700" cap="flat" cmpd="sng" algn="ctr">
+                      <a:solidFill>
+                        <a:schemeClr val="tx1"/>
+                      </a:solidFill>
+                      <a:prstDash val="solid"/>
+                      <a:round/>
+                      <a:headEnd type="none" w="med" len="med"/>
+                      <a:tailEnd type="none" w="med" len="med"/>
+                    </a:lnT>
+                    <a:lnB w="12700" cap="flat" cmpd="sng" algn="ctr">
+                      <a:solidFill>
+                        <a:schemeClr val="tx1"/>
+                      </a:solidFill>
+                      <a:prstDash val="solid"/>
+                      <a:round/>
+                      <a:headEnd type="none" w="med" len="med"/>
+                      <a:tailEnd type="none" w="med" len="med"/>
+                    </a:lnB>
+                    <a:solidFill>
+                      <a:schemeClr val="accent1">
+                        <a:lumMod val="75000"/>
+                      </a:schemeClr>
+                    </a:solidFill>
+                  </a:tcPr>
+                </a:tc>
+                <a:extLst>
+                  <a:ext uri="{0D108BD9-81ED-4DB2-BD59-A6C34878D82A}">
+                    <a16:rowId xmlns:a16="http://schemas.microsoft.com/office/drawing/2014/main" val="3266066642"/>
+                  </a:ext>
+                </a:extLst>
+              </a:tr>
+            </a:tbl>
+          </a:graphicData>
+        </a:graphic>
+      </p:graphicFrame>
+      <p:graphicFrame>
+        <p:nvGraphicFramePr>
+          <p:cNvPr id="12" name="Table 11">
+            <a:extLst>
+              <a:ext uri="{FF2B5EF4-FFF2-40B4-BE49-F238E27FC236}">
+                <a16:creationId xmlns:a16="http://schemas.microsoft.com/office/drawing/2014/main" id="{9BAA3B25-B458-48EC-BB86-8B0BBEDEBD64}"/>
+              </a:ext>
+            </a:extLst>
+          </p:cNvPr>
+          <p:cNvGraphicFramePr>
+            <a:graphicFrameLocks noGrp="1"/>
+          </p:cNvGraphicFramePr>
+          <p:nvPr>
+            <p:extLst>
+              <p:ext uri="{D42A27DB-BD31-4B8C-83A1-F6EECF244321}">
+                <p14:modId xmlns:p14="http://schemas.microsoft.com/office/powerpoint/2010/main" val="1782847877"/>
+              </p:ext>
+            </p:extLst>
+          </p:nvPr>
+        </p:nvGraphicFramePr>
+        <p:xfrm>
+          <a:off x="2266460" y="3982589"/>
+          <a:ext cx="1242648" cy="1112520"/>
+        </p:xfrm>
+        <a:graphic>
+          <a:graphicData uri="http://schemas.openxmlformats.org/drawingml/2006/table">
+            <a:tbl>
+              <a:tblPr firstRow="1" bandRow="1">
+                <a:tableStyleId>{5C22544A-7EE6-4342-B048-85BDC9FD1C3A}</a:tableStyleId>
+              </a:tblPr>
+              <a:tblGrid>
+                <a:gridCol w="414216">
+                  <a:extLst>
+                    <a:ext uri="{9D8B030D-6E8A-4147-A177-3AD203B41FA5}">
+                      <a16:colId xmlns:a16="http://schemas.microsoft.com/office/drawing/2014/main" val="4209934467"/>
+                    </a:ext>
+                  </a:extLst>
+                </a:gridCol>
+                <a:gridCol w="414216">
+                  <a:extLst>
+                    <a:ext uri="{9D8B030D-6E8A-4147-A177-3AD203B41FA5}">
+                      <a16:colId xmlns:a16="http://schemas.microsoft.com/office/drawing/2014/main" val="3396819701"/>
+                    </a:ext>
+                  </a:extLst>
+                </a:gridCol>
+                <a:gridCol w="414216">
+                  <a:extLst>
+                    <a:ext uri="{9D8B030D-6E8A-4147-A177-3AD203B41FA5}">
+                      <a16:colId xmlns:a16="http://schemas.microsoft.com/office/drawing/2014/main" val="829737121"/>
+                    </a:ext>
+                  </a:extLst>
+                </a:gridCol>
+              </a:tblGrid>
+              <a:tr h="370840">
+                <a:tc>
+                  <a:txBody>
+                    <a:bodyPr/>
+                    <a:lstStyle/>
+                    <a:p>
+                      <a:endParaRPr lang="en-US" dirty="0"/>
+                    </a:p>
+                  </a:txBody>
+                  <a:tcPr>
+                    <a:lnL w="12700" cap="flat" cmpd="sng" algn="ctr">
+                      <a:solidFill>
+                        <a:schemeClr val="tx1"/>
+                      </a:solidFill>
+                      <a:prstDash val="solid"/>
+                      <a:round/>
+                      <a:headEnd type="none" w="med" len="med"/>
+                      <a:tailEnd type="none" w="med" len="med"/>
+                    </a:lnL>
+                    <a:lnR w="12700" cap="flat" cmpd="sng" algn="ctr">
+                      <a:solidFill>
+                        <a:schemeClr val="tx1"/>
+                      </a:solidFill>
+                      <a:prstDash val="solid"/>
+                      <a:round/>
+                      <a:headEnd type="none" w="med" len="med"/>
+                      <a:tailEnd type="none" w="med" len="med"/>
+                    </a:lnR>
+                    <a:lnT w="12700" cap="flat" cmpd="sng" algn="ctr">
+                      <a:solidFill>
+                        <a:schemeClr val="tx1"/>
+                      </a:solidFill>
+                      <a:prstDash val="solid"/>
+                      <a:round/>
+                      <a:headEnd type="none" w="med" len="med"/>
+                      <a:tailEnd type="none" w="med" len="med"/>
+                    </a:lnT>
+                    <a:lnB w="12700" cap="flat" cmpd="sng" algn="ctr">
+                      <a:solidFill>
+                        <a:schemeClr val="tx1"/>
+                      </a:solidFill>
+                      <a:prstDash val="solid"/>
+                      <a:round/>
+                      <a:headEnd type="none" w="med" len="med"/>
+                      <a:tailEnd type="none" w="med" len="med"/>
+                    </a:lnB>
+                    <a:solidFill>
+                      <a:srgbClr val="00B050"/>
+                    </a:solidFill>
+                  </a:tcPr>
+                </a:tc>
+                <a:tc>
+                  <a:txBody>
+                    <a:bodyPr/>
+                    <a:lstStyle/>
+                    <a:p>
+                      <a:endParaRPr lang="en-US" dirty="0"/>
+                    </a:p>
+                  </a:txBody>
+                  <a:tcPr>
+                    <a:lnL w="12700" cap="flat" cmpd="sng" algn="ctr">
+                      <a:solidFill>
+                        <a:schemeClr val="tx1"/>
+                      </a:solidFill>
+                      <a:prstDash val="solid"/>
+                      <a:round/>
+                      <a:headEnd type="none" w="med" len="med"/>
+                      <a:tailEnd type="none" w="med" len="med"/>
+                    </a:lnL>
+                    <a:lnR w="12700" cap="flat" cmpd="sng" algn="ctr">
+                      <a:solidFill>
+                        <a:schemeClr val="tx1"/>
+                      </a:solidFill>
+                      <a:prstDash val="solid"/>
+                      <a:round/>
+                      <a:headEnd type="none" w="med" len="med"/>
+                      <a:tailEnd type="none" w="med" len="med"/>
+                    </a:lnR>
+                    <a:lnT w="12700" cap="flat" cmpd="sng" algn="ctr">
+                      <a:solidFill>
+                        <a:schemeClr val="tx1"/>
+                      </a:solidFill>
+                      <a:prstDash val="solid"/>
+                      <a:round/>
+                      <a:headEnd type="none" w="med" len="med"/>
+                      <a:tailEnd type="none" w="med" len="med"/>
+                    </a:lnT>
+                    <a:lnB w="12700" cap="flat" cmpd="sng" algn="ctr">
+                      <a:solidFill>
+                        <a:schemeClr val="tx1"/>
+                      </a:solidFill>
+                      <a:prstDash val="solid"/>
+                      <a:round/>
+                      <a:headEnd type="none" w="med" len="med"/>
+                      <a:tailEnd type="none" w="med" len="med"/>
+                    </a:lnB>
+                    <a:solidFill>
+                      <a:schemeClr val="accent1">
+                        <a:lumMod val="75000"/>
+                      </a:schemeClr>
+                    </a:solidFill>
+                  </a:tcPr>
+                </a:tc>
+                <a:tc>
+                  <a:txBody>
+                    <a:bodyPr/>
+                    <a:lstStyle/>
+                    <a:p>
+                      <a:pPr algn="ctr"/>
+                      <a:r>
+                        <a:rPr lang="en-US" b="1" dirty="0">
+                          <a:solidFill>
+                            <a:schemeClr val="tx1"/>
+                          </a:solidFill>
+                        </a:rPr>
+                        <a:t>X</a:t>
+                      </a:r>
+                      <a:endParaRPr lang="en-US" dirty="0">
+                        <a:solidFill>
+                          <a:schemeClr val="tx1"/>
+                        </a:solidFill>
+                      </a:endParaRPr>
+                    </a:p>
+                  </a:txBody>
+                  <a:tcPr>
+                    <a:lnL w="12700" cap="flat" cmpd="sng" algn="ctr">
+                      <a:solidFill>
+                        <a:schemeClr val="tx1"/>
+                      </a:solidFill>
+                      <a:prstDash val="solid"/>
+                      <a:round/>
+                      <a:headEnd type="none" w="med" len="med"/>
+                      <a:tailEnd type="none" w="med" len="med"/>
+                    </a:lnL>
+                    <a:lnR w="12700" cap="flat" cmpd="sng" algn="ctr">
+                      <a:solidFill>
+                        <a:schemeClr val="tx1"/>
+                      </a:solidFill>
+                      <a:prstDash val="solid"/>
+                      <a:round/>
+                      <a:headEnd type="none" w="med" len="med"/>
+                      <a:tailEnd type="none" w="med" len="med"/>
+                    </a:lnR>
+                    <a:lnT w="12700" cap="flat" cmpd="sng" algn="ctr">
+                      <a:solidFill>
+                        <a:schemeClr val="tx1"/>
+                      </a:solidFill>
+                      <a:prstDash val="solid"/>
+                      <a:round/>
+                      <a:headEnd type="none" w="med" len="med"/>
+                      <a:tailEnd type="none" w="med" len="med"/>
+                    </a:lnT>
+                    <a:lnB w="12700" cap="flat" cmpd="sng" algn="ctr">
+                      <a:solidFill>
+                        <a:schemeClr val="tx1"/>
+                      </a:solidFill>
+                      <a:prstDash val="solid"/>
+                      <a:round/>
+                      <a:headEnd type="none" w="med" len="med"/>
+                      <a:tailEnd type="none" w="med" len="med"/>
+                    </a:lnB>
+                    <a:solidFill>
+                      <a:srgbClr val="00B050"/>
+                    </a:solidFill>
+                  </a:tcPr>
+                </a:tc>
+                <a:extLst>
+                  <a:ext uri="{0D108BD9-81ED-4DB2-BD59-A6C34878D82A}">
+                    <a16:rowId xmlns:a16="http://schemas.microsoft.com/office/drawing/2014/main" val="99337669"/>
+                  </a:ext>
+                </a:extLst>
+              </a:tr>
+              <a:tr h="370840">
+                <a:tc>
+                  <a:txBody>
+                    <a:bodyPr/>
+                    <a:lstStyle/>
+                    <a:p>
+                      <a:endParaRPr lang="en-US" dirty="0"/>
+                    </a:p>
+                  </a:txBody>
+                  <a:tcPr>
+                    <a:lnL w="12700" cap="flat" cmpd="sng" algn="ctr">
+                      <a:solidFill>
+                        <a:schemeClr val="tx1"/>
+                      </a:solidFill>
+                      <a:prstDash val="solid"/>
+                      <a:round/>
+                      <a:headEnd type="none" w="med" len="med"/>
+                      <a:tailEnd type="none" w="med" len="med"/>
+                    </a:lnL>
+                    <a:lnR w="12700" cap="flat" cmpd="sng" algn="ctr">
+                      <a:solidFill>
+                        <a:schemeClr val="tx1"/>
+                      </a:solidFill>
+                      <a:prstDash val="solid"/>
+                      <a:round/>
+                      <a:headEnd type="none" w="med" len="med"/>
+                      <a:tailEnd type="none" w="med" len="med"/>
+                    </a:lnR>
+                    <a:lnT w="12700" cap="flat" cmpd="sng" algn="ctr">
+                      <a:solidFill>
+                        <a:schemeClr val="tx1"/>
+                      </a:solidFill>
+                      <a:prstDash val="solid"/>
+                      <a:round/>
+                      <a:headEnd type="none" w="med" len="med"/>
+                      <a:tailEnd type="none" w="med" len="med"/>
+                    </a:lnT>
+                    <a:lnB w="12700" cap="flat" cmpd="sng" algn="ctr">
+                      <a:solidFill>
+                        <a:schemeClr val="tx1"/>
+                      </a:solidFill>
+                      <a:prstDash val="solid"/>
+                      <a:round/>
+                      <a:headEnd type="none" w="med" len="med"/>
+                      <a:tailEnd type="none" w="med" len="med"/>
+                    </a:lnB>
+                    <a:solidFill>
+                      <a:srgbClr val="00B050"/>
+                    </a:solidFill>
+                  </a:tcPr>
+                </a:tc>
+                <a:tc>
+                  <a:txBody>
+                    <a:bodyPr/>
+                    <a:lstStyle/>
+                    <a:p>
+                      <a:pPr algn="ctr"/>
+                      <a:endParaRPr lang="en-US" b="1" dirty="0"/>
+                    </a:p>
+                  </a:txBody>
+                  <a:tcPr>
+                    <a:lnL w="12700" cap="flat" cmpd="sng" algn="ctr">
+                      <a:solidFill>
+                        <a:schemeClr val="tx1"/>
+                      </a:solidFill>
+                      <a:prstDash val="solid"/>
+                      <a:round/>
+                      <a:headEnd type="none" w="med" len="med"/>
+                      <a:tailEnd type="none" w="med" len="med"/>
+                    </a:lnL>
+                    <a:lnR w="12700" cap="flat" cmpd="sng" algn="ctr">
+                      <a:solidFill>
+                        <a:schemeClr val="tx1"/>
+                      </a:solidFill>
+                      <a:prstDash val="solid"/>
+                      <a:round/>
+                      <a:headEnd type="none" w="med" len="med"/>
+                      <a:tailEnd type="none" w="med" len="med"/>
+                    </a:lnR>
+                    <a:lnT w="12700" cap="flat" cmpd="sng" algn="ctr">
+                      <a:solidFill>
+                        <a:schemeClr val="tx1"/>
+                      </a:solidFill>
+                      <a:prstDash val="solid"/>
+                      <a:round/>
+                      <a:headEnd type="none" w="med" len="med"/>
+                      <a:tailEnd type="none" w="med" len="med"/>
+                    </a:lnT>
+                    <a:lnB w="12700" cap="flat" cmpd="sng" algn="ctr">
+                      <a:solidFill>
+                        <a:schemeClr val="tx1"/>
+                      </a:solidFill>
+                      <a:prstDash val="solid"/>
+                      <a:round/>
+                      <a:headEnd type="none" w="med" len="med"/>
+                      <a:tailEnd type="none" w="med" len="med"/>
+                    </a:lnB>
+                    <a:solidFill>
+                      <a:schemeClr val="bg1"/>
+                    </a:solidFill>
+                  </a:tcPr>
+                </a:tc>
+                <a:tc>
+                  <a:txBody>
+                    <a:bodyPr/>
+                    <a:lstStyle/>
+                    <a:p>
+                      <a:endParaRPr lang="en-US" dirty="0"/>
+                    </a:p>
+                  </a:txBody>
+                  <a:tcPr>
+                    <a:lnL w="12700" cap="flat" cmpd="sng" algn="ctr">
+                      <a:solidFill>
+                        <a:schemeClr val="tx1"/>
+                      </a:solidFill>
+                      <a:prstDash val="solid"/>
+                      <a:round/>
+                      <a:headEnd type="none" w="med" len="med"/>
+                      <a:tailEnd type="none" w="med" len="med"/>
+                    </a:lnL>
+                    <a:lnR w="12700" cap="flat" cmpd="sng" algn="ctr">
+                      <a:solidFill>
+                        <a:schemeClr val="tx1"/>
+                      </a:solidFill>
+                      <a:prstDash val="solid"/>
+                      <a:round/>
+                      <a:headEnd type="none" w="med" len="med"/>
+                      <a:tailEnd type="none" w="med" len="med"/>
+                    </a:lnR>
+                    <a:lnT w="12700" cap="flat" cmpd="sng" algn="ctr">
+                      <a:solidFill>
+                        <a:schemeClr val="tx1"/>
+                      </a:solidFill>
+                      <a:prstDash val="solid"/>
+                      <a:round/>
+                      <a:headEnd type="none" w="med" len="med"/>
+                      <a:tailEnd type="none" w="med" len="med"/>
+                    </a:lnT>
+                    <a:lnB w="12700" cap="flat" cmpd="sng" algn="ctr">
+                      <a:solidFill>
+                        <a:schemeClr val="tx1"/>
+                      </a:solidFill>
+                      <a:prstDash val="solid"/>
+                      <a:round/>
+                      <a:headEnd type="none" w="med" len="med"/>
+                      <a:tailEnd type="none" w="med" len="med"/>
+                    </a:lnB>
+                    <a:solidFill>
+                      <a:schemeClr val="accent1">
+                        <a:lumMod val="75000"/>
+                      </a:schemeClr>
+                    </a:solidFill>
+                  </a:tcPr>
+                </a:tc>
+                <a:extLst>
+                  <a:ext uri="{0D108BD9-81ED-4DB2-BD59-A6C34878D82A}">
+                    <a16:rowId xmlns:a16="http://schemas.microsoft.com/office/drawing/2014/main" val="1769054603"/>
+                  </a:ext>
+                </a:extLst>
+              </a:tr>
+              <a:tr h="370840">
+                <a:tc>
+                  <a:txBody>
+                    <a:bodyPr/>
+                    <a:lstStyle/>
+                    <a:p>
+                      <a:endParaRPr lang="en-US" dirty="0"/>
+                    </a:p>
+                  </a:txBody>
+                  <a:tcPr>
+                    <a:lnL w="12700" cap="flat" cmpd="sng" algn="ctr">
+                      <a:solidFill>
+                        <a:schemeClr val="tx1"/>
+                      </a:solidFill>
+                      <a:prstDash val="solid"/>
+                      <a:round/>
+                      <a:headEnd type="none" w="med" len="med"/>
+                      <a:tailEnd type="none" w="med" len="med"/>
+                    </a:lnL>
+                    <a:lnR w="12700" cap="flat" cmpd="sng" algn="ctr">
+                      <a:solidFill>
+                        <a:schemeClr val="tx1"/>
+                      </a:solidFill>
+                      <a:prstDash val="solid"/>
+                      <a:round/>
+                      <a:headEnd type="none" w="med" len="med"/>
+                      <a:tailEnd type="none" w="med" len="med"/>
+                    </a:lnR>
+                    <a:lnT w="12700" cap="flat" cmpd="sng" algn="ctr">
+                      <a:solidFill>
+                        <a:schemeClr val="tx1"/>
+                      </a:solidFill>
+                      <a:prstDash val="solid"/>
+                      <a:round/>
+                      <a:headEnd type="none" w="med" len="med"/>
+                      <a:tailEnd type="none" w="med" len="med"/>
+                    </a:lnT>
+                    <a:lnB w="12700" cap="flat" cmpd="sng" algn="ctr">
+                      <a:solidFill>
+                        <a:schemeClr val="tx1"/>
+                      </a:solidFill>
+                      <a:prstDash val="solid"/>
+                      <a:round/>
+                      <a:headEnd type="none" w="med" len="med"/>
+                      <a:tailEnd type="none" w="med" len="med"/>
+                    </a:lnB>
+                    <a:solidFill>
+                      <a:schemeClr val="bg1"/>
+                    </a:solidFill>
+                  </a:tcPr>
+                </a:tc>
+                <a:tc>
+                  <a:txBody>
+                    <a:bodyPr/>
+                    <a:lstStyle/>
+                    <a:p>
+                      <a:endParaRPr lang="en-US" dirty="0">
+                        <a:ln>
+                          <a:solidFill>
+                            <a:schemeClr val="accent1">
+                              <a:lumMod val="75000"/>
+                            </a:schemeClr>
+                          </a:solidFill>
+                        </a:ln>
+                      </a:endParaRPr>
+                    </a:p>
+                  </a:txBody>
+                  <a:tcPr>
+                    <a:lnL w="12700" cap="flat" cmpd="sng" algn="ctr">
+                      <a:solidFill>
+                        <a:schemeClr val="tx1"/>
+                      </a:solidFill>
+                      <a:prstDash val="solid"/>
+                      <a:round/>
+                      <a:headEnd type="none" w="med" len="med"/>
+                      <a:tailEnd type="none" w="med" len="med"/>
+                    </a:lnL>
+                    <a:lnR w="12700" cap="flat" cmpd="sng" algn="ctr">
+                      <a:solidFill>
+                        <a:schemeClr val="tx1"/>
+                      </a:solidFill>
+                      <a:prstDash val="solid"/>
+                      <a:round/>
+                      <a:headEnd type="none" w="med" len="med"/>
+                      <a:tailEnd type="none" w="med" len="med"/>
+                    </a:lnR>
+                    <a:lnT w="12700" cap="flat" cmpd="sng" algn="ctr">
+                      <a:solidFill>
+                        <a:schemeClr val="tx1"/>
+                      </a:solidFill>
+                      <a:prstDash val="solid"/>
+                      <a:round/>
+                      <a:headEnd type="none" w="med" len="med"/>
+                      <a:tailEnd type="none" w="med" len="med"/>
+                    </a:lnT>
+                    <a:lnB w="12700" cap="flat" cmpd="sng" algn="ctr">
+                      <a:solidFill>
+                        <a:schemeClr val="tx1"/>
+                      </a:solidFill>
+                      <a:prstDash val="solid"/>
+                      <a:round/>
+                      <a:headEnd type="none" w="med" len="med"/>
+                      <a:tailEnd type="none" w="med" len="med"/>
+                    </a:lnB>
+                    <a:solidFill>
+                      <a:schemeClr val="accent1">
+                        <a:lumMod val="75000"/>
+                      </a:schemeClr>
+                    </a:solidFill>
+                  </a:tcPr>
+                </a:tc>
+                <a:tc>
+                  <a:txBody>
+                    <a:bodyPr/>
+                    <a:lstStyle/>
+                    <a:p>
+                      <a:endParaRPr lang="en-US" dirty="0"/>
+                    </a:p>
+                  </a:txBody>
+                  <a:tcPr>
+                    <a:lnL w="12700" cap="flat" cmpd="sng" algn="ctr">
+                      <a:solidFill>
+                        <a:schemeClr val="tx1"/>
+                      </a:solidFill>
+                      <a:prstDash val="solid"/>
+                      <a:round/>
+                      <a:headEnd type="none" w="med" len="med"/>
+                      <a:tailEnd type="none" w="med" len="med"/>
+                    </a:lnL>
+                    <a:lnR w="12700" cap="flat" cmpd="sng" algn="ctr">
+                      <a:solidFill>
+                        <a:schemeClr val="tx1"/>
+                      </a:solidFill>
+                      <a:prstDash val="solid"/>
+                      <a:round/>
+                      <a:headEnd type="none" w="med" len="med"/>
+                      <a:tailEnd type="none" w="med" len="med"/>
+                    </a:lnR>
+                    <a:lnT w="12700" cap="flat" cmpd="sng" algn="ctr">
+                      <a:solidFill>
+                        <a:schemeClr val="tx1"/>
+                      </a:solidFill>
+                      <a:prstDash val="solid"/>
+                      <a:round/>
+                      <a:headEnd type="none" w="med" len="med"/>
+                      <a:tailEnd type="none" w="med" len="med"/>
+                    </a:lnT>
+                    <a:lnB w="12700" cap="flat" cmpd="sng" algn="ctr">
+                      <a:solidFill>
+                        <a:schemeClr val="tx1"/>
+                      </a:solidFill>
+                      <a:prstDash val="solid"/>
+                      <a:round/>
+                      <a:headEnd type="none" w="med" len="med"/>
+                      <a:tailEnd type="none" w="med" len="med"/>
+                    </a:lnB>
+                    <a:solidFill>
+                      <a:schemeClr val="accent1">
+                        <a:lumMod val="75000"/>
+                      </a:schemeClr>
+                    </a:solidFill>
+                  </a:tcPr>
+                </a:tc>
+                <a:extLst>
+                  <a:ext uri="{0D108BD9-81ED-4DB2-BD59-A6C34878D82A}">
+                    <a16:rowId xmlns:a16="http://schemas.microsoft.com/office/drawing/2014/main" val="3266066642"/>
+                  </a:ext>
+                </a:extLst>
+              </a:tr>
+            </a:tbl>
+          </a:graphicData>
+        </a:graphic>
+      </p:graphicFrame>
+    </p:spTree>
+    <p:extLst>
+      <p:ext uri="{BB962C8B-B14F-4D97-AF65-F5344CB8AC3E}">
+        <p14:creationId xmlns:p14="http://schemas.microsoft.com/office/powerpoint/2010/main" val="1085744828"/>
       </p:ext>
     </p:extLst>
   </p:cSld>

--- a/images/pygame_rect_window.pptx
+++ b/images/pygame_rect_window.pptx
@@ -5,7 +5,7 @@
     <p:sldMasterId id="2147483648" r:id="rId1"/>
   </p:sldMasterIdLst>
   <p:notesMasterIdLst>
-    <p:notesMasterId r:id="rId23"/>
+    <p:notesMasterId r:id="rId26"/>
   </p:notesMasterIdLst>
   <p:sldIdLst>
     <p:sldId id="257" r:id="rId2"/>
@@ -29,6 +29,9 @@
     <p:sldId id="277" r:id="rId20"/>
     <p:sldId id="278" r:id="rId21"/>
     <p:sldId id="279" r:id="rId22"/>
+    <p:sldId id="280" r:id="rId23"/>
+    <p:sldId id="281" r:id="rId24"/>
+    <p:sldId id="282" r:id="rId25"/>
   </p:sldIdLst>
   <p:sldSz cx="12192000" cy="6858000"/>
   <p:notesSz cx="6858000" cy="9144000"/>
@@ -221,7 +224,7 @@
           <a:p>
             <a:fld id="{A06AD928-664A-442C-B312-AFB4F7171F46}" type="datetimeFigureOut">
               <a:rPr lang="en-US" smtClean="0"/>
-              <a:t>7/28/2017</a:t>
+              <a:t>8/5/2017</a:t>
             </a:fld>
             <a:endParaRPr lang="en-US"/>
           </a:p>
@@ -617,7 +620,7 @@
           <a:p>
             <a:fld id="{856FFBE8-0159-4FDA-8D70-04C5D85E84A4}" type="datetimeFigureOut">
               <a:rPr lang="en-US" smtClean="0"/>
-              <a:t>7/28/2017</a:t>
+              <a:t>8/5/2017</a:t>
             </a:fld>
             <a:endParaRPr lang="en-US"/>
           </a:p>
@@ -785,7 +788,7 @@
           <a:p>
             <a:fld id="{856FFBE8-0159-4FDA-8D70-04C5D85E84A4}" type="datetimeFigureOut">
               <a:rPr lang="en-US" smtClean="0"/>
-              <a:t>7/28/2017</a:t>
+              <a:t>8/5/2017</a:t>
             </a:fld>
             <a:endParaRPr lang="en-US"/>
           </a:p>
@@ -963,7 +966,7 @@
           <a:p>
             <a:fld id="{856FFBE8-0159-4FDA-8D70-04C5D85E84A4}" type="datetimeFigureOut">
               <a:rPr lang="en-US" smtClean="0"/>
-              <a:t>7/28/2017</a:t>
+              <a:t>8/5/2017</a:t>
             </a:fld>
             <a:endParaRPr lang="en-US"/>
           </a:p>
@@ -1131,7 +1134,7 @@
           <a:p>
             <a:fld id="{856FFBE8-0159-4FDA-8D70-04C5D85E84A4}" type="datetimeFigureOut">
               <a:rPr lang="en-US" smtClean="0"/>
-              <a:t>7/28/2017</a:t>
+              <a:t>8/5/2017</a:t>
             </a:fld>
             <a:endParaRPr lang="en-US"/>
           </a:p>
@@ -1376,7 +1379,7 @@
           <a:p>
             <a:fld id="{856FFBE8-0159-4FDA-8D70-04C5D85E84A4}" type="datetimeFigureOut">
               <a:rPr lang="en-US" smtClean="0"/>
-              <a:t>7/28/2017</a:t>
+              <a:t>8/5/2017</a:t>
             </a:fld>
             <a:endParaRPr lang="en-US"/>
           </a:p>
@@ -1605,7 +1608,7 @@
           <a:p>
             <a:fld id="{856FFBE8-0159-4FDA-8D70-04C5D85E84A4}" type="datetimeFigureOut">
               <a:rPr lang="en-US" smtClean="0"/>
-              <a:t>7/28/2017</a:t>
+              <a:t>8/5/2017</a:t>
             </a:fld>
             <a:endParaRPr lang="en-US"/>
           </a:p>
@@ -1969,7 +1972,7 @@
           <a:p>
             <a:fld id="{856FFBE8-0159-4FDA-8D70-04C5D85E84A4}" type="datetimeFigureOut">
               <a:rPr lang="en-US" smtClean="0"/>
-              <a:t>7/28/2017</a:t>
+              <a:t>8/5/2017</a:t>
             </a:fld>
             <a:endParaRPr lang="en-US"/>
           </a:p>
@@ -2086,7 +2089,7 @@
           <a:p>
             <a:fld id="{856FFBE8-0159-4FDA-8D70-04C5D85E84A4}" type="datetimeFigureOut">
               <a:rPr lang="en-US" smtClean="0"/>
-              <a:t>7/28/2017</a:t>
+              <a:t>8/5/2017</a:t>
             </a:fld>
             <a:endParaRPr lang="en-US"/>
           </a:p>
@@ -2181,7 +2184,7 @@
           <a:p>
             <a:fld id="{856FFBE8-0159-4FDA-8D70-04C5D85E84A4}" type="datetimeFigureOut">
               <a:rPr lang="en-US" smtClean="0"/>
-              <a:t>7/28/2017</a:t>
+              <a:t>8/5/2017</a:t>
             </a:fld>
             <a:endParaRPr lang="en-US"/>
           </a:p>
@@ -2456,7 +2459,7 @@
           <a:p>
             <a:fld id="{856FFBE8-0159-4FDA-8D70-04C5D85E84A4}" type="datetimeFigureOut">
               <a:rPr lang="en-US" smtClean="0"/>
-              <a:t>7/28/2017</a:t>
+              <a:t>8/5/2017</a:t>
             </a:fld>
             <a:endParaRPr lang="en-US"/>
           </a:p>
@@ -2708,7 +2711,7 @@
           <a:p>
             <a:fld id="{856FFBE8-0159-4FDA-8D70-04C5D85E84A4}" type="datetimeFigureOut">
               <a:rPr lang="en-US" smtClean="0"/>
-              <a:t>7/28/2017</a:t>
+              <a:t>8/5/2017</a:t>
             </a:fld>
             <a:endParaRPr lang="en-US"/>
           </a:p>
@@ -2919,7 +2922,7 @@
           <a:p>
             <a:fld id="{856FFBE8-0159-4FDA-8D70-04C5D85E84A4}" type="datetimeFigureOut">
               <a:rPr lang="en-US" smtClean="0"/>
-              <a:t>7/28/2017</a:t>
+              <a:t>8/5/2017</a:t>
             </a:fld>
             <a:endParaRPr lang="en-US"/>
           </a:p>
@@ -13283,6 +13286,1827 @@
 </p:sld>
 </file>
 
+<file path=ppt/slides/slide22.xml><?xml version="1.0" encoding="utf-8"?>
+<p:sld xmlns:a="http://schemas.openxmlformats.org/drawingml/2006/main" xmlns:r="http://schemas.openxmlformats.org/officeDocument/2006/relationships" xmlns:p="http://schemas.openxmlformats.org/presentationml/2006/main">
+  <p:cSld>
+    <p:spTree>
+      <p:nvGrpSpPr>
+        <p:cNvPr id="1" name=""/>
+        <p:cNvGrpSpPr/>
+        <p:nvPr/>
+      </p:nvGrpSpPr>
+      <p:grpSpPr>
+        <a:xfrm>
+          <a:off x="0" y="0"/>
+          <a:ext cx="0" cy="0"/>
+          <a:chOff x="0" y="0"/>
+          <a:chExt cx="0" cy="0"/>
+        </a:xfrm>
+      </p:grpSpPr>
+      <p:grpSp>
+        <p:nvGrpSpPr>
+          <p:cNvPr id="46" name="Group 45">
+            <a:extLst>
+              <a:ext uri="{FF2B5EF4-FFF2-40B4-BE49-F238E27FC236}">
+                <a16:creationId xmlns:a16="http://schemas.microsoft.com/office/drawing/2014/main" id="{AC2697F5-EDB3-49C7-8F6A-47CF9C8489B0}"/>
+              </a:ext>
+            </a:extLst>
+          </p:cNvPr>
+          <p:cNvGrpSpPr/>
+          <p:nvPr/>
+        </p:nvGrpSpPr>
+        <p:grpSpPr>
+          <a:xfrm>
+            <a:off x="1281722" y="2562546"/>
+            <a:ext cx="6643077" cy="3323775"/>
+            <a:chOff x="1281722" y="2562546"/>
+            <a:chExt cx="6643077" cy="3323775"/>
+          </a:xfrm>
+        </p:grpSpPr>
+        <p:sp>
+          <p:nvSpPr>
+            <p:cNvPr id="3" name="Rectangle 2">
+              <a:extLst>
+                <a:ext uri="{FF2B5EF4-FFF2-40B4-BE49-F238E27FC236}">
+                  <a16:creationId xmlns:a16="http://schemas.microsoft.com/office/drawing/2014/main" id="{E3739F0D-E5AD-434D-AAAC-A6F8566EC99A}"/>
+                </a:ext>
+              </a:extLst>
+            </p:cNvPr>
+            <p:cNvSpPr/>
+            <p:nvPr/>
+          </p:nvSpPr>
+          <p:spPr>
+            <a:xfrm>
+              <a:off x="1998377" y="2573074"/>
+              <a:ext cx="1327608" cy="470814"/>
+            </a:xfrm>
+            <a:prstGeom prst="rect">
+              <a:avLst/>
+            </a:prstGeom>
+            <a:solidFill>
+              <a:schemeClr val="bg2">
+                <a:lumMod val="75000"/>
+              </a:schemeClr>
+            </a:solidFill>
+            <a:ln>
+              <a:solidFill>
+                <a:schemeClr val="tx1"/>
+              </a:solidFill>
+            </a:ln>
+          </p:spPr>
+          <p:style>
+            <a:lnRef idx="2">
+              <a:schemeClr val="accent1">
+                <a:shade val="50000"/>
+              </a:schemeClr>
+            </a:lnRef>
+            <a:fillRef idx="1">
+              <a:schemeClr val="accent1"/>
+            </a:fillRef>
+            <a:effectRef idx="0">
+              <a:schemeClr val="accent1"/>
+            </a:effectRef>
+            <a:fontRef idx="minor">
+              <a:schemeClr val="lt1"/>
+            </a:fontRef>
+          </p:style>
+          <p:txBody>
+            <a:bodyPr rtlCol="0" anchor="ctr"/>
+            <a:lstStyle/>
+            <a:p>
+              <a:pPr algn="ctr"/>
+              <a:r>
+                <a:rPr lang="en-US" dirty="0">
+                  <a:solidFill>
+                    <a:schemeClr val="tx1"/>
+                  </a:solidFill>
+                </a:rPr>
+                <a:t>CPU</a:t>
+              </a:r>
+            </a:p>
+          </p:txBody>
+        </p:sp>
+        <p:sp>
+          <p:nvSpPr>
+            <p:cNvPr id="6" name="Rectangle 5">
+              <a:extLst>
+                <a:ext uri="{FF2B5EF4-FFF2-40B4-BE49-F238E27FC236}">
+                  <a16:creationId xmlns:a16="http://schemas.microsoft.com/office/drawing/2014/main" id="{83DB9C5A-D193-4983-81BB-B3EA890F96BB}"/>
+                </a:ext>
+              </a:extLst>
+            </p:cNvPr>
+            <p:cNvSpPr/>
+            <p:nvPr/>
+          </p:nvSpPr>
+          <p:spPr>
+            <a:xfrm>
+              <a:off x="5323371" y="2562546"/>
+              <a:ext cx="1842856" cy="522432"/>
+            </a:xfrm>
+            <a:prstGeom prst="rect">
+              <a:avLst/>
+            </a:prstGeom>
+            <a:solidFill>
+              <a:schemeClr val="bg2">
+                <a:lumMod val="75000"/>
+              </a:schemeClr>
+            </a:solidFill>
+            <a:ln>
+              <a:solidFill>
+                <a:schemeClr val="tx1"/>
+              </a:solidFill>
+            </a:ln>
+          </p:spPr>
+          <p:style>
+            <a:lnRef idx="2">
+              <a:schemeClr val="accent1">
+                <a:shade val="50000"/>
+              </a:schemeClr>
+            </a:lnRef>
+            <a:fillRef idx="1">
+              <a:schemeClr val="accent1"/>
+            </a:fillRef>
+            <a:effectRef idx="0">
+              <a:schemeClr val="accent1"/>
+            </a:effectRef>
+            <a:fontRef idx="minor">
+              <a:schemeClr val="lt1"/>
+            </a:fontRef>
+          </p:style>
+          <p:txBody>
+            <a:bodyPr rtlCol="0" anchor="ctr"/>
+            <a:lstStyle/>
+            <a:p>
+              <a:pPr algn="ctr"/>
+              <a:r>
+                <a:rPr lang="en-US" dirty="0">
+                  <a:solidFill>
+                    <a:schemeClr val="tx1"/>
+                  </a:solidFill>
+                </a:rPr>
+                <a:t>Main memory</a:t>
+              </a:r>
+            </a:p>
+            <a:p>
+              <a:pPr algn="ctr"/>
+              <a:r>
+                <a:rPr lang="en-US" dirty="0">
+                  <a:solidFill>
+                    <a:schemeClr val="tx1"/>
+                  </a:solidFill>
+                </a:rPr>
+                <a:t>(RAM)</a:t>
+              </a:r>
+            </a:p>
+          </p:txBody>
+        </p:sp>
+        <p:cxnSp>
+          <p:nvCxnSpPr>
+            <p:cNvPr id="8" name="Straight Arrow Connector 7">
+              <a:extLst>
+                <a:ext uri="{FF2B5EF4-FFF2-40B4-BE49-F238E27FC236}">
+                  <a16:creationId xmlns:a16="http://schemas.microsoft.com/office/drawing/2014/main" id="{03C33812-9220-4EF8-A2F0-395615C6737D}"/>
+                </a:ext>
+              </a:extLst>
+            </p:cNvPr>
+            <p:cNvCxnSpPr/>
+            <p:nvPr/>
+          </p:nvCxnSpPr>
+          <p:spPr>
+            <a:xfrm>
+              <a:off x="1281722" y="3602892"/>
+              <a:ext cx="6643077" cy="0"/>
+            </a:xfrm>
+            <a:prstGeom prst="straightConnector1">
+              <a:avLst/>
+            </a:prstGeom>
+            <a:ln w="76200">
+              <a:solidFill>
+                <a:schemeClr val="tx1"/>
+              </a:solidFill>
+              <a:headEnd type="triangle"/>
+              <a:tailEnd type="triangle"/>
+            </a:ln>
+          </p:spPr>
+          <p:style>
+            <a:lnRef idx="1">
+              <a:schemeClr val="accent1"/>
+            </a:lnRef>
+            <a:fillRef idx="0">
+              <a:schemeClr val="accent1"/>
+            </a:fillRef>
+            <a:effectRef idx="0">
+              <a:schemeClr val="accent1"/>
+            </a:effectRef>
+            <a:fontRef idx="minor">
+              <a:schemeClr val="tx1"/>
+            </a:fontRef>
+          </p:style>
+        </p:cxnSp>
+        <p:cxnSp>
+          <p:nvCxnSpPr>
+            <p:cNvPr id="11" name="Straight Arrow Connector 10">
+              <a:extLst>
+                <a:ext uri="{FF2B5EF4-FFF2-40B4-BE49-F238E27FC236}">
+                  <a16:creationId xmlns:a16="http://schemas.microsoft.com/office/drawing/2014/main" id="{52F3E7D4-845A-4C29-88BE-CB102B8035CC}"/>
+                </a:ext>
+              </a:extLst>
+            </p:cNvPr>
+            <p:cNvCxnSpPr>
+              <a:cxnSpLocks/>
+              <a:stCxn id="3" idx="2"/>
+            </p:cNvCxnSpPr>
+            <p:nvPr/>
+          </p:nvCxnSpPr>
+          <p:spPr>
+            <a:xfrm>
+              <a:off x="2662181" y="3043888"/>
+              <a:ext cx="0" cy="514510"/>
+            </a:xfrm>
+            <a:prstGeom prst="straightConnector1">
+              <a:avLst/>
+            </a:prstGeom>
+            <a:ln w="38100">
+              <a:solidFill>
+                <a:schemeClr val="tx1"/>
+              </a:solidFill>
+              <a:headEnd type="triangle"/>
+              <a:tailEnd type="triangle"/>
+            </a:ln>
+          </p:spPr>
+          <p:style>
+            <a:lnRef idx="1">
+              <a:schemeClr val="accent1"/>
+            </a:lnRef>
+            <a:fillRef idx="0">
+              <a:schemeClr val="accent1"/>
+            </a:fillRef>
+            <a:effectRef idx="0">
+              <a:schemeClr val="accent1"/>
+            </a:effectRef>
+            <a:fontRef idx="minor">
+              <a:schemeClr val="tx1"/>
+            </a:fontRef>
+          </p:style>
+        </p:cxnSp>
+        <p:cxnSp>
+          <p:nvCxnSpPr>
+            <p:cNvPr id="15" name="Straight Arrow Connector 14">
+              <a:extLst>
+                <a:ext uri="{FF2B5EF4-FFF2-40B4-BE49-F238E27FC236}">
+                  <a16:creationId xmlns:a16="http://schemas.microsoft.com/office/drawing/2014/main" id="{630088A6-5E8E-40B5-948B-E98E3556700E}"/>
+                </a:ext>
+              </a:extLst>
+            </p:cNvPr>
+            <p:cNvCxnSpPr>
+              <a:cxnSpLocks/>
+              <a:stCxn id="6" idx="2"/>
+            </p:cNvCxnSpPr>
+            <p:nvPr/>
+          </p:nvCxnSpPr>
+          <p:spPr>
+            <a:xfrm>
+              <a:off x="6244799" y="3084978"/>
+              <a:ext cx="0" cy="473420"/>
+            </a:xfrm>
+            <a:prstGeom prst="straightConnector1">
+              <a:avLst/>
+            </a:prstGeom>
+            <a:ln w="38100">
+              <a:solidFill>
+                <a:schemeClr val="tx1"/>
+              </a:solidFill>
+              <a:headEnd type="triangle"/>
+              <a:tailEnd type="triangle"/>
+            </a:ln>
+          </p:spPr>
+          <p:style>
+            <a:lnRef idx="1">
+              <a:schemeClr val="accent1"/>
+            </a:lnRef>
+            <a:fillRef idx="0">
+              <a:schemeClr val="accent1"/>
+            </a:fillRef>
+            <a:effectRef idx="0">
+              <a:schemeClr val="accent1"/>
+            </a:effectRef>
+            <a:fontRef idx="minor">
+              <a:schemeClr val="tx1"/>
+            </a:fontRef>
+          </p:style>
+        </p:cxnSp>
+        <p:pic>
+          <p:nvPicPr>
+            <p:cNvPr id="19" name="Graphic 18" descr="Game controller">
+              <a:extLst>
+                <a:ext uri="{FF2B5EF4-FFF2-40B4-BE49-F238E27FC236}">
+                  <a16:creationId xmlns:a16="http://schemas.microsoft.com/office/drawing/2014/main" id="{9A99945F-0F58-40A8-A16D-8A03393BE265}"/>
+                </a:ext>
+              </a:extLst>
+            </p:cNvPr>
+            <p:cNvPicPr>
+              <a:picLocks noChangeAspect="1"/>
+            </p:cNvPicPr>
+            <p:nvPr/>
+          </p:nvPicPr>
+          <p:blipFill>
+            <a:blip r:embed="rId2">
+              <a:extLst>
+                <a:ext uri="{28A0092B-C50C-407E-A947-70E740481C1C}">
+                  <a14:useLocalDpi xmlns:a14="http://schemas.microsoft.com/office/drawing/2010/main" val="0"/>
+                </a:ext>
+                <a:ext uri="{96DAC541-7B7A-43D3-8B79-37D633B846F1}">
+                  <asvg:svgBlip xmlns:asvg="http://schemas.microsoft.com/office/drawing/2016/SVG/main" r:embed="rId3"/>
+                </a:ext>
+              </a:extLst>
+            </a:blip>
+            <a:stretch>
+              <a:fillRect/>
+            </a:stretch>
+          </p:blipFill>
+          <p:spPr>
+            <a:xfrm>
+              <a:off x="3259879" y="4627107"/>
+              <a:ext cx="914400" cy="914400"/>
+            </a:xfrm>
+            <a:prstGeom prst="rect">
+              <a:avLst/>
+            </a:prstGeom>
+          </p:spPr>
+        </p:pic>
+        <p:pic>
+          <p:nvPicPr>
+            <p:cNvPr id="21" name="Graphic 20" descr="Web cam">
+              <a:extLst>
+                <a:ext uri="{FF2B5EF4-FFF2-40B4-BE49-F238E27FC236}">
+                  <a16:creationId xmlns:a16="http://schemas.microsoft.com/office/drawing/2014/main" id="{955366F3-1AEA-42A5-9043-58D88BA3B4B7}"/>
+                </a:ext>
+              </a:extLst>
+            </p:cNvPr>
+            <p:cNvPicPr>
+              <a:picLocks noChangeAspect="1"/>
+            </p:cNvPicPr>
+            <p:nvPr/>
+          </p:nvPicPr>
+          <p:blipFill>
+            <a:blip r:embed="rId4">
+              <a:extLst>
+                <a:ext uri="{28A0092B-C50C-407E-A947-70E740481C1C}">
+                  <a14:useLocalDpi xmlns:a14="http://schemas.microsoft.com/office/drawing/2010/main" val="0"/>
+                </a:ext>
+                <a:ext uri="{96DAC541-7B7A-43D3-8B79-37D633B846F1}">
+                  <asvg:svgBlip xmlns:asvg="http://schemas.microsoft.com/office/drawing/2016/SVG/main" r:embed="rId5"/>
+                </a:ext>
+              </a:extLst>
+            </a:blip>
+            <a:stretch>
+              <a:fillRect/>
+            </a:stretch>
+          </p:blipFill>
+          <p:spPr>
+            <a:xfrm>
+              <a:off x="6974376" y="4261999"/>
+              <a:ext cx="365108" cy="365108"/>
+            </a:xfrm>
+            <a:prstGeom prst="rect">
+              <a:avLst/>
+            </a:prstGeom>
+          </p:spPr>
+        </p:pic>
+        <p:pic>
+          <p:nvPicPr>
+            <p:cNvPr id="25" name="Graphic 24" descr="Monitor">
+              <a:extLst>
+                <a:ext uri="{FF2B5EF4-FFF2-40B4-BE49-F238E27FC236}">
+                  <a16:creationId xmlns:a16="http://schemas.microsoft.com/office/drawing/2014/main" id="{16A2D81A-40A4-4A98-B87B-B0C876E45978}"/>
+                </a:ext>
+              </a:extLst>
+            </p:cNvPr>
+            <p:cNvPicPr>
+              <a:picLocks noChangeAspect="1"/>
+            </p:cNvPicPr>
+            <p:nvPr/>
+          </p:nvPicPr>
+          <p:blipFill>
+            <a:blip r:embed="rId6">
+              <a:extLst>
+                <a:ext uri="{28A0092B-C50C-407E-A947-70E740481C1C}">
+                  <a14:useLocalDpi xmlns:a14="http://schemas.microsoft.com/office/drawing/2010/main" val="0"/>
+                </a:ext>
+                <a:ext uri="{96DAC541-7B7A-43D3-8B79-37D633B846F1}">
+                  <asvg:svgBlip xmlns:asvg="http://schemas.microsoft.com/office/drawing/2016/SVG/main" r:embed="rId7"/>
+                </a:ext>
+              </a:extLst>
+            </a:blip>
+            <a:stretch>
+              <a:fillRect/>
+            </a:stretch>
+          </p:blipFill>
+          <p:spPr>
+            <a:xfrm>
+              <a:off x="6389062" y="4350584"/>
+              <a:ext cx="1535737" cy="1535737"/>
+            </a:xfrm>
+            <a:prstGeom prst="rect">
+              <a:avLst/>
+            </a:prstGeom>
+          </p:spPr>
+        </p:pic>
+        <p:sp>
+          <p:nvSpPr>
+            <p:cNvPr id="26" name="Rectangle 25">
+              <a:extLst>
+                <a:ext uri="{FF2B5EF4-FFF2-40B4-BE49-F238E27FC236}">
+                  <a16:creationId xmlns:a16="http://schemas.microsoft.com/office/drawing/2014/main" id="{8060F863-5B0C-4C0C-AD87-6036290B7259}"/>
+                </a:ext>
+              </a:extLst>
+            </p:cNvPr>
+            <p:cNvSpPr/>
+            <p:nvPr/>
+          </p:nvSpPr>
+          <p:spPr>
+            <a:xfrm>
+              <a:off x="4837471" y="4041058"/>
+              <a:ext cx="1225879" cy="586049"/>
+            </a:xfrm>
+            <a:prstGeom prst="rect">
+              <a:avLst/>
+            </a:prstGeom>
+            <a:solidFill>
+              <a:schemeClr val="bg2">
+                <a:lumMod val="75000"/>
+              </a:schemeClr>
+            </a:solidFill>
+            <a:ln>
+              <a:solidFill>
+                <a:schemeClr val="tx1"/>
+              </a:solidFill>
+            </a:ln>
+          </p:spPr>
+          <p:style>
+            <a:lnRef idx="2">
+              <a:schemeClr val="accent1">
+                <a:shade val="50000"/>
+              </a:schemeClr>
+            </a:lnRef>
+            <a:fillRef idx="1">
+              <a:schemeClr val="accent1"/>
+            </a:fillRef>
+            <a:effectRef idx="0">
+              <a:schemeClr val="accent1"/>
+            </a:effectRef>
+            <a:fontRef idx="minor">
+              <a:schemeClr val="lt1"/>
+            </a:fontRef>
+          </p:style>
+          <p:txBody>
+            <a:bodyPr rtlCol="0" anchor="ctr"/>
+            <a:lstStyle/>
+            <a:p>
+              <a:pPr algn="ctr"/>
+              <a:r>
+                <a:rPr lang="en-US" dirty="0">
+                  <a:solidFill>
+                    <a:schemeClr val="tx1"/>
+                  </a:solidFill>
+                </a:rPr>
+                <a:t>Graphics Card</a:t>
+              </a:r>
+            </a:p>
+          </p:txBody>
+        </p:sp>
+        <p:cxnSp>
+          <p:nvCxnSpPr>
+            <p:cNvPr id="27" name="Straight Arrow Connector 26">
+              <a:extLst>
+                <a:ext uri="{FF2B5EF4-FFF2-40B4-BE49-F238E27FC236}">
+                  <a16:creationId xmlns:a16="http://schemas.microsoft.com/office/drawing/2014/main" id="{EB8B4D70-68B5-49C7-9A70-68D3F914ECED}"/>
+                </a:ext>
+              </a:extLst>
+            </p:cNvPr>
+            <p:cNvCxnSpPr>
+              <a:cxnSpLocks/>
+              <a:endCxn id="26" idx="0"/>
+            </p:cNvCxnSpPr>
+            <p:nvPr/>
+          </p:nvCxnSpPr>
+          <p:spPr>
+            <a:xfrm>
+              <a:off x="5450410" y="3602892"/>
+              <a:ext cx="1" cy="438166"/>
+            </a:xfrm>
+            <a:prstGeom prst="straightConnector1">
+              <a:avLst/>
+            </a:prstGeom>
+            <a:ln w="38100">
+              <a:solidFill>
+                <a:schemeClr val="tx1"/>
+              </a:solidFill>
+              <a:headEnd type="triangle"/>
+              <a:tailEnd type="triangle"/>
+            </a:ln>
+          </p:spPr>
+          <p:style>
+            <a:lnRef idx="1">
+              <a:schemeClr val="accent1"/>
+            </a:lnRef>
+            <a:fillRef idx="0">
+              <a:schemeClr val="accent1"/>
+            </a:fillRef>
+            <a:effectRef idx="0">
+              <a:schemeClr val="accent1"/>
+            </a:effectRef>
+            <a:fontRef idx="minor">
+              <a:schemeClr val="tx1"/>
+            </a:fontRef>
+          </p:style>
+        </p:cxnSp>
+        <p:sp>
+          <p:nvSpPr>
+            <p:cNvPr id="31" name="Freeform: Shape 30">
+              <a:extLst>
+                <a:ext uri="{FF2B5EF4-FFF2-40B4-BE49-F238E27FC236}">
+                  <a16:creationId xmlns:a16="http://schemas.microsoft.com/office/drawing/2014/main" id="{FC1D19A9-F4BE-4F96-82D5-19EA16F24E0B}"/>
+                </a:ext>
+              </a:extLst>
+            </p:cNvPr>
+            <p:cNvSpPr/>
+            <p:nvPr/>
+          </p:nvSpPr>
+          <p:spPr>
+            <a:xfrm>
+              <a:off x="5204207" y="4627107"/>
+              <a:ext cx="1690664" cy="1176383"/>
+            </a:xfrm>
+            <a:custGeom>
+              <a:avLst/>
+              <a:gdLst>
+                <a:gd name="connsiteX0" fmla="*/ 214220 w 1673619"/>
+                <a:gd name="connsiteY0" fmla="*/ 0 h 1106824"/>
+                <a:gd name="connsiteX1" fmla="*/ 81484 w 1673619"/>
+                <a:gd name="connsiteY1" fmla="*/ 457200 h 1106824"/>
+                <a:gd name="connsiteX2" fmla="*/ 51987 w 1673619"/>
+                <a:gd name="connsiteY2" fmla="*/ 966020 h 1106824"/>
+                <a:gd name="connsiteX3" fmla="*/ 804155 w 1673619"/>
+                <a:gd name="connsiteY3" fmla="*/ 479323 h 1106824"/>
+                <a:gd name="connsiteX4" fmla="*/ 1261355 w 1673619"/>
+                <a:gd name="connsiteY4" fmla="*/ 1091381 h 1106824"/>
+                <a:gd name="connsiteX5" fmla="*/ 1630065 w 1673619"/>
+                <a:gd name="connsiteY5" fmla="*/ 921775 h 1106824"/>
+                <a:gd name="connsiteX6" fmla="*/ 1652187 w 1673619"/>
+                <a:gd name="connsiteY6" fmla="*/ 907026 h 1106824"/>
+              </a:gdLst>
+              <a:ahLst/>
+              <a:cxnLst>
+                <a:cxn ang="0">
+                  <a:pos x="connsiteX0" y="connsiteY0"/>
+                </a:cxn>
+                <a:cxn ang="0">
+                  <a:pos x="connsiteX1" y="connsiteY1"/>
+                </a:cxn>
+                <a:cxn ang="0">
+                  <a:pos x="connsiteX2" y="connsiteY2"/>
+                </a:cxn>
+                <a:cxn ang="0">
+                  <a:pos x="connsiteX3" y="connsiteY3"/>
+                </a:cxn>
+                <a:cxn ang="0">
+                  <a:pos x="connsiteX4" y="connsiteY4"/>
+                </a:cxn>
+                <a:cxn ang="0">
+                  <a:pos x="connsiteX5" y="connsiteY5"/>
+                </a:cxn>
+                <a:cxn ang="0">
+                  <a:pos x="connsiteX6" y="connsiteY6"/>
+                </a:cxn>
+              </a:cxnLst>
+              <a:rect l="l" t="t" r="r" b="b"/>
+              <a:pathLst>
+                <a:path w="1673619" h="1106824">
+                  <a:moveTo>
+                    <a:pt x="214220" y="0"/>
+                  </a:moveTo>
+                  <a:cubicBezTo>
+                    <a:pt x="161371" y="148098"/>
+                    <a:pt x="108523" y="296197"/>
+                    <a:pt x="81484" y="457200"/>
+                  </a:cubicBezTo>
+                  <a:cubicBezTo>
+                    <a:pt x="54445" y="618203"/>
+                    <a:pt x="-68458" y="962333"/>
+                    <a:pt x="51987" y="966020"/>
+                  </a:cubicBezTo>
+                  <a:cubicBezTo>
+                    <a:pt x="172432" y="969707"/>
+                    <a:pt x="602594" y="458430"/>
+                    <a:pt x="804155" y="479323"/>
+                  </a:cubicBezTo>
+                  <a:cubicBezTo>
+                    <a:pt x="1005716" y="500216"/>
+                    <a:pt x="1123703" y="1017639"/>
+                    <a:pt x="1261355" y="1091381"/>
+                  </a:cubicBezTo>
+                  <a:cubicBezTo>
+                    <a:pt x="1399007" y="1165123"/>
+                    <a:pt x="1564926" y="952501"/>
+                    <a:pt x="1630065" y="921775"/>
+                  </a:cubicBezTo>
+                  <a:cubicBezTo>
+                    <a:pt x="1695204" y="891049"/>
+                    <a:pt x="1673695" y="899037"/>
+                    <a:pt x="1652187" y="907026"/>
+                  </a:cubicBezTo>
+                </a:path>
+              </a:pathLst>
+            </a:custGeom>
+            <a:noFill/>
+            <a:ln>
+              <a:solidFill>
+                <a:schemeClr val="tx1"/>
+              </a:solidFill>
+            </a:ln>
+          </p:spPr>
+          <p:style>
+            <a:lnRef idx="2">
+              <a:schemeClr val="accent1">
+                <a:shade val="50000"/>
+              </a:schemeClr>
+            </a:lnRef>
+            <a:fillRef idx="1">
+              <a:schemeClr val="accent1"/>
+            </a:fillRef>
+            <a:effectRef idx="0">
+              <a:schemeClr val="accent1"/>
+            </a:effectRef>
+            <a:fontRef idx="minor">
+              <a:schemeClr val="lt1"/>
+            </a:fontRef>
+          </p:style>
+          <p:txBody>
+            <a:bodyPr rtlCol="0" anchor="ctr"/>
+            <a:lstStyle/>
+            <a:p>
+              <a:pPr algn="ctr"/>
+              <a:endParaRPr lang="en-US">
+                <a:solidFill>
+                  <a:schemeClr val="tx1"/>
+                </a:solidFill>
+              </a:endParaRPr>
+            </a:p>
+          </p:txBody>
+        </p:sp>
+        <p:sp>
+          <p:nvSpPr>
+            <p:cNvPr id="32" name="Rectangle 31">
+              <a:extLst>
+                <a:ext uri="{FF2B5EF4-FFF2-40B4-BE49-F238E27FC236}">
+                  <a16:creationId xmlns:a16="http://schemas.microsoft.com/office/drawing/2014/main" id="{EBC1E6CD-5FEE-4B84-A2FA-A2E3FE913EC0}"/>
+                </a:ext>
+              </a:extLst>
+            </p:cNvPr>
+            <p:cNvSpPr/>
+            <p:nvPr/>
+          </p:nvSpPr>
+          <p:spPr>
+            <a:xfrm>
+              <a:off x="2976022" y="4041058"/>
+              <a:ext cx="1372356" cy="350369"/>
+            </a:xfrm>
+            <a:prstGeom prst="rect">
+              <a:avLst/>
+            </a:prstGeom>
+            <a:solidFill>
+              <a:schemeClr val="bg2">
+                <a:lumMod val="75000"/>
+              </a:schemeClr>
+            </a:solidFill>
+            <a:ln>
+              <a:solidFill>
+                <a:schemeClr val="tx1"/>
+              </a:solidFill>
+            </a:ln>
+          </p:spPr>
+          <p:style>
+            <a:lnRef idx="2">
+              <a:schemeClr val="accent1">
+                <a:shade val="50000"/>
+              </a:schemeClr>
+            </a:lnRef>
+            <a:fillRef idx="1">
+              <a:schemeClr val="accent1"/>
+            </a:fillRef>
+            <a:effectRef idx="0">
+              <a:schemeClr val="accent1"/>
+            </a:effectRef>
+            <a:fontRef idx="minor">
+              <a:schemeClr val="lt1"/>
+            </a:fontRef>
+          </p:style>
+          <p:txBody>
+            <a:bodyPr rtlCol="0" anchor="ctr"/>
+            <a:lstStyle/>
+            <a:p>
+              <a:pPr algn="ctr"/>
+              <a:r>
+                <a:rPr lang="en-US" dirty="0">
+                  <a:solidFill>
+                    <a:schemeClr val="tx1"/>
+                  </a:solidFill>
+                </a:rPr>
+                <a:t>USB</a:t>
+              </a:r>
+            </a:p>
+          </p:txBody>
+        </p:sp>
+        <p:sp>
+          <p:nvSpPr>
+            <p:cNvPr id="33" name="Freeform: Shape 32">
+              <a:extLst>
+                <a:ext uri="{FF2B5EF4-FFF2-40B4-BE49-F238E27FC236}">
+                  <a16:creationId xmlns:a16="http://schemas.microsoft.com/office/drawing/2014/main" id="{2A4CA8B8-D6B3-4BC0-8672-E0417562AB0C}"/>
+                </a:ext>
+              </a:extLst>
+            </p:cNvPr>
+            <p:cNvSpPr/>
+            <p:nvPr/>
+          </p:nvSpPr>
+          <p:spPr>
+            <a:xfrm>
+              <a:off x="3406812" y="4395019"/>
+              <a:ext cx="360985" cy="464575"/>
+            </a:xfrm>
+            <a:custGeom>
+              <a:avLst/>
+              <a:gdLst>
+                <a:gd name="connsiteX0" fmla="*/ 302407 w 360985"/>
+                <a:gd name="connsiteY0" fmla="*/ 464575 h 464575"/>
+                <a:gd name="connsiteX1" fmla="*/ 65 w 360985"/>
+                <a:gd name="connsiteY1" fmla="*/ 250723 h 464575"/>
+                <a:gd name="connsiteX2" fmla="*/ 324530 w 360985"/>
+                <a:gd name="connsiteY2" fmla="*/ 191729 h 464575"/>
+                <a:gd name="connsiteX3" fmla="*/ 339278 w 360985"/>
+                <a:gd name="connsiteY3" fmla="*/ 0 h 464575"/>
+              </a:gdLst>
+              <a:ahLst/>
+              <a:cxnLst>
+                <a:cxn ang="0">
+                  <a:pos x="connsiteX0" y="connsiteY0"/>
+                </a:cxn>
+                <a:cxn ang="0">
+                  <a:pos x="connsiteX1" y="connsiteY1"/>
+                </a:cxn>
+                <a:cxn ang="0">
+                  <a:pos x="connsiteX2" y="connsiteY2"/>
+                </a:cxn>
+                <a:cxn ang="0">
+                  <a:pos x="connsiteX3" y="connsiteY3"/>
+                </a:cxn>
+              </a:cxnLst>
+              <a:rect l="l" t="t" r="r" b="b"/>
+              <a:pathLst>
+                <a:path w="360985" h="464575">
+                  <a:moveTo>
+                    <a:pt x="302407" y="464575"/>
+                  </a:moveTo>
+                  <a:cubicBezTo>
+                    <a:pt x="149392" y="380386"/>
+                    <a:pt x="-3622" y="296197"/>
+                    <a:pt x="65" y="250723"/>
+                  </a:cubicBezTo>
+                  <a:cubicBezTo>
+                    <a:pt x="3752" y="205249"/>
+                    <a:pt x="267994" y="233516"/>
+                    <a:pt x="324530" y="191729"/>
+                  </a:cubicBezTo>
+                  <a:cubicBezTo>
+                    <a:pt x="381066" y="149942"/>
+                    <a:pt x="360172" y="74971"/>
+                    <a:pt x="339278" y="0"/>
+                  </a:cubicBezTo>
+                </a:path>
+              </a:pathLst>
+            </a:custGeom>
+            <a:noFill/>
+            <a:ln>
+              <a:solidFill>
+                <a:schemeClr val="tx1"/>
+              </a:solidFill>
+            </a:ln>
+          </p:spPr>
+          <p:style>
+            <a:lnRef idx="2">
+              <a:schemeClr val="accent1">
+                <a:shade val="50000"/>
+              </a:schemeClr>
+            </a:lnRef>
+            <a:fillRef idx="1">
+              <a:schemeClr val="accent1"/>
+            </a:fillRef>
+            <a:effectRef idx="0">
+              <a:schemeClr val="accent1"/>
+            </a:effectRef>
+            <a:fontRef idx="minor">
+              <a:schemeClr val="lt1"/>
+            </a:fontRef>
+          </p:style>
+          <p:txBody>
+            <a:bodyPr rtlCol="0" anchor="ctr"/>
+            <a:lstStyle/>
+            <a:p>
+              <a:pPr algn="ctr"/>
+              <a:endParaRPr lang="en-US"/>
+            </a:p>
+          </p:txBody>
+        </p:sp>
+        <p:cxnSp>
+          <p:nvCxnSpPr>
+            <p:cNvPr id="34" name="Straight Arrow Connector 33">
+              <a:extLst>
+                <a:ext uri="{FF2B5EF4-FFF2-40B4-BE49-F238E27FC236}">
+                  <a16:creationId xmlns:a16="http://schemas.microsoft.com/office/drawing/2014/main" id="{09267B74-C861-4376-9B67-EEF66F49D017}"/>
+                </a:ext>
+              </a:extLst>
+            </p:cNvPr>
+            <p:cNvCxnSpPr>
+              <a:cxnSpLocks/>
+            </p:cNvCxnSpPr>
+            <p:nvPr/>
+          </p:nvCxnSpPr>
+          <p:spPr>
+            <a:xfrm>
+              <a:off x="3596183" y="3630735"/>
+              <a:ext cx="1" cy="438166"/>
+            </a:xfrm>
+            <a:prstGeom prst="straightConnector1">
+              <a:avLst/>
+            </a:prstGeom>
+            <a:ln w="38100">
+              <a:solidFill>
+                <a:schemeClr val="tx1"/>
+              </a:solidFill>
+              <a:headEnd type="triangle"/>
+              <a:tailEnd type="triangle"/>
+            </a:ln>
+          </p:spPr>
+          <p:style>
+            <a:lnRef idx="1">
+              <a:schemeClr val="accent1"/>
+            </a:lnRef>
+            <a:fillRef idx="0">
+              <a:schemeClr val="accent1"/>
+            </a:fillRef>
+            <a:effectRef idx="0">
+              <a:schemeClr val="accent1"/>
+            </a:effectRef>
+            <a:fontRef idx="minor">
+              <a:schemeClr val="tx1"/>
+            </a:fontRef>
+          </p:style>
+        </p:cxnSp>
+        <p:pic>
+          <p:nvPicPr>
+            <p:cNvPr id="36" name="Graphic 35" descr="Record">
+              <a:extLst>
+                <a:ext uri="{FF2B5EF4-FFF2-40B4-BE49-F238E27FC236}">
+                  <a16:creationId xmlns:a16="http://schemas.microsoft.com/office/drawing/2014/main" id="{583466BB-882D-4FD9-A1BC-BFE643E66C34}"/>
+                </a:ext>
+              </a:extLst>
+            </p:cNvPr>
+            <p:cNvPicPr>
+              <a:picLocks noChangeAspect="1"/>
+            </p:cNvPicPr>
+            <p:nvPr/>
+          </p:nvPicPr>
+          <p:blipFill>
+            <a:blip r:embed="rId8">
+              <a:extLst>
+                <a:ext uri="{28A0092B-C50C-407E-A947-70E740481C1C}">
+                  <a14:useLocalDpi xmlns:a14="http://schemas.microsoft.com/office/drawing/2010/main" val="0"/>
+                </a:ext>
+                <a:ext uri="{96DAC541-7B7A-43D3-8B79-37D633B846F1}">
+                  <asvg:svgBlip xmlns:asvg="http://schemas.microsoft.com/office/drawing/2016/SVG/main" r:embed="rId9"/>
+                </a:ext>
+              </a:extLst>
+            </a:blip>
+            <a:stretch>
+              <a:fillRect/>
+            </a:stretch>
+          </p:blipFill>
+          <p:spPr>
+            <a:xfrm>
+              <a:off x="1462484" y="4627107"/>
+              <a:ext cx="914400" cy="914400"/>
+            </a:xfrm>
+            <a:prstGeom prst="rect">
+              <a:avLst/>
+            </a:prstGeom>
+          </p:spPr>
+        </p:pic>
+        <p:sp>
+          <p:nvSpPr>
+            <p:cNvPr id="44" name="Freeform: Shape 43">
+              <a:extLst>
+                <a:ext uri="{FF2B5EF4-FFF2-40B4-BE49-F238E27FC236}">
+                  <a16:creationId xmlns:a16="http://schemas.microsoft.com/office/drawing/2014/main" id="{C23B1A71-F7CD-4D80-8330-101853DEA288}"/>
+                </a:ext>
+              </a:extLst>
+            </p:cNvPr>
+            <p:cNvSpPr/>
+            <p:nvPr/>
+          </p:nvSpPr>
+          <p:spPr>
+            <a:xfrm>
+              <a:off x="1878909" y="4165391"/>
+              <a:ext cx="1107482" cy="941630"/>
+            </a:xfrm>
+            <a:custGeom>
+              <a:avLst/>
+              <a:gdLst>
+                <a:gd name="connsiteX0" fmla="*/ 27712 w 1107482"/>
+                <a:gd name="connsiteY0" fmla="*/ 941630 h 941630"/>
+                <a:gd name="connsiteX1" fmla="*/ 47168 w 1107482"/>
+                <a:gd name="connsiteY1" fmla="*/ 270422 h 941630"/>
+                <a:gd name="connsiteX2" fmla="*/ 465457 w 1107482"/>
+                <a:gd name="connsiteY2" fmla="*/ 17503 h 941630"/>
+                <a:gd name="connsiteX3" fmla="*/ 776742 w 1107482"/>
+                <a:gd name="connsiteY3" fmla="*/ 571979 h 941630"/>
+                <a:gd name="connsiteX4" fmla="*/ 951840 w 1107482"/>
+                <a:gd name="connsiteY4" fmla="*/ 56413 h 941630"/>
+                <a:gd name="connsiteX5" fmla="*/ 1107482 w 1107482"/>
+                <a:gd name="connsiteY5" fmla="*/ 36958 h 941630"/>
+              </a:gdLst>
+              <a:ahLst/>
+              <a:cxnLst>
+                <a:cxn ang="0">
+                  <a:pos x="connsiteX0" y="connsiteY0"/>
+                </a:cxn>
+                <a:cxn ang="0">
+                  <a:pos x="connsiteX1" y="connsiteY1"/>
+                </a:cxn>
+                <a:cxn ang="0">
+                  <a:pos x="connsiteX2" y="connsiteY2"/>
+                </a:cxn>
+                <a:cxn ang="0">
+                  <a:pos x="connsiteX3" y="connsiteY3"/>
+                </a:cxn>
+                <a:cxn ang="0">
+                  <a:pos x="connsiteX4" y="connsiteY4"/>
+                </a:cxn>
+                <a:cxn ang="0">
+                  <a:pos x="connsiteX5" y="connsiteY5"/>
+                </a:cxn>
+              </a:cxnLst>
+              <a:rect l="l" t="t" r="r" b="b"/>
+              <a:pathLst>
+                <a:path w="1107482" h="941630">
+                  <a:moveTo>
+                    <a:pt x="27712" y="941630"/>
+                  </a:moveTo>
+                  <a:cubicBezTo>
+                    <a:pt x="961" y="683036"/>
+                    <a:pt x="-25790" y="424443"/>
+                    <a:pt x="47168" y="270422"/>
+                  </a:cubicBezTo>
+                  <a:cubicBezTo>
+                    <a:pt x="120126" y="116401"/>
+                    <a:pt x="343861" y="-32757"/>
+                    <a:pt x="465457" y="17503"/>
+                  </a:cubicBezTo>
+                  <a:cubicBezTo>
+                    <a:pt x="587053" y="67762"/>
+                    <a:pt x="695678" y="565494"/>
+                    <a:pt x="776742" y="571979"/>
+                  </a:cubicBezTo>
+                  <a:cubicBezTo>
+                    <a:pt x="857806" y="578464"/>
+                    <a:pt x="896717" y="145583"/>
+                    <a:pt x="951840" y="56413"/>
+                  </a:cubicBezTo>
+                  <a:cubicBezTo>
+                    <a:pt x="1006963" y="-32757"/>
+                    <a:pt x="1057222" y="2100"/>
+                    <a:pt x="1107482" y="36958"/>
+                  </a:cubicBezTo>
+                </a:path>
+              </a:pathLst>
+            </a:custGeom>
+            <a:noFill/>
+            <a:ln>
+              <a:solidFill>
+                <a:schemeClr val="tx1"/>
+              </a:solidFill>
+            </a:ln>
+          </p:spPr>
+          <p:style>
+            <a:lnRef idx="2">
+              <a:schemeClr val="accent1">
+                <a:shade val="50000"/>
+              </a:schemeClr>
+            </a:lnRef>
+            <a:fillRef idx="1">
+              <a:schemeClr val="accent1"/>
+            </a:fillRef>
+            <a:effectRef idx="0">
+              <a:schemeClr val="accent1"/>
+            </a:effectRef>
+            <a:fontRef idx="minor">
+              <a:schemeClr val="lt1"/>
+            </a:fontRef>
+          </p:style>
+          <p:txBody>
+            <a:bodyPr rtlCol="0" anchor="ctr"/>
+            <a:lstStyle/>
+            <a:p>
+              <a:pPr algn="ctr"/>
+              <a:endParaRPr lang="en-US"/>
+            </a:p>
+          </p:txBody>
+        </p:sp>
+        <p:sp>
+          <p:nvSpPr>
+            <p:cNvPr id="45" name="TextBox 44">
+              <a:extLst>
+                <a:ext uri="{FF2B5EF4-FFF2-40B4-BE49-F238E27FC236}">
+                  <a16:creationId xmlns:a16="http://schemas.microsoft.com/office/drawing/2014/main" id="{CEB1D305-04D9-4275-A689-8C12908592FC}"/>
+                </a:ext>
+              </a:extLst>
+            </p:cNvPr>
+            <p:cNvSpPr txBox="1"/>
+            <p:nvPr/>
+          </p:nvSpPr>
+          <p:spPr>
+            <a:xfrm>
+              <a:off x="1313096" y="5395588"/>
+              <a:ext cx="1163524" cy="369332"/>
+            </a:xfrm>
+            <a:prstGeom prst="rect">
+              <a:avLst/>
+            </a:prstGeom>
+            <a:noFill/>
+          </p:spPr>
+          <p:txBody>
+            <a:bodyPr wrap="none" rtlCol="0">
+              <a:spAutoFit/>
+            </a:bodyPr>
+            <a:lstStyle/>
+            <a:p>
+              <a:r>
+                <a:rPr lang="en-US" dirty="0"/>
+                <a:t>Hard drive</a:t>
+              </a:r>
+            </a:p>
+          </p:txBody>
+        </p:sp>
+      </p:grpSp>
+    </p:spTree>
+    <p:extLst>
+      <p:ext uri="{BB962C8B-B14F-4D97-AF65-F5344CB8AC3E}">
+        <p14:creationId xmlns:p14="http://schemas.microsoft.com/office/powerpoint/2010/main" val="873234066"/>
+      </p:ext>
+    </p:extLst>
+  </p:cSld>
+  <p:clrMapOvr>
+    <a:masterClrMapping/>
+  </p:clrMapOvr>
+</p:sld>
+</file>
+
+<file path=ppt/slides/slide23.xml><?xml version="1.0" encoding="utf-8"?>
+<p:sld xmlns:a="http://schemas.openxmlformats.org/drawingml/2006/main" xmlns:r="http://schemas.openxmlformats.org/officeDocument/2006/relationships" xmlns:p="http://schemas.openxmlformats.org/presentationml/2006/main">
+  <p:cSld>
+    <p:spTree>
+      <p:nvGrpSpPr>
+        <p:cNvPr id="1" name=""/>
+        <p:cNvGrpSpPr/>
+        <p:nvPr/>
+      </p:nvGrpSpPr>
+      <p:grpSpPr>
+        <a:xfrm>
+          <a:off x="0" y="0"/>
+          <a:ext cx="0" cy="0"/>
+          <a:chOff x="0" y="0"/>
+          <a:chExt cx="0" cy="0"/>
+        </a:xfrm>
+      </p:grpSpPr>
+      <p:grpSp>
+        <p:nvGrpSpPr>
+          <p:cNvPr id="14" name="Group 13">
+            <a:extLst>
+              <a:ext uri="{FF2B5EF4-FFF2-40B4-BE49-F238E27FC236}">
+                <a16:creationId xmlns:a16="http://schemas.microsoft.com/office/drawing/2014/main" id="{49FCB6A9-FB90-4D97-AF9F-D02AB9990709}"/>
+              </a:ext>
+            </a:extLst>
+          </p:cNvPr>
+          <p:cNvGrpSpPr/>
+          <p:nvPr/>
+        </p:nvGrpSpPr>
+        <p:grpSpPr>
+          <a:xfrm>
+            <a:off x="3472776" y="865762"/>
+            <a:ext cx="4853100" cy="4046068"/>
+            <a:chOff x="3472776" y="865762"/>
+            <a:chExt cx="4853100" cy="4046068"/>
+          </a:xfrm>
+        </p:grpSpPr>
+        <p:sp>
+          <p:nvSpPr>
+            <p:cNvPr id="3" name="TextBox 2">
+              <a:extLst>
+                <a:ext uri="{FF2B5EF4-FFF2-40B4-BE49-F238E27FC236}">
+                  <a16:creationId xmlns:a16="http://schemas.microsoft.com/office/drawing/2014/main" id="{249B4C01-9AA5-4526-8720-7588250A399C}"/>
+                </a:ext>
+              </a:extLst>
+            </p:cNvPr>
+            <p:cNvSpPr txBox="1"/>
+            <p:nvPr/>
+          </p:nvSpPr>
+          <p:spPr>
+            <a:xfrm>
+              <a:off x="3472776" y="865762"/>
+              <a:ext cx="3191899" cy="954107"/>
+            </a:xfrm>
+            <a:prstGeom prst="rect">
+              <a:avLst/>
+            </a:prstGeom>
+            <a:noFill/>
+            <a:ln>
+              <a:solidFill>
+                <a:schemeClr val="tx1"/>
+              </a:solidFill>
+            </a:ln>
+          </p:spPr>
+          <p:txBody>
+            <a:bodyPr wrap="none" rtlCol="0">
+              <a:spAutoFit/>
+            </a:bodyPr>
+            <a:lstStyle/>
+            <a:p>
+              <a:r>
+                <a:rPr lang="en-US" sz="1400" dirty="0">
+                  <a:latin typeface="Lucida Console" panose="020B0609040504020204" pitchFamily="49" charset="0"/>
+                </a:rPr>
+                <a:t>#include &lt;</a:t>
+              </a:r>
+              <a:r>
+                <a:rPr lang="en-US" sz="1400" dirty="0" err="1">
+                  <a:latin typeface="Lucida Console" panose="020B0609040504020204" pitchFamily="49" charset="0"/>
+                </a:rPr>
+                <a:t>stdio.h</a:t>
+              </a:r>
+              <a:r>
+                <a:rPr lang="en-US" sz="1400" dirty="0">
+                  <a:latin typeface="Lucida Console" panose="020B0609040504020204" pitchFamily="49" charset="0"/>
+                </a:rPr>
+                <a:t>&gt;</a:t>
+              </a:r>
+            </a:p>
+            <a:p>
+              <a:r>
+                <a:rPr lang="en-US" sz="1400" dirty="0" err="1">
+                  <a:latin typeface="Lucida Console" panose="020B0609040504020204" pitchFamily="49" charset="0"/>
+                </a:rPr>
+                <a:t>int</a:t>
+              </a:r>
+              <a:r>
+                <a:rPr lang="en-US" sz="1400" dirty="0">
+                  <a:latin typeface="Lucida Console" panose="020B0609040504020204" pitchFamily="49" charset="0"/>
+                </a:rPr>
+                <a:t> main() {</a:t>
+              </a:r>
+            </a:p>
+            <a:p>
+              <a:r>
+                <a:rPr lang="en-US" sz="1400" dirty="0">
+                  <a:latin typeface="Lucida Console" panose="020B0609040504020204" pitchFamily="49" charset="0"/>
+                </a:rPr>
+                <a:t>    </a:t>
+              </a:r>
+              <a:r>
+                <a:rPr lang="en-US" sz="1400" dirty="0" err="1">
+                  <a:latin typeface="Lucida Console" panose="020B0609040504020204" pitchFamily="49" charset="0"/>
+                </a:rPr>
+                <a:t>printf</a:t>
+              </a:r>
+              <a:r>
+                <a:rPr lang="en-US" sz="1400" dirty="0">
+                  <a:latin typeface="Lucida Console" panose="020B0609040504020204" pitchFamily="49" charset="0"/>
+                </a:rPr>
+                <a:t>(“Hello World\n”);</a:t>
+              </a:r>
+            </a:p>
+            <a:p>
+              <a:r>
+                <a:rPr lang="en-US" sz="1400" dirty="0">
+                  <a:latin typeface="Lucida Console" panose="020B0609040504020204" pitchFamily="49" charset="0"/>
+                </a:rPr>
+                <a:t>}</a:t>
+              </a:r>
+            </a:p>
+          </p:txBody>
+        </p:sp>
+        <p:sp>
+          <p:nvSpPr>
+            <p:cNvPr id="4" name="Rectangle 3">
+              <a:extLst>
+                <a:ext uri="{FF2B5EF4-FFF2-40B4-BE49-F238E27FC236}">
+                  <a16:creationId xmlns:a16="http://schemas.microsoft.com/office/drawing/2014/main" id="{084C0A5F-E6B4-482A-90D4-33DC4B0D8E5A}"/>
+                </a:ext>
+              </a:extLst>
+            </p:cNvPr>
+            <p:cNvSpPr/>
+            <p:nvPr/>
+          </p:nvSpPr>
+          <p:spPr>
+            <a:xfrm>
+              <a:off x="4212691" y="2519464"/>
+              <a:ext cx="1712068" cy="914400"/>
+            </a:xfrm>
+            <a:prstGeom prst="rect">
+              <a:avLst/>
+            </a:prstGeom>
+            <a:solidFill>
+              <a:schemeClr val="accent1">
+                <a:lumMod val="40000"/>
+                <a:lumOff val="60000"/>
+              </a:schemeClr>
+            </a:solidFill>
+          </p:spPr>
+          <p:style>
+            <a:lnRef idx="2">
+              <a:schemeClr val="accent1">
+                <a:shade val="50000"/>
+              </a:schemeClr>
+            </a:lnRef>
+            <a:fillRef idx="1">
+              <a:schemeClr val="accent1"/>
+            </a:fillRef>
+            <a:effectRef idx="0">
+              <a:schemeClr val="accent1"/>
+            </a:effectRef>
+            <a:fontRef idx="minor">
+              <a:schemeClr val="lt1"/>
+            </a:fontRef>
+          </p:style>
+          <p:txBody>
+            <a:bodyPr rtlCol="0" anchor="ctr"/>
+            <a:lstStyle/>
+            <a:p>
+              <a:pPr algn="ctr"/>
+              <a:r>
+                <a:rPr lang="en-US" dirty="0">
+                  <a:solidFill>
+                    <a:schemeClr val="tx1"/>
+                  </a:solidFill>
+                </a:rPr>
+                <a:t>C Compiler</a:t>
+              </a:r>
+            </a:p>
+          </p:txBody>
+        </p:sp>
+        <p:cxnSp>
+          <p:nvCxnSpPr>
+            <p:cNvPr id="6" name="Straight Arrow Connector 5">
+              <a:extLst>
+                <a:ext uri="{FF2B5EF4-FFF2-40B4-BE49-F238E27FC236}">
+                  <a16:creationId xmlns:a16="http://schemas.microsoft.com/office/drawing/2014/main" id="{C5026BC2-94A0-48AE-9676-6AFDE7C5CD9C}"/>
+                </a:ext>
+              </a:extLst>
+            </p:cNvPr>
+            <p:cNvCxnSpPr>
+              <a:stCxn id="3" idx="2"/>
+              <a:endCxn id="4" idx="0"/>
+            </p:cNvCxnSpPr>
+            <p:nvPr/>
+          </p:nvCxnSpPr>
+          <p:spPr>
+            <a:xfrm flipH="1">
+              <a:off x="5068725" y="1819869"/>
+              <a:ext cx="1" cy="699595"/>
+            </a:xfrm>
+            <a:prstGeom prst="straightConnector1">
+              <a:avLst/>
+            </a:prstGeom>
+            <a:ln w="28575">
+              <a:tailEnd type="triangle"/>
+            </a:ln>
+          </p:spPr>
+          <p:style>
+            <a:lnRef idx="1">
+              <a:schemeClr val="accent1"/>
+            </a:lnRef>
+            <a:fillRef idx="0">
+              <a:schemeClr val="accent1"/>
+            </a:fillRef>
+            <a:effectRef idx="0">
+              <a:schemeClr val="accent1"/>
+            </a:effectRef>
+            <a:fontRef idx="minor">
+              <a:schemeClr val="tx1"/>
+            </a:fontRef>
+          </p:style>
+        </p:cxnSp>
+        <p:cxnSp>
+          <p:nvCxnSpPr>
+            <p:cNvPr id="10" name="Straight Arrow Connector 9">
+              <a:extLst>
+                <a:ext uri="{FF2B5EF4-FFF2-40B4-BE49-F238E27FC236}">
+                  <a16:creationId xmlns:a16="http://schemas.microsoft.com/office/drawing/2014/main" id="{D0134168-0EDE-46FE-8585-24E7269ACC06}"/>
+                </a:ext>
+              </a:extLst>
+            </p:cNvPr>
+            <p:cNvCxnSpPr>
+              <a:cxnSpLocks/>
+              <a:stCxn id="4" idx="2"/>
+            </p:cNvCxnSpPr>
+            <p:nvPr/>
+          </p:nvCxnSpPr>
+          <p:spPr>
+            <a:xfrm>
+              <a:off x="5068725" y="3433864"/>
+              <a:ext cx="1" cy="739302"/>
+            </a:xfrm>
+            <a:prstGeom prst="straightConnector1">
+              <a:avLst/>
+            </a:prstGeom>
+            <a:ln w="28575">
+              <a:tailEnd type="triangle"/>
+            </a:ln>
+          </p:spPr>
+          <p:style>
+            <a:lnRef idx="1">
+              <a:schemeClr val="accent1"/>
+            </a:lnRef>
+            <a:fillRef idx="0">
+              <a:schemeClr val="accent1"/>
+            </a:fillRef>
+            <a:effectRef idx="0">
+              <a:schemeClr val="accent1"/>
+            </a:effectRef>
+            <a:fontRef idx="minor">
+              <a:schemeClr val="tx1"/>
+            </a:fontRef>
+          </p:style>
+        </p:cxnSp>
+        <p:sp>
+          <p:nvSpPr>
+            <p:cNvPr id="8" name="TextBox 7">
+              <a:extLst>
+                <a:ext uri="{FF2B5EF4-FFF2-40B4-BE49-F238E27FC236}">
+                  <a16:creationId xmlns:a16="http://schemas.microsoft.com/office/drawing/2014/main" id="{A910C26C-6E23-475D-8B95-9E7D25BA8340}"/>
+                </a:ext>
+              </a:extLst>
+            </p:cNvPr>
+            <p:cNvSpPr txBox="1"/>
+            <p:nvPr/>
+          </p:nvSpPr>
+          <p:spPr>
+            <a:xfrm>
+              <a:off x="4085617" y="4173166"/>
+              <a:ext cx="2149813" cy="738664"/>
+            </a:xfrm>
+            <a:prstGeom prst="rect">
+              <a:avLst/>
+            </a:prstGeom>
+            <a:noFill/>
+            <a:ln>
+              <a:solidFill>
+                <a:schemeClr val="tx1"/>
+              </a:solidFill>
+            </a:ln>
+          </p:spPr>
+          <p:txBody>
+            <a:bodyPr wrap="square" rtlCol="0">
+              <a:spAutoFit/>
+            </a:bodyPr>
+            <a:lstStyle/>
+            <a:p>
+              <a:r>
+                <a:rPr lang="en-US" sz="1400" dirty="0">
+                  <a:latin typeface="Lucida Console" panose="020B0609040504020204" pitchFamily="49" charset="0"/>
+                </a:rPr>
+                <a:t>001000111110001010101000000001010111010000001110110010</a:t>
+              </a:r>
+            </a:p>
+          </p:txBody>
+        </p:sp>
+        <p:sp>
+          <p:nvSpPr>
+            <p:cNvPr id="11" name="TextBox 10">
+              <a:extLst>
+                <a:ext uri="{FF2B5EF4-FFF2-40B4-BE49-F238E27FC236}">
+                  <a16:creationId xmlns:a16="http://schemas.microsoft.com/office/drawing/2014/main" id="{49E28B59-88F2-42BD-9620-C8C2815D52DE}"/>
+                </a:ext>
+              </a:extLst>
+            </p:cNvPr>
+            <p:cNvSpPr txBox="1"/>
+            <p:nvPr/>
+          </p:nvSpPr>
+          <p:spPr>
+            <a:xfrm>
+              <a:off x="6990639" y="1158149"/>
+              <a:ext cx="1160446" cy="369332"/>
+            </a:xfrm>
+            <a:prstGeom prst="rect">
+              <a:avLst/>
+            </a:prstGeom>
+            <a:noFill/>
+          </p:spPr>
+          <p:txBody>
+            <a:bodyPr wrap="none" rtlCol="0">
+              <a:spAutoFit/>
+            </a:bodyPr>
+            <a:lstStyle/>
+            <a:p>
+              <a:r>
+                <a:rPr lang="en-US" dirty="0"/>
+                <a:t>C program</a:t>
+              </a:r>
+            </a:p>
+          </p:txBody>
+        </p:sp>
+        <p:sp>
+          <p:nvSpPr>
+            <p:cNvPr id="13" name="TextBox 12">
+              <a:extLst>
+                <a:ext uri="{FF2B5EF4-FFF2-40B4-BE49-F238E27FC236}">
+                  <a16:creationId xmlns:a16="http://schemas.microsoft.com/office/drawing/2014/main" id="{D61D91CD-B270-4FFB-B83F-46961302997F}"/>
+                </a:ext>
+              </a:extLst>
+            </p:cNvPr>
+            <p:cNvSpPr txBox="1"/>
+            <p:nvPr/>
+          </p:nvSpPr>
+          <p:spPr>
+            <a:xfrm>
+              <a:off x="6815847" y="4357832"/>
+              <a:ext cx="1510029" cy="369332"/>
+            </a:xfrm>
+            <a:prstGeom prst="rect">
+              <a:avLst/>
+            </a:prstGeom>
+            <a:noFill/>
+          </p:spPr>
+          <p:txBody>
+            <a:bodyPr wrap="none" rtlCol="0">
+              <a:spAutoFit/>
+            </a:bodyPr>
+            <a:lstStyle/>
+            <a:p>
+              <a:r>
+                <a:rPr lang="en-US" dirty="0"/>
+                <a:t>Machine code</a:t>
+              </a:r>
+            </a:p>
+          </p:txBody>
+        </p:sp>
+      </p:grpSp>
+    </p:spTree>
+    <p:extLst>
+      <p:ext uri="{BB962C8B-B14F-4D97-AF65-F5344CB8AC3E}">
+        <p14:creationId xmlns:p14="http://schemas.microsoft.com/office/powerpoint/2010/main" val="978351753"/>
+      </p:ext>
+    </p:extLst>
+  </p:cSld>
+  <p:clrMapOvr>
+    <a:masterClrMapping/>
+  </p:clrMapOvr>
+</p:sld>
+</file>
+
+<file path=ppt/slides/slide24.xml><?xml version="1.0" encoding="utf-8"?>
+<p:sld xmlns:a="http://schemas.openxmlformats.org/drawingml/2006/main" xmlns:r="http://schemas.openxmlformats.org/officeDocument/2006/relationships" xmlns:p="http://schemas.openxmlformats.org/presentationml/2006/main">
+  <p:cSld>
+    <p:spTree>
+      <p:nvGrpSpPr>
+        <p:cNvPr id="1" name=""/>
+        <p:cNvGrpSpPr/>
+        <p:nvPr/>
+      </p:nvGrpSpPr>
+      <p:grpSpPr>
+        <a:xfrm>
+          <a:off x="0" y="0"/>
+          <a:ext cx="0" cy="0"/>
+          <a:chOff x="0" y="0"/>
+          <a:chExt cx="0" cy="0"/>
+        </a:xfrm>
+      </p:grpSpPr>
+      <p:sp>
+        <p:nvSpPr>
+          <p:cNvPr id="3" name="TextBox 2">
+            <a:extLst>
+              <a:ext uri="{FF2B5EF4-FFF2-40B4-BE49-F238E27FC236}">
+                <a16:creationId xmlns:a16="http://schemas.microsoft.com/office/drawing/2014/main" id="{249B4C01-9AA5-4526-8720-7588250A399C}"/>
+              </a:ext>
+            </a:extLst>
+          </p:cNvPr>
+          <p:cNvSpPr txBox="1"/>
+          <p:nvPr/>
+        </p:nvSpPr>
+        <p:spPr>
+          <a:xfrm>
+            <a:off x="3902740" y="1600599"/>
+            <a:ext cx="2332690" cy="307777"/>
+          </a:xfrm>
+          <a:prstGeom prst="rect">
+            <a:avLst/>
+          </a:prstGeom>
+          <a:noFill/>
+          <a:ln>
+            <a:solidFill>
+              <a:schemeClr val="tx1"/>
+            </a:solidFill>
+          </a:ln>
+        </p:spPr>
+        <p:txBody>
+          <a:bodyPr wrap="none" rtlCol="0">
+            <a:spAutoFit/>
+          </a:bodyPr>
+          <a:lstStyle/>
+          <a:p>
+            <a:pPr lvl="0" eaLnBrk="0" fontAlgn="base" hangingPunct="0">
+              <a:spcBef>
+                <a:spcPct val="0"/>
+              </a:spcBef>
+              <a:spcAft>
+                <a:spcPct val="0"/>
+              </a:spcAft>
+            </a:pPr>
+            <a:r>
+              <a:rPr lang="en-US" altLang="en-US" sz="1400" b="1" dirty="0">
+                <a:solidFill>
+                  <a:srgbClr val="000080"/>
+                </a:solidFill>
+                <a:latin typeface="Courier New" panose="02070309020205020404" pitchFamily="49" charset="0"/>
+                <a:cs typeface="Courier New" panose="02070309020205020404" pitchFamily="49" charset="0"/>
+              </a:rPr>
+              <a:t>print</a:t>
+            </a:r>
+            <a:r>
+              <a:rPr lang="en-US" altLang="en-US" sz="1400" b="1" dirty="0">
+                <a:solidFill>
+                  <a:srgbClr val="000000"/>
+                </a:solidFill>
+                <a:latin typeface="Courier New" panose="02070309020205020404" pitchFamily="49" charset="0"/>
+                <a:cs typeface="Courier New" panose="02070309020205020404" pitchFamily="49" charset="0"/>
+              </a:rPr>
+              <a:t>(</a:t>
+            </a:r>
+            <a:r>
+              <a:rPr lang="en-US" altLang="en-US" sz="1400" b="1" dirty="0">
+                <a:solidFill>
+                  <a:srgbClr val="008080"/>
+                </a:solidFill>
+                <a:latin typeface="Courier New" panose="02070309020205020404" pitchFamily="49" charset="0"/>
+                <a:cs typeface="Courier New" panose="02070309020205020404" pitchFamily="49" charset="0"/>
+              </a:rPr>
+              <a:t>"Hello World"</a:t>
+            </a:r>
+            <a:r>
+              <a:rPr lang="en-US" altLang="en-US" sz="1400" b="1" dirty="0">
+                <a:solidFill>
+                  <a:srgbClr val="000000"/>
+                </a:solidFill>
+                <a:latin typeface="Courier New" panose="02070309020205020404" pitchFamily="49" charset="0"/>
+                <a:cs typeface="Courier New" panose="02070309020205020404" pitchFamily="49" charset="0"/>
+              </a:rPr>
+              <a:t>)</a:t>
+            </a:r>
+            <a:endParaRPr lang="en-US" altLang="en-US" sz="2000" b="1" dirty="0">
+              <a:latin typeface="Arial" panose="020B0604020202020204" pitchFamily="34" charset="0"/>
+            </a:endParaRPr>
+          </a:p>
+        </p:txBody>
+      </p:sp>
+      <p:sp>
+        <p:nvSpPr>
+          <p:cNvPr id="4" name="Rectangle 3">
+            <a:extLst>
+              <a:ext uri="{FF2B5EF4-FFF2-40B4-BE49-F238E27FC236}">
+                <a16:creationId xmlns:a16="http://schemas.microsoft.com/office/drawing/2014/main" id="{084C0A5F-E6B4-482A-90D4-33DC4B0D8E5A}"/>
+              </a:ext>
+            </a:extLst>
+          </p:cNvPr>
+          <p:cNvSpPr/>
+          <p:nvPr/>
+        </p:nvSpPr>
+        <p:spPr>
+          <a:xfrm>
+            <a:off x="4212691" y="2519464"/>
+            <a:ext cx="1712068" cy="914400"/>
+          </a:xfrm>
+          <a:prstGeom prst="rect">
+            <a:avLst/>
+          </a:prstGeom>
+          <a:solidFill>
+            <a:schemeClr val="accent1">
+              <a:lumMod val="40000"/>
+              <a:lumOff val="60000"/>
+            </a:schemeClr>
+          </a:solidFill>
+        </p:spPr>
+        <p:style>
+          <a:lnRef idx="2">
+            <a:schemeClr val="accent1">
+              <a:shade val="50000"/>
+            </a:schemeClr>
+          </a:lnRef>
+          <a:fillRef idx="1">
+            <a:schemeClr val="accent1"/>
+          </a:fillRef>
+          <a:effectRef idx="0">
+            <a:schemeClr val="accent1"/>
+          </a:effectRef>
+          <a:fontRef idx="minor">
+            <a:schemeClr val="lt1"/>
+          </a:fontRef>
+        </p:style>
+        <p:txBody>
+          <a:bodyPr rtlCol="0" anchor="ctr"/>
+          <a:lstStyle/>
+          <a:p>
+            <a:pPr algn="ctr"/>
+            <a:r>
+              <a:rPr lang="en-US" dirty="0">
+                <a:solidFill>
+                  <a:schemeClr val="tx1"/>
+                </a:solidFill>
+              </a:rPr>
+              <a:t>Python Interpreter</a:t>
+            </a:r>
+          </a:p>
+        </p:txBody>
+      </p:sp>
+      <p:cxnSp>
+        <p:nvCxnSpPr>
+          <p:cNvPr id="6" name="Straight Arrow Connector 5">
+            <a:extLst>
+              <a:ext uri="{FF2B5EF4-FFF2-40B4-BE49-F238E27FC236}">
+                <a16:creationId xmlns:a16="http://schemas.microsoft.com/office/drawing/2014/main" id="{C5026BC2-94A0-48AE-9676-6AFDE7C5CD9C}"/>
+              </a:ext>
+            </a:extLst>
+          </p:cNvPr>
+          <p:cNvCxnSpPr>
+            <a:stCxn id="3" idx="2"/>
+            <a:endCxn id="4" idx="0"/>
+          </p:cNvCxnSpPr>
+          <p:nvPr/>
+        </p:nvCxnSpPr>
+        <p:spPr>
+          <a:xfrm flipH="1">
+            <a:off x="5068725" y="1908376"/>
+            <a:ext cx="360" cy="611088"/>
+          </a:xfrm>
+          <a:prstGeom prst="straightConnector1">
+            <a:avLst/>
+          </a:prstGeom>
+          <a:ln w="28575">
+            <a:tailEnd type="triangle"/>
+          </a:ln>
+        </p:spPr>
+        <p:style>
+          <a:lnRef idx="1">
+            <a:schemeClr val="accent1"/>
+          </a:lnRef>
+          <a:fillRef idx="0">
+            <a:schemeClr val="accent1"/>
+          </a:fillRef>
+          <a:effectRef idx="0">
+            <a:schemeClr val="accent1"/>
+          </a:effectRef>
+          <a:fontRef idx="minor">
+            <a:schemeClr val="tx1"/>
+          </a:fontRef>
+        </p:style>
+      </p:cxnSp>
+      <p:cxnSp>
+        <p:nvCxnSpPr>
+          <p:cNvPr id="10" name="Straight Arrow Connector 9">
+            <a:extLst>
+              <a:ext uri="{FF2B5EF4-FFF2-40B4-BE49-F238E27FC236}">
+                <a16:creationId xmlns:a16="http://schemas.microsoft.com/office/drawing/2014/main" id="{D0134168-0EDE-46FE-8585-24E7269ACC06}"/>
+              </a:ext>
+            </a:extLst>
+          </p:cNvPr>
+          <p:cNvCxnSpPr>
+            <a:cxnSpLocks/>
+            <a:stCxn id="4" idx="3"/>
+          </p:cNvCxnSpPr>
+          <p:nvPr/>
+        </p:nvCxnSpPr>
+        <p:spPr>
+          <a:xfrm>
+            <a:off x="5924759" y="2976664"/>
+            <a:ext cx="758756" cy="0"/>
+          </a:xfrm>
+          <a:prstGeom prst="straightConnector1">
+            <a:avLst/>
+          </a:prstGeom>
+          <a:ln w="28575">
+            <a:tailEnd type="triangle"/>
+          </a:ln>
+        </p:spPr>
+        <p:style>
+          <a:lnRef idx="1">
+            <a:schemeClr val="accent1"/>
+          </a:lnRef>
+          <a:fillRef idx="0">
+            <a:schemeClr val="accent1"/>
+          </a:fillRef>
+          <a:effectRef idx="0">
+            <a:schemeClr val="accent1"/>
+          </a:effectRef>
+          <a:fontRef idx="minor">
+            <a:schemeClr val="tx1"/>
+          </a:fontRef>
+        </p:style>
+      </p:cxnSp>
+      <p:sp>
+        <p:nvSpPr>
+          <p:cNvPr id="11" name="TextBox 10">
+            <a:extLst>
+              <a:ext uri="{FF2B5EF4-FFF2-40B4-BE49-F238E27FC236}">
+                <a16:creationId xmlns:a16="http://schemas.microsoft.com/office/drawing/2014/main" id="{49E28B59-88F2-42BD-9620-C8C2815D52DE}"/>
+              </a:ext>
+            </a:extLst>
+          </p:cNvPr>
+          <p:cNvSpPr txBox="1"/>
+          <p:nvPr/>
+        </p:nvSpPr>
+        <p:spPr>
+          <a:xfrm>
+            <a:off x="2194685" y="1569821"/>
+            <a:ext cx="1704762" cy="369332"/>
+          </a:xfrm>
+          <a:prstGeom prst="rect">
+            <a:avLst/>
+          </a:prstGeom>
+          <a:noFill/>
+        </p:spPr>
+        <p:txBody>
+          <a:bodyPr wrap="none" rtlCol="0">
+            <a:spAutoFit/>
+          </a:bodyPr>
+          <a:lstStyle/>
+          <a:p>
+            <a:r>
+              <a:rPr lang="en-US" dirty="0"/>
+              <a:t>Python program</a:t>
+            </a:r>
+          </a:p>
+        </p:txBody>
+      </p:sp>
+      <p:pic>
+        <p:nvPicPr>
+          <p:cNvPr id="7" name="Graphic 6" descr="Monitor">
+            <a:extLst>
+              <a:ext uri="{FF2B5EF4-FFF2-40B4-BE49-F238E27FC236}">
+                <a16:creationId xmlns:a16="http://schemas.microsoft.com/office/drawing/2014/main" id="{DA171F21-2AED-4108-8BB8-0788B45E5F0A}"/>
+              </a:ext>
+            </a:extLst>
+          </p:cNvPr>
+          <p:cNvPicPr>
+            <a:picLocks noChangeAspect="1"/>
+          </p:cNvPicPr>
+          <p:nvPr/>
+        </p:nvPicPr>
+        <p:blipFill>
+          <a:blip r:embed="rId2">
+            <a:extLst>
+              <a:ext uri="{28A0092B-C50C-407E-A947-70E740481C1C}">
+                <a14:useLocalDpi xmlns:a14="http://schemas.microsoft.com/office/drawing/2010/main" val="0"/>
+              </a:ext>
+              <a:ext uri="{96DAC541-7B7A-43D3-8B79-37D633B846F1}">
+                <asvg:svgBlip xmlns:asvg="http://schemas.microsoft.com/office/drawing/2016/SVG/main" r:embed="rId3"/>
+              </a:ext>
+            </a:extLst>
+          </a:blip>
+          <a:stretch>
+            <a:fillRect/>
+          </a:stretch>
+        </p:blipFill>
+        <p:spPr>
+          <a:xfrm>
+            <a:off x="6683515" y="973072"/>
+            <a:ext cx="4007183" cy="4007183"/>
+          </a:xfrm>
+          <a:prstGeom prst="rect">
+            <a:avLst/>
+          </a:prstGeom>
+        </p:spPr>
+      </p:pic>
+    </p:spTree>
+    <p:extLst>
+      <p:ext uri="{BB962C8B-B14F-4D97-AF65-F5344CB8AC3E}">
+        <p14:creationId xmlns:p14="http://schemas.microsoft.com/office/powerpoint/2010/main" val="3657638351"/>
+      </p:ext>
+    </p:extLst>
+  </p:cSld>
+  <p:clrMapOvr>
+    <a:masterClrMapping/>
+  </p:clrMapOvr>
+</p:sld>
+</file>
+
 <file path=ppt/slides/slide3.xml><?xml version="1.0" encoding="utf-8"?>
 <p:sld xmlns:a="http://schemas.openxmlformats.org/drawingml/2006/main" xmlns:r="http://schemas.openxmlformats.org/officeDocument/2006/relationships" xmlns:p="http://schemas.openxmlformats.org/presentationml/2006/main">
   <p:cSld>

--- a/images/pygame_rect_window.pptx
+++ b/images/pygame_rect_window.pptx
@@ -5,7 +5,7 @@
     <p:sldMasterId id="2147483648" r:id="rId1"/>
   </p:sldMasterIdLst>
   <p:notesMasterIdLst>
-    <p:notesMasterId r:id="rId26"/>
+    <p:notesMasterId r:id="rId27"/>
   </p:notesMasterIdLst>
   <p:sldIdLst>
     <p:sldId id="257" r:id="rId2"/>
@@ -32,6 +32,7 @@
     <p:sldId id="280" r:id="rId23"/>
     <p:sldId id="281" r:id="rId24"/>
     <p:sldId id="282" r:id="rId25"/>
+    <p:sldId id="283" r:id="rId26"/>
   </p:sldIdLst>
   <p:sldSz cx="12192000" cy="6858000"/>
   <p:notesSz cx="6858000" cy="9144000"/>
@@ -224,7 +225,7 @@
           <a:p>
             <a:fld id="{A06AD928-664A-442C-B312-AFB4F7171F46}" type="datetimeFigureOut">
               <a:rPr lang="en-US" smtClean="0"/>
-              <a:t>8/5/2017</a:t>
+              <a:t>8/16/2017</a:t>
             </a:fld>
             <a:endParaRPr lang="en-US"/>
           </a:p>
@@ -620,7 +621,7 @@
           <a:p>
             <a:fld id="{856FFBE8-0159-4FDA-8D70-04C5D85E84A4}" type="datetimeFigureOut">
               <a:rPr lang="en-US" smtClean="0"/>
-              <a:t>8/5/2017</a:t>
+              <a:t>8/16/2017</a:t>
             </a:fld>
             <a:endParaRPr lang="en-US"/>
           </a:p>
@@ -788,7 +789,7 @@
           <a:p>
             <a:fld id="{856FFBE8-0159-4FDA-8D70-04C5D85E84A4}" type="datetimeFigureOut">
               <a:rPr lang="en-US" smtClean="0"/>
-              <a:t>8/5/2017</a:t>
+              <a:t>8/16/2017</a:t>
             </a:fld>
             <a:endParaRPr lang="en-US"/>
           </a:p>
@@ -966,7 +967,7 @@
           <a:p>
             <a:fld id="{856FFBE8-0159-4FDA-8D70-04C5D85E84A4}" type="datetimeFigureOut">
               <a:rPr lang="en-US" smtClean="0"/>
-              <a:t>8/5/2017</a:t>
+              <a:t>8/16/2017</a:t>
             </a:fld>
             <a:endParaRPr lang="en-US"/>
           </a:p>
@@ -1134,7 +1135,7 @@
           <a:p>
             <a:fld id="{856FFBE8-0159-4FDA-8D70-04C5D85E84A4}" type="datetimeFigureOut">
               <a:rPr lang="en-US" smtClean="0"/>
-              <a:t>8/5/2017</a:t>
+              <a:t>8/16/2017</a:t>
             </a:fld>
             <a:endParaRPr lang="en-US"/>
           </a:p>
@@ -1379,7 +1380,7 @@
           <a:p>
             <a:fld id="{856FFBE8-0159-4FDA-8D70-04C5D85E84A4}" type="datetimeFigureOut">
               <a:rPr lang="en-US" smtClean="0"/>
-              <a:t>8/5/2017</a:t>
+              <a:t>8/16/2017</a:t>
             </a:fld>
             <a:endParaRPr lang="en-US"/>
           </a:p>
@@ -1608,7 +1609,7 @@
           <a:p>
             <a:fld id="{856FFBE8-0159-4FDA-8D70-04C5D85E84A4}" type="datetimeFigureOut">
               <a:rPr lang="en-US" smtClean="0"/>
-              <a:t>8/5/2017</a:t>
+              <a:t>8/16/2017</a:t>
             </a:fld>
             <a:endParaRPr lang="en-US"/>
           </a:p>
@@ -1972,7 +1973,7 @@
           <a:p>
             <a:fld id="{856FFBE8-0159-4FDA-8D70-04C5D85E84A4}" type="datetimeFigureOut">
               <a:rPr lang="en-US" smtClean="0"/>
-              <a:t>8/5/2017</a:t>
+              <a:t>8/16/2017</a:t>
             </a:fld>
             <a:endParaRPr lang="en-US"/>
           </a:p>
@@ -2089,7 +2090,7 @@
           <a:p>
             <a:fld id="{856FFBE8-0159-4FDA-8D70-04C5D85E84A4}" type="datetimeFigureOut">
               <a:rPr lang="en-US" smtClean="0"/>
-              <a:t>8/5/2017</a:t>
+              <a:t>8/16/2017</a:t>
             </a:fld>
             <a:endParaRPr lang="en-US"/>
           </a:p>
@@ -2184,7 +2185,7 @@
           <a:p>
             <a:fld id="{856FFBE8-0159-4FDA-8D70-04C5D85E84A4}" type="datetimeFigureOut">
               <a:rPr lang="en-US" smtClean="0"/>
-              <a:t>8/5/2017</a:t>
+              <a:t>8/16/2017</a:t>
             </a:fld>
             <a:endParaRPr lang="en-US"/>
           </a:p>
@@ -2459,7 +2460,7 @@
           <a:p>
             <a:fld id="{856FFBE8-0159-4FDA-8D70-04C5D85E84A4}" type="datetimeFigureOut">
               <a:rPr lang="en-US" smtClean="0"/>
-              <a:t>8/5/2017</a:t>
+              <a:t>8/16/2017</a:t>
             </a:fld>
             <a:endParaRPr lang="en-US"/>
           </a:p>
@@ -2711,7 +2712,7 @@
           <a:p>
             <a:fld id="{856FFBE8-0159-4FDA-8D70-04C5D85E84A4}" type="datetimeFigureOut">
               <a:rPr lang="en-US" smtClean="0"/>
-              <a:t>8/5/2017</a:t>
+              <a:t>8/16/2017</a:t>
             </a:fld>
             <a:endParaRPr lang="en-US"/>
           </a:p>
@@ -2922,7 +2923,7 @@
           <a:p>
             <a:fld id="{856FFBE8-0159-4FDA-8D70-04C5D85E84A4}" type="datetimeFigureOut">
               <a:rPr lang="en-US" smtClean="0"/>
-              <a:t>8/5/2017</a:t>
+              <a:t>8/16/2017</a:t>
             </a:fld>
             <a:endParaRPr lang="en-US"/>
           </a:p>
@@ -15107,6 +15108,72 @@
 </p:sld>
 </file>
 
+<file path=ppt/slides/slide25.xml><?xml version="1.0" encoding="utf-8"?>
+<p:sld xmlns:a="http://schemas.openxmlformats.org/drawingml/2006/main" xmlns:r="http://schemas.openxmlformats.org/officeDocument/2006/relationships" xmlns:p="http://schemas.openxmlformats.org/presentationml/2006/main">
+  <p:cSld>
+    <p:spTree>
+      <p:nvGrpSpPr>
+        <p:cNvPr id="1" name=""/>
+        <p:cNvGrpSpPr/>
+        <p:nvPr/>
+      </p:nvGrpSpPr>
+      <p:grpSpPr>
+        <a:xfrm>
+          <a:off x="0" y="0"/>
+          <a:ext cx="0" cy="0"/>
+          <a:chOff x="0" y="0"/>
+          <a:chExt cx="0" cy="0"/>
+        </a:xfrm>
+      </p:grpSpPr>
+      <p:pic>
+        <p:nvPicPr>
+          <p:cNvPr id="5" name="Picture 4">
+            <a:extLst>
+              <a:ext uri="{FF2B5EF4-FFF2-40B4-BE49-F238E27FC236}">
+                <a16:creationId xmlns:a16="http://schemas.microsoft.com/office/drawing/2014/main" id="{18DE7879-2A45-4D6F-985C-08E886093E50}"/>
+              </a:ext>
+            </a:extLst>
+          </p:cNvPr>
+          <p:cNvPicPr>
+            <a:picLocks noChangeAspect="1"/>
+          </p:cNvPicPr>
+          <p:nvPr/>
+        </p:nvPicPr>
+        <p:blipFill>
+          <a:blip r:embed="rId2">
+            <a:extLst>
+              <a:ext uri="{28A0092B-C50C-407E-A947-70E740481C1C}">
+                <a14:useLocalDpi xmlns:a14="http://schemas.microsoft.com/office/drawing/2010/main" val="0"/>
+              </a:ext>
+            </a:extLst>
+          </a:blip>
+          <a:stretch>
+            <a:fillRect/>
+          </a:stretch>
+        </p:blipFill>
+        <p:spPr>
+          <a:xfrm>
+            <a:off x="4838452" y="1551709"/>
+            <a:ext cx="2079583" cy="4192440"/>
+          </a:xfrm>
+          <a:prstGeom prst="rect">
+            <a:avLst/>
+          </a:prstGeom>
+        </p:spPr>
+      </p:pic>
+    </p:spTree>
+    <p:extLst>
+      <p:ext uri="{BB962C8B-B14F-4D97-AF65-F5344CB8AC3E}">
+        <p14:creationId xmlns:p14="http://schemas.microsoft.com/office/powerpoint/2010/main" val="2505586535"/>
+      </p:ext>
+    </p:extLst>
+  </p:cSld>
+  <p:clrMapOvr>
+    <a:masterClrMapping/>
+  </p:clrMapOvr>
+</p:sld>
+</file>
+
 <file path=ppt/slides/slide3.xml><?xml version="1.0" encoding="utf-8"?>
 <p:sld xmlns:a="http://schemas.openxmlformats.org/drawingml/2006/main" xmlns:r="http://schemas.openxmlformats.org/officeDocument/2006/relationships" xmlns:p="http://schemas.openxmlformats.org/presentationml/2006/main">
   <p:cSld>

--- a/images/pygame_rect_window.pptx
+++ b/images/pygame_rect_window.pptx
@@ -5,7 +5,7 @@
     <p:sldMasterId id="2147483648" r:id="rId1"/>
   </p:sldMasterIdLst>
   <p:notesMasterIdLst>
-    <p:notesMasterId r:id="rId27"/>
+    <p:notesMasterId r:id="rId28"/>
   </p:notesMasterIdLst>
   <p:sldIdLst>
     <p:sldId id="257" r:id="rId2"/>
@@ -33,6 +33,7 @@
     <p:sldId id="281" r:id="rId24"/>
     <p:sldId id="282" r:id="rId25"/>
     <p:sldId id="283" r:id="rId26"/>
+    <p:sldId id="284" r:id="rId27"/>
   </p:sldIdLst>
   <p:sldSz cx="12192000" cy="6858000"/>
   <p:notesSz cx="6858000" cy="9144000"/>
@@ -139,10 +140,6 @@
 </p:presentation>
 </file>
 
-<file path=ppt/revisionInfo.xml><?xml version="1.0" encoding="utf-8"?>
-<p1510:revInfo xmlns:a="http://schemas.openxmlformats.org/drawingml/2006/main" xmlns:r="http://schemas.openxmlformats.org/officeDocument/2006/relationships" xmlns:p1510="http://schemas.microsoft.com/office/powerpoint/2015/10/main"/>
-</file>
-
 <file path=ppt/notesMasters/notesMaster1.xml><?xml version="1.0" encoding="utf-8"?>
 <p:notesMaster xmlns:a="http://schemas.openxmlformats.org/drawingml/2006/main" xmlns:r="http://schemas.openxmlformats.org/officeDocument/2006/relationships" xmlns:p="http://schemas.openxmlformats.org/presentationml/2006/main">
   <p:cSld>
@@ -225,7 +222,7 @@
           <a:p>
             <a:fld id="{A06AD928-664A-442C-B312-AFB4F7171F46}" type="datetimeFigureOut">
               <a:rPr lang="en-US" smtClean="0"/>
-              <a:t>8/16/2017</a:t>
+              <a:t>5/22/2018</a:t>
             </a:fld>
             <a:endParaRPr lang="en-US"/>
           </a:p>
@@ -621,7 +618,7 @@
           <a:p>
             <a:fld id="{856FFBE8-0159-4FDA-8D70-04C5D85E84A4}" type="datetimeFigureOut">
               <a:rPr lang="en-US" smtClean="0"/>
-              <a:t>8/16/2017</a:t>
+              <a:t>5/22/2018</a:t>
             </a:fld>
             <a:endParaRPr lang="en-US"/>
           </a:p>
@@ -789,7 +786,7 @@
           <a:p>
             <a:fld id="{856FFBE8-0159-4FDA-8D70-04C5D85E84A4}" type="datetimeFigureOut">
               <a:rPr lang="en-US" smtClean="0"/>
-              <a:t>8/16/2017</a:t>
+              <a:t>5/22/2018</a:t>
             </a:fld>
             <a:endParaRPr lang="en-US"/>
           </a:p>
@@ -967,7 +964,7 @@
           <a:p>
             <a:fld id="{856FFBE8-0159-4FDA-8D70-04C5D85E84A4}" type="datetimeFigureOut">
               <a:rPr lang="en-US" smtClean="0"/>
-              <a:t>8/16/2017</a:t>
+              <a:t>5/22/2018</a:t>
             </a:fld>
             <a:endParaRPr lang="en-US"/>
           </a:p>
@@ -1135,7 +1132,7 @@
           <a:p>
             <a:fld id="{856FFBE8-0159-4FDA-8D70-04C5D85E84A4}" type="datetimeFigureOut">
               <a:rPr lang="en-US" smtClean="0"/>
-              <a:t>8/16/2017</a:t>
+              <a:t>5/22/2018</a:t>
             </a:fld>
             <a:endParaRPr lang="en-US"/>
           </a:p>
@@ -1380,7 +1377,7 @@
           <a:p>
             <a:fld id="{856FFBE8-0159-4FDA-8D70-04C5D85E84A4}" type="datetimeFigureOut">
               <a:rPr lang="en-US" smtClean="0"/>
-              <a:t>8/16/2017</a:t>
+              <a:t>5/22/2018</a:t>
             </a:fld>
             <a:endParaRPr lang="en-US"/>
           </a:p>
@@ -1609,7 +1606,7 @@
           <a:p>
             <a:fld id="{856FFBE8-0159-4FDA-8D70-04C5D85E84A4}" type="datetimeFigureOut">
               <a:rPr lang="en-US" smtClean="0"/>
-              <a:t>8/16/2017</a:t>
+              <a:t>5/22/2018</a:t>
             </a:fld>
             <a:endParaRPr lang="en-US"/>
           </a:p>
@@ -1973,7 +1970,7 @@
           <a:p>
             <a:fld id="{856FFBE8-0159-4FDA-8D70-04C5D85E84A4}" type="datetimeFigureOut">
               <a:rPr lang="en-US" smtClean="0"/>
-              <a:t>8/16/2017</a:t>
+              <a:t>5/22/2018</a:t>
             </a:fld>
             <a:endParaRPr lang="en-US"/>
           </a:p>
@@ -2090,7 +2087,7 @@
           <a:p>
             <a:fld id="{856FFBE8-0159-4FDA-8D70-04C5D85E84A4}" type="datetimeFigureOut">
               <a:rPr lang="en-US" smtClean="0"/>
-              <a:t>8/16/2017</a:t>
+              <a:t>5/22/2018</a:t>
             </a:fld>
             <a:endParaRPr lang="en-US"/>
           </a:p>
@@ -2185,7 +2182,7 @@
           <a:p>
             <a:fld id="{856FFBE8-0159-4FDA-8D70-04C5D85E84A4}" type="datetimeFigureOut">
               <a:rPr lang="en-US" smtClean="0"/>
-              <a:t>8/16/2017</a:t>
+              <a:t>5/22/2018</a:t>
             </a:fld>
             <a:endParaRPr lang="en-US"/>
           </a:p>
@@ -2460,7 +2457,7 @@
           <a:p>
             <a:fld id="{856FFBE8-0159-4FDA-8D70-04C5D85E84A4}" type="datetimeFigureOut">
               <a:rPr lang="en-US" smtClean="0"/>
-              <a:t>8/16/2017</a:t>
+              <a:t>5/22/2018</a:t>
             </a:fld>
             <a:endParaRPr lang="en-US"/>
           </a:p>
@@ -2712,7 +2709,7 @@
           <a:p>
             <a:fld id="{856FFBE8-0159-4FDA-8D70-04C5D85E84A4}" type="datetimeFigureOut">
               <a:rPr lang="en-US" smtClean="0"/>
-              <a:t>8/16/2017</a:t>
+              <a:t>5/22/2018</a:t>
             </a:fld>
             <a:endParaRPr lang="en-US"/>
           </a:p>
@@ -2923,7 +2920,7 @@
           <a:p>
             <a:fld id="{856FFBE8-0159-4FDA-8D70-04C5D85E84A4}" type="datetimeFigureOut">
               <a:rPr lang="en-US" smtClean="0"/>
-              <a:t>8/16/2017</a:t>
+              <a:t>5/22/2018</a:t>
             </a:fld>
             <a:endParaRPr lang="en-US"/>
           </a:p>
@@ -15174,6 +15171,341 @@
 </p:sld>
 </file>
 
+<file path=ppt/slides/slide26.xml><?xml version="1.0" encoding="utf-8"?>
+<p:sld xmlns:a="http://schemas.openxmlformats.org/drawingml/2006/main" xmlns:r="http://schemas.openxmlformats.org/officeDocument/2006/relationships" xmlns:p="http://schemas.openxmlformats.org/presentationml/2006/main">
+  <p:cSld>
+    <p:spTree>
+      <p:nvGrpSpPr>
+        <p:cNvPr id="1" name=""/>
+        <p:cNvGrpSpPr/>
+        <p:nvPr/>
+      </p:nvGrpSpPr>
+      <p:grpSpPr>
+        <a:xfrm>
+          <a:off x="0" y="0"/>
+          <a:ext cx="0" cy="0"/>
+          <a:chOff x="0" y="0"/>
+          <a:chExt cx="0" cy="0"/>
+        </a:xfrm>
+      </p:grpSpPr>
+      <p:sp>
+        <p:nvSpPr>
+          <p:cNvPr id="2" name="Rectangle 1">
+            <a:extLst>
+              <a:ext uri="{FF2B5EF4-FFF2-40B4-BE49-F238E27FC236}">
+                <a16:creationId xmlns:a16="http://schemas.microsoft.com/office/drawing/2014/main" id="{C15213F0-4BE8-4FDB-B04F-07F64B28F7B5}"/>
+              </a:ext>
+            </a:extLst>
+          </p:cNvPr>
+          <p:cNvSpPr/>
+          <p:nvPr/>
+        </p:nvSpPr>
+        <p:spPr>
+          <a:xfrm>
+            <a:off x="559837" y="894481"/>
+            <a:ext cx="10347649" cy="307777"/>
+          </a:xfrm>
+          <a:prstGeom prst="rect">
+            <a:avLst/>
+          </a:prstGeom>
+        </p:spPr>
+        <p:txBody>
+          <a:bodyPr wrap="square">
+            <a:spAutoFit/>
+          </a:bodyPr>
+          <a:lstStyle/>
+          <a:p>
+            <a:r>
+              <a:rPr lang="en-US" sz="1400" b="1" dirty="0">
+                <a:latin typeface="Consolas" panose="020B0609020204030204" pitchFamily="49" charset="0"/>
+              </a:rPr>
+              <a:t>agcttttcattctgactgcaacgggcaat</a:t>
+            </a:r>
+            <a:r>
+              <a:rPr lang="en-US" sz="1400" b="1" dirty="0">
+                <a:highlight>
+                  <a:srgbClr val="FFFF00"/>
+                </a:highlight>
+                <a:latin typeface="Consolas" panose="020B0609020204030204" pitchFamily="49" charset="0"/>
+              </a:rPr>
+              <a:t>atg</a:t>
+            </a:r>
+            <a:r>
+              <a:rPr lang="en-US" sz="1400" b="1" dirty="0">
+                <a:highlight>
+                  <a:srgbClr val="00FF00"/>
+                </a:highlight>
+                <a:latin typeface="Consolas" panose="020B0609020204030204" pitchFamily="49" charset="0"/>
+              </a:rPr>
+              <a:t>tctctgtgtggattaaaaaaagagtgtctgatagcagcttctgaactggttacctgccgtgag</a:t>
+            </a:r>
+            <a:r>
+              <a:rPr lang="en-US" sz="1400" b="1" dirty="0">
+                <a:highlight>
+                  <a:srgbClr val="FFFF00"/>
+                </a:highlight>
+                <a:latin typeface="Consolas" panose="020B0609020204030204" pitchFamily="49" charset="0"/>
+              </a:rPr>
+              <a:t>taa</a:t>
+            </a:r>
+            <a:r>
+              <a:rPr lang="en-US" sz="1400" b="1" dirty="0">
+                <a:latin typeface="Consolas" panose="020B0609020204030204" pitchFamily="49" charset="0"/>
+              </a:rPr>
+              <a:t>at</a:t>
+            </a:r>
+          </a:p>
+        </p:txBody>
+      </p:sp>
+      <p:sp>
+        <p:nvSpPr>
+          <p:cNvPr id="3" name="TextBox 2">
+            <a:extLst>
+              <a:ext uri="{FF2B5EF4-FFF2-40B4-BE49-F238E27FC236}">
+                <a16:creationId xmlns:a16="http://schemas.microsoft.com/office/drawing/2014/main" id="{42920D39-D977-497A-8645-A471A272B5B8}"/>
+              </a:ext>
+            </a:extLst>
+          </p:cNvPr>
+          <p:cNvSpPr txBox="1"/>
+          <p:nvPr/>
+        </p:nvSpPr>
+        <p:spPr>
+          <a:xfrm>
+            <a:off x="2982433" y="1648047"/>
+            <a:ext cx="681597" cy="307777"/>
+          </a:xfrm>
+          <a:prstGeom prst="rect">
+            <a:avLst/>
+          </a:prstGeom>
+          <a:noFill/>
+        </p:spPr>
+        <p:txBody>
+          <a:bodyPr wrap="none" rtlCol="0">
+            <a:spAutoFit/>
+          </a:bodyPr>
+          <a:lstStyle/>
+          <a:p>
+            <a:r>
+              <a:rPr lang="en-US" sz="1400" b="1" dirty="0">
+                <a:latin typeface="Consolas" panose="020B0609020204030204" pitchFamily="49" charset="0"/>
+              </a:rPr>
+              <a:t>start</a:t>
+            </a:r>
+          </a:p>
+        </p:txBody>
+      </p:sp>
+      <p:cxnSp>
+        <p:nvCxnSpPr>
+          <p:cNvPr id="6" name="Straight Arrow Connector 5">
+            <a:extLst>
+              <a:ext uri="{FF2B5EF4-FFF2-40B4-BE49-F238E27FC236}">
+                <a16:creationId xmlns:a16="http://schemas.microsoft.com/office/drawing/2014/main" id="{8E0A8973-1BC2-40EE-A20B-0A46EA0E01EC}"/>
+              </a:ext>
+            </a:extLst>
+          </p:cNvPr>
+          <p:cNvCxnSpPr>
+            <a:cxnSpLocks/>
+            <a:stCxn id="3" idx="0"/>
+          </p:cNvCxnSpPr>
+          <p:nvPr/>
+        </p:nvCxnSpPr>
+        <p:spPr>
+          <a:xfrm flipV="1">
+            <a:off x="3323232" y="1132369"/>
+            <a:ext cx="190828" cy="515678"/>
+          </a:xfrm>
+          <a:prstGeom prst="straightConnector1">
+            <a:avLst/>
+          </a:prstGeom>
+          <a:ln w="28575">
+            <a:tailEnd type="triangle"/>
+          </a:ln>
+        </p:spPr>
+        <p:style>
+          <a:lnRef idx="1">
+            <a:schemeClr val="accent1"/>
+          </a:lnRef>
+          <a:fillRef idx="0">
+            <a:schemeClr val="accent1"/>
+          </a:fillRef>
+          <a:effectRef idx="0">
+            <a:schemeClr val="accent1"/>
+          </a:effectRef>
+          <a:fontRef idx="minor">
+            <a:schemeClr val="tx1"/>
+          </a:fontRef>
+        </p:style>
+      </p:cxnSp>
+      <p:sp>
+        <p:nvSpPr>
+          <p:cNvPr id="8" name="TextBox 7">
+            <a:extLst>
+              <a:ext uri="{FF2B5EF4-FFF2-40B4-BE49-F238E27FC236}">
+                <a16:creationId xmlns:a16="http://schemas.microsoft.com/office/drawing/2014/main" id="{53DCA268-1B12-4520-800D-6A28F5882F2D}"/>
+              </a:ext>
+            </a:extLst>
+          </p:cNvPr>
+          <p:cNvSpPr txBox="1"/>
+          <p:nvPr/>
+        </p:nvSpPr>
+        <p:spPr>
+          <a:xfrm>
+            <a:off x="3664030" y="1648046"/>
+            <a:ext cx="880369" cy="307777"/>
+          </a:xfrm>
+          <a:prstGeom prst="rect">
+            <a:avLst/>
+          </a:prstGeom>
+          <a:noFill/>
+        </p:spPr>
+        <p:txBody>
+          <a:bodyPr wrap="none" rtlCol="0">
+            <a:spAutoFit/>
+          </a:bodyPr>
+          <a:lstStyle/>
+          <a:p>
+            <a:r>
+              <a:rPr lang="en-US" sz="1400" b="1" dirty="0">
+                <a:latin typeface="Consolas" panose="020B0609020204030204" pitchFamily="49" charset="0"/>
+              </a:rPr>
+              <a:t>start+3</a:t>
+            </a:r>
+          </a:p>
+        </p:txBody>
+      </p:sp>
+      <p:cxnSp>
+        <p:nvCxnSpPr>
+          <p:cNvPr id="9" name="Straight Arrow Connector 8">
+            <a:extLst>
+              <a:ext uri="{FF2B5EF4-FFF2-40B4-BE49-F238E27FC236}">
+                <a16:creationId xmlns:a16="http://schemas.microsoft.com/office/drawing/2014/main" id="{B72DFF9A-D434-4085-BD5A-9362E28B88F8}"/>
+              </a:ext>
+            </a:extLst>
+          </p:cNvPr>
+          <p:cNvCxnSpPr>
+            <a:cxnSpLocks/>
+            <a:stCxn id="8" idx="0"/>
+          </p:cNvCxnSpPr>
+          <p:nvPr/>
+        </p:nvCxnSpPr>
+        <p:spPr>
+          <a:xfrm flipH="1" flipV="1">
+            <a:off x="3854859" y="1132369"/>
+            <a:ext cx="249356" cy="515677"/>
+          </a:xfrm>
+          <a:prstGeom prst="straightConnector1">
+            <a:avLst/>
+          </a:prstGeom>
+          <a:ln w="28575">
+            <a:tailEnd type="triangle"/>
+          </a:ln>
+        </p:spPr>
+        <p:style>
+          <a:lnRef idx="1">
+            <a:schemeClr val="accent1"/>
+          </a:lnRef>
+          <a:fillRef idx="0">
+            <a:schemeClr val="accent1"/>
+          </a:fillRef>
+          <a:effectRef idx="0">
+            <a:schemeClr val="accent1"/>
+          </a:effectRef>
+          <a:fontRef idx="minor">
+            <a:schemeClr val="tx1"/>
+          </a:fontRef>
+        </p:style>
+      </p:cxnSp>
+      <p:sp>
+        <p:nvSpPr>
+          <p:cNvPr id="13" name="TextBox 12">
+            <a:extLst>
+              <a:ext uri="{FF2B5EF4-FFF2-40B4-BE49-F238E27FC236}">
+                <a16:creationId xmlns:a16="http://schemas.microsoft.com/office/drawing/2014/main" id="{4BE7664A-CD00-481B-A8EC-274E17971B3E}"/>
+              </a:ext>
+            </a:extLst>
+          </p:cNvPr>
+          <p:cNvSpPr txBox="1"/>
+          <p:nvPr/>
+        </p:nvSpPr>
+        <p:spPr>
+          <a:xfrm>
+            <a:off x="9640135" y="1648045"/>
+            <a:ext cx="482824" cy="307777"/>
+          </a:xfrm>
+          <a:prstGeom prst="rect">
+            <a:avLst/>
+          </a:prstGeom>
+          <a:noFill/>
+        </p:spPr>
+        <p:txBody>
+          <a:bodyPr wrap="none" rtlCol="0">
+            <a:spAutoFit/>
+          </a:bodyPr>
+          <a:lstStyle/>
+          <a:p>
+            <a:r>
+              <a:rPr lang="en-US" sz="1400" b="1" dirty="0">
+                <a:latin typeface="Consolas" panose="020B0609020204030204" pitchFamily="49" charset="0"/>
+              </a:rPr>
+              <a:t>end</a:t>
+            </a:r>
+          </a:p>
+        </p:txBody>
+      </p:sp>
+      <p:cxnSp>
+        <p:nvCxnSpPr>
+          <p:cNvPr id="14" name="Straight Arrow Connector 13">
+            <a:extLst>
+              <a:ext uri="{FF2B5EF4-FFF2-40B4-BE49-F238E27FC236}">
+                <a16:creationId xmlns:a16="http://schemas.microsoft.com/office/drawing/2014/main" id="{EC17A483-9EE0-4EC4-A19E-4EEB53C1A9CC}"/>
+              </a:ext>
+            </a:extLst>
+          </p:cNvPr>
+          <p:cNvCxnSpPr>
+            <a:cxnSpLocks/>
+          </p:cNvCxnSpPr>
+          <p:nvPr/>
+        </p:nvCxnSpPr>
+        <p:spPr>
+          <a:xfrm flipV="1">
+            <a:off x="9881547" y="1132369"/>
+            <a:ext cx="133310" cy="515677"/>
+          </a:xfrm>
+          <a:prstGeom prst="straightConnector1">
+            <a:avLst/>
+          </a:prstGeom>
+          <a:ln w="28575">
+            <a:tailEnd type="triangle"/>
+          </a:ln>
+        </p:spPr>
+        <p:style>
+          <a:lnRef idx="1">
+            <a:schemeClr val="accent1"/>
+          </a:lnRef>
+          <a:fillRef idx="0">
+            <a:schemeClr val="accent1"/>
+          </a:fillRef>
+          <a:effectRef idx="0">
+            <a:schemeClr val="accent1"/>
+          </a:effectRef>
+          <a:fontRef idx="minor">
+            <a:schemeClr val="tx1"/>
+          </a:fontRef>
+        </p:style>
+      </p:cxnSp>
+    </p:spTree>
+    <p:extLst>
+      <p:ext uri="{BB962C8B-B14F-4D97-AF65-F5344CB8AC3E}">
+        <p14:creationId xmlns:p14="http://schemas.microsoft.com/office/powerpoint/2010/main" val="288026643"/>
+      </p:ext>
+    </p:extLst>
+  </p:cSld>
+  <p:clrMapOvr>
+    <a:masterClrMapping/>
+  </p:clrMapOvr>
+</p:sld>
+</file>
+
 <file path=ppt/slides/slide3.xml><?xml version="1.0" encoding="utf-8"?>
 <p:sld xmlns:a="http://schemas.openxmlformats.org/drawingml/2006/main" xmlns:r="http://schemas.openxmlformats.org/officeDocument/2006/relationships" xmlns:p="http://schemas.openxmlformats.org/presentationml/2006/main">
   <p:cSld>

--- a/images/pygame_rect_window.pptx
+++ b/images/pygame_rect_window.pptx
@@ -5,7 +5,7 @@
     <p:sldMasterId id="2147483648" r:id="rId1"/>
   </p:sldMasterIdLst>
   <p:notesMasterIdLst>
-    <p:notesMasterId r:id="rId28"/>
+    <p:notesMasterId r:id="rId29"/>
   </p:notesMasterIdLst>
   <p:sldIdLst>
     <p:sldId id="257" r:id="rId2"/>
@@ -34,6 +34,7 @@
     <p:sldId id="282" r:id="rId25"/>
     <p:sldId id="283" r:id="rId26"/>
     <p:sldId id="284" r:id="rId27"/>
+    <p:sldId id="285" r:id="rId28"/>
   </p:sldIdLst>
   <p:sldSz cx="12192000" cy="6858000"/>
   <p:notesSz cx="6858000" cy="9144000"/>
@@ -222,7 +223,7 @@
           <a:p>
             <a:fld id="{A06AD928-664A-442C-B312-AFB4F7171F46}" type="datetimeFigureOut">
               <a:rPr lang="en-US" smtClean="0"/>
-              <a:t>5/22/2018</a:t>
+              <a:t>5/25/2018</a:t>
             </a:fld>
             <a:endParaRPr lang="en-US"/>
           </a:p>
@@ -618,7 +619,7 @@
           <a:p>
             <a:fld id="{856FFBE8-0159-4FDA-8D70-04C5D85E84A4}" type="datetimeFigureOut">
               <a:rPr lang="en-US" smtClean="0"/>
-              <a:t>5/22/2018</a:t>
+              <a:t>5/25/2018</a:t>
             </a:fld>
             <a:endParaRPr lang="en-US"/>
           </a:p>
@@ -786,7 +787,7 @@
           <a:p>
             <a:fld id="{856FFBE8-0159-4FDA-8D70-04C5D85E84A4}" type="datetimeFigureOut">
               <a:rPr lang="en-US" smtClean="0"/>
-              <a:t>5/22/2018</a:t>
+              <a:t>5/25/2018</a:t>
             </a:fld>
             <a:endParaRPr lang="en-US"/>
           </a:p>
@@ -964,7 +965,7 @@
           <a:p>
             <a:fld id="{856FFBE8-0159-4FDA-8D70-04C5D85E84A4}" type="datetimeFigureOut">
               <a:rPr lang="en-US" smtClean="0"/>
-              <a:t>5/22/2018</a:t>
+              <a:t>5/25/2018</a:t>
             </a:fld>
             <a:endParaRPr lang="en-US"/>
           </a:p>
@@ -1132,7 +1133,7 @@
           <a:p>
             <a:fld id="{856FFBE8-0159-4FDA-8D70-04C5D85E84A4}" type="datetimeFigureOut">
               <a:rPr lang="en-US" smtClean="0"/>
-              <a:t>5/22/2018</a:t>
+              <a:t>5/25/2018</a:t>
             </a:fld>
             <a:endParaRPr lang="en-US"/>
           </a:p>
@@ -1377,7 +1378,7 @@
           <a:p>
             <a:fld id="{856FFBE8-0159-4FDA-8D70-04C5D85E84A4}" type="datetimeFigureOut">
               <a:rPr lang="en-US" smtClean="0"/>
-              <a:t>5/22/2018</a:t>
+              <a:t>5/25/2018</a:t>
             </a:fld>
             <a:endParaRPr lang="en-US"/>
           </a:p>
@@ -1606,7 +1607,7 @@
           <a:p>
             <a:fld id="{856FFBE8-0159-4FDA-8D70-04C5D85E84A4}" type="datetimeFigureOut">
               <a:rPr lang="en-US" smtClean="0"/>
-              <a:t>5/22/2018</a:t>
+              <a:t>5/25/2018</a:t>
             </a:fld>
             <a:endParaRPr lang="en-US"/>
           </a:p>
@@ -1970,7 +1971,7 @@
           <a:p>
             <a:fld id="{856FFBE8-0159-4FDA-8D70-04C5D85E84A4}" type="datetimeFigureOut">
               <a:rPr lang="en-US" smtClean="0"/>
-              <a:t>5/22/2018</a:t>
+              <a:t>5/25/2018</a:t>
             </a:fld>
             <a:endParaRPr lang="en-US"/>
           </a:p>
@@ -2087,7 +2088,7 @@
           <a:p>
             <a:fld id="{856FFBE8-0159-4FDA-8D70-04C5D85E84A4}" type="datetimeFigureOut">
               <a:rPr lang="en-US" smtClean="0"/>
-              <a:t>5/22/2018</a:t>
+              <a:t>5/25/2018</a:t>
             </a:fld>
             <a:endParaRPr lang="en-US"/>
           </a:p>
@@ -2182,7 +2183,7 @@
           <a:p>
             <a:fld id="{856FFBE8-0159-4FDA-8D70-04C5D85E84A4}" type="datetimeFigureOut">
               <a:rPr lang="en-US" smtClean="0"/>
-              <a:t>5/22/2018</a:t>
+              <a:t>5/25/2018</a:t>
             </a:fld>
             <a:endParaRPr lang="en-US"/>
           </a:p>
@@ -2457,7 +2458,7 @@
           <a:p>
             <a:fld id="{856FFBE8-0159-4FDA-8D70-04C5D85E84A4}" type="datetimeFigureOut">
               <a:rPr lang="en-US" smtClean="0"/>
-              <a:t>5/22/2018</a:t>
+              <a:t>5/25/2018</a:t>
             </a:fld>
             <a:endParaRPr lang="en-US"/>
           </a:p>
@@ -2709,7 +2710,7 @@
           <a:p>
             <a:fld id="{856FFBE8-0159-4FDA-8D70-04C5D85E84A4}" type="datetimeFigureOut">
               <a:rPr lang="en-US" smtClean="0"/>
-              <a:t>5/22/2018</a:t>
+              <a:t>5/25/2018</a:t>
             </a:fld>
             <a:endParaRPr lang="en-US"/>
           </a:p>
@@ -2920,7 +2921,7 @@
           <a:p>
             <a:fld id="{856FFBE8-0159-4FDA-8D70-04C5D85E84A4}" type="datetimeFigureOut">
               <a:rPr lang="en-US" smtClean="0"/>
-              <a:t>5/22/2018</a:t>
+              <a:t>5/25/2018</a:t>
             </a:fld>
             <a:endParaRPr lang="en-US"/>
           </a:p>
@@ -3968,7 +3969,7 @@
           <p:nvPr/>
         </p:nvPicPr>
         <p:blipFill>
-          <a:blip r:embed="rId2">
+          <a:blip r:embed="rId2" cstate="hqprint">
             <a:extLst>
               <a:ext uri="{28A0092B-C50C-407E-A947-70E740481C1C}">
                 <a14:useLocalDpi xmlns:a14="http://schemas.microsoft.com/office/drawing/2010/main" val="0"/>
@@ -4064,7 +4065,7 @@
             <p:nvPr/>
           </p:nvPicPr>
           <p:blipFill>
-            <a:blip r:embed="rId2">
+            <a:blip r:embed="rId2" cstate="hqprint">
               <a:extLst>
                 <a:ext uri="{28A0092B-C50C-407E-A947-70E740481C1C}">
                   <a14:useLocalDpi xmlns:a14="http://schemas.microsoft.com/office/drawing/2010/main" val="0"/>
@@ -5330,7 +5331,7 @@
             <p:nvPr/>
           </p:nvPicPr>
           <p:blipFill>
-            <a:blip r:embed="rId2">
+            <a:blip r:embed="rId2" cstate="hqprint">
               <a:extLst>
                 <a:ext uri="{28A0092B-C50C-407E-A947-70E740481C1C}">
                   <a14:useLocalDpi xmlns:a14="http://schemas.microsoft.com/office/drawing/2010/main" val="0"/>
@@ -5369,7 +5370,7 @@
             <p:nvPr/>
           </p:nvPicPr>
           <p:blipFill>
-            <a:blip r:embed="rId2">
+            <a:blip r:embed="rId2" cstate="hqprint">
               <a:extLst>
                 <a:ext uri="{28A0092B-C50C-407E-A947-70E740481C1C}">
                   <a14:useLocalDpi xmlns:a14="http://schemas.microsoft.com/office/drawing/2010/main" val="0"/>
@@ -6545,7 +6546,7 @@
               <p:nvPr/>
             </p:nvPicPr>
             <p:blipFill>
-              <a:blip r:embed="rId3">
+              <a:blip r:embed="rId3" cstate="hqprint">
                 <a:extLst>
                   <a:ext uri="{28A0092B-C50C-407E-A947-70E740481C1C}">
                     <a14:useLocalDpi xmlns:a14="http://schemas.microsoft.com/office/drawing/2010/main" val="0"/>
@@ -7567,7 +7568,7 @@
             <p:nvPr/>
           </p:nvPicPr>
           <p:blipFill>
-            <a:blip r:embed="rId2">
+            <a:blip r:embed="rId2" cstate="hqprint">
               <a:extLst>
                 <a:ext uri="{28A0092B-C50C-407E-A947-70E740481C1C}">
                   <a14:useLocalDpi xmlns:a14="http://schemas.microsoft.com/office/drawing/2010/main" val="0"/>
@@ -7820,7 +7821,7 @@
             <p:nvPr/>
           </p:nvPicPr>
           <p:blipFill>
-            <a:blip r:embed="rId2">
+            <a:blip r:embed="rId2" cstate="hqprint">
               <a:extLst>
                 <a:ext uri="{28A0092B-C50C-407E-A947-70E740481C1C}">
                   <a14:useLocalDpi xmlns:a14="http://schemas.microsoft.com/office/drawing/2010/main" val="0"/>
@@ -13608,13 +13609,13 @@
             <p:nvPr/>
           </p:nvPicPr>
           <p:blipFill>
-            <a:blip r:embed="rId2">
+            <a:blip r:embed="rId2" cstate="hqprint">
               <a:extLst>
                 <a:ext uri="{28A0092B-C50C-407E-A947-70E740481C1C}">
                   <a14:useLocalDpi xmlns:a14="http://schemas.microsoft.com/office/drawing/2010/main" val="0"/>
                 </a:ext>
                 <a:ext uri="{96DAC541-7B7A-43D3-8B79-37D633B846F1}">
-                  <asvg:svgBlip xmlns:asvg="http://schemas.microsoft.com/office/drawing/2016/SVG/main" r:embed="rId3"/>
+                  <asvg:svgBlip xmlns:asvg="http://schemas.microsoft.com/office/drawing/2016/SVG/main" xmlns="" r:embed="rId3"/>
                 </a:ext>
               </a:extLst>
             </a:blip>
@@ -13647,13 +13648,13 @@
             <p:nvPr/>
           </p:nvPicPr>
           <p:blipFill>
-            <a:blip r:embed="rId4">
+            <a:blip r:embed="rId4" cstate="hqprint">
               <a:extLst>
                 <a:ext uri="{28A0092B-C50C-407E-A947-70E740481C1C}">
                   <a14:useLocalDpi xmlns:a14="http://schemas.microsoft.com/office/drawing/2010/main" val="0"/>
                 </a:ext>
                 <a:ext uri="{96DAC541-7B7A-43D3-8B79-37D633B846F1}">
-                  <asvg:svgBlip xmlns:asvg="http://schemas.microsoft.com/office/drawing/2016/SVG/main" r:embed="rId5"/>
+                  <asvg:svgBlip xmlns:asvg="http://schemas.microsoft.com/office/drawing/2016/SVG/main" xmlns="" r:embed="rId5"/>
                 </a:ext>
               </a:extLst>
             </a:blip>
@@ -13692,7 +13693,7 @@
                   <a14:useLocalDpi xmlns:a14="http://schemas.microsoft.com/office/drawing/2010/main" val="0"/>
                 </a:ext>
                 <a:ext uri="{96DAC541-7B7A-43D3-8B79-37D633B846F1}">
-                  <asvg:svgBlip xmlns:asvg="http://schemas.microsoft.com/office/drawing/2016/SVG/main" r:embed="rId7"/>
+                  <asvg:svgBlip xmlns:asvg="http://schemas.microsoft.com/office/drawing/2016/SVG/main" xmlns="" r:embed="rId7"/>
                 </a:ext>
               </a:extLst>
             </a:blip>
@@ -14176,13 +14177,13 @@
             <p:nvPr/>
           </p:nvPicPr>
           <p:blipFill>
-            <a:blip r:embed="rId8">
+            <a:blip r:embed="rId8" cstate="hqprint">
               <a:extLst>
                 <a:ext uri="{28A0092B-C50C-407E-A947-70E740481C1C}">
                   <a14:useLocalDpi xmlns:a14="http://schemas.microsoft.com/office/drawing/2010/main" val="0"/>
                 </a:ext>
                 <a:ext uri="{96DAC541-7B7A-43D3-8B79-37D633B846F1}">
-                  <asvg:svgBlip xmlns:asvg="http://schemas.microsoft.com/office/drawing/2016/SVG/main" r:embed="rId9"/>
+                  <asvg:svgBlip xmlns:asvg="http://schemas.microsoft.com/office/drawing/2016/SVG/main" xmlns="" r:embed="rId9"/>
                 </a:ext>
               </a:extLst>
             </a:blip>
@@ -15074,7 +15075,7 @@
                 <a14:useLocalDpi xmlns:a14="http://schemas.microsoft.com/office/drawing/2010/main" val="0"/>
               </a:ext>
               <a:ext uri="{96DAC541-7B7A-43D3-8B79-37D633B846F1}">
-                <asvg:svgBlip xmlns:asvg="http://schemas.microsoft.com/office/drawing/2016/SVG/main" r:embed="rId3"/>
+                <asvg:svgBlip xmlns:asvg="http://schemas.microsoft.com/office/drawing/2016/SVG/main" xmlns="" r:embed="rId3"/>
               </a:ext>
             </a:extLst>
           </a:blip>
@@ -15137,7 +15138,7 @@
           <p:nvPr/>
         </p:nvPicPr>
         <p:blipFill>
-          <a:blip r:embed="rId2">
+          <a:blip r:embed="rId2" cstate="hqprint">
             <a:extLst>
               <a:ext uri="{28A0092B-C50C-407E-A947-70E740481C1C}">
                 <a14:useLocalDpi xmlns:a14="http://schemas.microsoft.com/office/drawing/2010/main" val="0"/>
@@ -15497,6 +15498,519 @@
     <p:extLst>
       <p:ext uri="{BB962C8B-B14F-4D97-AF65-F5344CB8AC3E}">
         <p14:creationId xmlns:p14="http://schemas.microsoft.com/office/powerpoint/2010/main" val="288026643"/>
+      </p:ext>
+    </p:extLst>
+  </p:cSld>
+  <p:clrMapOvr>
+    <a:masterClrMapping/>
+  </p:clrMapOvr>
+</p:sld>
+</file>
+
+<file path=ppt/slides/slide27.xml><?xml version="1.0" encoding="utf-8"?>
+<p:sld xmlns:a="http://schemas.openxmlformats.org/drawingml/2006/main" xmlns:r="http://schemas.openxmlformats.org/officeDocument/2006/relationships" xmlns:p="http://schemas.openxmlformats.org/presentationml/2006/main">
+  <p:cSld>
+    <p:spTree>
+      <p:nvGrpSpPr>
+        <p:cNvPr id="1" name=""/>
+        <p:cNvGrpSpPr/>
+        <p:nvPr/>
+      </p:nvGrpSpPr>
+      <p:grpSpPr>
+        <a:xfrm>
+          <a:off x="0" y="0"/>
+          <a:ext cx="0" cy="0"/>
+          <a:chOff x="0" y="0"/>
+          <a:chExt cx="0" cy="0"/>
+        </a:xfrm>
+      </p:grpSpPr>
+      <p:pic>
+        <p:nvPicPr>
+          <p:cNvPr id="4" name="Picture 3" descr="Stickman by nicubunu - Blue stick man figure illustrating ..."/>
+          <p:cNvPicPr>
+            <a:picLocks noChangeAspect="1"/>
+          </p:cNvPicPr>
+          <p:nvPr/>
+        </p:nvPicPr>
+        <p:blipFill>
+          <a:blip r:embed="rId2" cstate="hqprint">
+            <a:extLst>
+              <a:ext uri="{28A0092B-C50C-407E-A947-70E740481C1C}">
+                <a14:useLocalDpi xmlns:a14="http://schemas.microsoft.com/office/drawing/2010/main" val="0"/>
+              </a:ext>
+            </a:extLst>
+          </a:blip>
+          <a:stretch>
+            <a:fillRect/>
+          </a:stretch>
+        </p:blipFill>
+        <p:spPr>
+          <a:xfrm>
+            <a:off x="1518838" y="2706360"/>
+            <a:ext cx="576548" cy="928044"/>
+          </a:xfrm>
+          <a:prstGeom prst="rect">
+            <a:avLst/>
+          </a:prstGeom>
+        </p:spPr>
+      </p:pic>
+      <p:pic>
+        <p:nvPicPr>
+          <p:cNvPr id="10" name="Picture 9" descr="Stickman by nicubunu - Blue stick man figure illustrating ..."/>
+          <p:cNvPicPr>
+            <a:picLocks noChangeAspect="1"/>
+          </p:cNvPicPr>
+          <p:nvPr/>
+        </p:nvPicPr>
+        <p:blipFill>
+          <a:blip r:embed="rId2" cstate="hqprint">
+            <a:extLst>
+              <a:ext uri="{28A0092B-C50C-407E-A947-70E740481C1C}">
+                <a14:useLocalDpi xmlns:a14="http://schemas.microsoft.com/office/drawing/2010/main" val="0"/>
+              </a:ext>
+            </a:extLst>
+          </a:blip>
+          <a:stretch>
+            <a:fillRect/>
+          </a:stretch>
+        </p:blipFill>
+        <p:spPr>
+          <a:xfrm>
+            <a:off x="5712463" y="3287425"/>
+            <a:ext cx="576548" cy="928044"/>
+          </a:xfrm>
+          <a:prstGeom prst="rect">
+            <a:avLst/>
+          </a:prstGeom>
+        </p:spPr>
+      </p:pic>
+      <p:pic>
+        <p:nvPicPr>
+          <p:cNvPr id="11" name="Picture 10" descr="Stickman by nicubunu - Blue stick man figure illustrating ..."/>
+          <p:cNvPicPr>
+            <a:picLocks noChangeAspect="1"/>
+          </p:cNvPicPr>
+          <p:nvPr/>
+        </p:nvPicPr>
+        <p:blipFill>
+          <a:blip r:embed="rId2" cstate="hqprint">
+            <a:extLst>
+              <a:ext uri="{28A0092B-C50C-407E-A947-70E740481C1C}">
+                <a14:useLocalDpi xmlns:a14="http://schemas.microsoft.com/office/drawing/2010/main" val="0"/>
+              </a:ext>
+            </a:extLst>
+          </a:blip>
+          <a:stretch>
+            <a:fillRect/>
+          </a:stretch>
+        </p:blipFill>
+        <p:spPr>
+          <a:xfrm>
+            <a:off x="10205479" y="2706360"/>
+            <a:ext cx="576548" cy="928044"/>
+          </a:xfrm>
+          <a:prstGeom prst="rect">
+            <a:avLst/>
+          </a:prstGeom>
+        </p:spPr>
+      </p:pic>
+      <p:cxnSp>
+        <p:nvCxnSpPr>
+          <p:cNvPr id="7" name="Straight Connector 6"/>
+          <p:cNvCxnSpPr/>
+          <p:nvPr/>
+        </p:nvCxnSpPr>
+        <p:spPr>
+          <a:xfrm>
+            <a:off x="2416712" y="2946402"/>
+            <a:ext cx="922391" cy="12555"/>
+          </a:xfrm>
+          <a:prstGeom prst="line">
+            <a:avLst/>
+          </a:prstGeom>
+          <a:ln w="19050" cap="flat" cmpd="sng" algn="ctr">
+            <a:solidFill>
+              <a:schemeClr val="dk1"/>
+            </a:solidFill>
+            <a:prstDash val="sysDot"/>
+            <a:round/>
+            <a:headEnd type="none" w="med" len="med"/>
+            <a:tailEnd type="arrow" w="med" len="med"/>
+          </a:ln>
+        </p:spPr>
+        <p:style>
+          <a:lnRef idx="0">
+            <a:scrgbClr r="0" g="0" b="0"/>
+          </a:lnRef>
+          <a:fillRef idx="0">
+            <a:scrgbClr r="0" g="0" b="0"/>
+          </a:fillRef>
+          <a:effectRef idx="0">
+            <a:scrgbClr r="0" g="0" b="0"/>
+          </a:effectRef>
+          <a:fontRef idx="minor">
+            <a:schemeClr val="tx1"/>
+          </a:fontRef>
+        </p:style>
+      </p:cxnSp>
+      <p:sp>
+        <p:nvSpPr>
+          <p:cNvPr id="15" name="TextBox 14"/>
+          <p:cNvSpPr txBox="1"/>
+          <p:nvPr/>
+        </p:nvSpPr>
+        <p:spPr>
+          <a:xfrm>
+            <a:off x="1527409" y="3751447"/>
+            <a:ext cx="636713" cy="369332"/>
+          </a:xfrm>
+          <a:prstGeom prst="rect">
+            <a:avLst/>
+          </a:prstGeom>
+          <a:noFill/>
+        </p:spPr>
+        <p:txBody>
+          <a:bodyPr wrap="none" rtlCol="0">
+            <a:spAutoFit/>
+          </a:bodyPr>
+          <a:lstStyle/>
+          <a:p>
+            <a:r>
+              <a:rPr lang="en-US" dirty="0" smtClean="0"/>
+              <a:t>Alice</a:t>
+            </a:r>
+            <a:endParaRPr lang="en-US" dirty="0"/>
+          </a:p>
+        </p:txBody>
+      </p:sp>
+      <p:sp>
+        <p:nvSpPr>
+          <p:cNvPr id="17" name="Rectangle 16"/>
+          <p:cNvSpPr/>
+          <p:nvPr/>
+        </p:nvSpPr>
+        <p:spPr>
+          <a:xfrm>
+            <a:off x="3456967" y="2501757"/>
+            <a:ext cx="914400" cy="914400"/>
+          </a:xfrm>
+          <a:prstGeom prst="rect">
+            <a:avLst/>
+          </a:prstGeom>
+        </p:spPr>
+        <p:style>
+          <a:lnRef idx="2">
+            <a:schemeClr val="accent1">
+              <a:shade val="50000"/>
+            </a:schemeClr>
+          </a:lnRef>
+          <a:fillRef idx="1">
+            <a:schemeClr val="accent1"/>
+          </a:fillRef>
+          <a:effectRef idx="0">
+            <a:schemeClr val="accent1"/>
+          </a:effectRef>
+          <a:fontRef idx="minor">
+            <a:schemeClr val="lt1"/>
+          </a:fontRef>
+        </p:style>
+        <p:txBody>
+          <a:bodyPr rtlCol="0" anchor="ctr"/>
+          <a:lstStyle/>
+          <a:p>
+            <a:pPr algn="ctr"/>
+            <a:r>
+              <a:rPr lang="en-US" dirty="0" smtClean="0"/>
+              <a:t>Encrypt</a:t>
+            </a:r>
+            <a:endParaRPr lang="en-US" dirty="0"/>
+          </a:p>
+        </p:txBody>
+      </p:sp>
+      <p:sp>
+        <p:nvSpPr>
+          <p:cNvPr id="18" name="Rectangle 17"/>
+          <p:cNvSpPr/>
+          <p:nvPr/>
+        </p:nvSpPr>
+        <p:spPr>
+          <a:xfrm>
+            <a:off x="7988444" y="2514312"/>
+            <a:ext cx="1061483" cy="914400"/>
+          </a:xfrm>
+          <a:prstGeom prst="rect">
+            <a:avLst/>
+          </a:prstGeom>
+        </p:spPr>
+        <p:style>
+          <a:lnRef idx="2">
+            <a:schemeClr val="accent1">
+              <a:shade val="50000"/>
+            </a:schemeClr>
+          </a:lnRef>
+          <a:fillRef idx="1">
+            <a:schemeClr val="accent1"/>
+          </a:fillRef>
+          <a:effectRef idx="0">
+            <a:schemeClr val="accent1"/>
+          </a:effectRef>
+          <a:fontRef idx="minor">
+            <a:schemeClr val="lt1"/>
+          </a:fontRef>
+        </p:style>
+        <p:txBody>
+          <a:bodyPr rtlCol="0" anchor="ctr"/>
+          <a:lstStyle/>
+          <a:p>
+            <a:pPr algn="ctr"/>
+            <a:r>
+              <a:rPr lang="en-US" dirty="0" smtClean="0"/>
+              <a:t>Decrypt</a:t>
+            </a:r>
+            <a:endParaRPr lang="en-US" dirty="0"/>
+          </a:p>
+        </p:txBody>
+      </p:sp>
+      <p:cxnSp>
+        <p:nvCxnSpPr>
+          <p:cNvPr id="19" name="Straight Connector 18"/>
+          <p:cNvCxnSpPr/>
+          <p:nvPr/>
+        </p:nvCxnSpPr>
+        <p:spPr>
+          <a:xfrm>
+            <a:off x="9158231" y="2958957"/>
+            <a:ext cx="922391" cy="12555"/>
+          </a:xfrm>
+          <a:prstGeom prst="line">
+            <a:avLst/>
+          </a:prstGeom>
+          <a:ln w="19050" cap="flat" cmpd="sng" algn="ctr">
+            <a:solidFill>
+              <a:schemeClr val="dk1"/>
+            </a:solidFill>
+            <a:prstDash val="sysDot"/>
+            <a:round/>
+            <a:headEnd type="none" w="med" len="med"/>
+            <a:tailEnd type="arrow" w="med" len="med"/>
+          </a:ln>
+        </p:spPr>
+        <p:style>
+          <a:lnRef idx="0">
+            <a:scrgbClr r="0" g="0" b="0"/>
+          </a:lnRef>
+          <a:fillRef idx="0">
+            <a:scrgbClr r="0" g="0" b="0"/>
+          </a:fillRef>
+          <a:effectRef idx="0">
+            <a:scrgbClr r="0" g="0" b="0"/>
+          </a:effectRef>
+          <a:fontRef idx="minor">
+            <a:schemeClr val="tx1"/>
+          </a:fontRef>
+        </p:style>
+      </p:cxnSp>
+      <p:cxnSp>
+        <p:nvCxnSpPr>
+          <p:cNvPr id="20" name="Straight Connector 19"/>
+          <p:cNvCxnSpPr/>
+          <p:nvPr/>
+        </p:nvCxnSpPr>
+        <p:spPr>
+          <a:xfrm flipV="1">
+            <a:off x="4604528" y="2958957"/>
+            <a:ext cx="3275612" cy="21928"/>
+          </a:xfrm>
+          <a:prstGeom prst="line">
+            <a:avLst/>
+          </a:prstGeom>
+          <a:ln w="19050" cap="flat" cmpd="sng" algn="ctr">
+            <a:solidFill>
+              <a:schemeClr val="dk1"/>
+            </a:solidFill>
+            <a:prstDash val="sysDot"/>
+            <a:round/>
+            <a:headEnd type="none" w="med" len="med"/>
+            <a:tailEnd type="arrow" w="med" len="med"/>
+          </a:ln>
+        </p:spPr>
+        <p:style>
+          <a:lnRef idx="0">
+            <a:scrgbClr r="0" g="0" b="0"/>
+          </a:lnRef>
+          <a:fillRef idx="0">
+            <a:scrgbClr r="0" g="0" b="0"/>
+          </a:fillRef>
+          <a:effectRef idx="0">
+            <a:scrgbClr r="0" g="0" b="0"/>
+          </a:effectRef>
+          <a:fontRef idx="minor">
+            <a:schemeClr val="tx1"/>
+          </a:fontRef>
+        </p:style>
+      </p:cxnSp>
+      <p:sp>
+        <p:nvSpPr>
+          <p:cNvPr id="23" name="TextBox 22"/>
+          <p:cNvSpPr txBox="1"/>
+          <p:nvPr/>
+        </p:nvSpPr>
+        <p:spPr>
+          <a:xfrm>
+            <a:off x="10199043" y="3751447"/>
+            <a:ext cx="553357" cy="369332"/>
+          </a:xfrm>
+          <a:prstGeom prst="rect">
+            <a:avLst/>
+          </a:prstGeom>
+          <a:noFill/>
+        </p:spPr>
+        <p:txBody>
+          <a:bodyPr wrap="none" rtlCol="0">
+            <a:spAutoFit/>
+          </a:bodyPr>
+          <a:lstStyle/>
+          <a:p>
+            <a:r>
+              <a:rPr lang="en-US" dirty="0" smtClean="0"/>
+              <a:t>Bob</a:t>
+            </a:r>
+            <a:endParaRPr lang="en-US" dirty="0"/>
+          </a:p>
+        </p:txBody>
+      </p:sp>
+      <p:sp>
+        <p:nvSpPr>
+          <p:cNvPr id="24" name="TextBox 23"/>
+          <p:cNvSpPr txBox="1"/>
+          <p:nvPr/>
+        </p:nvSpPr>
+        <p:spPr>
+          <a:xfrm>
+            <a:off x="2354805" y="2414161"/>
+            <a:ext cx="1028487" cy="369332"/>
+          </a:xfrm>
+          <a:prstGeom prst="rect">
+            <a:avLst/>
+          </a:prstGeom>
+          <a:noFill/>
+        </p:spPr>
+        <p:txBody>
+          <a:bodyPr wrap="none" rtlCol="0">
+            <a:spAutoFit/>
+          </a:bodyPr>
+          <a:lstStyle/>
+          <a:p>
+            <a:r>
+              <a:rPr lang="en-US" i="1" dirty="0" smtClean="0"/>
+              <a:t>“attack!”</a:t>
+            </a:r>
+            <a:endParaRPr lang="en-US" i="1" dirty="0"/>
+          </a:p>
+        </p:txBody>
+      </p:sp>
+      <p:sp>
+        <p:nvSpPr>
+          <p:cNvPr id="25" name="TextBox 24"/>
+          <p:cNvSpPr txBox="1"/>
+          <p:nvPr/>
+        </p:nvSpPr>
+        <p:spPr>
+          <a:xfrm>
+            <a:off x="9052135" y="2501757"/>
+            <a:ext cx="1028487" cy="369332"/>
+          </a:xfrm>
+          <a:prstGeom prst="rect">
+            <a:avLst/>
+          </a:prstGeom>
+          <a:noFill/>
+        </p:spPr>
+        <p:txBody>
+          <a:bodyPr wrap="none" rtlCol="0">
+            <a:spAutoFit/>
+          </a:bodyPr>
+          <a:lstStyle/>
+          <a:p>
+            <a:r>
+              <a:rPr lang="en-US" i="1" dirty="0" smtClean="0"/>
+              <a:t>“attack!”</a:t>
+            </a:r>
+            <a:endParaRPr lang="en-US" i="1" dirty="0"/>
+          </a:p>
+        </p:txBody>
+      </p:sp>
+      <p:sp>
+        <p:nvSpPr>
+          <p:cNvPr id="26" name="TextBox 25"/>
+          <p:cNvSpPr txBox="1"/>
+          <p:nvPr/>
+        </p:nvSpPr>
+        <p:spPr>
+          <a:xfrm>
+            <a:off x="4957350" y="2436355"/>
+            <a:ext cx="2238883" cy="369332"/>
+          </a:xfrm>
+          <a:prstGeom prst="rect">
+            <a:avLst/>
+          </a:prstGeom>
+          <a:noFill/>
+        </p:spPr>
+        <p:txBody>
+          <a:bodyPr wrap="none" rtlCol="0">
+            <a:spAutoFit/>
+          </a:bodyPr>
+          <a:lstStyle/>
+          <a:p>
+            <a:r>
+              <a:rPr lang="en-US" i="1" dirty="0" smtClean="0"/>
+              <a:t>“</a:t>
+            </a:r>
+            <a:r>
+              <a:rPr lang="en-US" i="1" dirty="0" err="1" smtClean="0"/>
+              <a:t>skfntuqwgrfbgxpwp</a:t>
+            </a:r>
+            <a:r>
+              <a:rPr lang="en-US" i="1" dirty="0" smtClean="0"/>
+              <a:t>”</a:t>
+            </a:r>
+            <a:endParaRPr lang="en-US" i="1" dirty="0"/>
+          </a:p>
+        </p:txBody>
+      </p:sp>
+      <p:sp>
+        <p:nvSpPr>
+          <p:cNvPr id="27" name="TextBox 26"/>
+          <p:cNvSpPr txBox="1"/>
+          <p:nvPr/>
+        </p:nvSpPr>
+        <p:spPr>
+          <a:xfrm>
+            <a:off x="5733477" y="4337343"/>
+            <a:ext cx="508857" cy="369332"/>
+          </a:xfrm>
+          <a:prstGeom prst="rect">
+            <a:avLst/>
+          </a:prstGeom>
+          <a:noFill/>
+        </p:spPr>
+        <p:txBody>
+          <a:bodyPr wrap="none" rtlCol="0">
+            <a:spAutoFit/>
+          </a:bodyPr>
+          <a:lstStyle/>
+          <a:p>
+            <a:r>
+              <a:rPr lang="en-US" dirty="0" smtClean="0"/>
+              <a:t>Eve</a:t>
+            </a:r>
+            <a:endParaRPr lang="en-US" dirty="0"/>
+          </a:p>
+        </p:txBody>
+      </p:sp>
+    </p:spTree>
+    <p:extLst>
+      <p:ext uri="{BB962C8B-B14F-4D97-AF65-F5344CB8AC3E}">
+        <p14:creationId xmlns:p14="http://schemas.microsoft.com/office/powerpoint/2010/main" val="428910257"/>
       </p:ext>
     </p:extLst>
   </p:cSld>
@@ -16636,7 +17150,7 @@
                   <a14:useLocalDpi xmlns:a14="http://schemas.microsoft.com/office/drawing/2010/main" val="0"/>
                 </a:ext>
                 <a:ext uri="{96DAC541-7B7A-43D3-8B79-37D633B846F1}">
-                  <asvg:svgBlip xmlns:asvg="http://schemas.microsoft.com/office/drawing/2016/SVG/main" r:embed="rId3"/>
+                  <asvg:svgBlip xmlns:asvg="http://schemas.microsoft.com/office/drawing/2016/SVG/main" xmlns="" r:embed="rId3"/>
                 </a:ext>
               </a:extLst>
             </a:blip>
@@ -18169,13 +18683,13 @@
           <p:nvPr/>
         </p:nvPicPr>
         <p:blipFill>
-          <a:blip r:embed="rId2">
+          <a:blip r:embed="rId2" cstate="hqprint">
             <a:extLst>
               <a:ext uri="{28A0092B-C50C-407E-A947-70E740481C1C}">
                 <a14:useLocalDpi xmlns:a14="http://schemas.microsoft.com/office/drawing/2010/main" val="0"/>
               </a:ext>
               <a:ext uri="{96DAC541-7B7A-43D3-8B79-37D633B846F1}">
-                <asvg:svgBlip xmlns:asvg="http://schemas.microsoft.com/office/drawing/2016/SVG/main" r:embed="rId3"/>
+                <asvg:svgBlip xmlns:asvg="http://schemas.microsoft.com/office/drawing/2016/SVG/main" xmlns="" r:embed="rId3"/>
               </a:ext>
             </a:extLst>
           </a:blip>
@@ -18208,13 +18722,13 @@
           <p:nvPr/>
         </p:nvPicPr>
         <p:blipFill>
-          <a:blip r:embed="rId4">
+          <a:blip r:embed="rId4" cstate="hqprint">
             <a:extLst>
               <a:ext uri="{28A0092B-C50C-407E-A947-70E740481C1C}">
                 <a14:useLocalDpi xmlns:a14="http://schemas.microsoft.com/office/drawing/2010/main" val="0"/>
               </a:ext>
               <a:ext uri="{96DAC541-7B7A-43D3-8B79-37D633B846F1}">
-                <asvg:svgBlip xmlns:asvg="http://schemas.microsoft.com/office/drawing/2016/SVG/main" r:embed="rId5"/>
+                <asvg:svgBlip xmlns:asvg="http://schemas.microsoft.com/office/drawing/2016/SVG/main" xmlns="" r:embed="rId5"/>
               </a:ext>
             </a:extLst>
           </a:blip>
@@ -18599,13 +19113,13 @@
           <p:nvPr/>
         </p:nvPicPr>
         <p:blipFill>
-          <a:blip r:embed="rId4">
+          <a:blip r:embed="rId4" cstate="hqprint">
             <a:extLst>
               <a:ext uri="{28A0092B-C50C-407E-A947-70E740481C1C}">
                 <a14:useLocalDpi xmlns:a14="http://schemas.microsoft.com/office/drawing/2010/main" val="0"/>
               </a:ext>
               <a:ext uri="{96DAC541-7B7A-43D3-8B79-37D633B846F1}">
-                <asvg:svgBlip xmlns:asvg="http://schemas.microsoft.com/office/drawing/2016/SVG/main" r:embed="rId5"/>
+                <asvg:svgBlip xmlns:asvg="http://schemas.microsoft.com/office/drawing/2016/SVG/main" xmlns="" r:embed="rId5"/>
               </a:ext>
             </a:extLst>
           </a:blip>
@@ -18747,13 +19261,13 @@
           <p:nvPr/>
         </p:nvPicPr>
         <p:blipFill>
-          <a:blip r:embed="rId2">
+          <a:blip r:embed="rId2" cstate="hqprint">
             <a:extLst>
               <a:ext uri="{28A0092B-C50C-407E-A947-70E740481C1C}">
                 <a14:useLocalDpi xmlns:a14="http://schemas.microsoft.com/office/drawing/2010/main" val="0"/>
               </a:ext>
               <a:ext uri="{96DAC541-7B7A-43D3-8B79-37D633B846F1}">
-                <asvg:svgBlip xmlns:asvg="http://schemas.microsoft.com/office/drawing/2016/SVG/main" r:embed="rId3"/>
+                <asvg:svgBlip xmlns:asvg="http://schemas.microsoft.com/office/drawing/2016/SVG/main" xmlns="" r:embed="rId3"/>
               </a:ext>
             </a:extLst>
           </a:blip>
@@ -18786,13 +19300,13 @@
           <p:nvPr/>
         </p:nvPicPr>
         <p:blipFill>
-          <a:blip r:embed="rId4">
+          <a:blip r:embed="rId4" cstate="hqprint">
             <a:extLst>
               <a:ext uri="{28A0092B-C50C-407E-A947-70E740481C1C}">
                 <a14:useLocalDpi xmlns:a14="http://schemas.microsoft.com/office/drawing/2010/main" val="0"/>
               </a:ext>
               <a:ext uri="{96DAC541-7B7A-43D3-8B79-37D633B846F1}">
-                <asvg:svgBlip xmlns:asvg="http://schemas.microsoft.com/office/drawing/2016/SVG/main" r:embed="rId5"/>
+                <asvg:svgBlip xmlns:asvg="http://schemas.microsoft.com/office/drawing/2016/SVG/main" xmlns="" r:embed="rId5"/>
               </a:ext>
             </a:extLst>
           </a:blip>

--- a/images/pygame_rect_window.pptx
+++ b/images/pygame_rect_window.pptx
@@ -5,7 +5,7 @@
     <p:sldMasterId id="2147483648" r:id="rId1"/>
   </p:sldMasterIdLst>
   <p:notesMasterIdLst>
-    <p:notesMasterId r:id="rId29"/>
+    <p:notesMasterId r:id="rId30"/>
   </p:notesMasterIdLst>
   <p:sldIdLst>
     <p:sldId id="257" r:id="rId2"/>
@@ -35,6 +35,7 @@
     <p:sldId id="283" r:id="rId26"/>
     <p:sldId id="284" r:id="rId27"/>
     <p:sldId id="285" r:id="rId28"/>
+    <p:sldId id="286" r:id="rId29"/>
   </p:sldIdLst>
   <p:sldSz cx="12192000" cy="6858000"/>
   <p:notesSz cx="6858000" cy="9144000"/>
@@ -223,7 +224,7 @@
           <a:p>
             <a:fld id="{A06AD928-664A-442C-B312-AFB4F7171F46}" type="datetimeFigureOut">
               <a:rPr lang="en-US" smtClean="0"/>
-              <a:t>5/25/2018</a:t>
+              <a:t>5/28/2018</a:t>
             </a:fld>
             <a:endParaRPr lang="en-US"/>
           </a:p>
@@ -619,7 +620,7 @@
           <a:p>
             <a:fld id="{856FFBE8-0159-4FDA-8D70-04C5D85E84A4}" type="datetimeFigureOut">
               <a:rPr lang="en-US" smtClean="0"/>
-              <a:t>5/25/2018</a:t>
+              <a:t>5/28/2018</a:t>
             </a:fld>
             <a:endParaRPr lang="en-US"/>
           </a:p>
@@ -787,7 +788,7 @@
           <a:p>
             <a:fld id="{856FFBE8-0159-4FDA-8D70-04C5D85E84A4}" type="datetimeFigureOut">
               <a:rPr lang="en-US" smtClean="0"/>
-              <a:t>5/25/2018</a:t>
+              <a:t>5/28/2018</a:t>
             </a:fld>
             <a:endParaRPr lang="en-US"/>
           </a:p>
@@ -965,7 +966,7 @@
           <a:p>
             <a:fld id="{856FFBE8-0159-4FDA-8D70-04C5D85E84A4}" type="datetimeFigureOut">
               <a:rPr lang="en-US" smtClean="0"/>
-              <a:t>5/25/2018</a:t>
+              <a:t>5/28/2018</a:t>
             </a:fld>
             <a:endParaRPr lang="en-US"/>
           </a:p>
@@ -1133,7 +1134,7 @@
           <a:p>
             <a:fld id="{856FFBE8-0159-4FDA-8D70-04C5D85E84A4}" type="datetimeFigureOut">
               <a:rPr lang="en-US" smtClean="0"/>
-              <a:t>5/25/2018</a:t>
+              <a:t>5/28/2018</a:t>
             </a:fld>
             <a:endParaRPr lang="en-US"/>
           </a:p>
@@ -1378,7 +1379,7 @@
           <a:p>
             <a:fld id="{856FFBE8-0159-4FDA-8D70-04C5D85E84A4}" type="datetimeFigureOut">
               <a:rPr lang="en-US" smtClean="0"/>
-              <a:t>5/25/2018</a:t>
+              <a:t>5/28/2018</a:t>
             </a:fld>
             <a:endParaRPr lang="en-US"/>
           </a:p>
@@ -1607,7 +1608,7 @@
           <a:p>
             <a:fld id="{856FFBE8-0159-4FDA-8D70-04C5D85E84A4}" type="datetimeFigureOut">
               <a:rPr lang="en-US" smtClean="0"/>
-              <a:t>5/25/2018</a:t>
+              <a:t>5/28/2018</a:t>
             </a:fld>
             <a:endParaRPr lang="en-US"/>
           </a:p>
@@ -1971,7 +1972,7 @@
           <a:p>
             <a:fld id="{856FFBE8-0159-4FDA-8D70-04C5D85E84A4}" type="datetimeFigureOut">
               <a:rPr lang="en-US" smtClean="0"/>
-              <a:t>5/25/2018</a:t>
+              <a:t>5/28/2018</a:t>
             </a:fld>
             <a:endParaRPr lang="en-US"/>
           </a:p>
@@ -2088,7 +2089,7 @@
           <a:p>
             <a:fld id="{856FFBE8-0159-4FDA-8D70-04C5D85E84A4}" type="datetimeFigureOut">
               <a:rPr lang="en-US" smtClean="0"/>
-              <a:t>5/25/2018</a:t>
+              <a:t>5/28/2018</a:t>
             </a:fld>
             <a:endParaRPr lang="en-US"/>
           </a:p>
@@ -2183,7 +2184,7 @@
           <a:p>
             <a:fld id="{856FFBE8-0159-4FDA-8D70-04C5D85E84A4}" type="datetimeFigureOut">
               <a:rPr lang="en-US" smtClean="0"/>
-              <a:t>5/25/2018</a:t>
+              <a:t>5/28/2018</a:t>
             </a:fld>
             <a:endParaRPr lang="en-US"/>
           </a:p>
@@ -2458,7 +2459,7 @@
           <a:p>
             <a:fld id="{856FFBE8-0159-4FDA-8D70-04C5D85E84A4}" type="datetimeFigureOut">
               <a:rPr lang="en-US" smtClean="0"/>
-              <a:t>5/25/2018</a:t>
+              <a:t>5/28/2018</a:t>
             </a:fld>
             <a:endParaRPr lang="en-US"/>
           </a:p>
@@ -2710,7 +2711,7 @@
           <a:p>
             <a:fld id="{856FFBE8-0159-4FDA-8D70-04C5D85E84A4}" type="datetimeFigureOut">
               <a:rPr lang="en-US" smtClean="0"/>
-              <a:t>5/25/2018</a:t>
+              <a:t>5/28/2018</a:t>
             </a:fld>
             <a:endParaRPr lang="en-US"/>
           </a:p>
@@ -2921,7 +2922,7 @@
           <a:p>
             <a:fld id="{856FFBE8-0159-4FDA-8D70-04C5D85E84A4}" type="datetimeFigureOut">
               <a:rPr lang="en-US" smtClean="0"/>
-              <a:t>5/25/2018</a:t>
+              <a:t>5/28/2018</a:t>
             </a:fld>
             <a:endParaRPr lang="en-US"/>
           </a:p>
@@ -13615,7 +13616,7 @@
                   <a14:useLocalDpi xmlns:a14="http://schemas.microsoft.com/office/drawing/2010/main" val="0"/>
                 </a:ext>
                 <a:ext uri="{96DAC541-7B7A-43D3-8B79-37D633B846F1}">
-                  <asvg:svgBlip xmlns:asvg="http://schemas.microsoft.com/office/drawing/2016/SVG/main" xmlns="" r:embed="rId3"/>
+                  <asvg:svgBlip xmlns:asvg="http://schemas.microsoft.com/office/drawing/2016/SVG/main" r:embed="rId3"/>
                 </a:ext>
               </a:extLst>
             </a:blip>
@@ -13654,7 +13655,7 @@
                   <a14:useLocalDpi xmlns:a14="http://schemas.microsoft.com/office/drawing/2010/main" val="0"/>
                 </a:ext>
                 <a:ext uri="{96DAC541-7B7A-43D3-8B79-37D633B846F1}">
-                  <asvg:svgBlip xmlns:asvg="http://schemas.microsoft.com/office/drawing/2016/SVG/main" xmlns="" r:embed="rId5"/>
+                  <asvg:svgBlip xmlns:asvg="http://schemas.microsoft.com/office/drawing/2016/SVG/main" r:embed="rId5"/>
                 </a:ext>
               </a:extLst>
             </a:blip>
@@ -13693,7 +13694,7 @@
                   <a14:useLocalDpi xmlns:a14="http://schemas.microsoft.com/office/drawing/2010/main" val="0"/>
                 </a:ext>
                 <a:ext uri="{96DAC541-7B7A-43D3-8B79-37D633B846F1}">
-                  <asvg:svgBlip xmlns:asvg="http://schemas.microsoft.com/office/drawing/2016/SVG/main" xmlns="" r:embed="rId7"/>
+                  <asvg:svgBlip xmlns:asvg="http://schemas.microsoft.com/office/drawing/2016/SVG/main" r:embed="rId7"/>
                 </a:ext>
               </a:extLst>
             </a:blip>
@@ -14183,7 +14184,7 @@
                   <a14:useLocalDpi xmlns:a14="http://schemas.microsoft.com/office/drawing/2010/main" val="0"/>
                 </a:ext>
                 <a:ext uri="{96DAC541-7B7A-43D3-8B79-37D633B846F1}">
-                  <asvg:svgBlip xmlns:asvg="http://schemas.microsoft.com/office/drawing/2016/SVG/main" xmlns="" r:embed="rId9"/>
+                  <asvg:svgBlip xmlns:asvg="http://schemas.microsoft.com/office/drawing/2016/SVG/main" r:embed="rId9"/>
                 </a:ext>
               </a:extLst>
             </a:blip>
@@ -15075,7 +15076,7 @@
                 <a14:useLocalDpi xmlns:a14="http://schemas.microsoft.com/office/drawing/2010/main" val="0"/>
               </a:ext>
               <a:ext uri="{96DAC541-7B7A-43D3-8B79-37D633B846F1}">
-                <asvg:svgBlip xmlns:asvg="http://schemas.microsoft.com/office/drawing/2016/SVG/main" xmlns="" r:embed="rId3"/>
+                <asvg:svgBlip xmlns:asvg="http://schemas.microsoft.com/office/drawing/2016/SVG/main" r:embed="rId3"/>
               </a:ext>
             </a:extLst>
           </a:blip>
@@ -15546,7 +15547,7 @@
         </p:blipFill>
         <p:spPr>
           <a:xfrm>
-            <a:off x="1518838" y="2706360"/>
+            <a:off x="1684747" y="2641151"/>
             <a:ext cx="576548" cy="928044"/>
           </a:xfrm>
           <a:prstGeom prst="rect">
@@ -15576,7 +15577,7 @@
         </p:blipFill>
         <p:spPr>
           <a:xfrm>
-            <a:off x="5712463" y="3287425"/>
+            <a:off x="5696888" y="3195091"/>
             <a:ext cx="576548" cy="928044"/>
           </a:xfrm>
           <a:prstGeom prst="rect">
@@ -15606,7 +15607,7 @@
         </p:blipFill>
         <p:spPr>
           <a:xfrm>
-            <a:off x="10205479" y="2706360"/>
+            <a:off x="9784814" y="2641151"/>
             <a:ext cx="576548" cy="928044"/>
           </a:xfrm>
           <a:prstGeom prst="rect">
@@ -15617,13 +15618,15 @@
       <p:cxnSp>
         <p:nvCxnSpPr>
           <p:cNvPr id="7" name="Straight Connector 6"/>
-          <p:cNvCxnSpPr/>
+          <p:cNvCxnSpPr>
+            <a:cxnSpLocks/>
+          </p:cNvCxnSpPr>
           <p:nvPr/>
         </p:nvCxnSpPr>
         <p:spPr>
-          <a:xfrm>
-            <a:off x="2416712" y="2946402"/>
-            <a:ext cx="922391" cy="12555"/>
+          <a:xfrm flipV="1">
+            <a:off x="2343067" y="2980884"/>
+            <a:ext cx="1678923" cy="6278"/>
           </a:xfrm>
           <a:prstGeom prst="line">
             <a:avLst/>
@@ -15661,7 +15664,7 @@
         </p:nvSpPr>
         <p:spPr>
           <a:xfrm>
-            <a:off x="1527409" y="3751447"/>
+            <a:off x="1684747" y="3701823"/>
             <a:ext cx="636713" cy="369332"/>
           </a:xfrm>
           <a:prstGeom prst="rect">
@@ -15676,10 +15679,9 @@
           <a:lstStyle/>
           <a:p>
             <a:r>
-              <a:rPr lang="en-US" dirty="0" smtClean="0"/>
+              <a:rPr lang="en-US" dirty="0"/>
               <a:t>Alice</a:t>
             </a:r>
-            <a:endParaRPr lang="en-US" dirty="0"/>
           </a:p>
         </p:txBody>
       </p:sp>
@@ -15691,7 +15693,7 @@
         </p:nvSpPr>
         <p:spPr>
           <a:xfrm>
-            <a:off x="3456967" y="2501757"/>
+            <a:off x="4035465" y="2501757"/>
             <a:ext cx="914400" cy="914400"/>
           </a:xfrm>
           <a:prstGeom prst="rect">
@@ -15720,10 +15722,9 @@
           <a:p>
             <a:pPr algn="ctr"/>
             <a:r>
-              <a:rPr lang="en-US" dirty="0" smtClean="0"/>
+              <a:rPr lang="en-US" dirty="0"/>
               <a:t>Encrypt</a:t>
             </a:r>
-            <a:endParaRPr lang="en-US" dirty="0"/>
           </a:p>
         </p:txBody>
       </p:sp>
@@ -15735,7 +15736,7 @@
         </p:nvSpPr>
         <p:spPr>
           <a:xfrm>
-            <a:off x="7988444" y="2514312"/>
+            <a:off x="6980735" y="2514312"/>
             <a:ext cx="1061483" cy="914400"/>
           </a:xfrm>
           <a:prstGeom prst="rect">
@@ -15764,23 +15765,24 @@
           <a:p>
             <a:pPr algn="ctr"/>
             <a:r>
-              <a:rPr lang="en-US" dirty="0" smtClean="0"/>
+              <a:rPr lang="en-US" dirty="0"/>
               <a:t>Decrypt</a:t>
             </a:r>
-            <a:endParaRPr lang="en-US" dirty="0"/>
           </a:p>
         </p:txBody>
       </p:sp>
       <p:cxnSp>
         <p:nvCxnSpPr>
           <p:cNvPr id="19" name="Straight Connector 18"/>
-          <p:cNvCxnSpPr/>
+          <p:cNvCxnSpPr>
+            <a:cxnSpLocks/>
+          </p:cNvCxnSpPr>
           <p:nvPr/>
         </p:nvCxnSpPr>
         <p:spPr>
           <a:xfrm>
-            <a:off x="9158231" y="2958957"/>
-            <a:ext cx="922391" cy="12555"/>
+            <a:off x="8042218" y="2980884"/>
+            <a:ext cx="1652288" cy="0"/>
           </a:xfrm>
           <a:prstGeom prst="line">
             <a:avLst/>
@@ -15813,13 +15815,15 @@
       <p:cxnSp>
         <p:nvCxnSpPr>
           <p:cNvPr id="20" name="Straight Connector 19"/>
-          <p:cNvCxnSpPr/>
+          <p:cNvCxnSpPr>
+            <a:cxnSpLocks/>
+          </p:cNvCxnSpPr>
           <p:nvPr/>
         </p:nvCxnSpPr>
         <p:spPr>
           <a:xfrm flipV="1">
-            <a:off x="4604528" y="2958957"/>
-            <a:ext cx="3275612" cy="21928"/>
+            <a:off x="5116426" y="2971513"/>
+            <a:ext cx="1747659" cy="9371"/>
           </a:xfrm>
           <a:prstGeom prst="line">
             <a:avLst/>
@@ -15857,7 +15861,7 @@
         </p:nvSpPr>
         <p:spPr>
           <a:xfrm>
-            <a:off x="10199043" y="3751447"/>
+            <a:off x="9813319" y="3701823"/>
             <a:ext cx="553357" cy="369332"/>
           </a:xfrm>
           <a:prstGeom prst="rect">
@@ -15872,10 +15876,9 @@
           <a:lstStyle/>
           <a:p>
             <a:r>
-              <a:rPr lang="en-US" dirty="0" smtClean="0"/>
+              <a:rPr lang="en-US" dirty="0"/>
               <a:t>Bob</a:t>
             </a:r>
-            <a:endParaRPr lang="en-US" dirty="0"/>
           </a:p>
         </p:txBody>
       </p:sp>
@@ -15887,8 +15890,8 @@
         </p:nvSpPr>
         <p:spPr>
           <a:xfrm>
-            <a:off x="2354805" y="2414161"/>
-            <a:ext cx="1028487" cy="369332"/>
+            <a:off x="2243298" y="2602180"/>
+            <a:ext cx="1778692" cy="369332"/>
           </a:xfrm>
           <a:prstGeom prst="rect">
             <a:avLst/>
@@ -15902,23 +15905,22 @@
           <a:lstStyle/>
           <a:p>
             <a:r>
-              <a:rPr lang="en-US" i="1" dirty="0" smtClean="0"/>
-              <a:t>“attack!”</a:t>
+              <a:rPr lang="en-US" i="1" dirty="0"/>
+              <a:t>“attack at dawn”</a:t>
             </a:r>
-            <a:endParaRPr lang="en-US" i="1" dirty="0"/>
           </a:p>
         </p:txBody>
       </p:sp>
       <p:sp>
         <p:nvSpPr>
-          <p:cNvPr id="25" name="TextBox 24"/>
+          <p:cNvPr id="26" name="TextBox 25"/>
           <p:cNvSpPr txBox="1"/>
           <p:nvPr/>
         </p:nvSpPr>
         <p:spPr>
           <a:xfrm>
-            <a:off x="9052135" y="2501757"/>
-            <a:ext cx="1028487" cy="369332"/>
+            <a:off x="4957350" y="2436355"/>
+            <a:ext cx="1843325" cy="369332"/>
           </a:xfrm>
           <a:prstGeom prst="rect">
             <a:avLst/>
@@ -15932,48 +15934,9 @@
           <a:lstStyle/>
           <a:p>
             <a:r>
-              <a:rPr lang="en-US" i="1" dirty="0" smtClean="0"/>
-              <a:t>“attack!”</a:t>
+              <a:rPr lang="en-US" i="1" dirty="0"/>
+              <a:t>“skfntuqwgrfbgx”</a:t>
             </a:r>
-            <a:endParaRPr lang="en-US" i="1" dirty="0"/>
-          </a:p>
-        </p:txBody>
-      </p:sp>
-      <p:sp>
-        <p:nvSpPr>
-          <p:cNvPr id="26" name="TextBox 25"/>
-          <p:cNvSpPr txBox="1"/>
-          <p:nvPr/>
-        </p:nvSpPr>
-        <p:spPr>
-          <a:xfrm>
-            <a:off x="4957350" y="2436355"/>
-            <a:ext cx="2238883" cy="369332"/>
-          </a:xfrm>
-          <a:prstGeom prst="rect">
-            <a:avLst/>
-          </a:prstGeom>
-          <a:noFill/>
-        </p:spPr>
-        <p:txBody>
-          <a:bodyPr wrap="none" rtlCol="0">
-            <a:spAutoFit/>
-          </a:bodyPr>
-          <a:lstStyle/>
-          <a:p>
-            <a:r>
-              <a:rPr lang="en-US" i="1" dirty="0" smtClean="0"/>
-              <a:t>“</a:t>
-            </a:r>
-            <a:r>
-              <a:rPr lang="en-US" i="1" dirty="0" err="1" smtClean="0"/>
-              <a:t>skfntuqwgrfbgxpwp</a:t>
-            </a:r>
-            <a:r>
-              <a:rPr lang="en-US" i="1" dirty="0" smtClean="0"/>
-              <a:t>”</a:t>
-            </a:r>
-            <a:endParaRPr lang="en-US" i="1" dirty="0"/>
           </a:p>
         </p:txBody>
       </p:sp>
@@ -15985,7 +15948,7 @@
         </p:nvSpPr>
         <p:spPr>
           <a:xfrm>
-            <a:off x="5733477" y="4337343"/>
+            <a:off x="5730733" y="4152676"/>
             <a:ext cx="508857" cy="369332"/>
           </a:xfrm>
           <a:prstGeom prst="rect">
@@ -16000,10 +15963,208 @@
           <a:lstStyle/>
           <a:p>
             <a:r>
-              <a:rPr lang="en-US" dirty="0" smtClean="0"/>
+              <a:rPr lang="en-US" dirty="0"/>
               <a:t>Eve</a:t>
             </a:r>
-            <a:endParaRPr lang="en-US" dirty="0"/>
+          </a:p>
+        </p:txBody>
+      </p:sp>
+      <p:sp>
+        <p:nvSpPr>
+          <p:cNvPr id="16" name="TextBox 15">
+            <a:extLst>
+              <a:ext uri="{FF2B5EF4-FFF2-40B4-BE49-F238E27FC236}">
+                <a16:creationId xmlns:a16="http://schemas.microsoft.com/office/drawing/2014/main" id="{2550A700-4ABE-47E2-92C8-A055F75320D4}"/>
+              </a:ext>
+            </a:extLst>
+          </p:cNvPr>
+          <p:cNvSpPr txBox="1"/>
+          <p:nvPr/>
+        </p:nvSpPr>
+        <p:spPr>
+          <a:xfrm>
+            <a:off x="8034627" y="2591448"/>
+            <a:ext cx="1778692" cy="369332"/>
+          </a:xfrm>
+          <a:prstGeom prst="rect">
+            <a:avLst/>
+          </a:prstGeom>
+          <a:noFill/>
+        </p:spPr>
+        <p:txBody>
+          <a:bodyPr wrap="none" rtlCol="0">
+            <a:spAutoFit/>
+          </a:bodyPr>
+          <a:lstStyle/>
+          <a:p>
+            <a:r>
+              <a:rPr lang="en-US" i="1" dirty="0"/>
+              <a:t>“attack at dawn”</a:t>
+            </a:r>
+          </a:p>
+        </p:txBody>
+      </p:sp>
+      <p:cxnSp>
+        <p:nvCxnSpPr>
+          <p:cNvPr id="21" name="Connector: Elbow 20">
+            <a:extLst>
+              <a:ext uri="{FF2B5EF4-FFF2-40B4-BE49-F238E27FC236}">
+                <a16:creationId xmlns:a16="http://schemas.microsoft.com/office/drawing/2014/main" id="{54FA5074-82B5-4F66-A673-2E2C7BD4D50B}"/>
+              </a:ext>
+            </a:extLst>
+          </p:cNvPr>
+          <p:cNvCxnSpPr>
+            <a:cxnSpLocks/>
+          </p:cNvCxnSpPr>
+          <p:nvPr/>
+        </p:nvCxnSpPr>
+        <p:spPr>
+          <a:xfrm flipV="1">
+            <a:off x="3288442" y="3195091"/>
+            <a:ext cx="733548" cy="464022"/>
+          </a:xfrm>
+          <a:prstGeom prst="bentConnector3">
+            <a:avLst/>
+          </a:prstGeom>
+          <a:ln w="19050" cap="flat" cmpd="sng" algn="ctr">
+            <a:solidFill>
+              <a:schemeClr val="dk1"/>
+            </a:solidFill>
+            <a:prstDash val="sysDot"/>
+            <a:round/>
+            <a:headEnd type="none" w="med" len="med"/>
+            <a:tailEnd type="arrow" w="med" len="med"/>
+          </a:ln>
+        </p:spPr>
+        <p:style>
+          <a:lnRef idx="0">
+            <a:scrgbClr r="0" g="0" b="0"/>
+          </a:lnRef>
+          <a:fillRef idx="0">
+            <a:scrgbClr r="0" g="0" b="0"/>
+          </a:fillRef>
+          <a:effectRef idx="0">
+            <a:scrgbClr r="0" g="0" b="0"/>
+          </a:effectRef>
+          <a:fontRef idx="minor">
+            <a:schemeClr val="tx1"/>
+          </a:fontRef>
+        </p:style>
+      </p:cxnSp>
+      <p:sp>
+        <p:nvSpPr>
+          <p:cNvPr id="30" name="TextBox 29">
+            <a:extLst>
+              <a:ext uri="{FF2B5EF4-FFF2-40B4-BE49-F238E27FC236}">
+                <a16:creationId xmlns:a16="http://schemas.microsoft.com/office/drawing/2014/main" id="{743747AF-3A87-4BD5-8095-84F270DAA112}"/>
+              </a:ext>
+            </a:extLst>
+          </p:cNvPr>
+          <p:cNvSpPr txBox="1"/>
+          <p:nvPr/>
+        </p:nvSpPr>
+        <p:spPr>
+          <a:xfrm>
+            <a:off x="2809053" y="3474447"/>
+            <a:ext cx="518860" cy="369332"/>
+          </a:xfrm>
+          <a:prstGeom prst="rect">
+            <a:avLst/>
+          </a:prstGeom>
+          <a:noFill/>
+        </p:spPr>
+        <p:txBody>
+          <a:bodyPr wrap="none" rtlCol="0">
+            <a:spAutoFit/>
+          </a:bodyPr>
+          <a:lstStyle/>
+          <a:p>
+            <a:r>
+              <a:rPr lang="en-US" dirty="0"/>
+              <a:t>Key</a:t>
+            </a:r>
+          </a:p>
+        </p:txBody>
+      </p:sp>
+      <p:cxnSp>
+        <p:nvCxnSpPr>
+          <p:cNvPr id="31" name="Connector: Elbow 30">
+            <a:extLst>
+              <a:ext uri="{FF2B5EF4-FFF2-40B4-BE49-F238E27FC236}">
+                <a16:creationId xmlns:a16="http://schemas.microsoft.com/office/drawing/2014/main" id="{BAA8C408-CB85-4C1E-A612-BCE9CA68F262}"/>
+              </a:ext>
+            </a:extLst>
+          </p:cNvPr>
+          <p:cNvCxnSpPr>
+            <a:cxnSpLocks/>
+          </p:cNvCxnSpPr>
+          <p:nvPr/>
+        </p:nvCxnSpPr>
+        <p:spPr>
+          <a:xfrm rot="10800000">
+            <a:off x="8016033" y="3195091"/>
+            <a:ext cx="733485" cy="648688"/>
+          </a:xfrm>
+          <a:prstGeom prst="bentConnector3">
+            <a:avLst/>
+          </a:prstGeom>
+          <a:ln w="19050" cap="flat" cmpd="sng" algn="ctr">
+            <a:solidFill>
+              <a:schemeClr val="dk1"/>
+            </a:solidFill>
+            <a:prstDash val="sysDot"/>
+            <a:round/>
+            <a:headEnd type="none" w="med" len="med"/>
+            <a:tailEnd type="arrow" w="med" len="med"/>
+          </a:ln>
+        </p:spPr>
+        <p:style>
+          <a:lnRef idx="0">
+            <a:scrgbClr r="0" g="0" b="0"/>
+          </a:lnRef>
+          <a:fillRef idx="0">
+            <a:scrgbClr r="0" g="0" b="0"/>
+          </a:fillRef>
+          <a:effectRef idx="0">
+            <a:scrgbClr r="0" g="0" b="0"/>
+          </a:effectRef>
+          <a:fontRef idx="minor">
+            <a:schemeClr val="tx1"/>
+          </a:fontRef>
+        </p:style>
+      </p:cxnSp>
+      <p:sp>
+        <p:nvSpPr>
+          <p:cNvPr id="32" name="TextBox 31">
+            <a:extLst>
+              <a:ext uri="{FF2B5EF4-FFF2-40B4-BE49-F238E27FC236}">
+                <a16:creationId xmlns:a16="http://schemas.microsoft.com/office/drawing/2014/main" id="{D799377B-C11B-4BBC-ABE4-A5A2F6DD34B1}"/>
+              </a:ext>
+            </a:extLst>
+          </p:cNvPr>
+          <p:cNvSpPr txBox="1"/>
+          <p:nvPr/>
+        </p:nvSpPr>
+        <p:spPr>
+          <a:xfrm>
+            <a:off x="8762558" y="3654277"/>
+            <a:ext cx="518860" cy="369332"/>
+          </a:xfrm>
+          <a:prstGeom prst="rect">
+            <a:avLst/>
+          </a:prstGeom>
+          <a:noFill/>
+        </p:spPr>
+        <p:txBody>
+          <a:bodyPr wrap="square" rtlCol="0">
+            <a:spAutoFit/>
+          </a:bodyPr>
+          <a:lstStyle/>
+          <a:p>
+            <a:r>
+              <a:rPr lang="en-US" dirty="0"/>
+              <a:t>Key</a:t>
+            </a:r>
           </a:p>
         </p:txBody>
       </p:sp>
@@ -16011,6 +16172,326 @@
     <p:extLst>
       <p:ext uri="{BB962C8B-B14F-4D97-AF65-F5344CB8AC3E}">
         <p14:creationId xmlns:p14="http://schemas.microsoft.com/office/powerpoint/2010/main" val="428910257"/>
+      </p:ext>
+    </p:extLst>
+  </p:cSld>
+  <p:clrMapOvr>
+    <a:masterClrMapping/>
+  </p:clrMapOvr>
+</p:sld>
+</file>
+
+<file path=ppt/slides/slide28.xml><?xml version="1.0" encoding="utf-8"?>
+<p:sld xmlns:a="http://schemas.openxmlformats.org/drawingml/2006/main" xmlns:r="http://schemas.openxmlformats.org/officeDocument/2006/relationships" xmlns:p="http://schemas.openxmlformats.org/presentationml/2006/main">
+  <p:cSld>
+    <p:spTree>
+      <p:nvGrpSpPr>
+        <p:cNvPr id="1" name=""/>
+        <p:cNvGrpSpPr/>
+        <p:nvPr/>
+      </p:nvGrpSpPr>
+      <p:grpSpPr>
+        <a:xfrm>
+          <a:off x="0" y="0"/>
+          <a:ext cx="0" cy="0"/>
+          <a:chOff x="0" y="0"/>
+          <a:chExt cx="0" cy="0"/>
+        </a:xfrm>
+      </p:grpSpPr>
+      <p:sp>
+        <p:nvSpPr>
+          <p:cNvPr id="4" name="Rectangle 3"/>
+          <p:cNvSpPr/>
+          <p:nvPr/>
+        </p:nvSpPr>
+        <p:spPr>
+          <a:xfrm>
+            <a:off x="4089748" y="1684751"/>
+            <a:ext cx="1221288" cy="620038"/>
+          </a:xfrm>
+          <a:prstGeom prst="rect">
+            <a:avLst/>
+          </a:prstGeom>
+          <a:solidFill>
+            <a:schemeClr val="accent1">
+              <a:lumMod val="60000"/>
+              <a:lumOff val="40000"/>
+            </a:schemeClr>
+          </a:solidFill>
+          <a:ln>
+            <a:solidFill>
+              <a:schemeClr val="accent1">
+                <a:lumMod val="60000"/>
+                <a:lumOff val="40000"/>
+              </a:schemeClr>
+            </a:solidFill>
+          </a:ln>
+        </p:spPr>
+        <p:style>
+          <a:lnRef idx="2">
+            <a:schemeClr val="accent1">
+              <a:shade val="50000"/>
+            </a:schemeClr>
+          </a:lnRef>
+          <a:fillRef idx="1">
+            <a:schemeClr val="accent1"/>
+          </a:fillRef>
+          <a:effectRef idx="0">
+            <a:schemeClr val="accent1"/>
+          </a:effectRef>
+          <a:fontRef idx="minor">
+            <a:schemeClr val="lt1"/>
+          </a:fontRef>
+        </p:style>
+        <p:txBody>
+          <a:bodyPr rtlCol="0" anchor="ctr"/>
+          <a:lstStyle/>
+          <a:p>
+            <a:pPr algn="ctr"/>
+            <a:r>
+              <a:rPr lang="en-US" dirty="0">
+                <a:solidFill>
+                  <a:schemeClr val="tx1">
+                    <a:lumMod val="95000"/>
+                    <a:lumOff val="5000"/>
+                  </a:schemeClr>
+                </a:solidFill>
+              </a:rPr>
+              <a:t>encrypt</a:t>
+            </a:r>
+          </a:p>
+        </p:txBody>
+      </p:sp>
+      <p:cxnSp>
+        <p:nvCxnSpPr>
+          <p:cNvPr id="6" name="Straight Arrow Connector 5"/>
+          <p:cNvCxnSpPr>
+            <a:cxnSpLocks/>
+          </p:cNvCxnSpPr>
+          <p:nvPr/>
+        </p:nvCxnSpPr>
+        <p:spPr>
+          <a:xfrm>
+            <a:off x="3569918" y="1892133"/>
+            <a:ext cx="519830" cy="0"/>
+          </a:xfrm>
+          <a:prstGeom prst="straightConnector1">
+            <a:avLst/>
+          </a:prstGeom>
+          <a:ln w="28575">
+            <a:solidFill>
+              <a:schemeClr val="tx1"/>
+            </a:solidFill>
+            <a:tailEnd type="triangle"/>
+          </a:ln>
+        </p:spPr>
+        <p:style>
+          <a:lnRef idx="1">
+            <a:schemeClr val="accent1"/>
+          </a:lnRef>
+          <a:fillRef idx="0">
+            <a:schemeClr val="accent1"/>
+          </a:fillRef>
+          <a:effectRef idx="0">
+            <a:schemeClr val="accent1"/>
+          </a:effectRef>
+          <a:fontRef idx="minor">
+            <a:schemeClr val="tx1"/>
+          </a:fontRef>
+        </p:style>
+      </p:cxnSp>
+      <p:cxnSp>
+        <p:nvCxnSpPr>
+          <p:cNvPr id="8" name="Straight Arrow Connector 7"/>
+          <p:cNvCxnSpPr>
+            <a:cxnSpLocks/>
+            <a:stCxn id="4" idx="3"/>
+          </p:cNvCxnSpPr>
+          <p:nvPr/>
+        </p:nvCxnSpPr>
+        <p:spPr>
+          <a:xfrm>
+            <a:off x="5311036" y="1994770"/>
+            <a:ext cx="519830" cy="0"/>
+          </a:xfrm>
+          <a:prstGeom prst="straightConnector1">
+            <a:avLst/>
+          </a:prstGeom>
+          <a:ln w="28575">
+            <a:solidFill>
+              <a:schemeClr val="tx1"/>
+            </a:solidFill>
+            <a:tailEnd type="triangle"/>
+          </a:ln>
+        </p:spPr>
+        <p:style>
+          <a:lnRef idx="1">
+            <a:schemeClr val="accent1"/>
+          </a:lnRef>
+          <a:fillRef idx="0">
+            <a:schemeClr val="accent1"/>
+          </a:fillRef>
+          <a:effectRef idx="0">
+            <a:schemeClr val="accent1"/>
+          </a:effectRef>
+          <a:fontRef idx="minor">
+            <a:schemeClr val="tx1"/>
+          </a:fontRef>
+        </p:style>
+      </p:cxnSp>
+      <p:cxnSp>
+        <p:nvCxnSpPr>
+          <p:cNvPr id="5" name="Straight Arrow Connector 4">
+            <a:extLst>
+              <a:ext uri="{FF2B5EF4-FFF2-40B4-BE49-F238E27FC236}">
+                <a16:creationId xmlns:a16="http://schemas.microsoft.com/office/drawing/2014/main" id="{4FBFC9C6-F09C-4ECD-BC41-EF5A62F881C1}"/>
+              </a:ext>
+            </a:extLst>
+          </p:cNvPr>
+          <p:cNvCxnSpPr>
+            <a:cxnSpLocks/>
+          </p:cNvCxnSpPr>
+          <p:nvPr/>
+        </p:nvCxnSpPr>
+        <p:spPr>
+          <a:xfrm>
+            <a:off x="3582363" y="2184494"/>
+            <a:ext cx="519830" cy="0"/>
+          </a:xfrm>
+          <a:prstGeom prst="straightConnector1">
+            <a:avLst/>
+          </a:prstGeom>
+          <a:ln w="28575">
+            <a:solidFill>
+              <a:schemeClr val="tx1"/>
+            </a:solidFill>
+            <a:tailEnd type="triangle"/>
+          </a:ln>
+        </p:spPr>
+        <p:style>
+          <a:lnRef idx="1">
+            <a:schemeClr val="accent1"/>
+          </a:lnRef>
+          <a:fillRef idx="0">
+            <a:schemeClr val="accent1"/>
+          </a:fillRef>
+          <a:effectRef idx="0">
+            <a:schemeClr val="accent1"/>
+          </a:effectRef>
+          <a:fontRef idx="minor">
+            <a:schemeClr val="tx1"/>
+          </a:fontRef>
+        </p:style>
+      </p:cxnSp>
+      <p:sp>
+        <p:nvSpPr>
+          <p:cNvPr id="2" name="TextBox 1">
+            <a:extLst>
+              <a:ext uri="{FF2B5EF4-FFF2-40B4-BE49-F238E27FC236}">
+                <a16:creationId xmlns:a16="http://schemas.microsoft.com/office/drawing/2014/main" id="{172E604C-5CF3-419E-A7E4-00BC05E1E7B8}"/>
+              </a:ext>
+            </a:extLst>
+          </p:cNvPr>
+          <p:cNvSpPr txBox="1"/>
+          <p:nvPr/>
+        </p:nvSpPr>
+        <p:spPr>
+          <a:xfrm>
+            <a:off x="2577408" y="1684751"/>
+            <a:ext cx="1004955" cy="369332"/>
+          </a:xfrm>
+          <a:prstGeom prst="rect">
+            <a:avLst/>
+          </a:prstGeom>
+          <a:noFill/>
+        </p:spPr>
+        <p:txBody>
+          <a:bodyPr wrap="none" rtlCol="0">
+            <a:spAutoFit/>
+          </a:bodyPr>
+          <a:lstStyle/>
+          <a:p>
+            <a:r>
+              <a:rPr lang="en-US" dirty="0"/>
+              <a:t>cleartext</a:t>
+            </a:r>
+          </a:p>
+        </p:txBody>
+      </p:sp>
+      <p:sp>
+        <p:nvSpPr>
+          <p:cNvPr id="7" name="TextBox 6">
+            <a:extLst>
+              <a:ext uri="{FF2B5EF4-FFF2-40B4-BE49-F238E27FC236}">
+                <a16:creationId xmlns:a16="http://schemas.microsoft.com/office/drawing/2014/main" id="{9363AAD9-142A-4362-ACC1-3F9E4FF5D3F5}"/>
+              </a:ext>
+            </a:extLst>
+          </p:cNvPr>
+          <p:cNvSpPr txBox="1"/>
+          <p:nvPr/>
+        </p:nvSpPr>
+        <p:spPr>
+          <a:xfrm>
+            <a:off x="2973280" y="1994770"/>
+            <a:ext cx="596638" cy="369332"/>
+          </a:xfrm>
+          <a:prstGeom prst="rect">
+            <a:avLst/>
+          </a:prstGeom>
+          <a:noFill/>
+        </p:spPr>
+        <p:txBody>
+          <a:bodyPr wrap="none" rtlCol="0">
+            <a:spAutoFit/>
+          </a:bodyPr>
+          <a:lstStyle/>
+          <a:p>
+            <a:r>
+              <a:rPr lang="en-US" dirty="0"/>
+              <a:t>shift</a:t>
+            </a:r>
+          </a:p>
+        </p:txBody>
+      </p:sp>
+      <p:sp>
+        <p:nvSpPr>
+          <p:cNvPr id="9" name="TextBox 8">
+            <a:extLst>
+              <a:ext uri="{FF2B5EF4-FFF2-40B4-BE49-F238E27FC236}">
+                <a16:creationId xmlns:a16="http://schemas.microsoft.com/office/drawing/2014/main" id="{823638F1-EDA5-4F0A-8359-5AA9D00EED61}"/>
+              </a:ext>
+            </a:extLst>
+          </p:cNvPr>
+          <p:cNvSpPr txBox="1"/>
+          <p:nvPr/>
+        </p:nvSpPr>
+        <p:spPr>
+          <a:xfrm>
+            <a:off x="5792134" y="1810104"/>
+            <a:ext cx="1138004" cy="369332"/>
+          </a:xfrm>
+          <a:prstGeom prst="rect">
+            <a:avLst/>
+          </a:prstGeom>
+          <a:noFill/>
+        </p:spPr>
+        <p:txBody>
+          <a:bodyPr wrap="none" rtlCol="0">
+            <a:spAutoFit/>
+          </a:bodyPr>
+          <a:lstStyle/>
+          <a:p>
+            <a:r>
+              <a:rPr lang="en-US" dirty="0"/>
+              <a:t>ciphertext</a:t>
+            </a:r>
+          </a:p>
+        </p:txBody>
+      </p:sp>
+    </p:spTree>
+    <p:extLst>
+      <p:ext uri="{BB962C8B-B14F-4D97-AF65-F5344CB8AC3E}">
+        <p14:creationId xmlns:p14="http://schemas.microsoft.com/office/powerpoint/2010/main" val="1293351701"/>
       </p:ext>
     </p:extLst>
   </p:cSld>
@@ -17150,7 +17631,7 @@
                   <a14:useLocalDpi xmlns:a14="http://schemas.microsoft.com/office/drawing/2010/main" val="0"/>
                 </a:ext>
                 <a:ext uri="{96DAC541-7B7A-43D3-8B79-37D633B846F1}">
-                  <asvg:svgBlip xmlns:asvg="http://schemas.microsoft.com/office/drawing/2016/SVG/main" xmlns="" r:embed="rId3"/>
+                  <asvg:svgBlip xmlns:asvg="http://schemas.microsoft.com/office/drawing/2016/SVG/main" r:embed="rId3"/>
                 </a:ext>
               </a:extLst>
             </a:blip>
@@ -18689,7 +19170,7 @@
                 <a14:useLocalDpi xmlns:a14="http://schemas.microsoft.com/office/drawing/2010/main" val="0"/>
               </a:ext>
               <a:ext uri="{96DAC541-7B7A-43D3-8B79-37D633B846F1}">
-                <asvg:svgBlip xmlns:asvg="http://schemas.microsoft.com/office/drawing/2016/SVG/main" xmlns="" r:embed="rId3"/>
+                <asvg:svgBlip xmlns:asvg="http://schemas.microsoft.com/office/drawing/2016/SVG/main" r:embed="rId3"/>
               </a:ext>
             </a:extLst>
           </a:blip>
@@ -18728,7 +19209,7 @@
                 <a14:useLocalDpi xmlns:a14="http://schemas.microsoft.com/office/drawing/2010/main" val="0"/>
               </a:ext>
               <a:ext uri="{96DAC541-7B7A-43D3-8B79-37D633B846F1}">
-                <asvg:svgBlip xmlns:asvg="http://schemas.microsoft.com/office/drawing/2016/SVG/main" xmlns="" r:embed="rId5"/>
+                <asvg:svgBlip xmlns:asvg="http://schemas.microsoft.com/office/drawing/2016/SVG/main" r:embed="rId5"/>
               </a:ext>
             </a:extLst>
           </a:blip>
@@ -19119,7 +19600,7 @@
                 <a14:useLocalDpi xmlns:a14="http://schemas.microsoft.com/office/drawing/2010/main" val="0"/>
               </a:ext>
               <a:ext uri="{96DAC541-7B7A-43D3-8B79-37D633B846F1}">
-                <asvg:svgBlip xmlns:asvg="http://schemas.microsoft.com/office/drawing/2016/SVG/main" xmlns="" r:embed="rId5"/>
+                <asvg:svgBlip xmlns:asvg="http://schemas.microsoft.com/office/drawing/2016/SVG/main" r:embed="rId5"/>
               </a:ext>
             </a:extLst>
           </a:blip>
@@ -19267,7 +19748,7 @@
                 <a14:useLocalDpi xmlns:a14="http://schemas.microsoft.com/office/drawing/2010/main" val="0"/>
               </a:ext>
               <a:ext uri="{96DAC541-7B7A-43D3-8B79-37D633B846F1}">
-                <asvg:svgBlip xmlns:asvg="http://schemas.microsoft.com/office/drawing/2016/SVG/main" xmlns="" r:embed="rId3"/>
+                <asvg:svgBlip xmlns:asvg="http://schemas.microsoft.com/office/drawing/2016/SVG/main" r:embed="rId3"/>
               </a:ext>
             </a:extLst>
           </a:blip>
@@ -19306,7 +19787,7 @@
                 <a14:useLocalDpi xmlns:a14="http://schemas.microsoft.com/office/drawing/2010/main" val="0"/>
               </a:ext>
               <a:ext uri="{96DAC541-7B7A-43D3-8B79-37D633B846F1}">
-                <asvg:svgBlip xmlns:asvg="http://schemas.microsoft.com/office/drawing/2016/SVG/main" xmlns="" r:embed="rId5"/>
+                <asvg:svgBlip xmlns:asvg="http://schemas.microsoft.com/office/drawing/2016/SVG/main" r:embed="rId5"/>
               </a:ext>
             </a:extLst>
           </a:blip>

--- a/images/pygame_rect_window.pptx
+++ b/images/pygame_rect_window.pptx
@@ -5,7 +5,7 @@
     <p:sldMasterId id="2147483648" r:id="rId1"/>
   </p:sldMasterIdLst>
   <p:notesMasterIdLst>
-    <p:notesMasterId r:id="rId30"/>
+    <p:notesMasterId r:id="rId31"/>
   </p:notesMasterIdLst>
   <p:sldIdLst>
     <p:sldId id="257" r:id="rId2"/>
@@ -36,6 +36,7 @@
     <p:sldId id="284" r:id="rId27"/>
     <p:sldId id="285" r:id="rId28"/>
     <p:sldId id="286" r:id="rId29"/>
+    <p:sldId id="287" r:id="rId30"/>
   </p:sldIdLst>
   <p:sldSz cx="12192000" cy="6858000"/>
   <p:notesSz cx="6858000" cy="9144000"/>
@@ -142,6 +143,18 @@
 </p:presentation>
 </file>
 
+<file path=ppt/commentAuthors.xml><?xml version="1.0" encoding="utf-8"?>
+<p:cmAuthorLst xmlns:a="http://schemas.openxmlformats.org/drawingml/2006/main" xmlns:r="http://schemas.openxmlformats.org/officeDocument/2006/relationships" xmlns:p="http://schemas.openxmlformats.org/presentationml/2006/main">
+  <p:cmAuthor id="1" name="Ed Harcourt" initials="EH" lastIdx="1" clrIdx="0">
+    <p:extLst>
+      <p:ext uri="{19B8F6BF-5375-455C-9EA6-DF929625EA0E}">
+        <p15:presenceInfo xmlns:p15="http://schemas.microsoft.com/office/powerpoint/2012/main" userId="S-1-5-21-484763869-412668190-725345543-6509" providerId="AD"/>
+      </p:ext>
+    </p:extLst>
+  </p:cmAuthor>
+</p:cmAuthorLst>
+</file>
+
 <file path=ppt/notesMasters/notesMaster1.xml><?xml version="1.0" encoding="utf-8"?>
 <p:notesMaster xmlns:a="http://schemas.openxmlformats.org/drawingml/2006/main" xmlns:r="http://schemas.openxmlformats.org/officeDocument/2006/relationships" xmlns:p="http://schemas.openxmlformats.org/presentationml/2006/main">
   <p:cSld>
@@ -224,7 +237,7 @@
           <a:p>
             <a:fld id="{A06AD928-664A-442C-B312-AFB4F7171F46}" type="datetimeFigureOut">
               <a:rPr lang="en-US" smtClean="0"/>
-              <a:t>5/28/2018</a:t>
+              <a:t>5/31/2018</a:t>
             </a:fld>
             <a:endParaRPr lang="en-US"/>
           </a:p>
@@ -620,7 +633,7 @@
           <a:p>
             <a:fld id="{856FFBE8-0159-4FDA-8D70-04C5D85E84A4}" type="datetimeFigureOut">
               <a:rPr lang="en-US" smtClean="0"/>
-              <a:t>5/28/2018</a:t>
+              <a:t>5/31/2018</a:t>
             </a:fld>
             <a:endParaRPr lang="en-US"/>
           </a:p>
@@ -788,7 +801,7 @@
           <a:p>
             <a:fld id="{856FFBE8-0159-4FDA-8D70-04C5D85E84A4}" type="datetimeFigureOut">
               <a:rPr lang="en-US" smtClean="0"/>
-              <a:t>5/28/2018</a:t>
+              <a:t>5/31/2018</a:t>
             </a:fld>
             <a:endParaRPr lang="en-US"/>
           </a:p>
@@ -966,7 +979,7 @@
           <a:p>
             <a:fld id="{856FFBE8-0159-4FDA-8D70-04C5D85E84A4}" type="datetimeFigureOut">
               <a:rPr lang="en-US" smtClean="0"/>
-              <a:t>5/28/2018</a:t>
+              <a:t>5/31/2018</a:t>
             </a:fld>
             <a:endParaRPr lang="en-US"/>
           </a:p>
@@ -1134,7 +1147,7 @@
           <a:p>
             <a:fld id="{856FFBE8-0159-4FDA-8D70-04C5D85E84A4}" type="datetimeFigureOut">
               <a:rPr lang="en-US" smtClean="0"/>
-              <a:t>5/28/2018</a:t>
+              <a:t>5/31/2018</a:t>
             </a:fld>
             <a:endParaRPr lang="en-US"/>
           </a:p>
@@ -1379,7 +1392,7 @@
           <a:p>
             <a:fld id="{856FFBE8-0159-4FDA-8D70-04C5D85E84A4}" type="datetimeFigureOut">
               <a:rPr lang="en-US" smtClean="0"/>
-              <a:t>5/28/2018</a:t>
+              <a:t>5/31/2018</a:t>
             </a:fld>
             <a:endParaRPr lang="en-US"/>
           </a:p>
@@ -1608,7 +1621,7 @@
           <a:p>
             <a:fld id="{856FFBE8-0159-4FDA-8D70-04C5D85E84A4}" type="datetimeFigureOut">
               <a:rPr lang="en-US" smtClean="0"/>
-              <a:t>5/28/2018</a:t>
+              <a:t>5/31/2018</a:t>
             </a:fld>
             <a:endParaRPr lang="en-US"/>
           </a:p>
@@ -1972,7 +1985,7 @@
           <a:p>
             <a:fld id="{856FFBE8-0159-4FDA-8D70-04C5D85E84A4}" type="datetimeFigureOut">
               <a:rPr lang="en-US" smtClean="0"/>
-              <a:t>5/28/2018</a:t>
+              <a:t>5/31/2018</a:t>
             </a:fld>
             <a:endParaRPr lang="en-US"/>
           </a:p>
@@ -2089,7 +2102,7 @@
           <a:p>
             <a:fld id="{856FFBE8-0159-4FDA-8D70-04C5D85E84A4}" type="datetimeFigureOut">
               <a:rPr lang="en-US" smtClean="0"/>
-              <a:t>5/28/2018</a:t>
+              <a:t>5/31/2018</a:t>
             </a:fld>
             <a:endParaRPr lang="en-US"/>
           </a:p>
@@ -2184,7 +2197,7 @@
           <a:p>
             <a:fld id="{856FFBE8-0159-4FDA-8D70-04C5D85E84A4}" type="datetimeFigureOut">
               <a:rPr lang="en-US" smtClean="0"/>
-              <a:t>5/28/2018</a:t>
+              <a:t>5/31/2018</a:t>
             </a:fld>
             <a:endParaRPr lang="en-US"/>
           </a:p>
@@ -2459,7 +2472,7 @@
           <a:p>
             <a:fld id="{856FFBE8-0159-4FDA-8D70-04C5D85E84A4}" type="datetimeFigureOut">
               <a:rPr lang="en-US" smtClean="0"/>
-              <a:t>5/28/2018</a:t>
+              <a:t>5/31/2018</a:t>
             </a:fld>
             <a:endParaRPr lang="en-US"/>
           </a:p>
@@ -2711,7 +2724,7 @@
           <a:p>
             <a:fld id="{856FFBE8-0159-4FDA-8D70-04C5D85E84A4}" type="datetimeFigureOut">
               <a:rPr lang="en-US" smtClean="0"/>
-              <a:t>5/28/2018</a:t>
+              <a:t>5/31/2018</a:t>
             </a:fld>
             <a:endParaRPr lang="en-US"/>
           </a:p>
@@ -2922,7 +2935,7 @@
           <a:p>
             <a:fld id="{856FFBE8-0159-4FDA-8D70-04C5D85E84A4}" type="datetimeFigureOut">
               <a:rPr lang="en-US" smtClean="0"/>
-              <a:t>5/28/2018</a:t>
+              <a:t>5/31/2018</a:t>
             </a:fld>
             <a:endParaRPr lang="en-US"/>
           </a:p>
@@ -13616,7 +13629,7 @@
                   <a14:useLocalDpi xmlns:a14="http://schemas.microsoft.com/office/drawing/2010/main" val="0"/>
                 </a:ext>
                 <a:ext uri="{96DAC541-7B7A-43D3-8B79-37D633B846F1}">
-                  <asvg:svgBlip xmlns:asvg="http://schemas.microsoft.com/office/drawing/2016/SVG/main" r:embed="rId3"/>
+                  <asvg:svgBlip xmlns:asvg="http://schemas.microsoft.com/office/drawing/2016/SVG/main" xmlns="" r:embed="rId3"/>
                 </a:ext>
               </a:extLst>
             </a:blip>
@@ -13655,7 +13668,7 @@
                   <a14:useLocalDpi xmlns:a14="http://schemas.microsoft.com/office/drawing/2010/main" val="0"/>
                 </a:ext>
                 <a:ext uri="{96DAC541-7B7A-43D3-8B79-37D633B846F1}">
-                  <asvg:svgBlip xmlns:asvg="http://schemas.microsoft.com/office/drawing/2016/SVG/main" r:embed="rId5"/>
+                  <asvg:svgBlip xmlns:asvg="http://schemas.microsoft.com/office/drawing/2016/SVG/main" xmlns="" r:embed="rId5"/>
                 </a:ext>
               </a:extLst>
             </a:blip>
@@ -13694,7 +13707,7 @@
                   <a14:useLocalDpi xmlns:a14="http://schemas.microsoft.com/office/drawing/2010/main" val="0"/>
                 </a:ext>
                 <a:ext uri="{96DAC541-7B7A-43D3-8B79-37D633B846F1}">
-                  <asvg:svgBlip xmlns:asvg="http://schemas.microsoft.com/office/drawing/2016/SVG/main" r:embed="rId7"/>
+                  <asvg:svgBlip xmlns:asvg="http://schemas.microsoft.com/office/drawing/2016/SVG/main" xmlns="" r:embed="rId7"/>
                 </a:ext>
               </a:extLst>
             </a:blip>
@@ -14184,7 +14197,7 @@
                   <a14:useLocalDpi xmlns:a14="http://schemas.microsoft.com/office/drawing/2010/main" val="0"/>
                 </a:ext>
                 <a:ext uri="{96DAC541-7B7A-43D3-8B79-37D633B846F1}">
-                  <asvg:svgBlip xmlns:asvg="http://schemas.microsoft.com/office/drawing/2016/SVG/main" r:embed="rId9"/>
+                  <asvg:svgBlip xmlns:asvg="http://schemas.microsoft.com/office/drawing/2016/SVG/main" xmlns="" r:embed="rId9"/>
                 </a:ext>
               </a:extLst>
             </a:blip>
@@ -15076,7 +15089,7 @@
                 <a14:useLocalDpi xmlns:a14="http://schemas.microsoft.com/office/drawing/2010/main" val="0"/>
               </a:ext>
               <a:ext uri="{96DAC541-7B7A-43D3-8B79-37D633B846F1}">
-                <asvg:svgBlip xmlns:asvg="http://schemas.microsoft.com/office/drawing/2016/SVG/main" r:embed="rId3"/>
+                <asvg:svgBlip xmlns:asvg="http://schemas.microsoft.com/office/drawing/2016/SVG/main" xmlns="" r:embed="rId3"/>
               </a:ext>
             </a:extLst>
           </a:blip>
@@ -16501,6 +16514,992 @@
 </p:sld>
 </file>
 
+<file path=ppt/slides/slide29.xml><?xml version="1.0" encoding="utf-8"?>
+<p:sld xmlns:a="http://schemas.openxmlformats.org/drawingml/2006/main" xmlns:r="http://schemas.openxmlformats.org/officeDocument/2006/relationships" xmlns:p="http://schemas.openxmlformats.org/presentationml/2006/main">
+  <p:cSld>
+    <p:spTree>
+      <p:nvGrpSpPr>
+        <p:cNvPr id="1" name=""/>
+        <p:cNvGrpSpPr/>
+        <p:nvPr/>
+      </p:nvGrpSpPr>
+      <p:grpSpPr>
+        <a:xfrm>
+          <a:off x="0" y="0"/>
+          <a:ext cx="0" cy="0"/>
+          <a:chOff x="0" y="0"/>
+          <a:chExt cx="0" cy="0"/>
+        </a:xfrm>
+      </p:grpSpPr>
+      <p:graphicFrame>
+        <p:nvGraphicFramePr>
+          <p:cNvPr id="16" name="Table 15"/>
+          <p:cNvGraphicFramePr>
+            <a:graphicFrameLocks noGrp="1"/>
+          </p:cNvGraphicFramePr>
+          <p:nvPr>
+            <p:extLst>
+              <p:ext uri="{D42A27DB-BD31-4B8C-83A1-F6EECF244321}">
+                <p14:modId xmlns:p14="http://schemas.microsoft.com/office/powerpoint/2010/main" val="554466070"/>
+              </p:ext>
+            </p:extLst>
+          </p:nvPr>
+        </p:nvGraphicFramePr>
+        <p:xfrm>
+          <a:off x="785091" y="1002485"/>
+          <a:ext cx="1865746" cy="1112520"/>
+        </p:xfrm>
+        <a:graphic>
+          <a:graphicData uri="http://schemas.openxmlformats.org/drawingml/2006/table">
+            <a:tbl>
+              <a:tblPr>
+                <a:tableStyleId>{5C22544A-7EE6-4342-B048-85BDC9FD1C3A}</a:tableStyleId>
+              </a:tblPr>
+              <a:tblGrid>
+                <a:gridCol w="326351">
+                  <a:extLst>
+                    <a:ext uri="{9D8B030D-6E8A-4147-A177-3AD203B41FA5}">
+                      <a16:colId xmlns:a16="http://schemas.microsoft.com/office/drawing/2014/main" val="1649486342"/>
+                    </a:ext>
+                  </a:extLst>
+                </a:gridCol>
+                <a:gridCol w="307879">
+                  <a:extLst>
+                    <a:ext uri="{9D8B030D-6E8A-4147-A177-3AD203B41FA5}">
+                      <a16:colId xmlns:a16="http://schemas.microsoft.com/office/drawing/2014/main" val="2534806080"/>
+                    </a:ext>
+                  </a:extLst>
+                </a:gridCol>
+                <a:gridCol w="307879">
+                  <a:extLst>
+                    <a:ext uri="{9D8B030D-6E8A-4147-A177-3AD203B41FA5}">
+                      <a16:colId xmlns:a16="http://schemas.microsoft.com/office/drawing/2014/main" val="2814142418"/>
+                    </a:ext>
+                  </a:extLst>
+                </a:gridCol>
+                <a:gridCol w="307879">
+                  <a:extLst>
+                    <a:ext uri="{9D8B030D-6E8A-4147-A177-3AD203B41FA5}">
+                      <a16:colId xmlns:a16="http://schemas.microsoft.com/office/drawing/2014/main" val="3306853379"/>
+                    </a:ext>
+                  </a:extLst>
+                </a:gridCol>
+                <a:gridCol w="307879">
+                  <a:extLst>
+                    <a:ext uri="{9D8B030D-6E8A-4147-A177-3AD203B41FA5}">
+                      <a16:colId xmlns:a16="http://schemas.microsoft.com/office/drawing/2014/main" val="1260118234"/>
+                    </a:ext>
+                  </a:extLst>
+                </a:gridCol>
+                <a:gridCol w="307879">
+                  <a:extLst>
+                    <a:ext uri="{9D8B030D-6E8A-4147-A177-3AD203B41FA5}">
+                      <a16:colId xmlns:a16="http://schemas.microsoft.com/office/drawing/2014/main" val="2430874503"/>
+                    </a:ext>
+                  </a:extLst>
+                </a:gridCol>
+              </a:tblGrid>
+              <a:tr h="370840">
+                <a:tc>
+                  <a:txBody>
+                    <a:bodyPr/>
+                    <a:lstStyle/>
+                    <a:p>
+                      <a:endParaRPr lang="en-US" dirty="0"/>
+                    </a:p>
+                  </a:txBody>
+                  <a:tcPr/>
+                </a:tc>
+                <a:tc>
+                  <a:txBody>
+                    <a:bodyPr/>
+                    <a:lstStyle/>
+                    <a:p>
+                      <a:r>
+                        <a:rPr lang="en-US" b="1" dirty="0" smtClean="0">
+                          <a:latin typeface="Consolas" panose="020B0609020204030204" pitchFamily="49" charset="0"/>
+                        </a:rPr>
+                        <a:t>a</a:t>
+                      </a:r>
+                      <a:endParaRPr lang="en-US" b="1" dirty="0">
+                        <a:latin typeface="Consolas" panose="020B0609020204030204" pitchFamily="49" charset="0"/>
+                      </a:endParaRPr>
+                    </a:p>
+                  </a:txBody>
+                  <a:tcPr/>
+                </a:tc>
+                <a:tc>
+                  <a:txBody>
+                    <a:bodyPr/>
+                    <a:lstStyle/>
+                    <a:p>
+                      <a:r>
+                        <a:rPr lang="en-US" b="1" dirty="0" smtClean="0">
+                          <a:latin typeface="Consolas" panose="020B0609020204030204" pitchFamily="49" charset="0"/>
+                        </a:rPr>
+                        <a:t>p</a:t>
+                      </a:r>
+                      <a:endParaRPr lang="en-US" b="1" dirty="0">
+                        <a:latin typeface="Consolas" panose="020B0609020204030204" pitchFamily="49" charset="0"/>
+                      </a:endParaRPr>
+                    </a:p>
+                  </a:txBody>
+                  <a:tcPr/>
+                </a:tc>
+                <a:tc>
+                  <a:txBody>
+                    <a:bodyPr/>
+                    <a:lstStyle/>
+                    <a:p>
+                      <a:r>
+                        <a:rPr lang="en-US" b="1" dirty="0" smtClean="0">
+                          <a:latin typeface="Consolas" panose="020B0609020204030204" pitchFamily="49" charset="0"/>
+                        </a:rPr>
+                        <a:t>p</a:t>
+                      </a:r>
+                      <a:endParaRPr lang="en-US" b="1" dirty="0">
+                        <a:latin typeface="Consolas" panose="020B0609020204030204" pitchFamily="49" charset="0"/>
+                      </a:endParaRPr>
+                    </a:p>
+                  </a:txBody>
+                  <a:tcPr/>
+                </a:tc>
+                <a:tc>
+                  <a:txBody>
+                    <a:bodyPr/>
+                    <a:lstStyle/>
+                    <a:p>
+                      <a:r>
+                        <a:rPr lang="en-US" b="1" dirty="0" smtClean="0">
+                          <a:latin typeface="Consolas" panose="020B0609020204030204" pitchFamily="49" charset="0"/>
+                        </a:rPr>
+                        <a:t>l</a:t>
+                      </a:r>
+                      <a:endParaRPr lang="en-US" b="1" dirty="0">
+                        <a:latin typeface="Consolas" panose="020B0609020204030204" pitchFamily="49" charset="0"/>
+                      </a:endParaRPr>
+                    </a:p>
+                  </a:txBody>
+                  <a:tcPr/>
+                </a:tc>
+                <a:tc>
+                  <a:txBody>
+                    <a:bodyPr/>
+                    <a:lstStyle/>
+                    <a:p>
+                      <a:r>
+                        <a:rPr lang="en-US" b="1" dirty="0" smtClean="0">
+                          <a:latin typeface="Consolas" panose="020B0609020204030204" pitchFamily="49" charset="0"/>
+                        </a:rPr>
+                        <a:t>e</a:t>
+                      </a:r>
+                      <a:endParaRPr lang="en-US" b="1" dirty="0">
+                        <a:latin typeface="Consolas" panose="020B0609020204030204" pitchFamily="49" charset="0"/>
+                      </a:endParaRPr>
+                    </a:p>
+                  </a:txBody>
+                  <a:tcPr/>
+                </a:tc>
+                <a:extLst>
+                  <a:ext uri="{0D108BD9-81ED-4DB2-BD59-A6C34878D82A}">
+                    <a16:rowId xmlns:a16="http://schemas.microsoft.com/office/drawing/2014/main" val="4082026428"/>
+                  </a:ext>
+                </a:extLst>
+              </a:tr>
+              <a:tr h="370840">
+                <a:tc>
+                  <a:txBody>
+                    <a:bodyPr/>
+                    <a:lstStyle/>
+                    <a:p>
+                      <a:endParaRPr lang="en-US" dirty="0"/>
+                    </a:p>
+                  </a:txBody>
+                  <a:tcPr/>
+                </a:tc>
+                <a:tc>
+                  <a:txBody>
+                    <a:bodyPr/>
+                    <a:lstStyle/>
+                    <a:p>
+                      <a:r>
+                        <a:rPr lang="en-US" b="1" dirty="0" smtClean="0">
+                          <a:latin typeface="Consolas" panose="020B0609020204030204" pitchFamily="49" charset="0"/>
+                        </a:rPr>
+                        <a:t>l</a:t>
+                      </a:r>
+                      <a:endParaRPr lang="en-US" b="1" dirty="0">
+                        <a:latin typeface="Consolas" panose="020B0609020204030204" pitchFamily="49" charset="0"/>
+                      </a:endParaRPr>
+                    </a:p>
+                  </a:txBody>
+                  <a:tcPr/>
+                </a:tc>
+                <a:tc>
+                  <a:txBody>
+                    <a:bodyPr/>
+                    <a:lstStyle/>
+                    <a:p>
+                      <a:r>
+                        <a:rPr lang="en-US" b="1" dirty="0" smtClean="0">
+                          <a:latin typeface="Consolas" panose="020B0609020204030204" pitchFamily="49" charset="0"/>
+                        </a:rPr>
+                        <a:t>z</a:t>
+                      </a:r>
+                      <a:endParaRPr lang="en-US" b="1" dirty="0">
+                        <a:latin typeface="Consolas" panose="020B0609020204030204" pitchFamily="49" charset="0"/>
+                      </a:endParaRPr>
+                    </a:p>
+                  </a:txBody>
+                  <a:tcPr/>
+                </a:tc>
+                <a:tc>
+                  <a:txBody>
+                    <a:bodyPr/>
+                    <a:lstStyle/>
+                    <a:p>
+                      <a:r>
+                        <a:rPr lang="en-US" b="1" dirty="0" smtClean="0">
+                          <a:latin typeface="Consolas" panose="020B0609020204030204" pitchFamily="49" charset="0"/>
+                        </a:rPr>
+                        <a:t>k</a:t>
+                      </a:r>
+                      <a:endParaRPr lang="en-US" b="1" dirty="0">
+                        <a:latin typeface="Consolas" panose="020B0609020204030204" pitchFamily="49" charset="0"/>
+                      </a:endParaRPr>
+                    </a:p>
+                  </a:txBody>
+                  <a:tcPr/>
+                </a:tc>
+                <a:tc>
+                  <a:txBody>
+                    <a:bodyPr/>
+                    <a:lstStyle/>
+                    <a:p>
+                      <a:r>
+                        <a:rPr lang="en-US" b="1" dirty="0" smtClean="0">
+                          <a:latin typeface="Consolas" panose="020B0609020204030204" pitchFamily="49" charset="0"/>
+                        </a:rPr>
+                        <a:t>s</a:t>
+                      </a:r>
+                      <a:endParaRPr lang="en-US" b="1" dirty="0">
+                        <a:latin typeface="Consolas" panose="020B0609020204030204" pitchFamily="49" charset="0"/>
+                      </a:endParaRPr>
+                    </a:p>
+                  </a:txBody>
+                  <a:tcPr/>
+                </a:tc>
+                <a:tc>
+                  <a:txBody>
+                    <a:bodyPr/>
+                    <a:lstStyle/>
+                    <a:p>
+                      <a:r>
+                        <a:rPr lang="en-US" b="1" dirty="0" smtClean="0">
+                          <a:latin typeface="Consolas" panose="020B0609020204030204" pitchFamily="49" charset="0"/>
+                        </a:rPr>
+                        <a:t>j</a:t>
+                      </a:r>
+                      <a:endParaRPr lang="en-US" b="1" dirty="0">
+                        <a:latin typeface="Consolas" panose="020B0609020204030204" pitchFamily="49" charset="0"/>
+                      </a:endParaRPr>
+                    </a:p>
+                  </a:txBody>
+                  <a:tcPr/>
+                </a:tc>
+                <a:extLst>
+                  <a:ext uri="{0D108BD9-81ED-4DB2-BD59-A6C34878D82A}">
+                    <a16:rowId xmlns:a16="http://schemas.microsoft.com/office/drawing/2014/main" val="4087756528"/>
+                  </a:ext>
+                </a:extLst>
+              </a:tr>
+              <a:tr h="370840">
+                <a:tc>
+                  <a:txBody>
+                    <a:bodyPr/>
+                    <a:lstStyle/>
+                    <a:p>
+                      <a:r>
+                        <a:rPr lang="en-US" dirty="0" smtClean="0"/>
+                        <a:t>+</a:t>
+                      </a:r>
+                      <a:endParaRPr lang="en-US" dirty="0"/>
+                    </a:p>
+                  </a:txBody>
+                  <a:tcPr/>
+                </a:tc>
+                <a:tc>
+                  <a:txBody>
+                    <a:bodyPr/>
+                    <a:lstStyle/>
+                    <a:p>
+                      <a:r>
+                        <a:rPr lang="en-US" b="1" dirty="0" smtClean="0">
+                          <a:solidFill>
+                            <a:srgbClr val="002060"/>
+                          </a:solidFill>
+                          <a:latin typeface="Consolas" panose="020B0609020204030204" pitchFamily="49" charset="0"/>
+                        </a:rPr>
+                        <a:t>l</a:t>
+                      </a:r>
+                      <a:endParaRPr lang="en-US" b="1" dirty="0">
+                        <a:solidFill>
+                          <a:srgbClr val="002060"/>
+                        </a:solidFill>
+                        <a:latin typeface="Consolas" panose="020B0609020204030204" pitchFamily="49" charset="0"/>
+                      </a:endParaRPr>
+                    </a:p>
+                  </a:txBody>
+                  <a:tcPr/>
+                </a:tc>
+                <a:tc>
+                  <a:txBody>
+                    <a:bodyPr/>
+                    <a:lstStyle/>
+                    <a:p>
+                      <a:r>
+                        <a:rPr lang="en-US" b="1" dirty="0" smtClean="0">
+                          <a:solidFill>
+                            <a:srgbClr val="002060"/>
+                          </a:solidFill>
+                          <a:latin typeface="Consolas" panose="020B0609020204030204" pitchFamily="49" charset="0"/>
+                        </a:rPr>
+                        <a:t>o</a:t>
+                      </a:r>
+                      <a:endParaRPr lang="en-US" b="1" dirty="0">
+                        <a:solidFill>
+                          <a:srgbClr val="002060"/>
+                        </a:solidFill>
+                        <a:latin typeface="Consolas" panose="020B0609020204030204" pitchFamily="49" charset="0"/>
+                      </a:endParaRPr>
+                    </a:p>
+                  </a:txBody>
+                  <a:tcPr/>
+                </a:tc>
+                <a:tc>
+                  <a:txBody>
+                    <a:bodyPr/>
+                    <a:lstStyle/>
+                    <a:p>
+                      <a:r>
+                        <a:rPr lang="en-US" b="1" dirty="0" smtClean="0">
+                          <a:solidFill>
+                            <a:srgbClr val="002060"/>
+                          </a:solidFill>
+                          <a:latin typeface="Consolas" panose="020B0609020204030204" pitchFamily="49" charset="0"/>
+                        </a:rPr>
+                        <a:t>z</a:t>
+                      </a:r>
+                      <a:endParaRPr lang="en-US" b="1" dirty="0">
+                        <a:solidFill>
+                          <a:srgbClr val="002060"/>
+                        </a:solidFill>
+                        <a:latin typeface="Consolas" panose="020B0609020204030204" pitchFamily="49" charset="0"/>
+                      </a:endParaRPr>
+                    </a:p>
+                  </a:txBody>
+                  <a:tcPr/>
+                </a:tc>
+                <a:tc>
+                  <a:txBody>
+                    <a:bodyPr/>
+                    <a:lstStyle/>
+                    <a:p>
+                      <a:r>
+                        <a:rPr lang="en-US" b="1" dirty="0" smtClean="0">
+                          <a:solidFill>
+                            <a:srgbClr val="002060"/>
+                          </a:solidFill>
+                          <a:latin typeface="Consolas" panose="020B0609020204030204" pitchFamily="49" charset="0"/>
+                        </a:rPr>
+                        <a:t>d</a:t>
+                      </a:r>
+                      <a:endParaRPr lang="en-US" b="1" dirty="0">
+                        <a:solidFill>
+                          <a:srgbClr val="002060"/>
+                        </a:solidFill>
+                        <a:latin typeface="Consolas" panose="020B0609020204030204" pitchFamily="49" charset="0"/>
+                      </a:endParaRPr>
+                    </a:p>
+                  </a:txBody>
+                  <a:tcPr/>
+                </a:tc>
+                <a:tc>
+                  <a:txBody>
+                    <a:bodyPr/>
+                    <a:lstStyle/>
+                    <a:p>
+                      <a:r>
+                        <a:rPr lang="en-US" b="1" dirty="0" smtClean="0">
+                          <a:solidFill>
+                            <a:srgbClr val="002060"/>
+                          </a:solidFill>
+                          <a:latin typeface="Consolas" panose="020B0609020204030204" pitchFamily="49" charset="0"/>
+                        </a:rPr>
+                        <a:t>n</a:t>
+                      </a:r>
+                      <a:endParaRPr lang="en-US" b="1" dirty="0">
+                        <a:solidFill>
+                          <a:srgbClr val="002060"/>
+                        </a:solidFill>
+                        <a:latin typeface="Consolas" panose="020B0609020204030204" pitchFamily="49" charset="0"/>
+                      </a:endParaRPr>
+                    </a:p>
+                  </a:txBody>
+                  <a:tcPr/>
+                </a:tc>
+                <a:extLst>
+                  <a:ext uri="{0D108BD9-81ED-4DB2-BD59-A6C34878D82A}">
+                    <a16:rowId xmlns:a16="http://schemas.microsoft.com/office/drawing/2014/main" val="3333305330"/>
+                  </a:ext>
+                </a:extLst>
+              </a:tr>
+            </a:tbl>
+          </a:graphicData>
+        </a:graphic>
+      </p:graphicFrame>
+      <p:graphicFrame>
+        <p:nvGraphicFramePr>
+          <p:cNvPr id="17" name="Table 16"/>
+          <p:cNvGraphicFramePr>
+            <a:graphicFrameLocks noGrp="1"/>
+          </p:cNvGraphicFramePr>
+          <p:nvPr>
+            <p:extLst>
+              <p:ext uri="{D42A27DB-BD31-4B8C-83A1-F6EECF244321}">
+                <p14:modId xmlns:p14="http://schemas.microsoft.com/office/powerpoint/2010/main" val="280448446"/>
+              </p:ext>
+            </p:extLst>
+          </p:nvPr>
+        </p:nvGraphicFramePr>
+        <p:xfrm>
+          <a:off x="4059381" y="1002485"/>
+          <a:ext cx="3163457" cy="1112520"/>
+        </p:xfrm>
+        <a:graphic>
+          <a:graphicData uri="http://schemas.openxmlformats.org/drawingml/2006/table">
+            <a:tbl>
+              <a:tblPr>
+                <a:tableStyleId>{5C22544A-7EE6-4342-B048-85BDC9FD1C3A}</a:tableStyleId>
+              </a:tblPr>
+              <a:tblGrid>
+                <a:gridCol w="553342">
+                  <a:extLst>
+                    <a:ext uri="{9D8B030D-6E8A-4147-A177-3AD203B41FA5}">
+                      <a16:colId xmlns:a16="http://schemas.microsoft.com/office/drawing/2014/main" val="1649486342"/>
+                    </a:ext>
+                  </a:extLst>
+                </a:gridCol>
+                <a:gridCol w="522023">
+                  <a:extLst>
+                    <a:ext uri="{9D8B030D-6E8A-4147-A177-3AD203B41FA5}">
+                      <a16:colId xmlns:a16="http://schemas.microsoft.com/office/drawing/2014/main" val="2534806080"/>
+                    </a:ext>
+                  </a:extLst>
+                </a:gridCol>
+                <a:gridCol w="522023">
+                  <a:extLst>
+                    <a:ext uri="{9D8B030D-6E8A-4147-A177-3AD203B41FA5}">
+                      <a16:colId xmlns:a16="http://schemas.microsoft.com/office/drawing/2014/main" val="2814142418"/>
+                    </a:ext>
+                  </a:extLst>
+                </a:gridCol>
+                <a:gridCol w="522023">
+                  <a:extLst>
+                    <a:ext uri="{9D8B030D-6E8A-4147-A177-3AD203B41FA5}">
+                      <a16:colId xmlns:a16="http://schemas.microsoft.com/office/drawing/2014/main" val="3306853379"/>
+                    </a:ext>
+                  </a:extLst>
+                </a:gridCol>
+                <a:gridCol w="522023">
+                  <a:extLst>
+                    <a:ext uri="{9D8B030D-6E8A-4147-A177-3AD203B41FA5}">
+                      <a16:colId xmlns:a16="http://schemas.microsoft.com/office/drawing/2014/main" val="1260118234"/>
+                    </a:ext>
+                  </a:extLst>
+                </a:gridCol>
+                <a:gridCol w="522023">
+                  <a:extLst>
+                    <a:ext uri="{9D8B030D-6E8A-4147-A177-3AD203B41FA5}">
+                      <a16:colId xmlns:a16="http://schemas.microsoft.com/office/drawing/2014/main" val="2430874503"/>
+                    </a:ext>
+                  </a:extLst>
+                </a:gridCol>
+              </a:tblGrid>
+              <a:tr h="370840">
+                <a:tc>
+                  <a:txBody>
+                    <a:bodyPr/>
+                    <a:lstStyle/>
+                    <a:p>
+                      <a:endParaRPr lang="en-US" dirty="0"/>
+                    </a:p>
+                  </a:txBody>
+                  <a:tcPr/>
+                </a:tc>
+                <a:tc>
+                  <a:txBody>
+                    <a:bodyPr/>
+                    <a:lstStyle/>
+                    <a:p>
+                      <a:r>
+                        <a:rPr lang="en-US" b="1" dirty="0" smtClean="0">
+                          <a:latin typeface="Consolas" panose="020B0609020204030204" pitchFamily="49" charset="0"/>
+                        </a:rPr>
+                        <a:t>0</a:t>
+                      </a:r>
+                      <a:endParaRPr lang="en-US" b="1" dirty="0">
+                        <a:latin typeface="Consolas" panose="020B0609020204030204" pitchFamily="49" charset="0"/>
+                      </a:endParaRPr>
+                    </a:p>
+                  </a:txBody>
+                  <a:tcPr/>
+                </a:tc>
+                <a:tc>
+                  <a:txBody>
+                    <a:bodyPr/>
+                    <a:lstStyle/>
+                    <a:p>
+                      <a:r>
+                        <a:rPr lang="en-US" b="1" dirty="0" smtClean="0">
+                          <a:latin typeface="Consolas" panose="020B0609020204030204" pitchFamily="49" charset="0"/>
+                        </a:rPr>
+                        <a:t>15</a:t>
+                      </a:r>
+                      <a:endParaRPr lang="en-US" b="1" dirty="0">
+                        <a:latin typeface="Consolas" panose="020B0609020204030204" pitchFamily="49" charset="0"/>
+                      </a:endParaRPr>
+                    </a:p>
+                  </a:txBody>
+                  <a:tcPr/>
+                </a:tc>
+                <a:tc>
+                  <a:txBody>
+                    <a:bodyPr/>
+                    <a:lstStyle/>
+                    <a:p>
+                      <a:r>
+                        <a:rPr lang="en-US" b="1" dirty="0" smtClean="0">
+                          <a:latin typeface="Consolas" panose="020B0609020204030204" pitchFamily="49" charset="0"/>
+                        </a:rPr>
+                        <a:t>15</a:t>
+                      </a:r>
+                      <a:endParaRPr lang="en-US" b="1" dirty="0">
+                        <a:latin typeface="Consolas" panose="020B0609020204030204" pitchFamily="49" charset="0"/>
+                      </a:endParaRPr>
+                    </a:p>
+                  </a:txBody>
+                  <a:tcPr/>
+                </a:tc>
+                <a:tc>
+                  <a:txBody>
+                    <a:bodyPr/>
+                    <a:lstStyle/>
+                    <a:p>
+                      <a:r>
+                        <a:rPr lang="en-US" b="1" dirty="0" smtClean="0">
+                          <a:latin typeface="Consolas" panose="020B0609020204030204" pitchFamily="49" charset="0"/>
+                        </a:rPr>
+                        <a:t>11</a:t>
+                      </a:r>
+                      <a:endParaRPr lang="en-US" b="1" dirty="0">
+                        <a:latin typeface="Consolas" panose="020B0609020204030204" pitchFamily="49" charset="0"/>
+                      </a:endParaRPr>
+                    </a:p>
+                  </a:txBody>
+                  <a:tcPr/>
+                </a:tc>
+                <a:tc>
+                  <a:txBody>
+                    <a:bodyPr/>
+                    <a:lstStyle/>
+                    <a:p>
+                      <a:r>
+                        <a:rPr lang="en-US" b="1" dirty="0" smtClean="0">
+                          <a:latin typeface="Consolas" panose="020B0609020204030204" pitchFamily="49" charset="0"/>
+                        </a:rPr>
+                        <a:t>4</a:t>
+                      </a:r>
+                      <a:endParaRPr lang="en-US" b="1" dirty="0">
+                        <a:latin typeface="Consolas" panose="020B0609020204030204" pitchFamily="49" charset="0"/>
+                      </a:endParaRPr>
+                    </a:p>
+                  </a:txBody>
+                  <a:tcPr/>
+                </a:tc>
+                <a:extLst>
+                  <a:ext uri="{0D108BD9-81ED-4DB2-BD59-A6C34878D82A}">
+                    <a16:rowId xmlns:a16="http://schemas.microsoft.com/office/drawing/2014/main" val="4082026428"/>
+                  </a:ext>
+                </a:extLst>
+              </a:tr>
+              <a:tr h="370840">
+                <a:tc>
+                  <a:txBody>
+                    <a:bodyPr/>
+                    <a:lstStyle/>
+                    <a:p>
+                      <a:endParaRPr lang="en-US" dirty="0"/>
+                    </a:p>
+                  </a:txBody>
+                  <a:tcPr/>
+                </a:tc>
+                <a:tc>
+                  <a:txBody>
+                    <a:bodyPr/>
+                    <a:lstStyle/>
+                    <a:p>
+                      <a:r>
+                        <a:rPr lang="en-US" b="1" dirty="0" smtClean="0">
+                          <a:latin typeface="Consolas" panose="020B0609020204030204" pitchFamily="49" charset="0"/>
+                        </a:rPr>
+                        <a:t>11</a:t>
+                      </a:r>
+                      <a:endParaRPr lang="en-US" b="1" dirty="0">
+                        <a:latin typeface="Consolas" panose="020B0609020204030204" pitchFamily="49" charset="0"/>
+                      </a:endParaRPr>
+                    </a:p>
+                  </a:txBody>
+                  <a:tcPr/>
+                </a:tc>
+                <a:tc>
+                  <a:txBody>
+                    <a:bodyPr/>
+                    <a:lstStyle/>
+                    <a:p>
+                      <a:r>
+                        <a:rPr lang="en-US" b="1" dirty="0" smtClean="0">
+                          <a:latin typeface="Consolas" panose="020B0609020204030204" pitchFamily="49" charset="0"/>
+                        </a:rPr>
+                        <a:t>25</a:t>
+                      </a:r>
+                      <a:endParaRPr lang="en-US" b="1" dirty="0">
+                        <a:latin typeface="Consolas" panose="020B0609020204030204" pitchFamily="49" charset="0"/>
+                      </a:endParaRPr>
+                    </a:p>
+                  </a:txBody>
+                  <a:tcPr/>
+                </a:tc>
+                <a:tc>
+                  <a:txBody>
+                    <a:bodyPr/>
+                    <a:lstStyle/>
+                    <a:p>
+                      <a:r>
+                        <a:rPr lang="en-US" b="1" dirty="0" smtClean="0">
+                          <a:latin typeface="Consolas" panose="020B0609020204030204" pitchFamily="49" charset="0"/>
+                        </a:rPr>
+                        <a:t>10</a:t>
+                      </a:r>
+                      <a:endParaRPr lang="en-US" b="1" dirty="0">
+                        <a:latin typeface="Consolas" panose="020B0609020204030204" pitchFamily="49" charset="0"/>
+                      </a:endParaRPr>
+                    </a:p>
+                  </a:txBody>
+                  <a:tcPr/>
+                </a:tc>
+                <a:tc>
+                  <a:txBody>
+                    <a:bodyPr/>
+                    <a:lstStyle/>
+                    <a:p>
+                      <a:r>
+                        <a:rPr lang="en-US" b="1" dirty="0" smtClean="0">
+                          <a:latin typeface="Consolas" panose="020B0609020204030204" pitchFamily="49" charset="0"/>
+                        </a:rPr>
+                        <a:t>18</a:t>
+                      </a:r>
+                      <a:endParaRPr lang="en-US" b="1" dirty="0">
+                        <a:latin typeface="Consolas" panose="020B0609020204030204" pitchFamily="49" charset="0"/>
+                      </a:endParaRPr>
+                    </a:p>
+                  </a:txBody>
+                  <a:tcPr/>
+                </a:tc>
+                <a:tc>
+                  <a:txBody>
+                    <a:bodyPr/>
+                    <a:lstStyle/>
+                    <a:p>
+                      <a:r>
+                        <a:rPr lang="en-US" b="1" dirty="0" smtClean="0">
+                          <a:latin typeface="Consolas" panose="020B0609020204030204" pitchFamily="49" charset="0"/>
+                        </a:rPr>
+                        <a:t>9</a:t>
+                      </a:r>
+                      <a:endParaRPr lang="en-US" b="1" dirty="0">
+                        <a:latin typeface="Consolas" panose="020B0609020204030204" pitchFamily="49" charset="0"/>
+                      </a:endParaRPr>
+                    </a:p>
+                  </a:txBody>
+                  <a:tcPr/>
+                </a:tc>
+                <a:extLst>
+                  <a:ext uri="{0D108BD9-81ED-4DB2-BD59-A6C34878D82A}">
+                    <a16:rowId xmlns:a16="http://schemas.microsoft.com/office/drawing/2014/main" val="4087756528"/>
+                  </a:ext>
+                </a:extLst>
+              </a:tr>
+              <a:tr h="370840">
+                <a:tc>
+                  <a:txBody>
+                    <a:bodyPr/>
+                    <a:lstStyle/>
+                    <a:p>
+                      <a:r>
+                        <a:rPr lang="en-US" dirty="0" smtClean="0"/>
+                        <a:t>+</a:t>
+                      </a:r>
+                      <a:endParaRPr lang="en-US" dirty="0"/>
+                    </a:p>
+                  </a:txBody>
+                  <a:tcPr/>
+                </a:tc>
+                <a:tc>
+                  <a:txBody>
+                    <a:bodyPr/>
+                    <a:lstStyle/>
+                    <a:p>
+                      <a:r>
+                        <a:rPr lang="en-US" b="1" dirty="0" smtClean="0">
+                          <a:solidFill>
+                            <a:srgbClr val="002060"/>
+                          </a:solidFill>
+                          <a:latin typeface="Consolas" panose="020B0609020204030204" pitchFamily="49" charset="0"/>
+                        </a:rPr>
+                        <a:t>11</a:t>
+                      </a:r>
+                      <a:endParaRPr lang="en-US" b="1" dirty="0">
+                        <a:solidFill>
+                          <a:srgbClr val="002060"/>
+                        </a:solidFill>
+                        <a:latin typeface="Consolas" panose="020B0609020204030204" pitchFamily="49" charset="0"/>
+                      </a:endParaRPr>
+                    </a:p>
+                  </a:txBody>
+                  <a:tcPr/>
+                </a:tc>
+                <a:tc>
+                  <a:txBody>
+                    <a:bodyPr/>
+                    <a:lstStyle/>
+                    <a:p>
+                      <a:r>
+                        <a:rPr lang="en-US" b="1" dirty="0" smtClean="0">
+                          <a:solidFill>
+                            <a:srgbClr val="002060"/>
+                          </a:solidFill>
+                          <a:latin typeface="Consolas" panose="020B0609020204030204" pitchFamily="49" charset="0"/>
+                        </a:rPr>
+                        <a:t>14</a:t>
+                      </a:r>
+                      <a:endParaRPr lang="en-US" b="1" dirty="0">
+                        <a:solidFill>
+                          <a:srgbClr val="002060"/>
+                        </a:solidFill>
+                        <a:latin typeface="Consolas" panose="020B0609020204030204" pitchFamily="49" charset="0"/>
+                      </a:endParaRPr>
+                    </a:p>
+                  </a:txBody>
+                  <a:tcPr/>
+                </a:tc>
+                <a:tc>
+                  <a:txBody>
+                    <a:bodyPr/>
+                    <a:lstStyle/>
+                    <a:p>
+                      <a:r>
+                        <a:rPr lang="en-US" b="1" dirty="0" smtClean="0">
+                          <a:solidFill>
+                            <a:srgbClr val="002060"/>
+                          </a:solidFill>
+                          <a:latin typeface="Consolas" panose="020B0609020204030204" pitchFamily="49" charset="0"/>
+                        </a:rPr>
+                        <a:t>25</a:t>
+                      </a:r>
+                      <a:endParaRPr lang="en-US" b="1" dirty="0">
+                        <a:solidFill>
+                          <a:srgbClr val="002060"/>
+                        </a:solidFill>
+                        <a:latin typeface="Consolas" panose="020B0609020204030204" pitchFamily="49" charset="0"/>
+                      </a:endParaRPr>
+                    </a:p>
+                  </a:txBody>
+                  <a:tcPr/>
+                </a:tc>
+                <a:tc>
+                  <a:txBody>
+                    <a:bodyPr/>
+                    <a:lstStyle/>
+                    <a:p>
+                      <a:r>
+                        <a:rPr lang="en-US" b="1" dirty="0" smtClean="0">
+                          <a:solidFill>
+                            <a:srgbClr val="002060"/>
+                          </a:solidFill>
+                          <a:latin typeface="Consolas" panose="020B0609020204030204" pitchFamily="49" charset="0"/>
+                        </a:rPr>
+                        <a:t>3</a:t>
+                      </a:r>
+                      <a:endParaRPr lang="en-US" b="1" dirty="0">
+                        <a:solidFill>
+                          <a:srgbClr val="002060"/>
+                        </a:solidFill>
+                        <a:latin typeface="Consolas" panose="020B0609020204030204" pitchFamily="49" charset="0"/>
+                      </a:endParaRPr>
+                    </a:p>
+                  </a:txBody>
+                  <a:tcPr/>
+                </a:tc>
+                <a:tc>
+                  <a:txBody>
+                    <a:bodyPr/>
+                    <a:lstStyle/>
+                    <a:p>
+                      <a:r>
+                        <a:rPr lang="en-US" b="1" dirty="0" smtClean="0">
+                          <a:solidFill>
+                            <a:srgbClr val="002060"/>
+                          </a:solidFill>
+                          <a:latin typeface="Consolas" panose="020B0609020204030204" pitchFamily="49" charset="0"/>
+                        </a:rPr>
+                        <a:t>13</a:t>
+                      </a:r>
+                      <a:endParaRPr lang="en-US" b="1" dirty="0">
+                        <a:solidFill>
+                          <a:srgbClr val="002060"/>
+                        </a:solidFill>
+                        <a:latin typeface="Consolas" panose="020B0609020204030204" pitchFamily="49" charset="0"/>
+                      </a:endParaRPr>
+                    </a:p>
+                  </a:txBody>
+                  <a:tcPr/>
+                </a:tc>
+                <a:extLst>
+                  <a:ext uri="{0D108BD9-81ED-4DB2-BD59-A6C34878D82A}">
+                    <a16:rowId xmlns:a16="http://schemas.microsoft.com/office/drawing/2014/main" val="3333305330"/>
+                  </a:ext>
+                </a:extLst>
+              </a:tr>
+            </a:tbl>
+          </a:graphicData>
+        </a:graphic>
+      </p:graphicFrame>
+      <p:cxnSp>
+        <p:nvCxnSpPr>
+          <p:cNvPr id="19" name="Straight Arrow Connector 18"/>
+          <p:cNvCxnSpPr/>
+          <p:nvPr/>
+        </p:nvCxnSpPr>
+        <p:spPr>
+          <a:xfrm>
+            <a:off x="2650837" y="1200727"/>
+            <a:ext cx="1339272" cy="0"/>
+          </a:xfrm>
+          <a:prstGeom prst="straightConnector1">
+            <a:avLst/>
+          </a:prstGeom>
+          <a:ln w="28575">
+            <a:headEnd type="none" w="med" len="med"/>
+            <a:tailEnd type="arrow" w="med" len="med"/>
+          </a:ln>
+        </p:spPr>
+        <p:style>
+          <a:lnRef idx="1">
+            <a:schemeClr val="accent1"/>
+          </a:lnRef>
+          <a:fillRef idx="0">
+            <a:schemeClr val="accent1"/>
+          </a:fillRef>
+          <a:effectRef idx="0">
+            <a:schemeClr val="accent1"/>
+          </a:effectRef>
+          <a:fontRef idx="minor">
+            <a:schemeClr val="tx1"/>
+          </a:fontRef>
+        </p:style>
+      </p:cxnSp>
+      <p:cxnSp>
+        <p:nvCxnSpPr>
+          <p:cNvPr id="20" name="Straight Arrow Connector 19"/>
+          <p:cNvCxnSpPr/>
+          <p:nvPr/>
+        </p:nvCxnSpPr>
+        <p:spPr>
+          <a:xfrm>
+            <a:off x="2650837" y="1574797"/>
+            <a:ext cx="1339272" cy="0"/>
+          </a:xfrm>
+          <a:prstGeom prst="straightConnector1">
+            <a:avLst/>
+          </a:prstGeom>
+          <a:ln w="28575">
+            <a:headEnd type="none" w="med" len="med"/>
+            <a:tailEnd type="arrow" w="med" len="med"/>
+          </a:ln>
+        </p:spPr>
+        <p:style>
+          <a:lnRef idx="1">
+            <a:schemeClr val="accent1"/>
+          </a:lnRef>
+          <a:fillRef idx="0">
+            <a:schemeClr val="accent1"/>
+          </a:fillRef>
+          <a:effectRef idx="0">
+            <a:schemeClr val="accent1"/>
+          </a:effectRef>
+          <a:fontRef idx="minor">
+            <a:schemeClr val="tx1"/>
+          </a:fontRef>
+        </p:style>
+      </p:cxnSp>
+      <p:cxnSp>
+        <p:nvCxnSpPr>
+          <p:cNvPr id="21" name="Straight Arrow Connector 20"/>
+          <p:cNvCxnSpPr/>
+          <p:nvPr/>
+        </p:nvCxnSpPr>
+        <p:spPr>
+          <a:xfrm>
+            <a:off x="2650837" y="1930397"/>
+            <a:ext cx="1339272" cy="0"/>
+          </a:xfrm>
+          <a:prstGeom prst="straightConnector1">
+            <a:avLst/>
+          </a:prstGeom>
+          <a:ln w="28575">
+            <a:headEnd type="arrow" w="med" len="med"/>
+            <a:tailEnd type="none" w="med" len="med"/>
+          </a:ln>
+        </p:spPr>
+        <p:style>
+          <a:lnRef idx="1">
+            <a:schemeClr val="accent1"/>
+          </a:lnRef>
+          <a:fillRef idx="0">
+            <a:schemeClr val="accent1"/>
+          </a:fillRef>
+          <a:effectRef idx="0">
+            <a:schemeClr val="accent1"/>
+          </a:effectRef>
+          <a:fontRef idx="minor">
+            <a:schemeClr val="tx1"/>
+          </a:fontRef>
+        </p:style>
+      </p:cxnSp>
+    </p:spTree>
+    <p:extLst>
+      <p:ext uri="{BB962C8B-B14F-4D97-AF65-F5344CB8AC3E}">
+        <p14:creationId xmlns:p14="http://schemas.microsoft.com/office/powerpoint/2010/main" val="297781780"/>
+      </p:ext>
+    </p:extLst>
+  </p:cSld>
+  <p:clrMapOvr>
+    <a:masterClrMapping/>
+  </p:clrMapOvr>
+</p:sld>
+</file>
+
 <file path=ppt/slides/slide3.xml><?xml version="1.0" encoding="utf-8"?>
 <p:sld xmlns:a="http://schemas.openxmlformats.org/drawingml/2006/main" xmlns:r="http://schemas.openxmlformats.org/officeDocument/2006/relationships" xmlns:p="http://schemas.openxmlformats.org/presentationml/2006/main">
   <p:cSld>
@@ -17631,7 +18630,7 @@
                   <a14:useLocalDpi xmlns:a14="http://schemas.microsoft.com/office/drawing/2010/main" val="0"/>
                 </a:ext>
                 <a:ext uri="{96DAC541-7B7A-43D3-8B79-37D633B846F1}">
-                  <asvg:svgBlip xmlns:asvg="http://schemas.microsoft.com/office/drawing/2016/SVG/main" r:embed="rId3"/>
+                  <asvg:svgBlip xmlns:asvg="http://schemas.microsoft.com/office/drawing/2016/SVG/main" xmlns="" r:embed="rId3"/>
                 </a:ext>
               </a:extLst>
             </a:blip>
@@ -19170,7 +20169,7 @@
                 <a14:useLocalDpi xmlns:a14="http://schemas.microsoft.com/office/drawing/2010/main" val="0"/>
               </a:ext>
               <a:ext uri="{96DAC541-7B7A-43D3-8B79-37D633B846F1}">
-                <asvg:svgBlip xmlns:asvg="http://schemas.microsoft.com/office/drawing/2016/SVG/main" r:embed="rId3"/>
+                <asvg:svgBlip xmlns:asvg="http://schemas.microsoft.com/office/drawing/2016/SVG/main" xmlns="" r:embed="rId3"/>
               </a:ext>
             </a:extLst>
           </a:blip>
@@ -19209,7 +20208,7 @@
                 <a14:useLocalDpi xmlns:a14="http://schemas.microsoft.com/office/drawing/2010/main" val="0"/>
               </a:ext>
               <a:ext uri="{96DAC541-7B7A-43D3-8B79-37D633B846F1}">
-                <asvg:svgBlip xmlns:asvg="http://schemas.microsoft.com/office/drawing/2016/SVG/main" r:embed="rId5"/>
+                <asvg:svgBlip xmlns:asvg="http://schemas.microsoft.com/office/drawing/2016/SVG/main" xmlns="" r:embed="rId5"/>
               </a:ext>
             </a:extLst>
           </a:blip>
@@ -19600,7 +20599,7 @@
                 <a14:useLocalDpi xmlns:a14="http://schemas.microsoft.com/office/drawing/2010/main" val="0"/>
               </a:ext>
               <a:ext uri="{96DAC541-7B7A-43D3-8B79-37D633B846F1}">
-                <asvg:svgBlip xmlns:asvg="http://schemas.microsoft.com/office/drawing/2016/SVG/main" r:embed="rId5"/>
+                <asvg:svgBlip xmlns:asvg="http://schemas.microsoft.com/office/drawing/2016/SVG/main" xmlns="" r:embed="rId5"/>
               </a:ext>
             </a:extLst>
           </a:blip>
@@ -19748,7 +20747,7 @@
                 <a14:useLocalDpi xmlns:a14="http://schemas.microsoft.com/office/drawing/2010/main" val="0"/>
               </a:ext>
               <a:ext uri="{96DAC541-7B7A-43D3-8B79-37D633B846F1}">
-                <asvg:svgBlip xmlns:asvg="http://schemas.microsoft.com/office/drawing/2016/SVG/main" r:embed="rId3"/>
+                <asvg:svgBlip xmlns:asvg="http://schemas.microsoft.com/office/drawing/2016/SVG/main" xmlns="" r:embed="rId3"/>
               </a:ext>
             </a:extLst>
           </a:blip>
@@ -19787,7 +20786,7 @@
                 <a14:useLocalDpi xmlns:a14="http://schemas.microsoft.com/office/drawing/2010/main" val="0"/>
               </a:ext>
               <a:ext uri="{96DAC541-7B7A-43D3-8B79-37D633B846F1}">
-                <asvg:svgBlip xmlns:asvg="http://schemas.microsoft.com/office/drawing/2016/SVG/main" r:embed="rId5"/>
+                <asvg:svgBlip xmlns:asvg="http://schemas.microsoft.com/office/drawing/2016/SVG/main" xmlns="" r:embed="rId5"/>
               </a:ext>
             </a:extLst>
           </a:blip>

--- a/images/pygame_rect_window.pptx
+++ b/images/pygame_rect_window.pptx
@@ -17487,6 +17487,962 @@
           </a:fontRef>
         </p:style>
       </p:cxnSp>
+      <p:graphicFrame>
+        <p:nvGraphicFramePr>
+          <p:cNvPr id="22" name="Table 21"/>
+          <p:cNvGraphicFramePr>
+            <a:graphicFrameLocks noGrp="1"/>
+          </p:cNvGraphicFramePr>
+          <p:nvPr>
+            <p:extLst>
+              <p:ext uri="{D42A27DB-BD31-4B8C-83A1-F6EECF244321}">
+                <p14:modId xmlns:p14="http://schemas.microsoft.com/office/powerpoint/2010/main" val="2864056239"/>
+              </p:ext>
+            </p:extLst>
+          </p:nvPr>
+        </p:nvGraphicFramePr>
+        <p:xfrm>
+          <a:off x="785091" y="3057576"/>
+          <a:ext cx="1865746" cy="1112520"/>
+        </p:xfrm>
+        <a:graphic>
+          <a:graphicData uri="http://schemas.openxmlformats.org/drawingml/2006/table">
+            <a:tbl>
+              <a:tblPr>
+                <a:tableStyleId>{5C22544A-7EE6-4342-B048-85BDC9FD1C3A}</a:tableStyleId>
+              </a:tblPr>
+              <a:tblGrid>
+                <a:gridCol w="326351">
+                  <a:extLst>
+                    <a:ext uri="{9D8B030D-6E8A-4147-A177-3AD203B41FA5}">
+                      <a16:colId xmlns:a16="http://schemas.microsoft.com/office/drawing/2014/main" val="1649486342"/>
+                    </a:ext>
+                  </a:extLst>
+                </a:gridCol>
+                <a:gridCol w="307879">
+                  <a:extLst>
+                    <a:ext uri="{9D8B030D-6E8A-4147-A177-3AD203B41FA5}">
+                      <a16:colId xmlns:a16="http://schemas.microsoft.com/office/drawing/2014/main" val="2534806080"/>
+                    </a:ext>
+                  </a:extLst>
+                </a:gridCol>
+                <a:gridCol w="307879">
+                  <a:extLst>
+                    <a:ext uri="{9D8B030D-6E8A-4147-A177-3AD203B41FA5}">
+                      <a16:colId xmlns:a16="http://schemas.microsoft.com/office/drawing/2014/main" val="2814142418"/>
+                    </a:ext>
+                  </a:extLst>
+                </a:gridCol>
+                <a:gridCol w="307879">
+                  <a:extLst>
+                    <a:ext uri="{9D8B030D-6E8A-4147-A177-3AD203B41FA5}">
+                      <a16:colId xmlns:a16="http://schemas.microsoft.com/office/drawing/2014/main" val="3306853379"/>
+                    </a:ext>
+                  </a:extLst>
+                </a:gridCol>
+                <a:gridCol w="307879">
+                  <a:extLst>
+                    <a:ext uri="{9D8B030D-6E8A-4147-A177-3AD203B41FA5}">
+                      <a16:colId xmlns:a16="http://schemas.microsoft.com/office/drawing/2014/main" val="1260118234"/>
+                    </a:ext>
+                  </a:extLst>
+                </a:gridCol>
+                <a:gridCol w="307879">
+                  <a:extLst>
+                    <a:ext uri="{9D8B030D-6E8A-4147-A177-3AD203B41FA5}">
+                      <a16:colId xmlns:a16="http://schemas.microsoft.com/office/drawing/2014/main" val="2430874503"/>
+                    </a:ext>
+                  </a:extLst>
+                </a:gridCol>
+              </a:tblGrid>
+              <a:tr h="370840">
+                <a:tc>
+                  <a:txBody>
+                    <a:bodyPr/>
+                    <a:lstStyle/>
+                    <a:p>
+                      <a:endParaRPr lang="en-US" dirty="0"/>
+                    </a:p>
+                  </a:txBody>
+                  <a:tcPr/>
+                </a:tc>
+                <a:tc>
+                  <a:txBody>
+                    <a:bodyPr/>
+                    <a:lstStyle/>
+                    <a:p>
+                      <a:r>
+                        <a:rPr lang="en-US" b="1" dirty="0" smtClean="0">
+                          <a:latin typeface="Consolas" panose="020B0609020204030204" pitchFamily="49" charset="0"/>
+                        </a:rPr>
+                        <a:t>l</a:t>
+                      </a:r>
+                      <a:endParaRPr lang="en-US" b="1" dirty="0">
+                        <a:latin typeface="Consolas" panose="020B0609020204030204" pitchFamily="49" charset="0"/>
+                      </a:endParaRPr>
+                    </a:p>
+                  </a:txBody>
+                  <a:tcPr/>
+                </a:tc>
+                <a:tc>
+                  <a:txBody>
+                    <a:bodyPr/>
+                    <a:lstStyle/>
+                    <a:p>
+                      <a:r>
+                        <a:rPr lang="en-US" b="1" dirty="0" smtClean="0">
+                          <a:latin typeface="Consolas" panose="020B0609020204030204" pitchFamily="49" charset="0"/>
+                        </a:rPr>
+                        <a:t>o</a:t>
+                      </a:r>
+                      <a:endParaRPr lang="en-US" b="1" dirty="0">
+                        <a:latin typeface="Consolas" panose="020B0609020204030204" pitchFamily="49" charset="0"/>
+                      </a:endParaRPr>
+                    </a:p>
+                  </a:txBody>
+                  <a:tcPr/>
+                </a:tc>
+                <a:tc>
+                  <a:txBody>
+                    <a:bodyPr/>
+                    <a:lstStyle/>
+                    <a:p>
+                      <a:r>
+                        <a:rPr lang="en-US" b="1" dirty="0" smtClean="0">
+                          <a:latin typeface="Consolas" panose="020B0609020204030204" pitchFamily="49" charset="0"/>
+                        </a:rPr>
+                        <a:t>z</a:t>
+                      </a:r>
+                      <a:endParaRPr lang="en-US" b="1" dirty="0">
+                        <a:latin typeface="Consolas" panose="020B0609020204030204" pitchFamily="49" charset="0"/>
+                      </a:endParaRPr>
+                    </a:p>
+                  </a:txBody>
+                  <a:tcPr/>
+                </a:tc>
+                <a:tc>
+                  <a:txBody>
+                    <a:bodyPr/>
+                    <a:lstStyle/>
+                    <a:p>
+                      <a:r>
+                        <a:rPr lang="en-US" b="1" dirty="0" smtClean="0">
+                          <a:latin typeface="Consolas" panose="020B0609020204030204" pitchFamily="49" charset="0"/>
+                        </a:rPr>
+                        <a:t>d</a:t>
+                      </a:r>
+                      <a:endParaRPr lang="en-US" b="1" dirty="0">
+                        <a:latin typeface="Consolas" panose="020B0609020204030204" pitchFamily="49" charset="0"/>
+                      </a:endParaRPr>
+                    </a:p>
+                  </a:txBody>
+                  <a:tcPr/>
+                </a:tc>
+                <a:tc>
+                  <a:txBody>
+                    <a:bodyPr/>
+                    <a:lstStyle/>
+                    <a:p>
+                      <a:r>
+                        <a:rPr lang="en-US" b="1" dirty="0" smtClean="0">
+                          <a:latin typeface="Consolas" panose="020B0609020204030204" pitchFamily="49" charset="0"/>
+                        </a:rPr>
+                        <a:t>n</a:t>
+                      </a:r>
+                      <a:endParaRPr lang="en-US" b="1" dirty="0">
+                        <a:latin typeface="Consolas" panose="020B0609020204030204" pitchFamily="49" charset="0"/>
+                      </a:endParaRPr>
+                    </a:p>
+                  </a:txBody>
+                  <a:tcPr/>
+                </a:tc>
+                <a:extLst>
+                  <a:ext uri="{0D108BD9-81ED-4DB2-BD59-A6C34878D82A}">
+                    <a16:rowId xmlns:a16="http://schemas.microsoft.com/office/drawing/2014/main" val="4082026428"/>
+                  </a:ext>
+                </a:extLst>
+              </a:tr>
+              <a:tr h="370840">
+                <a:tc>
+                  <a:txBody>
+                    <a:bodyPr/>
+                    <a:lstStyle/>
+                    <a:p>
+                      <a:endParaRPr lang="en-US" dirty="0"/>
+                    </a:p>
+                  </a:txBody>
+                  <a:tcPr/>
+                </a:tc>
+                <a:tc>
+                  <a:txBody>
+                    <a:bodyPr/>
+                    <a:lstStyle/>
+                    <a:p>
+                      <a:r>
+                        <a:rPr lang="en-US" b="1" dirty="0" smtClean="0">
+                          <a:latin typeface="Consolas" panose="020B0609020204030204" pitchFamily="49" charset="0"/>
+                        </a:rPr>
+                        <a:t>l</a:t>
+                      </a:r>
+                      <a:endParaRPr lang="en-US" b="1" dirty="0">
+                        <a:latin typeface="Consolas" panose="020B0609020204030204" pitchFamily="49" charset="0"/>
+                      </a:endParaRPr>
+                    </a:p>
+                  </a:txBody>
+                  <a:tcPr/>
+                </a:tc>
+                <a:tc>
+                  <a:txBody>
+                    <a:bodyPr/>
+                    <a:lstStyle/>
+                    <a:p>
+                      <a:r>
+                        <a:rPr lang="en-US" b="1" dirty="0" smtClean="0">
+                          <a:latin typeface="Consolas" panose="020B0609020204030204" pitchFamily="49" charset="0"/>
+                        </a:rPr>
+                        <a:t>z</a:t>
+                      </a:r>
+                      <a:endParaRPr lang="en-US" b="1" dirty="0">
+                        <a:latin typeface="Consolas" panose="020B0609020204030204" pitchFamily="49" charset="0"/>
+                      </a:endParaRPr>
+                    </a:p>
+                  </a:txBody>
+                  <a:tcPr/>
+                </a:tc>
+                <a:tc>
+                  <a:txBody>
+                    <a:bodyPr/>
+                    <a:lstStyle/>
+                    <a:p>
+                      <a:r>
+                        <a:rPr lang="en-US" b="1" dirty="0" smtClean="0">
+                          <a:latin typeface="Consolas" panose="020B0609020204030204" pitchFamily="49" charset="0"/>
+                        </a:rPr>
+                        <a:t>k</a:t>
+                      </a:r>
+                      <a:endParaRPr lang="en-US" b="1" dirty="0">
+                        <a:latin typeface="Consolas" panose="020B0609020204030204" pitchFamily="49" charset="0"/>
+                      </a:endParaRPr>
+                    </a:p>
+                  </a:txBody>
+                  <a:tcPr/>
+                </a:tc>
+                <a:tc>
+                  <a:txBody>
+                    <a:bodyPr/>
+                    <a:lstStyle/>
+                    <a:p>
+                      <a:r>
+                        <a:rPr lang="en-US" b="1" dirty="0" smtClean="0">
+                          <a:latin typeface="Consolas" panose="020B0609020204030204" pitchFamily="49" charset="0"/>
+                        </a:rPr>
+                        <a:t>s</a:t>
+                      </a:r>
+                      <a:endParaRPr lang="en-US" b="1" dirty="0">
+                        <a:latin typeface="Consolas" panose="020B0609020204030204" pitchFamily="49" charset="0"/>
+                      </a:endParaRPr>
+                    </a:p>
+                  </a:txBody>
+                  <a:tcPr/>
+                </a:tc>
+                <a:tc>
+                  <a:txBody>
+                    <a:bodyPr/>
+                    <a:lstStyle/>
+                    <a:p>
+                      <a:r>
+                        <a:rPr lang="en-US" b="1" dirty="0" smtClean="0">
+                          <a:latin typeface="Consolas" panose="020B0609020204030204" pitchFamily="49" charset="0"/>
+                        </a:rPr>
+                        <a:t>j</a:t>
+                      </a:r>
+                      <a:endParaRPr lang="en-US" b="1" dirty="0">
+                        <a:latin typeface="Consolas" panose="020B0609020204030204" pitchFamily="49" charset="0"/>
+                      </a:endParaRPr>
+                    </a:p>
+                  </a:txBody>
+                  <a:tcPr/>
+                </a:tc>
+                <a:extLst>
+                  <a:ext uri="{0D108BD9-81ED-4DB2-BD59-A6C34878D82A}">
+                    <a16:rowId xmlns:a16="http://schemas.microsoft.com/office/drawing/2014/main" val="4087756528"/>
+                  </a:ext>
+                </a:extLst>
+              </a:tr>
+              <a:tr h="370840">
+                <a:tc>
+                  <a:txBody>
+                    <a:bodyPr/>
+                    <a:lstStyle/>
+                    <a:p>
+                      <a:r>
+                        <a:rPr lang="en-US" dirty="0" smtClean="0"/>
+                        <a:t>-</a:t>
+                      </a:r>
+                      <a:endParaRPr lang="en-US" dirty="0"/>
+                    </a:p>
+                  </a:txBody>
+                  <a:tcPr/>
+                </a:tc>
+                <a:tc>
+                  <a:txBody>
+                    <a:bodyPr/>
+                    <a:lstStyle/>
+                    <a:p>
+                      <a:r>
+                        <a:rPr lang="en-US" b="1" dirty="0" smtClean="0">
+                          <a:solidFill>
+                            <a:srgbClr val="002060"/>
+                          </a:solidFill>
+                          <a:latin typeface="Consolas" panose="020B0609020204030204" pitchFamily="49" charset="0"/>
+                        </a:rPr>
+                        <a:t>a</a:t>
+                      </a:r>
+                      <a:endParaRPr lang="en-US" b="1" dirty="0">
+                        <a:solidFill>
+                          <a:srgbClr val="002060"/>
+                        </a:solidFill>
+                        <a:latin typeface="Consolas" panose="020B0609020204030204" pitchFamily="49" charset="0"/>
+                      </a:endParaRPr>
+                    </a:p>
+                  </a:txBody>
+                  <a:tcPr/>
+                </a:tc>
+                <a:tc>
+                  <a:txBody>
+                    <a:bodyPr/>
+                    <a:lstStyle/>
+                    <a:p>
+                      <a:r>
+                        <a:rPr lang="en-US" b="1" dirty="0" smtClean="0">
+                          <a:solidFill>
+                            <a:srgbClr val="002060"/>
+                          </a:solidFill>
+                          <a:latin typeface="Consolas" panose="020B0609020204030204" pitchFamily="49" charset="0"/>
+                        </a:rPr>
+                        <a:t>p</a:t>
+                      </a:r>
+                      <a:endParaRPr lang="en-US" b="1" dirty="0">
+                        <a:solidFill>
+                          <a:srgbClr val="002060"/>
+                        </a:solidFill>
+                        <a:latin typeface="Consolas" panose="020B0609020204030204" pitchFamily="49" charset="0"/>
+                      </a:endParaRPr>
+                    </a:p>
+                  </a:txBody>
+                  <a:tcPr/>
+                </a:tc>
+                <a:tc>
+                  <a:txBody>
+                    <a:bodyPr/>
+                    <a:lstStyle/>
+                    <a:p>
+                      <a:r>
+                        <a:rPr lang="en-US" b="1" dirty="0" smtClean="0">
+                          <a:solidFill>
+                            <a:srgbClr val="002060"/>
+                          </a:solidFill>
+                          <a:latin typeface="Consolas" panose="020B0609020204030204" pitchFamily="49" charset="0"/>
+                        </a:rPr>
+                        <a:t>p</a:t>
+                      </a:r>
+                      <a:endParaRPr lang="en-US" b="1" dirty="0">
+                        <a:solidFill>
+                          <a:srgbClr val="002060"/>
+                        </a:solidFill>
+                        <a:latin typeface="Consolas" panose="020B0609020204030204" pitchFamily="49" charset="0"/>
+                      </a:endParaRPr>
+                    </a:p>
+                  </a:txBody>
+                  <a:tcPr/>
+                </a:tc>
+                <a:tc>
+                  <a:txBody>
+                    <a:bodyPr/>
+                    <a:lstStyle/>
+                    <a:p>
+                      <a:r>
+                        <a:rPr lang="en-US" b="1" dirty="0" smtClean="0">
+                          <a:solidFill>
+                            <a:srgbClr val="002060"/>
+                          </a:solidFill>
+                          <a:latin typeface="Consolas" panose="020B0609020204030204" pitchFamily="49" charset="0"/>
+                        </a:rPr>
+                        <a:t>l</a:t>
+                      </a:r>
+                      <a:endParaRPr lang="en-US" b="1" dirty="0">
+                        <a:solidFill>
+                          <a:srgbClr val="002060"/>
+                        </a:solidFill>
+                        <a:latin typeface="Consolas" panose="020B0609020204030204" pitchFamily="49" charset="0"/>
+                      </a:endParaRPr>
+                    </a:p>
+                  </a:txBody>
+                  <a:tcPr/>
+                </a:tc>
+                <a:tc>
+                  <a:txBody>
+                    <a:bodyPr/>
+                    <a:lstStyle/>
+                    <a:p>
+                      <a:r>
+                        <a:rPr lang="en-US" b="1" dirty="0" smtClean="0">
+                          <a:solidFill>
+                            <a:srgbClr val="002060"/>
+                          </a:solidFill>
+                          <a:latin typeface="Consolas" panose="020B0609020204030204" pitchFamily="49" charset="0"/>
+                        </a:rPr>
+                        <a:t>e</a:t>
+                      </a:r>
+                      <a:endParaRPr lang="en-US" b="1" dirty="0">
+                        <a:solidFill>
+                          <a:srgbClr val="002060"/>
+                        </a:solidFill>
+                        <a:latin typeface="Consolas" panose="020B0609020204030204" pitchFamily="49" charset="0"/>
+                      </a:endParaRPr>
+                    </a:p>
+                  </a:txBody>
+                  <a:tcPr/>
+                </a:tc>
+                <a:extLst>
+                  <a:ext uri="{0D108BD9-81ED-4DB2-BD59-A6C34878D82A}">
+                    <a16:rowId xmlns:a16="http://schemas.microsoft.com/office/drawing/2014/main" val="3333305330"/>
+                  </a:ext>
+                </a:extLst>
+              </a:tr>
+            </a:tbl>
+          </a:graphicData>
+        </a:graphic>
+      </p:graphicFrame>
+      <p:graphicFrame>
+        <p:nvGraphicFramePr>
+          <p:cNvPr id="23" name="Table 22"/>
+          <p:cNvGraphicFramePr>
+            <a:graphicFrameLocks noGrp="1"/>
+          </p:cNvGraphicFramePr>
+          <p:nvPr>
+            <p:extLst>
+              <p:ext uri="{D42A27DB-BD31-4B8C-83A1-F6EECF244321}">
+                <p14:modId xmlns:p14="http://schemas.microsoft.com/office/powerpoint/2010/main" val="367363328"/>
+              </p:ext>
+            </p:extLst>
+          </p:nvPr>
+        </p:nvGraphicFramePr>
+        <p:xfrm>
+          <a:off x="4059381" y="3057576"/>
+          <a:ext cx="3163457" cy="1112520"/>
+        </p:xfrm>
+        <a:graphic>
+          <a:graphicData uri="http://schemas.openxmlformats.org/drawingml/2006/table">
+            <a:tbl>
+              <a:tblPr>
+                <a:tableStyleId>{5C22544A-7EE6-4342-B048-85BDC9FD1C3A}</a:tableStyleId>
+              </a:tblPr>
+              <a:tblGrid>
+                <a:gridCol w="553342">
+                  <a:extLst>
+                    <a:ext uri="{9D8B030D-6E8A-4147-A177-3AD203B41FA5}">
+                      <a16:colId xmlns:a16="http://schemas.microsoft.com/office/drawing/2014/main" val="1649486342"/>
+                    </a:ext>
+                  </a:extLst>
+                </a:gridCol>
+                <a:gridCol w="522023">
+                  <a:extLst>
+                    <a:ext uri="{9D8B030D-6E8A-4147-A177-3AD203B41FA5}">
+                      <a16:colId xmlns:a16="http://schemas.microsoft.com/office/drawing/2014/main" val="2534806080"/>
+                    </a:ext>
+                  </a:extLst>
+                </a:gridCol>
+                <a:gridCol w="522023">
+                  <a:extLst>
+                    <a:ext uri="{9D8B030D-6E8A-4147-A177-3AD203B41FA5}">
+                      <a16:colId xmlns:a16="http://schemas.microsoft.com/office/drawing/2014/main" val="2814142418"/>
+                    </a:ext>
+                  </a:extLst>
+                </a:gridCol>
+                <a:gridCol w="522023">
+                  <a:extLst>
+                    <a:ext uri="{9D8B030D-6E8A-4147-A177-3AD203B41FA5}">
+                      <a16:colId xmlns:a16="http://schemas.microsoft.com/office/drawing/2014/main" val="3306853379"/>
+                    </a:ext>
+                  </a:extLst>
+                </a:gridCol>
+                <a:gridCol w="522023">
+                  <a:extLst>
+                    <a:ext uri="{9D8B030D-6E8A-4147-A177-3AD203B41FA5}">
+                      <a16:colId xmlns:a16="http://schemas.microsoft.com/office/drawing/2014/main" val="1260118234"/>
+                    </a:ext>
+                  </a:extLst>
+                </a:gridCol>
+                <a:gridCol w="522023">
+                  <a:extLst>
+                    <a:ext uri="{9D8B030D-6E8A-4147-A177-3AD203B41FA5}">
+                      <a16:colId xmlns:a16="http://schemas.microsoft.com/office/drawing/2014/main" val="2430874503"/>
+                    </a:ext>
+                  </a:extLst>
+                </a:gridCol>
+              </a:tblGrid>
+              <a:tr h="370840">
+                <a:tc>
+                  <a:txBody>
+                    <a:bodyPr/>
+                    <a:lstStyle/>
+                    <a:p>
+                      <a:endParaRPr lang="en-US" dirty="0"/>
+                    </a:p>
+                  </a:txBody>
+                  <a:tcPr/>
+                </a:tc>
+                <a:tc>
+                  <a:txBody>
+                    <a:bodyPr/>
+                    <a:lstStyle/>
+                    <a:p>
+                      <a:r>
+                        <a:rPr lang="en-US" b="1" dirty="0" smtClean="0">
+                          <a:latin typeface="Consolas" panose="020B0609020204030204" pitchFamily="49" charset="0"/>
+                        </a:rPr>
+                        <a:t>11</a:t>
+                      </a:r>
+                      <a:endParaRPr lang="en-US" b="1" dirty="0">
+                        <a:latin typeface="Consolas" panose="020B0609020204030204" pitchFamily="49" charset="0"/>
+                      </a:endParaRPr>
+                    </a:p>
+                  </a:txBody>
+                  <a:tcPr/>
+                </a:tc>
+                <a:tc>
+                  <a:txBody>
+                    <a:bodyPr/>
+                    <a:lstStyle/>
+                    <a:p>
+                      <a:r>
+                        <a:rPr lang="en-US" b="1" dirty="0" smtClean="0">
+                          <a:latin typeface="Consolas" panose="020B0609020204030204" pitchFamily="49" charset="0"/>
+                        </a:rPr>
+                        <a:t>14</a:t>
+                      </a:r>
+                      <a:endParaRPr lang="en-US" b="1" dirty="0">
+                        <a:latin typeface="Consolas" panose="020B0609020204030204" pitchFamily="49" charset="0"/>
+                      </a:endParaRPr>
+                    </a:p>
+                  </a:txBody>
+                  <a:tcPr/>
+                </a:tc>
+                <a:tc>
+                  <a:txBody>
+                    <a:bodyPr/>
+                    <a:lstStyle/>
+                    <a:p>
+                      <a:r>
+                        <a:rPr lang="en-US" b="1" dirty="0" smtClean="0">
+                          <a:latin typeface="Consolas" panose="020B0609020204030204" pitchFamily="49" charset="0"/>
+                        </a:rPr>
+                        <a:t>25</a:t>
+                      </a:r>
+                      <a:endParaRPr lang="en-US" b="1" dirty="0">
+                        <a:latin typeface="Consolas" panose="020B0609020204030204" pitchFamily="49" charset="0"/>
+                      </a:endParaRPr>
+                    </a:p>
+                  </a:txBody>
+                  <a:tcPr/>
+                </a:tc>
+                <a:tc>
+                  <a:txBody>
+                    <a:bodyPr/>
+                    <a:lstStyle/>
+                    <a:p>
+                      <a:r>
+                        <a:rPr lang="en-US" b="1" dirty="0" smtClean="0">
+                          <a:latin typeface="Consolas" panose="020B0609020204030204" pitchFamily="49" charset="0"/>
+                        </a:rPr>
+                        <a:t>3</a:t>
+                      </a:r>
+                      <a:endParaRPr lang="en-US" b="1" dirty="0">
+                        <a:latin typeface="Consolas" panose="020B0609020204030204" pitchFamily="49" charset="0"/>
+                      </a:endParaRPr>
+                    </a:p>
+                  </a:txBody>
+                  <a:tcPr/>
+                </a:tc>
+                <a:tc>
+                  <a:txBody>
+                    <a:bodyPr/>
+                    <a:lstStyle/>
+                    <a:p>
+                      <a:r>
+                        <a:rPr lang="en-US" b="1" dirty="0" smtClean="0">
+                          <a:latin typeface="Consolas" panose="020B0609020204030204" pitchFamily="49" charset="0"/>
+                        </a:rPr>
+                        <a:t>13</a:t>
+                      </a:r>
+                      <a:endParaRPr lang="en-US" b="1" dirty="0">
+                        <a:latin typeface="Consolas" panose="020B0609020204030204" pitchFamily="49" charset="0"/>
+                      </a:endParaRPr>
+                    </a:p>
+                  </a:txBody>
+                  <a:tcPr/>
+                </a:tc>
+                <a:extLst>
+                  <a:ext uri="{0D108BD9-81ED-4DB2-BD59-A6C34878D82A}">
+                    <a16:rowId xmlns:a16="http://schemas.microsoft.com/office/drawing/2014/main" val="4082026428"/>
+                  </a:ext>
+                </a:extLst>
+              </a:tr>
+              <a:tr h="370840">
+                <a:tc>
+                  <a:txBody>
+                    <a:bodyPr/>
+                    <a:lstStyle/>
+                    <a:p>
+                      <a:endParaRPr lang="en-US" dirty="0"/>
+                    </a:p>
+                  </a:txBody>
+                  <a:tcPr/>
+                </a:tc>
+                <a:tc>
+                  <a:txBody>
+                    <a:bodyPr/>
+                    <a:lstStyle/>
+                    <a:p>
+                      <a:r>
+                        <a:rPr lang="en-US" b="1" dirty="0" smtClean="0">
+                          <a:latin typeface="Consolas" panose="020B0609020204030204" pitchFamily="49" charset="0"/>
+                        </a:rPr>
+                        <a:t>11</a:t>
+                      </a:r>
+                      <a:endParaRPr lang="en-US" b="1" dirty="0">
+                        <a:latin typeface="Consolas" panose="020B0609020204030204" pitchFamily="49" charset="0"/>
+                      </a:endParaRPr>
+                    </a:p>
+                  </a:txBody>
+                  <a:tcPr/>
+                </a:tc>
+                <a:tc>
+                  <a:txBody>
+                    <a:bodyPr/>
+                    <a:lstStyle/>
+                    <a:p>
+                      <a:r>
+                        <a:rPr lang="en-US" b="1" dirty="0" smtClean="0">
+                          <a:latin typeface="Consolas" panose="020B0609020204030204" pitchFamily="49" charset="0"/>
+                        </a:rPr>
+                        <a:t>25</a:t>
+                      </a:r>
+                      <a:endParaRPr lang="en-US" b="1" dirty="0">
+                        <a:latin typeface="Consolas" panose="020B0609020204030204" pitchFamily="49" charset="0"/>
+                      </a:endParaRPr>
+                    </a:p>
+                  </a:txBody>
+                  <a:tcPr/>
+                </a:tc>
+                <a:tc>
+                  <a:txBody>
+                    <a:bodyPr/>
+                    <a:lstStyle/>
+                    <a:p>
+                      <a:r>
+                        <a:rPr lang="en-US" b="1" dirty="0" smtClean="0">
+                          <a:latin typeface="Consolas" panose="020B0609020204030204" pitchFamily="49" charset="0"/>
+                        </a:rPr>
+                        <a:t>10</a:t>
+                      </a:r>
+                      <a:endParaRPr lang="en-US" b="1" dirty="0">
+                        <a:latin typeface="Consolas" panose="020B0609020204030204" pitchFamily="49" charset="0"/>
+                      </a:endParaRPr>
+                    </a:p>
+                  </a:txBody>
+                  <a:tcPr/>
+                </a:tc>
+                <a:tc>
+                  <a:txBody>
+                    <a:bodyPr/>
+                    <a:lstStyle/>
+                    <a:p>
+                      <a:r>
+                        <a:rPr lang="en-US" b="1" dirty="0" smtClean="0">
+                          <a:latin typeface="Consolas" panose="020B0609020204030204" pitchFamily="49" charset="0"/>
+                        </a:rPr>
+                        <a:t>18</a:t>
+                      </a:r>
+                      <a:endParaRPr lang="en-US" b="1" dirty="0">
+                        <a:latin typeface="Consolas" panose="020B0609020204030204" pitchFamily="49" charset="0"/>
+                      </a:endParaRPr>
+                    </a:p>
+                  </a:txBody>
+                  <a:tcPr/>
+                </a:tc>
+                <a:tc>
+                  <a:txBody>
+                    <a:bodyPr/>
+                    <a:lstStyle/>
+                    <a:p>
+                      <a:r>
+                        <a:rPr lang="en-US" b="1" dirty="0" smtClean="0">
+                          <a:latin typeface="Consolas" panose="020B0609020204030204" pitchFamily="49" charset="0"/>
+                        </a:rPr>
+                        <a:t>9</a:t>
+                      </a:r>
+                      <a:endParaRPr lang="en-US" b="1" dirty="0">
+                        <a:latin typeface="Consolas" panose="020B0609020204030204" pitchFamily="49" charset="0"/>
+                      </a:endParaRPr>
+                    </a:p>
+                  </a:txBody>
+                  <a:tcPr/>
+                </a:tc>
+                <a:extLst>
+                  <a:ext uri="{0D108BD9-81ED-4DB2-BD59-A6C34878D82A}">
+                    <a16:rowId xmlns:a16="http://schemas.microsoft.com/office/drawing/2014/main" val="4087756528"/>
+                  </a:ext>
+                </a:extLst>
+              </a:tr>
+              <a:tr h="370840">
+                <a:tc>
+                  <a:txBody>
+                    <a:bodyPr/>
+                    <a:lstStyle/>
+                    <a:p>
+                      <a:r>
+                        <a:rPr lang="en-US" dirty="0" smtClean="0"/>
+                        <a:t>-</a:t>
+                      </a:r>
+                      <a:endParaRPr lang="en-US" dirty="0"/>
+                    </a:p>
+                  </a:txBody>
+                  <a:tcPr/>
+                </a:tc>
+                <a:tc>
+                  <a:txBody>
+                    <a:bodyPr/>
+                    <a:lstStyle/>
+                    <a:p>
+                      <a:r>
+                        <a:rPr lang="en-US" b="1" dirty="0" smtClean="0">
+                          <a:solidFill>
+                            <a:srgbClr val="002060"/>
+                          </a:solidFill>
+                          <a:latin typeface="Consolas" panose="020B0609020204030204" pitchFamily="49" charset="0"/>
+                        </a:rPr>
+                        <a:t>0</a:t>
+                      </a:r>
+                      <a:endParaRPr lang="en-US" b="1" dirty="0">
+                        <a:solidFill>
+                          <a:srgbClr val="002060"/>
+                        </a:solidFill>
+                        <a:latin typeface="Consolas" panose="020B0609020204030204" pitchFamily="49" charset="0"/>
+                      </a:endParaRPr>
+                    </a:p>
+                  </a:txBody>
+                  <a:tcPr/>
+                </a:tc>
+                <a:tc>
+                  <a:txBody>
+                    <a:bodyPr/>
+                    <a:lstStyle/>
+                    <a:p>
+                      <a:r>
+                        <a:rPr lang="en-US" b="1" dirty="0" smtClean="0">
+                          <a:solidFill>
+                            <a:srgbClr val="002060"/>
+                          </a:solidFill>
+                          <a:latin typeface="Consolas" panose="020B0609020204030204" pitchFamily="49" charset="0"/>
+                        </a:rPr>
+                        <a:t>15</a:t>
+                      </a:r>
+                      <a:endParaRPr lang="en-US" b="1" dirty="0">
+                        <a:solidFill>
+                          <a:srgbClr val="002060"/>
+                        </a:solidFill>
+                        <a:latin typeface="Consolas" panose="020B0609020204030204" pitchFamily="49" charset="0"/>
+                      </a:endParaRPr>
+                    </a:p>
+                  </a:txBody>
+                  <a:tcPr/>
+                </a:tc>
+                <a:tc>
+                  <a:txBody>
+                    <a:bodyPr/>
+                    <a:lstStyle/>
+                    <a:p>
+                      <a:r>
+                        <a:rPr lang="en-US" b="1" dirty="0" smtClean="0">
+                          <a:solidFill>
+                            <a:srgbClr val="002060"/>
+                          </a:solidFill>
+                          <a:latin typeface="Consolas" panose="020B0609020204030204" pitchFamily="49" charset="0"/>
+                        </a:rPr>
+                        <a:t>15</a:t>
+                      </a:r>
+                      <a:endParaRPr lang="en-US" b="1" dirty="0">
+                        <a:solidFill>
+                          <a:srgbClr val="002060"/>
+                        </a:solidFill>
+                        <a:latin typeface="Consolas" panose="020B0609020204030204" pitchFamily="49" charset="0"/>
+                      </a:endParaRPr>
+                    </a:p>
+                  </a:txBody>
+                  <a:tcPr/>
+                </a:tc>
+                <a:tc>
+                  <a:txBody>
+                    <a:bodyPr/>
+                    <a:lstStyle/>
+                    <a:p>
+                      <a:r>
+                        <a:rPr lang="en-US" b="1" dirty="0" smtClean="0">
+                          <a:solidFill>
+                            <a:srgbClr val="002060"/>
+                          </a:solidFill>
+                          <a:latin typeface="Consolas" panose="020B0609020204030204" pitchFamily="49" charset="0"/>
+                        </a:rPr>
+                        <a:t>11</a:t>
+                      </a:r>
+                      <a:endParaRPr lang="en-US" b="1" dirty="0">
+                        <a:solidFill>
+                          <a:srgbClr val="002060"/>
+                        </a:solidFill>
+                        <a:latin typeface="Consolas" panose="020B0609020204030204" pitchFamily="49" charset="0"/>
+                      </a:endParaRPr>
+                    </a:p>
+                  </a:txBody>
+                  <a:tcPr/>
+                </a:tc>
+                <a:tc>
+                  <a:txBody>
+                    <a:bodyPr/>
+                    <a:lstStyle/>
+                    <a:p>
+                      <a:r>
+                        <a:rPr lang="en-US" b="1" dirty="0" smtClean="0">
+                          <a:solidFill>
+                            <a:srgbClr val="002060"/>
+                          </a:solidFill>
+                          <a:latin typeface="Consolas" panose="020B0609020204030204" pitchFamily="49" charset="0"/>
+                        </a:rPr>
+                        <a:t>4</a:t>
+                      </a:r>
+                      <a:endParaRPr lang="en-US" b="1" dirty="0">
+                        <a:solidFill>
+                          <a:srgbClr val="002060"/>
+                        </a:solidFill>
+                        <a:latin typeface="Consolas" panose="020B0609020204030204" pitchFamily="49" charset="0"/>
+                      </a:endParaRPr>
+                    </a:p>
+                  </a:txBody>
+                  <a:tcPr/>
+                </a:tc>
+                <a:extLst>
+                  <a:ext uri="{0D108BD9-81ED-4DB2-BD59-A6C34878D82A}">
+                    <a16:rowId xmlns:a16="http://schemas.microsoft.com/office/drawing/2014/main" val="3333305330"/>
+                  </a:ext>
+                </a:extLst>
+              </a:tr>
+            </a:tbl>
+          </a:graphicData>
+        </a:graphic>
+      </p:graphicFrame>
+      <p:cxnSp>
+        <p:nvCxnSpPr>
+          <p:cNvPr id="24" name="Straight Arrow Connector 23"/>
+          <p:cNvCxnSpPr/>
+          <p:nvPr/>
+        </p:nvCxnSpPr>
+        <p:spPr>
+          <a:xfrm>
+            <a:off x="2650837" y="3255818"/>
+            <a:ext cx="1339272" cy="0"/>
+          </a:xfrm>
+          <a:prstGeom prst="straightConnector1">
+            <a:avLst/>
+          </a:prstGeom>
+          <a:ln w="28575">
+            <a:headEnd type="none" w="med" len="med"/>
+            <a:tailEnd type="arrow" w="med" len="med"/>
+          </a:ln>
+        </p:spPr>
+        <p:style>
+          <a:lnRef idx="1">
+            <a:schemeClr val="accent1"/>
+          </a:lnRef>
+          <a:fillRef idx="0">
+            <a:schemeClr val="accent1"/>
+          </a:fillRef>
+          <a:effectRef idx="0">
+            <a:schemeClr val="accent1"/>
+          </a:effectRef>
+          <a:fontRef idx="minor">
+            <a:schemeClr val="tx1"/>
+          </a:fontRef>
+        </p:style>
+      </p:cxnSp>
+      <p:cxnSp>
+        <p:nvCxnSpPr>
+          <p:cNvPr id="25" name="Straight Arrow Connector 24"/>
+          <p:cNvCxnSpPr/>
+          <p:nvPr/>
+        </p:nvCxnSpPr>
+        <p:spPr>
+          <a:xfrm>
+            <a:off x="2650837" y="3629888"/>
+            <a:ext cx="1339272" cy="0"/>
+          </a:xfrm>
+          <a:prstGeom prst="straightConnector1">
+            <a:avLst/>
+          </a:prstGeom>
+          <a:ln w="28575">
+            <a:headEnd type="none" w="med" len="med"/>
+            <a:tailEnd type="arrow" w="med" len="med"/>
+          </a:ln>
+        </p:spPr>
+        <p:style>
+          <a:lnRef idx="1">
+            <a:schemeClr val="accent1"/>
+          </a:lnRef>
+          <a:fillRef idx="0">
+            <a:schemeClr val="accent1"/>
+          </a:fillRef>
+          <a:effectRef idx="0">
+            <a:schemeClr val="accent1"/>
+          </a:effectRef>
+          <a:fontRef idx="minor">
+            <a:schemeClr val="tx1"/>
+          </a:fontRef>
+        </p:style>
+      </p:cxnSp>
+      <p:cxnSp>
+        <p:nvCxnSpPr>
+          <p:cNvPr id="26" name="Straight Arrow Connector 25"/>
+          <p:cNvCxnSpPr/>
+          <p:nvPr/>
+        </p:nvCxnSpPr>
+        <p:spPr>
+          <a:xfrm>
+            <a:off x="2650837" y="3985488"/>
+            <a:ext cx="1339272" cy="0"/>
+          </a:xfrm>
+          <a:prstGeom prst="straightConnector1">
+            <a:avLst/>
+          </a:prstGeom>
+          <a:ln w="28575">
+            <a:headEnd type="arrow" w="med" len="med"/>
+            <a:tailEnd type="none" w="med" len="med"/>
+          </a:ln>
+        </p:spPr>
+        <p:style>
+          <a:lnRef idx="1">
+            <a:schemeClr val="accent1"/>
+          </a:lnRef>
+          <a:fillRef idx="0">
+            <a:schemeClr val="accent1"/>
+          </a:fillRef>
+          <a:effectRef idx="0">
+            <a:schemeClr val="accent1"/>
+          </a:effectRef>
+          <a:fontRef idx="minor">
+            <a:schemeClr val="tx1"/>
+          </a:fontRef>
+        </p:style>
+      </p:cxnSp>
     </p:spTree>
     <p:extLst>
       <p:ext uri="{BB962C8B-B14F-4D97-AF65-F5344CB8AC3E}">

--- a/images/pygame_rect_window.pptx
+++ b/images/pygame_rect_window.pptx
@@ -5,7 +5,7 @@
     <p:sldMasterId id="2147483648" r:id="rId1"/>
   </p:sldMasterIdLst>
   <p:notesMasterIdLst>
-    <p:notesMasterId r:id="rId31"/>
+    <p:notesMasterId r:id="rId32"/>
   </p:notesMasterIdLst>
   <p:sldIdLst>
     <p:sldId id="257" r:id="rId2"/>
@@ -37,6 +37,7 @@
     <p:sldId id="285" r:id="rId28"/>
     <p:sldId id="286" r:id="rId29"/>
     <p:sldId id="287" r:id="rId30"/>
+    <p:sldId id="288" r:id="rId31"/>
   </p:sldIdLst>
   <p:sldSz cx="12192000" cy="6858000"/>
   <p:notesSz cx="6858000" cy="9144000"/>
@@ -137,7 +138,138 @@
   </p:defaultTextStyle>
   <p:extLst>
     <p:ext uri="{EFAFB233-063F-42B5-8137-9DF3F51BA10A}">
-      <p15:sldGuideLst xmlns:p15="http://schemas.microsoft.com/office/powerpoint/2012/main"/>
+      <p15:sldGuideLst xmlns:p15="http://schemas.microsoft.com/office/powerpoint/2012/main">
+        <p15:guide id="1" orient="horz" pos="2160" userDrawn="1">
+          <p15:clr>
+            <a:srgbClr val="A4A3A4"/>
+          </p15:clr>
+        </p15:guide>
+        <p15:guide id="2" pos="3840" userDrawn="1">
+          <p15:clr>
+            <a:srgbClr val="A4A3A4"/>
+          </p15:clr>
+        </p15:guide>
+        <p15:guide id="3" pos="3940" userDrawn="1">
+          <p15:clr>
+            <a:srgbClr val="A4A3A4"/>
+          </p15:clr>
+        </p15:guide>
+        <p15:guide id="4" pos="4040" userDrawn="1">
+          <p15:clr>
+            <a:srgbClr val="A4A3A4"/>
+          </p15:clr>
+        </p15:guide>
+        <p15:guide id="5" pos="4140" userDrawn="1">
+          <p15:clr>
+            <a:srgbClr val="A4A3A4"/>
+          </p15:clr>
+        </p15:guide>
+        <p15:guide id="6" pos="4240" userDrawn="1">
+          <p15:clr>
+            <a:srgbClr val="A4A3A4"/>
+          </p15:clr>
+        </p15:guide>
+        <p15:guide id="8" pos="4440" userDrawn="1">
+          <p15:clr>
+            <a:srgbClr val="A4A3A4"/>
+          </p15:clr>
+        </p15:guide>
+        <p15:guide id="9" pos="4540" userDrawn="1">
+          <p15:clr>
+            <a:srgbClr val="A4A3A4"/>
+          </p15:clr>
+        </p15:guide>
+        <p15:guide id="10" pos="4656" userDrawn="1">
+          <p15:clr>
+            <a:srgbClr val="A4A3A4"/>
+          </p15:clr>
+        </p15:guide>
+        <p15:guide id="11" pos="4740" userDrawn="1">
+          <p15:clr>
+            <a:srgbClr val="A4A3A4"/>
+          </p15:clr>
+        </p15:guide>
+        <p15:guide id="12" pos="4840" userDrawn="1">
+          <p15:clr>
+            <a:srgbClr val="A4A3A4"/>
+          </p15:clr>
+        </p15:guide>
+        <p15:guide id="13" pos="4940" userDrawn="1">
+          <p15:clr>
+            <a:srgbClr val="A4A3A4"/>
+          </p15:clr>
+        </p15:guide>
+        <p15:guide id="14" pos="5040" userDrawn="1">
+          <p15:clr>
+            <a:srgbClr val="A4A3A4"/>
+          </p15:clr>
+        </p15:guide>
+        <p15:guide id="15" pos="5140" userDrawn="1">
+          <p15:clr>
+            <a:srgbClr val="A4A3A4"/>
+          </p15:clr>
+        </p15:guide>
+        <p15:guide id="16" pos="5240" userDrawn="1">
+          <p15:clr>
+            <a:srgbClr val="A4A3A4"/>
+          </p15:clr>
+        </p15:guide>
+        <p15:guide id="17" pos="5340" userDrawn="1">
+          <p15:clr>
+            <a:srgbClr val="A4A3A4"/>
+          </p15:clr>
+        </p15:guide>
+        <p15:guide id="18" pos="5440" userDrawn="1">
+          <p15:clr>
+            <a:srgbClr val="A4A3A4"/>
+          </p15:clr>
+        </p15:guide>
+        <p15:guide id="19" pos="5540" userDrawn="1">
+          <p15:clr>
+            <a:srgbClr val="A4A3A4"/>
+          </p15:clr>
+        </p15:guide>
+        <p15:guide id="20" pos="5640" userDrawn="1">
+          <p15:clr>
+            <a:srgbClr val="A4A3A4"/>
+          </p15:clr>
+        </p15:guide>
+        <p15:guide id="21" pos="5740" userDrawn="1">
+          <p15:clr>
+            <a:srgbClr val="A4A3A4"/>
+          </p15:clr>
+        </p15:guide>
+        <p15:guide id="22" pos="5840" userDrawn="1">
+          <p15:clr>
+            <a:srgbClr val="A4A3A4"/>
+          </p15:clr>
+        </p15:guide>
+        <p15:guide id="23" pos="5940" userDrawn="1">
+          <p15:clr>
+            <a:srgbClr val="A4A3A4"/>
+          </p15:clr>
+        </p15:guide>
+        <p15:guide id="24" pos="6040" userDrawn="1">
+          <p15:clr>
+            <a:srgbClr val="A4A3A4"/>
+          </p15:clr>
+        </p15:guide>
+        <p15:guide id="25" pos="6140" userDrawn="1">
+          <p15:clr>
+            <a:srgbClr val="A4A3A4"/>
+          </p15:clr>
+        </p15:guide>
+        <p15:guide id="26" pos="6240" userDrawn="1">
+          <p15:clr>
+            <a:srgbClr val="A4A3A4"/>
+          </p15:clr>
+        </p15:guide>
+        <p15:guide id="27" pos="6340" userDrawn="1">
+          <p15:clr>
+            <a:srgbClr val="A4A3A4"/>
+          </p15:clr>
+        </p15:guide>
+      </p15:sldGuideLst>
     </p:ext>
   </p:extLst>
 </p:presentation>
@@ -237,7 +369,7 @@
           <a:p>
             <a:fld id="{A06AD928-664A-442C-B312-AFB4F7171F46}" type="datetimeFigureOut">
               <a:rPr lang="en-US" smtClean="0"/>
-              <a:t>5/31/2018</a:t>
+              <a:t>6/16/2018</a:t>
             </a:fld>
             <a:endParaRPr lang="en-US"/>
           </a:p>
@@ -633,7 +765,7 @@
           <a:p>
             <a:fld id="{856FFBE8-0159-4FDA-8D70-04C5D85E84A4}" type="datetimeFigureOut">
               <a:rPr lang="en-US" smtClean="0"/>
-              <a:t>5/31/2018</a:t>
+              <a:t>6/16/2018</a:t>
             </a:fld>
             <a:endParaRPr lang="en-US"/>
           </a:p>
@@ -801,7 +933,7 @@
           <a:p>
             <a:fld id="{856FFBE8-0159-4FDA-8D70-04C5D85E84A4}" type="datetimeFigureOut">
               <a:rPr lang="en-US" smtClean="0"/>
-              <a:t>5/31/2018</a:t>
+              <a:t>6/16/2018</a:t>
             </a:fld>
             <a:endParaRPr lang="en-US"/>
           </a:p>
@@ -979,7 +1111,7 @@
           <a:p>
             <a:fld id="{856FFBE8-0159-4FDA-8D70-04C5D85E84A4}" type="datetimeFigureOut">
               <a:rPr lang="en-US" smtClean="0"/>
-              <a:t>5/31/2018</a:t>
+              <a:t>6/16/2018</a:t>
             </a:fld>
             <a:endParaRPr lang="en-US"/>
           </a:p>
@@ -1147,7 +1279,7 @@
           <a:p>
             <a:fld id="{856FFBE8-0159-4FDA-8D70-04C5D85E84A4}" type="datetimeFigureOut">
               <a:rPr lang="en-US" smtClean="0"/>
-              <a:t>5/31/2018</a:t>
+              <a:t>6/16/2018</a:t>
             </a:fld>
             <a:endParaRPr lang="en-US"/>
           </a:p>
@@ -1392,7 +1524,7 @@
           <a:p>
             <a:fld id="{856FFBE8-0159-4FDA-8D70-04C5D85E84A4}" type="datetimeFigureOut">
               <a:rPr lang="en-US" smtClean="0"/>
-              <a:t>5/31/2018</a:t>
+              <a:t>6/16/2018</a:t>
             </a:fld>
             <a:endParaRPr lang="en-US"/>
           </a:p>
@@ -1621,7 +1753,7 @@
           <a:p>
             <a:fld id="{856FFBE8-0159-4FDA-8D70-04C5D85E84A4}" type="datetimeFigureOut">
               <a:rPr lang="en-US" smtClean="0"/>
-              <a:t>5/31/2018</a:t>
+              <a:t>6/16/2018</a:t>
             </a:fld>
             <a:endParaRPr lang="en-US"/>
           </a:p>
@@ -1985,7 +2117,7 @@
           <a:p>
             <a:fld id="{856FFBE8-0159-4FDA-8D70-04C5D85E84A4}" type="datetimeFigureOut">
               <a:rPr lang="en-US" smtClean="0"/>
-              <a:t>5/31/2018</a:t>
+              <a:t>6/16/2018</a:t>
             </a:fld>
             <a:endParaRPr lang="en-US"/>
           </a:p>
@@ -2102,7 +2234,7 @@
           <a:p>
             <a:fld id="{856FFBE8-0159-4FDA-8D70-04C5D85E84A4}" type="datetimeFigureOut">
               <a:rPr lang="en-US" smtClean="0"/>
-              <a:t>5/31/2018</a:t>
+              <a:t>6/16/2018</a:t>
             </a:fld>
             <a:endParaRPr lang="en-US"/>
           </a:p>
@@ -2197,7 +2329,7 @@
           <a:p>
             <a:fld id="{856FFBE8-0159-4FDA-8D70-04C5D85E84A4}" type="datetimeFigureOut">
               <a:rPr lang="en-US" smtClean="0"/>
-              <a:t>5/31/2018</a:t>
+              <a:t>6/16/2018</a:t>
             </a:fld>
             <a:endParaRPr lang="en-US"/>
           </a:p>
@@ -2472,7 +2604,7 @@
           <a:p>
             <a:fld id="{856FFBE8-0159-4FDA-8D70-04C5D85E84A4}" type="datetimeFigureOut">
               <a:rPr lang="en-US" smtClean="0"/>
-              <a:t>5/31/2018</a:t>
+              <a:t>6/16/2018</a:t>
             </a:fld>
             <a:endParaRPr lang="en-US"/>
           </a:p>
@@ -2724,7 +2856,7 @@
           <a:p>
             <a:fld id="{856FFBE8-0159-4FDA-8D70-04C5D85E84A4}" type="datetimeFigureOut">
               <a:rPr lang="en-US" smtClean="0"/>
-              <a:t>5/31/2018</a:t>
+              <a:t>6/16/2018</a:t>
             </a:fld>
             <a:endParaRPr lang="en-US"/>
           </a:p>
@@ -2935,7 +3067,7 @@
           <a:p>
             <a:fld id="{856FFBE8-0159-4FDA-8D70-04C5D85E84A4}" type="datetimeFigureOut">
               <a:rPr lang="en-US" smtClean="0"/>
-              <a:t>5/31/2018</a:t>
+              <a:t>6/16/2018</a:t>
             </a:fld>
             <a:endParaRPr lang="en-US"/>
           </a:p>
@@ -13629,7 +13761,7 @@
                   <a14:useLocalDpi xmlns:a14="http://schemas.microsoft.com/office/drawing/2010/main" val="0"/>
                 </a:ext>
                 <a:ext uri="{96DAC541-7B7A-43D3-8B79-37D633B846F1}">
-                  <asvg:svgBlip xmlns:asvg="http://schemas.microsoft.com/office/drawing/2016/SVG/main" xmlns="" r:embed="rId3"/>
+                  <asvg:svgBlip xmlns:asvg="http://schemas.microsoft.com/office/drawing/2016/SVG/main" r:embed="rId3"/>
                 </a:ext>
               </a:extLst>
             </a:blip>
@@ -13668,7 +13800,7 @@
                   <a14:useLocalDpi xmlns:a14="http://schemas.microsoft.com/office/drawing/2010/main" val="0"/>
                 </a:ext>
                 <a:ext uri="{96DAC541-7B7A-43D3-8B79-37D633B846F1}">
-                  <asvg:svgBlip xmlns:asvg="http://schemas.microsoft.com/office/drawing/2016/SVG/main" xmlns="" r:embed="rId5"/>
+                  <asvg:svgBlip xmlns:asvg="http://schemas.microsoft.com/office/drawing/2016/SVG/main" r:embed="rId5"/>
                 </a:ext>
               </a:extLst>
             </a:blip>
@@ -13707,7 +13839,7 @@
                   <a14:useLocalDpi xmlns:a14="http://schemas.microsoft.com/office/drawing/2010/main" val="0"/>
                 </a:ext>
                 <a:ext uri="{96DAC541-7B7A-43D3-8B79-37D633B846F1}">
-                  <asvg:svgBlip xmlns:asvg="http://schemas.microsoft.com/office/drawing/2016/SVG/main" xmlns="" r:embed="rId7"/>
+                  <asvg:svgBlip xmlns:asvg="http://schemas.microsoft.com/office/drawing/2016/SVG/main" r:embed="rId7"/>
                 </a:ext>
               </a:extLst>
             </a:blip>
@@ -14197,7 +14329,7 @@
                   <a14:useLocalDpi xmlns:a14="http://schemas.microsoft.com/office/drawing/2010/main" val="0"/>
                 </a:ext>
                 <a:ext uri="{96DAC541-7B7A-43D3-8B79-37D633B846F1}">
-                  <asvg:svgBlip xmlns:asvg="http://schemas.microsoft.com/office/drawing/2016/SVG/main" xmlns="" r:embed="rId9"/>
+                  <asvg:svgBlip xmlns:asvg="http://schemas.microsoft.com/office/drawing/2016/SVG/main" r:embed="rId9"/>
                 </a:ext>
               </a:extLst>
             </a:blip>
@@ -15089,7 +15221,7 @@
                 <a14:useLocalDpi xmlns:a14="http://schemas.microsoft.com/office/drawing/2010/main" val="0"/>
               </a:ext>
               <a:ext uri="{96DAC541-7B7A-43D3-8B79-37D633B846F1}">
-                <asvg:svgBlip xmlns:asvg="http://schemas.microsoft.com/office/drawing/2016/SVG/main" xmlns="" r:embed="rId3"/>
+                <asvg:svgBlip xmlns:asvg="http://schemas.microsoft.com/office/drawing/2016/SVG/main" r:embed="rId3"/>
               </a:ext>
             </a:extLst>
           </a:blip>
@@ -16616,14 +16748,11 @@
                     <a:lstStyle/>
                     <a:p>
                       <a:r>
-                        <a:rPr lang="en-US" b="1" dirty="0" smtClean="0">
+                        <a:rPr lang="en-US" b="1" dirty="0">
                           <a:latin typeface="Consolas" panose="020B0609020204030204" pitchFamily="49" charset="0"/>
                         </a:rPr>
                         <a:t>a</a:t>
                       </a:r>
-                      <a:endParaRPr lang="en-US" b="1" dirty="0">
-                        <a:latin typeface="Consolas" panose="020B0609020204030204" pitchFamily="49" charset="0"/>
-                      </a:endParaRPr>
                     </a:p>
                   </a:txBody>
                   <a:tcPr/>
@@ -16634,14 +16763,11 @@
                     <a:lstStyle/>
                     <a:p>
                       <a:r>
-                        <a:rPr lang="en-US" b="1" dirty="0" smtClean="0">
+                        <a:rPr lang="en-US" b="1" dirty="0">
                           <a:latin typeface="Consolas" panose="020B0609020204030204" pitchFamily="49" charset="0"/>
                         </a:rPr>
                         <a:t>p</a:t>
                       </a:r>
-                      <a:endParaRPr lang="en-US" b="1" dirty="0">
-                        <a:latin typeface="Consolas" panose="020B0609020204030204" pitchFamily="49" charset="0"/>
-                      </a:endParaRPr>
                     </a:p>
                   </a:txBody>
                   <a:tcPr/>
@@ -16652,14 +16778,11 @@
                     <a:lstStyle/>
                     <a:p>
                       <a:r>
-                        <a:rPr lang="en-US" b="1" dirty="0" smtClean="0">
+                        <a:rPr lang="en-US" b="1" dirty="0">
                           <a:latin typeface="Consolas" panose="020B0609020204030204" pitchFamily="49" charset="0"/>
                         </a:rPr>
                         <a:t>p</a:t>
                       </a:r>
-                      <a:endParaRPr lang="en-US" b="1" dirty="0">
-                        <a:latin typeface="Consolas" panose="020B0609020204030204" pitchFamily="49" charset="0"/>
-                      </a:endParaRPr>
                     </a:p>
                   </a:txBody>
                   <a:tcPr/>
@@ -16670,14 +16793,11 @@
                     <a:lstStyle/>
                     <a:p>
                       <a:r>
-                        <a:rPr lang="en-US" b="1" dirty="0" smtClean="0">
+                        <a:rPr lang="en-US" b="1" dirty="0">
                           <a:latin typeface="Consolas" panose="020B0609020204030204" pitchFamily="49" charset="0"/>
                         </a:rPr>
                         <a:t>l</a:t>
                       </a:r>
-                      <a:endParaRPr lang="en-US" b="1" dirty="0">
-                        <a:latin typeface="Consolas" panose="020B0609020204030204" pitchFamily="49" charset="0"/>
-                      </a:endParaRPr>
                     </a:p>
                   </a:txBody>
                   <a:tcPr/>
@@ -16688,14 +16808,11 @@
                     <a:lstStyle/>
                     <a:p>
                       <a:r>
-                        <a:rPr lang="en-US" b="1" dirty="0" smtClean="0">
+                        <a:rPr lang="en-US" b="1" dirty="0">
                           <a:latin typeface="Consolas" panose="020B0609020204030204" pitchFamily="49" charset="0"/>
                         </a:rPr>
                         <a:t>e</a:t>
                       </a:r>
-                      <a:endParaRPr lang="en-US" b="1" dirty="0">
-                        <a:latin typeface="Consolas" panose="020B0609020204030204" pitchFamily="49" charset="0"/>
-                      </a:endParaRPr>
                     </a:p>
                   </a:txBody>
                   <a:tcPr/>
@@ -16723,14 +16840,11 @@
                     <a:lstStyle/>
                     <a:p>
                       <a:r>
-                        <a:rPr lang="en-US" b="1" dirty="0" smtClean="0">
+                        <a:rPr lang="en-US" b="1" dirty="0">
                           <a:latin typeface="Consolas" panose="020B0609020204030204" pitchFamily="49" charset="0"/>
                         </a:rPr>
                         <a:t>l</a:t>
                       </a:r>
-                      <a:endParaRPr lang="en-US" b="1" dirty="0">
-                        <a:latin typeface="Consolas" panose="020B0609020204030204" pitchFamily="49" charset="0"/>
-                      </a:endParaRPr>
                     </a:p>
                   </a:txBody>
                   <a:tcPr/>
@@ -16741,14 +16855,11 @@
                     <a:lstStyle/>
                     <a:p>
                       <a:r>
-                        <a:rPr lang="en-US" b="1" dirty="0" smtClean="0">
+                        <a:rPr lang="en-US" b="1" dirty="0">
                           <a:latin typeface="Consolas" panose="020B0609020204030204" pitchFamily="49" charset="0"/>
                         </a:rPr>
                         <a:t>z</a:t>
                       </a:r>
-                      <a:endParaRPr lang="en-US" b="1" dirty="0">
-                        <a:latin typeface="Consolas" panose="020B0609020204030204" pitchFamily="49" charset="0"/>
-                      </a:endParaRPr>
                     </a:p>
                   </a:txBody>
                   <a:tcPr/>
@@ -16759,14 +16870,11 @@
                     <a:lstStyle/>
                     <a:p>
                       <a:r>
-                        <a:rPr lang="en-US" b="1" dirty="0" smtClean="0">
+                        <a:rPr lang="en-US" b="1" dirty="0">
                           <a:latin typeface="Consolas" panose="020B0609020204030204" pitchFamily="49" charset="0"/>
                         </a:rPr>
                         <a:t>k</a:t>
                       </a:r>
-                      <a:endParaRPr lang="en-US" b="1" dirty="0">
-                        <a:latin typeface="Consolas" panose="020B0609020204030204" pitchFamily="49" charset="0"/>
-                      </a:endParaRPr>
                     </a:p>
                   </a:txBody>
                   <a:tcPr/>
@@ -16777,14 +16885,11 @@
                     <a:lstStyle/>
                     <a:p>
                       <a:r>
-                        <a:rPr lang="en-US" b="1" dirty="0" smtClean="0">
+                        <a:rPr lang="en-US" b="1" dirty="0">
                           <a:latin typeface="Consolas" panose="020B0609020204030204" pitchFamily="49" charset="0"/>
                         </a:rPr>
                         <a:t>s</a:t>
                       </a:r>
-                      <a:endParaRPr lang="en-US" b="1" dirty="0">
-                        <a:latin typeface="Consolas" panose="020B0609020204030204" pitchFamily="49" charset="0"/>
-                      </a:endParaRPr>
                     </a:p>
                   </a:txBody>
                   <a:tcPr/>
@@ -16795,14 +16900,11 @@
                     <a:lstStyle/>
                     <a:p>
                       <a:r>
-                        <a:rPr lang="en-US" b="1" dirty="0" smtClean="0">
+                        <a:rPr lang="en-US" b="1" dirty="0">
                           <a:latin typeface="Consolas" panose="020B0609020204030204" pitchFamily="49" charset="0"/>
                         </a:rPr>
                         <a:t>j</a:t>
                       </a:r>
-                      <a:endParaRPr lang="en-US" b="1" dirty="0">
-                        <a:latin typeface="Consolas" panose="020B0609020204030204" pitchFamily="49" charset="0"/>
-                      </a:endParaRPr>
                     </a:p>
                   </a:txBody>
                   <a:tcPr/>
@@ -16820,10 +16922,9 @@
                     <a:lstStyle/>
                     <a:p>
                       <a:r>
-                        <a:rPr lang="en-US" dirty="0" smtClean="0"/>
+                        <a:rPr lang="en-US" dirty="0"/>
                         <a:t>+</a:t>
                       </a:r>
-                      <a:endParaRPr lang="en-US" dirty="0"/>
                     </a:p>
                   </a:txBody>
                   <a:tcPr/>
@@ -16834,7 +16935,7 @@
                     <a:lstStyle/>
                     <a:p>
                       <a:r>
-                        <a:rPr lang="en-US" b="1" dirty="0" smtClean="0">
+                        <a:rPr lang="en-US" b="1" dirty="0">
                           <a:solidFill>
                             <a:srgbClr val="002060"/>
                           </a:solidFill>
@@ -16842,12 +16943,6 @@
                         </a:rPr>
                         <a:t>l</a:t>
                       </a:r>
-                      <a:endParaRPr lang="en-US" b="1" dirty="0">
-                        <a:solidFill>
-                          <a:srgbClr val="002060"/>
-                        </a:solidFill>
-                        <a:latin typeface="Consolas" panose="020B0609020204030204" pitchFamily="49" charset="0"/>
-                      </a:endParaRPr>
                     </a:p>
                   </a:txBody>
                   <a:tcPr/>
@@ -16858,7 +16953,7 @@
                     <a:lstStyle/>
                     <a:p>
                       <a:r>
-                        <a:rPr lang="en-US" b="1" dirty="0" smtClean="0">
+                        <a:rPr lang="en-US" b="1" dirty="0">
                           <a:solidFill>
                             <a:srgbClr val="002060"/>
                           </a:solidFill>
@@ -16866,12 +16961,6 @@
                         </a:rPr>
                         <a:t>o</a:t>
                       </a:r>
-                      <a:endParaRPr lang="en-US" b="1" dirty="0">
-                        <a:solidFill>
-                          <a:srgbClr val="002060"/>
-                        </a:solidFill>
-                        <a:latin typeface="Consolas" panose="020B0609020204030204" pitchFamily="49" charset="0"/>
-                      </a:endParaRPr>
                     </a:p>
                   </a:txBody>
                   <a:tcPr/>
@@ -16882,7 +16971,7 @@
                     <a:lstStyle/>
                     <a:p>
                       <a:r>
-                        <a:rPr lang="en-US" b="1" dirty="0" smtClean="0">
+                        <a:rPr lang="en-US" b="1" dirty="0">
                           <a:solidFill>
                             <a:srgbClr val="002060"/>
                           </a:solidFill>
@@ -16890,12 +16979,6 @@
                         </a:rPr>
                         <a:t>z</a:t>
                       </a:r>
-                      <a:endParaRPr lang="en-US" b="1" dirty="0">
-                        <a:solidFill>
-                          <a:srgbClr val="002060"/>
-                        </a:solidFill>
-                        <a:latin typeface="Consolas" panose="020B0609020204030204" pitchFamily="49" charset="0"/>
-                      </a:endParaRPr>
                     </a:p>
                   </a:txBody>
                   <a:tcPr/>
@@ -16906,7 +16989,7 @@
                     <a:lstStyle/>
                     <a:p>
                       <a:r>
-                        <a:rPr lang="en-US" b="1" dirty="0" smtClean="0">
+                        <a:rPr lang="en-US" b="1" dirty="0">
                           <a:solidFill>
                             <a:srgbClr val="002060"/>
                           </a:solidFill>
@@ -16914,12 +16997,6 @@
                         </a:rPr>
                         <a:t>d</a:t>
                       </a:r>
-                      <a:endParaRPr lang="en-US" b="1" dirty="0">
-                        <a:solidFill>
-                          <a:srgbClr val="002060"/>
-                        </a:solidFill>
-                        <a:latin typeface="Consolas" panose="020B0609020204030204" pitchFamily="49" charset="0"/>
-                      </a:endParaRPr>
                     </a:p>
                   </a:txBody>
                   <a:tcPr/>
@@ -16930,7 +17007,7 @@
                     <a:lstStyle/>
                     <a:p>
                       <a:r>
-                        <a:rPr lang="en-US" b="1" dirty="0" smtClean="0">
+                        <a:rPr lang="en-US" b="1" dirty="0">
                           <a:solidFill>
                             <a:srgbClr val="002060"/>
                           </a:solidFill>
@@ -16938,12 +17015,6 @@
                         </a:rPr>
                         <a:t>n</a:t>
                       </a:r>
-                      <a:endParaRPr lang="en-US" b="1" dirty="0">
-                        <a:solidFill>
-                          <a:srgbClr val="002060"/>
-                        </a:solidFill>
-                        <a:latin typeface="Consolas" panose="020B0609020204030204" pitchFamily="49" charset="0"/>
-                      </a:endParaRPr>
                     </a:p>
                   </a:txBody>
                   <a:tcPr/>
@@ -17043,14 +17114,11 @@
                     <a:lstStyle/>
                     <a:p>
                       <a:r>
-                        <a:rPr lang="en-US" b="1" dirty="0" smtClean="0">
+                        <a:rPr lang="en-US" b="1" dirty="0">
                           <a:latin typeface="Consolas" panose="020B0609020204030204" pitchFamily="49" charset="0"/>
                         </a:rPr>
                         <a:t>0</a:t>
                       </a:r>
-                      <a:endParaRPr lang="en-US" b="1" dirty="0">
-                        <a:latin typeface="Consolas" panose="020B0609020204030204" pitchFamily="49" charset="0"/>
-                      </a:endParaRPr>
                     </a:p>
                   </a:txBody>
                   <a:tcPr/>
@@ -17061,14 +17129,11 @@
                     <a:lstStyle/>
                     <a:p>
                       <a:r>
-                        <a:rPr lang="en-US" b="1" dirty="0" smtClean="0">
+                        <a:rPr lang="en-US" b="1" dirty="0">
                           <a:latin typeface="Consolas" panose="020B0609020204030204" pitchFamily="49" charset="0"/>
                         </a:rPr>
                         <a:t>15</a:t>
                       </a:r>
-                      <a:endParaRPr lang="en-US" b="1" dirty="0">
-                        <a:latin typeface="Consolas" panose="020B0609020204030204" pitchFamily="49" charset="0"/>
-                      </a:endParaRPr>
                     </a:p>
                   </a:txBody>
                   <a:tcPr/>
@@ -17079,14 +17144,11 @@
                     <a:lstStyle/>
                     <a:p>
                       <a:r>
-                        <a:rPr lang="en-US" b="1" dirty="0" smtClean="0">
+                        <a:rPr lang="en-US" b="1" dirty="0">
                           <a:latin typeface="Consolas" panose="020B0609020204030204" pitchFamily="49" charset="0"/>
                         </a:rPr>
                         <a:t>15</a:t>
                       </a:r>
-                      <a:endParaRPr lang="en-US" b="1" dirty="0">
-                        <a:latin typeface="Consolas" panose="020B0609020204030204" pitchFamily="49" charset="0"/>
-                      </a:endParaRPr>
                     </a:p>
                   </a:txBody>
                   <a:tcPr/>
@@ -17097,14 +17159,11 @@
                     <a:lstStyle/>
                     <a:p>
                       <a:r>
-                        <a:rPr lang="en-US" b="1" dirty="0" smtClean="0">
+                        <a:rPr lang="en-US" b="1" dirty="0">
                           <a:latin typeface="Consolas" panose="020B0609020204030204" pitchFamily="49" charset="0"/>
                         </a:rPr>
                         <a:t>11</a:t>
                       </a:r>
-                      <a:endParaRPr lang="en-US" b="1" dirty="0">
-                        <a:latin typeface="Consolas" panose="020B0609020204030204" pitchFamily="49" charset="0"/>
-                      </a:endParaRPr>
                     </a:p>
                   </a:txBody>
                   <a:tcPr/>
@@ -17115,14 +17174,11 @@
                     <a:lstStyle/>
                     <a:p>
                       <a:r>
-                        <a:rPr lang="en-US" b="1" dirty="0" smtClean="0">
+                        <a:rPr lang="en-US" b="1" dirty="0">
                           <a:latin typeface="Consolas" panose="020B0609020204030204" pitchFamily="49" charset="0"/>
                         </a:rPr>
                         <a:t>4</a:t>
                       </a:r>
-                      <a:endParaRPr lang="en-US" b="1" dirty="0">
-                        <a:latin typeface="Consolas" panose="020B0609020204030204" pitchFamily="49" charset="0"/>
-                      </a:endParaRPr>
                     </a:p>
                   </a:txBody>
                   <a:tcPr/>
@@ -17150,14 +17206,11 @@
                     <a:lstStyle/>
                     <a:p>
                       <a:r>
-                        <a:rPr lang="en-US" b="1" dirty="0" smtClean="0">
+                        <a:rPr lang="en-US" b="1" dirty="0">
                           <a:latin typeface="Consolas" panose="020B0609020204030204" pitchFamily="49" charset="0"/>
                         </a:rPr>
                         <a:t>11</a:t>
                       </a:r>
-                      <a:endParaRPr lang="en-US" b="1" dirty="0">
-                        <a:latin typeface="Consolas" panose="020B0609020204030204" pitchFamily="49" charset="0"/>
-                      </a:endParaRPr>
                     </a:p>
                   </a:txBody>
                   <a:tcPr/>
@@ -17168,14 +17221,11 @@
                     <a:lstStyle/>
                     <a:p>
                       <a:r>
-                        <a:rPr lang="en-US" b="1" dirty="0" smtClean="0">
+                        <a:rPr lang="en-US" b="1" dirty="0">
                           <a:latin typeface="Consolas" panose="020B0609020204030204" pitchFamily="49" charset="0"/>
                         </a:rPr>
                         <a:t>25</a:t>
                       </a:r>
-                      <a:endParaRPr lang="en-US" b="1" dirty="0">
-                        <a:latin typeface="Consolas" panose="020B0609020204030204" pitchFamily="49" charset="0"/>
-                      </a:endParaRPr>
                     </a:p>
                   </a:txBody>
                   <a:tcPr/>
@@ -17186,14 +17236,11 @@
                     <a:lstStyle/>
                     <a:p>
                       <a:r>
-                        <a:rPr lang="en-US" b="1" dirty="0" smtClean="0">
+                        <a:rPr lang="en-US" b="1" dirty="0">
                           <a:latin typeface="Consolas" panose="020B0609020204030204" pitchFamily="49" charset="0"/>
                         </a:rPr>
                         <a:t>10</a:t>
                       </a:r>
-                      <a:endParaRPr lang="en-US" b="1" dirty="0">
-                        <a:latin typeface="Consolas" panose="020B0609020204030204" pitchFamily="49" charset="0"/>
-                      </a:endParaRPr>
                     </a:p>
                   </a:txBody>
                   <a:tcPr/>
@@ -17204,14 +17251,11 @@
                     <a:lstStyle/>
                     <a:p>
                       <a:r>
-                        <a:rPr lang="en-US" b="1" dirty="0" smtClean="0">
+                        <a:rPr lang="en-US" b="1" dirty="0">
                           <a:latin typeface="Consolas" panose="020B0609020204030204" pitchFamily="49" charset="0"/>
                         </a:rPr>
                         <a:t>18</a:t>
                       </a:r>
-                      <a:endParaRPr lang="en-US" b="1" dirty="0">
-                        <a:latin typeface="Consolas" panose="020B0609020204030204" pitchFamily="49" charset="0"/>
-                      </a:endParaRPr>
                     </a:p>
                   </a:txBody>
                   <a:tcPr/>
@@ -17222,14 +17266,11 @@
                     <a:lstStyle/>
                     <a:p>
                       <a:r>
-                        <a:rPr lang="en-US" b="1" dirty="0" smtClean="0">
+                        <a:rPr lang="en-US" b="1" dirty="0">
                           <a:latin typeface="Consolas" panose="020B0609020204030204" pitchFamily="49" charset="0"/>
                         </a:rPr>
                         <a:t>9</a:t>
                       </a:r>
-                      <a:endParaRPr lang="en-US" b="1" dirty="0">
-                        <a:latin typeface="Consolas" panose="020B0609020204030204" pitchFamily="49" charset="0"/>
-                      </a:endParaRPr>
                     </a:p>
                   </a:txBody>
                   <a:tcPr/>
@@ -17247,10 +17288,9 @@
                     <a:lstStyle/>
                     <a:p>
                       <a:r>
-                        <a:rPr lang="en-US" dirty="0" smtClean="0"/>
+                        <a:rPr lang="en-US" dirty="0"/>
                         <a:t>+</a:t>
                       </a:r>
-                      <a:endParaRPr lang="en-US" dirty="0"/>
                     </a:p>
                   </a:txBody>
                   <a:tcPr/>
@@ -17261,7 +17301,7 @@
                     <a:lstStyle/>
                     <a:p>
                       <a:r>
-                        <a:rPr lang="en-US" b="1" dirty="0" smtClean="0">
+                        <a:rPr lang="en-US" b="1" dirty="0">
                           <a:solidFill>
                             <a:srgbClr val="002060"/>
                           </a:solidFill>
@@ -17269,12 +17309,6 @@
                         </a:rPr>
                         <a:t>11</a:t>
                       </a:r>
-                      <a:endParaRPr lang="en-US" b="1" dirty="0">
-                        <a:solidFill>
-                          <a:srgbClr val="002060"/>
-                        </a:solidFill>
-                        <a:latin typeface="Consolas" panose="020B0609020204030204" pitchFamily="49" charset="0"/>
-                      </a:endParaRPr>
                     </a:p>
                   </a:txBody>
                   <a:tcPr/>
@@ -17285,7 +17319,7 @@
                     <a:lstStyle/>
                     <a:p>
                       <a:r>
-                        <a:rPr lang="en-US" b="1" dirty="0" smtClean="0">
+                        <a:rPr lang="en-US" b="1" dirty="0">
                           <a:solidFill>
                             <a:srgbClr val="002060"/>
                           </a:solidFill>
@@ -17293,12 +17327,6 @@
                         </a:rPr>
                         <a:t>14</a:t>
                       </a:r>
-                      <a:endParaRPr lang="en-US" b="1" dirty="0">
-                        <a:solidFill>
-                          <a:srgbClr val="002060"/>
-                        </a:solidFill>
-                        <a:latin typeface="Consolas" panose="020B0609020204030204" pitchFamily="49" charset="0"/>
-                      </a:endParaRPr>
                     </a:p>
                   </a:txBody>
                   <a:tcPr/>
@@ -17309,7 +17337,7 @@
                     <a:lstStyle/>
                     <a:p>
                       <a:r>
-                        <a:rPr lang="en-US" b="1" dirty="0" smtClean="0">
+                        <a:rPr lang="en-US" b="1" dirty="0">
                           <a:solidFill>
                             <a:srgbClr val="002060"/>
                           </a:solidFill>
@@ -17317,12 +17345,6 @@
                         </a:rPr>
                         <a:t>25</a:t>
                       </a:r>
-                      <a:endParaRPr lang="en-US" b="1" dirty="0">
-                        <a:solidFill>
-                          <a:srgbClr val="002060"/>
-                        </a:solidFill>
-                        <a:latin typeface="Consolas" panose="020B0609020204030204" pitchFamily="49" charset="0"/>
-                      </a:endParaRPr>
                     </a:p>
                   </a:txBody>
                   <a:tcPr/>
@@ -17333,7 +17355,7 @@
                     <a:lstStyle/>
                     <a:p>
                       <a:r>
-                        <a:rPr lang="en-US" b="1" dirty="0" smtClean="0">
+                        <a:rPr lang="en-US" b="1" dirty="0">
                           <a:solidFill>
                             <a:srgbClr val="002060"/>
                           </a:solidFill>
@@ -17341,12 +17363,6 @@
                         </a:rPr>
                         <a:t>3</a:t>
                       </a:r>
-                      <a:endParaRPr lang="en-US" b="1" dirty="0">
-                        <a:solidFill>
-                          <a:srgbClr val="002060"/>
-                        </a:solidFill>
-                        <a:latin typeface="Consolas" panose="020B0609020204030204" pitchFamily="49" charset="0"/>
-                      </a:endParaRPr>
                     </a:p>
                   </a:txBody>
                   <a:tcPr/>
@@ -17357,7 +17373,7 @@
                     <a:lstStyle/>
                     <a:p>
                       <a:r>
-                        <a:rPr lang="en-US" b="1" dirty="0" smtClean="0">
+                        <a:rPr lang="en-US" b="1" dirty="0">
                           <a:solidFill>
                             <a:srgbClr val="002060"/>
                           </a:solidFill>
@@ -17365,12 +17381,6 @@
                         </a:rPr>
                         <a:t>13</a:t>
                       </a:r>
-                      <a:endParaRPr lang="en-US" b="1" dirty="0">
-                        <a:solidFill>
-                          <a:srgbClr val="002060"/>
-                        </a:solidFill>
-                        <a:latin typeface="Consolas" panose="020B0609020204030204" pitchFamily="49" charset="0"/>
-                      </a:endParaRPr>
                     </a:p>
                   </a:txBody>
                   <a:tcPr/>
@@ -17572,14 +17582,11 @@
                     <a:lstStyle/>
                     <a:p>
                       <a:r>
-                        <a:rPr lang="en-US" b="1" dirty="0" smtClean="0">
+                        <a:rPr lang="en-US" b="1" dirty="0">
                           <a:latin typeface="Consolas" panose="020B0609020204030204" pitchFamily="49" charset="0"/>
                         </a:rPr>
                         <a:t>l</a:t>
                       </a:r>
-                      <a:endParaRPr lang="en-US" b="1" dirty="0">
-                        <a:latin typeface="Consolas" panose="020B0609020204030204" pitchFamily="49" charset="0"/>
-                      </a:endParaRPr>
                     </a:p>
                   </a:txBody>
                   <a:tcPr/>
@@ -17590,14 +17597,11 @@
                     <a:lstStyle/>
                     <a:p>
                       <a:r>
-                        <a:rPr lang="en-US" b="1" dirty="0" smtClean="0">
+                        <a:rPr lang="en-US" b="1" dirty="0">
                           <a:latin typeface="Consolas" panose="020B0609020204030204" pitchFamily="49" charset="0"/>
                         </a:rPr>
                         <a:t>o</a:t>
                       </a:r>
-                      <a:endParaRPr lang="en-US" b="1" dirty="0">
-                        <a:latin typeface="Consolas" panose="020B0609020204030204" pitchFamily="49" charset="0"/>
-                      </a:endParaRPr>
                     </a:p>
                   </a:txBody>
                   <a:tcPr/>
@@ -17608,14 +17612,11 @@
                     <a:lstStyle/>
                     <a:p>
                       <a:r>
-                        <a:rPr lang="en-US" b="1" dirty="0" smtClean="0">
+                        <a:rPr lang="en-US" b="1" dirty="0">
                           <a:latin typeface="Consolas" panose="020B0609020204030204" pitchFamily="49" charset="0"/>
                         </a:rPr>
                         <a:t>z</a:t>
                       </a:r>
-                      <a:endParaRPr lang="en-US" b="1" dirty="0">
-                        <a:latin typeface="Consolas" panose="020B0609020204030204" pitchFamily="49" charset="0"/>
-                      </a:endParaRPr>
                     </a:p>
                   </a:txBody>
                   <a:tcPr/>
@@ -17626,14 +17627,11 @@
                     <a:lstStyle/>
                     <a:p>
                       <a:r>
-                        <a:rPr lang="en-US" b="1" dirty="0" smtClean="0">
+                        <a:rPr lang="en-US" b="1" dirty="0">
                           <a:latin typeface="Consolas" panose="020B0609020204030204" pitchFamily="49" charset="0"/>
                         </a:rPr>
                         <a:t>d</a:t>
                       </a:r>
-                      <a:endParaRPr lang="en-US" b="1" dirty="0">
-                        <a:latin typeface="Consolas" panose="020B0609020204030204" pitchFamily="49" charset="0"/>
-                      </a:endParaRPr>
                     </a:p>
                   </a:txBody>
                   <a:tcPr/>
@@ -17644,14 +17642,11 @@
                     <a:lstStyle/>
                     <a:p>
                       <a:r>
-                        <a:rPr lang="en-US" b="1" dirty="0" smtClean="0">
+                        <a:rPr lang="en-US" b="1" dirty="0">
                           <a:latin typeface="Consolas" panose="020B0609020204030204" pitchFamily="49" charset="0"/>
                         </a:rPr>
                         <a:t>n</a:t>
                       </a:r>
-                      <a:endParaRPr lang="en-US" b="1" dirty="0">
-                        <a:latin typeface="Consolas" panose="020B0609020204030204" pitchFamily="49" charset="0"/>
-                      </a:endParaRPr>
                     </a:p>
                   </a:txBody>
                   <a:tcPr/>
@@ -17679,14 +17674,11 @@
                     <a:lstStyle/>
                     <a:p>
                       <a:r>
-                        <a:rPr lang="en-US" b="1" dirty="0" smtClean="0">
+                        <a:rPr lang="en-US" b="1" dirty="0">
                           <a:latin typeface="Consolas" panose="020B0609020204030204" pitchFamily="49" charset="0"/>
                         </a:rPr>
                         <a:t>l</a:t>
                       </a:r>
-                      <a:endParaRPr lang="en-US" b="1" dirty="0">
-                        <a:latin typeface="Consolas" panose="020B0609020204030204" pitchFamily="49" charset="0"/>
-                      </a:endParaRPr>
                     </a:p>
                   </a:txBody>
                   <a:tcPr/>
@@ -17697,14 +17689,11 @@
                     <a:lstStyle/>
                     <a:p>
                       <a:r>
-                        <a:rPr lang="en-US" b="1" dirty="0" smtClean="0">
+                        <a:rPr lang="en-US" b="1" dirty="0">
                           <a:latin typeface="Consolas" panose="020B0609020204030204" pitchFamily="49" charset="0"/>
                         </a:rPr>
                         <a:t>z</a:t>
                       </a:r>
-                      <a:endParaRPr lang="en-US" b="1" dirty="0">
-                        <a:latin typeface="Consolas" panose="020B0609020204030204" pitchFamily="49" charset="0"/>
-                      </a:endParaRPr>
                     </a:p>
                   </a:txBody>
                   <a:tcPr/>
@@ -17715,14 +17704,11 @@
                     <a:lstStyle/>
                     <a:p>
                       <a:r>
-                        <a:rPr lang="en-US" b="1" dirty="0" smtClean="0">
+                        <a:rPr lang="en-US" b="1" dirty="0">
                           <a:latin typeface="Consolas" panose="020B0609020204030204" pitchFamily="49" charset="0"/>
                         </a:rPr>
                         <a:t>k</a:t>
                       </a:r>
-                      <a:endParaRPr lang="en-US" b="1" dirty="0">
-                        <a:latin typeface="Consolas" panose="020B0609020204030204" pitchFamily="49" charset="0"/>
-                      </a:endParaRPr>
                     </a:p>
                   </a:txBody>
                   <a:tcPr/>
@@ -17733,14 +17719,11 @@
                     <a:lstStyle/>
                     <a:p>
                       <a:r>
-                        <a:rPr lang="en-US" b="1" dirty="0" smtClean="0">
+                        <a:rPr lang="en-US" b="1" dirty="0">
                           <a:latin typeface="Consolas" panose="020B0609020204030204" pitchFamily="49" charset="0"/>
                         </a:rPr>
                         <a:t>s</a:t>
                       </a:r>
-                      <a:endParaRPr lang="en-US" b="1" dirty="0">
-                        <a:latin typeface="Consolas" panose="020B0609020204030204" pitchFamily="49" charset="0"/>
-                      </a:endParaRPr>
                     </a:p>
                   </a:txBody>
                   <a:tcPr/>
@@ -17751,14 +17734,11 @@
                     <a:lstStyle/>
                     <a:p>
                       <a:r>
-                        <a:rPr lang="en-US" b="1" dirty="0" smtClean="0">
+                        <a:rPr lang="en-US" b="1" dirty="0">
                           <a:latin typeface="Consolas" panose="020B0609020204030204" pitchFamily="49" charset="0"/>
                         </a:rPr>
                         <a:t>j</a:t>
                       </a:r>
-                      <a:endParaRPr lang="en-US" b="1" dirty="0">
-                        <a:latin typeface="Consolas" panose="020B0609020204030204" pitchFamily="49" charset="0"/>
-                      </a:endParaRPr>
                     </a:p>
                   </a:txBody>
                   <a:tcPr/>
@@ -17776,10 +17756,9 @@
                     <a:lstStyle/>
                     <a:p>
                       <a:r>
-                        <a:rPr lang="en-US" dirty="0" smtClean="0"/>
+                        <a:rPr lang="en-US" dirty="0"/>
                         <a:t>-</a:t>
                       </a:r>
-                      <a:endParaRPr lang="en-US" dirty="0"/>
                     </a:p>
                   </a:txBody>
                   <a:tcPr/>
@@ -17790,7 +17769,7 @@
                     <a:lstStyle/>
                     <a:p>
                       <a:r>
-                        <a:rPr lang="en-US" b="1" dirty="0" smtClean="0">
+                        <a:rPr lang="en-US" b="1" dirty="0">
                           <a:solidFill>
                             <a:srgbClr val="002060"/>
                           </a:solidFill>
@@ -17798,12 +17777,6 @@
                         </a:rPr>
                         <a:t>a</a:t>
                       </a:r>
-                      <a:endParaRPr lang="en-US" b="1" dirty="0">
-                        <a:solidFill>
-                          <a:srgbClr val="002060"/>
-                        </a:solidFill>
-                        <a:latin typeface="Consolas" panose="020B0609020204030204" pitchFamily="49" charset="0"/>
-                      </a:endParaRPr>
                     </a:p>
                   </a:txBody>
                   <a:tcPr/>
@@ -17814,7 +17787,7 @@
                     <a:lstStyle/>
                     <a:p>
                       <a:r>
-                        <a:rPr lang="en-US" b="1" dirty="0" smtClean="0">
+                        <a:rPr lang="en-US" b="1" dirty="0">
                           <a:solidFill>
                             <a:srgbClr val="002060"/>
                           </a:solidFill>
@@ -17822,12 +17795,6 @@
                         </a:rPr>
                         <a:t>p</a:t>
                       </a:r>
-                      <a:endParaRPr lang="en-US" b="1" dirty="0">
-                        <a:solidFill>
-                          <a:srgbClr val="002060"/>
-                        </a:solidFill>
-                        <a:latin typeface="Consolas" panose="020B0609020204030204" pitchFamily="49" charset="0"/>
-                      </a:endParaRPr>
                     </a:p>
                   </a:txBody>
                   <a:tcPr/>
@@ -17838,7 +17805,7 @@
                     <a:lstStyle/>
                     <a:p>
                       <a:r>
-                        <a:rPr lang="en-US" b="1" dirty="0" smtClean="0">
+                        <a:rPr lang="en-US" b="1" dirty="0">
                           <a:solidFill>
                             <a:srgbClr val="002060"/>
                           </a:solidFill>
@@ -17846,12 +17813,6 @@
                         </a:rPr>
                         <a:t>p</a:t>
                       </a:r>
-                      <a:endParaRPr lang="en-US" b="1" dirty="0">
-                        <a:solidFill>
-                          <a:srgbClr val="002060"/>
-                        </a:solidFill>
-                        <a:latin typeface="Consolas" panose="020B0609020204030204" pitchFamily="49" charset="0"/>
-                      </a:endParaRPr>
                     </a:p>
                   </a:txBody>
                   <a:tcPr/>
@@ -17862,7 +17823,7 @@
                     <a:lstStyle/>
                     <a:p>
                       <a:r>
-                        <a:rPr lang="en-US" b="1" dirty="0" smtClean="0">
+                        <a:rPr lang="en-US" b="1" dirty="0">
                           <a:solidFill>
                             <a:srgbClr val="002060"/>
                           </a:solidFill>
@@ -17870,12 +17831,6 @@
                         </a:rPr>
                         <a:t>l</a:t>
                       </a:r>
-                      <a:endParaRPr lang="en-US" b="1" dirty="0">
-                        <a:solidFill>
-                          <a:srgbClr val="002060"/>
-                        </a:solidFill>
-                        <a:latin typeface="Consolas" panose="020B0609020204030204" pitchFamily="49" charset="0"/>
-                      </a:endParaRPr>
                     </a:p>
                   </a:txBody>
                   <a:tcPr/>
@@ -17886,7 +17841,7 @@
                     <a:lstStyle/>
                     <a:p>
                       <a:r>
-                        <a:rPr lang="en-US" b="1" dirty="0" smtClean="0">
+                        <a:rPr lang="en-US" b="1" dirty="0">
                           <a:solidFill>
                             <a:srgbClr val="002060"/>
                           </a:solidFill>
@@ -17894,12 +17849,6 @@
                         </a:rPr>
                         <a:t>e</a:t>
                       </a:r>
-                      <a:endParaRPr lang="en-US" b="1" dirty="0">
-                        <a:solidFill>
-                          <a:srgbClr val="002060"/>
-                        </a:solidFill>
-                        <a:latin typeface="Consolas" panose="020B0609020204030204" pitchFamily="49" charset="0"/>
-                      </a:endParaRPr>
                     </a:p>
                   </a:txBody>
                   <a:tcPr/>
@@ -17999,14 +17948,11 @@
                     <a:lstStyle/>
                     <a:p>
                       <a:r>
-                        <a:rPr lang="en-US" b="1" dirty="0" smtClean="0">
+                        <a:rPr lang="en-US" b="1" dirty="0">
                           <a:latin typeface="Consolas" panose="020B0609020204030204" pitchFamily="49" charset="0"/>
                         </a:rPr>
                         <a:t>11</a:t>
                       </a:r>
-                      <a:endParaRPr lang="en-US" b="1" dirty="0">
-                        <a:latin typeface="Consolas" panose="020B0609020204030204" pitchFamily="49" charset="0"/>
-                      </a:endParaRPr>
                     </a:p>
                   </a:txBody>
                   <a:tcPr/>
@@ -18017,14 +17963,11 @@
                     <a:lstStyle/>
                     <a:p>
                       <a:r>
-                        <a:rPr lang="en-US" b="1" dirty="0" smtClean="0">
+                        <a:rPr lang="en-US" b="1" dirty="0">
                           <a:latin typeface="Consolas" panose="020B0609020204030204" pitchFamily="49" charset="0"/>
                         </a:rPr>
                         <a:t>14</a:t>
                       </a:r>
-                      <a:endParaRPr lang="en-US" b="1" dirty="0">
-                        <a:latin typeface="Consolas" panose="020B0609020204030204" pitchFamily="49" charset="0"/>
-                      </a:endParaRPr>
                     </a:p>
                   </a:txBody>
                   <a:tcPr/>
@@ -18035,14 +17978,11 @@
                     <a:lstStyle/>
                     <a:p>
                       <a:r>
-                        <a:rPr lang="en-US" b="1" dirty="0" smtClean="0">
+                        <a:rPr lang="en-US" b="1" dirty="0">
                           <a:latin typeface="Consolas" panose="020B0609020204030204" pitchFamily="49" charset="0"/>
                         </a:rPr>
                         <a:t>25</a:t>
                       </a:r>
-                      <a:endParaRPr lang="en-US" b="1" dirty="0">
-                        <a:latin typeface="Consolas" panose="020B0609020204030204" pitchFamily="49" charset="0"/>
-                      </a:endParaRPr>
                     </a:p>
                   </a:txBody>
                   <a:tcPr/>
@@ -18053,14 +17993,11 @@
                     <a:lstStyle/>
                     <a:p>
                       <a:r>
-                        <a:rPr lang="en-US" b="1" dirty="0" smtClean="0">
+                        <a:rPr lang="en-US" b="1" dirty="0">
                           <a:latin typeface="Consolas" panose="020B0609020204030204" pitchFamily="49" charset="0"/>
                         </a:rPr>
                         <a:t>3</a:t>
                       </a:r>
-                      <a:endParaRPr lang="en-US" b="1" dirty="0">
-                        <a:latin typeface="Consolas" panose="020B0609020204030204" pitchFamily="49" charset="0"/>
-                      </a:endParaRPr>
                     </a:p>
                   </a:txBody>
                   <a:tcPr/>
@@ -18071,14 +18008,11 @@
                     <a:lstStyle/>
                     <a:p>
                       <a:r>
-                        <a:rPr lang="en-US" b="1" dirty="0" smtClean="0">
+                        <a:rPr lang="en-US" b="1" dirty="0">
                           <a:latin typeface="Consolas" panose="020B0609020204030204" pitchFamily="49" charset="0"/>
                         </a:rPr>
                         <a:t>13</a:t>
                       </a:r>
-                      <a:endParaRPr lang="en-US" b="1" dirty="0">
-                        <a:latin typeface="Consolas" panose="020B0609020204030204" pitchFamily="49" charset="0"/>
-                      </a:endParaRPr>
                     </a:p>
                   </a:txBody>
                   <a:tcPr/>
@@ -18106,14 +18040,11 @@
                     <a:lstStyle/>
                     <a:p>
                       <a:r>
-                        <a:rPr lang="en-US" b="1" dirty="0" smtClean="0">
+                        <a:rPr lang="en-US" b="1" dirty="0">
                           <a:latin typeface="Consolas" panose="020B0609020204030204" pitchFamily="49" charset="0"/>
                         </a:rPr>
                         <a:t>11</a:t>
                       </a:r>
-                      <a:endParaRPr lang="en-US" b="1" dirty="0">
-                        <a:latin typeface="Consolas" panose="020B0609020204030204" pitchFamily="49" charset="0"/>
-                      </a:endParaRPr>
                     </a:p>
                   </a:txBody>
                   <a:tcPr/>
@@ -18124,14 +18055,11 @@
                     <a:lstStyle/>
                     <a:p>
                       <a:r>
-                        <a:rPr lang="en-US" b="1" dirty="0" smtClean="0">
+                        <a:rPr lang="en-US" b="1" dirty="0">
                           <a:latin typeface="Consolas" panose="020B0609020204030204" pitchFamily="49" charset="0"/>
                         </a:rPr>
                         <a:t>25</a:t>
                       </a:r>
-                      <a:endParaRPr lang="en-US" b="1" dirty="0">
-                        <a:latin typeface="Consolas" panose="020B0609020204030204" pitchFamily="49" charset="0"/>
-                      </a:endParaRPr>
                     </a:p>
                   </a:txBody>
                   <a:tcPr/>
@@ -18142,14 +18070,11 @@
                     <a:lstStyle/>
                     <a:p>
                       <a:r>
-                        <a:rPr lang="en-US" b="1" dirty="0" smtClean="0">
+                        <a:rPr lang="en-US" b="1" dirty="0">
                           <a:latin typeface="Consolas" panose="020B0609020204030204" pitchFamily="49" charset="0"/>
                         </a:rPr>
                         <a:t>10</a:t>
                       </a:r>
-                      <a:endParaRPr lang="en-US" b="1" dirty="0">
-                        <a:latin typeface="Consolas" panose="020B0609020204030204" pitchFamily="49" charset="0"/>
-                      </a:endParaRPr>
                     </a:p>
                   </a:txBody>
                   <a:tcPr/>
@@ -18160,14 +18085,11 @@
                     <a:lstStyle/>
                     <a:p>
                       <a:r>
-                        <a:rPr lang="en-US" b="1" dirty="0" smtClean="0">
+                        <a:rPr lang="en-US" b="1" dirty="0">
                           <a:latin typeface="Consolas" panose="020B0609020204030204" pitchFamily="49" charset="0"/>
                         </a:rPr>
                         <a:t>18</a:t>
                       </a:r>
-                      <a:endParaRPr lang="en-US" b="1" dirty="0">
-                        <a:latin typeface="Consolas" panose="020B0609020204030204" pitchFamily="49" charset="0"/>
-                      </a:endParaRPr>
                     </a:p>
                   </a:txBody>
                   <a:tcPr/>
@@ -18178,14 +18100,11 @@
                     <a:lstStyle/>
                     <a:p>
                       <a:r>
-                        <a:rPr lang="en-US" b="1" dirty="0" smtClean="0">
+                        <a:rPr lang="en-US" b="1" dirty="0">
                           <a:latin typeface="Consolas" panose="020B0609020204030204" pitchFamily="49" charset="0"/>
                         </a:rPr>
                         <a:t>9</a:t>
                       </a:r>
-                      <a:endParaRPr lang="en-US" b="1" dirty="0">
-                        <a:latin typeface="Consolas" panose="020B0609020204030204" pitchFamily="49" charset="0"/>
-                      </a:endParaRPr>
                     </a:p>
                   </a:txBody>
                   <a:tcPr/>
@@ -18203,10 +18122,9 @@
                     <a:lstStyle/>
                     <a:p>
                       <a:r>
-                        <a:rPr lang="en-US" dirty="0" smtClean="0"/>
+                        <a:rPr lang="en-US" dirty="0"/>
                         <a:t>-</a:t>
                       </a:r>
-                      <a:endParaRPr lang="en-US" dirty="0"/>
                     </a:p>
                   </a:txBody>
                   <a:tcPr/>
@@ -18217,7 +18135,7 @@
                     <a:lstStyle/>
                     <a:p>
                       <a:r>
-                        <a:rPr lang="en-US" b="1" dirty="0" smtClean="0">
+                        <a:rPr lang="en-US" b="1" dirty="0">
                           <a:solidFill>
                             <a:srgbClr val="002060"/>
                           </a:solidFill>
@@ -18225,12 +18143,6 @@
                         </a:rPr>
                         <a:t>0</a:t>
                       </a:r>
-                      <a:endParaRPr lang="en-US" b="1" dirty="0">
-                        <a:solidFill>
-                          <a:srgbClr val="002060"/>
-                        </a:solidFill>
-                        <a:latin typeface="Consolas" panose="020B0609020204030204" pitchFamily="49" charset="0"/>
-                      </a:endParaRPr>
                     </a:p>
                   </a:txBody>
                   <a:tcPr/>
@@ -18241,7 +18153,7 @@
                     <a:lstStyle/>
                     <a:p>
                       <a:r>
-                        <a:rPr lang="en-US" b="1" dirty="0" smtClean="0">
+                        <a:rPr lang="en-US" b="1" dirty="0">
                           <a:solidFill>
                             <a:srgbClr val="002060"/>
                           </a:solidFill>
@@ -18249,12 +18161,6 @@
                         </a:rPr>
                         <a:t>15</a:t>
                       </a:r>
-                      <a:endParaRPr lang="en-US" b="1" dirty="0">
-                        <a:solidFill>
-                          <a:srgbClr val="002060"/>
-                        </a:solidFill>
-                        <a:latin typeface="Consolas" panose="020B0609020204030204" pitchFamily="49" charset="0"/>
-                      </a:endParaRPr>
                     </a:p>
                   </a:txBody>
                   <a:tcPr/>
@@ -18265,7 +18171,7 @@
                     <a:lstStyle/>
                     <a:p>
                       <a:r>
-                        <a:rPr lang="en-US" b="1" dirty="0" smtClean="0">
+                        <a:rPr lang="en-US" b="1" dirty="0">
                           <a:solidFill>
                             <a:srgbClr val="002060"/>
                           </a:solidFill>
@@ -18273,12 +18179,6 @@
                         </a:rPr>
                         <a:t>15</a:t>
                       </a:r>
-                      <a:endParaRPr lang="en-US" b="1" dirty="0">
-                        <a:solidFill>
-                          <a:srgbClr val="002060"/>
-                        </a:solidFill>
-                        <a:latin typeface="Consolas" panose="020B0609020204030204" pitchFamily="49" charset="0"/>
-                      </a:endParaRPr>
                     </a:p>
                   </a:txBody>
                   <a:tcPr/>
@@ -18289,7 +18189,7 @@
                     <a:lstStyle/>
                     <a:p>
                       <a:r>
-                        <a:rPr lang="en-US" b="1" dirty="0" smtClean="0">
+                        <a:rPr lang="en-US" b="1" dirty="0">
                           <a:solidFill>
                             <a:srgbClr val="002060"/>
                           </a:solidFill>
@@ -18297,12 +18197,6 @@
                         </a:rPr>
                         <a:t>11</a:t>
                       </a:r>
-                      <a:endParaRPr lang="en-US" b="1" dirty="0">
-                        <a:solidFill>
-                          <a:srgbClr val="002060"/>
-                        </a:solidFill>
-                        <a:latin typeface="Consolas" panose="020B0609020204030204" pitchFamily="49" charset="0"/>
-                      </a:endParaRPr>
                     </a:p>
                   </a:txBody>
                   <a:tcPr/>
@@ -18313,7 +18207,7 @@
                     <a:lstStyle/>
                     <a:p>
                       <a:r>
-                        <a:rPr lang="en-US" b="1" dirty="0" smtClean="0">
+                        <a:rPr lang="en-US" b="1" dirty="0">
                           <a:solidFill>
                             <a:srgbClr val="002060"/>
                           </a:solidFill>
@@ -18321,12 +18215,6 @@
                         </a:rPr>
                         <a:t>4</a:t>
                       </a:r>
-                      <a:endParaRPr lang="en-US" b="1" dirty="0">
-                        <a:solidFill>
-                          <a:srgbClr val="002060"/>
-                        </a:solidFill>
-                        <a:latin typeface="Consolas" panose="020B0609020204030204" pitchFamily="49" charset="0"/>
-                      </a:endParaRPr>
                     </a:p>
                   </a:txBody>
                   <a:tcPr/>
@@ -18718,6 +18606,868 @@
     <p:extLst>
       <p:ext uri="{BB962C8B-B14F-4D97-AF65-F5344CB8AC3E}">
         <p14:creationId xmlns:p14="http://schemas.microsoft.com/office/powerpoint/2010/main" val="1211234367"/>
+      </p:ext>
+    </p:extLst>
+  </p:cSld>
+  <p:clrMapOvr>
+    <a:masterClrMapping/>
+  </p:clrMapOvr>
+</p:sld>
+</file>
+
+<file path=ppt/slides/slide30.xml><?xml version="1.0" encoding="utf-8"?>
+<p:sld xmlns:a="http://schemas.openxmlformats.org/drawingml/2006/main" xmlns:r="http://schemas.openxmlformats.org/officeDocument/2006/relationships" xmlns:p="http://schemas.openxmlformats.org/presentationml/2006/main">
+  <p:cSld>
+    <p:spTree>
+      <p:nvGrpSpPr>
+        <p:cNvPr id="1" name=""/>
+        <p:cNvGrpSpPr/>
+        <p:nvPr/>
+      </p:nvGrpSpPr>
+      <p:grpSpPr>
+        <a:xfrm>
+          <a:off x="0" y="0"/>
+          <a:ext cx="0" cy="0"/>
+          <a:chOff x="0" y="0"/>
+          <a:chExt cx="0" cy="0"/>
+        </a:xfrm>
+      </p:grpSpPr>
+      <p:grpSp>
+        <p:nvGrpSpPr>
+          <p:cNvPr id="35" name="Group 34">
+            <a:extLst>
+              <a:ext uri="{FF2B5EF4-FFF2-40B4-BE49-F238E27FC236}">
+                <a16:creationId xmlns:a16="http://schemas.microsoft.com/office/drawing/2014/main" id="{3DAFBB9D-0B7D-407D-B503-D4EA177E0404}"/>
+              </a:ext>
+            </a:extLst>
+          </p:cNvPr>
+          <p:cNvGrpSpPr/>
+          <p:nvPr/>
+        </p:nvGrpSpPr>
+        <p:grpSpPr>
+          <a:xfrm>
+            <a:off x="1536700" y="2863850"/>
+            <a:ext cx="9144000" cy="685284"/>
+            <a:chOff x="1536700" y="2863850"/>
+            <a:chExt cx="9144000" cy="685284"/>
+          </a:xfrm>
+        </p:grpSpPr>
+        <p:cxnSp>
+          <p:nvCxnSpPr>
+            <p:cNvPr id="4" name="Straight Arrow Connector 3">
+              <a:extLst>
+                <a:ext uri="{FF2B5EF4-FFF2-40B4-BE49-F238E27FC236}">
+                  <a16:creationId xmlns:a16="http://schemas.microsoft.com/office/drawing/2014/main" id="{740A60CA-74DE-4AD3-A0B7-200BCB4F7713}"/>
+                </a:ext>
+              </a:extLst>
+            </p:cNvPr>
+            <p:cNvCxnSpPr>
+              <a:cxnSpLocks/>
+            </p:cNvCxnSpPr>
+            <p:nvPr/>
+          </p:nvCxnSpPr>
+          <p:spPr>
+            <a:xfrm>
+              <a:off x="1536700" y="3013788"/>
+              <a:ext cx="9144000" cy="0"/>
+            </a:xfrm>
+            <a:prstGeom prst="straightConnector1">
+              <a:avLst/>
+            </a:prstGeom>
+            <a:ln w="38100">
+              <a:headEnd type="triangle"/>
+              <a:tailEnd type="triangle"/>
+            </a:ln>
+          </p:spPr>
+          <p:style>
+            <a:lnRef idx="1">
+              <a:schemeClr val="accent1"/>
+            </a:lnRef>
+            <a:fillRef idx="0">
+              <a:schemeClr val="accent1"/>
+            </a:fillRef>
+            <a:effectRef idx="0">
+              <a:schemeClr val="accent1"/>
+            </a:effectRef>
+            <a:fontRef idx="minor">
+              <a:schemeClr val="tx1"/>
+            </a:fontRef>
+          </p:style>
+        </p:cxnSp>
+        <p:sp>
+          <p:nvSpPr>
+            <p:cNvPr id="7" name="TextBox 6">
+              <a:extLst>
+                <a:ext uri="{FF2B5EF4-FFF2-40B4-BE49-F238E27FC236}">
+                  <a16:creationId xmlns:a16="http://schemas.microsoft.com/office/drawing/2014/main" id="{511F0221-F962-451E-ACCC-D289A689EE8F}"/>
+                </a:ext>
+              </a:extLst>
+            </p:cNvPr>
+            <p:cNvSpPr txBox="1"/>
+            <p:nvPr/>
+          </p:nvSpPr>
+          <p:spPr>
+            <a:xfrm>
+              <a:off x="5959282" y="3172995"/>
+              <a:ext cx="301686" cy="369332"/>
+            </a:xfrm>
+            <a:prstGeom prst="rect">
+              <a:avLst/>
+            </a:prstGeom>
+            <a:noFill/>
+          </p:spPr>
+          <p:txBody>
+            <a:bodyPr wrap="none" rtlCol="0">
+              <a:spAutoFit/>
+            </a:bodyPr>
+            <a:lstStyle/>
+            <a:p>
+              <a:r>
+                <a:rPr lang="en-US" dirty="0"/>
+                <a:t>0</a:t>
+              </a:r>
+            </a:p>
+          </p:txBody>
+        </p:sp>
+        <p:sp>
+          <p:nvSpPr>
+            <p:cNvPr id="8" name="TextBox 7">
+              <a:extLst>
+                <a:ext uri="{FF2B5EF4-FFF2-40B4-BE49-F238E27FC236}">
+                  <a16:creationId xmlns:a16="http://schemas.microsoft.com/office/drawing/2014/main" id="{AD733051-61CE-47FF-B184-81B4542BAD06}"/>
+                </a:ext>
+              </a:extLst>
+            </p:cNvPr>
+            <p:cNvSpPr txBox="1"/>
+            <p:nvPr/>
+          </p:nvSpPr>
+          <p:spPr>
+            <a:xfrm>
+              <a:off x="5032736" y="3154910"/>
+              <a:ext cx="372218" cy="369332"/>
+            </a:xfrm>
+            <a:prstGeom prst="rect">
+              <a:avLst/>
+            </a:prstGeom>
+            <a:noFill/>
+          </p:spPr>
+          <p:txBody>
+            <a:bodyPr wrap="none" rtlCol="0">
+              <a:spAutoFit/>
+            </a:bodyPr>
+            <a:lstStyle/>
+            <a:p>
+              <a:r>
+                <a:rPr lang="en-US" dirty="0"/>
+                <a:t>-1</a:t>
+              </a:r>
+            </a:p>
+          </p:txBody>
+        </p:sp>
+        <p:sp>
+          <p:nvSpPr>
+            <p:cNvPr id="9" name="TextBox 8">
+              <a:extLst>
+                <a:ext uri="{FF2B5EF4-FFF2-40B4-BE49-F238E27FC236}">
+                  <a16:creationId xmlns:a16="http://schemas.microsoft.com/office/drawing/2014/main" id="{27269197-6804-43B2-9830-DC1369EF0B75}"/>
+                </a:ext>
+              </a:extLst>
+            </p:cNvPr>
+            <p:cNvSpPr txBox="1"/>
+            <p:nvPr/>
+          </p:nvSpPr>
+          <p:spPr>
+            <a:xfrm>
+              <a:off x="4122860" y="3172995"/>
+              <a:ext cx="372218" cy="369332"/>
+            </a:xfrm>
+            <a:prstGeom prst="rect">
+              <a:avLst/>
+            </a:prstGeom>
+            <a:noFill/>
+          </p:spPr>
+          <p:txBody>
+            <a:bodyPr wrap="none" rtlCol="0">
+              <a:spAutoFit/>
+            </a:bodyPr>
+            <a:lstStyle/>
+            <a:p>
+              <a:r>
+                <a:rPr lang="en-US" dirty="0"/>
+                <a:t>-2</a:t>
+              </a:r>
+            </a:p>
+          </p:txBody>
+        </p:sp>
+        <p:sp>
+          <p:nvSpPr>
+            <p:cNvPr id="10" name="TextBox 9">
+              <a:extLst>
+                <a:ext uri="{FF2B5EF4-FFF2-40B4-BE49-F238E27FC236}">
+                  <a16:creationId xmlns:a16="http://schemas.microsoft.com/office/drawing/2014/main" id="{1F9C6ADB-0E9F-46FB-AE32-237C7B683A8F}"/>
+                </a:ext>
+              </a:extLst>
+            </p:cNvPr>
+            <p:cNvSpPr txBox="1"/>
+            <p:nvPr/>
+          </p:nvSpPr>
+          <p:spPr>
+            <a:xfrm>
+              <a:off x="3212984" y="3179802"/>
+              <a:ext cx="372218" cy="369332"/>
+            </a:xfrm>
+            <a:prstGeom prst="rect">
+              <a:avLst/>
+            </a:prstGeom>
+            <a:noFill/>
+          </p:spPr>
+          <p:txBody>
+            <a:bodyPr wrap="none" rtlCol="0">
+              <a:spAutoFit/>
+            </a:bodyPr>
+            <a:lstStyle/>
+            <a:p>
+              <a:r>
+                <a:rPr lang="en-US" dirty="0"/>
+                <a:t>-3</a:t>
+              </a:r>
+            </a:p>
+          </p:txBody>
+        </p:sp>
+        <p:sp>
+          <p:nvSpPr>
+            <p:cNvPr id="11" name="TextBox 10">
+              <a:extLst>
+                <a:ext uri="{FF2B5EF4-FFF2-40B4-BE49-F238E27FC236}">
+                  <a16:creationId xmlns:a16="http://schemas.microsoft.com/office/drawing/2014/main" id="{FDD28E99-B9FD-4EF4-8653-8F83FBDCB4F2}"/>
+                </a:ext>
+              </a:extLst>
+            </p:cNvPr>
+            <p:cNvSpPr txBox="1"/>
+            <p:nvPr/>
+          </p:nvSpPr>
+          <p:spPr>
+            <a:xfrm>
+              <a:off x="2303108" y="3154910"/>
+              <a:ext cx="372218" cy="369332"/>
+            </a:xfrm>
+            <a:prstGeom prst="rect">
+              <a:avLst/>
+            </a:prstGeom>
+            <a:noFill/>
+          </p:spPr>
+          <p:txBody>
+            <a:bodyPr wrap="none" rtlCol="0">
+              <a:spAutoFit/>
+            </a:bodyPr>
+            <a:lstStyle/>
+            <a:p>
+              <a:r>
+                <a:rPr lang="en-US" dirty="0"/>
+                <a:t>-4</a:t>
+              </a:r>
+            </a:p>
+          </p:txBody>
+        </p:sp>
+        <p:sp>
+          <p:nvSpPr>
+            <p:cNvPr id="12" name="TextBox 11">
+              <a:extLst>
+                <a:ext uri="{FF2B5EF4-FFF2-40B4-BE49-F238E27FC236}">
+                  <a16:creationId xmlns:a16="http://schemas.microsoft.com/office/drawing/2014/main" id="{00A2B1CC-B314-49DF-8163-6545F845F664}"/>
+                </a:ext>
+              </a:extLst>
+            </p:cNvPr>
+            <p:cNvSpPr txBox="1"/>
+            <p:nvPr/>
+          </p:nvSpPr>
+          <p:spPr>
+            <a:xfrm>
+              <a:off x="6869158" y="3162502"/>
+              <a:ext cx="301686" cy="369332"/>
+            </a:xfrm>
+            <a:prstGeom prst="rect">
+              <a:avLst/>
+            </a:prstGeom>
+            <a:noFill/>
+          </p:spPr>
+          <p:txBody>
+            <a:bodyPr wrap="none" rtlCol="0">
+              <a:spAutoFit/>
+            </a:bodyPr>
+            <a:lstStyle/>
+            <a:p>
+              <a:r>
+                <a:rPr lang="en-US" dirty="0"/>
+                <a:t>1</a:t>
+              </a:r>
+            </a:p>
+          </p:txBody>
+        </p:sp>
+        <p:sp>
+          <p:nvSpPr>
+            <p:cNvPr id="13" name="TextBox 12">
+              <a:extLst>
+                <a:ext uri="{FF2B5EF4-FFF2-40B4-BE49-F238E27FC236}">
+                  <a16:creationId xmlns:a16="http://schemas.microsoft.com/office/drawing/2014/main" id="{112C24D5-BD46-4D7A-8949-65840D47F23E}"/>
+                </a:ext>
+              </a:extLst>
+            </p:cNvPr>
+            <p:cNvSpPr txBox="1"/>
+            <p:nvPr/>
+          </p:nvSpPr>
+          <p:spPr>
+            <a:xfrm>
+              <a:off x="7784591" y="3179802"/>
+              <a:ext cx="301686" cy="369332"/>
+            </a:xfrm>
+            <a:prstGeom prst="rect">
+              <a:avLst/>
+            </a:prstGeom>
+            <a:noFill/>
+          </p:spPr>
+          <p:txBody>
+            <a:bodyPr wrap="none" rtlCol="0">
+              <a:spAutoFit/>
+            </a:bodyPr>
+            <a:lstStyle/>
+            <a:p>
+              <a:r>
+                <a:rPr lang="en-US" dirty="0"/>
+                <a:t>2</a:t>
+              </a:r>
+            </a:p>
+          </p:txBody>
+        </p:sp>
+        <p:sp>
+          <p:nvSpPr>
+            <p:cNvPr id="14" name="TextBox 13">
+              <a:extLst>
+                <a:ext uri="{FF2B5EF4-FFF2-40B4-BE49-F238E27FC236}">
+                  <a16:creationId xmlns:a16="http://schemas.microsoft.com/office/drawing/2014/main" id="{AF108E04-4EEA-4C86-B967-4FDEB6F3EF74}"/>
+                </a:ext>
+              </a:extLst>
+            </p:cNvPr>
+            <p:cNvSpPr txBox="1"/>
+            <p:nvPr/>
+          </p:nvSpPr>
+          <p:spPr>
+            <a:xfrm>
+              <a:off x="8700024" y="3179802"/>
+              <a:ext cx="301686" cy="369332"/>
+            </a:xfrm>
+            <a:prstGeom prst="rect">
+              <a:avLst/>
+            </a:prstGeom>
+            <a:noFill/>
+          </p:spPr>
+          <p:txBody>
+            <a:bodyPr wrap="none" rtlCol="0">
+              <a:spAutoFit/>
+            </a:bodyPr>
+            <a:lstStyle/>
+            <a:p>
+              <a:r>
+                <a:rPr lang="en-US" dirty="0"/>
+                <a:t>3</a:t>
+              </a:r>
+            </a:p>
+          </p:txBody>
+        </p:sp>
+        <p:sp>
+          <p:nvSpPr>
+            <p:cNvPr id="15" name="TextBox 14">
+              <a:extLst>
+                <a:ext uri="{FF2B5EF4-FFF2-40B4-BE49-F238E27FC236}">
+                  <a16:creationId xmlns:a16="http://schemas.microsoft.com/office/drawing/2014/main" id="{58A662F2-2898-48CB-8DD9-834CD0DE839C}"/>
+                </a:ext>
+              </a:extLst>
+            </p:cNvPr>
+            <p:cNvSpPr txBox="1"/>
+            <p:nvPr/>
+          </p:nvSpPr>
+          <p:spPr>
+            <a:xfrm>
+              <a:off x="9615457" y="3172995"/>
+              <a:ext cx="301686" cy="369332"/>
+            </a:xfrm>
+            <a:prstGeom prst="rect">
+              <a:avLst/>
+            </a:prstGeom>
+            <a:noFill/>
+          </p:spPr>
+          <p:txBody>
+            <a:bodyPr wrap="none" rtlCol="0">
+              <a:spAutoFit/>
+            </a:bodyPr>
+            <a:lstStyle/>
+            <a:p>
+              <a:r>
+                <a:rPr lang="en-US" dirty="0"/>
+                <a:t>4</a:t>
+              </a:r>
+            </a:p>
+          </p:txBody>
+        </p:sp>
+        <p:cxnSp>
+          <p:nvCxnSpPr>
+            <p:cNvPr id="19" name="Straight Connector 18">
+              <a:extLst>
+                <a:ext uri="{FF2B5EF4-FFF2-40B4-BE49-F238E27FC236}">
+                  <a16:creationId xmlns:a16="http://schemas.microsoft.com/office/drawing/2014/main" id="{A6260AF3-FCD3-463C-9476-2EDAFF039419}"/>
+                </a:ext>
+              </a:extLst>
+            </p:cNvPr>
+            <p:cNvCxnSpPr/>
+            <p:nvPr/>
+          </p:nvCxnSpPr>
+          <p:spPr>
+            <a:xfrm flipV="1">
+              <a:off x="2432050" y="2863850"/>
+              <a:ext cx="0" cy="304800"/>
+            </a:xfrm>
+            <a:prstGeom prst="line">
+              <a:avLst/>
+            </a:prstGeom>
+            <a:ln w="28575"/>
+          </p:spPr>
+          <p:style>
+            <a:lnRef idx="1">
+              <a:schemeClr val="accent1"/>
+            </a:lnRef>
+            <a:fillRef idx="0">
+              <a:schemeClr val="accent1"/>
+            </a:fillRef>
+            <a:effectRef idx="0">
+              <a:schemeClr val="accent1"/>
+            </a:effectRef>
+            <a:fontRef idx="minor">
+              <a:schemeClr val="tx1"/>
+            </a:fontRef>
+          </p:style>
+        </p:cxnSp>
+        <p:cxnSp>
+          <p:nvCxnSpPr>
+            <p:cNvPr id="20" name="Straight Connector 19">
+              <a:extLst>
+                <a:ext uri="{FF2B5EF4-FFF2-40B4-BE49-F238E27FC236}">
+                  <a16:creationId xmlns:a16="http://schemas.microsoft.com/office/drawing/2014/main" id="{EFFB4933-4104-40E5-9329-FD2B8FC74318}"/>
+                </a:ext>
+              </a:extLst>
+            </p:cNvPr>
+            <p:cNvCxnSpPr/>
+            <p:nvPr/>
+          </p:nvCxnSpPr>
+          <p:spPr>
+            <a:xfrm flipV="1">
+              <a:off x="3354125" y="2875002"/>
+              <a:ext cx="0" cy="304800"/>
+            </a:xfrm>
+            <a:prstGeom prst="line">
+              <a:avLst/>
+            </a:prstGeom>
+            <a:ln w="28575"/>
+          </p:spPr>
+          <p:style>
+            <a:lnRef idx="1">
+              <a:schemeClr val="accent1"/>
+            </a:lnRef>
+            <a:fillRef idx="0">
+              <a:schemeClr val="accent1"/>
+            </a:fillRef>
+            <a:effectRef idx="0">
+              <a:schemeClr val="accent1"/>
+            </a:effectRef>
+            <a:fontRef idx="minor">
+              <a:schemeClr val="tx1"/>
+            </a:fontRef>
+          </p:style>
+        </p:cxnSp>
+        <p:cxnSp>
+          <p:nvCxnSpPr>
+            <p:cNvPr id="21" name="Straight Connector 20">
+              <a:extLst>
+                <a:ext uri="{FF2B5EF4-FFF2-40B4-BE49-F238E27FC236}">
+                  <a16:creationId xmlns:a16="http://schemas.microsoft.com/office/drawing/2014/main" id="{725F66C5-3123-4A7A-8343-9EAEAFF8EF9E}"/>
+                </a:ext>
+              </a:extLst>
+            </p:cNvPr>
+            <p:cNvCxnSpPr/>
+            <p:nvPr/>
+          </p:nvCxnSpPr>
+          <p:spPr>
+            <a:xfrm flipV="1">
+              <a:off x="4263043" y="2875002"/>
+              <a:ext cx="0" cy="304800"/>
+            </a:xfrm>
+            <a:prstGeom prst="line">
+              <a:avLst/>
+            </a:prstGeom>
+            <a:ln w="28575"/>
+          </p:spPr>
+          <p:style>
+            <a:lnRef idx="1">
+              <a:schemeClr val="accent1"/>
+            </a:lnRef>
+            <a:fillRef idx="0">
+              <a:schemeClr val="accent1"/>
+            </a:fillRef>
+            <a:effectRef idx="0">
+              <a:schemeClr val="accent1"/>
+            </a:effectRef>
+            <a:fontRef idx="minor">
+              <a:schemeClr val="tx1"/>
+            </a:fontRef>
+          </p:style>
+        </p:cxnSp>
+        <p:cxnSp>
+          <p:nvCxnSpPr>
+            <p:cNvPr id="22" name="Straight Connector 21">
+              <a:extLst>
+                <a:ext uri="{FF2B5EF4-FFF2-40B4-BE49-F238E27FC236}">
+                  <a16:creationId xmlns:a16="http://schemas.microsoft.com/office/drawing/2014/main" id="{A9EF3D78-D209-4E41-B92F-749E4157E0DC}"/>
+                </a:ext>
+              </a:extLst>
+            </p:cNvPr>
+            <p:cNvCxnSpPr/>
+            <p:nvPr/>
+          </p:nvCxnSpPr>
+          <p:spPr>
+            <a:xfrm flipV="1">
+              <a:off x="5181829" y="2875002"/>
+              <a:ext cx="0" cy="304800"/>
+            </a:xfrm>
+            <a:prstGeom prst="line">
+              <a:avLst/>
+            </a:prstGeom>
+            <a:ln w="28575"/>
+          </p:spPr>
+          <p:style>
+            <a:lnRef idx="1">
+              <a:schemeClr val="accent1"/>
+            </a:lnRef>
+            <a:fillRef idx="0">
+              <a:schemeClr val="accent1"/>
+            </a:fillRef>
+            <a:effectRef idx="0">
+              <a:schemeClr val="accent1"/>
+            </a:effectRef>
+            <a:fontRef idx="minor">
+              <a:schemeClr val="tx1"/>
+            </a:fontRef>
+          </p:style>
+        </p:cxnSp>
+        <p:cxnSp>
+          <p:nvCxnSpPr>
+            <p:cNvPr id="23" name="Straight Connector 22">
+              <a:extLst>
+                <a:ext uri="{FF2B5EF4-FFF2-40B4-BE49-F238E27FC236}">
+                  <a16:creationId xmlns:a16="http://schemas.microsoft.com/office/drawing/2014/main" id="{FB05FC93-9156-4BE8-96E9-0FE5FE3E5E06}"/>
+                </a:ext>
+              </a:extLst>
+            </p:cNvPr>
+            <p:cNvCxnSpPr/>
+            <p:nvPr/>
+          </p:nvCxnSpPr>
+          <p:spPr>
+            <a:xfrm flipV="1">
+              <a:off x="6095133" y="2875002"/>
+              <a:ext cx="0" cy="304800"/>
+            </a:xfrm>
+            <a:prstGeom prst="line">
+              <a:avLst/>
+            </a:prstGeom>
+            <a:ln w="28575"/>
+          </p:spPr>
+          <p:style>
+            <a:lnRef idx="1">
+              <a:schemeClr val="accent1"/>
+            </a:lnRef>
+            <a:fillRef idx="0">
+              <a:schemeClr val="accent1"/>
+            </a:fillRef>
+            <a:effectRef idx="0">
+              <a:schemeClr val="accent1"/>
+            </a:effectRef>
+            <a:fontRef idx="minor">
+              <a:schemeClr val="tx1"/>
+            </a:fontRef>
+          </p:style>
+        </p:cxnSp>
+        <p:cxnSp>
+          <p:nvCxnSpPr>
+            <p:cNvPr id="24" name="Straight Connector 23">
+              <a:extLst>
+                <a:ext uri="{FF2B5EF4-FFF2-40B4-BE49-F238E27FC236}">
+                  <a16:creationId xmlns:a16="http://schemas.microsoft.com/office/drawing/2014/main" id="{15784DFE-C727-464A-8C1E-19C8BDB684C8}"/>
+                </a:ext>
+              </a:extLst>
+            </p:cNvPr>
+            <p:cNvCxnSpPr/>
+            <p:nvPr/>
+          </p:nvCxnSpPr>
+          <p:spPr>
+            <a:xfrm flipV="1">
+              <a:off x="7020001" y="2875002"/>
+              <a:ext cx="0" cy="304800"/>
+            </a:xfrm>
+            <a:prstGeom prst="line">
+              <a:avLst/>
+            </a:prstGeom>
+            <a:ln w="28575"/>
+          </p:spPr>
+          <p:style>
+            <a:lnRef idx="1">
+              <a:schemeClr val="accent1"/>
+            </a:lnRef>
+            <a:fillRef idx="0">
+              <a:schemeClr val="accent1"/>
+            </a:fillRef>
+            <a:effectRef idx="0">
+              <a:schemeClr val="accent1"/>
+            </a:effectRef>
+            <a:fontRef idx="minor">
+              <a:schemeClr val="tx1"/>
+            </a:fontRef>
+          </p:style>
+        </p:cxnSp>
+        <p:cxnSp>
+          <p:nvCxnSpPr>
+            <p:cNvPr id="25" name="Straight Connector 24">
+              <a:extLst>
+                <a:ext uri="{FF2B5EF4-FFF2-40B4-BE49-F238E27FC236}">
+                  <a16:creationId xmlns:a16="http://schemas.microsoft.com/office/drawing/2014/main" id="{DF6BF678-481B-4DFF-95BD-53829B7DEF1B}"/>
+                </a:ext>
+              </a:extLst>
+            </p:cNvPr>
+            <p:cNvCxnSpPr/>
+            <p:nvPr/>
+          </p:nvCxnSpPr>
+          <p:spPr>
+            <a:xfrm flipV="1">
+              <a:off x="7909184" y="2875002"/>
+              <a:ext cx="0" cy="304800"/>
+            </a:xfrm>
+            <a:prstGeom prst="line">
+              <a:avLst/>
+            </a:prstGeom>
+            <a:ln w="28575"/>
+          </p:spPr>
+          <p:style>
+            <a:lnRef idx="1">
+              <a:schemeClr val="accent1"/>
+            </a:lnRef>
+            <a:fillRef idx="0">
+              <a:schemeClr val="accent1"/>
+            </a:fillRef>
+            <a:effectRef idx="0">
+              <a:schemeClr val="accent1"/>
+            </a:effectRef>
+            <a:fontRef idx="minor">
+              <a:schemeClr val="tx1"/>
+            </a:fontRef>
+          </p:style>
+        </p:cxnSp>
+        <p:cxnSp>
+          <p:nvCxnSpPr>
+            <p:cNvPr id="26" name="Straight Connector 25">
+              <a:extLst>
+                <a:ext uri="{FF2B5EF4-FFF2-40B4-BE49-F238E27FC236}">
+                  <a16:creationId xmlns:a16="http://schemas.microsoft.com/office/drawing/2014/main" id="{3CB08198-9F56-48D4-BF2A-637C0B079FF3}"/>
+                </a:ext>
+              </a:extLst>
+            </p:cNvPr>
+            <p:cNvCxnSpPr/>
+            <p:nvPr/>
+          </p:nvCxnSpPr>
+          <p:spPr>
+            <a:xfrm flipV="1">
+              <a:off x="8821391" y="2887296"/>
+              <a:ext cx="0" cy="304800"/>
+            </a:xfrm>
+            <a:prstGeom prst="line">
+              <a:avLst/>
+            </a:prstGeom>
+            <a:ln w="28575"/>
+          </p:spPr>
+          <p:style>
+            <a:lnRef idx="1">
+              <a:schemeClr val="accent1"/>
+            </a:lnRef>
+            <a:fillRef idx="0">
+              <a:schemeClr val="accent1"/>
+            </a:fillRef>
+            <a:effectRef idx="0">
+              <a:schemeClr val="accent1"/>
+            </a:effectRef>
+            <a:fontRef idx="minor">
+              <a:schemeClr val="tx1"/>
+            </a:fontRef>
+          </p:style>
+        </p:cxnSp>
+        <p:cxnSp>
+          <p:nvCxnSpPr>
+            <p:cNvPr id="27" name="Straight Connector 26">
+              <a:extLst>
+                <a:ext uri="{FF2B5EF4-FFF2-40B4-BE49-F238E27FC236}">
+                  <a16:creationId xmlns:a16="http://schemas.microsoft.com/office/drawing/2014/main" id="{B2239179-BA5C-4F3E-884C-4297D5315E4B}"/>
+                </a:ext>
+              </a:extLst>
+            </p:cNvPr>
+            <p:cNvCxnSpPr/>
+            <p:nvPr/>
+          </p:nvCxnSpPr>
+          <p:spPr>
+            <a:xfrm flipV="1">
+              <a:off x="9736888" y="2887296"/>
+              <a:ext cx="0" cy="304800"/>
+            </a:xfrm>
+            <a:prstGeom prst="line">
+              <a:avLst/>
+            </a:prstGeom>
+            <a:ln w="28575"/>
+          </p:spPr>
+          <p:style>
+            <a:lnRef idx="1">
+              <a:schemeClr val="accent1"/>
+            </a:lnRef>
+            <a:fillRef idx="0">
+              <a:schemeClr val="accent1"/>
+            </a:fillRef>
+            <a:effectRef idx="0">
+              <a:schemeClr val="accent1"/>
+            </a:effectRef>
+            <a:fontRef idx="minor">
+              <a:schemeClr val="tx1"/>
+            </a:fontRef>
+          </p:style>
+        </p:cxnSp>
+        <p:cxnSp>
+          <p:nvCxnSpPr>
+            <p:cNvPr id="29" name="Straight Connector 28">
+              <a:extLst>
+                <a:ext uri="{FF2B5EF4-FFF2-40B4-BE49-F238E27FC236}">
+                  <a16:creationId xmlns:a16="http://schemas.microsoft.com/office/drawing/2014/main" id="{580FF525-F76D-4FA8-BC7C-C9440360FBB2}"/>
+                </a:ext>
+              </a:extLst>
+            </p:cNvPr>
+            <p:cNvCxnSpPr>
+              <a:cxnSpLocks/>
+            </p:cNvCxnSpPr>
+            <p:nvPr/>
+          </p:nvCxnSpPr>
+          <p:spPr>
+            <a:xfrm>
+              <a:off x="2432050" y="3013788"/>
+              <a:ext cx="1830993" cy="0"/>
+            </a:xfrm>
+            <a:prstGeom prst="line">
+              <a:avLst/>
+            </a:prstGeom>
+            <a:ln w="38100"/>
+          </p:spPr>
+          <p:style>
+            <a:lnRef idx="1">
+              <a:schemeClr val="accent6"/>
+            </a:lnRef>
+            <a:fillRef idx="0">
+              <a:schemeClr val="accent6"/>
+            </a:fillRef>
+            <a:effectRef idx="0">
+              <a:schemeClr val="accent6"/>
+            </a:effectRef>
+            <a:fontRef idx="minor">
+              <a:schemeClr val="tx1"/>
+            </a:fontRef>
+          </p:style>
+        </p:cxnSp>
+        <p:cxnSp>
+          <p:nvCxnSpPr>
+            <p:cNvPr id="32" name="Straight Connector 31">
+              <a:extLst>
+                <a:ext uri="{FF2B5EF4-FFF2-40B4-BE49-F238E27FC236}">
+                  <a16:creationId xmlns:a16="http://schemas.microsoft.com/office/drawing/2014/main" id="{5E432A40-5B71-4315-9789-BCC18F432A97}"/>
+                </a:ext>
+              </a:extLst>
+            </p:cNvPr>
+            <p:cNvCxnSpPr>
+              <a:cxnSpLocks/>
+            </p:cNvCxnSpPr>
+            <p:nvPr/>
+          </p:nvCxnSpPr>
+          <p:spPr>
+            <a:xfrm>
+              <a:off x="7905894" y="3013788"/>
+              <a:ext cx="1830993" cy="0"/>
+            </a:xfrm>
+            <a:prstGeom prst="line">
+              <a:avLst/>
+            </a:prstGeom>
+            <a:ln w="38100"/>
+          </p:spPr>
+          <p:style>
+            <a:lnRef idx="1">
+              <a:schemeClr val="accent6"/>
+            </a:lnRef>
+            <a:fillRef idx="0">
+              <a:schemeClr val="accent6"/>
+            </a:fillRef>
+            <a:effectRef idx="0">
+              <a:schemeClr val="accent6"/>
+            </a:effectRef>
+            <a:fontRef idx="minor">
+              <a:schemeClr val="tx1"/>
+            </a:fontRef>
+          </p:style>
+        </p:cxnSp>
+        <p:cxnSp>
+          <p:nvCxnSpPr>
+            <p:cNvPr id="33" name="Straight Connector 32">
+              <a:extLst>
+                <a:ext uri="{FF2B5EF4-FFF2-40B4-BE49-F238E27FC236}">
+                  <a16:creationId xmlns:a16="http://schemas.microsoft.com/office/drawing/2014/main" id="{633F44EC-131B-4999-A051-99CF3E4873AF}"/>
+                </a:ext>
+              </a:extLst>
+            </p:cNvPr>
+            <p:cNvCxnSpPr>
+              <a:cxnSpLocks/>
+            </p:cNvCxnSpPr>
+            <p:nvPr/>
+          </p:nvCxnSpPr>
+          <p:spPr>
+            <a:xfrm>
+              <a:off x="4263043" y="3019233"/>
+              <a:ext cx="3642851" cy="0"/>
+            </a:xfrm>
+            <a:prstGeom prst="line">
+              <a:avLst/>
+            </a:prstGeom>
+            <a:ln w="38100">
+              <a:solidFill>
+                <a:srgbClr val="FF0000"/>
+              </a:solidFill>
+            </a:ln>
+          </p:spPr>
+          <p:style>
+            <a:lnRef idx="1">
+              <a:schemeClr val="accent6"/>
+            </a:lnRef>
+            <a:fillRef idx="0">
+              <a:schemeClr val="accent6"/>
+            </a:fillRef>
+            <a:effectRef idx="0">
+              <a:schemeClr val="accent6"/>
+            </a:effectRef>
+            <a:fontRef idx="minor">
+              <a:schemeClr val="tx1"/>
+            </a:fontRef>
+          </p:style>
+        </p:cxnSp>
+      </p:grpSp>
+    </p:spTree>
+    <p:extLst>
+      <p:ext uri="{BB962C8B-B14F-4D97-AF65-F5344CB8AC3E}">
+        <p14:creationId xmlns:p14="http://schemas.microsoft.com/office/powerpoint/2010/main" val="2944685397"/>
       </p:ext>
     </p:extLst>
   </p:cSld>
@@ -19586,7 +20336,7 @@
                   <a14:useLocalDpi xmlns:a14="http://schemas.microsoft.com/office/drawing/2010/main" val="0"/>
                 </a:ext>
                 <a:ext uri="{96DAC541-7B7A-43D3-8B79-37D633B846F1}">
-                  <asvg:svgBlip xmlns:asvg="http://schemas.microsoft.com/office/drawing/2016/SVG/main" xmlns="" r:embed="rId3"/>
+                  <asvg:svgBlip xmlns:asvg="http://schemas.microsoft.com/office/drawing/2016/SVG/main" r:embed="rId3"/>
                 </a:ext>
               </a:extLst>
             </a:blip>
@@ -21125,7 +21875,7 @@
                 <a14:useLocalDpi xmlns:a14="http://schemas.microsoft.com/office/drawing/2010/main" val="0"/>
               </a:ext>
               <a:ext uri="{96DAC541-7B7A-43D3-8B79-37D633B846F1}">
-                <asvg:svgBlip xmlns:asvg="http://schemas.microsoft.com/office/drawing/2016/SVG/main" xmlns="" r:embed="rId3"/>
+                <asvg:svgBlip xmlns:asvg="http://schemas.microsoft.com/office/drawing/2016/SVG/main" r:embed="rId3"/>
               </a:ext>
             </a:extLst>
           </a:blip>
@@ -21164,7 +21914,7 @@
                 <a14:useLocalDpi xmlns:a14="http://schemas.microsoft.com/office/drawing/2010/main" val="0"/>
               </a:ext>
               <a:ext uri="{96DAC541-7B7A-43D3-8B79-37D633B846F1}">
-                <asvg:svgBlip xmlns:asvg="http://schemas.microsoft.com/office/drawing/2016/SVG/main" xmlns="" r:embed="rId5"/>
+                <asvg:svgBlip xmlns:asvg="http://schemas.microsoft.com/office/drawing/2016/SVG/main" r:embed="rId5"/>
               </a:ext>
             </a:extLst>
           </a:blip>
@@ -21555,7 +22305,7 @@
                 <a14:useLocalDpi xmlns:a14="http://schemas.microsoft.com/office/drawing/2010/main" val="0"/>
               </a:ext>
               <a:ext uri="{96DAC541-7B7A-43D3-8B79-37D633B846F1}">
-                <asvg:svgBlip xmlns:asvg="http://schemas.microsoft.com/office/drawing/2016/SVG/main" xmlns="" r:embed="rId5"/>
+                <asvg:svgBlip xmlns:asvg="http://schemas.microsoft.com/office/drawing/2016/SVG/main" r:embed="rId5"/>
               </a:ext>
             </a:extLst>
           </a:blip>
@@ -21703,7 +22453,7 @@
                 <a14:useLocalDpi xmlns:a14="http://schemas.microsoft.com/office/drawing/2010/main" val="0"/>
               </a:ext>
               <a:ext uri="{96DAC541-7B7A-43D3-8B79-37D633B846F1}">
-                <asvg:svgBlip xmlns:asvg="http://schemas.microsoft.com/office/drawing/2016/SVG/main" xmlns="" r:embed="rId3"/>
+                <asvg:svgBlip xmlns:asvg="http://schemas.microsoft.com/office/drawing/2016/SVG/main" r:embed="rId3"/>
               </a:ext>
             </a:extLst>
           </a:blip>
@@ -21742,7 +22492,7 @@
                 <a14:useLocalDpi xmlns:a14="http://schemas.microsoft.com/office/drawing/2010/main" val="0"/>
               </a:ext>
               <a:ext uri="{96DAC541-7B7A-43D3-8B79-37D633B846F1}">
-                <asvg:svgBlip xmlns:asvg="http://schemas.microsoft.com/office/drawing/2016/SVG/main" xmlns="" r:embed="rId5"/>
+                <asvg:svgBlip xmlns:asvg="http://schemas.microsoft.com/office/drawing/2016/SVG/main" r:embed="rId5"/>
               </a:ext>
             </a:extLst>
           </a:blip>

--- a/images/pygame_rect_window.pptx
+++ b/images/pygame_rect_window.pptx
@@ -369,7 +369,7 @@
           <a:p>
             <a:fld id="{A06AD928-664A-442C-B312-AFB4F7171F46}" type="datetimeFigureOut">
               <a:rPr lang="en-US" smtClean="0"/>
-              <a:t>6/16/2018</a:t>
+              <a:t>7/28/2018</a:t>
             </a:fld>
             <a:endParaRPr lang="en-US"/>
           </a:p>
@@ -765,7 +765,7 @@
           <a:p>
             <a:fld id="{856FFBE8-0159-4FDA-8D70-04C5D85E84A4}" type="datetimeFigureOut">
               <a:rPr lang="en-US" smtClean="0"/>
-              <a:t>6/16/2018</a:t>
+              <a:t>7/28/2018</a:t>
             </a:fld>
             <a:endParaRPr lang="en-US"/>
           </a:p>
@@ -933,7 +933,7 @@
           <a:p>
             <a:fld id="{856FFBE8-0159-4FDA-8D70-04C5D85E84A4}" type="datetimeFigureOut">
               <a:rPr lang="en-US" smtClean="0"/>
-              <a:t>6/16/2018</a:t>
+              <a:t>7/28/2018</a:t>
             </a:fld>
             <a:endParaRPr lang="en-US"/>
           </a:p>
@@ -1111,7 +1111,7 @@
           <a:p>
             <a:fld id="{856FFBE8-0159-4FDA-8D70-04C5D85E84A4}" type="datetimeFigureOut">
               <a:rPr lang="en-US" smtClean="0"/>
-              <a:t>6/16/2018</a:t>
+              <a:t>7/28/2018</a:t>
             </a:fld>
             <a:endParaRPr lang="en-US"/>
           </a:p>
@@ -1279,7 +1279,7 @@
           <a:p>
             <a:fld id="{856FFBE8-0159-4FDA-8D70-04C5D85E84A4}" type="datetimeFigureOut">
               <a:rPr lang="en-US" smtClean="0"/>
-              <a:t>6/16/2018</a:t>
+              <a:t>7/28/2018</a:t>
             </a:fld>
             <a:endParaRPr lang="en-US"/>
           </a:p>
@@ -1524,7 +1524,7 @@
           <a:p>
             <a:fld id="{856FFBE8-0159-4FDA-8D70-04C5D85E84A4}" type="datetimeFigureOut">
               <a:rPr lang="en-US" smtClean="0"/>
-              <a:t>6/16/2018</a:t>
+              <a:t>7/28/2018</a:t>
             </a:fld>
             <a:endParaRPr lang="en-US"/>
           </a:p>
@@ -1753,7 +1753,7 @@
           <a:p>
             <a:fld id="{856FFBE8-0159-4FDA-8D70-04C5D85E84A4}" type="datetimeFigureOut">
               <a:rPr lang="en-US" smtClean="0"/>
-              <a:t>6/16/2018</a:t>
+              <a:t>7/28/2018</a:t>
             </a:fld>
             <a:endParaRPr lang="en-US"/>
           </a:p>
@@ -2117,7 +2117,7 @@
           <a:p>
             <a:fld id="{856FFBE8-0159-4FDA-8D70-04C5D85E84A4}" type="datetimeFigureOut">
               <a:rPr lang="en-US" smtClean="0"/>
-              <a:t>6/16/2018</a:t>
+              <a:t>7/28/2018</a:t>
             </a:fld>
             <a:endParaRPr lang="en-US"/>
           </a:p>
@@ -2234,7 +2234,7 @@
           <a:p>
             <a:fld id="{856FFBE8-0159-4FDA-8D70-04C5D85E84A4}" type="datetimeFigureOut">
               <a:rPr lang="en-US" smtClean="0"/>
-              <a:t>6/16/2018</a:t>
+              <a:t>7/28/2018</a:t>
             </a:fld>
             <a:endParaRPr lang="en-US"/>
           </a:p>
@@ -2329,7 +2329,7 @@
           <a:p>
             <a:fld id="{856FFBE8-0159-4FDA-8D70-04C5D85E84A4}" type="datetimeFigureOut">
               <a:rPr lang="en-US" smtClean="0"/>
-              <a:t>6/16/2018</a:t>
+              <a:t>7/28/2018</a:t>
             </a:fld>
             <a:endParaRPr lang="en-US"/>
           </a:p>
@@ -2604,7 +2604,7 @@
           <a:p>
             <a:fld id="{856FFBE8-0159-4FDA-8D70-04C5D85E84A4}" type="datetimeFigureOut">
               <a:rPr lang="en-US" smtClean="0"/>
-              <a:t>6/16/2018</a:t>
+              <a:t>7/28/2018</a:t>
             </a:fld>
             <a:endParaRPr lang="en-US"/>
           </a:p>
@@ -2856,7 +2856,7 @@
           <a:p>
             <a:fld id="{856FFBE8-0159-4FDA-8D70-04C5D85E84A4}" type="datetimeFigureOut">
               <a:rPr lang="en-US" smtClean="0"/>
-              <a:t>6/16/2018</a:t>
+              <a:t>7/28/2018</a:t>
             </a:fld>
             <a:endParaRPr lang="en-US"/>
           </a:p>
@@ -3067,7 +3067,7 @@
           <a:p>
             <a:fld id="{856FFBE8-0159-4FDA-8D70-04C5D85E84A4}" type="datetimeFigureOut">
               <a:rPr lang="en-US" smtClean="0"/>
-              <a:t>6/16/2018</a:t>
+              <a:t>7/28/2018</a:t>
             </a:fld>
             <a:endParaRPr lang="en-US"/>
           </a:p>
@@ -4360,15 +4360,7 @@
             <a:p>
               <a:r>
                 <a:rPr lang="en-US" sz="1600" dirty="0"/>
-                <a:t>(</a:t>
-              </a:r>
-              <a:r>
-                <a:rPr lang="en-US" sz="1600" dirty="0" err="1"/>
-                <a:t>x,y</a:t>
-              </a:r>
-              <a:r>
-                <a:rPr lang="en-US" sz="1600" dirty="0"/>
-                <a:t>)</a:t>
+                <a:t>(x,y)</a:t>
               </a:r>
             </a:p>
           </p:txBody>
@@ -8484,19 +8476,7 @@
                 <a:rPr lang="en-US" sz="1400" dirty="0">
                   <a:latin typeface="Consolas" panose="020B0609020204030204" pitchFamily="49" charset="0"/>
                 </a:rPr>
-                <a:t>(</a:t>
-              </a:r>
-              <a:r>
-                <a:rPr lang="en-US" sz="1400" dirty="0" err="1">
-                  <a:latin typeface="Consolas" panose="020B0609020204030204" pitchFamily="49" charset="0"/>
-                </a:rPr>
-                <a:t>x,y</a:t>
-              </a:r>
-              <a:r>
-                <a:rPr lang="en-US" sz="1400" dirty="0">
-                  <a:latin typeface="Consolas" panose="020B0609020204030204" pitchFamily="49" charset="0"/>
-                </a:rPr>
-                <a:t>)</a:t>
+                <a:t>(x,y)</a:t>
               </a:r>
             </a:p>
           </p:txBody>
@@ -11224,15 +11204,7 @@
           <a:p>
             <a:r>
               <a:rPr lang="en-US" sz="1200" dirty="0"/>
-              <a:t>(</a:t>
-            </a:r>
-            <a:r>
-              <a:rPr lang="en-US" sz="1200" dirty="0" err="1"/>
-              <a:t>x,y</a:t>
-            </a:r>
-            <a:r>
-              <a:rPr lang="en-US" sz="1200" dirty="0"/>
-              <a:t>)</a:t>
+              <a:t>(x,y)</a:t>
             </a:r>
           </a:p>
         </p:txBody>
@@ -13761,7 +13733,7 @@
                   <a14:useLocalDpi xmlns:a14="http://schemas.microsoft.com/office/drawing/2010/main" val="0"/>
                 </a:ext>
                 <a:ext uri="{96DAC541-7B7A-43D3-8B79-37D633B846F1}">
-                  <asvg:svgBlip xmlns:asvg="http://schemas.microsoft.com/office/drawing/2016/SVG/main" r:embed="rId3"/>
+                  <asvg:svgBlip xmlns:asvg="http://schemas.microsoft.com/office/drawing/2016/SVG/main" xmlns="" r:embed="rId3"/>
                 </a:ext>
               </a:extLst>
             </a:blip>
@@ -13800,7 +13772,7 @@
                   <a14:useLocalDpi xmlns:a14="http://schemas.microsoft.com/office/drawing/2010/main" val="0"/>
                 </a:ext>
                 <a:ext uri="{96DAC541-7B7A-43D3-8B79-37D633B846F1}">
-                  <asvg:svgBlip xmlns:asvg="http://schemas.microsoft.com/office/drawing/2016/SVG/main" r:embed="rId5"/>
+                  <asvg:svgBlip xmlns:asvg="http://schemas.microsoft.com/office/drawing/2016/SVG/main" xmlns="" r:embed="rId5"/>
                 </a:ext>
               </a:extLst>
             </a:blip>
@@ -13839,7 +13811,7 @@
                   <a14:useLocalDpi xmlns:a14="http://schemas.microsoft.com/office/drawing/2010/main" val="0"/>
                 </a:ext>
                 <a:ext uri="{96DAC541-7B7A-43D3-8B79-37D633B846F1}">
-                  <asvg:svgBlip xmlns:asvg="http://schemas.microsoft.com/office/drawing/2016/SVG/main" r:embed="rId7"/>
+                  <asvg:svgBlip xmlns:asvg="http://schemas.microsoft.com/office/drawing/2016/SVG/main" xmlns="" r:embed="rId7"/>
                 </a:ext>
               </a:extLst>
             </a:blip>
@@ -14329,7 +14301,7 @@
                   <a14:useLocalDpi xmlns:a14="http://schemas.microsoft.com/office/drawing/2010/main" val="0"/>
                 </a:ext>
                 <a:ext uri="{96DAC541-7B7A-43D3-8B79-37D633B846F1}">
-                  <asvg:svgBlip xmlns:asvg="http://schemas.microsoft.com/office/drawing/2016/SVG/main" r:embed="rId9"/>
+                  <asvg:svgBlip xmlns:asvg="http://schemas.microsoft.com/office/drawing/2016/SVG/main" xmlns="" r:embed="rId9"/>
                 </a:ext>
               </a:extLst>
             </a:blip>
@@ -15221,7 +15193,7 @@
                 <a14:useLocalDpi xmlns:a14="http://schemas.microsoft.com/office/drawing/2010/main" val="0"/>
               </a:ext>
               <a:ext uri="{96DAC541-7B7A-43D3-8B79-37D633B846F1}">
-                <asvg:svgBlip xmlns:asvg="http://schemas.microsoft.com/office/drawing/2016/SVG/main" r:embed="rId3"/>
+                <asvg:svgBlip xmlns:asvg="http://schemas.microsoft.com/office/drawing/2016/SVG/main" xmlns="" r:embed="rId3"/>
               </a:ext>
             </a:extLst>
           </a:blip>
@@ -20336,7 +20308,7 @@
                   <a14:useLocalDpi xmlns:a14="http://schemas.microsoft.com/office/drawing/2010/main" val="0"/>
                 </a:ext>
                 <a:ext uri="{96DAC541-7B7A-43D3-8B79-37D633B846F1}">
-                  <asvg:svgBlip xmlns:asvg="http://schemas.microsoft.com/office/drawing/2016/SVG/main" r:embed="rId3"/>
+                  <asvg:svgBlip xmlns:asvg="http://schemas.microsoft.com/office/drawing/2016/SVG/main" xmlns="" r:embed="rId3"/>
                 </a:ext>
               </a:extLst>
             </a:blip>
@@ -20550,7 +20522,7 @@
         </p:nvSpPr>
         <p:spPr>
           <a:xfrm>
-            <a:off x="4089748" y="1684751"/>
+            <a:off x="4062232" y="1695335"/>
             <a:ext cx="1221288" cy="620038"/>
           </a:xfrm>
           <a:prstGeom prst="rect">
@@ -20600,6 +20572,7 @@
                     <a:lumOff val="5000"/>
                   </a:schemeClr>
                 </a:solidFill>
+                <a:latin typeface="Consolas" panose="020B0609020204030204" pitchFamily="49" charset="0"/>
               </a:rPr>
               <a:t>f2c(f)</a:t>
             </a:r>
@@ -20617,7 +20590,7 @@
         </p:nvCxnSpPr>
         <p:spPr>
           <a:xfrm>
-            <a:off x="3569918" y="1994770"/>
+            <a:off x="3542402" y="2005354"/>
             <a:ext cx="519830" cy="0"/>
           </a:xfrm>
           <a:prstGeom prst="straightConnector1">
@@ -20653,7 +20626,7 @@
         </p:nvCxnSpPr>
         <p:spPr>
           <a:xfrm>
-            <a:off x="5311036" y="1994770"/>
+            <a:off x="5283520" y="2005354"/>
             <a:ext cx="519830" cy="0"/>
           </a:xfrm>
           <a:prstGeom prst="straightConnector1">
@@ -21267,15 +21240,7 @@
           <a:p>
             <a:r>
               <a:rPr lang="en-US" dirty="0"/>
-              <a:t>Pixel at (</a:t>
-            </a:r>
-            <a:r>
-              <a:rPr lang="en-US" dirty="0" err="1"/>
-              <a:t>x,y</a:t>
-            </a:r>
-            <a:r>
-              <a:rPr lang="en-US" dirty="0"/>
-              <a:t>)</a:t>
+              <a:t>Pixel at (x,y)</a:t>
             </a:r>
           </a:p>
         </p:txBody>
@@ -21357,413 +21322,404 @@
           <a:chExt cx="0" cy="0"/>
         </a:xfrm>
       </p:grpSpPr>
-      <p:sp>
-        <p:nvSpPr>
-          <p:cNvPr id="5" name="Rectangle 4">
-            <a:extLst>
-              <a:ext uri="{FF2B5EF4-FFF2-40B4-BE49-F238E27FC236}">
-                <a16:creationId xmlns:a16="http://schemas.microsoft.com/office/drawing/2014/main" id="{65250789-430D-470D-9A9F-007CFCB354FA}"/>
-              </a:ext>
-            </a:extLst>
-          </p:cNvPr>
-          <p:cNvSpPr/>
+      <p:grpSp>
+        <p:nvGrpSpPr>
+          <p:cNvPr id="2" name="Group 1"/>
+          <p:cNvGrpSpPr/>
           <p:nvPr/>
-        </p:nvSpPr>
-        <p:spPr>
+        </p:nvGrpSpPr>
+        <p:grpSpPr>
           <a:xfrm>
-            <a:off x="4252586" y="2530258"/>
-            <a:ext cx="1221288" cy="620038"/>
+            <a:off x="3546475" y="2530258"/>
+            <a:ext cx="2663576" cy="620038"/>
+            <a:chOff x="3546475" y="2530258"/>
+            <a:chExt cx="2663576" cy="620038"/>
           </a:xfrm>
-          <a:prstGeom prst="rect">
-            <a:avLst/>
-          </a:prstGeom>
-          <a:solidFill>
-            <a:schemeClr val="accent1">
-              <a:lumMod val="60000"/>
-              <a:lumOff val="40000"/>
-            </a:schemeClr>
-          </a:solidFill>
-          <a:ln>
+        </p:grpSpPr>
+        <p:sp>
+          <p:nvSpPr>
+            <p:cNvPr id="5" name="Rectangle 4">
+              <a:extLst>
+                <a:ext uri="{FF2B5EF4-FFF2-40B4-BE49-F238E27FC236}">
+                  <a16:creationId xmlns:a16="http://schemas.microsoft.com/office/drawing/2014/main" id="{65250789-430D-470D-9A9F-007CFCB354FA}"/>
+                </a:ext>
+              </a:extLst>
+            </p:cNvPr>
+            <p:cNvSpPr/>
+            <p:nvPr/>
+          </p:nvSpPr>
+          <p:spPr>
+            <a:xfrm>
+              <a:off x="4252586" y="2530258"/>
+              <a:ext cx="1221288" cy="620038"/>
+            </a:xfrm>
+            <a:prstGeom prst="rect">
+              <a:avLst/>
+            </a:prstGeom>
             <a:solidFill>
               <a:schemeClr val="accent1">
                 <a:lumMod val="60000"/>
                 <a:lumOff val="40000"/>
               </a:schemeClr>
             </a:solidFill>
-          </a:ln>
-        </p:spPr>
-        <p:style>
-          <a:lnRef idx="2">
-            <a:schemeClr val="accent1">
-              <a:shade val="50000"/>
-            </a:schemeClr>
-          </a:lnRef>
-          <a:fillRef idx="1">
-            <a:schemeClr val="accent1"/>
-          </a:fillRef>
-          <a:effectRef idx="0">
-            <a:schemeClr val="accent1"/>
-          </a:effectRef>
-          <a:fontRef idx="minor">
-            <a:schemeClr val="lt1"/>
-          </a:fontRef>
-        </p:style>
-        <p:txBody>
-          <a:bodyPr rtlCol="0" anchor="ctr"/>
-          <a:lstStyle/>
-          <a:p>
-            <a:pPr algn="ctr"/>
-            <a:r>
-              <a:rPr lang="en-US" sz="1200" dirty="0">
-                <a:solidFill>
-                  <a:schemeClr val="tx1">
-                    <a:lumMod val="95000"/>
-                    <a:lumOff val="5000"/>
-                  </a:schemeClr>
-                </a:solidFill>
-                <a:latin typeface="Consolas" panose="020B0609020204030204" pitchFamily="49" charset="0"/>
-              </a:rPr>
-              <a:t>move(</a:t>
-            </a:r>
-            <a:r>
-              <a:rPr lang="en-US" sz="1200" dirty="0" err="1">
-                <a:solidFill>
-                  <a:schemeClr val="tx1">
-                    <a:lumMod val="95000"/>
-                    <a:lumOff val="5000"/>
-                  </a:schemeClr>
-                </a:solidFill>
-                <a:latin typeface="Consolas" panose="020B0609020204030204" pitchFamily="49" charset="0"/>
-              </a:rPr>
-              <a:t>x,y</a:t>
-            </a:r>
-            <a:r>
-              <a:rPr lang="en-US" sz="1200" dirty="0">
-                <a:solidFill>
-                  <a:schemeClr val="tx1">
-                    <a:lumMod val="95000"/>
-                    <a:lumOff val="5000"/>
-                  </a:schemeClr>
-                </a:solidFill>
-                <a:latin typeface="Consolas" panose="020B0609020204030204" pitchFamily="49" charset="0"/>
-              </a:rPr>
-              <a:t>)</a:t>
-            </a:r>
-          </a:p>
-        </p:txBody>
-      </p:sp>
-      <p:cxnSp>
-        <p:nvCxnSpPr>
-          <p:cNvPr id="6" name="Straight Arrow Connector 5">
-            <a:extLst>
-              <a:ext uri="{FF2B5EF4-FFF2-40B4-BE49-F238E27FC236}">
-                <a16:creationId xmlns:a16="http://schemas.microsoft.com/office/drawing/2014/main" id="{E5550398-B26B-4DCA-9B66-384E44861B2A}"/>
-              </a:ext>
-            </a:extLst>
-          </p:cNvPr>
-          <p:cNvCxnSpPr>
-            <a:cxnSpLocks/>
-          </p:cNvCxnSpPr>
-          <p:nvPr/>
-        </p:nvCxnSpPr>
-        <p:spPr>
-          <a:xfrm>
-            <a:off x="3732756" y="2687877"/>
-            <a:ext cx="519830" cy="0"/>
-          </a:xfrm>
-          <a:prstGeom prst="straightConnector1">
-            <a:avLst/>
-          </a:prstGeom>
-          <a:ln>
-            <a:tailEnd type="triangle"/>
-          </a:ln>
-        </p:spPr>
-        <p:style>
-          <a:lnRef idx="1">
-            <a:schemeClr val="accent1"/>
-          </a:lnRef>
-          <a:fillRef idx="0">
-            <a:schemeClr val="accent1"/>
-          </a:fillRef>
-          <a:effectRef idx="0">
-            <a:schemeClr val="accent1"/>
-          </a:effectRef>
-          <a:fontRef idx="minor">
-            <a:schemeClr val="tx1"/>
-          </a:fontRef>
-        </p:style>
-      </p:cxnSp>
-      <p:cxnSp>
-        <p:nvCxnSpPr>
-          <p:cNvPr id="7" name="Straight Arrow Connector 6">
-            <a:extLst>
-              <a:ext uri="{FF2B5EF4-FFF2-40B4-BE49-F238E27FC236}">
-                <a16:creationId xmlns:a16="http://schemas.microsoft.com/office/drawing/2014/main" id="{77F32D70-E769-4059-A2BA-62007CAD475E}"/>
-              </a:ext>
-            </a:extLst>
-          </p:cNvPr>
-          <p:cNvCxnSpPr>
-            <a:cxnSpLocks/>
-          </p:cNvCxnSpPr>
-          <p:nvPr/>
-        </p:nvCxnSpPr>
-        <p:spPr>
-          <a:xfrm>
-            <a:off x="5473874" y="2710102"/>
-            <a:ext cx="519830" cy="0"/>
-          </a:xfrm>
-          <a:prstGeom prst="straightConnector1">
-            <a:avLst/>
-          </a:prstGeom>
-          <a:ln>
-            <a:tailEnd type="triangle"/>
-          </a:ln>
-        </p:spPr>
-        <p:style>
-          <a:lnRef idx="1">
-            <a:schemeClr val="accent1"/>
-          </a:lnRef>
-          <a:fillRef idx="0">
-            <a:schemeClr val="accent1"/>
-          </a:fillRef>
-          <a:effectRef idx="0">
-            <a:schemeClr val="accent1"/>
-          </a:effectRef>
-          <a:fontRef idx="minor">
-            <a:schemeClr val="tx1"/>
-          </a:fontRef>
-        </p:style>
-      </p:cxnSp>
-      <p:cxnSp>
-        <p:nvCxnSpPr>
-          <p:cNvPr id="8" name="Straight Arrow Connector 7">
-            <a:extLst>
-              <a:ext uri="{FF2B5EF4-FFF2-40B4-BE49-F238E27FC236}">
-                <a16:creationId xmlns:a16="http://schemas.microsoft.com/office/drawing/2014/main" id="{D0E68AB3-47F8-44DA-AB26-6B4110CC160E}"/>
-              </a:ext>
-            </a:extLst>
-          </p:cNvPr>
-          <p:cNvCxnSpPr>
-            <a:cxnSpLocks/>
-          </p:cNvCxnSpPr>
-          <p:nvPr/>
-        </p:nvCxnSpPr>
-        <p:spPr>
-          <a:xfrm>
-            <a:off x="3732756" y="2992677"/>
-            <a:ext cx="519830" cy="0"/>
-          </a:xfrm>
-          <a:prstGeom prst="straightConnector1">
-            <a:avLst/>
-          </a:prstGeom>
-          <a:ln>
-            <a:tailEnd type="triangle"/>
-          </a:ln>
-        </p:spPr>
-        <p:style>
-          <a:lnRef idx="1">
-            <a:schemeClr val="accent1"/>
-          </a:lnRef>
-          <a:fillRef idx="0">
-            <a:schemeClr val="accent1"/>
-          </a:fillRef>
-          <a:effectRef idx="0">
-            <a:schemeClr val="accent1"/>
-          </a:effectRef>
-          <a:fontRef idx="minor">
-            <a:schemeClr val="tx1"/>
-          </a:fontRef>
-        </p:style>
-      </p:cxnSp>
-      <p:cxnSp>
-        <p:nvCxnSpPr>
-          <p:cNvPr id="9" name="Straight Arrow Connector 8">
-            <a:extLst>
-              <a:ext uri="{FF2B5EF4-FFF2-40B4-BE49-F238E27FC236}">
-                <a16:creationId xmlns:a16="http://schemas.microsoft.com/office/drawing/2014/main" id="{136437DD-3429-4189-B3FE-0BEBB08DE0E8}"/>
-              </a:ext>
-            </a:extLst>
-          </p:cNvPr>
-          <p:cNvCxnSpPr>
-            <a:cxnSpLocks/>
-          </p:cNvCxnSpPr>
-          <p:nvPr/>
-        </p:nvCxnSpPr>
-        <p:spPr>
-          <a:xfrm>
-            <a:off x="5473874" y="3027602"/>
-            <a:ext cx="519830" cy="0"/>
-          </a:xfrm>
-          <a:prstGeom prst="straightConnector1">
-            <a:avLst/>
-          </a:prstGeom>
-          <a:ln>
-            <a:tailEnd type="triangle"/>
-          </a:ln>
-        </p:spPr>
-        <p:style>
-          <a:lnRef idx="1">
-            <a:schemeClr val="accent1"/>
-          </a:lnRef>
-          <a:fillRef idx="0">
-            <a:schemeClr val="accent1"/>
-          </a:fillRef>
-          <a:effectRef idx="0">
-            <a:schemeClr val="accent1"/>
-          </a:effectRef>
-          <a:fontRef idx="minor">
-            <a:schemeClr val="tx1"/>
-          </a:fontRef>
-        </p:style>
-      </p:cxnSp>
-      <p:sp>
-        <p:nvSpPr>
-          <p:cNvPr id="10" name="TextBox 9">
-            <a:extLst>
-              <a:ext uri="{FF2B5EF4-FFF2-40B4-BE49-F238E27FC236}">
-                <a16:creationId xmlns:a16="http://schemas.microsoft.com/office/drawing/2014/main" id="{E2A6EDAE-8B6E-42B4-84E3-8F8A68572578}"/>
-              </a:ext>
-            </a:extLst>
-          </p:cNvPr>
-          <p:cNvSpPr txBox="1"/>
-          <p:nvPr/>
-        </p:nvSpPr>
-        <p:spPr>
-          <a:xfrm>
-            <a:off x="3546475" y="2549377"/>
-            <a:ext cx="269626" cy="276999"/>
-          </a:xfrm>
-          <a:prstGeom prst="rect">
-            <a:avLst/>
-          </a:prstGeom>
-          <a:noFill/>
-        </p:spPr>
-        <p:txBody>
-          <a:bodyPr wrap="none" rtlCol="0">
-            <a:spAutoFit/>
-          </a:bodyPr>
-          <a:lstStyle/>
-          <a:p>
-            <a:r>
-              <a:rPr lang="en-US" sz="1200" dirty="0">
-                <a:latin typeface="Consolas" panose="020B0609020204030204" pitchFamily="49" charset="0"/>
-              </a:rPr>
-              <a:t>x</a:t>
-            </a:r>
-          </a:p>
-        </p:txBody>
-      </p:sp>
-      <p:sp>
-        <p:nvSpPr>
-          <p:cNvPr id="11" name="TextBox 10">
-            <a:extLst>
-              <a:ext uri="{FF2B5EF4-FFF2-40B4-BE49-F238E27FC236}">
-                <a16:creationId xmlns:a16="http://schemas.microsoft.com/office/drawing/2014/main" id="{E350ADD5-D522-43A1-B8A8-B1A4A6FF269A}"/>
-              </a:ext>
-            </a:extLst>
-          </p:cNvPr>
-          <p:cNvSpPr txBox="1"/>
-          <p:nvPr/>
-        </p:nvSpPr>
-        <p:spPr>
-          <a:xfrm>
-            <a:off x="3546475" y="2844652"/>
-            <a:ext cx="269626" cy="276999"/>
-          </a:xfrm>
-          <a:prstGeom prst="rect">
-            <a:avLst/>
-          </a:prstGeom>
-          <a:noFill/>
-        </p:spPr>
-        <p:txBody>
-          <a:bodyPr wrap="none" rtlCol="0">
-            <a:spAutoFit/>
-          </a:bodyPr>
-          <a:lstStyle/>
-          <a:p>
-            <a:r>
-              <a:rPr lang="en-US" sz="1200" dirty="0">
-                <a:latin typeface="Consolas" panose="020B0609020204030204" pitchFamily="49" charset="0"/>
-              </a:rPr>
-              <a:t>y</a:t>
-            </a:r>
-          </a:p>
-        </p:txBody>
-      </p:sp>
-      <p:sp>
-        <p:nvSpPr>
-          <p:cNvPr id="12" name="TextBox 11">
-            <a:extLst>
-              <a:ext uri="{FF2B5EF4-FFF2-40B4-BE49-F238E27FC236}">
-                <a16:creationId xmlns:a16="http://schemas.microsoft.com/office/drawing/2014/main" id="{A11A4EEA-B16C-408E-A3A2-DDFA887507B5}"/>
-              </a:ext>
-            </a:extLst>
-          </p:cNvPr>
-          <p:cNvSpPr txBox="1"/>
-          <p:nvPr/>
-        </p:nvSpPr>
-        <p:spPr>
-          <a:xfrm>
-            <a:off x="5940425" y="2565252"/>
-            <a:ext cx="269626" cy="276999"/>
-          </a:xfrm>
-          <a:prstGeom prst="rect">
-            <a:avLst/>
-          </a:prstGeom>
-          <a:noFill/>
-        </p:spPr>
-        <p:txBody>
-          <a:bodyPr wrap="none" rtlCol="0">
-            <a:spAutoFit/>
-          </a:bodyPr>
-          <a:lstStyle/>
-          <a:p>
-            <a:r>
-              <a:rPr lang="en-US" sz="1200" dirty="0">
-                <a:latin typeface="Consolas" panose="020B0609020204030204" pitchFamily="49" charset="0"/>
-              </a:rPr>
-              <a:t>x</a:t>
-            </a:r>
-          </a:p>
-        </p:txBody>
-      </p:sp>
-      <p:sp>
-        <p:nvSpPr>
-          <p:cNvPr id="13" name="TextBox 12">
-            <a:extLst>
-              <a:ext uri="{FF2B5EF4-FFF2-40B4-BE49-F238E27FC236}">
-                <a16:creationId xmlns:a16="http://schemas.microsoft.com/office/drawing/2014/main" id="{2A21E6E8-2CF0-4629-AFC5-E0C431D756D5}"/>
-              </a:ext>
-            </a:extLst>
-          </p:cNvPr>
-          <p:cNvSpPr txBox="1"/>
-          <p:nvPr/>
-        </p:nvSpPr>
-        <p:spPr>
-          <a:xfrm>
-            <a:off x="5940425" y="2860527"/>
-            <a:ext cx="269626" cy="276999"/>
-          </a:xfrm>
-          <a:prstGeom prst="rect">
-            <a:avLst/>
-          </a:prstGeom>
-          <a:noFill/>
-        </p:spPr>
-        <p:txBody>
-          <a:bodyPr wrap="none" rtlCol="0">
-            <a:spAutoFit/>
-          </a:bodyPr>
-          <a:lstStyle/>
-          <a:p>
-            <a:r>
-              <a:rPr lang="en-US" sz="1200" dirty="0">
-                <a:latin typeface="Consolas" panose="020B0609020204030204" pitchFamily="49" charset="0"/>
-              </a:rPr>
-              <a:t>y</a:t>
-            </a:r>
-          </a:p>
-        </p:txBody>
-      </p:sp>
+            <a:ln>
+              <a:solidFill>
+                <a:schemeClr val="accent1">
+                  <a:lumMod val="60000"/>
+                  <a:lumOff val="40000"/>
+                </a:schemeClr>
+              </a:solidFill>
+            </a:ln>
+          </p:spPr>
+          <p:style>
+            <a:lnRef idx="2">
+              <a:schemeClr val="accent1">
+                <a:shade val="50000"/>
+              </a:schemeClr>
+            </a:lnRef>
+            <a:fillRef idx="1">
+              <a:schemeClr val="accent1"/>
+            </a:fillRef>
+            <a:effectRef idx="0">
+              <a:schemeClr val="accent1"/>
+            </a:effectRef>
+            <a:fontRef idx="minor">
+              <a:schemeClr val="lt1"/>
+            </a:fontRef>
+          </p:style>
+          <p:txBody>
+            <a:bodyPr rtlCol="0" anchor="ctr"/>
+            <a:lstStyle/>
+            <a:p>
+              <a:pPr algn="ctr"/>
+              <a:r>
+                <a:rPr lang="en-US" sz="1200" dirty="0">
+                  <a:solidFill>
+                    <a:schemeClr val="tx1">
+                      <a:lumMod val="95000"/>
+                      <a:lumOff val="5000"/>
+                    </a:schemeClr>
+                  </a:solidFill>
+                  <a:latin typeface="Consolas" panose="020B0609020204030204" pitchFamily="49" charset="0"/>
+                </a:rPr>
+                <a:t>move(x,y)</a:t>
+              </a:r>
+            </a:p>
+          </p:txBody>
+        </p:sp>
+        <p:cxnSp>
+          <p:nvCxnSpPr>
+            <p:cNvPr id="6" name="Straight Arrow Connector 5">
+              <a:extLst>
+                <a:ext uri="{FF2B5EF4-FFF2-40B4-BE49-F238E27FC236}">
+                  <a16:creationId xmlns:a16="http://schemas.microsoft.com/office/drawing/2014/main" id="{E5550398-B26B-4DCA-9B66-384E44861B2A}"/>
+                </a:ext>
+              </a:extLst>
+            </p:cNvPr>
+            <p:cNvCxnSpPr>
+              <a:cxnSpLocks/>
+            </p:cNvCxnSpPr>
+            <p:nvPr/>
+          </p:nvCxnSpPr>
+          <p:spPr>
+            <a:xfrm>
+              <a:off x="3732756" y="2687877"/>
+              <a:ext cx="519830" cy="0"/>
+            </a:xfrm>
+            <a:prstGeom prst="straightConnector1">
+              <a:avLst/>
+            </a:prstGeom>
+            <a:ln>
+              <a:tailEnd type="triangle"/>
+            </a:ln>
+          </p:spPr>
+          <p:style>
+            <a:lnRef idx="1">
+              <a:schemeClr val="accent1"/>
+            </a:lnRef>
+            <a:fillRef idx="0">
+              <a:schemeClr val="accent1"/>
+            </a:fillRef>
+            <a:effectRef idx="0">
+              <a:schemeClr val="accent1"/>
+            </a:effectRef>
+            <a:fontRef idx="minor">
+              <a:schemeClr val="tx1"/>
+            </a:fontRef>
+          </p:style>
+        </p:cxnSp>
+        <p:cxnSp>
+          <p:nvCxnSpPr>
+            <p:cNvPr id="7" name="Straight Arrow Connector 6">
+              <a:extLst>
+                <a:ext uri="{FF2B5EF4-FFF2-40B4-BE49-F238E27FC236}">
+                  <a16:creationId xmlns:a16="http://schemas.microsoft.com/office/drawing/2014/main" id="{77F32D70-E769-4059-A2BA-62007CAD475E}"/>
+                </a:ext>
+              </a:extLst>
+            </p:cNvPr>
+            <p:cNvCxnSpPr>
+              <a:cxnSpLocks/>
+            </p:cNvCxnSpPr>
+            <p:nvPr/>
+          </p:nvCxnSpPr>
+          <p:spPr>
+            <a:xfrm>
+              <a:off x="5473874" y="2710102"/>
+              <a:ext cx="519830" cy="0"/>
+            </a:xfrm>
+            <a:prstGeom prst="straightConnector1">
+              <a:avLst/>
+            </a:prstGeom>
+            <a:ln>
+              <a:tailEnd type="triangle"/>
+            </a:ln>
+          </p:spPr>
+          <p:style>
+            <a:lnRef idx="1">
+              <a:schemeClr val="accent1"/>
+            </a:lnRef>
+            <a:fillRef idx="0">
+              <a:schemeClr val="accent1"/>
+            </a:fillRef>
+            <a:effectRef idx="0">
+              <a:schemeClr val="accent1"/>
+            </a:effectRef>
+            <a:fontRef idx="minor">
+              <a:schemeClr val="tx1"/>
+            </a:fontRef>
+          </p:style>
+        </p:cxnSp>
+        <p:cxnSp>
+          <p:nvCxnSpPr>
+            <p:cNvPr id="8" name="Straight Arrow Connector 7">
+              <a:extLst>
+                <a:ext uri="{FF2B5EF4-FFF2-40B4-BE49-F238E27FC236}">
+                  <a16:creationId xmlns:a16="http://schemas.microsoft.com/office/drawing/2014/main" id="{D0E68AB3-47F8-44DA-AB26-6B4110CC160E}"/>
+                </a:ext>
+              </a:extLst>
+            </p:cNvPr>
+            <p:cNvCxnSpPr>
+              <a:cxnSpLocks/>
+            </p:cNvCxnSpPr>
+            <p:nvPr/>
+          </p:nvCxnSpPr>
+          <p:spPr>
+            <a:xfrm>
+              <a:off x="3732756" y="2992677"/>
+              <a:ext cx="519830" cy="0"/>
+            </a:xfrm>
+            <a:prstGeom prst="straightConnector1">
+              <a:avLst/>
+            </a:prstGeom>
+            <a:ln>
+              <a:tailEnd type="triangle"/>
+            </a:ln>
+          </p:spPr>
+          <p:style>
+            <a:lnRef idx="1">
+              <a:schemeClr val="accent1"/>
+            </a:lnRef>
+            <a:fillRef idx="0">
+              <a:schemeClr val="accent1"/>
+            </a:fillRef>
+            <a:effectRef idx="0">
+              <a:schemeClr val="accent1"/>
+            </a:effectRef>
+            <a:fontRef idx="minor">
+              <a:schemeClr val="tx1"/>
+            </a:fontRef>
+          </p:style>
+        </p:cxnSp>
+        <p:cxnSp>
+          <p:nvCxnSpPr>
+            <p:cNvPr id="9" name="Straight Arrow Connector 8">
+              <a:extLst>
+                <a:ext uri="{FF2B5EF4-FFF2-40B4-BE49-F238E27FC236}">
+                  <a16:creationId xmlns:a16="http://schemas.microsoft.com/office/drawing/2014/main" id="{136437DD-3429-4189-B3FE-0BEBB08DE0E8}"/>
+                </a:ext>
+              </a:extLst>
+            </p:cNvPr>
+            <p:cNvCxnSpPr>
+              <a:cxnSpLocks/>
+            </p:cNvCxnSpPr>
+            <p:nvPr/>
+          </p:nvCxnSpPr>
+          <p:spPr>
+            <a:xfrm>
+              <a:off x="5473874" y="3027602"/>
+              <a:ext cx="519830" cy="0"/>
+            </a:xfrm>
+            <a:prstGeom prst="straightConnector1">
+              <a:avLst/>
+            </a:prstGeom>
+            <a:ln>
+              <a:tailEnd type="triangle"/>
+            </a:ln>
+          </p:spPr>
+          <p:style>
+            <a:lnRef idx="1">
+              <a:schemeClr val="accent1"/>
+            </a:lnRef>
+            <a:fillRef idx="0">
+              <a:schemeClr val="accent1"/>
+            </a:fillRef>
+            <a:effectRef idx="0">
+              <a:schemeClr val="accent1"/>
+            </a:effectRef>
+            <a:fontRef idx="minor">
+              <a:schemeClr val="tx1"/>
+            </a:fontRef>
+          </p:style>
+        </p:cxnSp>
+        <p:sp>
+          <p:nvSpPr>
+            <p:cNvPr id="10" name="TextBox 9">
+              <a:extLst>
+                <a:ext uri="{FF2B5EF4-FFF2-40B4-BE49-F238E27FC236}">
+                  <a16:creationId xmlns:a16="http://schemas.microsoft.com/office/drawing/2014/main" id="{E2A6EDAE-8B6E-42B4-84E3-8F8A68572578}"/>
+                </a:ext>
+              </a:extLst>
+            </p:cNvPr>
+            <p:cNvSpPr txBox="1"/>
+            <p:nvPr/>
+          </p:nvSpPr>
+          <p:spPr>
+            <a:xfrm>
+              <a:off x="3546475" y="2549377"/>
+              <a:ext cx="269626" cy="276999"/>
+            </a:xfrm>
+            <a:prstGeom prst="rect">
+              <a:avLst/>
+            </a:prstGeom>
+            <a:noFill/>
+          </p:spPr>
+          <p:txBody>
+            <a:bodyPr wrap="none" rtlCol="0">
+              <a:spAutoFit/>
+            </a:bodyPr>
+            <a:lstStyle/>
+            <a:p>
+              <a:r>
+                <a:rPr lang="en-US" sz="1200" dirty="0">
+                  <a:latin typeface="Consolas" panose="020B0609020204030204" pitchFamily="49" charset="0"/>
+                </a:rPr>
+                <a:t>x</a:t>
+              </a:r>
+            </a:p>
+          </p:txBody>
+        </p:sp>
+        <p:sp>
+          <p:nvSpPr>
+            <p:cNvPr id="11" name="TextBox 10">
+              <a:extLst>
+                <a:ext uri="{FF2B5EF4-FFF2-40B4-BE49-F238E27FC236}">
+                  <a16:creationId xmlns:a16="http://schemas.microsoft.com/office/drawing/2014/main" id="{E350ADD5-D522-43A1-B8A8-B1A4A6FF269A}"/>
+                </a:ext>
+              </a:extLst>
+            </p:cNvPr>
+            <p:cNvSpPr txBox="1"/>
+            <p:nvPr/>
+          </p:nvSpPr>
+          <p:spPr>
+            <a:xfrm>
+              <a:off x="3546475" y="2844652"/>
+              <a:ext cx="269626" cy="276999"/>
+            </a:xfrm>
+            <a:prstGeom prst="rect">
+              <a:avLst/>
+            </a:prstGeom>
+            <a:noFill/>
+          </p:spPr>
+          <p:txBody>
+            <a:bodyPr wrap="none" rtlCol="0">
+              <a:spAutoFit/>
+            </a:bodyPr>
+            <a:lstStyle/>
+            <a:p>
+              <a:r>
+                <a:rPr lang="en-US" sz="1200" dirty="0">
+                  <a:latin typeface="Consolas" panose="020B0609020204030204" pitchFamily="49" charset="0"/>
+                </a:rPr>
+                <a:t>y</a:t>
+              </a:r>
+            </a:p>
+          </p:txBody>
+        </p:sp>
+        <p:sp>
+          <p:nvSpPr>
+            <p:cNvPr id="12" name="TextBox 11">
+              <a:extLst>
+                <a:ext uri="{FF2B5EF4-FFF2-40B4-BE49-F238E27FC236}">
+                  <a16:creationId xmlns:a16="http://schemas.microsoft.com/office/drawing/2014/main" id="{A11A4EEA-B16C-408E-A3A2-DDFA887507B5}"/>
+                </a:ext>
+              </a:extLst>
+            </p:cNvPr>
+            <p:cNvSpPr txBox="1"/>
+            <p:nvPr/>
+          </p:nvSpPr>
+          <p:spPr>
+            <a:xfrm>
+              <a:off x="5940425" y="2565252"/>
+              <a:ext cx="269626" cy="276999"/>
+            </a:xfrm>
+            <a:prstGeom prst="rect">
+              <a:avLst/>
+            </a:prstGeom>
+            <a:noFill/>
+          </p:spPr>
+          <p:txBody>
+            <a:bodyPr wrap="none" rtlCol="0">
+              <a:spAutoFit/>
+            </a:bodyPr>
+            <a:lstStyle/>
+            <a:p>
+              <a:r>
+                <a:rPr lang="en-US" sz="1200" dirty="0">
+                  <a:latin typeface="Consolas" panose="020B0609020204030204" pitchFamily="49" charset="0"/>
+                </a:rPr>
+                <a:t>x</a:t>
+              </a:r>
+            </a:p>
+          </p:txBody>
+        </p:sp>
+        <p:sp>
+          <p:nvSpPr>
+            <p:cNvPr id="13" name="TextBox 12">
+              <a:extLst>
+                <a:ext uri="{FF2B5EF4-FFF2-40B4-BE49-F238E27FC236}">
+                  <a16:creationId xmlns:a16="http://schemas.microsoft.com/office/drawing/2014/main" id="{2A21E6E8-2CF0-4629-AFC5-E0C431D756D5}"/>
+                </a:ext>
+              </a:extLst>
+            </p:cNvPr>
+            <p:cNvSpPr txBox="1"/>
+            <p:nvPr/>
+          </p:nvSpPr>
+          <p:spPr>
+            <a:xfrm>
+              <a:off x="5940425" y="2860527"/>
+              <a:ext cx="269626" cy="276999"/>
+            </a:xfrm>
+            <a:prstGeom prst="rect">
+              <a:avLst/>
+            </a:prstGeom>
+            <a:noFill/>
+          </p:spPr>
+          <p:txBody>
+            <a:bodyPr wrap="none" rtlCol="0">
+              <a:spAutoFit/>
+            </a:bodyPr>
+            <a:lstStyle/>
+            <a:p>
+              <a:r>
+                <a:rPr lang="en-US" sz="1200" dirty="0">
+                  <a:latin typeface="Consolas" panose="020B0609020204030204" pitchFamily="49" charset="0"/>
+                </a:rPr>
+                <a:t>y</a:t>
+              </a:r>
+            </a:p>
+          </p:txBody>
+        </p:sp>
+      </p:grpSp>
     </p:spTree>
     <p:extLst>
       <p:ext uri="{BB962C8B-B14F-4D97-AF65-F5344CB8AC3E}">
@@ -21875,7 +21831,7 @@
                 <a14:useLocalDpi xmlns:a14="http://schemas.microsoft.com/office/drawing/2010/main" val="0"/>
               </a:ext>
               <a:ext uri="{96DAC541-7B7A-43D3-8B79-37D633B846F1}">
-                <asvg:svgBlip xmlns:asvg="http://schemas.microsoft.com/office/drawing/2016/SVG/main" r:embed="rId3"/>
+                <asvg:svgBlip xmlns:asvg="http://schemas.microsoft.com/office/drawing/2016/SVG/main" xmlns="" r:embed="rId3"/>
               </a:ext>
             </a:extLst>
           </a:blip>
@@ -21914,7 +21870,7 @@
                 <a14:useLocalDpi xmlns:a14="http://schemas.microsoft.com/office/drawing/2010/main" val="0"/>
               </a:ext>
               <a:ext uri="{96DAC541-7B7A-43D3-8B79-37D633B846F1}">
-                <asvg:svgBlip xmlns:asvg="http://schemas.microsoft.com/office/drawing/2016/SVG/main" r:embed="rId5"/>
+                <asvg:svgBlip xmlns:asvg="http://schemas.microsoft.com/office/drawing/2016/SVG/main" xmlns="" r:embed="rId5"/>
               </a:ext>
             </a:extLst>
           </a:blip>
@@ -22210,15 +22166,7 @@
           <a:p>
             <a:r>
               <a:rPr lang="en-US" dirty="0"/>
-              <a:t>(</a:t>
-            </a:r>
-            <a:r>
-              <a:rPr lang="en-US" dirty="0" err="1"/>
-              <a:t>x,y</a:t>
-            </a:r>
-            <a:r>
-              <a:rPr lang="en-US" dirty="0"/>
-              <a:t>)</a:t>
+              <a:t>(x,y)</a:t>
             </a:r>
           </a:p>
         </p:txBody>
@@ -22305,7 +22253,7 @@
                 <a14:useLocalDpi xmlns:a14="http://schemas.microsoft.com/office/drawing/2010/main" val="0"/>
               </a:ext>
               <a:ext uri="{96DAC541-7B7A-43D3-8B79-37D633B846F1}">
-                <asvg:svgBlip xmlns:asvg="http://schemas.microsoft.com/office/drawing/2016/SVG/main" r:embed="rId5"/>
+                <asvg:svgBlip xmlns:asvg="http://schemas.microsoft.com/office/drawing/2016/SVG/main" xmlns="" r:embed="rId5"/>
               </a:ext>
             </a:extLst>
           </a:blip>
@@ -22453,7 +22401,7 @@
                 <a14:useLocalDpi xmlns:a14="http://schemas.microsoft.com/office/drawing/2010/main" val="0"/>
               </a:ext>
               <a:ext uri="{96DAC541-7B7A-43D3-8B79-37D633B846F1}">
-                <asvg:svgBlip xmlns:asvg="http://schemas.microsoft.com/office/drawing/2016/SVG/main" r:embed="rId3"/>
+                <asvg:svgBlip xmlns:asvg="http://schemas.microsoft.com/office/drawing/2016/SVG/main" xmlns="" r:embed="rId3"/>
               </a:ext>
             </a:extLst>
           </a:blip>
@@ -22492,7 +22440,7 @@
                 <a14:useLocalDpi xmlns:a14="http://schemas.microsoft.com/office/drawing/2010/main" val="0"/>
               </a:ext>
               <a:ext uri="{96DAC541-7B7A-43D3-8B79-37D633B846F1}">
-                <asvg:svgBlip xmlns:asvg="http://schemas.microsoft.com/office/drawing/2016/SVG/main" r:embed="rId5"/>
+                <asvg:svgBlip xmlns:asvg="http://schemas.microsoft.com/office/drawing/2016/SVG/main" xmlns="" r:embed="rId5"/>
               </a:ext>
             </a:extLst>
           </a:blip>

--- a/images/pygame_rect_window.pptx
+++ b/images/pygame_rect_window.pptx
@@ -5,7 +5,7 @@
     <p:sldMasterId id="2147483648" r:id="rId1"/>
   </p:sldMasterIdLst>
   <p:notesMasterIdLst>
-    <p:notesMasterId r:id="rId32"/>
+    <p:notesMasterId r:id="rId34"/>
   </p:notesMasterIdLst>
   <p:sldIdLst>
     <p:sldId id="257" r:id="rId2"/>
@@ -38,6 +38,8 @@
     <p:sldId id="286" r:id="rId29"/>
     <p:sldId id="287" r:id="rId30"/>
     <p:sldId id="288" r:id="rId31"/>
+    <p:sldId id="289" r:id="rId32"/>
+    <p:sldId id="290" r:id="rId33"/>
   </p:sldIdLst>
   <p:sldSz cx="12192000" cy="6858000"/>
   <p:notesSz cx="6858000" cy="9144000"/>
@@ -369,7 +371,7 @@
           <a:p>
             <a:fld id="{A06AD928-664A-442C-B312-AFB4F7171F46}" type="datetimeFigureOut">
               <a:rPr lang="en-US" smtClean="0"/>
-              <a:t>7/28/2018</a:t>
+              <a:t>8/9/2018</a:t>
             </a:fld>
             <a:endParaRPr lang="en-US"/>
           </a:p>
@@ -765,7 +767,7 @@
           <a:p>
             <a:fld id="{856FFBE8-0159-4FDA-8D70-04C5D85E84A4}" type="datetimeFigureOut">
               <a:rPr lang="en-US" smtClean="0"/>
-              <a:t>7/28/2018</a:t>
+              <a:t>8/9/2018</a:t>
             </a:fld>
             <a:endParaRPr lang="en-US"/>
           </a:p>
@@ -933,7 +935,7 @@
           <a:p>
             <a:fld id="{856FFBE8-0159-4FDA-8D70-04C5D85E84A4}" type="datetimeFigureOut">
               <a:rPr lang="en-US" smtClean="0"/>
-              <a:t>7/28/2018</a:t>
+              <a:t>8/9/2018</a:t>
             </a:fld>
             <a:endParaRPr lang="en-US"/>
           </a:p>
@@ -1111,7 +1113,7 @@
           <a:p>
             <a:fld id="{856FFBE8-0159-4FDA-8D70-04C5D85E84A4}" type="datetimeFigureOut">
               <a:rPr lang="en-US" smtClean="0"/>
-              <a:t>7/28/2018</a:t>
+              <a:t>8/9/2018</a:t>
             </a:fld>
             <a:endParaRPr lang="en-US"/>
           </a:p>
@@ -1279,7 +1281,7 @@
           <a:p>
             <a:fld id="{856FFBE8-0159-4FDA-8D70-04C5D85E84A4}" type="datetimeFigureOut">
               <a:rPr lang="en-US" smtClean="0"/>
-              <a:t>7/28/2018</a:t>
+              <a:t>8/9/2018</a:t>
             </a:fld>
             <a:endParaRPr lang="en-US"/>
           </a:p>
@@ -1524,7 +1526,7 @@
           <a:p>
             <a:fld id="{856FFBE8-0159-4FDA-8D70-04C5D85E84A4}" type="datetimeFigureOut">
               <a:rPr lang="en-US" smtClean="0"/>
-              <a:t>7/28/2018</a:t>
+              <a:t>8/9/2018</a:t>
             </a:fld>
             <a:endParaRPr lang="en-US"/>
           </a:p>
@@ -1753,7 +1755,7 @@
           <a:p>
             <a:fld id="{856FFBE8-0159-4FDA-8D70-04C5D85E84A4}" type="datetimeFigureOut">
               <a:rPr lang="en-US" smtClean="0"/>
-              <a:t>7/28/2018</a:t>
+              <a:t>8/9/2018</a:t>
             </a:fld>
             <a:endParaRPr lang="en-US"/>
           </a:p>
@@ -2117,7 +2119,7 @@
           <a:p>
             <a:fld id="{856FFBE8-0159-4FDA-8D70-04C5D85E84A4}" type="datetimeFigureOut">
               <a:rPr lang="en-US" smtClean="0"/>
-              <a:t>7/28/2018</a:t>
+              <a:t>8/9/2018</a:t>
             </a:fld>
             <a:endParaRPr lang="en-US"/>
           </a:p>
@@ -2234,7 +2236,7 @@
           <a:p>
             <a:fld id="{856FFBE8-0159-4FDA-8D70-04C5D85E84A4}" type="datetimeFigureOut">
               <a:rPr lang="en-US" smtClean="0"/>
-              <a:t>7/28/2018</a:t>
+              <a:t>8/9/2018</a:t>
             </a:fld>
             <a:endParaRPr lang="en-US"/>
           </a:p>
@@ -2329,7 +2331,7 @@
           <a:p>
             <a:fld id="{856FFBE8-0159-4FDA-8D70-04C5D85E84A4}" type="datetimeFigureOut">
               <a:rPr lang="en-US" smtClean="0"/>
-              <a:t>7/28/2018</a:t>
+              <a:t>8/9/2018</a:t>
             </a:fld>
             <a:endParaRPr lang="en-US"/>
           </a:p>
@@ -2604,7 +2606,7 @@
           <a:p>
             <a:fld id="{856FFBE8-0159-4FDA-8D70-04C5D85E84A4}" type="datetimeFigureOut">
               <a:rPr lang="en-US" smtClean="0"/>
-              <a:t>7/28/2018</a:t>
+              <a:t>8/9/2018</a:t>
             </a:fld>
             <a:endParaRPr lang="en-US"/>
           </a:p>
@@ -2856,7 +2858,7 @@
           <a:p>
             <a:fld id="{856FFBE8-0159-4FDA-8D70-04C5D85E84A4}" type="datetimeFigureOut">
               <a:rPr lang="en-US" smtClean="0"/>
-              <a:t>7/28/2018</a:t>
+              <a:t>8/9/2018</a:t>
             </a:fld>
             <a:endParaRPr lang="en-US"/>
           </a:p>
@@ -3067,7 +3069,7 @@
           <a:p>
             <a:fld id="{856FFBE8-0159-4FDA-8D70-04C5D85E84A4}" type="datetimeFigureOut">
               <a:rPr lang="en-US" smtClean="0"/>
-              <a:t>7/28/2018</a:t>
+              <a:t>8/9/2018</a:t>
             </a:fld>
             <a:endParaRPr lang="en-US"/>
           </a:p>
@@ -13733,7 +13735,7 @@
                   <a14:useLocalDpi xmlns:a14="http://schemas.microsoft.com/office/drawing/2010/main" val="0"/>
                 </a:ext>
                 <a:ext uri="{96DAC541-7B7A-43D3-8B79-37D633B846F1}">
-                  <asvg:svgBlip xmlns:asvg="http://schemas.microsoft.com/office/drawing/2016/SVG/main" xmlns="" r:embed="rId3"/>
+                  <asvg:svgBlip xmlns="" xmlns:asvg="http://schemas.microsoft.com/office/drawing/2016/SVG/main" r:embed="rId3"/>
                 </a:ext>
               </a:extLst>
             </a:blip>
@@ -13772,7 +13774,7 @@
                   <a14:useLocalDpi xmlns:a14="http://schemas.microsoft.com/office/drawing/2010/main" val="0"/>
                 </a:ext>
                 <a:ext uri="{96DAC541-7B7A-43D3-8B79-37D633B846F1}">
-                  <asvg:svgBlip xmlns:asvg="http://schemas.microsoft.com/office/drawing/2016/SVG/main" xmlns="" r:embed="rId5"/>
+                  <asvg:svgBlip xmlns="" xmlns:asvg="http://schemas.microsoft.com/office/drawing/2016/SVG/main" r:embed="rId5"/>
                 </a:ext>
               </a:extLst>
             </a:blip>
@@ -13811,7 +13813,7 @@
                   <a14:useLocalDpi xmlns:a14="http://schemas.microsoft.com/office/drawing/2010/main" val="0"/>
                 </a:ext>
                 <a:ext uri="{96DAC541-7B7A-43D3-8B79-37D633B846F1}">
-                  <asvg:svgBlip xmlns:asvg="http://schemas.microsoft.com/office/drawing/2016/SVG/main" xmlns="" r:embed="rId7"/>
+                  <asvg:svgBlip xmlns="" xmlns:asvg="http://schemas.microsoft.com/office/drawing/2016/SVG/main" r:embed="rId7"/>
                 </a:ext>
               </a:extLst>
             </a:blip>
@@ -14301,7 +14303,7 @@
                   <a14:useLocalDpi xmlns:a14="http://schemas.microsoft.com/office/drawing/2010/main" val="0"/>
                 </a:ext>
                 <a:ext uri="{96DAC541-7B7A-43D3-8B79-37D633B846F1}">
-                  <asvg:svgBlip xmlns:asvg="http://schemas.microsoft.com/office/drawing/2016/SVG/main" xmlns="" r:embed="rId9"/>
+                  <asvg:svgBlip xmlns="" xmlns:asvg="http://schemas.microsoft.com/office/drawing/2016/SVG/main" r:embed="rId9"/>
                 </a:ext>
               </a:extLst>
             </a:blip>
@@ -15193,7 +15195,7 @@
                 <a14:useLocalDpi xmlns:a14="http://schemas.microsoft.com/office/drawing/2010/main" val="0"/>
               </a:ext>
               <a:ext uri="{96DAC541-7B7A-43D3-8B79-37D633B846F1}">
-                <asvg:svgBlip xmlns:asvg="http://schemas.microsoft.com/office/drawing/2016/SVG/main" xmlns="" r:embed="rId3"/>
+                <asvg:svgBlip xmlns="" xmlns:asvg="http://schemas.microsoft.com/office/drawing/2016/SVG/main" r:embed="rId3"/>
               </a:ext>
             </a:extLst>
           </a:blip>
@@ -19449,6 +19451,126 @@
 </p:sld>
 </file>
 
+<file path=ppt/slides/slide31.xml><?xml version="1.0" encoding="utf-8"?>
+<p:sld xmlns:a="http://schemas.openxmlformats.org/drawingml/2006/main" xmlns:r="http://schemas.openxmlformats.org/officeDocument/2006/relationships" xmlns:p="http://schemas.openxmlformats.org/presentationml/2006/main">
+  <p:cSld>
+    <p:spTree>
+      <p:nvGrpSpPr>
+        <p:cNvPr id="1" name=""/>
+        <p:cNvGrpSpPr/>
+        <p:nvPr/>
+      </p:nvGrpSpPr>
+      <p:grpSpPr>
+        <a:xfrm>
+          <a:off x="0" y="0"/>
+          <a:ext cx="0" cy="0"/>
+          <a:chOff x="0" y="0"/>
+          <a:chExt cx="0" cy="0"/>
+        </a:xfrm>
+      </p:grpSpPr>
+      <p:pic>
+        <p:nvPicPr>
+          <p:cNvPr id="5" name="Picture 4"/>
+          <p:cNvPicPr>
+            <a:picLocks noChangeAspect="1"/>
+          </p:cNvPicPr>
+          <p:nvPr/>
+        </p:nvPicPr>
+        <p:blipFill>
+          <a:blip r:embed="rId2">
+            <a:extLst>
+              <a:ext uri="{28A0092B-C50C-407E-A947-70E740481C1C}">
+                <a14:useLocalDpi xmlns:a14="http://schemas.microsoft.com/office/drawing/2010/main" val="0"/>
+              </a:ext>
+            </a:extLst>
+          </a:blip>
+          <a:stretch>
+            <a:fillRect/>
+          </a:stretch>
+        </p:blipFill>
+        <p:spPr>
+          <a:xfrm>
+            <a:off x="3555421" y="863015"/>
+            <a:ext cx="5081158" cy="5131969"/>
+          </a:xfrm>
+          <a:prstGeom prst="rect">
+            <a:avLst/>
+          </a:prstGeom>
+        </p:spPr>
+      </p:pic>
+    </p:spTree>
+    <p:extLst>
+      <p:ext uri="{BB962C8B-B14F-4D97-AF65-F5344CB8AC3E}">
+        <p14:creationId xmlns:p14="http://schemas.microsoft.com/office/powerpoint/2010/main" val="3151493782"/>
+      </p:ext>
+    </p:extLst>
+  </p:cSld>
+  <p:clrMapOvr>
+    <a:masterClrMapping/>
+  </p:clrMapOvr>
+</p:sld>
+</file>
+
+<file path=ppt/slides/slide32.xml><?xml version="1.0" encoding="utf-8"?>
+<p:sld xmlns:a="http://schemas.openxmlformats.org/drawingml/2006/main" xmlns:r="http://schemas.openxmlformats.org/officeDocument/2006/relationships" xmlns:p="http://schemas.openxmlformats.org/presentationml/2006/main">
+  <p:cSld>
+    <p:spTree>
+      <p:nvGrpSpPr>
+        <p:cNvPr id="1" name=""/>
+        <p:cNvGrpSpPr/>
+        <p:nvPr/>
+      </p:nvGrpSpPr>
+      <p:grpSpPr>
+        <a:xfrm>
+          <a:off x="0" y="0"/>
+          <a:ext cx="0" cy="0"/>
+          <a:chOff x="0" y="0"/>
+          <a:chExt cx="0" cy="0"/>
+        </a:xfrm>
+      </p:grpSpPr>
+      <p:pic>
+        <p:nvPicPr>
+          <p:cNvPr id="6" name="Picture 5" descr="Monty Hall problem - Wikipedia"/>
+          <p:cNvPicPr>
+            <a:picLocks noChangeAspect="1"/>
+          </p:cNvPicPr>
+          <p:nvPr/>
+        </p:nvPicPr>
+        <p:blipFill>
+          <a:blip r:embed="rId2">
+            <a:extLst>
+              <a:ext uri="{28A0092B-C50C-407E-A947-70E740481C1C}">
+                <a14:useLocalDpi xmlns:a14="http://schemas.microsoft.com/office/drawing/2010/main" val="0"/>
+              </a:ext>
+            </a:extLst>
+          </a:blip>
+          <a:stretch>
+            <a:fillRect/>
+          </a:stretch>
+        </p:blipFill>
+        <p:spPr>
+          <a:xfrm>
+            <a:off x="925946" y="880485"/>
+            <a:ext cx="10058400" cy="5590794"/>
+          </a:xfrm>
+          <a:prstGeom prst="rect">
+            <a:avLst/>
+          </a:prstGeom>
+        </p:spPr>
+      </p:pic>
+    </p:spTree>
+    <p:extLst>
+      <p:ext uri="{BB962C8B-B14F-4D97-AF65-F5344CB8AC3E}">
+        <p14:creationId xmlns:p14="http://schemas.microsoft.com/office/powerpoint/2010/main" val="3698649648"/>
+      </p:ext>
+    </p:extLst>
+  </p:cSld>
+  <p:clrMapOvr>
+    <a:masterClrMapping/>
+  </p:clrMapOvr>
+</p:sld>
+</file>
+
 <file path=ppt/slides/slide4.xml><?xml version="1.0" encoding="utf-8"?>
 <p:sld xmlns:a="http://schemas.openxmlformats.org/drawingml/2006/main" xmlns:r="http://schemas.openxmlformats.org/officeDocument/2006/relationships" xmlns:p="http://schemas.openxmlformats.org/presentationml/2006/main">
   <p:cSld>
@@ -20308,7 +20430,7 @@
                   <a14:useLocalDpi xmlns:a14="http://schemas.microsoft.com/office/drawing/2010/main" val="0"/>
                 </a:ext>
                 <a:ext uri="{96DAC541-7B7A-43D3-8B79-37D633B846F1}">
-                  <asvg:svgBlip xmlns:asvg="http://schemas.microsoft.com/office/drawing/2016/SVG/main" xmlns="" r:embed="rId3"/>
+                  <asvg:svgBlip xmlns="" xmlns:asvg="http://schemas.microsoft.com/office/drawing/2016/SVG/main" r:embed="rId3"/>
                 </a:ext>
               </a:extLst>
             </a:blip>
@@ -21831,7 +21953,7 @@
                 <a14:useLocalDpi xmlns:a14="http://schemas.microsoft.com/office/drawing/2010/main" val="0"/>
               </a:ext>
               <a:ext uri="{96DAC541-7B7A-43D3-8B79-37D633B846F1}">
-                <asvg:svgBlip xmlns:asvg="http://schemas.microsoft.com/office/drawing/2016/SVG/main" xmlns="" r:embed="rId3"/>
+                <asvg:svgBlip xmlns="" xmlns:asvg="http://schemas.microsoft.com/office/drawing/2016/SVG/main" r:embed="rId3"/>
               </a:ext>
             </a:extLst>
           </a:blip>
@@ -21870,7 +21992,7 @@
                 <a14:useLocalDpi xmlns:a14="http://schemas.microsoft.com/office/drawing/2010/main" val="0"/>
               </a:ext>
               <a:ext uri="{96DAC541-7B7A-43D3-8B79-37D633B846F1}">
-                <asvg:svgBlip xmlns:asvg="http://schemas.microsoft.com/office/drawing/2016/SVG/main" xmlns="" r:embed="rId5"/>
+                <asvg:svgBlip xmlns="" xmlns:asvg="http://schemas.microsoft.com/office/drawing/2016/SVG/main" r:embed="rId5"/>
               </a:ext>
             </a:extLst>
           </a:blip>
@@ -22253,7 +22375,7 @@
                 <a14:useLocalDpi xmlns:a14="http://schemas.microsoft.com/office/drawing/2010/main" val="0"/>
               </a:ext>
               <a:ext uri="{96DAC541-7B7A-43D3-8B79-37D633B846F1}">
-                <asvg:svgBlip xmlns:asvg="http://schemas.microsoft.com/office/drawing/2016/SVG/main" xmlns="" r:embed="rId5"/>
+                <asvg:svgBlip xmlns="" xmlns:asvg="http://schemas.microsoft.com/office/drawing/2016/SVG/main" r:embed="rId5"/>
               </a:ext>
             </a:extLst>
           </a:blip>
@@ -22401,7 +22523,7 @@
                 <a14:useLocalDpi xmlns:a14="http://schemas.microsoft.com/office/drawing/2010/main" val="0"/>
               </a:ext>
               <a:ext uri="{96DAC541-7B7A-43D3-8B79-37D633B846F1}">
-                <asvg:svgBlip xmlns:asvg="http://schemas.microsoft.com/office/drawing/2016/SVG/main" xmlns="" r:embed="rId3"/>
+                <asvg:svgBlip xmlns="" xmlns:asvg="http://schemas.microsoft.com/office/drawing/2016/SVG/main" r:embed="rId3"/>
               </a:ext>
             </a:extLst>
           </a:blip>
@@ -22440,7 +22562,7 @@
                 <a14:useLocalDpi xmlns:a14="http://schemas.microsoft.com/office/drawing/2010/main" val="0"/>
               </a:ext>
               <a:ext uri="{96DAC541-7B7A-43D3-8B79-37D633B846F1}">
-                <asvg:svgBlip xmlns:asvg="http://schemas.microsoft.com/office/drawing/2016/SVG/main" xmlns="" r:embed="rId5"/>
+                <asvg:svgBlip xmlns="" xmlns:asvg="http://schemas.microsoft.com/office/drawing/2016/SVG/main" r:embed="rId5"/>
               </a:ext>
             </a:extLst>
           </a:blip>
